--- a/rx_presentation.pptx
+++ b/rx_presentation.pptx
@@ -5,7 +5,7 @@
     <p:sldMasterId id="2147483672" r:id="rId1"/>
   </p:sldMasterIdLst>
   <p:handoutMasterIdLst>
-    <p:handoutMasterId r:id="rId99"/>
+    <p:handoutMasterId r:id="rId102"/>
   </p:handoutMasterIdLst>
   <p:sldIdLst>
     <p:sldId id="256" r:id="rId2"/>
@@ -71,40 +71,43 @@
     <p:sldId id="343" r:id="rId62"/>
     <p:sldId id="346" r:id="rId63"/>
     <p:sldId id="345" r:id="rId64"/>
-    <p:sldId id="347" r:id="rId65"/>
-    <p:sldId id="351" r:id="rId66"/>
-    <p:sldId id="350" r:id="rId67"/>
-    <p:sldId id="349" r:id="rId68"/>
-    <p:sldId id="348" r:id="rId69"/>
-    <p:sldId id="352" r:id="rId70"/>
-    <p:sldId id="278" r:id="rId71"/>
-    <p:sldId id="354" r:id="rId72"/>
-    <p:sldId id="353" r:id="rId73"/>
-    <p:sldId id="368" r:id="rId74"/>
-    <p:sldId id="279" r:id="rId75"/>
-    <p:sldId id="357" r:id="rId76"/>
-    <p:sldId id="356" r:id="rId77"/>
-    <p:sldId id="355" r:id="rId78"/>
-    <p:sldId id="280" r:id="rId79"/>
-    <p:sldId id="360" r:id="rId80"/>
-    <p:sldId id="359" r:id="rId81"/>
-    <p:sldId id="358" r:id="rId82"/>
-    <p:sldId id="281" r:id="rId83"/>
-    <p:sldId id="282" r:id="rId84"/>
-    <p:sldId id="288" r:id="rId85"/>
-    <p:sldId id="283" r:id="rId86"/>
-    <p:sldId id="284" r:id="rId87"/>
-    <p:sldId id="364" r:id="rId88"/>
-    <p:sldId id="363" r:id="rId89"/>
-    <p:sldId id="362" r:id="rId90"/>
-    <p:sldId id="361" r:id="rId91"/>
-    <p:sldId id="285" r:id="rId92"/>
-    <p:sldId id="367" r:id="rId93"/>
-    <p:sldId id="366" r:id="rId94"/>
-    <p:sldId id="365" r:id="rId95"/>
-    <p:sldId id="369" r:id="rId96"/>
-    <p:sldId id="371" r:id="rId97"/>
-    <p:sldId id="287" r:id="rId98"/>
+    <p:sldId id="373" r:id="rId65"/>
+    <p:sldId id="375" r:id="rId66"/>
+    <p:sldId id="347" r:id="rId67"/>
+    <p:sldId id="351" r:id="rId68"/>
+    <p:sldId id="350" r:id="rId69"/>
+    <p:sldId id="349" r:id="rId70"/>
+    <p:sldId id="348" r:id="rId71"/>
+    <p:sldId id="352" r:id="rId72"/>
+    <p:sldId id="278" r:id="rId73"/>
+    <p:sldId id="354" r:id="rId74"/>
+    <p:sldId id="353" r:id="rId75"/>
+    <p:sldId id="374" r:id="rId76"/>
+    <p:sldId id="368" r:id="rId77"/>
+    <p:sldId id="279" r:id="rId78"/>
+    <p:sldId id="357" r:id="rId79"/>
+    <p:sldId id="356" r:id="rId80"/>
+    <p:sldId id="355" r:id="rId81"/>
+    <p:sldId id="280" r:id="rId82"/>
+    <p:sldId id="360" r:id="rId83"/>
+    <p:sldId id="359" r:id="rId84"/>
+    <p:sldId id="358" r:id="rId85"/>
+    <p:sldId id="281" r:id="rId86"/>
+    <p:sldId id="376" r:id="rId87"/>
+    <p:sldId id="288" r:id="rId88"/>
+    <p:sldId id="283" r:id="rId89"/>
+    <p:sldId id="284" r:id="rId90"/>
+    <p:sldId id="364" r:id="rId91"/>
+    <p:sldId id="363" r:id="rId92"/>
+    <p:sldId id="362" r:id="rId93"/>
+    <p:sldId id="361" r:id="rId94"/>
+    <p:sldId id="285" r:id="rId95"/>
+    <p:sldId id="367" r:id="rId96"/>
+    <p:sldId id="366" r:id="rId97"/>
+    <p:sldId id="365" r:id="rId98"/>
+    <p:sldId id="369" r:id="rId99"/>
+    <p:sldId id="377" r:id="rId100"/>
+    <p:sldId id="378" r:id="rId101"/>
   </p:sldIdLst>
   <p:sldSz cx="9144000" cy="6858000" type="screen4x3"/>
   <p:notesSz cx="6858000" cy="9144000"/>
@@ -307,7 +310,7 @@
           <a:p>
             <a:fld id="{BE2DD1C9-4BB6-422A-8F34-C157EA500BD9}" type="datetimeFigureOut">
               <a:rPr lang="en-US" smtClean="0"/>
-              <a:t>2/13/2021</a:t>
+              <a:t>2/14/2021</a:t>
             </a:fld>
             <a:endParaRPr lang="en-US"/>
           </a:p>
@@ -826,7 +829,7 @@
             </a:ln>
             <a:extLst>
               <a:ext uri="{91240B29-F687-4f45-9708-019B960494DF}">
-                <a14:hiddenLine xmlns:a14="http://schemas.microsoft.com/office/drawing/2010/main" xmlns="" w="9525">
+                <a14:hiddenLine xmlns="" xmlns:a14="http://schemas.microsoft.com/office/drawing/2010/main" w="9525">
                   <a:solidFill>
                     <a:srgbClr val="000000"/>
                   </a:solidFill>
@@ -1023,7 +1026,7 @@
           <a:p>
             <a:fld id="{1DBD9794-A4CC-42D0-9A65-24C6B9EF4076}" type="datetimeFigureOut">
               <a:rPr lang="en-US" smtClean="0"/>
-              <a:t>2/13/2021</a:t>
+              <a:t>2/14/2021</a:t>
             </a:fld>
             <a:endParaRPr lang="en-US"/>
           </a:p>
@@ -1907,7 +1910,7 @@
             </a:ln>
             <a:extLst>
               <a:ext uri="{91240B29-F687-4f45-9708-019B960494DF}">
-                <a14:hiddenLine xmlns:a14="http://schemas.microsoft.com/office/drawing/2010/main" xmlns="" w="9525">
+                <a14:hiddenLine xmlns="" xmlns:a14="http://schemas.microsoft.com/office/drawing/2010/main" w="9525">
                   <a:solidFill>
                     <a:srgbClr val="000000"/>
                   </a:solidFill>
@@ -2124,7 +2127,7 @@
           <a:p>
             <a:fld id="{1DBD9794-A4CC-42D0-9A65-24C6B9EF4076}" type="datetimeFigureOut">
               <a:rPr lang="en-US" smtClean="0"/>
-              <a:t>2/13/2021</a:t>
+              <a:t>2/14/2021</a:t>
             </a:fld>
             <a:endParaRPr lang="en-US"/>
           </a:p>
@@ -2993,7 +2996,7 @@
             </a:ln>
             <a:extLst>
               <a:ext uri="{91240B29-F687-4f45-9708-019B960494DF}">
-                <a14:hiddenLine xmlns:a14="http://schemas.microsoft.com/office/drawing/2010/main" xmlns="" w="9525">
+                <a14:hiddenLine xmlns="" xmlns:a14="http://schemas.microsoft.com/office/drawing/2010/main" w="9525">
                   <a:solidFill>
                     <a:srgbClr val="000000"/>
                   </a:solidFill>
@@ -3122,7 +3125,7 @@
           <a:p>
             <a:fld id="{1DBD9794-A4CC-42D0-9A65-24C6B9EF4076}" type="datetimeFigureOut">
               <a:rPr lang="en-US" smtClean="0"/>
-              <a:t>2/13/2021</a:t>
+              <a:t>2/14/2021</a:t>
             </a:fld>
             <a:endParaRPr lang="en-US"/>
           </a:p>
@@ -3954,7 +3957,7 @@
             </a:ln>
             <a:extLst>
               <a:ext uri="{91240B29-F687-4f45-9708-019B960494DF}">
-                <a14:hiddenLine xmlns:a14="http://schemas.microsoft.com/office/drawing/2010/main" xmlns="" w="9525">
+                <a14:hiddenLine xmlns="" xmlns:a14="http://schemas.microsoft.com/office/drawing/2010/main" w="9525">
                   <a:solidFill>
                     <a:srgbClr val="000000"/>
                   </a:solidFill>
@@ -4237,7 +4240,7 @@
           <a:p>
             <a:fld id="{1DBD9794-A4CC-42D0-9A65-24C6B9EF4076}" type="datetimeFigureOut">
               <a:rPr lang="en-US" smtClean="0"/>
-              <a:t>2/13/2021</a:t>
+              <a:t>2/14/2021</a:t>
             </a:fld>
             <a:endParaRPr lang="en-US"/>
           </a:p>
@@ -5069,7 +5072,7 @@
             </a:ln>
             <a:extLst>
               <a:ext uri="{91240B29-F687-4f45-9708-019B960494DF}">
-                <a14:hiddenLine xmlns:a14="http://schemas.microsoft.com/office/drawing/2010/main" xmlns="" w="9525">
+                <a14:hiddenLine xmlns="" xmlns:a14="http://schemas.microsoft.com/office/drawing/2010/main" w="9525">
                   <a:solidFill>
                     <a:srgbClr val="000000"/>
                   </a:solidFill>
@@ -5251,7 +5254,7 @@
           <a:p>
             <a:fld id="{1DBD9794-A4CC-42D0-9A65-24C6B9EF4076}" type="datetimeFigureOut">
               <a:rPr lang="en-US" smtClean="0"/>
-              <a:t>2/13/2021</a:t>
+              <a:t>2/14/2021</a:t>
             </a:fld>
             <a:endParaRPr lang="en-US"/>
           </a:p>
@@ -5923,7 +5926,7 @@
           <a:p>
             <a:fld id="{1DBD9794-A4CC-42D0-9A65-24C6B9EF4076}" type="datetimeFigureOut">
               <a:rPr lang="en-US" smtClean="0"/>
-              <a:t>2/13/2021</a:t>
+              <a:t>2/14/2021</a:t>
             </a:fld>
             <a:endParaRPr lang="en-US"/>
           </a:p>
@@ -6796,7 +6799,7 @@
           <a:p>
             <a:fld id="{1DBD9794-A4CC-42D0-9A65-24C6B9EF4076}" type="datetimeFigureOut">
               <a:rPr lang="en-US" smtClean="0"/>
-              <a:t>2/13/2021</a:t>
+              <a:t>2/14/2021</a:t>
             </a:fld>
             <a:endParaRPr lang="en-US"/>
           </a:p>
@@ -6983,7 +6986,7 @@
           <a:p>
             <a:fld id="{1DBD9794-A4CC-42D0-9A65-24C6B9EF4076}" type="datetimeFigureOut">
               <a:rPr lang="en-US" smtClean="0"/>
-              <a:t>2/13/2021</a:t>
+              <a:t>2/14/2021</a:t>
             </a:fld>
             <a:endParaRPr lang="en-US"/>
           </a:p>
@@ -7818,7 +7821,7 @@
           </a:ln>
           <a:extLst>
             <a:ext uri="{91240B29-F687-4f45-9708-019B960494DF}">
-              <a14:hiddenLine xmlns:a14="http://schemas.microsoft.com/office/drawing/2010/main" xmlns="" w="9525">
+              <a14:hiddenLine xmlns="" xmlns:a14="http://schemas.microsoft.com/office/drawing/2010/main" w="9525">
                 <a:solidFill>
                   <a:srgbClr val="000000"/>
                 </a:solidFill>
@@ -7932,7 +7935,7 @@
           <a:p>
             <a:fld id="{1DBD9794-A4CC-42D0-9A65-24C6B9EF4076}" type="datetimeFigureOut">
               <a:rPr lang="en-US" smtClean="0"/>
-              <a:t>2/13/2021</a:t>
+              <a:t>2/14/2021</a:t>
             </a:fld>
             <a:endParaRPr lang="en-US"/>
           </a:p>
@@ -8164,7 +8167,7 @@
           <a:p>
             <a:fld id="{1DBD9794-A4CC-42D0-9A65-24C6B9EF4076}" type="datetimeFigureOut">
               <a:rPr lang="en-US" smtClean="0"/>
-              <a:t>2/13/2021</a:t>
+              <a:t>2/14/2021</a:t>
             </a:fld>
             <a:endParaRPr lang="en-US"/>
           </a:p>
@@ -8993,7 +8996,7 @@
             </a:ln>
             <a:extLst>
               <a:ext uri="{91240B29-F687-4f45-9708-019B960494DF}">
-                <a14:hiddenLine xmlns:a14="http://schemas.microsoft.com/office/drawing/2010/main" xmlns="" w="9525">
+                <a14:hiddenLine xmlns="" xmlns:a14="http://schemas.microsoft.com/office/drawing/2010/main" w="9525">
                   <a:solidFill>
                     <a:srgbClr val="000000"/>
                   </a:solidFill>
@@ -9175,7 +9178,7 @@
           <a:p>
             <a:fld id="{1DBD9794-A4CC-42D0-9A65-24C6B9EF4076}" type="datetimeFigureOut">
               <a:rPr lang="en-US" smtClean="0"/>
-              <a:t>2/13/2021</a:t>
+              <a:t>2/14/2021</a:t>
             </a:fld>
             <a:endParaRPr lang="en-US"/>
           </a:p>
@@ -9459,7 +9462,7 @@
           <a:p>
             <a:fld id="{1DBD9794-A4CC-42D0-9A65-24C6B9EF4076}" type="datetimeFigureOut">
               <a:rPr lang="en-US" smtClean="0"/>
-              <a:t>2/13/2021</a:t>
+              <a:t>2/14/2021</a:t>
             </a:fld>
             <a:endParaRPr lang="en-US"/>
           </a:p>
@@ -9859,7 +9862,7 @@
           <a:p>
             <a:fld id="{1DBD9794-A4CC-42D0-9A65-24C6B9EF4076}" type="datetimeFigureOut">
               <a:rPr lang="en-US" smtClean="0"/>
-              <a:t>2/13/2021</a:t>
+              <a:t>2/14/2021</a:t>
             </a:fld>
             <a:endParaRPr lang="en-US"/>
           </a:p>
@@ -9989,7 +9992,7 @@
           <a:p>
             <a:fld id="{1DBD9794-A4CC-42D0-9A65-24C6B9EF4076}" type="datetimeFigureOut">
               <a:rPr lang="en-US" smtClean="0"/>
-              <a:t>2/13/2021</a:t>
+              <a:t>2/14/2021</a:t>
             </a:fld>
             <a:endParaRPr lang="en-US"/>
           </a:p>
@@ -10132,7 +10135,7 @@
           <a:p>
             <a:fld id="{1DBD9794-A4CC-42D0-9A65-24C6B9EF4076}" type="datetimeFigureOut">
               <a:rPr lang="en-US" smtClean="0"/>
-              <a:t>2/13/2021</a:t>
+              <a:t>2/14/2021</a:t>
             </a:fld>
             <a:endParaRPr lang="en-US"/>
           </a:p>
@@ -10961,7 +10964,7 @@
             </a:ln>
             <a:extLst>
               <a:ext uri="{91240B29-F687-4f45-9708-019B960494DF}">
-                <a14:hiddenLine xmlns:a14="http://schemas.microsoft.com/office/drawing/2010/main" xmlns="" w="9525">
+                <a14:hiddenLine xmlns="" xmlns:a14="http://schemas.microsoft.com/office/drawing/2010/main" w="9525">
                   <a:solidFill>
                     <a:srgbClr val="000000"/>
                   </a:solidFill>
@@ -11154,7 +11157,7 @@
           <a:p>
             <a:fld id="{1DBD9794-A4CC-42D0-9A65-24C6B9EF4076}" type="datetimeFigureOut">
               <a:rPr lang="en-US" smtClean="0"/>
-              <a:t>2/13/2021</a:t>
+              <a:t>2/14/2021</a:t>
             </a:fld>
             <a:endParaRPr lang="en-US"/>
           </a:p>
@@ -12019,7 +12022,7 @@
             </a:ln>
             <a:extLst>
               <a:ext uri="{91240B29-F687-4f45-9708-019B960494DF}">
-                <a14:hiddenLine xmlns:a14="http://schemas.microsoft.com/office/drawing/2010/main" xmlns="" w="9525">
+                <a14:hiddenLine xmlns="" xmlns:a14="http://schemas.microsoft.com/office/drawing/2010/main" w="9525">
                   <a:solidFill>
                     <a:srgbClr val="000000"/>
                   </a:solidFill>
@@ -12236,7 +12239,7 @@
           <a:p>
             <a:fld id="{1DBD9794-A4CC-42D0-9A65-24C6B9EF4076}" type="datetimeFigureOut">
               <a:rPr lang="en-US" smtClean="0"/>
-              <a:t>2/13/2021</a:t>
+              <a:t>2/14/2021</a:t>
             </a:fld>
             <a:endParaRPr lang="en-US"/>
           </a:p>
@@ -13069,7 +13072,7 @@
             </a:ln>
             <a:extLst>
               <a:ext uri="{91240B29-F687-4f45-9708-019B960494DF}">
-                <a14:hiddenLine xmlns:a14="http://schemas.microsoft.com/office/drawing/2010/main" xmlns="" w="9525">
+                <a14:hiddenLine xmlns="" xmlns:a14="http://schemas.microsoft.com/office/drawing/2010/main" w="9525">
                   <a:solidFill>
                     <a:srgbClr val="000000"/>
                   </a:solidFill>
@@ -13210,7 +13213,7 @@
           <a:p>
             <a:fld id="{1DBD9794-A4CC-42D0-9A65-24C6B9EF4076}" type="datetimeFigureOut">
               <a:rPr lang="en-US" smtClean="0"/>
-              <a:t>2/13/2021</a:t>
+              <a:t>2/14/2021</a:t>
             </a:fld>
             <a:endParaRPr lang="en-US"/>
           </a:p>
@@ -14271,6 +14274,229 @@
 </p:sld>
 </file>
 
+<file path=ppt/slides/slide100.xml><?xml version="1.0" encoding="utf-8"?>
+<p:sld xmlns:a="http://schemas.openxmlformats.org/drawingml/2006/main" xmlns:r="http://schemas.openxmlformats.org/officeDocument/2006/relationships" xmlns:p="http://schemas.openxmlformats.org/presentationml/2006/main">
+  <p:cSld>
+    <p:spTree>
+      <p:nvGrpSpPr>
+        <p:cNvPr id="1" name=""/>
+        <p:cNvGrpSpPr/>
+        <p:nvPr/>
+      </p:nvGrpSpPr>
+      <p:grpSpPr>
+        <a:xfrm>
+          <a:off x="0" y="0"/>
+          <a:ext cx="0" cy="0"/>
+          <a:chOff x="0" y="0"/>
+          <a:chExt cx="0" cy="0"/>
+        </a:xfrm>
+      </p:grpSpPr>
+      <p:sp>
+        <p:nvSpPr>
+          <p:cNvPr id="2" name="Заголовок 1"/>
+          <p:cNvSpPr>
+            <a:spLocks noGrp="1"/>
+          </p:cNvSpPr>
+          <p:nvPr>
+            <p:ph type="title"/>
+          </p:nvPr>
+        </p:nvSpPr>
+        <p:spPr>
+          <a:xfrm>
+            <a:off x="0" y="1"/>
+            <a:ext cx="9144000" cy="1483894"/>
+          </a:xfrm>
+          <a:noFill/>
+        </p:spPr>
+        <p:txBody>
+          <a:bodyPr>
+            <a:normAutofit/>
+          </a:bodyPr>
+          <a:lstStyle/>
+          <a:p>
+            <a:pPr marL="900000">
+              <a:spcBef>
+                <a:spcPts val="0"/>
+              </a:spcBef>
+            </a:pPr>
+            <a:r>
+              <a:rPr lang="ru-RU" sz="3600" b="1" dirty="0">
+                <a:solidFill>
+                  <a:schemeClr val="tx2">
+                    <a:lumMod val="75000"/>
+                  </a:schemeClr>
+                </a:solidFill>
+              </a:rPr>
+              <a:t>Результаты</a:t>
+            </a:r>
+          </a:p>
+        </p:txBody>
+      </p:sp>
+      <p:sp>
+        <p:nvSpPr>
+          <p:cNvPr id="3" name="TextBox 2">
+            <a:extLst>
+              <a:ext uri="{FF2B5EF4-FFF2-40B4-BE49-F238E27FC236}">
+                <a16:creationId xmlns:a16="http://schemas.microsoft.com/office/drawing/2014/main" id="{CA148668-9F41-47BE-9845-424E3F823027}"/>
+              </a:ext>
+            </a:extLst>
+          </p:cNvPr>
+          <p:cNvSpPr txBox="1"/>
+          <p:nvPr/>
+        </p:nvSpPr>
+        <p:spPr>
+          <a:xfrm>
+            <a:off x="7466336" y="6642555"/>
+            <a:ext cx="1410964" cy="215444"/>
+          </a:xfrm>
+          <a:prstGeom prst="rect">
+            <a:avLst/>
+          </a:prstGeom>
+          <a:noFill/>
+        </p:spPr>
+        <p:txBody>
+          <a:bodyPr wrap="none" rtlCol="0">
+            <a:spAutoFit/>
+          </a:bodyPr>
+          <a:lstStyle/>
+          <a:p>
+            <a:r>
+              <a:rPr lang="en-US" sz="800" dirty="0"/>
+              <a:t>© 2021 </a:t>
+            </a:r>
+            <a:r>
+              <a:rPr lang="ru-RU" sz="800" dirty="0"/>
+              <a:t>Сергей Котельников</a:t>
+            </a:r>
+          </a:p>
+        </p:txBody>
+      </p:sp>
+      <p:cxnSp>
+        <p:nvCxnSpPr>
+          <p:cNvPr id="57" name="Прямая соединительная линия 56">
+            <a:extLst>
+              <a:ext uri="{FF2B5EF4-FFF2-40B4-BE49-F238E27FC236}">
+                <a16:creationId xmlns:a16="http://schemas.microsoft.com/office/drawing/2014/main" id="{7CC92653-02A9-4037-8660-47E54663577F}"/>
+              </a:ext>
+            </a:extLst>
+          </p:cNvPr>
+          <p:cNvCxnSpPr>
+            <a:cxnSpLocks/>
+          </p:cNvCxnSpPr>
+          <p:nvPr/>
+        </p:nvCxnSpPr>
+        <p:spPr>
+          <a:xfrm>
+            <a:off x="4572000" y="866775"/>
+            <a:ext cx="4572000" cy="0"/>
+          </a:xfrm>
+          <a:prstGeom prst="line">
+            <a:avLst/>
+          </a:prstGeom>
+          <a:ln>
+            <a:solidFill>
+              <a:srgbClr val="9E9E9E"/>
+            </a:solidFill>
+          </a:ln>
+        </p:spPr>
+        <p:style>
+          <a:lnRef idx="1">
+            <a:schemeClr val="accent1"/>
+          </a:lnRef>
+          <a:fillRef idx="0">
+            <a:schemeClr val="accent1"/>
+          </a:fillRef>
+          <a:effectRef idx="0">
+            <a:schemeClr val="accent1"/>
+          </a:effectRef>
+          <a:fontRef idx="minor">
+            <a:schemeClr val="tx1"/>
+          </a:fontRef>
+        </p:style>
+      </p:cxnSp>
+      <p:sp>
+        <p:nvSpPr>
+          <p:cNvPr id="59" name="TextBox 58">
+            <a:extLst>
+              <a:ext uri="{FF2B5EF4-FFF2-40B4-BE49-F238E27FC236}">
+                <a16:creationId xmlns:a16="http://schemas.microsoft.com/office/drawing/2014/main" id="{4180BE1A-32FB-45E2-97E1-870B9167D9AA}"/>
+              </a:ext>
+            </a:extLst>
+          </p:cNvPr>
+          <p:cNvSpPr txBox="1"/>
+          <p:nvPr/>
+        </p:nvSpPr>
+        <p:spPr>
+          <a:xfrm>
+            <a:off x="1190625" y="1469836"/>
+            <a:ext cx="7686675" cy="2800767"/>
+          </a:xfrm>
+          <a:prstGeom prst="rect">
+            <a:avLst/>
+          </a:prstGeom>
+          <a:noFill/>
+        </p:spPr>
+        <p:txBody>
+          <a:bodyPr wrap="square" rtlCol="0">
+            <a:spAutoFit/>
+          </a:bodyPr>
+          <a:lstStyle/>
+          <a:p>
+            <a:r>
+              <a:rPr lang="ru-RU" sz="2400" dirty="0">
+                <a:solidFill>
+                  <a:srgbClr val="262636"/>
+                </a:solidFill>
+                <a:latin typeface="+mj-lt"/>
+              </a:rPr>
+              <a:t>Если изложенные изыскания несколько расширят понимание арсенала доступных средств, а также направлений развития – это уже победа.</a:t>
+            </a:r>
+          </a:p>
+          <a:p>
+            <a:endParaRPr lang="ru-RU" sz="2400" dirty="0">
+              <a:solidFill>
+                <a:srgbClr val="262636"/>
+              </a:solidFill>
+              <a:latin typeface="+mj-lt"/>
+            </a:endParaRPr>
+          </a:p>
+          <a:p>
+            <a:endParaRPr lang="ru-RU" sz="2400" dirty="0">
+              <a:solidFill>
+                <a:srgbClr val="262636"/>
+              </a:solidFill>
+              <a:latin typeface="+mj-lt"/>
+            </a:endParaRPr>
+          </a:p>
+          <a:p>
+            <a:pPr algn="ctr"/>
+            <a:r>
+              <a:rPr lang="ru-RU" sz="3200" b="1" dirty="0">
+                <a:solidFill>
+                  <a:schemeClr val="tx2">
+                    <a:lumMod val="75000"/>
+                  </a:schemeClr>
+                </a:solidFill>
+                <a:latin typeface="+mj-lt"/>
+              </a:rPr>
+              <a:t>Спасибо за внимание</a:t>
+            </a:r>
+          </a:p>
+        </p:txBody>
+      </p:sp>
+    </p:spTree>
+    <p:extLst>
+      <p:ext uri="{BB962C8B-B14F-4D97-AF65-F5344CB8AC3E}">
+        <p14:creationId xmlns:p14="http://schemas.microsoft.com/office/powerpoint/2010/main" val="951450460"/>
+      </p:ext>
+    </p:extLst>
+  </p:cSld>
+  <p:clrMapOvr>
+    <a:masterClrMapping/>
+  </p:clrMapOvr>
+</p:sld>
+</file>
+
 <file path=ppt/slides/slide11.xml><?xml version="1.0" encoding="utf-8"?>
 <p:sld xmlns:a="http://schemas.openxmlformats.org/drawingml/2006/main" xmlns:r="http://schemas.openxmlformats.org/officeDocument/2006/relationships" xmlns:p="http://schemas.openxmlformats.org/presentationml/2006/main">
   <p:cSld>
@@ -15135,23 +15361,7 @@
                   <a:srgbClr val="262636"/>
                 </a:solidFill>
               </a:rPr>
-              <a:t>6. Есть определённые проблемы, связанные с графикой – </a:t>
-            </a:r>
-            <a:r>
-              <a:rPr lang="ru-RU" sz="2400" dirty="0" err="1">
-                <a:solidFill>
-                  <a:srgbClr val="262636"/>
-                </a:solidFill>
-              </a:rPr>
-              <a:t>трудноконтролируемый</a:t>
-            </a:r>
-            <a:r>
-              <a:rPr lang="ru-RU" sz="2400" dirty="0">
-                <a:solidFill>
-                  <a:srgbClr val="262636"/>
-                </a:solidFill>
-              </a:rPr>
-              <a:t> цикл перерисовок, трудности со скинами.</a:t>
+              <a:t>6. Есть определённые проблемы, связанные с графикой – запрятанный цикл перерисовок, трудности со скинами.</a:t>
             </a:r>
             <a:endParaRPr lang="en-US" sz="2400" dirty="0">
               <a:solidFill>
@@ -15365,7 +15575,7 @@
         <p:spPr>
           <a:xfrm>
             <a:off x="1190625" y="1488886"/>
-            <a:ext cx="7686675" cy="1938992"/>
+            <a:ext cx="7686675" cy="2308324"/>
           </a:xfrm>
           <a:prstGeom prst="rect">
             <a:avLst/>
@@ -15395,9 +15605,12 @@
               <a:t>предоставляет т.н. </a:t>
             </a:r>
             <a:r>
-              <a:rPr lang="en-US" sz="2400" i="1" dirty="0">
-                <a:solidFill>
-                  <a:srgbClr val="262636"/>
+              <a:rPr lang="en-US" sz="2400" dirty="0">
+                <a:solidFill>
+                  <a:schemeClr val="tx2">
+                    <a:lumMod val="60000"/>
+                    <a:lumOff val="40000"/>
+                  </a:schemeClr>
                 </a:solidFill>
               </a:rPr>
               <a:t>retained GUI</a:t>
@@ -15435,9 +15648,12 @@
               <a:t>естественным образом вписывается в концепцию </a:t>
             </a:r>
             <a:r>
-              <a:rPr lang="en-US" sz="2400" i="1" dirty="0">
-                <a:solidFill>
-                  <a:srgbClr val="262636"/>
+              <a:rPr lang="en-US" sz="2400" dirty="0">
+                <a:solidFill>
+                  <a:schemeClr val="tx2">
+                    <a:lumMod val="60000"/>
+                    <a:lumOff val="40000"/>
+                  </a:schemeClr>
                 </a:solidFill>
               </a:rPr>
               <a:t>Immediate-Mode GUI</a:t>
@@ -15450,6 +15666,13 @@
               </a:rPr>
               <a:t>.</a:t>
             </a:r>
+            <a:endParaRPr lang="ru-RU" sz="2400" dirty="0">
+              <a:solidFill>
+                <a:srgbClr val="262636"/>
+              </a:solidFill>
+            </a:endParaRPr>
+          </a:p>
+          <a:p>
             <a:endParaRPr lang="ru-RU" sz="2400" dirty="0">
               <a:solidFill>
                 <a:srgbClr val="262636"/>
@@ -15692,9 +15915,12 @@
               <a:t>предоставляет т.н. </a:t>
             </a:r>
             <a:r>
-              <a:rPr lang="en-US" sz="2400" i="1" dirty="0">
-                <a:solidFill>
-                  <a:srgbClr val="262636"/>
+              <a:rPr lang="en-US" sz="2400" dirty="0">
+                <a:solidFill>
+                  <a:schemeClr val="tx2">
+                    <a:lumMod val="60000"/>
+                    <a:lumOff val="40000"/>
+                  </a:schemeClr>
                 </a:solidFill>
               </a:rPr>
               <a:t>retained GUI</a:t>
@@ -15732,9 +15958,12 @@
               <a:t>естественным образом вписывается в концепцию </a:t>
             </a:r>
             <a:r>
-              <a:rPr lang="en-US" sz="2400" i="1" dirty="0">
-                <a:solidFill>
-                  <a:srgbClr val="262636"/>
+              <a:rPr lang="en-US" sz="2400" dirty="0">
+                <a:solidFill>
+                  <a:schemeClr val="tx2">
+                    <a:lumMod val="60000"/>
+                    <a:lumOff val="40000"/>
+                  </a:schemeClr>
                 </a:solidFill>
               </a:rPr>
               <a:t>Immediate-Mode GUI</a:t>
@@ -16011,9 +16240,12 @@
               <a:t>предоставляет т.н. </a:t>
             </a:r>
             <a:r>
-              <a:rPr lang="en-US" sz="2400" i="1" dirty="0">
-                <a:solidFill>
-                  <a:srgbClr val="262636"/>
+              <a:rPr lang="en-US" sz="2400" dirty="0">
+                <a:solidFill>
+                  <a:schemeClr val="tx2">
+                    <a:lumMod val="60000"/>
+                    <a:lumOff val="40000"/>
+                  </a:schemeClr>
                 </a:solidFill>
               </a:rPr>
               <a:t>retained GUI</a:t>
@@ -16051,9 +16283,12 @@
               <a:t>естественным образом вписывается в концепцию </a:t>
             </a:r>
             <a:r>
-              <a:rPr lang="en-US" sz="2400" i="1" dirty="0">
-                <a:solidFill>
-                  <a:srgbClr val="262636"/>
+              <a:rPr lang="en-US" sz="2400" dirty="0">
+                <a:solidFill>
+                  <a:schemeClr val="tx2">
+                    <a:lumMod val="60000"/>
+                    <a:lumOff val="40000"/>
+                  </a:schemeClr>
                 </a:solidFill>
               </a:rPr>
               <a:t>Immediate-Mode GUI</a:t>
@@ -21584,7 +21819,7 @@
                   <a:srgbClr val="262636"/>
                 </a:solidFill>
               </a:rPr>
-              <a:t>2. Различные компоненты могут иметь потоки сообщений, предназначенные для журналирования</a:t>
+              <a:t>2. Различные компоненты могут иметь потоки сообщений, предназначенные, например, для журналирования</a:t>
             </a:r>
           </a:p>
           <a:p>
@@ -21870,7 +22105,7 @@
                   <a:srgbClr val="262636"/>
                 </a:solidFill>
               </a:rPr>
-              <a:t>2. Различные компоненты могут иметь потоки сообщений, предназначенные для журналирования</a:t>
+              <a:t>2. Различные компоненты могут иметь потоки сообщений, предназначенные, например, для журналирования</a:t>
             </a:r>
           </a:p>
           <a:p>
@@ -22184,7 +22419,7 @@
                   <a:srgbClr val="262636"/>
                 </a:solidFill>
               </a:rPr>
-              <a:t>2. Различные компоненты могут иметь потоки сообщений, предназначенные для журналирования</a:t>
+              <a:t>2. Различные компоненты могут иметь потоки сообщений, предназначенные, например, для журналирования</a:t>
             </a:r>
           </a:p>
           <a:p>
@@ -22498,7 +22733,7 @@
                   <a:srgbClr val="262636"/>
                 </a:solidFill>
               </a:rPr>
-              <a:t>2. Различные компоненты могут иметь потоки сообщений, предназначенные для журналирования</a:t>
+              <a:t>2. Различные компоненты могут иметь потоки сообщений, предназначенные, например, для журналирования</a:t>
             </a:r>
           </a:p>
           <a:p>
@@ -25291,7 +25526,7 @@
         <p:spPr>
           <a:xfrm>
             <a:off x="1190625" y="1488886"/>
-            <a:ext cx="7686675" cy="830997"/>
+            <a:ext cx="7686675" cy="1200329"/>
           </a:xfrm>
           <a:prstGeom prst="rect">
             <a:avLst/>
@@ -25344,8 +25579,31 @@
                   <a:srgbClr val="262636"/>
                 </a:solidFill>
               </a:rPr>
+              <a:t> </a:t>
+            </a:r>
+            <a:r>
+              <a:rPr lang="ru-RU" sz="1000" dirty="0">
+                <a:solidFill>
+                  <a:srgbClr val="262636"/>
+                </a:solidFill>
+              </a:rPr>
+              <a:t>(рабочее название)</a:t>
+            </a:r>
+            <a:r>
+              <a:rPr lang="ru-RU" sz="2400" dirty="0">
+                <a:solidFill>
+                  <a:srgbClr val="262636"/>
+                </a:solidFill>
+              </a:rPr>
               <a:t>!</a:t>
             </a:r>
+          </a:p>
+          <a:p>
+            <a:endParaRPr lang="ru-RU" sz="2400" dirty="0">
+              <a:solidFill>
+                <a:srgbClr val="262636"/>
+              </a:solidFill>
+            </a:endParaRPr>
           </a:p>
         </p:txBody>
       </p:sp>
@@ -25577,6 +25835,22 @@
                   <a:srgbClr val="262636"/>
                 </a:solidFill>
               </a:rPr>
+              <a:t> </a:t>
+            </a:r>
+            <a:r>
+              <a:rPr lang="ru-RU" sz="1000" dirty="0">
+                <a:solidFill>
+                  <a:srgbClr val="262636"/>
+                </a:solidFill>
+              </a:rPr>
+              <a:t>(рабочее название)</a:t>
+            </a:r>
+            <a:r>
+              <a:rPr lang="ru-RU" sz="2400" dirty="0">
+                <a:solidFill>
+                  <a:srgbClr val="262636"/>
+                </a:solidFill>
+              </a:rPr>
               <a:t>!</a:t>
             </a:r>
           </a:p>
@@ -25844,6 +26118,22 @@
                   <a:srgbClr val="262636"/>
                 </a:solidFill>
               </a:rPr>
+              <a:t> </a:t>
+            </a:r>
+            <a:r>
+              <a:rPr lang="ru-RU" sz="1000" dirty="0">
+                <a:solidFill>
+                  <a:srgbClr val="262636"/>
+                </a:solidFill>
+              </a:rPr>
+              <a:t>(рабочее название)</a:t>
+            </a:r>
+            <a:r>
+              <a:rPr lang="ru-RU" sz="2400" dirty="0">
+                <a:solidFill>
+                  <a:srgbClr val="262636"/>
+                </a:solidFill>
+              </a:rPr>
               <a:t>!</a:t>
             </a:r>
           </a:p>
@@ -26455,6 +26745,22 @@
                   <a:srgbClr val="262636"/>
                 </a:solidFill>
               </a:rPr>
+              <a:t> </a:t>
+            </a:r>
+            <a:r>
+              <a:rPr lang="ru-RU" sz="1000" dirty="0">
+                <a:solidFill>
+                  <a:srgbClr val="262636"/>
+                </a:solidFill>
+              </a:rPr>
+              <a:t>(рабочее название)</a:t>
+            </a:r>
+            <a:r>
+              <a:rPr lang="ru-RU" sz="2400" dirty="0">
+                <a:solidFill>
+                  <a:srgbClr val="262636"/>
+                </a:solidFill>
+              </a:rPr>
               <a:t>!</a:t>
             </a:r>
           </a:p>
@@ -26756,6 +27062,22 @@
                   <a:srgbClr val="262636"/>
                 </a:solidFill>
               </a:rPr>
+              <a:t> </a:t>
+            </a:r>
+            <a:r>
+              <a:rPr lang="ru-RU" sz="1000" dirty="0">
+                <a:solidFill>
+                  <a:srgbClr val="262636"/>
+                </a:solidFill>
+              </a:rPr>
+              <a:t>(рабочее название)</a:t>
+            </a:r>
+            <a:r>
+              <a:rPr lang="ru-RU" sz="2400" dirty="0">
+                <a:solidFill>
+                  <a:srgbClr val="262636"/>
+                </a:solidFill>
+              </a:rPr>
               <a:t>!</a:t>
             </a:r>
           </a:p>
@@ -27458,7 +27780,7 @@
                   <a:srgbClr val="262636"/>
                 </a:solidFill>
               </a:rPr>
-              <a:t>				ну, знаете…</a:t>
+              <a:t>			ну, знаете…</a:t>
             </a:r>
           </a:p>
           <a:p>
@@ -27801,7 +28123,7 @@
                   <a:srgbClr val="262636"/>
                 </a:solidFill>
               </a:rPr>
-              <a:t>				ну, знаете…</a:t>
+              <a:t>			ну, знаете…</a:t>
             </a:r>
           </a:p>
           <a:p>
@@ -28738,7 +29060,31 @@
                 </a:solidFill>
                 <a:latin typeface="Consolas" panose="020B0609020204030204" pitchFamily="49" charset="0"/>
               </a:rPr>
-              <a:t>	subscription_ = observable-&gt;subscribe(</a:t>
+              <a:t>	subscription_ = </a:t>
+            </a:r>
+            <a:r>
+              <a:rPr lang="en-US" sz="1600" dirty="0" err="1">
+                <a:solidFill>
+                  <a:schemeClr val="tx2">
+                    <a:lumMod val="60000"/>
+                    <a:lumOff val="40000"/>
+                  </a:schemeClr>
+                </a:solidFill>
+                <a:latin typeface="Consolas" panose="020B0609020204030204" pitchFamily="49" charset="0"/>
+              </a:rPr>
+              <a:t>log_data_stream_.subscribe</a:t>
+            </a:r>
+            <a:r>
+              <a:rPr lang="en-US" sz="1600" dirty="0">
+                <a:solidFill>
+                  <a:schemeClr val="tx2">
+                    <a:lumMod val="60000"/>
+                    <a:lumOff val="40000"/>
+                  </a:schemeClr>
+                </a:solidFill>
+                <a:latin typeface="Consolas" panose="020B0609020204030204" pitchFamily="49" charset="0"/>
+              </a:rPr>
+              <a:t>(</a:t>
             </a:r>
           </a:p>
           <a:p>
@@ -29172,7 +29518,31 @@
                 </a:solidFill>
                 <a:latin typeface="Consolas" panose="020B0609020204030204" pitchFamily="49" charset="0"/>
               </a:rPr>
-              <a:t>	subscription_ = observable-&gt;subscribe(</a:t>
+              <a:t>	subscription_ = </a:t>
+            </a:r>
+            <a:r>
+              <a:rPr lang="en-US" sz="1600" dirty="0" err="1">
+                <a:solidFill>
+                  <a:schemeClr val="tx2">
+                    <a:lumMod val="60000"/>
+                    <a:lumOff val="40000"/>
+                  </a:schemeClr>
+                </a:solidFill>
+                <a:latin typeface="Consolas" panose="020B0609020204030204" pitchFamily="49" charset="0"/>
+              </a:rPr>
+              <a:t>log_data_stream_.subscribe</a:t>
+            </a:r>
+            <a:r>
+              <a:rPr lang="en-US" sz="1600" dirty="0">
+                <a:solidFill>
+                  <a:schemeClr val="tx2">
+                    <a:lumMod val="60000"/>
+                    <a:lumOff val="40000"/>
+                  </a:schemeClr>
+                </a:solidFill>
+                <a:latin typeface="Consolas" panose="020B0609020204030204" pitchFamily="49" charset="0"/>
+              </a:rPr>
+              <a:t>(</a:t>
             </a:r>
           </a:p>
           <a:p>
@@ -29669,7 +30039,31 @@
                 </a:solidFill>
                 <a:latin typeface="Consolas" panose="020B0609020204030204" pitchFamily="49" charset="0"/>
               </a:rPr>
-              <a:t>	subscription_ = observable-&gt;subscribe(</a:t>
+              <a:t>	subscription_ = </a:t>
+            </a:r>
+            <a:r>
+              <a:rPr lang="en-US" sz="1600" dirty="0" err="1">
+                <a:solidFill>
+                  <a:schemeClr val="tx2">
+                    <a:lumMod val="60000"/>
+                    <a:lumOff val="40000"/>
+                  </a:schemeClr>
+                </a:solidFill>
+                <a:latin typeface="Consolas" panose="020B0609020204030204" pitchFamily="49" charset="0"/>
+              </a:rPr>
+              <a:t>log_data_stream_.subscribe</a:t>
+            </a:r>
+            <a:r>
+              <a:rPr lang="en-US" sz="1600" dirty="0">
+                <a:solidFill>
+                  <a:schemeClr val="tx2">
+                    <a:lumMod val="60000"/>
+                    <a:lumOff val="40000"/>
+                  </a:schemeClr>
+                </a:solidFill>
+                <a:latin typeface="Consolas" panose="020B0609020204030204" pitchFamily="49" charset="0"/>
+              </a:rPr>
+              <a:t>(</a:t>
             </a:r>
           </a:p>
           <a:p>
@@ -30629,21 +31023,21 @@
             </a:endParaRPr>
           </a:p>
           <a:p>
+            <a:r>
+              <a:rPr lang="ru-RU" sz="2400" dirty="0">
+                <a:solidFill>
+                  <a:srgbClr val="262636"/>
+                </a:solidFill>
+              </a:rPr>
+              <a:t>Не совсем, хоть и похоже.</a:t>
+            </a:r>
+          </a:p>
+          <a:p>
             <a:endParaRPr lang="ru-RU" sz="2400" dirty="0">
               <a:solidFill>
                 <a:srgbClr val="262636"/>
               </a:solidFill>
             </a:endParaRPr>
-          </a:p>
-          <a:p>
-            <a:r>
-              <a:rPr lang="ru-RU" sz="2400" dirty="0">
-                <a:solidFill>
-                  <a:srgbClr val="262636"/>
-                </a:solidFill>
-              </a:rPr>
-              <a:t>Ну, не совсем, хоть и похоже.</a:t>
-            </a:r>
           </a:p>
         </p:txBody>
       </p:sp>
@@ -30858,7 +31252,7 @@
         <p:spPr>
           <a:xfrm>
             <a:off x="1190625" y="1469836"/>
-            <a:ext cx="7686675" cy="2677656"/>
+            <a:ext cx="7686675" cy="2308324"/>
           </a:xfrm>
           <a:prstGeom prst="rect">
             <a:avLst/>
@@ -30888,20 +31282,13 @@
             </a:endParaRPr>
           </a:p>
           <a:p>
-            <a:endParaRPr lang="ru-RU" sz="2400" dirty="0">
-              <a:solidFill>
-                <a:srgbClr val="262636"/>
-              </a:solidFill>
-            </a:endParaRPr>
-          </a:p>
-          <a:p>
-            <a:r>
-              <a:rPr lang="ru-RU" sz="2400" dirty="0">
-                <a:solidFill>
-                  <a:srgbClr val="262636"/>
-                </a:solidFill>
-              </a:rPr>
-              <a:t>Ну, не совсем, хоть и похоже.</a:t>
+            <a:r>
+              <a:rPr lang="ru-RU" sz="2400" dirty="0">
+                <a:solidFill>
+                  <a:srgbClr val="262636"/>
+                </a:solidFill>
+              </a:rPr>
+              <a:t>Не совсем, хоть и похоже.</a:t>
             </a:r>
           </a:p>
           <a:p>
@@ -31207,7 +31594,7 @@
         <p:spPr>
           <a:xfrm>
             <a:off x="1190625" y="1469836"/>
-            <a:ext cx="7686675" cy="3785652"/>
+            <a:ext cx="7686675" cy="3416320"/>
           </a:xfrm>
           <a:prstGeom prst="rect">
             <a:avLst/>
@@ -31237,20 +31624,13 @@
             </a:endParaRPr>
           </a:p>
           <a:p>
-            <a:endParaRPr lang="ru-RU" sz="2400" dirty="0">
-              <a:solidFill>
-                <a:srgbClr val="262636"/>
-              </a:solidFill>
-            </a:endParaRPr>
-          </a:p>
-          <a:p>
-            <a:r>
-              <a:rPr lang="ru-RU" sz="2400" dirty="0">
-                <a:solidFill>
-                  <a:srgbClr val="262636"/>
-                </a:solidFill>
-              </a:rPr>
-              <a:t>Ну, не совсем, хоть и похоже.</a:t>
+            <a:r>
+              <a:rPr lang="ru-RU" sz="2400" dirty="0">
+                <a:solidFill>
+                  <a:srgbClr val="262636"/>
+                </a:solidFill>
+              </a:rPr>
+              <a:t>Не совсем, хоть и похоже.</a:t>
             </a:r>
           </a:p>
           <a:p>
@@ -31646,7 +32026,7 @@
         <p:spPr>
           <a:xfrm>
             <a:off x="1190625" y="1469836"/>
-            <a:ext cx="7686675" cy="830997"/>
+            <a:ext cx="7686675" cy="4524315"/>
           </a:xfrm>
           <a:prstGeom prst="rect">
             <a:avLst/>
@@ -31665,7 +32045,46 @@
                   <a:srgbClr val="262636"/>
                 </a:solidFill>
               </a:rPr>
-              <a:t>У нас процессор 100500 ядер, а всё</a:t>
+              <a:t>Ну, это как будто паттерн наблюдатель…</a:t>
+            </a:r>
+          </a:p>
+          <a:p>
+            <a:endParaRPr lang="ru-RU" sz="2400" dirty="0">
+              <a:solidFill>
+                <a:srgbClr val="262636"/>
+              </a:solidFill>
+            </a:endParaRPr>
+          </a:p>
+          <a:p>
+            <a:r>
+              <a:rPr lang="ru-RU" sz="2400" dirty="0">
+                <a:solidFill>
+                  <a:srgbClr val="262636"/>
+                </a:solidFill>
+              </a:rPr>
+              <a:t>Не совсем, хоть и похоже.</a:t>
+            </a:r>
+          </a:p>
+          <a:p>
+            <a:r>
+              <a:rPr lang="ru-RU" sz="2400" dirty="0">
+                <a:solidFill>
+                  <a:srgbClr val="262636"/>
+                </a:solidFill>
+              </a:rPr>
+              <a:t>Встроенные функции </a:t>
+            </a:r>
+            <a:r>
+              <a:rPr lang="en-US" sz="2000" dirty="0">
+                <a:solidFill>
+                  <a:schemeClr val="tx2">
+                    <a:lumMod val="60000"/>
+                    <a:lumOff val="40000"/>
+                  </a:schemeClr>
+                </a:solidFill>
+                <a:latin typeface="Consolas" panose="020B0609020204030204" pitchFamily="49" charset="0"/>
+              </a:rPr>
+              <a:t>map</a:t>
             </a:r>
             <a:r>
               <a:rPr lang="en-US" sz="2400" dirty="0">
@@ -31673,6 +32092,48 @@
                   <a:srgbClr val="262636"/>
                 </a:solidFill>
               </a:rPr>
+              <a:t>, </a:t>
+            </a:r>
+            <a:r>
+              <a:rPr lang="en-US" sz="2000" dirty="0">
+                <a:solidFill>
+                  <a:schemeClr val="tx2">
+                    <a:lumMod val="60000"/>
+                    <a:lumOff val="40000"/>
+                  </a:schemeClr>
+                </a:solidFill>
+                <a:latin typeface="Consolas" panose="020B0609020204030204" pitchFamily="49" charset="0"/>
+              </a:rPr>
+              <a:t>filter</a:t>
+            </a:r>
+            <a:r>
+              <a:rPr lang="en-US" sz="2400" dirty="0">
+                <a:solidFill>
+                  <a:srgbClr val="262636"/>
+                </a:solidFill>
+              </a:rPr>
+              <a:t>,</a:t>
+            </a:r>
+          </a:p>
+          <a:p>
+            <a:r>
+              <a:rPr lang="en-US" sz="2000" dirty="0">
+                <a:solidFill>
+                  <a:schemeClr val="tx2">
+                    <a:lumMod val="60000"/>
+                    <a:lumOff val="40000"/>
+                  </a:schemeClr>
+                </a:solidFill>
+                <a:latin typeface="Consolas" panose="020B0609020204030204" pitchFamily="49" charset="0"/>
+              </a:rPr>
+              <a:t>reduce</a:t>
+            </a:r>
+            <a:r>
+              <a:rPr lang="en-US" sz="2400" dirty="0">
+                <a:solidFill>
+                  <a:srgbClr val="262636"/>
+                </a:solidFill>
+              </a:rPr>
               <a:t> </a:t>
             </a:r>
             <a:r>
@@ -31681,15 +32142,192 @@
                   <a:srgbClr val="262636"/>
                 </a:solidFill>
               </a:rPr>
-              <a:t>виснет от обильных нотификаций, что же делать? </a:t>
+              <a:t>позволяют манипулировать</a:t>
+            </a:r>
+          </a:p>
+          <a:p>
+            <a:r>
+              <a:rPr lang="ru-RU" sz="2400" dirty="0">
+                <a:solidFill>
+                  <a:srgbClr val="262636"/>
+                </a:solidFill>
+              </a:rPr>
+              <a:t>входящим потоком:</a:t>
+            </a:r>
+          </a:p>
+          <a:p>
+            <a:r>
+              <a:rPr lang="en-US" sz="2000" dirty="0">
+                <a:solidFill>
+                  <a:schemeClr val="tx2">
+                    <a:lumMod val="60000"/>
+                    <a:lumOff val="40000"/>
+                  </a:schemeClr>
+                </a:solidFill>
+                <a:latin typeface="Consolas" panose="020B0609020204030204" pitchFamily="49" charset="0"/>
+              </a:rPr>
+              <a:t>map</a:t>
+            </a:r>
+            <a:r>
+              <a:rPr lang="en-US" sz="2400" dirty="0">
+                <a:solidFill>
+                  <a:srgbClr val="262636"/>
+                </a:solidFill>
+              </a:rPr>
+              <a:t> – </a:t>
+            </a:r>
+            <a:r>
+              <a:rPr lang="ru-RU" sz="2400" dirty="0">
+                <a:solidFill>
+                  <a:srgbClr val="262636"/>
+                </a:solidFill>
+              </a:rPr>
+              <a:t>применить функтор к каждому элементу</a:t>
+            </a:r>
+          </a:p>
+          <a:p>
+            <a:r>
+              <a:rPr lang="en-US" sz="2000" dirty="0">
+                <a:solidFill>
+                  <a:schemeClr val="tx2">
+                    <a:lumMod val="60000"/>
+                    <a:lumOff val="40000"/>
+                  </a:schemeClr>
+                </a:solidFill>
+                <a:latin typeface="Consolas" panose="020B0609020204030204" pitchFamily="49" charset="0"/>
+              </a:rPr>
+              <a:t>filter</a:t>
+            </a:r>
+            <a:r>
+              <a:rPr lang="en-US" sz="2400" dirty="0">
+                <a:solidFill>
+                  <a:srgbClr val="262636"/>
+                </a:solidFill>
+              </a:rPr>
+              <a:t> – </a:t>
+            </a:r>
+            <a:r>
+              <a:rPr lang="ru-RU" sz="2400" dirty="0">
+                <a:solidFill>
+                  <a:srgbClr val="262636"/>
+                </a:solidFill>
+              </a:rPr>
+              <a:t>фильтрация по элементам</a:t>
+            </a:r>
+          </a:p>
+          <a:p>
+            <a:r>
+              <a:rPr lang="en-US" sz="2000" dirty="0">
+                <a:solidFill>
+                  <a:schemeClr val="tx2">
+                    <a:lumMod val="60000"/>
+                    <a:lumOff val="40000"/>
+                  </a:schemeClr>
+                </a:solidFill>
+                <a:latin typeface="Consolas" panose="020B0609020204030204" pitchFamily="49" charset="0"/>
+              </a:rPr>
+              <a:t>reduce</a:t>
+            </a:r>
+            <a:r>
+              <a:rPr lang="en-US" sz="2400" dirty="0">
+                <a:solidFill>
+                  <a:srgbClr val="262636"/>
+                </a:solidFill>
+              </a:rPr>
+              <a:t> – </a:t>
+            </a:r>
+            <a:r>
+              <a:rPr lang="ru-RU" sz="2400" dirty="0">
+                <a:solidFill>
+                  <a:srgbClr val="262636"/>
+                </a:solidFill>
+              </a:rPr>
+              <a:t>свёртка по функтору.</a:t>
+            </a:r>
+            <a:endParaRPr lang="en-US" sz="2400" dirty="0">
+              <a:solidFill>
+                <a:srgbClr val="262636"/>
+              </a:solidFill>
+            </a:endParaRPr>
+          </a:p>
+          <a:p>
+            <a:r>
+              <a:rPr lang="en-US" sz="2400" dirty="0">
+                <a:solidFill>
+                  <a:srgbClr val="262636"/>
+                </a:solidFill>
+              </a:rPr>
+              <a:t>		</a:t>
+            </a:r>
+            <a:r>
+              <a:rPr lang="ru-RU" sz="2400" dirty="0" err="1">
+                <a:solidFill>
+                  <a:srgbClr val="262636"/>
+                </a:solidFill>
+              </a:rPr>
+              <a:t>Т.о</a:t>
+            </a:r>
+            <a:r>
+              <a:rPr lang="ru-RU" sz="2400" dirty="0">
+                <a:solidFill>
+                  <a:srgbClr val="262636"/>
+                </a:solidFill>
+              </a:rPr>
+              <a:t>. можно навешивать на поток данных</a:t>
+            </a:r>
+          </a:p>
+          <a:p>
+            <a:r>
+              <a:rPr lang="ru-RU" sz="2400" dirty="0">
+                <a:solidFill>
+                  <a:srgbClr val="262636"/>
+                </a:solidFill>
+              </a:rPr>
+              <a:t>		функции обработки и формировать 			      новые потоки.</a:t>
             </a:r>
           </a:p>
         </p:txBody>
       </p:sp>
+      <p:pic>
+        <p:nvPicPr>
+          <p:cNvPr id="5" name="Рисунок 4" descr="Изображение выглядит как человек, мужчина, стена, внутренний&#10;&#10;Автоматически созданное описание">
+            <a:extLst>
+              <a:ext uri="{FF2B5EF4-FFF2-40B4-BE49-F238E27FC236}">
+                <a16:creationId xmlns:a16="http://schemas.microsoft.com/office/drawing/2014/main" id="{07B09B2A-B878-427D-84B2-60A3BB854E32}"/>
+              </a:ext>
+            </a:extLst>
+          </p:cNvPr>
+          <p:cNvPicPr>
+            <a:picLocks noChangeAspect="1"/>
+          </p:cNvPicPr>
+          <p:nvPr/>
+        </p:nvPicPr>
+        <p:blipFill>
+          <a:blip r:embed="rId2" cstate="print">
+            <a:extLst>
+              <a:ext uri="{28A0092B-C50C-407E-A947-70E740481C1C}">
+                <a14:useLocalDpi xmlns:a14="http://schemas.microsoft.com/office/drawing/2010/main" val="0"/>
+              </a:ext>
+            </a:extLst>
+          </a:blip>
+          <a:stretch>
+            <a:fillRect/>
+          </a:stretch>
+        </p:blipFill>
+        <p:spPr>
+          <a:xfrm>
+            <a:off x="6708271" y="1872718"/>
+            <a:ext cx="2435729" cy="1885950"/>
+          </a:xfrm>
+          <a:prstGeom prst="rect">
+            <a:avLst/>
+          </a:prstGeom>
+        </p:spPr>
+      </p:pic>
     </p:spTree>
     <p:extLst>
       <p:ext uri="{BB962C8B-B14F-4D97-AF65-F5344CB8AC3E}">
-        <p14:creationId xmlns:p14="http://schemas.microsoft.com/office/powerpoint/2010/main" val="1754975008"/>
+        <p14:creationId xmlns:p14="http://schemas.microsoft.com/office/powerpoint/2010/main" val="1530217619"/>
       </p:ext>
     </p:extLst>
   </p:cSld>
@@ -31861,7 +32499,7 @@
         <p:spPr>
           <a:xfrm>
             <a:off x="1190625" y="1469836"/>
-            <a:ext cx="7686675" cy="1200329"/>
+            <a:ext cx="7686675" cy="4893647"/>
           </a:xfrm>
           <a:prstGeom prst="rect">
             <a:avLst/>
@@ -31880,7 +32518,46 @@
                   <a:srgbClr val="262636"/>
                 </a:solidFill>
               </a:rPr>
-              <a:t>У нас процессор 100500 ядер, а всё</a:t>
+              <a:t>Ну, это как будто паттерн наблюдатель…</a:t>
+            </a:r>
+          </a:p>
+          <a:p>
+            <a:endParaRPr lang="ru-RU" sz="2400" dirty="0">
+              <a:solidFill>
+                <a:srgbClr val="262636"/>
+              </a:solidFill>
+            </a:endParaRPr>
+          </a:p>
+          <a:p>
+            <a:r>
+              <a:rPr lang="ru-RU" sz="2400" dirty="0">
+                <a:solidFill>
+                  <a:srgbClr val="262636"/>
+                </a:solidFill>
+              </a:rPr>
+              <a:t>Не совсем, хоть и похоже.</a:t>
+            </a:r>
+          </a:p>
+          <a:p>
+            <a:r>
+              <a:rPr lang="ru-RU" sz="2400" dirty="0">
+                <a:solidFill>
+                  <a:srgbClr val="262636"/>
+                </a:solidFill>
+              </a:rPr>
+              <a:t>Встроенные функции </a:t>
+            </a:r>
+            <a:r>
+              <a:rPr lang="en-US" sz="2000" dirty="0">
+                <a:solidFill>
+                  <a:schemeClr val="tx2">
+                    <a:lumMod val="60000"/>
+                    <a:lumOff val="40000"/>
+                  </a:schemeClr>
+                </a:solidFill>
+                <a:latin typeface="Consolas" panose="020B0609020204030204" pitchFamily="49" charset="0"/>
+              </a:rPr>
+              <a:t>map</a:t>
             </a:r>
             <a:r>
               <a:rPr lang="en-US" sz="2400" dirty="0">
@@ -31888,6 +32565,48 @@
                   <a:srgbClr val="262636"/>
                 </a:solidFill>
               </a:rPr>
+              <a:t>, </a:t>
+            </a:r>
+            <a:r>
+              <a:rPr lang="en-US" sz="2000" dirty="0">
+                <a:solidFill>
+                  <a:schemeClr val="tx2">
+                    <a:lumMod val="60000"/>
+                    <a:lumOff val="40000"/>
+                  </a:schemeClr>
+                </a:solidFill>
+                <a:latin typeface="Consolas" panose="020B0609020204030204" pitchFamily="49" charset="0"/>
+              </a:rPr>
+              <a:t>filter</a:t>
+            </a:r>
+            <a:r>
+              <a:rPr lang="en-US" sz="2400" dirty="0">
+                <a:solidFill>
+                  <a:srgbClr val="262636"/>
+                </a:solidFill>
+              </a:rPr>
+              <a:t>,</a:t>
+            </a:r>
+          </a:p>
+          <a:p>
+            <a:r>
+              <a:rPr lang="en-US" sz="2000" dirty="0">
+                <a:solidFill>
+                  <a:schemeClr val="tx2">
+                    <a:lumMod val="60000"/>
+                    <a:lumOff val="40000"/>
+                  </a:schemeClr>
+                </a:solidFill>
+                <a:latin typeface="Consolas" panose="020B0609020204030204" pitchFamily="49" charset="0"/>
+              </a:rPr>
+              <a:t>reduce</a:t>
+            </a:r>
+            <a:r>
+              <a:rPr lang="en-US" sz="2400" dirty="0">
+                <a:solidFill>
+                  <a:srgbClr val="262636"/>
+                </a:solidFill>
+              </a:rPr>
               <a:t> </a:t>
             </a:r>
             <a:r>
@@ -31896,7 +32615,31 @@
                   <a:srgbClr val="262636"/>
                 </a:solidFill>
               </a:rPr>
-              <a:t>виснет от обильных нотификаций, что же делать? Многопоточность, </a:t>
+              <a:t>позволяют манипулировать</a:t>
+            </a:r>
+          </a:p>
+          <a:p>
+            <a:r>
+              <a:rPr lang="ru-RU" sz="2400" dirty="0">
+                <a:solidFill>
+                  <a:srgbClr val="262636"/>
+                </a:solidFill>
+              </a:rPr>
+              <a:t>входящим потоком:</a:t>
+            </a:r>
+          </a:p>
+          <a:p>
+            <a:r>
+              <a:rPr lang="en-US" sz="2000" dirty="0">
+                <a:solidFill>
+                  <a:schemeClr val="tx2">
+                    <a:lumMod val="60000"/>
+                    <a:lumOff val="40000"/>
+                  </a:schemeClr>
+                </a:solidFill>
+                <a:latin typeface="Consolas" panose="020B0609020204030204" pitchFamily="49" charset="0"/>
+              </a:rPr>
+              <a:t>map</a:t>
             </a:r>
             <a:r>
               <a:rPr lang="en-US" sz="2400" dirty="0">
@@ -31904,15 +32647,170 @@
                   <a:srgbClr val="262636"/>
                 </a:solidFill>
               </a:rPr>
-              <a:t>welcome!</a:t>
+              <a:t> – </a:t>
+            </a:r>
+            <a:r>
+              <a:rPr lang="ru-RU" sz="2400" dirty="0">
+                <a:solidFill>
+                  <a:srgbClr val="262636"/>
+                </a:solidFill>
+              </a:rPr>
+              <a:t>применить функтор к каждому элементу</a:t>
+            </a:r>
+          </a:p>
+          <a:p>
+            <a:r>
+              <a:rPr lang="en-US" sz="2000" dirty="0">
+                <a:solidFill>
+                  <a:schemeClr val="tx2">
+                    <a:lumMod val="60000"/>
+                    <a:lumOff val="40000"/>
+                  </a:schemeClr>
+                </a:solidFill>
+                <a:latin typeface="Consolas" panose="020B0609020204030204" pitchFamily="49" charset="0"/>
+              </a:rPr>
+              <a:t>filter</a:t>
+            </a:r>
+            <a:r>
+              <a:rPr lang="en-US" sz="2400" dirty="0">
+                <a:solidFill>
+                  <a:srgbClr val="262636"/>
+                </a:solidFill>
+              </a:rPr>
+              <a:t> – </a:t>
+            </a:r>
+            <a:r>
+              <a:rPr lang="ru-RU" sz="2400" dirty="0">
+                <a:solidFill>
+                  <a:srgbClr val="262636"/>
+                </a:solidFill>
+              </a:rPr>
+              <a:t>фильтрация по элементам</a:t>
+            </a:r>
+          </a:p>
+          <a:p>
+            <a:r>
+              <a:rPr lang="en-US" sz="2000" dirty="0">
+                <a:solidFill>
+                  <a:schemeClr val="tx2">
+                    <a:lumMod val="60000"/>
+                    <a:lumOff val="40000"/>
+                  </a:schemeClr>
+                </a:solidFill>
+                <a:latin typeface="Consolas" panose="020B0609020204030204" pitchFamily="49" charset="0"/>
+              </a:rPr>
+              <a:t>reduce</a:t>
+            </a:r>
+            <a:r>
+              <a:rPr lang="en-US" sz="2400" dirty="0">
+                <a:solidFill>
+                  <a:srgbClr val="262636"/>
+                </a:solidFill>
+              </a:rPr>
+              <a:t> – </a:t>
+            </a:r>
+            <a:r>
+              <a:rPr lang="ru-RU" sz="2400" dirty="0">
+                <a:solidFill>
+                  <a:srgbClr val="262636"/>
+                </a:solidFill>
+              </a:rPr>
+              <a:t>свёртка по функтору.</a:t>
+            </a:r>
+            <a:endParaRPr lang="en-US" sz="2400" dirty="0">
+              <a:solidFill>
+                <a:srgbClr val="262636"/>
+              </a:solidFill>
+            </a:endParaRPr>
+          </a:p>
+          <a:p>
+            <a:r>
+              <a:rPr lang="en-US" sz="2400" dirty="0">
+                <a:solidFill>
+                  <a:srgbClr val="262636"/>
+                </a:solidFill>
+              </a:rPr>
+              <a:t>		</a:t>
+            </a:r>
+            <a:r>
+              <a:rPr lang="ru-RU" sz="2400" dirty="0" err="1">
+                <a:solidFill>
+                  <a:srgbClr val="262636"/>
+                </a:solidFill>
+              </a:rPr>
+              <a:t>Т.о</a:t>
+            </a:r>
+            <a:r>
+              <a:rPr lang="ru-RU" sz="2400" dirty="0">
+                <a:solidFill>
+                  <a:srgbClr val="262636"/>
+                </a:solidFill>
+              </a:rPr>
+              <a:t>. можно навешивать на поток данных</a:t>
+            </a:r>
+          </a:p>
+          <a:p>
+            <a:r>
+              <a:rPr lang="ru-RU" sz="2400" dirty="0">
+                <a:solidFill>
+                  <a:srgbClr val="262636"/>
+                </a:solidFill>
+              </a:rPr>
+              <a:t>		функции обработки и формировать 			      новые потоки.</a:t>
+            </a:r>
+          </a:p>
+          <a:p>
+            <a:r>
+              <a:rPr lang="ru-RU" sz="2400" dirty="0">
+                <a:solidFill>
+                  <a:srgbClr val="262636"/>
+                </a:solidFill>
+              </a:rPr>
+              <a:t>		И можно делать потоки из чего угодно.</a:t>
             </a:r>
           </a:p>
         </p:txBody>
       </p:sp>
+      <p:pic>
+        <p:nvPicPr>
+          <p:cNvPr id="5" name="Рисунок 4" descr="Изображение выглядит как человек, мужчина, стена, внутренний&#10;&#10;Автоматически созданное описание">
+            <a:extLst>
+              <a:ext uri="{FF2B5EF4-FFF2-40B4-BE49-F238E27FC236}">
+                <a16:creationId xmlns:a16="http://schemas.microsoft.com/office/drawing/2014/main" id="{07B09B2A-B878-427D-84B2-60A3BB854E32}"/>
+              </a:ext>
+            </a:extLst>
+          </p:cNvPr>
+          <p:cNvPicPr>
+            <a:picLocks noChangeAspect="1"/>
+          </p:cNvPicPr>
+          <p:nvPr/>
+        </p:nvPicPr>
+        <p:blipFill>
+          <a:blip r:embed="rId2" cstate="print">
+            <a:extLst>
+              <a:ext uri="{28A0092B-C50C-407E-A947-70E740481C1C}">
+                <a14:useLocalDpi xmlns:a14="http://schemas.microsoft.com/office/drawing/2010/main" val="0"/>
+              </a:ext>
+            </a:extLst>
+          </a:blip>
+          <a:stretch>
+            <a:fillRect/>
+          </a:stretch>
+        </p:blipFill>
+        <p:spPr>
+          <a:xfrm>
+            <a:off x="6708271" y="1872718"/>
+            <a:ext cx="2435729" cy="1885950"/>
+          </a:xfrm>
+          <a:prstGeom prst="rect">
+            <a:avLst/>
+          </a:prstGeom>
+        </p:spPr>
+      </p:pic>
     </p:spTree>
     <p:extLst>
       <p:ext uri="{BB962C8B-B14F-4D97-AF65-F5344CB8AC3E}">
-        <p14:creationId xmlns:p14="http://schemas.microsoft.com/office/powerpoint/2010/main" val="2651898402"/>
+        <p14:creationId xmlns:p14="http://schemas.microsoft.com/office/powerpoint/2010/main" val="2601762638"/>
       </p:ext>
     </p:extLst>
   </p:cSld>
@@ -32084,7 +32982,7 @@
         <p:spPr>
           <a:xfrm>
             <a:off x="1190625" y="1469836"/>
-            <a:ext cx="7686675" cy="1938992"/>
+            <a:ext cx="7686675" cy="1200329"/>
           </a:xfrm>
           <a:prstGeom prst="rect">
             <a:avLst/>
@@ -32103,7 +33001,7 @@
                   <a:srgbClr val="262636"/>
                 </a:solidFill>
               </a:rPr>
-              <a:t>У нас процессор 100500 ядер, а всё</a:t>
+              <a:t>«У нас процессор 100500 ядер, а всё</a:t>
             </a:r>
             <a:r>
               <a:rPr lang="en-US" sz="2400" dirty="0">
@@ -32119,49 +33017,22 @@
                   <a:srgbClr val="262636"/>
                 </a:solidFill>
               </a:rPr>
-              <a:t>виснет от обильных нотификаций, что же делать? Многопоточность, </a:t>
-            </a:r>
-            <a:r>
-              <a:rPr lang="en-US" sz="2400" dirty="0">
-                <a:solidFill>
-                  <a:srgbClr val="262636"/>
-                </a:solidFill>
-              </a:rPr>
-              <a:t>welcome!</a:t>
-            </a:r>
-          </a:p>
-          <a:p>
-            <a:r>
-              <a:rPr lang="en-US" sz="2400" dirty="0" err="1">
-                <a:solidFill>
-                  <a:srgbClr val="262636"/>
-                </a:solidFill>
-              </a:rPr>
-              <a:t>tirx</a:t>
-            </a:r>
-            <a:r>
-              <a:rPr lang="en-US" sz="2400" dirty="0">
-                <a:solidFill>
-                  <a:srgbClr val="262636"/>
-                </a:solidFill>
-              </a:rPr>
-              <a:t> </a:t>
-            </a:r>
-            <a:r>
-              <a:rPr lang="ru-RU" sz="2400" dirty="0">
-                <a:solidFill>
-                  <a:srgbClr val="262636"/>
-                </a:solidFill>
-              </a:rPr>
-              <a:t>позволяет определить выполнение функций подписки в многопоточной манере:</a:t>
-            </a:r>
+              <a:t>виснет от обильных нотификаций, что же делать?» </a:t>
+            </a:r>
+          </a:p>
+          <a:p>
+            <a:endParaRPr lang="ru-RU" sz="2400" dirty="0">
+              <a:solidFill>
+                <a:srgbClr val="262636"/>
+              </a:solidFill>
+            </a:endParaRPr>
           </a:p>
         </p:txBody>
       </p:sp>
     </p:spTree>
     <p:extLst>
       <p:ext uri="{BB962C8B-B14F-4D97-AF65-F5344CB8AC3E}">
-        <p14:creationId xmlns:p14="http://schemas.microsoft.com/office/powerpoint/2010/main" val="3731806256"/>
+        <p14:creationId xmlns:p14="http://schemas.microsoft.com/office/powerpoint/2010/main" val="1754975008"/>
       </p:ext>
     </p:extLst>
   </p:cSld>
@@ -32333,7 +33204,7 @@
         <p:spPr>
           <a:xfrm>
             <a:off x="1190625" y="1469836"/>
-            <a:ext cx="7686675" cy="3046988"/>
+            <a:ext cx="7686675" cy="1569660"/>
           </a:xfrm>
           <a:prstGeom prst="rect">
             <a:avLst/>
@@ -32352,7 +33223,7 @@
                   <a:srgbClr val="262636"/>
                 </a:solidFill>
               </a:rPr>
-              <a:t>У нас процессор 100500 ядер, а всё</a:t>
+              <a:t>«У нас процессор 100500 ядер, а всё</a:t>
             </a:r>
             <a:r>
               <a:rPr lang="en-US" sz="2400" dirty="0">
@@ -32368,80 +33239,24 @@
                   <a:srgbClr val="262636"/>
                 </a:solidFill>
               </a:rPr>
-              <a:t>виснет от обильных нотификаций, что же делать? Многопоточность, </a:t>
-            </a:r>
-            <a:r>
-              <a:rPr lang="en-US" sz="2400" dirty="0">
-                <a:solidFill>
-                  <a:srgbClr val="262636"/>
-                </a:solidFill>
-              </a:rPr>
-              <a:t>welcome!</a:t>
-            </a:r>
-          </a:p>
-          <a:p>
-            <a:r>
-              <a:rPr lang="en-US" sz="2400" dirty="0" err="1">
-                <a:solidFill>
-                  <a:srgbClr val="262636"/>
-                </a:solidFill>
-              </a:rPr>
-              <a:t>tirx</a:t>
-            </a:r>
-            <a:r>
-              <a:rPr lang="en-US" sz="2400" dirty="0">
-                <a:solidFill>
-                  <a:srgbClr val="262636"/>
-                </a:solidFill>
-              </a:rPr>
-              <a:t> </a:t>
-            </a:r>
-            <a:r>
-              <a:rPr lang="ru-RU" sz="2400" dirty="0">
-                <a:solidFill>
-                  <a:srgbClr val="262636"/>
-                </a:solidFill>
-              </a:rPr>
-              <a:t>позволяет определить выполнение функций подписки в многопоточной манере:</a:t>
-            </a:r>
-          </a:p>
-          <a:p>
-            <a:r>
-              <a:rPr lang="ru-RU" sz="2400" dirty="0">
-                <a:solidFill>
-                  <a:srgbClr val="262636"/>
-                </a:solidFill>
-              </a:rPr>
-              <a:t>1. Отдельный поток. Например, можно собрать все источники логов в один поток и писать их в файл без блокировок</a:t>
-            </a:r>
-            <a:r>
-              <a:rPr lang="en-US" sz="2400" dirty="0">
-                <a:solidFill>
-                  <a:srgbClr val="262636"/>
-                </a:solidFill>
-              </a:rPr>
-              <a:t> - </a:t>
-            </a:r>
-            <a:r>
-              <a:rPr lang="en-US" sz="2000" dirty="0" err="1">
-                <a:solidFill>
-                  <a:schemeClr val="tx2">
-                    <a:lumMod val="60000"/>
-                    <a:lumOff val="40000"/>
-                  </a:schemeClr>
-                </a:solidFill>
-                <a:latin typeface="Consolas" panose="020B0609020204030204" pitchFamily="49" charset="0"/>
-              </a:rPr>
-              <a:t>SingleThreadExecutor</a:t>
-            </a:r>
-            <a:endParaRPr lang="ru-RU" sz="2000" dirty="0">
+              <a:t>виснет от обильных нотификаций, что же делать?»</a:t>
+            </a:r>
+          </a:p>
+          <a:p>
+            <a:r>
+              <a:rPr lang="ru-RU" sz="2400" dirty="0">
+                <a:solidFill>
+                  <a:srgbClr val="262636"/>
+                </a:solidFill>
+              </a:rPr>
+              <a:t>Очевидно же, многопоточность.</a:t>
+            </a:r>
+          </a:p>
+          <a:p>
+            <a:endParaRPr lang="en-US" sz="2400" dirty="0">
               <a:solidFill>
-                <a:schemeClr val="tx2">
-                  <a:lumMod val="60000"/>
-                  <a:lumOff val="40000"/>
-                </a:schemeClr>
+                <a:srgbClr val="262636"/>
               </a:solidFill>
-              <a:latin typeface="Consolas" panose="020B0609020204030204" pitchFamily="49" charset="0"/>
             </a:endParaRPr>
           </a:p>
         </p:txBody>
@@ -32449,7 +33264,7 @@
     </p:spTree>
     <p:extLst>
       <p:ext uri="{BB962C8B-B14F-4D97-AF65-F5344CB8AC3E}">
-        <p14:creationId xmlns:p14="http://schemas.microsoft.com/office/powerpoint/2010/main" val="1108094944"/>
+        <p14:creationId xmlns:p14="http://schemas.microsoft.com/office/powerpoint/2010/main" val="2651898402"/>
       </p:ext>
     </p:extLst>
   </p:cSld>
@@ -32621,7 +33436,7 @@
         <p:spPr>
           <a:xfrm>
             <a:off x="1190625" y="1469836"/>
-            <a:ext cx="7686675" cy="4462760"/>
+            <a:ext cx="7686675" cy="1938992"/>
           </a:xfrm>
           <a:prstGeom prst="rect">
             <a:avLst/>
@@ -32640,7 +33455,7 @@
                   <a:srgbClr val="262636"/>
                 </a:solidFill>
               </a:rPr>
-              <a:t>У нас процессор 100500 ядер, а всё</a:t>
+              <a:t>«У нас процессор 100500 ядер, а всё</a:t>
             </a:r>
             <a:r>
               <a:rPr lang="en-US" sz="2400" dirty="0">
@@ -32656,7 +33471,27 @@
                   <a:srgbClr val="262636"/>
                 </a:solidFill>
               </a:rPr>
-              <a:t>виснет от обильных нотификаций, что же делать? Многопоточность, </a:t>
+              <a:t>виснет от обильных нотификаций, что же делать?»</a:t>
+            </a:r>
+          </a:p>
+          <a:p>
+            <a:r>
+              <a:rPr lang="ru-RU" sz="2400" dirty="0">
+                <a:solidFill>
+                  <a:srgbClr val="262636"/>
+                </a:solidFill>
+              </a:rPr>
+              <a:t>Очевидно же, многопоточность.</a:t>
+            </a:r>
+          </a:p>
+          <a:p>
+            <a:r>
+              <a:rPr lang="en-US" sz="2400" dirty="0" err="1">
+                <a:solidFill>
+                  <a:srgbClr val="262636"/>
+                </a:solidFill>
+              </a:rPr>
+              <a:t>tirx</a:t>
             </a:r>
             <a:r>
               <a:rPr lang="en-US" sz="2400" dirty="0">
@@ -32664,24 +33499,6 @@
                   <a:srgbClr val="262636"/>
                 </a:solidFill>
               </a:rPr>
-              <a:t>welcome!</a:t>
-            </a:r>
-          </a:p>
-          <a:p>
-            <a:r>
-              <a:rPr lang="en-US" sz="2400" dirty="0" err="1">
-                <a:solidFill>
-                  <a:srgbClr val="262636"/>
-                </a:solidFill>
-              </a:rPr>
-              <a:t>tirx</a:t>
-            </a:r>
-            <a:r>
-              <a:rPr lang="en-US" sz="2400" dirty="0">
-                <a:solidFill>
-                  <a:srgbClr val="262636"/>
-                </a:solidFill>
-              </a:rPr>
               <a:t> </a:t>
             </a:r>
             <a:r>
@@ -32692,116 +33509,13 @@
               </a:rPr>
               <a:t>позволяет определить выполнение функций подписки в многопоточной манере:</a:t>
             </a:r>
-          </a:p>
-          <a:p>
-            <a:r>
-              <a:rPr lang="ru-RU" sz="2400" dirty="0">
-                <a:solidFill>
-                  <a:srgbClr val="262636"/>
-                </a:solidFill>
-              </a:rPr>
-              <a:t>1. Отдельный поток. Например, можно собрать все источники логов в один поток и писать их в файл без блокировок</a:t>
-            </a:r>
-            <a:r>
-              <a:rPr lang="en-US" sz="2400" dirty="0">
-                <a:solidFill>
-                  <a:srgbClr val="262636"/>
-                </a:solidFill>
-              </a:rPr>
-              <a:t> - </a:t>
-            </a:r>
-            <a:r>
-              <a:rPr lang="en-US" sz="2000" dirty="0" err="1">
-                <a:solidFill>
-                  <a:schemeClr val="tx2">
-                    <a:lumMod val="60000"/>
-                    <a:lumOff val="40000"/>
-                  </a:schemeClr>
-                </a:solidFill>
-                <a:latin typeface="Consolas" panose="020B0609020204030204" pitchFamily="49" charset="0"/>
-              </a:rPr>
-              <a:t>SingleThreadExecutor</a:t>
-            </a:r>
-            <a:endParaRPr lang="ru-RU" sz="2000" dirty="0">
-              <a:solidFill>
-                <a:schemeClr val="tx2">
-                  <a:lumMod val="60000"/>
-                  <a:lumOff val="40000"/>
-                </a:schemeClr>
-              </a:solidFill>
-              <a:latin typeface="Consolas" panose="020B0609020204030204" pitchFamily="49" charset="0"/>
-            </a:endParaRPr>
-          </a:p>
-          <a:p>
-            <a:r>
-              <a:rPr lang="ru-RU" sz="2400" dirty="0">
-                <a:solidFill>
-                  <a:srgbClr val="262636"/>
-                </a:solidFill>
-              </a:rPr>
-              <a:t>2. Пул потоков заданной ёмкости</a:t>
-            </a:r>
-            <a:r>
-              <a:rPr lang="en-US" sz="2400" dirty="0">
-                <a:solidFill>
-                  <a:srgbClr val="262636"/>
-                </a:solidFill>
-              </a:rPr>
-              <a:t> - </a:t>
-            </a:r>
-            <a:r>
-              <a:rPr lang="en-US" sz="2000" dirty="0" err="1">
-                <a:solidFill>
-                  <a:schemeClr val="tx2">
-                    <a:lumMod val="60000"/>
-                    <a:lumOff val="40000"/>
-                  </a:schemeClr>
-                </a:solidFill>
-                <a:latin typeface="Consolas" panose="020B0609020204030204" pitchFamily="49" charset="0"/>
-              </a:rPr>
-              <a:t>ThreadPoolExecutor</a:t>
-            </a:r>
-            <a:endParaRPr lang="ru-RU" sz="2000" dirty="0">
-              <a:solidFill>
-                <a:schemeClr val="tx2">
-                  <a:lumMod val="60000"/>
-                  <a:lumOff val="40000"/>
-                </a:schemeClr>
-              </a:solidFill>
-              <a:latin typeface="Consolas" panose="020B0609020204030204" pitchFamily="49" charset="0"/>
-            </a:endParaRPr>
-          </a:p>
-          <a:p>
-            <a:r>
-              <a:rPr lang="en-US" sz="2400" dirty="0">
-                <a:solidFill>
-                  <a:srgbClr val="262636"/>
-                </a:solidFill>
-              </a:rPr>
-              <a:t>	</a:t>
-            </a:r>
-          </a:p>
-          <a:p>
-            <a:r>
-              <a:rPr lang="en-US" sz="2400" dirty="0">
-                <a:solidFill>
-                  <a:srgbClr val="262636"/>
-                </a:solidFill>
-              </a:rPr>
-              <a:t>		</a:t>
-            </a:r>
-            <a:endParaRPr lang="ru-RU" sz="2400" dirty="0">
-              <a:solidFill>
-                <a:srgbClr val="262636"/>
-              </a:solidFill>
-            </a:endParaRPr>
           </a:p>
         </p:txBody>
       </p:sp>
     </p:spTree>
     <p:extLst>
       <p:ext uri="{BB962C8B-B14F-4D97-AF65-F5344CB8AC3E}">
-        <p14:creationId xmlns:p14="http://schemas.microsoft.com/office/powerpoint/2010/main" val="492442210"/>
+        <p14:creationId xmlns:p14="http://schemas.microsoft.com/office/powerpoint/2010/main" val="3731806256"/>
       </p:ext>
     </p:extLst>
   </p:cSld>
@@ -32973,7 +33687,7 @@
         <p:spPr>
           <a:xfrm>
             <a:off x="1190625" y="1469836"/>
-            <a:ext cx="7686675" cy="4832092"/>
+            <a:ext cx="7686675" cy="3046988"/>
           </a:xfrm>
           <a:prstGeom prst="rect">
             <a:avLst/>
@@ -32992,7 +33706,7 @@
                   <a:srgbClr val="262636"/>
                 </a:solidFill>
               </a:rPr>
-              <a:t>У нас процессор 100500 ядер, а всё</a:t>
+              <a:t>«У нас процессор 100500 ядер, а всё</a:t>
             </a:r>
             <a:r>
               <a:rPr lang="en-US" sz="2400" dirty="0">
@@ -33008,15 +33722,17 @@
                   <a:srgbClr val="262636"/>
                 </a:solidFill>
               </a:rPr>
-              <a:t>виснет от обильных нотификаций, что же делать? Многопоточность, </a:t>
-            </a:r>
-            <a:r>
-              <a:rPr lang="en-US" sz="2400" dirty="0">
-                <a:solidFill>
-                  <a:srgbClr val="262636"/>
-                </a:solidFill>
-              </a:rPr>
-              <a:t>welcome!</a:t>
+              <a:t>виснет от обильных нотификаций, что же делать?»</a:t>
+            </a:r>
+          </a:p>
+          <a:p>
+            <a:r>
+              <a:rPr lang="ru-RU" sz="2400" dirty="0">
+                <a:solidFill>
+                  <a:srgbClr val="262636"/>
+                </a:solidFill>
+              </a:rPr>
+              <a:t>Очевидно же, многопоточность.</a:t>
             </a:r>
           </a:p>
           <a:p>
@@ -33084,95 +33800,12 @@
               <a:latin typeface="Consolas" panose="020B0609020204030204" pitchFamily="49" charset="0"/>
             </a:endParaRPr>
           </a:p>
-          <a:p>
-            <a:r>
-              <a:rPr lang="ru-RU" sz="2400" dirty="0">
-                <a:solidFill>
-                  <a:srgbClr val="262636"/>
-                </a:solidFill>
-              </a:rPr>
-              <a:t>2. Пул потоков заданной ёмкости</a:t>
-            </a:r>
-            <a:r>
-              <a:rPr lang="en-US" sz="2400" dirty="0">
-                <a:solidFill>
-                  <a:srgbClr val="262636"/>
-                </a:solidFill>
-              </a:rPr>
-              <a:t> - </a:t>
-            </a:r>
-            <a:r>
-              <a:rPr lang="en-US" sz="2000" dirty="0" err="1">
-                <a:solidFill>
-                  <a:schemeClr val="tx2">
-                    <a:lumMod val="60000"/>
-                    <a:lumOff val="40000"/>
-                  </a:schemeClr>
-                </a:solidFill>
-                <a:latin typeface="Consolas" panose="020B0609020204030204" pitchFamily="49" charset="0"/>
-              </a:rPr>
-              <a:t>ThreadPoolExecutor</a:t>
-            </a:r>
-            <a:endParaRPr lang="ru-RU" sz="2000" dirty="0">
-              <a:solidFill>
-                <a:schemeClr val="tx2">
-                  <a:lumMod val="60000"/>
-                  <a:lumOff val="40000"/>
-                </a:schemeClr>
-              </a:solidFill>
-              <a:latin typeface="Consolas" panose="020B0609020204030204" pitchFamily="49" charset="0"/>
-            </a:endParaRPr>
-          </a:p>
-          <a:p>
-            <a:r>
-              <a:rPr lang="en-US" sz="2400" dirty="0">
-                <a:solidFill>
-                  <a:srgbClr val="262636"/>
-                </a:solidFill>
-              </a:rPr>
-              <a:t>	</a:t>
-            </a:r>
-          </a:p>
-          <a:p>
-            <a:r>
-              <a:rPr lang="en-US" sz="2400" dirty="0">
-                <a:solidFill>
-                  <a:srgbClr val="262636"/>
-                </a:solidFill>
-              </a:rPr>
-              <a:t>		</a:t>
-            </a:r>
-            <a:r>
-              <a:rPr lang="ru-RU" sz="2400" dirty="0">
-                <a:solidFill>
-                  <a:srgbClr val="262636"/>
-                </a:solidFill>
-              </a:rPr>
-              <a:t>Конечно, можно выполнять функции </a:t>
-            </a:r>
-            <a:r>
-              <a:rPr lang="en-US" sz="2400" dirty="0">
-                <a:solidFill>
-                  <a:srgbClr val="262636"/>
-                </a:solidFill>
-              </a:rPr>
-              <a:t>			          </a:t>
-            </a:r>
-            <a:r>
-              <a:rPr lang="ru-RU" sz="2400" dirty="0">
-                <a:solidFill>
-                  <a:srgbClr val="262636"/>
-                </a:solidFill>
-              </a:rPr>
-              <a:t>подписчика в текущем потоке.</a:t>
-            </a:r>
-          </a:p>
         </p:txBody>
       </p:sp>
     </p:spTree>
     <p:extLst>
       <p:ext uri="{BB962C8B-B14F-4D97-AF65-F5344CB8AC3E}">
-        <p14:creationId xmlns:p14="http://schemas.microsoft.com/office/powerpoint/2010/main" val="3792420108"/>
+        <p14:creationId xmlns:p14="http://schemas.microsoft.com/office/powerpoint/2010/main" val="1108094944"/>
       </p:ext>
     </p:extLst>
   </p:cSld>
@@ -33602,7 +34235,7 @@
         <p:spPr>
           <a:xfrm>
             <a:off x="1190625" y="1469836"/>
-            <a:ext cx="7686675" cy="2677656"/>
+            <a:ext cx="7686675" cy="4462760"/>
           </a:xfrm>
           <a:prstGeom prst="rect">
             <a:avLst/>
@@ -33621,10 +34254,80 @@
                   <a:srgbClr val="262636"/>
                 </a:solidFill>
               </a:rPr>
-              <a:t>Более того, можно назначить, например, </a:t>
-            </a:r>
-            <a:r>
-              <a:rPr lang="en-US" sz="2000" dirty="0">
+              <a:t>«У нас процессор 100500 ядер, а всё</a:t>
+            </a:r>
+            <a:r>
+              <a:rPr lang="en-US" sz="2400" dirty="0">
+                <a:solidFill>
+                  <a:srgbClr val="262636"/>
+                </a:solidFill>
+              </a:rPr>
+              <a:t> </a:t>
+            </a:r>
+            <a:r>
+              <a:rPr lang="ru-RU" sz="2400" dirty="0">
+                <a:solidFill>
+                  <a:srgbClr val="262636"/>
+                </a:solidFill>
+              </a:rPr>
+              <a:t>виснет от обильных нотификаций, что же делать?»</a:t>
+            </a:r>
+          </a:p>
+          <a:p>
+            <a:r>
+              <a:rPr lang="ru-RU" sz="2400" dirty="0">
+                <a:solidFill>
+                  <a:srgbClr val="262636"/>
+                </a:solidFill>
+              </a:rPr>
+              <a:t>Очевидно же, многопоточность.</a:t>
+            </a:r>
+          </a:p>
+          <a:p>
+            <a:r>
+              <a:rPr lang="en-US" sz="2400" dirty="0" err="1">
+                <a:solidFill>
+                  <a:srgbClr val="262636"/>
+                </a:solidFill>
+              </a:rPr>
+              <a:t>tirx</a:t>
+            </a:r>
+            <a:r>
+              <a:rPr lang="en-US" sz="2400" dirty="0">
+                <a:solidFill>
+                  <a:srgbClr val="262636"/>
+                </a:solidFill>
+              </a:rPr>
+              <a:t> </a:t>
+            </a:r>
+            <a:r>
+              <a:rPr lang="ru-RU" sz="2400" dirty="0">
+                <a:solidFill>
+                  <a:srgbClr val="262636"/>
+                </a:solidFill>
+              </a:rPr>
+              <a:t>позволяет определить выполнение функций подписки в многопоточной манере:</a:t>
+            </a:r>
+          </a:p>
+          <a:p>
+            <a:r>
+              <a:rPr lang="ru-RU" sz="2400" dirty="0">
+                <a:solidFill>
+                  <a:srgbClr val="262636"/>
+                </a:solidFill>
+              </a:rPr>
+              <a:t>1. Отдельный поток. Например, можно собрать все источники логов в один поток и писать их в файл без блокировок</a:t>
+            </a:r>
+            <a:r>
+              <a:rPr lang="en-US" sz="2400" dirty="0">
+                <a:solidFill>
+                  <a:srgbClr val="262636"/>
+                </a:solidFill>
+              </a:rPr>
+              <a:t> - </a:t>
+            </a:r>
+            <a:r>
+              <a:rPr lang="en-US" sz="2000" dirty="0" err="1">
                 <a:solidFill>
                   <a:schemeClr val="tx2">
                     <a:lumMod val="60000"/>
@@ -33633,54 +34336,7 @@
                 </a:solidFill>
                 <a:latin typeface="Consolas" panose="020B0609020204030204" pitchFamily="49" charset="0"/>
               </a:rPr>
-              <a:t>filter</a:t>
-            </a:r>
-            <a:r>
-              <a:rPr lang="en-US" sz="2400" dirty="0">
-                <a:solidFill>
-                  <a:srgbClr val="262636"/>
-                </a:solidFill>
-              </a:rPr>
-              <a:t>, </a:t>
-            </a:r>
-            <a:r>
-              <a:rPr lang="ru-RU" sz="2400" dirty="0">
-                <a:solidFill>
-                  <a:srgbClr val="262636"/>
-                </a:solidFill>
-              </a:rPr>
-              <a:t>на выполнение в отдельном потоке, а саму подписку – в пуле потоков.</a:t>
-            </a:r>
-          </a:p>
-          <a:p>
-            <a:endParaRPr lang="ru-RU" sz="2400" dirty="0">
-              <a:solidFill>
-                <a:srgbClr val="262636"/>
-              </a:solidFill>
-            </a:endParaRPr>
-          </a:p>
-          <a:p>
-            <a:endParaRPr lang="ru-RU" sz="2400" dirty="0">
-              <a:solidFill>
-                <a:srgbClr val="262636"/>
-              </a:solidFill>
-            </a:endParaRPr>
-          </a:p>
-          <a:p>
-            <a:endParaRPr lang="ru-RU" sz="2400" dirty="0">
-              <a:solidFill>
-                <a:srgbClr val="262636"/>
-              </a:solidFill>
-            </a:endParaRPr>
-          </a:p>
-          <a:p>
-            <a:r>
-              <a:rPr lang="ru-RU" sz="2400" dirty="0">
-                <a:solidFill>
-                  <a:srgbClr val="262636"/>
-                </a:solidFill>
-              </a:rPr>
-              <a:t>	</a:t>
+              <a:t>SingleThreadExecutor</a:t>
             </a:r>
             <a:endParaRPr lang="ru-RU" sz="2000" dirty="0">
               <a:solidFill>
@@ -33692,12 +34348,76 @@
               <a:latin typeface="Consolas" panose="020B0609020204030204" pitchFamily="49" charset="0"/>
             </a:endParaRPr>
           </a:p>
+          <a:p>
+            <a:r>
+              <a:rPr lang="ru-RU" sz="2400" dirty="0">
+                <a:solidFill>
+                  <a:srgbClr val="262636"/>
+                </a:solidFill>
+              </a:rPr>
+              <a:t>2. Пул потоков заданной ёмкости</a:t>
+            </a:r>
+            <a:r>
+              <a:rPr lang="en-US" sz="2400" dirty="0">
+                <a:solidFill>
+                  <a:srgbClr val="262636"/>
+                </a:solidFill>
+              </a:rPr>
+              <a:t> - </a:t>
+            </a:r>
+            <a:r>
+              <a:rPr lang="en-US" sz="2000" dirty="0" err="1">
+                <a:solidFill>
+                  <a:schemeClr val="tx2">
+                    <a:lumMod val="60000"/>
+                    <a:lumOff val="40000"/>
+                  </a:schemeClr>
+                </a:solidFill>
+                <a:latin typeface="Consolas" panose="020B0609020204030204" pitchFamily="49" charset="0"/>
+              </a:rPr>
+              <a:t>ThreadPoolExecutor</a:t>
+            </a:r>
+            <a:endParaRPr lang="ru-RU" sz="2000" dirty="0">
+              <a:solidFill>
+                <a:schemeClr val="tx2">
+                  <a:lumMod val="60000"/>
+                  <a:lumOff val="40000"/>
+                </a:schemeClr>
+              </a:solidFill>
+              <a:latin typeface="Consolas" panose="020B0609020204030204" pitchFamily="49" charset="0"/>
+            </a:endParaRPr>
+          </a:p>
+          <a:p>
+            <a:r>
+              <a:rPr lang="en-US" sz="2400" dirty="0">
+                <a:solidFill>
+                  <a:srgbClr val="262636"/>
+                </a:solidFill>
+              </a:rPr>
+              <a:t>	</a:t>
+            </a:r>
+          </a:p>
+          <a:p>
+            <a:r>
+              <a:rPr lang="en-US" sz="2400" dirty="0">
+                <a:solidFill>
+                  <a:srgbClr val="262636"/>
+                </a:solidFill>
+              </a:rPr>
+              <a:t>		</a:t>
+            </a:r>
+            <a:endParaRPr lang="ru-RU" sz="2400" dirty="0">
+              <a:solidFill>
+                <a:srgbClr val="262636"/>
+              </a:solidFill>
+            </a:endParaRPr>
+          </a:p>
         </p:txBody>
       </p:sp>
     </p:spTree>
     <p:extLst>
       <p:ext uri="{BB962C8B-B14F-4D97-AF65-F5344CB8AC3E}">
-        <p14:creationId xmlns:p14="http://schemas.microsoft.com/office/powerpoint/2010/main" val="3178907010"/>
+        <p14:creationId xmlns:p14="http://schemas.microsoft.com/office/powerpoint/2010/main" val="492442210"/>
       </p:ext>
     </p:extLst>
   </p:cSld>
@@ -33869,7 +34589,7 @@
         <p:spPr>
           <a:xfrm>
             <a:off x="1190625" y="1469836"/>
-            <a:ext cx="7686675" cy="3416320"/>
+            <a:ext cx="7686675" cy="4832092"/>
           </a:xfrm>
           <a:prstGeom prst="rect">
             <a:avLst/>
@@ -33888,10 +34608,80 @@
                   <a:srgbClr val="262636"/>
                 </a:solidFill>
               </a:rPr>
-              <a:t>Более того, можно назначить, например, </a:t>
-            </a:r>
-            <a:r>
-              <a:rPr lang="en-US" sz="2000" dirty="0">
+              <a:t>«У нас процессор 100500 ядер, а всё</a:t>
+            </a:r>
+            <a:r>
+              <a:rPr lang="en-US" sz="2400" dirty="0">
+                <a:solidFill>
+                  <a:srgbClr val="262636"/>
+                </a:solidFill>
+              </a:rPr>
+              <a:t> </a:t>
+            </a:r>
+            <a:r>
+              <a:rPr lang="ru-RU" sz="2400" dirty="0">
+                <a:solidFill>
+                  <a:srgbClr val="262636"/>
+                </a:solidFill>
+              </a:rPr>
+              <a:t>виснет от обильных нотификаций, что же делать?»</a:t>
+            </a:r>
+          </a:p>
+          <a:p>
+            <a:r>
+              <a:rPr lang="ru-RU" sz="2400" dirty="0">
+                <a:solidFill>
+                  <a:srgbClr val="262636"/>
+                </a:solidFill>
+              </a:rPr>
+              <a:t>Очевидно же, многопоточность.</a:t>
+            </a:r>
+          </a:p>
+          <a:p>
+            <a:r>
+              <a:rPr lang="en-US" sz="2400" dirty="0" err="1">
+                <a:solidFill>
+                  <a:srgbClr val="262636"/>
+                </a:solidFill>
+              </a:rPr>
+              <a:t>tirx</a:t>
+            </a:r>
+            <a:r>
+              <a:rPr lang="en-US" sz="2400" dirty="0">
+                <a:solidFill>
+                  <a:srgbClr val="262636"/>
+                </a:solidFill>
+              </a:rPr>
+              <a:t> </a:t>
+            </a:r>
+            <a:r>
+              <a:rPr lang="ru-RU" sz="2400" dirty="0">
+                <a:solidFill>
+                  <a:srgbClr val="262636"/>
+                </a:solidFill>
+              </a:rPr>
+              <a:t>позволяет определить выполнение функций подписки в многопоточной манере:</a:t>
+            </a:r>
+          </a:p>
+          <a:p>
+            <a:r>
+              <a:rPr lang="ru-RU" sz="2400" dirty="0">
+                <a:solidFill>
+                  <a:srgbClr val="262636"/>
+                </a:solidFill>
+              </a:rPr>
+              <a:t>1. Отдельный поток. Например, можно собрать все источники логов в один поток и писать их в файл без блокировок</a:t>
+            </a:r>
+            <a:r>
+              <a:rPr lang="en-US" sz="2400" dirty="0">
+                <a:solidFill>
+                  <a:srgbClr val="262636"/>
+                </a:solidFill>
+              </a:rPr>
+              <a:t> - </a:t>
+            </a:r>
+            <a:r>
+              <a:rPr lang="en-US" sz="2000" dirty="0" err="1">
                 <a:solidFill>
                   <a:schemeClr val="tx2">
                     <a:lumMod val="60000"/>
@@ -33900,7 +34690,26 @@
                 </a:solidFill>
                 <a:latin typeface="Consolas" panose="020B0609020204030204" pitchFamily="49" charset="0"/>
               </a:rPr>
-              <a:t>filter</a:t>
+              <a:t>SingleThreadExecutor</a:t>
+            </a:r>
+            <a:endParaRPr lang="ru-RU" sz="2000" dirty="0">
+              <a:solidFill>
+                <a:schemeClr val="tx2">
+                  <a:lumMod val="60000"/>
+                  <a:lumOff val="40000"/>
+                </a:schemeClr>
+              </a:solidFill>
+              <a:latin typeface="Consolas" panose="020B0609020204030204" pitchFamily="49" charset="0"/>
+            </a:endParaRPr>
+          </a:p>
+          <a:p>
+            <a:r>
+              <a:rPr lang="ru-RU" sz="2400" dirty="0">
+                <a:solidFill>
+                  <a:srgbClr val="262636"/>
+                </a:solidFill>
+              </a:rPr>
+              <a:t>2. Пул потоков заданной ёмкости</a:t>
             </a:r>
             <a:r>
               <a:rPr lang="en-US" sz="2400" dirty="0">
@@ -33908,54 +34717,80 @@
                   <a:srgbClr val="262636"/>
                 </a:solidFill>
               </a:rPr>
-              <a:t>, </a:t>
-            </a:r>
-            <a:r>
-              <a:rPr lang="ru-RU" sz="2400" dirty="0">
-                <a:solidFill>
-                  <a:srgbClr val="262636"/>
-                </a:solidFill>
-              </a:rPr>
-              <a:t>на выполнение в отдельном потоке, а саму подписку – в пуле потоков.</a:t>
-            </a:r>
-          </a:p>
-          <a:p>
-            <a:endParaRPr lang="ru-RU" sz="2400" dirty="0">
+              <a:t> - </a:t>
+            </a:r>
+            <a:r>
+              <a:rPr lang="en-US" sz="2000" dirty="0" err="1">
+                <a:solidFill>
+                  <a:schemeClr val="tx2">
+                    <a:lumMod val="60000"/>
+                    <a:lumOff val="40000"/>
+                  </a:schemeClr>
+                </a:solidFill>
+                <a:latin typeface="Consolas" panose="020B0609020204030204" pitchFamily="49" charset="0"/>
+              </a:rPr>
+              <a:t>ThreadPoolExecutor</a:t>
+            </a:r>
+            <a:endParaRPr lang="ru-RU" sz="2000" dirty="0">
               <a:solidFill>
-                <a:srgbClr val="262636"/>
+                <a:schemeClr val="tx2">
+                  <a:lumMod val="60000"/>
+                  <a:lumOff val="40000"/>
+                </a:schemeClr>
               </a:solidFill>
+              <a:latin typeface="Consolas" panose="020B0609020204030204" pitchFamily="49" charset="0"/>
             </a:endParaRPr>
           </a:p>
           <a:p>
             <a:r>
-              <a:rPr lang="ru-RU" sz="2400" dirty="0">
-                <a:solidFill>
-                  <a:srgbClr val="262636"/>
-                </a:solidFill>
-              </a:rPr>
-              <a:t>«А я хочу сам решать, в каком потоке и когда вызывать обработку. Может, я хочу в цикле рендеринга это сделать»</a:t>
-            </a:r>
-          </a:p>
-          <a:p>
-            <a:endParaRPr lang="ru-RU" sz="2400" dirty="0">
-              <a:solidFill>
-                <a:srgbClr val="262636"/>
-              </a:solidFill>
-            </a:endParaRPr>
-          </a:p>
-          <a:p>
-            <a:endParaRPr lang="ru-RU" sz="2400" dirty="0">
-              <a:solidFill>
-                <a:srgbClr val="262636"/>
-              </a:solidFill>
-            </a:endParaRPr>
+              <a:rPr lang="en-US" sz="2400" dirty="0">
+                <a:solidFill>
+                  <a:srgbClr val="262636"/>
+                </a:solidFill>
+              </a:rPr>
+              <a:t>	</a:t>
+            </a:r>
+          </a:p>
+          <a:p>
+            <a:r>
+              <a:rPr lang="en-US" sz="2400" dirty="0">
+                <a:solidFill>
+                  <a:srgbClr val="262636"/>
+                </a:solidFill>
+              </a:rPr>
+              <a:t>		</a:t>
+            </a:r>
+            <a:r>
+              <a:rPr lang="ru-RU" sz="2400" dirty="0">
+                <a:solidFill>
+                  <a:srgbClr val="262636"/>
+                </a:solidFill>
+              </a:rPr>
+              <a:t>Конечно, можно выполнять функции </a:t>
+            </a:r>
+            <a:r>
+              <a:rPr lang="en-US" sz="2400" dirty="0">
+                <a:solidFill>
+                  <a:srgbClr val="262636"/>
+                </a:solidFill>
+              </a:rPr>
+              <a:t>			          </a:t>
+            </a:r>
+            <a:r>
+              <a:rPr lang="ru-RU" sz="2400" dirty="0">
+                <a:solidFill>
+                  <a:srgbClr val="262636"/>
+                </a:solidFill>
+              </a:rPr>
+              <a:t>подписчика в текущем потоке.</a:t>
+            </a:r>
           </a:p>
         </p:txBody>
       </p:sp>
     </p:spTree>
     <p:extLst>
       <p:ext uri="{BB962C8B-B14F-4D97-AF65-F5344CB8AC3E}">
-        <p14:creationId xmlns:p14="http://schemas.microsoft.com/office/powerpoint/2010/main" val="3063283380"/>
+        <p14:creationId xmlns:p14="http://schemas.microsoft.com/office/powerpoint/2010/main" val="3792420108"/>
       </p:ext>
     </p:extLst>
   </p:cSld>
@@ -34127,7 +34962,7 @@
         <p:spPr>
           <a:xfrm>
             <a:off x="1190625" y="1469836"/>
-            <a:ext cx="7686675" cy="3785652"/>
+            <a:ext cx="7686675" cy="2677656"/>
           </a:xfrm>
           <a:prstGeom prst="rect">
             <a:avLst/>
@@ -34174,7 +35009,7 @@
                   <a:srgbClr val="262636"/>
                 </a:solidFill>
               </a:rPr>
-              <a:t>на выполнение в отдельном потоке, а саму подписку – в пуле потоков.</a:t>
+              <a:t>на выполнение в отдельном потоке, а саму подписку – в другом, или в пуле потоков.</a:t>
             </a:r>
           </a:p>
           <a:p>
@@ -34185,16 +35020,6 @@
             </a:endParaRPr>
           </a:p>
           <a:p>
-            <a:r>
-              <a:rPr lang="ru-RU" sz="2400" dirty="0">
-                <a:solidFill>
-                  <a:srgbClr val="262636"/>
-                </a:solidFill>
-              </a:rPr>
-              <a:t>«А я хочу сам решать, в каком потоке и когда вызывать обработку. Может, я хочу в цикле рендеринга это сделать»</a:t>
-            </a:r>
-          </a:p>
-          <a:p>
             <a:endParaRPr lang="ru-RU" sz="2400" dirty="0">
               <a:solidFill>
                 <a:srgbClr val="262636"/>
@@ -34215,7 +35040,7 @@
                   <a:srgbClr val="262636"/>
                 </a:solidFill>
               </a:rPr>
-              <a:t>		</a:t>
+              <a:t>	</a:t>
             </a:r>
             <a:endParaRPr lang="ru-RU" sz="2000" dirty="0">
               <a:solidFill>
@@ -34229,46 +35054,10 @@
           </a:p>
         </p:txBody>
       </p:sp>
-      <p:pic>
-        <p:nvPicPr>
-          <p:cNvPr id="7" name="Рисунок 6" descr="Изображение выглядит как человек, внешний&#10;&#10;Автоматически созданное описание">
-            <a:extLst>
-              <a:ext uri="{FF2B5EF4-FFF2-40B4-BE49-F238E27FC236}">
-                <a16:creationId xmlns:a16="http://schemas.microsoft.com/office/drawing/2014/main" id="{9F0B9535-45DB-4AAB-A375-5374A39959E9}"/>
-              </a:ext>
-            </a:extLst>
-          </p:cNvPr>
-          <p:cNvPicPr>
-            <a:picLocks noChangeAspect="1"/>
-          </p:cNvPicPr>
-          <p:nvPr/>
-        </p:nvPicPr>
-        <p:blipFill>
-          <a:blip r:embed="rId2" cstate="print">
-            <a:extLst>
-              <a:ext uri="{28A0092B-C50C-407E-A947-70E740481C1C}">
-                <a14:useLocalDpi xmlns:a14="http://schemas.microsoft.com/office/drawing/2010/main" val="0"/>
-              </a:ext>
-            </a:extLst>
-          </a:blip>
-          <a:stretch>
-            <a:fillRect/>
-          </a:stretch>
-        </p:blipFill>
-        <p:spPr>
-          <a:xfrm>
-            <a:off x="5288491" y="3762375"/>
-            <a:ext cx="3674534" cy="2066925"/>
-          </a:xfrm>
-          <a:prstGeom prst="rect">
-            <a:avLst/>
-          </a:prstGeom>
-        </p:spPr>
-      </p:pic>
     </p:spTree>
     <p:extLst>
       <p:ext uri="{BB962C8B-B14F-4D97-AF65-F5344CB8AC3E}">
-        <p14:creationId xmlns:p14="http://schemas.microsoft.com/office/powerpoint/2010/main" val="2071433902"/>
+        <p14:creationId xmlns:p14="http://schemas.microsoft.com/office/powerpoint/2010/main" val="3178907010"/>
       </p:ext>
     </p:extLst>
   </p:cSld>
@@ -34440,7 +35229,7 @@
         <p:spPr>
           <a:xfrm>
             <a:off x="1190625" y="1469836"/>
-            <a:ext cx="7686675" cy="4093428"/>
+            <a:ext cx="7686675" cy="3416320"/>
           </a:xfrm>
           <a:prstGeom prst="rect">
             <a:avLst/>
@@ -34487,7 +35276,7 @@
                   <a:srgbClr val="262636"/>
                 </a:solidFill>
               </a:rPr>
-              <a:t>на выполнение в отдельном потоке, а саму подписку – в пуле потоков.</a:t>
+              <a:t>на выполнение в отдельном потоке, а саму подписку – в другом, или в пуле потоков.</a:t>
             </a:r>
           </a:p>
           <a:p>
@@ -34521,93 +35310,12 @@
               </a:solidFill>
             </a:endParaRPr>
           </a:p>
-          <a:p>
-            <a:r>
-              <a:rPr lang="ru-RU" sz="2400" dirty="0">
-                <a:solidFill>
-                  <a:srgbClr val="262636"/>
-                </a:solidFill>
-              </a:rPr>
-              <a:t>		К вашим услугам</a:t>
-            </a:r>
-          </a:p>
-          <a:p>
-            <a:r>
-              <a:rPr lang="ru-RU" sz="1600" dirty="0">
-                <a:solidFill>
-                  <a:schemeClr val="tx2">
-                    <a:lumMod val="60000"/>
-                    <a:lumOff val="40000"/>
-                  </a:schemeClr>
-                </a:solidFill>
-                <a:latin typeface="Consolas" panose="020B0609020204030204" pitchFamily="49" charset="0"/>
-              </a:rPr>
-              <a:t>		</a:t>
-            </a:r>
-            <a:r>
-              <a:rPr lang="en-US" sz="2000" dirty="0" err="1">
-                <a:solidFill>
-                  <a:schemeClr val="tx2">
-                    <a:lumMod val="60000"/>
-                    <a:lumOff val="40000"/>
-                  </a:schemeClr>
-                </a:solidFill>
-                <a:latin typeface="Consolas" panose="020B0609020204030204" pitchFamily="49" charset="0"/>
-              </a:rPr>
-              <a:t>RunLoopExecutor</a:t>
-            </a:r>
-            <a:endParaRPr lang="ru-RU" sz="2000" dirty="0">
-              <a:solidFill>
-                <a:schemeClr val="tx2">
-                  <a:lumMod val="60000"/>
-                  <a:lumOff val="40000"/>
-                </a:schemeClr>
-              </a:solidFill>
-              <a:latin typeface="Consolas" panose="020B0609020204030204" pitchFamily="49" charset="0"/>
-            </a:endParaRPr>
-          </a:p>
         </p:txBody>
       </p:sp>
-      <p:pic>
-        <p:nvPicPr>
-          <p:cNvPr id="7" name="Рисунок 6" descr="Изображение выглядит как человек, внешний&#10;&#10;Автоматически созданное описание">
-            <a:extLst>
-              <a:ext uri="{FF2B5EF4-FFF2-40B4-BE49-F238E27FC236}">
-                <a16:creationId xmlns:a16="http://schemas.microsoft.com/office/drawing/2014/main" id="{9F0B9535-45DB-4AAB-A375-5374A39959E9}"/>
-              </a:ext>
-            </a:extLst>
-          </p:cNvPr>
-          <p:cNvPicPr>
-            <a:picLocks noChangeAspect="1"/>
-          </p:cNvPicPr>
-          <p:nvPr/>
-        </p:nvPicPr>
-        <p:blipFill>
-          <a:blip r:embed="rId2" cstate="print">
-            <a:extLst>
-              <a:ext uri="{28A0092B-C50C-407E-A947-70E740481C1C}">
-                <a14:useLocalDpi xmlns:a14="http://schemas.microsoft.com/office/drawing/2010/main" val="0"/>
-              </a:ext>
-            </a:extLst>
-          </a:blip>
-          <a:stretch>
-            <a:fillRect/>
-          </a:stretch>
-        </p:blipFill>
-        <p:spPr>
-          <a:xfrm>
-            <a:off x="5288491" y="3762375"/>
-            <a:ext cx="3674534" cy="2066925"/>
-          </a:xfrm>
-          <a:prstGeom prst="rect">
-            <a:avLst/>
-          </a:prstGeom>
-        </p:spPr>
-      </p:pic>
     </p:spTree>
     <p:extLst>
       <p:ext uri="{BB962C8B-B14F-4D97-AF65-F5344CB8AC3E}">
-        <p14:creationId xmlns:p14="http://schemas.microsoft.com/office/powerpoint/2010/main" val="4066980034"/>
+        <p14:creationId xmlns:p14="http://schemas.microsoft.com/office/powerpoint/2010/main" val="3063283380"/>
       </p:ext>
     </p:extLst>
   </p:cSld>
@@ -34670,7 +35378,7 @@
                   </a:schemeClr>
                 </a:solidFill>
               </a:rPr>
-              <a:t>NoesisGUI</a:t>
+              <a:t>tirx</a:t>
             </a:r>
             <a:endParaRPr lang="ru-RU" sz="3600" b="1" dirty="0">
               <a:solidFill>
@@ -34779,7 +35487,7 @@
         <p:spPr>
           <a:xfrm>
             <a:off x="1190625" y="1469836"/>
-            <a:ext cx="7686675" cy="1077218"/>
+            <a:ext cx="7686675" cy="3785652"/>
           </a:xfrm>
           <a:prstGeom prst="rect">
             <a:avLst/>
@@ -34798,7 +35506,19 @@
                   <a:srgbClr val="262636"/>
                 </a:solidFill>
               </a:rPr>
-              <a:t>Так а что там с </a:t>
+              <a:t>Более того, можно назначить, например, </a:t>
+            </a:r>
+            <a:r>
+              <a:rPr lang="en-US" sz="2000" dirty="0">
+                <a:solidFill>
+                  <a:schemeClr val="tx2">
+                    <a:lumMod val="60000"/>
+                    <a:lumOff val="40000"/>
+                  </a:schemeClr>
+                </a:solidFill>
+                <a:latin typeface="Consolas" panose="020B0609020204030204" pitchFamily="49" charset="0"/>
+              </a:rPr>
+              <a:t>filter</a:t>
             </a:r>
             <a:r>
               <a:rPr lang="en-US" sz="2400" dirty="0">
@@ -34806,43 +35526,58 @@
                   <a:srgbClr val="262636"/>
                 </a:solidFill>
               </a:rPr>
-              <a:t>UI? </a:t>
-            </a:r>
-            <a:r>
-              <a:rPr lang="ru-RU" sz="2400" dirty="0">
-                <a:solidFill>
-                  <a:srgbClr val="262636"/>
-                </a:solidFill>
-              </a:rPr>
-              <a:t>Неужто страшненький </a:t>
-            </a:r>
-            <a:r>
-              <a:rPr lang="en-US" sz="2400" dirty="0">
-                <a:solidFill>
-                  <a:srgbClr val="262636"/>
-                </a:solidFill>
-              </a:rPr>
-              <a:t>Dear </a:t>
-            </a:r>
-            <a:r>
-              <a:rPr lang="en-US" sz="2400" dirty="0" err="1">
-                <a:solidFill>
-                  <a:srgbClr val="262636"/>
-                </a:solidFill>
-              </a:rPr>
-              <a:t>ImGUI</a:t>
-            </a:r>
-            <a:r>
-              <a:rPr lang="en-US" sz="2400" dirty="0">
-                <a:solidFill>
-                  <a:srgbClr val="262636"/>
-                </a:solidFill>
-              </a:rPr>
-              <a:t>?</a:t>
-            </a:r>
-          </a:p>
-          <a:p>
-            <a:endParaRPr lang="ru-RU" sz="1600" dirty="0">
+              <a:t>, </a:t>
+            </a:r>
+            <a:r>
+              <a:rPr lang="ru-RU" sz="2400" dirty="0">
+                <a:solidFill>
+                  <a:srgbClr val="262636"/>
+                </a:solidFill>
+              </a:rPr>
+              <a:t>на выполнение в отдельном потоке, а саму подписку – в другом, или в пуле потоков.</a:t>
+            </a:r>
+          </a:p>
+          <a:p>
+            <a:endParaRPr lang="ru-RU" sz="2400" dirty="0">
+              <a:solidFill>
+                <a:srgbClr val="262636"/>
+              </a:solidFill>
+            </a:endParaRPr>
+          </a:p>
+          <a:p>
+            <a:r>
+              <a:rPr lang="ru-RU" sz="2400" dirty="0">
+                <a:solidFill>
+                  <a:srgbClr val="262636"/>
+                </a:solidFill>
+              </a:rPr>
+              <a:t>«А я хочу сам решать, в каком потоке и когда вызывать обработку. Может, я хочу в цикле рендеринга это сделать»</a:t>
+            </a:r>
+          </a:p>
+          <a:p>
+            <a:endParaRPr lang="ru-RU" sz="2400" dirty="0">
+              <a:solidFill>
+                <a:srgbClr val="262636"/>
+              </a:solidFill>
+            </a:endParaRPr>
+          </a:p>
+          <a:p>
+            <a:endParaRPr lang="ru-RU" sz="2400" dirty="0">
+              <a:solidFill>
+                <a:srgbClr val="262636"/>
+              </a:solidFill>
+            </a:endParaRPr>
+          </a:p>
+          <a:p>
+            <a:r>
+              <a:rPr lang="ru-RU" sz="2400" dirty="0">
+                <a:solidFill>
+                  <a:srgbClr val="262636"/>
+                </a:solidFill>
+              </a:rPr>
+              <a:t>		</a:t>
+            </a:r>
+            <a:endParaRPr lang="ru-RU" sz="2000" dirty="0">
               <a:solidFill>
                 <a:schemeClr val="tx2">
                   <a:lumMod val="60000"/>
@@ -34857,7 +35592,7 @@
     </p:spTree>
     <p:extLst>
       <p:ext uri="{BB962C8B-B14F-4D97-AF65-F5344CB8AC3E}">
-        <p14:creationId xmlns:p14="http://schemas.microsoft.com/office/powerpoint/2010/main" val="2186935420"/>
+        <p14:creationId xmlns:p14="http://schemas.microsoft.com/office/powerpoint/2010/main" val="2071433902"/>
       </p:ext>
     </p:extLst>
   </p:cSld>
@@ -34920,7 +35655,7 @@
                   </a:schemeClr>
                 </a:solidFill>
               </a:rPr>
-              <a:t>NoesisGUI</a:t>
+              <a:t>tirx</a:t>
             </a:r>
             <a:endParaRPr lang="ru-RU" sz="3600" b="1" dirty="0">
               <a:solidFill>
@@ -35029,7 +35764,7 @@
         <p:spPr>
           <a:xfrm>
             <a:off x="1190625" y="1469836"/>
-            <a:ext cx="7686675" cy="1815882"/>
+            <a:ext cx="7686675" cy="3785652"/>
           </a:xfrm>
           <a:prstGeom prst="rect">
             <a:avLst/>
@@ -35048,7 +35783,19 @@
                   <a:srgbClr val="262636"/>
                 </a:solidFill>
               </a:rPr>
-              <a:t>Так а что там с </a:t>
+              <a:t>Более того, можно назначить, например, </a:t>
+            </a:r>
+            <a:r>
+              <a:rPr lang="en-US" sz="2000" dirty="0">
+                <a:solidFill>
+                  <a:schemeClr val="tx2">
+                    <a:lumMod val="60000"/>
+                    <a:lumOff val="40000"/>
+                  </a:schemeClr>
+                </a:solidFill>
+                <a:latin typeface="Consolas" panose="020B0609020204030204" pitchFamily="49" charset="0"/>
+              </a:rPr>
+              <a:t>filter</a:t>
             </a:r>
             <a:r>
               <a:rPr lang="en-US" sz="2400" dirty="0">
@@ -35056,69 +35803,58 @@
                   <a:srgbClr val="262636"/>
                 </a:solidFill>
               </a:rPr>
-              <a:t>UI? </a:t>
-            </a:r>
-            <a:r>
-              <a:rPr lang="ru-RU" sz="2400" dirty="0">
-                <a:solidFill>
-                  <a:srgbClr val="262636"/>
-                </a:solidFill>
-              </a:rPr>
-              <a:t>Неужто страшненький </a:t>
-            </a:r>
-            <a:r>
-              <a:rPr lang="en-US" sz="2400" dirty="0">
-                <a:solidFill>
-                  <a:srgbClr val="262636"/>
-                </a:solidFill>
-              </a:rPr>
-              <a:t>Dear </a:t>
-            </a:r>
-            <a:r>
-              <a:rPr lang="en-US" sz="2400" dirty="0" err="1">
-                <a:solidFill>
-                  <a:srgbClr val="262636"/>
-                </a:solidFill>
-              </a:rPr>
-              <a:t>ImGUI</a:t>
-            </a:r>
-            <a:r>
-              <a:rPr lang="en-US" sz="2400" dirty="0">
-                <a:solidFill>
-                  <a:srgbClr val="262636"/>
-                </a:solidFill>
-              </a:rPr>
-              <a:t>?</a:t>
-            </a:r>
-          </a:p>
-          <a:p>
-            <a:r>
-              <a:rPr lang="ru-RU" sz="2400" dirty="0">
-                <a:solidFill>
-                  <a:srgbClr val="262636"/>
-                </a:solidFill>
-              </a:rPr>
-              <a:t>Есть! Пригодное для промышленного применения решение – </a:t>
-            </a:r>
-            <a:r>
-              <a:rPr lang="en-US" sz="2400" dirty="0" err="1">
-                <a:solidFill>
-                  <a:srgbClr val="262636"/>
-                </a:solidFill>
-              </a:rPr>
-              <a:t>NoesisGUI</a:t>
-            </a:r>
-            <a:r>
-              <a:rPr lang="en-US" sz="2400" dirty="0">
-                <a:solidFill>
-                  <a:srgbClr val="262636"/>
-                </a:solidFill>
-              </a:rPr>
-              <a:t>.</a:t>
-            </a:r>
-          </a:p>
-          <a:p>
-            <a:endParaRPr lang="ru-RU" sz="1600" dirty="0">
+              <a:t>, </a:t>
+            </a:r>
+            <a:r>
+              <a:rPr lang="ru-RU" sz="2400" dirty="0">
+                <a:solidFill>
+                  <a:srgbClr val="262636"/>
+                </a:solidFill>
+              </a:rPr>
+              <a:t>на выполнение в отдельном потоке, а саму подписку – в другом, или в пуле потоков.</a:t>
+            </a:r>
+          </a:p>
+          <a:p>
+            <a:endParaRPr lang="ru-RU" sz="2400" dirty="0">
+              <a:solidFill>
+                <a:srgbClr val="262636"/>
+              </a:solidFill>
+            </a:endParaRPr>
+          </a:p>
+          <a:p>
+            <a:r>
+              <a:rPr lang="ru-RU" sz="2400" dirty="0">
+                <a:solidFill>
+                  <a:srgbClr val="262636"/>
+                </a:solidFill>
+              </a:rPr>
+              <a:t>«А я хочу сам решать, в каком потоке и когда вызывать обработку. Может, я хочу в цикле рендеринга это сделать»</a:t>
+            </a:r>
+          </a:p>
+          <a:p>
+            <a:endParaRPr lang="ru-RU" sz="2400" dirty="0">
+              <a:solidFill>
+                <a:srgbClr val="262636"/>
+              </a:solidFill>
+            </a:endParaRPr>
+          </a:p>
+          <a:p>
+            <a:endParaRPr lang="ru-RU" sz="2400" dirty="0">
+              <a:solidFill>
+                <a:srgbClr val="262636"/>
+              </a:solidFill>
+            </a:endParaRPr>
+          </a:p>
+          <a:p>
+            <a:r>
+              <a:rPr lang="ru-RU" sz="2400" dirty="0">
+                <a:solidFill>
+                  <a:srgbClr val="262636"/>
+                </a:solidFill>
+              </a:rPr>
+              <a:t>		</a:t>
+            </a:r>
+            <a:endParaRPr lang="ru-RU" sz="2000" dirty="0">
               <a:solidFill>
                 <a:schemeClr val="tx2">
                   <a:lumMod val="60000"/>
@@ -35130,10 +35866,46 @@
           </a:p>
         </p:txBody>
       </p:sp>
+      <p:pic>
+        <p:nvPicPr>
+          <p:cNvPr id="7" name="Рисунок 6" descr="Изображение выглядит как человек, внешний&#10;&#10;Автоматически созданное описание">
+            <a:extLst>
+              <a:ext uri="{FF2B5EF4-FFF2-40B4-BE49-F238E27FC236}">
+                <a16:creationId xmlns:a16="http://schemas.microsoft.com/office/drawing/2014/main" id="{9F0B9535-45DB-4AAB-A375-5374A39959E9}"/>
+              </a:ext>
+            </a:extLst>
+          </p:cNvPr>
+          <p:cNvPicPr>
+            <a:picLocks noChangeAspect="1"/>
+          </p:cNvPicPr>
+          <p:nvPr/>
+        </p:nvPicPr>
+        <p:blipFill>
+          <a:blip r:embed="rId2" cstate="print">
+            <a:extLst>
+              <a:ext uri="{28A0092B-C50C-407E-A947-70E740481C1C}">
+                <a14:useLocalDpi xmlns:a14="http://schemas.microsoft.com/office/drawing/2010/main" val="0"/>
+              </a:ext>
+            </a:extLst>
+          </a:blip>
+          <a:stretch>
+            <a:fillRect/>
+          </a:stretch>
+        </p:blipFill>
+        <p:spPr>
+          <a:xfrm>
+            <a:off x="5288491" y="3762375"/>
+            <a:ext cx="3674534" cy="2066925"/>
+          </a:xfrm>
+          <a:prstGeom prst="rect">
+            <a:avLst/>
+          </a:prstGeom>
+        </p:spPr>
+      </p:pic>
     </p:spTree>
     <p:extLst>
       <p:ext uri="{BB962C8B-B14F-4D97-AF65-F5344CB8AC3E}">
-        <p14:creationId xmlns:p14="http://schemas.microsoft.com/office/powerpoint/2010/main" val="530326824"/>
+        <p14:creationId xmlns:p14="http://schemas.microsoft.com/office/powerpoint/2010/main" val="118796913"/>
       </p:ext>
     </p:extLst>
   </p:cSld>
@@ -35196,7 +35968,7 @@
                   </a:schemeClr>
                 </a:solidFill>
               </a:rPr>
-              <a:t>NoesisGUI</a:t>
+              <a:t>tirx</a:t>
             </a:r>
             <a:endParaRPr lang="ru-RU" sz="3600" b="1" dirty="0">
               <a:solidFill>
@@ -35305,7 +36077,7 @@
         <p:spPr>
           <a:xfrm>
             <a:off x="1190625" y="1469836"/>
-            <a:ext cx="7686675" cy="3170099"/>
+            <a:ext cx="7686675" cy="4093428"/>
           </a:xfrm>
           <a:prstGeom prst="rect">
             <a:avLst/>
@@ -35324,7 +36096,19 @@
                   <a:srgbClr val="262636"/>
                 </a:solidFill>
               </a:rPr>
-              <a:t>Так а что там с </a:t>
+              <a:t>Более того, можно назначить, например, </a:t>
+            </a:r>
+            <a:r>
+              <a:rPr lang="en-US" sz="2000" dirty="0">
+                <a:solidFill>
+                  <a:schemeClr val="tx2">
+                    <a:lumMod val="60000"/>
+                    <a:lumOff val="40000"/>
+                  </a:schemeClr>
+                </a:solidFill>
+                <a:latin typeface="Consolas" panose="020B0609020204030204" pitchFamily="49" charset="0"/>
+              </a:rPr>
+              <a:t>filter</a:t>
             </a:r>
             <a:r>
               <a:rPr lang="en-US" sz="2400" dirty="0">
@@ -35332,108 +36116,18 @@
                   <a:srgbClr val="262636"/>
                 </a:solidFill>
               </a:rPr>
-              <a:t>UI? </a:t>
-            </a:r>
-            <a:r>
-              <a:rPr lang="ru-RU" sz="2400" dirty="0">
-                <a:solidFill>
-                  <a:srgbClr val="262636"/>
-                </a:solidFill>
-              </a:rPr>
-              <a:t>Неужто страшненький </a:t>
-            </a:r>
-            <a:r>
-              <a:rPr lang="en-US" sz="2400" dirty="0">
-                <a:solidFill>
-                  <a:srgbClr val="262636"/>
-                </a:solidFill>
-              </a:rPr>
-              <a:t>Dear </a:t>
-            </a:r>
-            <a:r>
-              <a:rPr lang="en-US" sz="2400" dirty="0" err="1">
-                <a:solidFill>
-                  <a:srgbClr val="262636"/>
-                </a:solidFill>
-              </a:rPr>
-              <a:t>ImGUI</a:t>
-            </a:r>
-            <a:r>
-              <a:rPr lang="en-US" sz="2400" dirty="0">
-                <a:solidFill>
-                  <a:srgbClr val="262636"/>
-                </a:solidFill>
-              </a:rPr>
-              <a:t>?</a:t>
-            </a:r>
-          </a:p>
-          <a:p>
-            <a:r>
-              <a:rPr lang="ru-RU" sz="2400" dirty="0">
-                <a:solidFill>
-                  <a:srgbClr val="262636"/>
-                </a:solidFill>
-              </a:rPr>
-              <a:t>Есть! Пригодное для промышленного применения решение – </a:t>
-            </a:r>
-            <a:r>
-              <a:rPr lang="en-US" sz="2400" dirty="0" err="1">
-                <a:solidFill>
-                  <a:srgbClr val="262636"/>
-                </a:solidFill>
-              </a:rPr>
-              <a:t>NoesisGUI</a:t>
-            </a:r>
-            <a:r>
-              <a:rPr lang="en-US" sz="2400" dirty="0">
-                <a:solidFill>
-                  <a:srgbClr val="262636"/>
-                </a:solidFill>
-              </a:rPr>
-              <a:t>.</a:t>
-            </a:r>
-          </a:p>
-          <a:p>
-            <a:r>
-              <a:rPr lang="ru-RU" sz="2400" dirty="0">
-                <a:solidFill>
-                  <a:srgbClr val="262636"/>
-                </a:solidFill>
-              </a:rPr>
-              <a:t>1. В отличие от многих </a:t>
-            </a:r>
-            <a:r>
-              <a:rPr lang="en-US" sz="2400" dirty="0" err="1">
-                <a:solidFill>
-                  <a:srgbClr val="262636"/>
-                </a:solidFill>
-              </a:rPr>
-              <a:t>ImGUI</a:t>
-            </a:r>
-            <a:r>
-              <a:rPr lang="en-US" sz="2400" dirty="0">
-                <a:solidFill>
-                  <a:srgbClr val="262636"/>
-                </a:solidFill>
-              </a:rPr>
-              <a:t> </a:t>
-            </a:r>
-            <a:r>
-              <a:rPr lang="ru-RU" sz="2400" dirty="0">
-                <a:solidFill>
-                  <a:srgbClr val="262636"/>
-                </a:solidFill>
-              </a:rPr>
-              <a:t>фреймворков – позволяет без вопросов хранить данные между перерисовками. Почти как в </a:t>
-            </a:r>
-            <a:r>
-              <a:rPr lang="en-US" sz="2400" dirty="0">
-                <a:solidFill>
-                  <a:srgbClr val="262636"/>
-                </a:solidFill>
-              </a:rPr>
-              <a:t>Retained UI</a:t>
-            </a:r>
+              <a:t>, </a:t>
+            </a:r>
+            <a:r>
+              <a:rPr lang="ru-RU" sz="2400" dirty="0">
+                <a:solidFill>
+                  <a:srgbClr val="262636"/>
+                </a:solidFill>
+              </a:rPr>
+              <a:t>на выполнение в отдельном потоке, а саму подписку – в другом, или в пуле потоков.</a:t>
+            </a:r>
+          </a:p>
+          <a:p>
             <a:endParaRPr lang="ru-RU" sz="2400" dirty="0">
               <a:solidFill>
                 <a:srgbClr val="262636"/>
@@ -35441,7 +36135,65 @@
             </a:endParaRPr>
           </a:p>
           <a:p>
-            <a:endParaRPr lang="en-US" sz="1600" dirty="0">
+            <a:r>
+              <a:rPr lang="ru-RU" sz="2400" dirty="0">
+                <a:solidFill>
+                  <a:srgbClr val="262636"/>
+                </a:solidFill>
+              </a:rPr>
+              <a:t>«А я хочу сам решать, в каком потоке и когда вызывать обработку. Может, я хочу в цикле рендеринга это сделать»</a:t>
+            </a:r>
+          </a:p>
+          <a:p>
+            <a:endParaRPr lang="ru-RU" sz="2400" dirty="0">
+              <a:solidFill>
+                <a:srgbClr val="262636"/>
+              </a:solidFill>
+            </a:endParaRPr>
+          </a:p>
+          <a:p>
+            <a:endParaRPr lang="ru-RU" sz="2400" dirty="0">
+              <a:solidFill>
+                <a:srgbClr val="262636"/>
+              </a:solidFill>
+            </a:endParaRPr>
+          </a:p>
+          <a:p>
+            <a:r>
+              <a:rPr lang="ru-RU" sz="2400" dirty="0">
+                <a:solidFill>
+                  <a:srgbClr val="262636"/>
+                </a:solidFill>
+              </a:rPr>
+              <a:t>		Здесь поможет</a:t>
+            </a:r>
+          </a:p>
+          <a:p>
+            <a:r>
+              <a:rPr lang="ru-RU" sz="1600" dirty="0">
+                <a:solidFill>
+                  <a:schemeClr val="tx2">
+                    <a:lumMod val="60000"/>
+                    <a:lumOff val="40000"/>
+                  </a:schemeClr>
+                </a:solidFill>
+                <a:latin typeface="Consolas" panose="020B0609020204030204" pitchFamily="49" charset="0"/>
+              </a:rPr>
+              <a:t>		</a:t>
+            </a:r>
+            <a:r>
+              <a:rPr lang="en-US" sz="2000" dirty="0" err="1">
+                <a:solidFill>
+                  <a:schemeClr val="tx2">
+                    <a:lumMod val="60000"/>
+                    <a:lumOff val="40000"/>
+                  </a:schemeClr>
+                </a:solidFill>
+                <a:latin typeface="Consolas" panose="020B0609020204030204" pitchFamily="49" charset="0"/>
+              </a:rPr>
+              <a:t>RunLoopExecutor</a:t>
+            </a:r>
+            <a:endParaRPr lang="ru-RU" sz="2000" dirty="0">
               <a:solidFill>
                 <a:schemeClr val="tx2">
                   <a:lumMod val="60000"/>
@@ -35451,23 +36203,48 @@
               <a:latin typeface="Consolas" panose="020B0609020204030204" pitchFamily="49" charset="0"/>
             </a:endParaRPr>
           </a:p>
-          <a:p>
-            <a:endParaRPr lang="ru-RU" sz="1600" dirty="0">
-              <a:solidFill>
-                <a:schemeClr val="tx2">
-                  <a:lumMod val="60000"/>
-                  <a:lumOff val="40000"/>
-                </a:schemeClr>
-              </a:solidFill>
-              <a:latin typeface="Consolas" panose="020B0609020204030204" pitchFamily="49" charset="0"/>
-            </a:endParaRPr>
-          </a:p>
         </p:txBody>
       </p:sp>
+      <p:pic>
+        <p:nvPicPr>
+          <p:cNvPr id="7" name="Рисунок 6" descr="Изображение выглядит как человек, внешний&#10;&#10;Автоматически созданное описание">
+            <a:extLst>
+              <a:ext uri="{FF2B5EF4-FFF2-40B4-BE49-F238E27FC236}">
+                <a16:creationId xmlns:a16="http://schemas.microsoft.com/office/drawing/2014/main" id="{9F0B9535-45DB-4AAB-A375-5374A39959E9}"/>
+              </a:ext>
+            </a:extLst>
+          </p:cNvPr>
+          <p:cNvPicPr>
+            <a:picLocks noChangeAspect="1"/>
+          </p:cNvPicPr>
+          <p:nvPr/>
+        </p:nvPicPr>
+        <p:blipFill>
+          <a:blip r:embed="rId2" cstate="print">
+            <a:extLst>
+              <a:ext uri="{28A0092B-C50C-407E-A947-70E740481C1C}">
+                <a14:useLocalDpi xmlns:a14="http://schemas.microsoft.com/office/drawing/2010/main" val="0"/>
+              </a:ext>
+            </a:extLst>
+          </a:blip>
+          <a:stretch>
+            <a:fillRect/>
+          </a:stretch>
+        </p:blipFill>
+        <p:spPr>
+          <a:xfrm>
+            <a:off x="5288491" y="3762375"/>
+            <a:ext cx="3674534" cy="2066925"/>
+          </a:xfrm>
+          <a:prstGeom prst="rect">
+            <a:avLst/>
+          </a:prstGeom>
+        </p:spPr>
+      </p:pic>
     </p:spTree>
     <p:extLst>
       <p:ext uri="{BB962C8B-B14F-4D97-AF65-F5344CB8AC3E}">
-        <p14:creationId xmlns:p14="http://schemas.microsoft.com/office/powerpoint/2010/main" val="1984563508"/>
+        <p14:creationId xmlns:p14="http://schemas.microsoft.com/office/powerpoint/2010/main" val="4066980034"/>
       </p:ext>
     </p:extLst>
   </p:cSld>
@@ -35639,7 +36416,7 @@
         <p:spPr>
           <a:xfrm>
             <a:off x="1190625" y="1469836"/>
-            <a:ext cx="7686675" cy="4770537"/>
+            <a:ext cx="7686675" cy="1077218"/>
           </a:xfrm>
           <a:prstGeom prst="rect">
             <a:avLst/>
@@ -35702,141 +36479,6 @@
             </a:r>
           </a:p>
           <a:p>
-            <a:r>
-              <a:rPr lang="ru-RU" sz="2400" dirty="0">
-                <a:solidFill>
-                  <a:srgbClr val="262636"/>
-                </a:solidFill>
-              </a:rPr>
-              <a:t>Есть! Пригодное для промышленного применения решение – </a:t>
-            </a:r>
-            <a:r>
-              <a:rPr lang="en-US" sz="2400" dirty="0" err="1">
-                <a:solidFill>
-                  <a:srgbClr val="262636"/>
-                </a:solidFill>
-              </a:rPr>
-              <a:t>NoesisGUI</a:t>
-            </a:r>
-            <a:r>
-              <a:rPr lang="en-US" sz="2400" dirty="0">
-                <a:solidFill>
-                  <a:srgbClr val="262636"/>
-                </a:solidFill>
-              </a:rPr>
-              <a:t>.</a:t>
-            </a:r>
-          </a:p>
-          <a:p>
-            <a:r>
-              <a:rPr lang="ru-RU" sz="2400" dirty="0">
-                <a:solidFill>
-                  <a:srgbClr val="262636"/>
-                </a:solidFill>
-              </a:rPr>
-              <a:t>1. В отличие от многих </a:t>
-            </a:r>
-            <a:r>
-              <a:rPr lang="en-US" sz="2400" dirty="0" err="1">
-                <a:solidFill>
-                  <a:srgbClr val="262636"/>
-                </a:solidFill>
-              </a:rPr>
-              <a:t>ImGUI</a:t>
-            </a:r>
-            <a:r>
-              <a:rPr lang="en-US" sz="2400" dirty="0">
-                <a:solidFill>
-                  <a:srgbClr val="262636"/>
-                </a:solidFill>
-              </a:rPr>
-              <a:t> </a:t>
-            </a:r>
-            <a:r>
-              <a:rPr lang="ru-RU" sz="2400" dirty="0">
-                <a:solidFill>
-                  <a:srgbClr val="262636"/>
-                </a:solidFill>
-              </a:rPr>
-              <a:t>фреймворков – позволяет без вопросов хранить данные между перерисовками. Почти как в </a:t>
-            </a:r>
-            <a:r>
-              <a:rPr lang="en-US" sz="2400" dirty="0">
-                <a:solidFill>
-                  <a:srgbClr val="262636"/>
-                </a:solidFill>
-              </a:rPr>
-              <a:t>Retained UI</a:t>
-            </a:r>
-          </a:p>
-          <a:p>
-            <a:r>
-              <a:rPr lang="ru-RU" sz="2400" dirty="0">
-                <a:solidFill>
-                  <a:srgbClr val="262636"/>
-                </a:solidFill>
-              </a:rPr>
-              <a:t>2. Удобный и понятный механизм обработки событий. Обработаем выбор пункта списка:</a:t>
-            </a:r>
-          </a:p>
-          <a:p>
-            <a:r>
-              <a:rPr lang="ru-RU" sz="2400" dirty="0">
-                <a:solidFill>
-                  <a:srgbClr val="262636"/>
-                </a:solidFill>
-                <a:latin typeface="Consolas" panose="020B0609020204030204" pitchFamily="49" charset="0"/>
-              </a:rPr>
-              <a:t>	</a:t>
-            </a:r>
-            <a:r>
-              <a:rPr lang="en-US" sz="1600" dirty="0" err="1">
-                <a:solidFill>
-                  <a:schemeClr val="tx2">
-                    <a:lumMod val="60000"/>
-                    <a:lumOff val="40000"/>
-                  </a:schemeClr>
-                </a:solidFill>
-                <a:latin typeface="Consolas" panose="020B0609020204030204" pitchFamily="49" charset="0"/>
-              </a:rPr>
-              <a:t>skin_combo_box</a:t>
-            </a:r>
-            <a:r>
-              <a:rPr lang="en-US" sz="1600" dirty="0">
-                <a:solidFill>
-                  <a:schemeClr val="tx2">
-                    <a:lumMod val="60000"/>
-                    <a:lumOff val="40000"/>
-                  </a:schemeClr>
-                </a:solidFill>
-                <a:latin typeface="Consolas" panose="020B0609020204030204" pitchFamily="49" charset="0"/>
-              </a:rPr>
-              <a:t>_-&gt;</a:t>
-            </a:r>
-            <a:r>
-              <a:rPr lang="en-US" sz="1600" dirty="0" err="1">
-                <a:solidFill>
-                  <a:schemeClr val="tx2">
-                    <a:lumMod val="60000"/>
-                    <a:lumOff val="40000"/>
-                  </a:schemeClr>
-                </a:solidFill>
-                <a:latin typeface="Consolas" panose="020B0609020204030204" pitchFamily="49" charset="0"/>
-              </a:rPr>
-              <a:t>SelectionChanged</a:t>
-            </a:r>
-            <a:r>
-              <a:rPr lang="en-US" sz="1600" dirty="0">
-                <a:solidFill>
-                  <a:schemeClr val="tx2">
-                    <a:lumMod val="60000"/>
-                    <a:lumOff val="40000"/>
-                  </a:schemeClr>
-                </a:solidFill>
-                <a:latin typeface="Consolas" panose="020B0609020204030204" pitchFamily="49" charset="0"/>
-              </a:rPr>
-              <a:t>() += [this]</a:t>
-            </a:r>
             <a:endParaRPr lang="ru-RU" sz="1600" dirty="0">
               <a:solidFill>
                 <a:schemeClr val="tx2">
@@ -35847,173 +36489,12 @@
               <a:latin typeface="Consolas" panose="020B0609020204030204" pitchFamily="49" charset="0"/>
             </a:endParaRPr>
           </a:p>
-          <a:p>
-            <a:r>
-              <a:rPr lang="ru-RU" sz="1600" dirty="0">
-                <a:solidFill>
-                  <a:schemeClr val="tx2">
-                    <a:lumMod val="60000"/>
-                    <a:lumOff val="40000"/>
-                  </a:schemeClr>
-                </a:solidFill>
-                <a:latin typeface="Consolas" panose="020B0609020204030204" pitchFamily="49" charset="0"/>
-              </a:rPr>
-              <a:t>	</a:t>
-            </a:r>
-            <a:r>
-              <a:rPr lang="en-US" sz="1600" dirty="0">
-                <a:solidFill>
-                  <a:schemeClr val="tx2">
-                    <a:lumMod val="60000"/>
-                    <a:lumOff val="40000"/>
-                  </a:schemeClr>
-                </a:solidFill>
-                <a:latin typeface="Consolas" panose="020B0609020204030204" pitchFamily="49" charset="0"/>
-              </a:rPr>
-              <a:t>(</a:t>
-            </a:r>
-            <a:r>
-              <a:rPr lang="en-US" sz="1600" dirty="0" err="1">
-                <a:solidFill>
-                  <a:schemeClr val="tx2">
-                    <a:lumMod val="60000"/>
-                    <a:lumOff val="40000"/>
-                  </a:schemeClr>
-                </a:solidFill>
-                <a:latin typeface="Consolas" panose="020B0609020204030204" pitchFamily="49" charset="0"/>
-              </a:rPr>
-              <a:t>BaseComponent</a:t>
-            </a:r>
-            <a:r>
-              <a:rPr lang="en-US" sz="1600" dirty="0">
-                <a:solidFill>
-                  <a:schemeClr val="tx2">
-                    <a:lumMod val="60000"/>
-                    <a:lumOff val="40000"/>
-                  </a:schemeClr>
-                </a:solidFill>
-                <a:latin typeface="Consolas" panose="020B0609020204030204" pitchFamily="49" charset="0"/>
-              </a:rPr>
-              <a:t>* </a:t>
-            </a:r>
-            <a:r>
-              <a:rPr lang="ru-RU" sz="1600" dirty="0">
-                <a:solidFill>
-                  <a:schemeClr val="tx2">
-                    <a:lumMod val="60000"/>
-                    <a:lumOff val="40000"/>
-                  </a:schemeClr>
-                </a:solidFill>
-                <a:latin typeface="Consolas" panose="020B0609020204030204" pitchFamily="49" charset="0"/>
-              </a:rPr>
-              <a:t>	</a:t>
-            </a:r>
-            <a:r>
-              <a:rPr lang="en-US" sz="1600" dirty="0">
-                <a:solidFill>
-                  <a:schemeClr val="tx2">
-                    <a:lumMod val="60000"/>
-                    <a:lumOff val="40000"/>
-                  </a:schemeClr>
-                </a:solidFill>
-                <a:latin typeface="Consolas" panose="020B0609020204030204" pitchFamily="49" charset="0"/>
-              </a:rPr>
-              <a:t>sender, const </a:t>
-            </a:r>
-            <a:r>
-              <a:rPr lang="en-US" sz="1600" dirty="0" err="1">
-                <a:solidFill>
-                  <a:schemeClr val="tx2">
-                    <a:lumMod val="60000"/>
-                    <a:lumOff val="40000"/>
-                  </a:schemeClr>
-                </a:solidFill>
-                <a:latin typeface="Consolas" panose="020B0609020204030204" pitchFamily="49" charset="0"/>
-              </a:rPr>
-              <a:t>SelectionChangedEventArgs</a:t>
-            </a:r>
-            <a:r>
-              <a:rPr lang="en-US" sz="1600" dirty="0">
-                <a:solidFill>
-                  <a:schemeClr val="tx2">
-                    <a:lumMod val="60000"/>
-                    <a:lumOff val="40000"/>
-                  </a:schemeClr>
-                </a:solidFill>
-                <a:latin typeface="Consolas" panose="020B0609020204030204" pitchFamily="49" charset="0"/>
-              </a:rPr>
-              <a:t>&amp; e) {</a:t>
-            </a:r>
-          </a:p>
-          <a:p>
-            <a:r>
-              <a:rPr lang="en-US" sz="1600" dirty="0">
-                <a:solidFill>
-                  <a:schemeClr val="tx2">
-                    <a:lumMod val="60000"/>
-                    <a:lumOff val="40000"/>
-                  </a:schemeClr>
-                </a:solidFill>
-                <a:latin typeface="Consolas" panose="020B0609020204030204" pitchFamily="49" charset="0"/>
-              </a:rPr>
-              <a:t>            </a:t>
-            </a:r>
-            <a:r>
-              <a:rPr lang="en-US" sz="1600" dirty="0" err="1">
-                <a:solidFill>
-                  <a:schemeClr val="tx2">
-                    <a:lumMod val="60000"/>
-                    <a:lumOff val="40000"/>
-                  </a:schemeClr>
-                </a:solidFill>
-                <a:latin typeface="Consolas" panose="020B0609020204030204" pitchFamily="49" charset="0"/>
-              </a:rPr>
-              <a:t>OnSkinSelected</a:t>
-            </a:r>
-            <a:r>
-              <a:rPr lang="en-US" sz="1600" dirty="0">
-                <a:solidFill>
-                  <a:schemeClr val="tx2">
-                    <a:lumMod val="60000"/>
-                    <a:lumOff val="40000"/>
-                  </a:schemeClr>
-                </a:solidFill>
-                <a:latin typeface="Consolas" panose="020B0609020204030204" pitchFamily="49" charset="0"/>
-              </a:rPr>
-              <a:t>(sender, e);</a:t>
-            </a:r>
-          </a:p>
-          <a:p>
-            <a:r>
-              <a:rPr lang="en-US" sz="1600" dirty="0">
-                <a:solidFill>
-                  <a:schemeClr val="tx2">
-                    <a:lumMod val="60000"/>
-                    <a:lumOff val="40000"/>
-                  </a:schemeClr>
-                </a:solidFill>
-                <a:latin typeface="Consolas" panose="020B0609020204030204" pitchFamily="49" charset="0"/>
-              </a:rPr>
-              <a:t>    };</a:t>
-            </a:r>
-          </a:p>
-          <a:p>
-            <a:endParaRPr lang="ru-RU" sz="1600" dirty="0">
-              <a:solidFill>
-                <a:schemeClr val="tx2">
-                  <a:lumMod val="60000"/>
-                  <a:lumOff val="40000"/>
-                </a:schemeClr>
-              </a:solidFill>
-              <a:latin typeface="Consolas" panose="020B0609020204030204" pitchFamily="49" charset="0"/>
-            </a:endParaRPr>
-          </a:p>
         </p:txBody>
       </p:sp>
     </p:spTree>
     <p:extLst>
       <p:ext uri="{BB962C8B-B14F-4D97-AF65-F5344CB8AC3E}">
-        <p14:creationId xmlns:p14="http://schemas.microsoft.com/office/powerpoint/2010/main" val="4035178417"/>
+        <p14:creationId xmlns:p14="http://schemas.microsoft.com/office/powerpoint/2010/main" val="2186935420"/>
       </p:ext>
     </p:extLst>
   </p:cSld>
@@ -36185,7 +36666,7 @@
         <p:spPr>
           <a:xfrm>
             <a:off x="1190625" y="1469836"/>
-            <a:ext cx="7686675" cy="830997"/>
+            <a:ext cx="7686675" cy="1815882"/>
           </a:xfrm>
           <a:prstGeom prst="rect">
             <a:avLst/>
@@ -36199,21 +36680,81 @@
           <a:lstStyle/>
           <a:p>
             <a:r>
+              <a:rPr lang="ru-RU" sz="2400" dirty="0">
+                <a:solidFill>
+                  <a:srgbClr val="262636"/>
+                </a:solidFill>
+              </a:rPr>
+              <a:t>Так а что там с </a:t>
+            </a:r>
+            <a:r>
               <a:rPr lang="en-US" sz="2400" dirty="0">
                 <a:solidFill>
                   <a:srgbClr val="262636"/>
                 </a:solidFill>
               </a:rPr>
-              <a:t>3. </a:t>
-            </a:r>
-            <a:r>
-              <a:rPr lang="ru-RU" sz="2400" dirty="0">
-                <a:solidFill>
-                  <a:srgbClr val="262636"/>
-                </a:solidFill>
-              </a:rPr>
-              <a:t>Эффективный векторный формат хранения данных</a:t>
-            </a:r>
+              <a:t>UI? </a:t>
+            </a:r>
+            <a:r>
+              <a:rPr lang="ru-RU" sz="2400" dirty="0">
+                <a:solidFill>
+                  <a:srgbClr val="262636"/>
+                </a:solidFill>
+              </a:rPr>
+              <a:t>Неужто страшненький </a:t>
+            </a:r>
+            <a:r>
+              <a:rPr lang="en-US" sz="2400" dirty="0">
+                <a:solidFill>
+                  <a:srgbClr val="262636"/>
+                </a:solidFill>
+              </a:rPr>
+              <a:t>Dear </a:t>
+            </a:r>
+            <a:r>
+              <a:rPr lang="en-US" sz="2400" dirty="0" err="1">
+                <a:solidFill>
+                  <a:srgbClr val="262636"/>
+                </a:solidFill>
+              </a:rPr>
+              <a:t>ImGUI</a:t>
+            </a:r>
+            <a:r>
+              <a:rPr lang="en-US" sz="2400" dirty="0">
+                <a:solidFill>
+                  <a:srgbClr val="262636"/>
+                </a:solidFill>
+              </a:rPr>
+              <a:t>?</a:t>
+            </a:r>
+          </a:p>
+          <a:p>
+            <a:r>
+              <a:rPr lang="ru-RU" sz="2400" dirty="0">
+                <a:solidFill>
+                  <a:srgbClr val="262636"/>
+                </a:solidFill>
+              </a:rPr>
+              <a:t>Есть! Пригодное для промышленного применения решение – </a:t>
+            </a:r>
+            <a:r>
+              <a:rPr lang="en-US" sz="2400" dirty="0" err="1">
+                <a:solidFill>
+                  <a:srgbClr val="262636"/>
+                </a:solidFill>
+              </a:rPr>
+              <a:t>NoesisGUI</a:t>
+            </a:r>
+            <a:r>
+              <a:rPr lang="en-US" sz="2400" dirty="0">
+                <a:solidFill>
+                  <a:srgbClr val="262636"/>
+                </a:solidFill>
+              </a:rPr>
+              <a:t>.</a:t>
+            </a:r>
+          </a:p>
+          <a:p>
             <a:endParaRPr lang="ru-RU" sz="1600" dirty="0">
               <a:solidFill>
                 <a:schemeClr val="tx2">
@@ -36221,6 +36762,7 @@
                   <a:lumOff val="40000"/>
                 </a:schemeClr>
               </a:solidFill>
+              <a:latin typeface="Consolas" panose="020B0609020204030204" pitchFamily="49" charset="0"/>
             </a:endParaRPr>
           </a:p>
         </p:txBody>
@@ -36228,7 +36770,7 @@
     </p:spTree>
     <p:extLst>
       <p:ext uri="{BB962C8B-B14F-4D97-AF65-F5344CB8AC3E}">
-        <p14:creationId xmlns:p14="http://schemas.microsoft.com/office/powerpoint/2010/main" val="2858537356"/>
+        <p14:creationId xmlns:p14="http://schemas.microsoft.com/office/powerpoint/2010/main" val="530326824"/>
       </p:ext>
     </p:extLst>
   </p:cSld>
@@ -36400,7 +36942,7 @@
         <p:spPr>
           <a:xfrm>
             <a:off x="1190625" y="1469836"/>
-            <a:ext cx="7686675" cy="1200329"/>
+            <a:ext cx="7686675" cy="3170099"/>
           </a:xfrm>
           <a:prstGeom prst="rect">
             <a:avLst/>
@@ -36414,30 +36956,28 @@
           <a:lstStyle/>
           <a:p>
             <a:r>
+              <a:rPr lang="ru-RU" sz="2400" dirty="0">
+                <a:solidFill>
+                  <a:srgbClr val="262636"/>
+                </a:solidFill>
+              </a:rPr>
+              <a:t>Так а что там с </a:t>
+            </a:r>
+            <a:r>
               <a:rPr lang="en-US" sz="2400" dirty="0">
                 <a:solidFill>
                   <a:srgbClr val="262636"/>
                 </a:solidFill>
               </a:rPr>
-              <a:t>3. </a:t>
-            </a:r>
-            <a:r>
-              <a:rPr lang="ru-RU" sz="2400" dirty="0">
-                <a:solidFill>
-                  <a:srgbClr val="262636"/>
-                </a:solidFill>
-              </a:rPr>
-              <a:t>Эффективный векторный формат хранения данных</a:t>
-            </a:r>
-          </a:p>
-          <a:p>
-            <a:r>
-              <a:rPr lang="ru-RU" sz="2400" dirty="0">
-                <a:solidFill>
-                  <a:srgbClr val="262636"/>
-                </a:solidFill>
-              </a:rPr>
-              <a:t>4. Поддержка паттерна </a:t>
+              <a:t>UI? </a:t>
+            </a:r>
+            <a:r>
+              <a:rPr lang="ru-RU" sz="2400" dirty="0">
+                <a:solidFill>
+                  <a:srgbClr val="262636"/>
+                </a:solidFill>
+              </a:rPr>
+              <a:t>Неужто страшненький </a:t>
             </a:r>
             <a:r>
               <a:rPr lang="en-US" sz="2400" dirty="0">
@@ -36445,15 +36985,126 @@
                   <a:srgbClr val="262636"/>
                 </a:solidFill>
               </a:rPr>
-              <a:t>MVVM</a:t>
-            </a:r>
+              <a:t>Dear </a:t>
+            </a:r>
+            <a:r>
+              <a:rPr lang="en-US" sz="2400" dirty="0" err="1">
+                <a:solidFill>
+                  <a:srgbClr val="262636"/>
+                </a:solidFill>
+              </a:rPr>
+              <a:t>ImGUI</a:t>
+            </a:r>
+            <a:r>
+              <a:rPr lang="en-US" sz="2400" dirty="0">
+                <a:solidFill>
+                  <a:srgbClr val="262636"/>
+                </a:solidFill>
+              </a:rPr>
+              <a:t>?</a:t>
+            </a:r>
+          </a:p>
+          <a:p>
+            <a:r>
+              <a:rPr lang="ru-RU" sz="2400" dirty="0">
+                <a:solidFill>
+                  <a:srgbClr val="262636"/>
+                </a:solidFill>
+              </a:rPr>
+              <a:t>Есть! Пригодное для промышленного применения решение – </a:t>
+            </a:r>
+            <a:r>
+              <a:rPr lang="en-US" sz="2400" dirty="0" err="1">
+                <a:solidFill>
+                  <a:srgbClr val="262636"/>
+                </a:solidFill>
+              </a:rPr>
+              <a:t>NoesisGUI</a:t>
+            </a:r>
+            <a:r>
+              <a:rPr lang="en-US" sz="2400" dirty="0">
+                <a:solidFill>
+                  <a:srgbClr val="262636"/>
+                </a:solidFill>
+              </a:rPr>
+              <a:t>.</a:t>
+            </a:r>
+          </a:p>
+          <a:p>
+            <a:r>
+              <a:rPr lang="ru-RU" sz="2400" dirty="0">
+                <a:solidFill>
+                  <a:srgbClr val="262636"/>
+                </a:solidFill>
+              </a:rPr>
+              <a:t>1. В отличие от многих </a:t>
+            </a:r>
+            <a:r>
+              <a:rPr lang="en-US" sz="2400" dirty="0" err="1">
+                <a:solidFill>
+                  <a:srgbClr val="262636"/>
+                </a:solidFill>
+              </a:rPr>
+              <a:t>ImGUI</a:t>
+            </a:r>
+            <a:r>
+              <a:rPr lang="en-US" sz="2400" dirty="0">
+                <a:solidFill>
+                  <a:srgbClr val="262636"/>
+                </a:solidFill>
+              </a:rPr>
+              <a:t> </a:t>
+            </a:r>
+            <a:r>
+              <a:rPr lang="ru-RU" sz="2400" dirty="0">
+                <a:solidFill>
+                  <a:srgbClr val="262636"/>
+                </a:solidFill>
+              </a:rPr>
+              <a:t>фреймворков – позволяет без вопросов хранить данные между перерисовками. Почти как в </a:t>
+            </a:r>
+            <a:r>
+              <a:rPr lang="en-US" sz="2400" dirty="0">
+                <a:solidFill>
+                  <a:srgbClr val="262636"/>
+                </a:solidFill>
+              </a:rPr>
+              <a:t>Retained UI</a:t>
+            </a:r>
+            <a:endParaRPr lang="ru-RU" sz="2400" dirty="0">
+              <a:solidFill>
+                <a:srgbClr val="262636"/>
+              </a:solidFill>
+            </a:endParaRPr>
+          </a:p>
+          <a:p>
+            <a:endParaRPr lang="en-US" sz="1600" dirty="0">
+              <a:solidFill>
+                <a:schemeClr val="tx2">
+                  <a:lumMod val="60000"/>
+                  <a:lumOff val="40000"/>
+                </a:schemeClr>
+              </a:solidFill>
+              <a:latin typeface="Consolas" panose="020B0609020204030204" pitchFamily="49" charset="0"/>
+            </a:endParaRPr>
+          </a:p>
+          <a:p>
+            <a:endParaRPr lang="ru-RU" sz="1600" dirty="0">
+              <a:solidFill>
+                <a:schemeClr val="tx2">
+                  <a:lumMod val="60000"/>
+                  <a:lumOff val="40000"/>
+                </a:schemeClr>
+              </a:solidFill>
+              <a:latin typeface="Consolas" panose="020B0609020204030204" pitchFamily="49" charset="0"/>
+            </a:endParaRPr>
           </a:p>
         </p:txBody>
       </p:sp>
     </p:spTree>
     <p:extLst>
       <p:ext uri="{BB962C8B-B14F-4D97-AF65-F5344CB8AC3E}">
-        <p14:creationId xmlns:p14="http://schemas.microsoft.com/office/powerpoint/2010/main" val="1411873525"/>
+        <p14:creationId xmlns:p14="http://schemas.microsoft.com/office/powerpoint/2010/main" val="1984563508"/>
       </p:ext>
     </p:extLst>
   </p:cSld>
@@ -36896,7 +37547,7 @@
         <p:spPr>
           <a:xfrm>
             <a:off x="1190625" y="1469836"/>
-            <a:ext cx="7686675" cy="3046988"/>
+            <a:ext cx="7686675" cy="4770537"/>
           </a:xfrm>
           <a:prstGeom prst="rect">
             <a:avLst/>
@@ -36910,30 +37561,28 @@
           <a:lstStyle/>
           <a:p>
             <a:r>
+              <a:rPr lang="ru-RU" sz="2400" dirty="0">
+                <a:solidFill>
+                  <a:srgbClr val="262636"/>
+                </a:solidFill>
+              </a:rPr>
+              <a:t>Так а что там с </a:t>
+            </a:r>
+            <a:r>
               <a:rPr lang="en-US" sz="2400" dirty="0">
                 <a:solidFill>
                   <a:srgbClr val="262636"/>
                 </a:solidFill>
               </a:rPr>
-              <a:t>3. </a:t>
-            </a:r>
-            <a:r>
-              <a:rPr lang="ru-RU" sz="2400" dirty="0">
-                <a:solidFill>
-                  <a:srgbClr val="262636"/>
-                </a:solidFill>
-              </a:rPr>
-              <a:t>Эффективный векторный формат хранения данных</a:t>
-            </a:r>
-          </a:p>
-          <a:p>
-            <a:r>
-              <a:rPr lang="ru-RU" sz="2400" dirty="0">
-                <a:solidFill>
-                  <a:srgbClr val="262636"/>
-                </a:solidFill>
-              </a:rPr>
-              <a:t>4. Поддержка паттерна </a:t>
+              <a:t>UI? </a:t>
+            </a:r>
+            <a:r>
+              <a:rPr lang="ru-RU" sz="2400" dirty="0">
+                <a:solidFill>
+                  <a:srgbClr val="262636"/>
+                </a:solidFill>
+              </a:rPr>
+              <a:t>Неужто страшненький </a:t>
             </a:r>
             <a:r>
               <a:rPr lang="en-US" sz="2400" dirty="0">
@@ -36941,35 +37590,41 @@
                   <a:srgbClr val="262636"/>
                 </a:solidFill>
               </a:rPr>
-              <a:t>MVVM</a:t>
-            </a:r>
-          </a:p>
-          <a:p>
+              <a:t>Dear </a:t>
+            </a:r>
+            <a:r>
+              <a:rPr lang="en-US" sz="2400" dirty="0" err="1">
+                <a:solidFill>
+                  <a:srgbClr val="262636"/>
+                </a:solidFill>
+              </a:rPr>
+              <a:t>ImGUI</a:t>
+            </a:r>
             <a:r>
               <a:rPr lang="en-US" sz="2400" dirty="0">
                 <a:solidFill>
                   <a:srgbClr val="262636"/>
                 </a:solidFill>
               </a:rPr>
-              <a:t>5. </a:t>
-            </a:r>
-            <a:r>
-              <a:rPr lang="ru-RU" sz="2400" dirty="0">
-                <a:solidFill>
-                  <a:schemeClr val="accent4">
-                    <a:lumMod val="75000"/>
-                  </a:schemeClr>
-                </a:solidFill>
-              </a:rPr>
-              <a:t>Найдено недостающее звено для эволюции дизайнеров в полноправных участников процесса разработки!</a:t>
-            </a:r>
-            <a:r>
-              <a:rPr lang="ru-RU" sz="2400" dirty="0">
-                <a:solidFill>
-                  <a:srgbClr val="262636"/>
-                </a:solidFill>
-              </a:rPr>
-              <a:t> Декларативный язык </a:t>
+              <a:t>?</a:t>
+            </a:r>
+          </a:p>
+          <a:p>
+            <a:r>
+              <a:rPr lang="ru-RU" sz="2400" dirty="0">
+                <a:solidFill>
+                  <a:srgbClr val="262636"/>
+                </a:solidFill>
+              </a:rPr>
+              <a:t>Есть! Пригодное для промышленного применения решение – </a:t>
+            </a:r>
+            <a:r>
+              <a:rPr lang="en-US" sz="2400" dirty="0" err="1">
+                <a:solidFill>
+                  <a:srgbClr val="262636"/>
+                </a:solidFill>
+              </a:rPr>
+              <a:t>NoesisGUI</a:t>
             </a:r>
             <a:r>
               <a:rPr lang="en-US" sz="2400" dirty="0">
@@ -36977,15 +37632,25 @@
                   <a:srgbClr val="262636"/>
                 </a:solidFill>
               </a:rPr>
-              <a:t>XAML </a:t>
-            </a:r>
-            <a:r>
-              <a:rPr lang="ru-RU" sz="2400" dirty="0">
-                <a:solidFill>
-                  <a:srgbClr val="262636"/>
-                </a:solidFill>
-              </a:rPr>
-              <a:t>для описания как </a:t>
+              <a:t>.</a:t>
+            </a:r>
+          </a:p>
+          <a:p>
+            <a:r>
+              <a:rPr lang="ru-RU" sz="2400" dirty="0">
+                <a:solidFill>
+                  <a:srgbClr val="262636"/>
+                </a:solidFill>
+              </a:rPr>
+              <a:t>1. В отличие от многих </a:t>
+            </a:r>
+            <a:r>
+              <a:rPr lang="en-US" sz="2400" dirty="0" err="1">
+                <a:solidFill>
+                  <a:srgbClr val="262636"/>
+                </a:solidFill>
+              </a:rPr>
+              <a:t>ImGUI</a:t>
             </a:r>
             <a:r>
               <a:rPr lang="en-US" sz="2400" dirty="0">
@@ -36993,23 +37658,270 @@
                   <a:srgbClr val="262636"/>
                 </a:solidFill>
               </a:rPr>
-              <a:t>UI </a:t>
-            </a:r>
-            <a:r>
-              <a:rPr lang="ru-RU" sz="2400" dirty="0">
-                <a:solidFill>
-                  <a:srgbClr val="262636"/>
-                </a:solidFill>
-              </a:rPr>
-              <a:t>целиком, так и отдельных компонентов.</a:t>
-            </a:r>
+              <a:t> </a:t>
+            </a:r>
+            <a:r>
+              <a:rPr lang="ru-RU" sz="2400" dirty="0">
+                <a:solidFill>
+                  <a:srgbClr val="262636"/>
+                </a:solidFill>
+              </a:rPr>
+              <a:t>фреймворков – позволяет без вопросов хранить данные между перерисовками. Почти как в </a:t>
+            </a:r>
+            <a:r>
+              <a:rPr lang="en-US" sz="2400" dirty="0">
+                <a:solidFill>
+                  <a:srgbClr val="262636"/>
+                </a:solidFill>
+              </a:rPr>
+              <a:t>Retained UI</a:t>
+            </a:r>
+          </a:p>
+          <a:p>
+            <a:r>
+              <a:rPr lang="ru-RU" sz="2400" dirty="0">
+                <a:solidFill>
+                  <a:srgbClr val="262636"/>
+                </a:solidFill>
+              </a:rPr>
+              <a:t>2. Удобный и понятный механизм обработки событий. Обработаем выбор пункта списка:</a:t>
+            </a:r>
+          </a:p>
+          <a:p>
+            <a:r>
+              <a:rPr lang="ru-RU" sz="2400" dirty="0">
+                <a:solidFill>
+                  <a:srgbClr val="262636"/>
+                </a:solidFill>
+                <a:latin typeface="Consolas" panose="020B0609020204030204" pitchFamily="49" charset="0"/>
+              </a:rPr>
+              <a:t>	</a:t>
+            </a:r>
+            <a:r>
+              <a:rPr lang="en-US" sz="1600" dirty="0" err="1">
+                <a:solidFill>
+                  <a:schemeClr val="tx2">
+                    <a:lumMod val="60000"/>
+                    <a:lumOff val="40000"/>
+                  </a:schemeClr>
+                </a:solidFill>
+                <a:latin typeface="Consolas" panose="020B0609020204030204" pitchFamily="49" charset="0"/>
+              </a:rPr>
+              <a:t>skin_combo_box</a:t>
+            </a:r>
+            <a:r>
+              <a:rPr lang="en-US" sz="1600" dirty="0">
+                <a:solidFill>
+                  <a:schemeClr val="tx2">
+                    <a:lumMod val="60000"/>
+                    <a:lumOff val="40000"/>
+                  </a:schemeClr>
+                </a:solidFill>
+                <a:latin typeface="Consolas" panose="020B0609020204030204" pitchFamily="49" charset="0"/>
+              </a:rPr>
+              <a:t>_-&gt;</a:t>
+            </a:r>
+            <a:r>
+              <a:rPr lang="en-US" sz="1600" dirty="0" err="1">
+                <a:solidFill>
+                  <a:schemeClr val="tx2">
+                    <a:lumMod val="60000"/>
+                    <a:lumOff val="40000"/>
+                  </a:schemeClr>
+                </a:solidFill>
+                <a:latin typeface="Consolas" panose="020B0609020204030204" pitchFamily="49" charset="0"/>
+              </a:rPr>
+              <a:t>SelectionChanged</a:t>
+            </a:r>
+            <a:r>
+              <a:rPr lang="en-US" sz="1600" dirty="0">
+                <a:solidFill>
+                  <a:schemeClr val="tx2">
+                    <a:lumMod val="60000"/>
+                    <a:lumOff val="40000"/>
+                  </a:schemeClr>
+                </a:solidFill>
+                <a:latin typeface="Consolas" panose="020B0609020204030204" pitchFamily="49" charset="0"/>
+              </a:rPr>
+              <a:t>() += [this]</a:t>
+            </a:r>
+            <a:endParaRPr lang="ru-RU" sz="1600" dirty="0">
+              <a:solidFill>
+                <a:schemeClr val="tx2">
+                  <a:lumMod val="60000"/>
+                  <a:lumOff val="40000"/>
+                </a:schemeClr>
+              </a:solidFill>
+              <a:latin typeface="Consolas" panose="020B0609020204030204" pitchFamily="49" charset="0"/>
+            </a:endParaRPr>
+          </a:p>
+          <a:p>
+            <a:r>
+              <a:rPr lang="ru-RU" sz="1600" dirty="0">
+                <a:solidFill>
+                  <a:schemeClr val="tx2">
+                    <a:lumMod val="60000"/>
+                    <a:lumOff val="40000"/>
+                  </a:schemeClr>
+                </a:solidFill>
+                <a:latin typeface="Consolas" panose="020B0609020204030204" pitchFamily="49" charset="0"/>
+              </a:rPr>
+              <a:t>	</a:t>
+            </a:r>
+            <a:r>
+              <a:rPr lang="en-US" sz="1600" dirty="0">
+                <a:solidFill>
+                  <a:schemeClr val="tx2">
+                    <a:lumMod val="60000"/>
+                    <a:lumOff val="40000"/>
+                  </a:schemeClr>
+                </a:solidFill>
+                <a:latin typeface="Consolas" panose="020B0609020204030204" pitchFamily="49" charset="0"/>
+              </a:rPr>
+              <a:t>(</a:t>
+            </a:r>
+            <a:r>
+              <a:rPr lang="en-US" sz="1600" dirty="0" err="1">
+                <a:solidFill>
+                  <a:schemeClr val="tx2">
+                    <a:lumMod val="60000"/>
+                    <a:lumOff val="40000"/>
+                  </a:schemeClr>
+                </a:solidFill>
+                <a:latin typeface="Consolas" panose="020B0609020204030204" pitchFamily="49" charset="0"/>
+              </a:rPr>
+              <a:t>BaseComponent</a:t>
+            </a:r>
+            <a:r>
+              <a:rPr lang="en-US" sz="1600" dirty="0">
+                <a:solidFill>
+                  <a:schemeClr val="tx2">
+                    <a:lumMod val="60000"/>
+                    <a:lumOff val="40000"/>
+                  </a:schemeClr>
+                </a:solidFill>
+                <a:latin typeface="Consolas" panose="020B0609020204030204" pitchFamily="49" charset="0"/>
+              </a:rPr>
+              <a:t>* </a:t>
+            </a:r>
+            <a:r>
+              <a:rPr lang="ru-RU" sz="1600" dirty="0">
+                <a:solidFill>
+                  <a:schemeClr val="tx2">
+                    <a:lumMod val="60000"/>
+                    <a:lumOff val="40000"/>
+                  </a:schemeClr>
+                </a:solidFill>
+                <a:latin typeface="Consolas" panose="020B0609020204030204" pitchFamily="49" charset="0"/>
+              </a:rPr>
+              <a:t>	</a:t>
+            </a:r>
+            <a:r>
+              <a:rPr lang="en-US" sz="1600" dirty="0">
+                <a:solidFill>
+                  <a:schemeClr val="tx2">
+                    <a:lumMod val="60000"/>
+                    <a:lumOff val="40000"/>
+                  </a:schemeClr>
+                </a:solidFill>
+                <a:latin typeface="Consolas" panose="020B0609020204030204" pitchFamily="49" charset="0"/>
+              </a:rPr>
+              <a:t>sender, const </a:t>
+            </a:r>
+            <a:r>
+              <a:rPr lang="en-US" sz="1600" dirty="0" err="1">
+                <a:solidFill>
+                  <a:schemeClr val="tx2">
+                    <a:lumMod val="60000"/>
+                    <a:lumOff val="40000"/>
+                  </a:schemeClr>
+                </a:solidFill>
+                <a:latin typeface="Consolas" panose="020B0609020204030204" pitchFamily="49" charset="0"/>
+              </a:rPr>
+              <a:t>SelectionChangedEventArgs</a:t>
+            </a:r>
+            <a:r>
+              <a:rPr lang="en-US" sz="1600" dirty="0">
+                <a:solidFill>
+                  <a:schemeClr val="tx2">
+                    <a:lumMod val="60000"/>
+                    <a:lumOff val="40000"/>
+                  </a:schemeClr>
+                </a:solidFill>
+                <a:latin typeface="Consolas" panose="020B0609020204030204" pitchFamily="49" charset="0"/>
+              </a:rPr>
+              <a:t>&amp; e) {</a:t>
+            </a:r>
+          </a:p>
+          <a:p>
+            <a:r>
+              <a:rPr lang="en-US" sz="1600" dirty="0">
+                <a:solidFill>
+                  <a:schemeClr val="tx2">
+                    <a:lumMod val="60000"/>
+                    <a:lumOff val="40000"/>
+                  </a:schemeClr>
+                </a:solidFill>
+                <a:latin typeface="Consolas" panose="020B0609020204030204" pitchFamily="49" charset="0"/>
+              </a:rPr>
+              <a:t>            </a:t>
+            </a:r>
+            <a:r>
+              <a:rPr lang="en-US" sz="1600" dirty="0" err="1">
+                <a:solidFill>
+                  <a:schemeClr val="tx2">
+                    <a:lumMod val="60000"/>
+                    <a:lumOff val="40000"/>
+                  </a:schemeClr>
+                </a:solidFill>
+                <a:latin typeface="Consolas" panose="020B0609020204030204" pitchFamily="49" charset="0"/>
+              </a:rPr>
+              <a:t>OnSkinSelected</a:t>
+            </a:r>
+            <a:r>
+              <a:rPr lang="en-US" sz="1600" dirty="0">
+                <a:solidFill>
+                  <a:schemeClr val="tx2">
+                    <a:lumMod val="60000"/>
+                    <a:lumOff val="40000"/>
+                  </a:schemeClr>
+                </a:solidFill>
+                <a:latin typeface="Consolas" panose="020B0609020204030204" pitchFamily="49" charset="0"/>
+              </a:rPr>
+              <a:t>(sender, e);</a:t>
+            </a:r>
+          </a:p>
+          <a:p>
+            <a:r>
+              <a:rPr lang="en-US" sz="1600" dirty="0">
+                <a:solidFill>
+                  <a:schemeClr val="tx2">
+                    <a:lumMod val="60000"/>
+                    <a:lumOff val="40000"/>
+                  </a:schemeClr>
+                </a:solidFill>
+                <a:latin typeface="Consolas" panose="020B0609020204030204" pitchFamily="49" charset="0"/>
+              </a:rPr>
+              <a:t>    };</a:t>
+            </a:r>
+          </a:p>
+          <a:p>
+            <a:endParaRPr lang="ru-RU" sz="1600" dirty="0">
+              <a:solidFill>
+                <a:schemeClr val="tx2">
+                  <a:lumMod val="60000"/>
+                  <a:lumOff val="40000"/>
+                </a:schemeClr>
+              </a:solidFill>
+              <a:latin typeface="Consolas" panose="020B0609020204030204" pitchFamily="49" charset="0"/>
+            </a:endParaRPr>
           </a:p>
         </p:txBody>
       </p:sp>
     </p:spTree>
     <p:extLst>
       <p:ext uri="{BB962C8B-B14F-4D97-AF65-F5344CB8AC3E}">
-        <p14:creationId xmlns:p14="http://schemas.microsoft.com/office/powerpoint/2010/main" val="47149007"/>
+        <p14:creationId xmlns:p14="http://schemas.microsoft.com/office/powerpoint/2010/main" val="4035178417"/>
       </p:ext>
     </p:extLst>
   </p:cSld>
@@ -37181,7 +38093,7 @@
         <p:spPr>
           <a:xfrm>
             <a:off x="1190625" y="1469836"/>
-            <a:ext cx="7686675" cy="3785652"/>
+            <a:ext cx="7686675" cy="830997"/>
           </a:xfrm>
           <a:prstGeom prst="rect">
             <a:avLst/>
@@ -37209,110 +38121,6 @@
                 </a:solidFill>
               </a:rPr>
               <a:t>Эффективный векторный формат хранения данных</a:t>
-            </a:r>
-          </a:p>
-          <a:p>
-            <a:r>
-              <a:rPr lang="ru-RU" sz="2400" dirty="0">
-                <a:solidFill>
-                  <a:srgbClr val="262636"/>
-                </a:solidFill>
-              </a:rPr>
-              <a:t>4. Поддержка паттерна </a:t>
-            </a:r>
-            <a:r>
-              <a:rPr lang="en-US" sz="2400" dirty="0">
-                <a:solidFill>
-                  <a:srgbClr val="262636"/>
-                </a:solidFill>
-              </a:rPr>
-              <a:t>MVVM</a:t>
-            </a:r>
-          </a:p>
-          <a:p>
-            <a:r>
-              <a:rPr lang="en-US" sz="2400" dirty="0">
-                <a:solidFill>
-                  <a:srgbClr val="262636"/>
-                </a:solidFill>
-              </a:rPr>
-              <a:t>5. </a:t>
-            </a:r>
-            <a:r>
-              <a:rPr lang="ru-RU" sz="2400" dirty="0">
-                <a:solidFill>
-                  <a:schemeClr val="accent4">
-                    <a:lumMod val="75000"/>
-                  </a:schemeClr>
-                </a:solidFill>
-              </a:rPr>
-              <a:t>Найдено недостающее звено для эволюции дизайнеров в полноправных участников процесса разработки!</a:t>
-            </a:r>
-            <a:r>
-              <a:rPr lang="ru-RU" sz="2400" dirty="0">
-                <a:solidFill>
-                  <a:srgbClr val="262636"/>
-                </a:solidFill>
-              </a:rPr>
-              <a:t> Декларативный язык </a:t>
-            </a:r>
-            <a:r>
-              <a:rPr lang="en-US" sz="2400" dirty="0">
-                <a:solidFill>
-                  <a:srgbClr val="262636"/>
-                </a:solidFill>
-              </a:rPr>
-              <a:t>XAML </a:t>
-            </a:r>
-            <a:r>
-              <a:rPr lang="ru-RU" sz="2400" dirty="0">
-                <a:solidFill>
-                  <a:srgbClr val="262636"/>
-                </a:solidFill>
-              </a:rPr>
-              <a:t>для описания как </a:t>
-            </a:r>
-            <a:r>
-              <a:rPr lang="en-US" sz="2400" dirty="0">
-                <a:solidFill>
-                  <a:srgbClr val="262636"/>
-                </a:solidFill>
-              </a:rPr>
-              <a:t>UI </a:t>
-            </a:r>
-            <a:r>
-              <a:rPr lang="ru-RU" sz="2400" dirty="0">
-                <a:solidFill>
-                  <a:srgbClr val="262636"/>
-                </a:solidFill>
-              </a:rPr>
-              <a:t>целиком, так и отдельных компонентов.</a:t>
-            </a:r>
-          </a:p>
-          <a:p>
-            <a:r>
-              <a:rPr lang="ru-RU" sz="2400" dirty="0">
-                <a:solidFill>
-                  <a:srgbClr val="262636"/>
-                </a:solidFill>
-              </a:rPr>
-              <a:t>Лучший в своём классе редактор интерфейсов </a:t>
-            </a:r>
-            <a:r>
-              <a:rPr lang="en-US" sz="2400" dirty="0">
-                <a:solidFill>
-                  <a:srgbClr val="262636"/>
-                </a:solidFill>
-              </a:rPr>
-              <a:t>Microsoft Blend </a:t>
-            </a:r>
-            <a:r>
-              <a:rPr lang="ru-RU" sz="2400" dirty="0">
-                <a:solidFill>
-                  <a:srgbClr val="262636"/>
-                </a:solidFill>
-              </a:rPr>
-              <a:t>никого не оставит равнодушным.</a:t>
             </a:r>
             <a:endParaRPr lang="ru-RU" sz="1600" dirty="0">
               <a:solidFill>
@@ -37328,7 +38136,7 @@
     </p:spTree>
     <p:extLst>
       <p:ext uri="{BB962C8B-B14F-4D97-AF65-F5344CB8AC3E}">
-        <p14:creationId xmlns:p14="http://schemas.microsoft.com/office/powerpoint/2010/main" val="519807009"/>
+        <p14:creationId xmlns:p14="http://schemas.microsoft.com/office/powerpoint/2010/main" val="2858537356"/>
       </p:ext>
     </p:extLst>
   </p:cSld>
@@ -37500,7 +38308,7 @@
         <p:spPr>
           <a:xfrm>
             <a:off x="1190625" y="1469836"/>
-            <a:ext cx="7686675" cy="830997"/>
+            <a:ext cx="7686675" cy="1200329"/>
           </a:xfrm>
           <a:prstGeom prst="rect">
             <a:avLst/>
@@ -37514,58 +38322,46 @@
           <a:lstStyle/>
           <a:p>
             <a:r>
-              <a:rPr lang="ru-RU" sz="2400" dirty="0">
-                <a:solidFill>
-                  <a:srgbClr val="262636"/>
-                </a:solidFill>
-              </a:rPr>
-              <a:t>Визуальное редактирование + текстовый редактор</a:t>
-            </a:r>
-            <a:endParaRPr lang="ru-RU" sz="1600" dirty="0">
-              <a:solidFill>
-                <a:schemeClr val="tx2">
-                  <a:lumMod val="60000"/>
-                  <a:lumOff val="40000"/>
-                </a:schemeClr>
-              </a:solidFill>
-            </a:endParaRPr>
+              <a:rPr lang="en-US" sz="2400" dirty="0">
+                <a:solidFill>
+                  <a:srgbClr val="262636"/>
+                </a:solidFill>
+              </a:rPr>
+              <a:t>3. </a:t>
+            </a:r>
+            <a:r>
+              <a:rPr lang="ru-RU" sz="2400" dirty="0">
+                <a:solidFill>
+                  <a:srgbClr val="262636"/>
+                </a:solidFill>
+              </a:rPr>
+              <a:t>Эффективный векторный формат хранения данных</a:t>
+            </a:r>
+          </a:p>
+          <a:p>
+            <a:r>
+              <a:rPr lang="ru-RU" sz="2400" dirty="0">
+                <a:solidFill>
+                  <a:srgbClr val="262636"/>
+                </a:solidFill>
+              </a:rPr>
+              <a:t>4. Поддержка паттерна </a:t>
+            </a:r>
+            <a:r>
+              <a:rPr lang="en-US" sz="2400" dirty="0">
+                <a:solidFill>
+                  <a:srgbClr val="262636"/>
+                </a:solidFill>
+              </a:rPr>
+              <a:t>MVVM</a:t>
+            </a:r>
           </a:p>
         </p:txBody>
       </p:sp>
-      <p:pic>
-        <p:nvPicPr>
-          <p:cNvPr id="4" name="Рисунок 3">
-            <a:extLst>
-              <a:ext uri="{FF2B5EF4-FFF2-40B4-BE49-F238E27FC236}">
-                <a16:creationId xmlns:a16="http://schemas.microsoft.com/office/drawing/2014/main" id="{42BEDC89-2CE2-46CA-BA64-D31EED0CE22C}"/>
-              </a:ext>
-            </a:extLst>
-          </p:cNvPr>
-          <p:cNvPicPr>
-            <a:picLocks noChangeAspect="1"/>
-          </p:cNvPicPr>
-          <p:nvPr/>
-        </p:nvPicPr>
-        <p:blipFill>
-          <a:blip r:embed="rId2"/>
-          <a:stretch>
-            <a:fillRect/>
-          </a:stretch>
-        </p:blipFill>
-        <p:spPr>
-          <a:xfrm>
-            <a:off x="3922757" y="3152775"/>
-            <a:ext cx="4954543" cy="3188869"/>
-          </a:xfrm>
-          <a:prstGeom prst="rect">
-            <a:avLst/>
-          </a:prstGeom>
-        </p:spPr>
-      </p:pic>
     </p:spTree>
     <p:extLst>
       <p:ext uri="{BB962C8B-B14F-4D97-AF65-F5344CB8AC3E}">
-        <p14:creationId xmlns:p14="http://schemas.microsoft.com/office/powerpoint/2010/main" val="3341643827"/>
+        <p14:creationId xmlns:p14="http://schemas.microsoft.com/office/powerpoint/2010/main" val="1411873525"/>
       </p:ext>
     </p:extLst>
   </p:cSld>
@@ -37737,7 +38533,7 @@
         <p:spPr>
           <a:xfrm>
             <a:off x="1190625" y="1469836"/>
-            <a:ext cx="7686675" cy="1569660"/>
+            <a:ext cx="7686675" cy="3046988"/>
           </a:xfrm>
           <a:prstGeom prst="rect">
             <a:avLst/>
@@ -37751,105 +38547,106 @@
           <a:lstStyle/>
           <a:p>
             <a:r>
-              <a:rPr lang="ru-RU" sz="2400" dirty="0">
-                <a:solidFill>
-                  <a:srgbClr val="262636"/>
-                </a:solidFill>
-              </a:rPr>
-              <a:t>Визуальное редактирование + текстовый редактор</a:t>
-            </a:r>
-          </a:p>
-          <a:p>
-            <a:endParaRPr lang="ru-RU" sz="2400" dirty="0">
-              <a:solidFill>
-                <a:srgbClr val="262636"/>
-              </a:solidFill>
-            </a:endParaRPr>
-          </a:p>
-          <a:p>
-            <a:r>
-              <a:rPr lang="ru-RU" sz="2400" dirty="0">
-                <a:solidFill>
-                  <a:srgbClr val="262636"/>
-                </a:solidFill>
-              </a:rPr>
-              <a:t>Богатый набор компонентов</a:t>
-            </a:r>
-            <a:endParaRPr lang="ru-RU" sz="1600" dirty="0">
-              <a:solidFill>
-                <a:schemeClr val="tx2">
-                  <a:lumMod val="60000"/>
-                  <a:lumOff val="40000"/>
-                </a:schemeClr>
-              </a:solidFill>
-            </a:endParaRPr>
+              <a:rPr lang="en-US" sz="2400" dirty="0">
+                <a:solidFill>
+                  <a:srgbClr val="262636"/>
+                </a:solidFill>
+              </a:rPr>
+              <a:t>3. </a:t>
+            </a:r>
+            <a:r>
+              <a:rPr lang="ru-RU" sz="2400" dirty="0">
+                <a:solidFill>
+                  <a:srgbClr val="262636"/>
+                </a:solidFill>
+              </a:rPr>
+              <a:t>Эффективный векторный формат хранения данных</a:t>
+            </a:r>
+          </a:p>
+          <a:p>
+            <a:r>
+              <a:rPr lang="ru-RU" sz="2400" dirty="0">
+                <a:solidFill>
+                  <a:srgbClr val="262636"/>
+                </a:solidFill>
+              </a:rPr>
+              <a:t>4. Поддержка паттерна </a:t>
+            </a:r>
+            <a:r>
+              <a:rPr lang="en-US" sz="2400" dirty="0">
+                <a:solidFill>
+                  <a:srgbClr val="262636"/>
+                </a:solidFill>
+              </a:rPr>
+              <a:t>MVVM</a:t>
+            </a:r>
+          </a:p>
+          <a:p>
+            <a:r>
+              <a:rPr lang="en-US" sz="2400" dirty="0">
+                <a:solidFill>
+                  <a:srgbClr val="262636"/>
+                </a:solidFill>
+              </a:rPr>
+              <a:t>5. </a:t>
+            </a:r>
+            <a:r>
+              <a:rPr lang="ru-RU" sz="2400" dirty="0">
+                <a:solidFill>
+                  <a:schemeClr val="accent4">
+                    <a:lumMod val="75000"/>
+                  </a:schemeClr>
+                </a:solidFill>
+              </a:rPr>
+              <a:t>Найдено недостающее звено для эволюции дизайнеров в полноправных участников процесса разработки!</a:t>
+            </a:r>
+            <a:r>
+              <a:rPr lang="ru-RU" sz="2400" dirty="0">
+                <a:solidFill>
+                  <a:srgbClr val="262636"/>
+                </a:solidFill>
+              </a:rPr>
+              <a:t> Декларативный язык </a:t>
+            </a:r>
+            <a:r>
+              <a:rPr lang="en-US" sz="2400" dirty="0">
+                <a:solidFill>
+                  <a:srgbClr val="262636"/>
+                </a:solidFill>
+              </a:rPr>
+              <a:t>XAML </a:t>
+            </a:r>
+            <a:r>
+              <a:rPr lang="ru-RU" sz="2400" dirty="0">
+                <a:solidFill>
+                  <a:srgbClr val="262636"/>
+                </a:solidFill>
+              </a:rPr>
+              <a:t>для описания как </a:t>
+            </a:r>
+            <a:r>
+              <a:rPr lang="en-US" sz="2400" dirty="0">
+                <a:solidFill>
+                  <a:srgbClr val="262636"/>
+                </a:solidFill>
+              </a:rPr>
+              <a:t>UI </a:t>
+            </a:r>
+            <a:r>
+              <a:rPr lang="ru-RU" sz="2400" dirty="0">
+                <a:solidFill>
+                  <a:srgbClr val="262636"/>
+                </a:solidFill>
+              </a:rPr>
+              <a:t>целиком, так и отдельных компонентов.</a:t>
+            </a:r>
           </a:p>
         </p:txBody>
       </p:sp>
-      <p:pic>
-        <p:nvPicPr>
-          <p:cNvPr id="4" name="Рисунок 3">
-            <a:extLst>
-              <a:ext uri="{FF2B5EF4-FFF2-40B4-BE49-F238E27FC236}">
-                <a16:creationId xmlns:a16="http://schemas.microsoft.com/office/drawing/2014/main" id="{42BEDC89-2CE2-46CA-BA64-D31EED0CE22C}"/>
-              </a:ext>
-            </a:extLst>
-          </p:cNvPr>
-          <p:cNvPicPr>
-            <a:picLocks noChangeAspect="1"/>
-          </p:cNvPicPr>
-          <p:nvPr/>
-        </p:nvPicPr>
-        <p:blipFill>
-          <a:blip r:embed="rId2"/>
-          <a:stretch>
-            <a:fillRect/>
-          </a:stretch>
-        </p:blipFill>
-        <p:spPr>
-          <a:xfrm>
-            <a:off x="3922757" y="3152775"/>
-            <a:ext cx="4954543" cy="3188869"/>
-          </a:xfrm>
-          <a:prstGeom prst="rect">
-            <a:avLst/>
-          </a:prstGeom>
-        </p:spPr>
-      </p:pic>
-      <p:pic>
-        <p:nvPicPr>
-          <p:cNvPr id="5" name="Рисунок 4">
-            <a:extLst>
-              <a:ext uri="{FF2B5EF4-FFF2-40B4-BE49-F238E27FC236}">
-                <a16:creationId xmlns:a16="http://schemas.microsoft.com/office/drawing/2014/main" id="{6F6B5360-D629-4948-8F29-D0B90F6E7F07}"/>
-              </a:ext>
-            </a:extLst>
-          </p:cNvPr>
-          <p:cNvPicPr>
-            <a:picLocks noChangeAspect="1"/>
-          </p:cNvPicPr>
-          <p:nvPr/>
-        </p:nvPicPr>
-        <p:blipFill>
-          <a:blip r:embed="rId3"/>
-          <a:stretch>
-            <a:fillRect/>
-          </a:stretch>
-        </p:blipFill>
-        <p:spPr>
-          <a:xfrm>
-            <a:off x="5728024" y="2032584"/>
-            <a:ext cx="2419668" cy="4463466"/>
-          </a:xfrm>
-          <a:prstGeom prst="rect">
-            <a:avLst/>
-          </a:prstGeom>
-        </p:spPr>
-      </p:pic>
     </p:spTree>
     <p:extLst>
       <p:ext uri="{BB962C8B-B14F-4D97-AF65-F5344CB8AC3E}">
-        <p14:creationId xmlns:p14="http://schemas.microsoft.com/office/powerpoint/2010/main" val="3649367161"/>
+        <p14:creationId xmlns:p14="http://schemas.microsoft.com/office/powerpoint/2010/main" val="47149007"/>
       </p:ext>
     </p:extLst>
   </p:cSld>
@@ -38021,7 +38818,7 @@
         <p:spPr>
           <a:xfrm>
             <a:off x="1190625" y="1469836"/>
-            <a:ext cx="7686675" cy="1569660"/>
+            <a:ext cx="7686675" cy="3785652"/>
           </a:xfrm>
           <a:prstGeom prst="rect">
             <a:avLst/>
@@ -38035,36 +38832,30 @@
           <a:lstStyle/>
           <a:p>
             <a:r>
-              <a:rPr lang="ru-RU" sz="2400" dirty="0">
-                <a:solidFill>
-                  <a:srgbClr val="262636"/>
-                </a:solidFill>
-              </a:rPr>
-              <a:t>А ещё </a:t>
-            </a:r>
-            <a:r>
-              <a:rPr lang="en-US" sz="2400" dirty="0" err="1">
-                <a:solidFill>
-                  <a:srgbClr val="262636"/>
-                </a:solidFill>
-              </a:rPr>
-              <a:t>NoesisGUI</a:t>
-            </a:r>
-            <a:r>
               <a:rPr lang="en-US" sz="2400" dirty="0">
                 <a:solidFill>
                   <a:srgbClr val="262636"/>
                 </a:solidFill>
               </a:rPr>
-              <a:t> – </a:t>
-            </a:r>
-            <a:r>
-              <a:rPr lang="ru-RU" sz="2400" dirty="0">
-                <a:solidFill>
-                  <a:srgbClr val="262636"/>
-                </a:solidFill>
-              </a:rPr>
-              <a:t>это проверенное боевое решение, и легко встраивается во всё, что только можно</a:t>
+              <a:t>3. </a:t>
+            </a:r>
+            <a:r>
+              <a:rPr lang="ru-RU" sz="2400" dirty="0">
+                <a:solidFill>
+                  <a:srgbClr val="262636"/>
+                </a:solidFill>
+              </a:rPr>
+              <a:t>Эффективный векторный формат хранения данных</a:t>
+            </a:r>
+          </a:p>
+          <a:p>
+            <a:r>
+              <a:rPr lang="ru-RU" sz="2400" dirty="0">
+                <a:solidFill>
+                  <a:srgbClr val="262636"/>
+                </a:solidFill>
+              </a:rPr>
+              <a:t>4. Поддержка паттерна </a:t>
             </a:r>
             <a:r>
               <a:rPr lang="en-US" sz="2400" dirty="0">
@@ -38072,15 +38863,93 @@
                   <a:srgbClr val="262636"/>
                 </a:solidFill>
               </a:rPr>
-              <a:t>. OpenGL, DirectX, </a:t>
-            </a:r>
-            <a:r>
-              <a:rPr lang="ru-RU" sz="2400" dirty="0">
-                <a:solidFill>
-                  <a:srgbClr val="262636"/>
-                </a:solidFill>
-              </a:rPr>
-              <a:t>всевозможные игровые движки…</a:t>
+              <a:t>MVVM</a:t>
+            </a:r>
+          </a:p>
+          <a:p>
+            <a:r>
+              <a:rPr lang="en-US" sz="2400" dirty="0">
+                <a:solidFill>
+                  <a:srgbClr val="262636"/>
+                </a:solidFill>
+              </a:rPr>
+              <a:t>5. </a:t>
+            </a:r>
+            <a:r>
+              <a:rPr lang="ru-RU" sz="2400" dirty="0">
+                <a:solidFill>
+                  <a:schemeClr val="accent4">
+                    <a:lumMod val="75000"/>
+                  </a:schemeClr>
+                </a:solidFill>
+              </a:rPr>
+              <a:t>Найдено недостающее звено для эволюции дизайнеров в полноправных участников процесса разработки!</a:t>
+            </a:r>
+            <a:r>
+              <a:rPr lang="ru-RU" sz="2400" dirty="0">
+                <a:solidFill>
+                  <a:srgbClr val="262636"/>
+                </a:solidFill>
+              </a:rPr>
+              <a:t> Декларативный язык </a:t>
+            </a:r>
+            <a:r>
+              <a:rPr lang="en-US" sz="2400" dirty="0">
+                <a:solidFill>
+                  <a:srgbClr val="262636"/>
+                </a:solidFill>
+              </a:rPr>
+              <a:t>XAML </a:t>
+            </a:r>
+            <a:r>
+              <a:rPr lang="ru-RU" sz="2400" dirty="0">
+                <a:solidFill>
+                  <a:srgbClr val="262636"/>
+                </a:solidFill>
+              </a:rPr>
+              <a:t>для описания как </a:t>
+            </a:r>
+            <a:r>
+              <a:rPr lang="en-US" sz="2400" dirty="0">
+                <a:solidFill>
+                  <a:srgbClr val="262636"/>
+                </a:solidFill>
+              </a:rPr>
+              <a:t>UI </a:t>
+            </a:r>
+            <a:r>
+              <a:rPr lang="ru-RU" sz="2400" dirty="0">
+                <a:solidFill>
+                  <a:srgbClr val="262636"/>
+                </a:solidFill>
+              </a:rPr>
+              <a:t>целиком, так и отдельных компонентов.</a:t>
+            </a:r>
+          </a:p>
+          <a:p>
+            <a:r>
+              <a:rPr lang="ru-RU" sz="2400" dirty="0">
+                <a:solidFill>
+                  <a:srgbClr val="262636"/>
+                </a:solidFill>
+              </a:rPr>
+              <a:t>Лучший в своём классе редактор интерфейсов </a:t>
+            </a:r>
+            <a:r>
+              <a:rPr lang="en-US" sz="2400" dirty="0">
+                <a:solidFill>
+                  <a:srgbClr val="262636"/>
+                </a:solidFill>
+              </a:rPr>
+              <a:t>Microsoft Blend </a:t>
+            </a:r>
+            <a:r>
+              <a:rPr lang="ru-RU" sz="2400" dirty="0">
+                <a:solidFill>
+                  <a:srgbClr val="262636"/>
+                </a:solidFill>
+              </a:rPr>
+              <a:t>никого не оставит равнодушным.</a:t>
             </a:r>
             <a:endParaRPr lang="ru-RU" sz="1600" dirty="0">
               <a:solidFill>
@@ -38096,7 +38965,7 @@
     </p:spTree>
     <p:extLst>
       <p:ext uri="{BB962C8B-B14F-4D97-AF65-F5344CB8AC3E}">
-        <p14:creationId xmlns:p14="http://schemas.microsoft.com/office/powerpoint/2010/main" val="540583679"/>
+        <p14:creationId xmlns:p14="http://schemas.microsoft.com/office/powerpoint/2010/main" val="519807009"/>
       </p:ext>
     </p:extLst>
   </p:cSld>
@@ -38152,15 +39021,22 @@
               </a:spcBef>
             </a:pPr>
             <a:r>
-              <a:rPr lang="ru-RU" sz="3600" b="1" dirty="0">
+              <a:rPr lang="en-US" sz="3600" b="1" dirty="0" err="1">
                 <a:solidFill>
                   <a:schemeClr val="tx2">
                     <a:lumMod val="75000"/>
                   </a:schemeClr>
                 </a:solidFill>
               </a:rPr>
-              <a:t>Результаты</a:t>
-            </a:r>
+              <a:t>NoesisGUI</a:t>
+            </a:r>
+            <a:endParaRPr lang="ru-RU" sz="3600" b="1" dirty="0">
+              <a:solidFill>
+                <a:schemeClr val="tx2">
+                  <a:lumMod val="75000"/>
+                </a:schemeClr>
+              </a:solidFill>
+            </a:endParaRPr>
           </a:p>
         </p:txBody>
       </p:sp>
@@ -38261,7 +39137,7 @@
         <p:spPr>
           <a:xfrm>
             <a:off x="1190625" y="1469836"/>
-            <a:ext cx="7686675" cy="1200329"/>
+            <a:ext cx="7686675" cy="830997"/>
           </a:xfrm>
           <a:prstGeom prst="rect">
             <a:avLst/>
@@ -38280,81 +39156,25 @@
                   <a:srgbClr val="262636"/>
                 </a:solidFill>
               </a:rPr>
-              <a:t>Сочетая архитектурные</a:t>
-            </a:r>
-            <a:r>
-              <a:rPr lang="en-US" sz="2400" dirty="0">
-                <a:solidFill>
-                  <a:srgbClr val="262636"/>
-                </a:solidFill>
-              </a:rPr>
-              <a:t> </a:t>
-            </a:r>
-            <a:r>
-              <a:rPr lang="ru-RU" sz="2400" dirty="0">
-                <a:solidFill>
-                  <a:srgbClr val="262636"/>
-                </a:solidFill>
-              </a:rPr>
-              <a:t>приёмы, и используя библиотеки </a:t>
-            </a:r>
-            <a:r>
-              <a:rPr lang="en-US" sz="2400" dirty="0" err="1">
-                <a:solidFill>
-                  <a:srgbClr val="262636"/>
-                </a:solidFill>
-              </a:rPr>
-              <a:t>NoesisGUI</a:t>
-            </a:r>
-            <a:r>
-              <a:rPr lang="en-US" sz="2400" dirty="0">
-                <a:solidFill>
-                  <a:srgbClr val="262636"/>
-                </a:solidFill>
-              </a:rPr>
-              <a:t> </a:t>
-            </a:r>
-            <a:r>
-              <a:rPr lang="ru-RU" sz="2400" dirty="0">
-                <a:solidFill>
-                  <a:srgbClr val="262636"/>
-                </a:solidFill>
-              </a:rPr>
-              <a:t>и </a:t>
-            </a:r>
-            <a:r>
-              <a:rPr lang="en-US" sz="2400" dirty="0" err="1">
-                <a:solidFill>
-                  <a:srgbClr val="262636"/>
-                </a:solidFill>
-              </a:rPr>
-              <a:t>tirx</a:t>
-            </a:r>
-            <a:r>
-              <a:rPr lang="ru-RU" sz="2400" dirty="0">
-                <a:solidFill>
-                  <a:srgbClr val="262636"/>
-                </a:solidFill>
-              </a:rPr>
-              <a:t>, удалось на скорую руку сделать </a:t>
-            </a:r>
-            <a:r>
-              <a:rPr lang="en-US" sz="2400" dirty="0">
-                <a:solidFill>
-                  <a:srgbClr val="262636"/>
-                </a:solidFill>
-              </a:rPr>
-              <a:t>Proof-Of-Concept</a:t>
-            </a:r>
+              <a:t>Визуальное редактирование + текстовый редактор</a:t>
+            </a:r>
+            <a:endParaRPr lang="ru-RU" sz="1600" dirty="0">
+              <a:solidFill>
+                <a:schemeClr val="tx2">
+                  <a:lumMod val="60000"/>
+                  <a:lumOff val="40000"/>
+                </a:schemeClr>
+              </a:solidFill>
+            </a:endParaRPr>
           </a:p>
         </p:txBody>
       </p:sp>
       <p:pic>
         <p:nvPicPr>
-          <p:cNvPr id="6" name="Рисунок 5">
+          <p:cNvPr id="6" name="Рисунок 5" descr="Изображение выглядит как текст, компьютер, монитор, черный&#10;&#10;Автоматически созданное описание">
             <a:extLst>
               <a:ext uri="{FF2B5EF4-FFF2-40B4-BE49-F238E27FC236}">
-                <a16:creationId xmlns:a16="http://schemas.microsoft.com/office/drawing/2014/main" id="{BD949412-CDEF-4E61-BEA2-9FF29373CCDC}"/>
+                <a16:creationId xmlns:a16="http://schemas.microsoft.com/office/drawing/2014/main" id="{F2F430FB-70EB-4F56-AF3C-197576FA2C2C}"/>
               </a:ext>
             </a:extLst>
           </p:cNvPr>
@@ -38364,15 +39184,21 @@
           <p:nvPr/>
         </p:nvPicPr>
         <p:blipFill>
-          <a:blip r:embed="rId2"/>
+          <a:blip r:embed="rId2">
+            <a:extLst>
+              <a:ext uri="{28A0092B-C50C-407E-A947-70E740481C1C}">
+                <a14:useLocalDpi xmlns:a14="http://schemas.microsoft.com/office/drawing/2010/main" val="0"/>
+              </a:ext>
+            </a:extLst>
+          </a:blip>
           <a:stretch>
             <a:fillRect/>
           </a:stretch>
         </p:blipFill>
         <p:spPr>
           <a:xfrm>
-            <a:off x="4303101" y="2670164"/>
-            <a:ext cx="4707549" cy="3635385"/>
+            <a:off x="3411006" y="1962072"/>
+            <a:ext cx="5732994" cy="3426092"/>
           </a:xfrm>
           <a:prstGeom prst="rect">
             <a:avLst/>
@@ -38382,7 +39208,7 @@
     </p:spTree>
     <p:extLst>
       <p:ext uri="{BB962C8B-B14F-4D97-AF65-F5344CB8AC3E}">
-        <p14:creationId xmlns:p14="http://schemas.microsoft.com/office/powerpoint/2010/main" val="2467529715"/>
+        <p14:creationId xmlns:p14="http://schemas.microsoft.com/office/powerpoint/2010/main" val="3341643827"/>
       </p:ext>
     </p:extLst>
   </p:cSld>
@@ -38438,15 +39264,22 @@
               </a:spcBef>
             </a:pPr>
             <a:r>
-              <a:rPr lang="ru-RU" sz="3600" b="1" dirty="0">
+              <a:rPr lang="en-US" sz="3600" b="1" dirty="0" err="1">
                 <a:solidFill>
                   <a:schemeClr val="tx2">
                     <a:lumMod val="75000"/>
                   </a:schemeClr>
                 </a:solidFill>
               </a:rPr>
-              <a:t>Результаты</a:t>
-            </a:r>
+              <a:t>NoesisGUI</a:t>
+            </a:r>
+            <a:endParaRPr lang="ru-RU" sz="3600" b="1" dirty="0">
+              <a:solidFill>
+                <a:schemeClr val="tx2">
+                  <a:lumMod val="75000"/>
+                </a:schemeClr>
+              </a:solidFill>
+            </a:endParaRPr>
           </a:p>
         </p:txBody>
       </p:sp>
@@ -38547,7 +39380,7 @@
         <p:spPr>
           <a:xfrm>
             <a:off x="1190625" y="1469836"/>
-            <a:ext cx="7686675" cy="1200329"/>
+            <a:ext cx="7686675" cy="4893647"/>
           </a:xfrm>
           <a:prstGeom prst="rect">
             <a:avLst/>
@@ -38566,55 +39399,182 @@
                   <a:srgbClr val="262636"/>
                 </a:solidFill>
               </a:rPr>
-              <a:t>Приложение рисует снимок карты и демонстрирует некоторые возможности </a:t>
-            </a:r>
-            <a:r>
-              <a:rPr lang="en-US" sz="2400" dirty="0" err="1">
-                <a:solidFill>
-                  <a:srgbClr val="262636"/>
-                </a:solidFill>
-              </a:rPr>
-              <a:t>tirx</a:t>
-            </a:r>
+              <a:t>Визуальное редактирование + текстовый редактор</a:t>
+            </a:r>
+            <a:endParaRPr lang="en-US" sz="2400" dirty="0">
+              <a:solidFill>
+                <a:srgbClr val="262636"/>
+              </a:solidFill>
+            </a:endParaRPr>
+          </a:p>
+          <a:p>
+            <a:endParaRPr lang="en-US" sz="2400" dirty="0">
+              <a:solidFill>
+                <a:srgbClr val="262636"/>
+              </a:solidFill>
+            </a:endParaRPr>
+          </a:p>
+          <a:p>
+            <a:endParaRPr lang="en-US" sz="2400" dirty="0">
+              <a:solidFill>
+                <a:srgbClr val="262636"/>
+              </a:solidFill>
+            </a:endParaRPr>
+          </a:p>
+          <a:p>
+            <a:endParaRPr lang="en-US" sz="2400" dirty="0">
+              <a:solidFill>
+                <a:srgbClr val="262636"/>
+              </a:solidFill>
+            </a:endParaRPr>
+          </a:p>
+          <a:p>
+            <a:endParaRPr lang="en-US" sz="2400" dirty="0">
+              <a:solidFill>
+                <a:srgbClr val="262636"/>
+              </a:solidFill>
+            </a:endParaRPr>
+          </a:p>
+          <a:p>
+            <a:endParaRPr lang="en-US" sz="2400" dirty="0">
+              <a:solidFill>
+                <a:srgbClr val="262636"/>
+              </a:solidFill>
+            </a:endParaRPr>
+          </a:p>
+          <a:p>
+            <a:endParaRPr lang="en-US" sz="2400" dirty="0">
+              <a:solidFill>
+                <a:srgbClr val="262636"/>
+              </a:solidFill>
+            </a:endParaRPr>
+          </a:p>
+          <a:p>
+            <a:endParaRPr lang="en-US" sz="2400" dirty="0">
+              <a:solidFill>
+                <a:srgbClr val="262636"/>
+              </a:solidFill>
+            </a:endParaRPr>
+          </a:p>
+          <a:p>
+            <a:endParaRPr lang="en-US" sz="2400" dirty="0">
+              <a:solidFill>
+                <a:srgbClr val="262636"/>
+              </a:solidFill>
+            </a:endParaRPr>
+          </a:p>
+          <a:p>
+            <a:endParaRPr lang="en-US" sz="2400" dirty="0">
+              <a:solidFill>
+                <a:srgbClr val="262636"/>
+              </a:solidFill>
+            </a:endParaRPr>
+          </a:p>
+          <a:p>
+            <a:endParaRPr lang="en-US" sz="2400" dirty="0">
+              <a:solidFill>
+                <a:srgbClr val="262636"/>
+              </a:solidFill>
+            </a:endParaRPr>
+          </a:p>
+          <a:p>
             <a:r>
               <a:rPr lang="en-US" sz="2400" dirty="0">
                 <a:solidFill>
                   <a:srgbClr val="262636"/>
                 </a:solidFill>
               </a:rPr>
-              <a:t> </a:t>
-            </a:r>
-            <a:r>
-              <a:rPr lang="ru-RU" sz="2400" dirty="0">
-                <a:solidFill>
-                  <a:srgbClr val="262636"/>
-                </a:solidFill>
-              </a:rPr>
-              <a:t>и </a:t>
-            </a:r>
-            <a:r>
-              <a:rPr lang="en-US" sz="2400" dirty="0" err="1">
-                <a:solidFill>
-                  <a:srgbClr val="262636"/>
-                </a:solidFill>
-              </a:rPr>
-              <a:t>NoesisGUI</a:t>
-            </a:r>
-            <a:r>
-              <a:rPr lang="en-US" sz="2400" dirty="0">
-                <a:solidFill>
-                  <a:srgbClr val="262636"/>
-                </a:solidFill>
-              </a:rPr>
-              <a:t>:</a:t>
-            </a:r>
+              <a:t>					</a:t>
+            </a:r>
+            <a:r>
+              <a:rPr lang="ru-RU" sz="2400" dirty="0">
+                <a:solidFill>
+                  <a:srgbClr val="262636"/>
+                </a:solidFill>
+              </a:rPr>
+              <a:t>	Богатый набор компонентов</a:t>
+            </a:r>
+            <a:endParaRPr lang="ru-RU" sz="1600" dirty="0">
+              <a:solidFill>
+                <a:schemeClr val="tx2">
+                  <a:lumMod val="60000"/>
+                  <a:lumOff val="40000"/>
+                </a:schemeClr>
+              </a:solidFill>
+            </a:endParaRPr>
           </a:p>
         </p:txBody>
       </p:sp>
+      <p:pic>
+        <p:nvPicPr>
+          <p:cNvPr id="6" name="Рисунок 5" descr="Изображение выглядит как текст, компьютер, монитор, черный&#10;&#10;Автоматически созданное описание">
+            <a:extLst>
+              <a:ext uri="{FF2B5EF4-FFF2-40B4-BE49-F238E27FC236}">
+                <a16:creationId xmlns:a16="http://schemas.microsoft.com/office/drawing/2014/main" id="{F2F430FB-70EB-4F56-AF3C-197576FA2C2C}"/>
+              </a:ext>
+            </a:extLst>
+          </p:cNvPr>
+          <p:cNvPicPr>
+            <a:picLocks noChangeAspect="1"/>
+          </p:cNvPicPr>
+          <p:nvPr/>
+        </p:nvPicPr>
+        <p:blipFill>
+          <a:blip r:embed="rId2">
+            <a:extLst>
+              <a:ext uri="{28A0092B-C50C-407E-A947-70E740481C1C}">
+                <a14:useLocalDpi xmlns:a14="http://schemas.microsoft.com/office/drawing/2010/main" val="0"/>
+              </a:ext>
+            </a:extLst>
+          </a:blip>
+          <a:stretch>
+            <a:fillRect/>
+          </a:stretch>
+        </p:blipFill>
+        <p:spPr>
+          <a:xfrm>
+            <a:off x="3411006" y="1962072"/>
+            <a:ext cx="5732994" cy="3426092"/>
+          </a:xfrm>
+          <a:prstGeom prst="rect">
+            <a:avLst/>
+          </a:prstGeom>
+        </p:spPr>
+      </p:pic>
+      <p:pic>
+        <p:nvPicPr>
+          <p:cNvPr id="4" name="Рисунок 3">
+            <a:extLst>
+              <a:ext uri="{FF2B5EF4-FFF2-40B4-BE49-F238E27FC236}">
+                <a16:creationId xmlns:a16="http://schemas.microsoft.com/office/drawing/2014/main" id="{58FBE556-5F76-407E-A245-20970DBE3615}"/>
+              </a:ext>
+            </a:extLst>
+          </p:cNvPr>
+          <p:cNvPicPr>
+            <a:picLocks noChangeAspect="1"/>
+          </p:cNvPicPr>
+          <p:nvPr/>
+        </p:nvPicPr>
+        <p:blipFill>
+          <a:blip r:embed="rId3"/>
+          <a:stretch>
+            <a:fillRect/>
+          </a:stretch>
+        </p:blipFill>
+        <p:spPr>
+          <a:xfrm>
+            <a:off x="1003634" y="2416402"/>
+            <a:ext cx="2324100" cy="4333875"/>
+          </a:xfrm>
+          <a:prstGeom prst="rect">
+            <a:avLst/>
+          </a:prstGeom>
+        </p:spPr>
+      </p:pic>
     </p:spTree>
     <p:extLst>
       <p:ext uri="{BB962C8B-B14F-4D97-AF65-F5344CB8AC3E}">
-        <p14:creationId xmlns:p14="http://schemas.microsoft.com/office/powerpoint/2010/main" val="3515380542"/>
+        <p14:creationId xmlns:p14="http://schemas.microsoft.com/office/powerpoint/2010/main" val="2545427811"/>
       </p:ext>
     </p:extLst>
   </p:cSld>
@@ -38670,15 +39630,22 @@
               </a:spcBef>
             </a:pPr>
             <a:r>
-              <a:rPr lang="ru-RU" sz="3600" b="1" dirty="0">
+              <a:rPr lang="en-US" sz="3600" b="1" dirty="0" err="1">
                 <a:solidFill>
                   <a:schemeClr val="tx2">
                     <a:lumMod val="75000"/>
                   </a:schemeClr>
                 </a:solidFill>
               </a:rPr>
-              <a:t>Результаты</a:t>
-            </a:r>
+              <a:t>NoesisGUI</a:t>
+            </a:r>
+            <a:endParaRPr lang="ru-RU" sz="3600" b="1" dirty="0">
+              <a:solidFill>
+                <a:schemeClr val="tx2">
+                  <a:lumMod val="75000"/>
+                </a:schemeClr>
+              </a:solidFill>
+            </a:endParaRPr>
           </a:p>
         </p:txBody>
       </p:sp>
@@ -38779,7 +39746,7 @@
         <p:spPr>
           <a:xfrm>
             <a:off x="1190625" y="1469836"/>
-            <a:ext cx="7686675" cy="2308324"/>
+            <a:ext cx="7686675" cy="1569660"/>
           </a:xfrm>
           <a:prstGeom prst="rect">
             <a:avLst/>
@@ -38798,7 +39765,7 @@
                   <a:srgbClr val="262636"/>
                 </a:solidFill>
               </a:rPr>
-              <a:t>Приложение рисует снимок карты и демонстрирует некоторые возможности </a:t>
+              <a:t>А ещё </a:t>
             </a:r>
             <a:r>
               <a:rPr lang="en-US" sz="2400" dirty="0" err="1">
@@ -38806,7 +39773,7 @@
                   <a:srgbClr val="262636"/>
                 </a:solidFill>
               </a:rPr>
-              <a:t>tirx</a:t>
+              <a:t>NoesisGUI</a:t>
             </a:r>
             <a:r>
               <a:rPr lang="en-US" sz="2400" dirty="0">
@@ -38814,23 +39781,15 @@
                   <a:srgbClr val="262636"/>
                 </a:solidFill>
               </a:rPr>
-              <a:t> </a:t>
-            </a:r>
-            <a:r>
-              <a:rPr lang="ru-RU" sz="2400" dirty="0">
-                <a:solidFill>
-                  <a:srgbClr val="262636"/>
-                </a:solidFill>
-              </a:rPr>
-              <a:t>и </a:t>
-            </a:r>
-            <a:r>
-              <a:rPr lang="en-US" sz="2400" dirty="0" err="1">
-                <a:solidFill>
-                  <a:srgbClr val="262636"/>
-                </a:solidFill>
-              </a:rPr>
-              <a:t>NoesisGUI</a:t>
+              <a:t> – </a:t>
+            </a:r>
+            <a:r>
+              <a:rPr lang="ru-RU" sz="2400" dirty="0">
+                <a:solidFill>
+                  <a:srgbClr val="262636"/>
+                </a:solidFill>
+              </a:rPr>
+              <a:t>это проверенное боевое решение, и легко встраивается во всё, что только можно</a:t>
             </a:r>
             <a:r>
               <a:rPr lang="en-US" sz="2400" dirty="0">
@@ -38838,55 +39797,22 @@
                   <a:srgbClr val="262636"/>
                 </a:solidFill>
               </a:rPr>
-              <a:t>:</a:t>
-            </a:r>
-          </a:p>
-          <a:p>
-            <a:r>
-              <a:rPr lang="en-US" sz="2400" dirty="0">
-                <a:solidFill>
-                  <a:srgbClr val="262636"/>
-                </a:solidFill>
-              </a:rPr>
-              <a:t>1</a:t>
-            </a:r>
-            <a:r>
-              <a:rPr lang="ru-RU" sz="2400" dirty="0">
-                <a:solidFill>
-                  <a:srgbClr val="262636"/>
-                </a:solidFill>
-              </a:rPr>
-              <a:t>. Источник </a:t>
-            </a:r>
-            <a:r>
-              <a:rPr lang="en-US" sz="2400" dirty="0">
-                <a:solidFill>
-                  <a:srgbClr val="262636"/>
-                </a:solidFill>
-              </a:rPr>
-              <a:t>NMEA-</a:t>
-            </a:r>
-            <a:r>
-              <a:rPr lang="ru-RU" sz="2400" dirty="0">
-                <a:solidFill>
-                  <a:srgbClr val="262636"/>
-                </a:solidFill>
-              </a:rPr>
-              <a:t>сообщений и два подписчика:</a:t>
-            </a:r>
-          </a:p>
-          <a:p>
-            <a:r>
-              <a:rPr lang="ru-RU" sz="2400" dirty="0">
-                <a:solidFill>
-                  <a:srgbClr val="262636"/>
-                </a:solidFill>
-              </a:rPr>
-              <a:t> </a:t>
-            </a:r>
-            <a:endParaRPr lang="en-US" sz="2400" dirty="0">
+              <a:t>. OpenGL, DirectX, </a:t>
+            </a:r>
+            <a:r>
+              <a:rPr lang="ru-RU" sz="2400" dirty="0">
+                <a:solidFill>
+                  <a:srgbClr val="262636"/>
+                </a:solidFill>
+              </a:rPr>
+              <a:t>всевозможные игровые движки…</a:t>
+            </a:r>
+            <a:endParaRPr lang="ru-RU" sz="1600" dirty="0">
               <a:solidFill>
-                <a:srgbClr val="262636"/>
+                <a:schemeClr val="tx2">
+                  <a:lumMod val="60000"/>
+                  <a:lumOff val="40000"/>
+                </a:schemeClr>
               </a:solidFill>
             </a:endParaRPr>
           </a:p>
@@ -38895,7 +39821,7 @@
     </p:spTree>
     <p:extLst>
       <p:ext uri="{BB962C8B-B14F-4D97-AF65-F5344CB8AC3E}">
-        <p14:creationId xmlns:p14="http://schemas.microsoft.com/office/powerpoint/2010/main" val="3561555817"/>
+        <p14:creationId xmlns:p14="http://schemas.microsoft.com/office/powerpoint/2010/main" val="540583679"/>
       </p:ext>
     </p:extLst>
   </p:cSld>
@@ -39060,7 +39986,7 @@
         <p:spPr>
           <a:xfrm>
             <a:off x="1190625" y="1469836"/>
-            <a:ext cx="7686675" cy="2308324"/>
+            <a:ext cx="7686675" cy="1200329"/>
           </a:xfrm>
           <a:prstGeom prst="rect">
             <a:avLst/>
@@ -39079,7 +40005,23 @@
                   <a:srgbClr val="262636"/>
                 </a:solidFill>
               </a:rPr>
-              <a:t>Приложение рисует снимок карты и демонстрирует некоторые возможности </a:t>
+              <a:t>Сочетая архитектурные</a:t>
+            </a:r>
+            <a:r>
+              <a:rPr lang="en-US" sz="2400" dirty="0">
+                <a:solidFill>
+                  <a:srgbClr val="262636"/>
+                </a:solidFill>
+              </a:rPr>
+              <a:t> </a:t>
+            </a:r>
+            <a:r>
+              <a:rPr lang="ru-RU" sz="2400" dirty="0">
+                <a:solidFill>
+                  <a:srgbClr val="262636"/>
+                </a:solidFill>
+              </a:rPr>
+              <a:t>приёмы, и используя библиотеки </a:t>
             </a:r>
             <a:r>
               <a:rPr lang="en-US" sz="2400" dirty="0" err="1">
@@ -39087,107 +40029,85 @@
                   <a:srgbClr val="262636"/>
                 </a:solidFill>
               </a:rPr>
+              <a:t>NoesisGUI</a:t>
+            </a:r>
+            <a:r>
+              <a:rPr lang="en-US" sz="2400" dirty="0">
+                <a:solidFill>
+                  <a:srgbClr val="262636"/>
+                </a:solidFill>
+              </a:rPr>
+              <a:t> </a:t>
+            </a:r>
+            <a:r>
+              <a:rPr lang="ru-RU" sz="2400" dirty="0">
+                <a:solidFill>
+                  <a:srgbClr val="262636"/>
+                </a:solidFill>
+              </a:rPr>
+              <a:t>и </a:t>
+            </a:r>
+            <a:r>
+              <a:rPr lang="en-US" sz="2400" dirty="0" err="1">
+                <a:solidFill>
+                  <a:srgbClr val="262636"/>
+                </a:solidFill>
+              </a:rPr>
               <a:t>tirx</a:t>
             </a:r>
             <a:r>
+              <a:rPr lang="ru-RU" sz="2400" dirty="0">
+                <a:solidFill>
+                  <a:srgbClr val="262636"/>
+                </a:solidFill>
+              </a:rPr>
+              <a:t>, удалось на скорую руку сделать </a:t>
+            </a:r>
+            <a:r>
               <a:rPr lang="en-US" sz="2400" dirty="0">
                 <a:solidFill>
                   <a:srgbClr val="262636"/>
                 </a:solidFill>
               </a:rPr>
-              <a:t> </a:t>
-            </a:r>
-            <a:r>
-              <a:rPr lang="ru-RU" sz="2400" dirty="0">
-                <a:solidFill>
-                  <a:srgbClr val="262636"/>
-                </a:solidFill>
-              </a:rPr>
-              <a:t>и </a:t>
-            </a:r>
-            <a:r>
-              <a:rPr lang="en-US" sz="2400" dirty="0" err="1">
-                <a:solidFill>
-                  <a:srgbClr val="262636"/>
-                </a:solidFill>
-              </a:rPr>
-              <a:t>NoesisGUI</a:t>
-            </a:r>
-            <a:r>
-              <a:rPr lang="en-US" sz="2400" dirty="0">
-                <a:solidFill>
-                  <a:srgbClr val="262636"/>
-                </a:solidFill>
-              </a:rPr>
-              <a:t>:</a:t>
-            </a:r>
-          </a:p>
-          <a:p>
-            <a:r>
-              <a:rPr lang="en-US" sz="2400" dirty="0">
-                <a:solidFill>
-                  <a:srgbClr val="262636"/>
-                </a:solidFill>
-              </a:rPr>
-              <a:t>1</a:t>
-            </a:r>
-            <a:r>
-              <a:rPr lang="ru-RU" sz="2400" dirty="0">
-                <a:solidFill>
-                  <a:srgbClr val="262636"/>
-                </a:solidFill>
-              </a:rPr>
-              <a:t>. Источник </a:t>
-            </a:r>
-            <a:r>
-              <a:rPr lang="en-US" sz="2400" dirty="0">
-                <a:solidFill>
-                  <a:srgbClr val="262636"/>
-                </a:solidFill>
-              </a:rPr>
-              <a:t>NMEA-</a:t>
-            </a:r>
-            <a:r>
-              <a:rPr lang="ru-RU" sz="2400" dirty="0">
-                <a:solidFill>
-                  <a:srgbClr val="262636"/>
-                </a:solidFill>
-              </a:rPr>
-              <a:t>сообщений и два подписчика:</a:t>
-            </a:r>
-          </a:p>
-          <a:p>
-            <a:r>
-              <a:rPr lang="ru-RU" sz="2400" dirty="0">
-                <a:solidFill>
-                  <a:srgbClr val="262636"/>
-                </a:solidFill>
-              </a:rPr>
-              <a:t> – логгер </a:t>
-            </a:r>
-            <a:r>
-              <a:rPr lang="ru-RU" sz="2400" dirty="0" err="1">
-                <a:solidFill>
-                  <a:srgbClr val="262636"/>
-                </a:solidFill>
-              </a:rPr>
-              <a:t>журналирует</a:t>
-            </a:r>
-            <a:r>
-              <a:rPr lang="ru-RU" sz="2400" dirty="0">
-                <a:solidFill>
-                  <a:srgbClr val="262636"/>
-                </a:solidFill>
-              </a:rPr>
-              <a:t> их в файл</a:t>
+              <a:t>Proof-Of-Concept</a:t>
             </a:r>
           </a:p>
         </p:txBody>
       </p:sp>
+      <p:pic>
+        <p:nvPicPr>
+          <p:cNvPr id="6" name="Рисунок 5">
+            <a:extLst>
+              <a:ext uri="{FF2B5EF4-FFF2-40B4-BE49-F238E27FC236}">
+                <a16:creationId xmlns:a16="http://schemas.microsoft.com/office/drawing/2014/main" id="{BD949412-CDEF-4E61-BEA2-9FF29373CCDC}"/>
+              </a:ext>
+            </a:extLst>
+          </p:cNvPr>
+          <p:cNvPicPr>
+            <a:picLocks noChangeAspect="1"/>
+          </p:cNvPicPr>
+          <p:nvPr/>
+        </p:nvPicPr>
+        <p:blipFill>
+          <a:blip r:embed="rId2"/>
+          <a:stretch>
+            <a:fillRect/>
+          </a:stretch>
+        </p:blipFill>
+        <p:spPr>
+          <a:xfrm>
+            <a:off x="4303101" y="2670164"/>
+            <a:ext cx="4707549" cy="3635385"/>
+          </a:xfrm>
+          <a:prstGeom prst="rect">
+            <a:avLst/>
+          </a:prstGeom>
+        </p:spPr>
+      </p:pic>
     </p:spTree>
     <p:extLst>
       <p:ext uri="{BB962C8B-B14F-4D97-AF65-F5344CB8AC3E}">
-        <p14:creationId xmlns:p14="http://schemas.microsoft.com/office/powerpoint/2010/main" val="2371298653"/>
+        <p14:creationId xmlns:p14="http://schemas.microsoft.com/office/powerpoint/2010/main" val="2467529715"/>
       </p:ext>
     </p:extLst>
   </p:cSld>
@@ -39352,7 +40272,7 @@
         <p:spPr>
           <a:xfrm>
             <a:off x="1190625" y="1469836"/>
-            <a:ext cx="7686675" cy="3785652"/>
+            <a:ext cx="7686675" cy="1200329"/>
           </a:xfrm>
           <a:prstGeom prst="rect">
             <a:avLst/>
@@ -39414,178 +40334,12 @@
               <a:t>:</a:t>
             </a:r>
           </a:p>
-          <a:p>
-            <a:r>
-              <a:rPr lang="en-US" sz="2400" dirty="0">
-                <a:solidFill>
-                  <a:srgbClr val="262636"/>
-                </a:solidFill>
-              </a:rPr>
-              <a:t>1</a:t>
-            </a:r>
-            <a:r>
-              <a:rPr lang="ru-RU" sz="2400" dirty="0">
-                <a:solidFill>
-                  <a:srgbClr val="262636"/>
-                </a:solidFill>
-              </a:rPr>
-              <a:t>. Источник </a:t>
-            </a:r>
-            <a:r>
-              <a:rPr lang="en-US" sz="2400" dirty="0">
-                <a:solidFill>
-                  <a:srgbClr val="262636"/>
-                </a:solidFill>
-              </a:rPr>
-              <a:t>NMEA-</a:t>
-            </a:r>
-            <a:r>
-              <a:rPr lang="ru-RU" sz="2400" dirty="0">
-                <a:solidFill>
-                  <a:srgbClr val="262636"/>
-                </a:solidFill>
-              </a:rPr>
-              <a:t>сообщений и два подписчика:</a:t>
-            </a:r>
-          </a:p>
-          <a:p>
-            <a:r>
-              <a:rPr lang="ru-RU" sz="2400" dirty="0">
-                <a:solidFill>
-                  <a:srgbClr val="262636"/>
-                </a:solidFill>
-              </a:rPr>
-              <a:t> – логгер </a:t>
-            </a:r>
-            <a:r>
-              <a:rPr lang="ru-RU" sz="2400" dirty="0" err="1">
-                <a:solidFill>
-                  <a:srgbClr val="262636"/>
-                </a:solidFill>
-              </a:rPr>
-              <a:t>журналирует</a:t>
-            </a:r>
-            <a:r>
-              <a:rPr lang="ru-RU" sz="2400" dirty="0">
-                <a:solidFill>
-                  <a:srgbClr val="262636"/>
-                </a:solidFill>
-              </a:rPr>
-              <a:t> их в файл</a:t>
-            </a:r>
-          </a:p>
-          <a:p>
-            <a:r>
-              <a:rPr lang="ru-RU" sz="2400" dirty="0">
-                <a:solidFill>
-                  <a:srgbClr val="262636"/>
-                </a:solidFill>
-              </a:rPr>
-              <a:t> - </a:t>
-            </a:r>
-            <a:r>
-              <a:rPr lang="en-US" sz="2400" dirty="0" err="1">
-                <a:solidFill>
-                  <a:srgbClr val="262636"/>
-                </a:solidFill>
-              </a:rPr>
-              <a:t>NmeaProcessor</a:t>
-            </a:r>
-            <a:r>
-              <a:rPr lang="ru-RU" sz="2400" dirty="0">
-                <a:solidFill>
-                  <a:srgbClr val="262636"/>
-                </a:solidFill>
-              </a:rPr>
-              <a:t> обрабатывает, и формирует </a:t>
-            </a:r>
-            <a:r>
-              <a:rPr lang="en-US" sz="2400" dirty="0">
-                <a:solidFill>
-                  <a:srgbClr val="262636"/>
-                </a:solidFill>
-              </a:rPr>
-              <a:t>	</a:t>
-            </a:r>
-            <a:r>
-              <a:rPr lang="ru-RU" sz="2400" dirty="0">
-                <a:solidFill>
-                  <a:srgbClr val="262636"/>
-                </a:solidFill>
-              </a:rPr>
-              <a:t>два других потока – один с неизменными </a:t>
-            </a:r>
-            <a:r>
-              <a:rPr lang="en-US" sz="2400" dirty="0">
-                <a:solidFill>
-                  <a:srgbClr val="262636"/>
-                </a:solidFill>
-              </a:rPr>
-              <a:t>	</a:t>
-            </a:r>
-            <a:r>
-              <a:rPr lang="ru-RU" sz="2400" dirty="0">
-                <a:solidFill>
-                  <a:srgbClr val="262636"/>
-                </a:solidFill>
-              </a:rPr>
-              <a:t>сообщениями, другой – с координатами </a:t>
-            </a:r>
-            <a:r>
-              <a:rPr lang="en-US" sz="2400" dirty="0" err="1">
-                <a:solidFill>
-                  <a:srgbClr val="262636"/>
-                </a:solidFill>
-              </a:rPr>
-              <a:t>lat</a:t>
-            </a:r>
-            <a:r>
-              <a:rPr lang="en-US" sz="2400" dirty="0">
-                <a:solidFill>
-                  <a:srgbClr val="262636"/>
-                </a:solidFill>
-              </a:rPr>
-              <a:t>, 	</a:t>
-            </a:r>
-            <a:r>
-              <a:rPr lang="en-US" sz="2400" dirty="0" err="1">
-                <a:solidFill>
-                  <a:srgbClr val="262636"/>
-                </a:solidFill>
-              </a:rPr>
-              <a:t>lon</a:t>
-            </a:r>
-            <a:r>
-              <a:rPr lang="en-US" sz="2400" dirty="0">
-                <a:solidFill>
-                  <a:srgbClr val="262636"/>
-                </a:solidFill>
-              </a:rPr>
-              <a:t>. </a:t>
-            </a:r>
-            <a:r>
-              <a:rPr lang="ru-RU" sz="2400" dirty="0">
-                <a:solidFill>
-                  <a:srgbClr val="262636"/>
-                </a:solidFill>
-              </a:rPr>
-              <a:t>Эти данные выводятся на </a:t>
-            </a:r>
-            <a:r>
-              <a:rPr lang="en-US" sz="2400" dirty="0">
-                <a:solidFill>
-                  <a:srgbClr val="262636"/>
-                </a:solidFill>
-              </a:rPr>
-              <a:t>UI</a:t>
-            </a:r>
-          </a:p>
         </p:txBody>
       </p:sp>
     </p:spTree>
     <p:extLst>
       <p:ext uri="{BB962C8B-B14F-4D97-AF65-F5344CB8AC3E}">
-        <p14:creationId xmlns:p14="http://schemas.microsoft.com/office/powerpoint/2010/main" val="3381425665"/>
+        <p14:creationId xmlns:p14="http://schemas.microsoft.com/office/powerpoint/2010/main" val="3515380542"/>
       </p:ext>
     </p:extLst>
   </p:cSld>
@@ -40031,7 +40785,7 @@
         <p:spPr>
           <a:xfrm>
             <a:off x="1190625" y="1469836"/>
-            <a:ext cx="7686675" cy="4524315"/>
+            <a:ext cx="7686675" cy="2308324"/>
           </a:xfrm>
           <a:prstGeom prst="rect">
             <a:avLst/>
@@ -40134,163 +40888,7 @@
                   <a:srgbClr val="262636"/>
                 </a:solidFill>
               </a:rPr>
-              <a:t> – логгер </a:t>
-            </a:r>
-            <a:r>
-              <a:rPr lang="ru-RU" sz="2400" dirty="0" err="1">
-                <a:solidFill>
-                  <a:srgbClr val="262636"/>
-                </a:solidFill>
-              </a:rPr>
-              <a:t>журналирует</a:t>
-            </a:r>
-            <a:r>
-              <a:rPr lang="ru-RU" sz="2400" dirty="0">
-                <a:solidFill>
-                  <a:srgbClr val="262636"/>
-                </a:solidFill>
-              </a:rPr>
-              <a:t> их в файл</a:t>
-            </a:r>
-          </a:p>
-          <a:p>
-            <a:r>
-              <a:rPr lang="ru-RU" sz="2400" dirty="0">
-                <a:solidFill>
-                  <a:srgbClr val="262636"/>
-                </a:solidFill>
-              </a:rPr>
-              <a:t> - </a:t>
-            </a:r>
-            <a:r>
-              <a:rPr lang="en-US" sz="2400" dirty="0" err="1">
-                <a:solidFill>
-                  <a:srgbClr val="262636"/>
-                </a:solidFill>
-              </a:rPr>
-              <a:t>NmeaProcessor</a:t>
-            </a:r>
-            <a:r>
-              <a:rPr lang="ru-RU" sz="2400" dirty="0">
-                <a:solidFill>
-                  <a:srgbClr val="262636"/>
-                </a:solidFill>
-              </a:rPr>
-              <a:t> обрабатывает, и формирует </a:t>
-            </a:r>
-            <a:r>
-              <a:rPr lang="en-US" sz="2400" dirty="0">
-                <a:solidFill>
-                  <a:srgbClr val="262636"/>
-                </a:solidFill>
-              </a:rPr>
-              <a:t>	</a:t>
-            </a:r>
-            <a:r>
-              <a:rPr lang="ru-RU" sz="2400" dirty="0">
-                <a:solidFill>
-                  <a:srgbClr val="262636"/>
-                </a:solidFill>
-              </a:rPr>
-              <a:t>два других потока – один с неизменными </a:t>
-            </a:r>
-            <a:r>
-              <a:rPr lang="en-US" sz="2400" dirty="0">
-                <a:solidFill>
-                  <a:srgbClr val="262636"/>
-                </a:solidFill>
-              </a:rPr>
-              <a:t>	</a:t>
-            </a:r>
-            <a:r>
-              <a:rPr lang="ru-RU" sz="2400" dirty="0">
-                <a:solidFill>
-                  <a:srgbClr val="262636"/>
-                </a:solidFill>
-              </a:rPr>
-              <a:t>сообщениями, другой – с координатами </a:t>
-            </a:r>
-            <a:r>
-              <a:rPr lang="en-US" sz="2400" dirty="0" err="1">
-                <a:solidFill>
-                  <a:srgbClr val="262636"/>
-                </a:solidFill>
-              </a:rPr>
-              <a:t>lat</a:t>
-            </a:r>
-            <a:r>
-              <a:rPr lang="en-US" sz="2400" dirty="0">
-                <a:solidFill>
-                  <a:srgbClr val="262636"/>
-                </a:solidFill>
-              </a:rPr>
-              <a:t>, 	</a:t>
-            </a:r>
-            <a:r>
-              <a:rPr lang="en-US" sz="2400" dirty="0" err="1">
-                <a:solidFill>
-                  <a:srgbClr val="262636"/>
-                </a:solidFill>
-              </a:rPr>
-              <a:t>lon</a:t>
-            </a:r>
-            <a:r>
-              <a:rPr lang="en-US" sz="2400" dirty="0">
-                <a:solidFill>
-                  <a:srgbClr val="262636"/>
-                </a:solidFill>
-              </a:rPr>
-              <a:t>. </a:t>
-            </a:r>
-            <a:r>
-              <a:rPr lang="ru-RU" sz="2400" dirty="0">
-                <a:solidFill>
-                  <a:srgbClr val="262636"/>
-                </a:solidFill>
-              </a:rPr>
-              <a:t>Эти данные выводятся на </a:t>
-            </a:r>
-            <a:r>
-              <a:rPr lang="en-US" sz="2400" dirty="0">
-                <a:solidFill>
-                  <a:srgbClr val="262636"/>
-                </a:solidFill>
-              </a:rPr>
-              <a:t>UI</a:t>
-            </a:r>
-          </a:p>
-          <a:p>
-            <a:r>
-              <a:rPr lang="en-US" sz="2400" dirty="0">
-                <a:solidFill>
-                  <a:srgbClr val="262636"/>
-                </a:solidFill>
-              </a:rPr>
-              <a:t>2. </a:t>
-            </a:r>
-            <a:r>
-              <a:rPr lang="ru-RU" sz="2400" dirty="0">
-                <a:solidFill>
-                  <a:srgbClr val="262636"/>
-                </a:solidFill>
-              </a:rPr>
-              <a:t>Источник записей в лог из </a:t>
-            </a:r>
-            <a:r>
-              <a:rPr lang="en-US" sz="2400" dirty="0">
-                <a:solidFill>
-                  <a:srgbClr val="262636"/>
-                </a:solidFill>
-              </a:rPr>
-              <a:t>UI</a:t>
-            </a:r>
-            <a:r>
-              <a:rPr lang="ru-RU" sz="2400" dirty="0">
-                <a:solidFill>
-                  <a:srgbClr val="262636"/>
-                </a:solidFill>
-              </a:rPr>
-              <a:t>, и подписчик в компоненте журналирования</a:t>
+              <a:t> </a:t>
             </a:r>
             <a:endParaRPr lang="en-US" sz="2400" dirty="0">
               <a:solidFill>
@@ -40303,7 +40901,7 @@
     </p:spTree>
     <p:extLst>
       <p:ext uri="{BB962C8B-B14F-4D97-AF65-F5344CB8AC3E}">
-        <p14:creationId xmlns:p14="http://schemas.microsoft.com/office/powerpoint/2010/main" val="1354486694"/>
+        <p14:creationId xmlns:p14="http://schemas.microsoft.com/office/powerpoint/2010/main" val="3561555817"/>
       </p:ext>
     </p:extLst>
   </p:cSld>
@@ -40468,7 +41066,7 @@
         <p:spPr>
           <a:xfrm>
             <a:off x="1190625" y="1469836"/>
-            <a:ext cx="7686675" cy="830997"/>
+            <a:ext cx="7686675" cy="2308324"/>
           </a:xfrm>
           <a:prstGeom prst="rect">
             <a:avLst/>
@@ -40486,9 +41084,108 @@
                 <a:solidFill>
                   <a:srgbClr val="262636"/>
                 </a:solidFill>
-                <a:latin typeface="+mj-lt"/>
-              </a:rPr>
-              <a:t>3. Источник данных – позиция мыши в окне, и подписчик, выводящий координаты на экран</a:t>
+              </a:rPr>
+              <a:t>Приложение рисует снимок карты и демонстрирует некоторые возможности </a:t>
+            </a:r>
+            <a:r>
+              <a:rPr lang="en-US" sz="2400" dirty="0" err="1">
+                <a:solidFill>
+                  <a:srgbClr val="262636"/>
+                </a:solidFill>
+              </a:rPr>
+              <a:t>tirx</a:t>
+            </a:r>
+            <a:r>
+              <a:rPr lang="en-US" sz="2400" dirty="0">
+                <a:solidFill>
+                  <a:srgbClr val="262636"/>
+                </a:solidFill>
+              </a:rPr>
+              <a:t> </a:t>
+            </a:r>
+            <a:r>
+              <a:rPr lang="ru-RU" sz="2400" dirty="0">
+                <a:solidFill>
+                  <a:srgbClr val="262636"/>
+                </a:solidFill>
+              </a:rPr>
+              <a:t>и </a:t>
+            </a:r>
+            <a:r>
+              <a:rPr lang="en-US" sz="2400" dirty="0" err="1">
+                <a:solidFill>
+                  <a:srgbClr val="262636"/>
+                </a:solidFill>
+              </a:rPr>
+              <a:t>NoesisGUI</a:t>
+            </a:r>
+            <a:r>
+              <a:rPr lang="en-US" sz="2400" dirty="0">
+                <a:solidFill>
+                  <a:srgbClr val="262636"/>
+                </a:solidFill>
+              </a:rPr>
+              <a:t>:</a:t>
+            </a:r>
+          </a:p>
+          <a:p>
+            <a:r>
+              <a:rPr lang="en-US" sz="2400" dirty="0">
+                <a:solidFill>
+                  <a:srgbClr val="262636"/>
+                </a:solidFill>
+              </a:rPr>
+              <a:t>1</a:t>
+            </a:r>
+            <a:r>
+              <a:rPr lang="ru-RU" sz="2400" dirty="0">
+                <a:solidFill>
+                  <a:srgbClr val="262636"/>
+                </a:solidFill>
+              </a:rPr>
+              <a:t>. Источник </a:t>
+            </a:r>
+            <a:r>
+              <a:rPr lang="en-US" sz="2400" dirty="0">
+                <a:solidFill>
+                  <a:srgbClr val="262636"/>
+                </a:solidFill>
+              </a:rPr>
+              <a:t>NMEA-</a:t>
+            </a:r>
+            <a:r>
+              <a:rPr lang="ru-RU" sz="2400" dirty="0">
+                <a:solidFill>
+                  <a:srgbClr val="262636"/>
+                </a:solidFill>
+              </a:rPr>
+              <a:t>сообщений и два подписчика:</a:t>
+            </a:r>
+          </a:p>
+          <a:p>
+            <a:r>
+              <a:rPr lang="ru-RU" sz="2400" dirty="0">
+                <a:solidFill>
+                  <a:srgbClr val="262636"/>
+                </a:solidFill>
+              </a:rPr>
+              <a:t> – логгер </a:t>
+            </a:r>
+            <a:r>
+              <a:rPr lang="ru-RU" sz="2400" dirty="0" err="1">
+                <a:solidFill>
+                  <a:srgbClr val="262636"/>
+                </a:solidFill>
+              </a:rPr>
+              <a:t>журналирует</a:t>
+            </a:r>
+            <a:r>
+              <a:rPr lang="ru-RU" sz="2400" dirty="0">
+                <a:solidFill>
+                  <a:srgbClr val="262636"/>
+                </a:solidFill>
+              </a:rPr>
+              <a:t> их в файл</a:t>
             </a:r>
           </a:p>
         </p:txBody>
@@ -40496,7 +41193,7 @@
     </p:spTree>
     <p:extLst>
       <p:ext uri="{BB962C8B-B14F-4D97-AF65-F5344CB8AC3E}">
-        <p14:creationId xmlns:p14="http://schemas.microsoft.com/office/powerpoint/2010/main" val="4243001828"/>
+        <p14:creationId xmlns:p14="http://schemas.microsoft.com/office/powerpoint/2010/main" val="2371298653"/>
       </p:ext>
     </p:extLst>
   </p:cSld>
@@ -40661,7 +41358,7 @@
         <p:spPr>
           <a:xfrm>
             <a:off x="1190625" y="1469836"/>
-            <a:ext cx="7686675" cy="1200329"/>
+            <a:ext cx="7686675" cy="3785652"/>
           </a:xfrm>
           <a:prstGeom prst="rect">
             <a:avLst/>
@@ -40679,52 +41376,222 @@
                 <a:solidFill>
                   <a:srgbClr val="262636"/>
                 </a:solidFill>
-                <a:latin typeface="+mj-lt"/>
-              </a:rPr>
-              <a:t>3. Источник данных – позиция мыши в окне, и подписчик, выводящий координаты на экран</a:t>
-            </a:r>
-          </a:p>
-          <a:p>
-            <a:r>
-              <a:rPr lang="ru-RU" sz="2400" dirty="0">
-                <a:solidFill>
-                  <a:srgbClr val="262636"/>
-                </a:solidFill>
-                <a:latin typeface="+mj-lt"/>
-              </a:rPr>
-              <a:t>4. Смена скинов (светлый</a:t>
+              </a:rPr>
+              <a:t>Приложение рисует снимок карты и демонстрирует некоторые возможности </a:t>
+            </a:r>
+            <a:r>
+              <a:rPr lang="en-US" sz="2400" dirty="0" err="1">
+                <a:solidFill>
+                  <a:srgbClr val="262636"/>
+                </a:solidFill>
+              </a:rPr>
+              <a:t>tirx</a:t>
             </a:r>
             <a:r>
               <a:rPr lang="en-US" sz="2400" dirty="0">
                 <a:solidFill>
                   <a:srgbClr val="262636"/>
                 </a:solidFill>
-                <a:latin typeface="+mj-lt"/>
-              </a:rPr>
-              <a:t>/</a:t>
-            </a:r>
-            <a:r>
-              <a:rPr lang="ru-RU" sz="2400" dirty="0">
-                <a:solidFill>
-                  <a:srgbClr val="262636"/>
-                </a:solidFill>
-                <a:latin typeface="+mj-lt"/>
-              </a:rPr>
-              <a:t>тёмный) на лету</a:t>
-            </a:r>
-            <a:endParaRPr lang="en-US" sz="2400" dirty="0">
-              <a:solidFill>
-                <a:srgbClr val="262636"/>
-              </a:solidFill>
-              <a:latin typeface="+mj-lt"/>
-            </a:endParaRPr>
+              </a:rPr>
+              <a:t> </a:t>
+            </a:r>
+            <a:r>
+              <a:rPr lang="ru-RU" sz="2400" dirty="0">
+                <a:solidFill>
+                  <a:srgbClr val="262636"/>
+                </a:solidFill>
+              </a:rPr>
+              <a:t>и </a:t>
+            </a:r>
+            <a:r>
+              <a:rPr lang="en-US" sz="2400" dirty="0" err="1">
+                <a:solidFill>
+                  <a:srgbClr val="262636"/>
+                </a:solidFill>
+              </a:rPr>
+              <a:t>NoesisGUI</a:t>
+            </a:r>
+            <a:r>
+              <a:rPr lang="en-US" sz="2400" dirty="0">
+                <a:solidFill>
+                  <a:srgbClr val="262636"/>
+                </a:solidFill>
+              </a:rPr>
+              <a:t>:</a:t>
+            </a:r>
+          </a:p>
+          <a:p>
+            <a:r>
+              <a:rPr lang="en-US" sz="2400" dirty="0">
+                <a:solidFill>
+                  <a:srgbClr val="262636"/>
+                </a:solidFill>
+              </a:rPr>
+              <a:t>1</a:t>
+            </a:r>
+            <a:r>
+              <a:rPr lang="ru-RU" sz="2400" dirty="0">
+                <a:solidFill>
+                  <a:srgbClr val="262636"/>
+                </a:solidFill>
+              </a:rPr>
+              <a:t>. Источник </a:t>
+            </a:r>
+            <a:r>
+              <a:rPr lang="en-US" sz="2400" dirty="0">
+                <a:solidFill>
+                  <a:srgbClr val="262636"/>
+                </a:solidFill>
+              </a:rPr>
+              <a:t>NMEA-</a:t>
+            </a:r>
+            <a:r>
+              <a:rPr lang="ru-RU" sz="2400" dirty="0">
+                <a:solidFill>
+                  <a:srgbClr val="262636"/>
+                </a:solidFill>
+              </a:rPr>
+              <a:t>сообщений и два подписчика:</a:t>
+            </a:r>
+          </a:p>
+          <a:p>
+            <a:r>
+              <a:rPr lang="ru-RU" sz="2400" dirty="0">
+                <a:solidFill>
+                  <a:srgbClr val="262636"/>
+                </a:solidFill>
+              </a:rPr>
+              <a:t> – логгер </a:t>
+            </a:r>
+            <a:r>
+              <a:rPr lang="ru-RU" sz="2400" dirty="0" err="1">
+                <a:solidFill>
+                  <a:srgbClr val="262636"/>
+                </a:solidFill>
+              </a:rPr>
+              <a:t>журналирует</a:t>
+            </a:r>
+            <a:r>
+              <a:rPr lang="ru-RU" sz="2400" dirty="0">
+                <a:solidFill>
+                  <a:srgbClr val="262636"/>
+                </a:solidFill>
+              </a:rPr>
+              <a:t> их в файл</a:t>
+            </a:r>
+          </a:p>
+          <a:p>
+            <a:r>
+              <a:rPr lang="ru-RU" sz="2400" dirty="0">
+                <a:solidFill>
+                  <a:srgbClr val="262636"/>
+                </a:solidFill>
+              </a:rPr>
+              <a:t> - </a:t>
+            </a:r>
+            <a:r>
+              <a:rPr lang="en-US" sz="2400" dirty="0" err="1">
+                <a:solidFill>
+                  <a:srgbClr val="262636"/>
+                </a:solidFill>
+              </a:rPr>
+              <a:t>NmeaProcessor</a:t>
+            </a:r>
+            <a:r>
+              <a:rPr lang="ru-RU" sz="2400" dirty="0">
+                <a:solidFill>
+                  <a:srgbClr val="262636"/>
+                </a:solidFill>
+              </a:rPr>
+              <a:t> обрабатывает, и формирует </a:t>
+            </a:r>
+            <a:r>
+              <a:rPr lang="en-US" sz="2400" dirty="0">
+                <a:solidFill>
+                  <a:srgbClr val="262636"/>
+                </a:solidFill>
+              </a:rPr>
+              <a:t>	</a:t>
+            </a:r>
+            <a:r>
+              <a:rPr lang="ru-RU" sz="2400" dirty="0">
+                <a:solidFill>
+                  <a:srgbClr val="262636"/>
+                </a:solidFill>
+              </a:rPr>
+              <a:t>два других потока – один с неизменными </a:t>
+            </a:r>
+            <a:r>
+              <a:rPr lang="en-US" sz="2400" dirty="0">
+                <a:solidFill>
+                  <a:srgbClr val="262636"/>
+                </a:solidFill>
+              </a:rPr>
+              <a:t>	</a:t>
+            </a:r>
+            <a:r>
+              <a:rPr lang="ru-RU" sz="2400" dirty="0">
+                <a:solidFill>
+                  <a:srgbClr val="262636"/>
+                </a:solidFill>
+              </a:rPr>
+              <a:t>сообщениями, другой – с координатами </a:t>
+            </a:r>
+            <a:r>
+              <a:rPr lang="en-US" sz="2400" dirty="0" err="1">
+                <a:solidFill>
+                  <a:srgbClr val="262636"/>
+                </a:solidFill>
+              </a:rPr>
+              <a:t>lat</a:t>
+            </a:r>
+            <a:r>
+              <a:rPr lang="en-US" sz="2400" dirty="0">
+                <a:solidFill>
+                  <a:srgbClr val="262636"/>
+                </a:solidFill>
+              </a:rPr>
+              <a:t>, 	</a:t>
+            </a:r>
+            <a:r>
+              <a:rPr lang="en-US" sz="2400" dirty="0" err="1">
+                <a:solidFill>
+                  <a:srgbClr val="262636"/>
+                </a:solidFill>
+              </a:rPr>
+              <a:t>lon</a:t>
+            </a:r>
+            <a:r>
+              <a:rPr lang="en-US" sz="2400" dirty="0">
+                <a:solidFill>
+                  <a:srgbClr val="262636"/>
+                </a:solidFill>
+              </a:rPr>
+              <a:t>. </a:t>
+            </a:r>
+            <a:r>
+              <a:rPr lang="ru-RU" sz="2400" dirty="0">
+                <a:solidFill>
+                  <a:srgbClr val="262636"/>
+                </a:solidFill>
+              </a:rPr>
+              <a:t>Эти данные выводятся на </a:t>
+            </a:r>
+            <a:r>
+              <a:rPr lang="en-US" sz="2400" dirty="0">
+                <a:solidFill>
+                  <a:srgbClr val="262636"/>
+                </a:solidFill>
+              </a:rPr>
+              <a:t>UI</a:t>
+            </a:r>
           </a:p>
         </p:txBody>
       </p:sp>
     </p:spTree>
     <p:extLst>
       <p:ext uri="{BB962C8B-B14F-4D97-AF65-F5344CB8AC3E}">
-        <p14:creationId xmlns:p14="http://schemas.microsoft.com/office/powerpoint/2010/main" val="1370475917"/>
+        <p14:creationId xmlns:p14="http://schemas.microsoft.com/office/powerpoint/2010/main" val="3381425665"/>
       </p:ext>
     </p:extLst>
   </p:cSld>
@@ -40889,7 +41756,7 @@
         <p:spPr>
           <a:xfrm>
             <a:off x="1190625" y="1469836"/>
-            <a:ext cx="7686675" cy="1938992"/>
+            <a:ext cx="7686675" cy="4524315"/>
           </a:xfrm>
           <a:prstGeom prst="rect">
             <a:avLst/>
@@ -40907,70 +41774,253 @@
                 <a:solidFill>
                   <a:srgbClr val="262636"/>
                 </a:solidFill>
-                <a:latin typeface="+mj-lt"/>
-              </a:rPr>
-              <a:t>3. Источник данных – позиция мыши в окне, и подписчик, выводящий координаты на экран</a:t>
-            </a:r>
-          </a:p>
-          <a:p>
-            <a:r>
-              <a:rPr lang="ru-RU" sz="2400" dirty="0">
-                <a:solidFill>
-                  <a:srgbClr val="262636"/>
-                </a:solidFill>
-                <a:latin typeface="+mj-lt"/>
-              </a:rPr>
-              <a:t>4. Смена скинов (светлый</a:t>
+              </a:rPr>
+              <a:t>Приложение рисует снимок карты и демонстрирует некоторые возможности </a:t>
+            </a:r>
+            <a:r>
+              <a:rPr lang="en-US" sz="2400" dirty="0" err="1">
+                <a:solidFill>
+                  <a:srgbClr val="262636"/>
+                </a:solidFill>
+              </a:rPr>
+              <a:t>tirx</a:t>
             </a:r>
             <a:r>
               <a:rPr lang="en-US" sz="2400" dirty="0">
                 <a:solidFill>
                   <a:srgbClr val="262636"/>
                 </a:solidFill>
-                <a:latin typeface="+mj-lt"/>
-              </a:rPr>
-              <a:t>/</a:t>
-            </a:r>
-            <a:r>
-              <a:rPr lang="ru-RU" sz="2400" dirty="0">
-                <a:solidFill>
-                  <a:srgbClr val="262636"/>
-                </a:solidFill>
-                <a:latin typeface="+mj-lt"/>
-              </a:rPr>
-              <a:t>тёмный) на лету</a:t>
+              </a:rPr>
+              <a:t> </a:t>
+            </a:r>
+            <a:r>
+              <a:rPr lang="ru-RU" sz="2400" dirty="0">
+                <a:solidFill>
+                  <a:srgbClr val="262636"/>
+                </a:solidFill>
+              </a:rPr>
+              <a:t>и </a:t>
+            </a:r>
+            <a:r>
+              <a:rPr lang="en-US" sz="2400" dirty="0" err="1">
+                <a:solidFill>
+                  <a:srgbClr val="262636"/>
+                </a:solidFill>
+              </a:rPr>
+              <a:t>NoesisGUI</a:t>
+            </a:r>
+            <a:r>
+              <a:rPr lang="en-US" sz="2400" dirty="0">
+                <a:solidFill>
+                  <a:srgbClr val="262636"/>
+                </a:solidFill>
+              </a:rPr>
+              <a:t>:</a:t>
+            </a:r>
+          </a:p>
+          <a:p>
+            <a:r>
+              <a:rPr lang="en-US" sz="2400" dirty="0">
+                <a:solidFill>
+                  <a:srgbClr val="262636"/>
+                </a:solidFill>
+              </a:rPr>
+              <a:t>1</a:t>
+            </a:r>
+            <a:r>
+              <a:rPr lang="ru-RU" sz="2400" dirty="0">
+                <a:solidFill>
+                  <a:srgbClr val="262636"/>
+                </a:solidFill>
+              </a:rPr>
+              <a:t>. Источник </a:t>
+            </a:r>
+            <a:r>
+              <a:rPr lang="en-US" sz="2400" dirty="0">
+                <a:solidFill>
+                  <a:srgbClr val="262636"/>
+                </a:solidFill>
+              </a:rPr>
+              <a:t>NMEA-</a:t>
+            </a:r>
+            <a:r>
+              <a:rPr lang="ru-RU" sz="2400" dirty="0">
+                <a:solidFill>
+                  <a:srgbClr val="262636"/>
+                </a:solidFill>
+              </a:rPr>
+              <a:t>сообщений и два подписчика:</a:t>
+            </a:r>
+          </a:p>
+          <a:p>
+            <a:r>
+              <a:rPr lang="ru-RU" sz="2400" dirty="0">
+                <a:solidFill>
+                  <a:srgbClr val="262636"/>
+                </a:solidFill>
+              </a:rPr>
+              <a:t> – логгер </a:t>
+            </a:r>
+            <a:r>
+              <a:rPr lang="ru-RU" sz="2400" dirty="0" err="1">
+                <a:solidFill>
+                  <a:srgbClr val="262636"/>
+                </a:solidFill>
+              </a:rPr>
+              <a:t>журналирует</a:t>
+            </a:r>
+            <a:r>
+              <a:rPr lang="ru-RU" sz="2400" dirty="0">
+                <a:solidFill>
+                  <a:srgbClr val="262636"/>
+                </a:solidFill>
+              </a:rPr>
+              <a:t> их в файл</a:t>
+            </a:r>
+          </a:p>
+          <a:p>
+            <a:r>
+              <a:rPr lang="ru-RU" sz="2400" dirty="0">
+                <a:solidFill>
+                  <a:srgbClr val="262636"/>
+                </a:solidFill>
+              </a:rPr>
+              <a:t> - </a:t>
+            </a:r>
+            <a:r>
+              <a:rPr lang="en-US" sz="2400" dirty="0" err="1">
+                <a:solidFill>
+                  <a:srgbClr val="262636"/>
+                </a:solidFill>
+              </a:rPr>
+              <a:t>NmeaProcessor</a:t>
+            </a:r>
+            <a:r>
+              <a:rPr lang="ru-RU" sz="2400" dirty="0">
+                <a:solidFill>
+                  <a:srgbClr val="262636"/>
+                </a:solidFill>
+              </a:rPr>
+              <a:t> обрабатывает, и формирует </a:t>
+            </a:r>
+            <a:r>
+              <a:rPr lang="en-US" sz="2400" dirty="0">
+                <a:solidFill>
+                  <a:srgbClr val="262636"/>
+                </a:solidFill>
+              </a:rPr>
+              <a:t>	</a:t>
+            </a:r>
+            <a:r>
+              <a:rPr lang="ru-RU" sz="2400" dirty="0">
+                <a:solidFill>
+                  <a:srgbClr val="262636"/>
+                </a:solidFill>
+              </a:rPr>
+              <a:t>два других потока – один с неизменными </a:t>
+            </a:r>
+            <a:r>
+              <a:rPr lang="en-US" sz="2400" dirty="0">
+                <a:solidFill>
+                  <a:srgbClr val="262636"/>
+                </a:solidFill>
+              </a:rPr>
+              <a:t>	</a:t>
+            </a:r>
+            <a:r>
+              <a:rPr lang="ru-RU" sz="2400" dirty="0">
+                <a:solidFill>
+                  <a:srgbClr val="262636"/>
+                </a:solidFill>
+              </a:rPr>
+              <a:t>сообщениями, другой – с координатами </a:t>
+            </a:r>
+            <a:r>
+              <a:rPr lang="en-US" sz="2400" dirty="0" err="1">
+                <a:solidFill>
+                  <a:srgbClr val="262636"/>
+                </a:solidFill>
+              </a:rPr>
+              <a:t>lat</a:t>
+            </a:r>
+            <a:r>
+              <a:rPr lang="en-US" sz="2400" dirty="0">
+                <a:solidFill>
+                  <a:srgbClr val="262636"/>
+                </a:solidFill>
+              </a:rPr>
+              <a:t>, 	</a:t>
+            </a:r>
+            <a:r>
+              <a:rPr lang="en-US" sz="2400" dirty="0" err="1">
+                <a:solidFill>
+                  <a:srgbClr val="262636"/>
+                </a:solidFill>
+              </a:rPr>
+              <a:t>lon</a:t>
+            </a:r>
+            <a:r>
+              <a:rPr lang="en-US" sz="2400" dirty="0">
+                <a:solidFill>
+                  <a:srgbClr val="262636"/>
+                </a:solidFill>
+              </a:rPr>
+              <a:t>. </a:t>
+            </a:r>
+            <a:r>
+              <a:rPr lang="ru-RU" sz="2400" dirty="0">
+                <a:solidFill>
+                  <a:srgbClr val="262636"/>
+                </a:solidFill>
+              </a:rPr>
+              <a:t>Эти данные выводятся на </a:t>
+            </a:r>
+            <a:r>
+              <a:rPr lang="en-US" sz="2400" dirty="0">
+                <a:solidFill>
+                  <a:srgbClr val="262636"/>
+                </a:solidFill>
+              </a:rPr>
+              <a:t>UI</a:t>
+            </a:r>
+          </a:p>
+          <a:p>
+            <a:r>
+              <a:rPr lang="en-US" sz="2400" dirty="0">
+                <a:solidFill>
+                  <a:srgbClr val="262636"/>
+                </a:solidFill>
+              </a:rPr>
+              <a:t>2. </a:t>
+            </a:r>
+            <a:r>
+              <a:rPr lang="ru-RU" sz="2400" dirty="0">
+                <a:solidFill>
+                  <a:srgbClr val="262636"/>
+                </a:solidFill>
+              </a:rPr>
+              <a:t>Источник записей в лог из </a:t>
+            </a:r>
+            <a:r>
+              <a:rPr lang="en-US" sz="2400" dirty="0">
+                <a:solidFill>
+                  <a:srgbClr val="262636"/>
+                </a:solidFill>
+              </a:rPr>
+              <a:t>UI</a:t>
+            </a:r>
+            <a:r>
+              <a:rPr lang="ru-RU" sz="2400" dirty="0">
+                <a:solidFill>
+                  <a:srgbClr val="262636"/>
+                </a:solidFill>
+              </a:rPr>
+              <a:t>, и подписчик в компоненте журналирования</a:t>
             </a:r>
             <a:endParaRPr lang="en-US" sz="2400" dirty="0">
               <a:solidFill>
                 <a:srgbClr val="262636"/>
               </a:solidFill>
-              <a:latin typeface="+mj-lt"/>
-            </a:endParaRPr>
-          </a:p>
-          <a:p>
-            <a:r>
-              <a:rPr lang="en-US" sz="2400" dirty="0">
-                <a:solidFill>
-                  <a:srgbClr val="262636"/>
-                </a:solidFill>
-                <a:latin typeface="+mj-lt"/>
-              </a:rPr>
-              <a:t>5. </a:t>
-            </a:r>
-            <a:r>
-              <a:rPr lang="ru-RU" sz="2400" dirty="0">
-                <a:solidFill>
-                  <a:srgbClr val="262636"/>
-                </a:solidFill>
-                <a:latin typeface="+mj-lt"/>
-              </a:rPr>
-              <a:t>Сделан реестр динамически загружаемых объектов с тривиальной реализацией</a:t>
-            </a:r>
-            <a:endParaRPr lang="en-US" sz="2400" dirty="0">
-              <a:solidFill>
-                <a:srgbClr val="262636"/>
-              </a:solidFill>
-              <a:latin typeface="+mj-lt"/>
             </a:endParaRPr>
           </a:p>
         </p:txBody>
@@ -40978,7 +42028,7 @@
     </p:spTree>
     <p:extLst>
       <p:ext uri="{BB962C8B-B14F-4D97-AF65-F5344CB8AC3E}">
-        <p14:creationId xmlns:p14="http://schemas.microsoft.com/office/powerpoint/2010/main" val="907278065"/>
+        <p14:creationId xmlns:p14="http://schemas.microsoft.com/office/powerpoint/2010/main" val="1354486694"/>
       </p:ext>
     </p:extLst>
   </p:cSld>
@@ -41143,7 +42193,7 @@
         <p:spPr>
           <a:xfrm>
             <a:off x="1190625" y="1469836"/>
-            <a:ext cx="7686675" cy="4154984"/>
+            <a:ext cx="7686675" cy="830997"/>
           </a:xfrm>
           <a:prstGeom prst="rect">
             <a:avLst/>
@@ -41166,155 +42216,12 @@
               <a:t>3. Источник данных – позиция мыши в окне, и подписчик, выводящий координаты на экран</a:t>
             </a:r>
           </a:p>
-          <a:p>
-            <a:r>
-              <a:rPr lang="ru-RU" sz="2400" dirty="0">
-                <a:solidFill>
-                  <a:srgbClr val="262636"/>
-                </a:solidFill>
-                <a:latin typeface="+mj-lt"/>
-              </a:rPr>
-              <a:t>4. Смена скинов (светлый</a:t>
-            </a:r>
-            <a:r>
-              <a:rPr lang="en-US" sz="2400" dirty="0">
-                <a:solidFill>
-                  <a:srgbClr val="262636"/>
-                </a:solidFill>
-                <a:latin typeface="+mj-lt"/>
-              </a:rPr>
-              <a:t>/</a:t>
-            </a:r>
-            <a:r>
-              <a:rPr lang="ru-RU" sz="2400" dirty="0">
-                <a:solidFill>
-                  <a:srgbClr val="262636"/>
-                </a:solidFill>
-                <a:latin typeface="+mj-lt"/>
-              </a:rPr>
-              <a:t>тёмный) на лету</a:t>
-            </a:r>
-            <a:endParaRPr lang="en-US" sz="2400" dirty="0">
-              <a:solidFill>
-                <a:srgbClr val="262636"/>
-              </a:solidFill>
-              <a:latin typeface="+mj-lt"/>
-            </a:endParaRPr>
-          </a:p>
-          <a:p>
-            <a:r>
-              <a:rPr lang="en-US" sz="2400" dirty="0">
-                <a:solidFill>
-                  <a:srgbClr val="262636"/>
-                </a:solidFill>
-                <a:latin typeface="+mj-lt"/>
-              </a:rPr>
-              <a:t>5. </a:t>
-            </a:r>
-            <a:r>
-              <a:rPr lang="ru-RU" sz="2400" dirty="0">
-                <a:solidFill>
-                  <a:srgbClr val="262636"/>
-                </a:solidFill>
-                <a:latin typeface="+mj-lt"/>
-              </a:rPr>
-              <a:t>Сделан реестр динамически загружаемых объектов с тривиальной реализацией</a:t>
-            </a:r>
-            <a:endParaRPr lang="en-US" sz="2400" dirty="0">
-              <a:solidFill>
-                <a:srgbClr val="262636"/>
-              </a:solidFill>
-              <a:latin typeface="+mj-lt"/>
-            </a:endParaRPr>
-          </a:p>
-          <a:p>
-            <a:endParaRPr lang="en-US" sz="2400" dirty="0">
-              <a:solidFill>
-                <a:srgbClr val="262636"/>
-              </a:solidFill>
-              <a:latin typeface="+mj-lt"/>
-            </a:endParaRPr>
-          </a:p>
-          <a:p>
-            <a:r>
-              <a:rPr lang="ru-RU" sz="2400" dirty="0">
-                <a:solidFill>
-                  <a:srgbClr val="262636"/>
-                </a:solidFill>
-                <a:latin typeface="+mj-lt"/>
-              </a:rPr>
-              <a:t>Как видно, обмен между всеми слоями </a:t>
-            </a:r>
-            <a:r>
-              <a:rPr lang="en-US" sz="2400" dirty="0">
-                <a:solidFill>
-                  <a:srgbClr val="262636"/>
-                </a:solidFill>
-                <a:latin typeface="+mj-lt"/>
-              </a:rPr>
-              <a:t>(BE, BL, UI) </a:t>
-            </a:r>
-            <a:r>
-              <a:rPr lang="ru-RU" sz="2400" dirty="0">
-                <a:solidFill>
-                  <a:srgbClr val="262636"/>
-                </a:solidFill>
-                <a:latin typeface="+mj-lt"/>
-              </a:rPr>
-              <a:t>вполне работает, </a:t>
-            </a:r>
-            <a:r>
-              <a:rPr lang="en-US" sz="2400" dirty="0">
-                <a:solidFill>
-                  <a:srgbClr val="262636"/>
-                </a:solidFill>
-                <a:latin typeface="+mj-lt"/>
-              </a:rPr>
-              <a:t>GUI </a:t>
-            </a:r>
-            <a:r>
-              <a:rPr lang="ru-RU" sz="2400" dirty="0">
-                <a:solidFill>
-                  <a:srgbClr val="262636"/>
-                </a:solidFill>
-                <a:latin typeface="+mj-lt"/>
-              </a:rPr>
-              <a:t>подключён как плагин, гонки за данными в журналировании нет за счёт выделения отдельного потока. Да, это </a:t>
-            </a:r>
-            <a:r>
-              <a:rPr lang="en-US" sz="2400" dirty="0" err="1">
-                <a:solidFill>
-                  <a:srgbClr val="262636"/>
-                </a:solidFill>
-                <a:latin typeface="+mj-lt"/>
-              </a:rPr>
-              <a:t>PoC</a:t>
-            </a:r>
-            <a:r>
-              <a:rPr lang="en-US" sz="2400" dirty="0">
-                <a:solidFill>
-                  <a:srgbClr val="262636"/>
-                </a:solidFill>
-                <a:latin typeface="+mj-lt"/>
-              </a:rPr>
-              <a:t>, </a:t>
-            </a:r>
-            <a:r>
-              <a:rPr lang="ru-RU" sz="2400" dirty="0">
-                <a:solidFill>
-                  <a:srgbClr val="262636"/>
-                </a:solidFill>
-                <a:latin typeface="+mj-lt"/>
-              </a:rPr>
-              <a:t>но, да, он работает.</a:t>
-            </a:r>
-          </a:p>
         </p:txBody>
       </p:sp>
     </p:spTree>
     <p:extLst>
       <p:ext uri="{BB962C8B-B14F-4D97-AF65-F5344CB8AC3E}">
-        <p14:creationId xmlns:p14="http://schemas.microsoft.com/office/powerpoint/2010/main" val="38587208"/>
+        <p14:creationId xmlns:p14="http://schemas.microsoft.com/office/powerpoint/2010/main" val="4243001828"/>
       </p:ext>
     </p:extLst>
   </p:cSld>
@@ -41479,7 +42386,7 @@
         <p:spPr>
           <a:xfrm>
             <a:off x="1190625" y="1469836"/>
-            <a:ext cx="7686675" cy="3416320"/>
+            <a:ext cx="7686675" cy="1200329"/>
           </a:xfrm>
           <a:prstGeom prst="rect">
             <a:avLst/>
@@ -41499,11 +42406,38 @@
                 </a:solidFill>
                 <a:latin typeface="+mj-lt"/>
               </a:rPr>
-              <a:t>Понятно, что это лишь концепт преодоления объективных проблем текущих реализаций, однако он закладывает правильное разделение сущностей, отсрочку принятия решений по выбору библиотек вследствие ослабления взаимосвязей между компонентами, ну и вообще это любопытная концепция создания гибких связей с асинхронным обменом.</a:t>
-            </a:r>
-          </a:p>
-          <a:p>
-            <a:endParaRPr lang="ru-RU" sz="2400" dirty="0">
+              <a:t>3. Источник данных – позиция мыши в окне, и подписчик, выводящий координаты на экран</a:t>
+            </a:r>
+          </a:p>
+          <a:p>
+            <a:r>
+              <a:rPr lang="ru-RU" sz="2400" dirty="0">
+                <a:solidFill>
+                  <a:srgbClr val="262636"/>
+                </a:solidFill>
+                <a:latin typeface="+mj-lt"/>
+              </a:rPr>
+              <a:t>4. Смена скинов (светлый</a:t>
+            </a:r>
+            <a:r>
+              <a:rPr lang="en-US" sz="2400" dirty="0">
+                <a:solidFill>
+                  <a:srgbClr val="262636"/>
+                </a:solidFill>
+                <a:latin typeface="+mj-lt"/>
+              </a:rPr>
+              <a:t>/</a:t>
+            </a:r>
+            <a:r>
+              <a:rPr lang="ru-RU" sz="2400" dirty="0">
+                <a:solidFill>
+                  <a:srgbClr val="262636"/>
+                </a:solidFill>
+                <a:latin typeface="+mj-lt"/>
+              </a:rPr>
+              <a:t>тёмный) на лету</a:t>
+            </a:r>
+            <a:endParaRPr lang="en-US" sz="2400" dirty="0">
               <a:solidFill>
                 <a:srgbClr val="262636"/>
               </a:solidFill>
@@ -41515,7 +42449,7 @@
     </p:spTree>
     <p:extLst>
       <p:ext uri="{BB962C8B-B14F-4D97-AF65-F5344CB8AC3E}">
-        <p14:creationId xmlns:p14="http://schemas.microsoft.com/office/powerpoint/2010/main" val="1180493462"/>
+        <p14:creationId xmlns:p14="http://schemas.microsoft.com/office/powerpoint/2010/main" val="1370475917"/>
       </p:ext>
     </p:extLst>
   </p:cSld>
@@ -41680,7 +42614,7 @@
         <p:spPr>
           <a:xfrm>
             <a:off x="1190625" y="1469836"/>
-            <a:ext cx="7686675" cy="4524315"/>
+            <a:ext cx="7686675" cy="1938992"/>
           </a:xfrm>
           <a:prstGeom prst="rect">
             <a:avLst/>
@@ -41700,11 +42634,38 @@
                 </a:solidFill>
                 <a:latin typeface="+mj-lt"/>
               </a:rPr>
-              <a:t>Понятно, что это лишь концепт преодоления объективных проблем текущих реализаций, однако он закладывает правильное разделение сущностей, отсрочку принятия решений по выбору библиотек вследствие ослабления взаимосвязей между компонентами, ну и вообще это любопытная концепция создания гибких связей с асинхронным обменом.</a:t>
-            </a:r>
-          </a:p>
-          <a:p>
-            <a:endParaRPr lang="ru-RU" sz="2400" dirty="0">
+              <a:t>3. Источник данных – позиция мыши в окне, и подписчик, выводящий координаты на экран</a:t>
+            </a:r>
+          </a:p>
+          <a:p>
+            <a:r>
+              <a:rPr lang="ru-RU" sz="2400" dirty="0">
+                <a:solidFill>
+                  <a:srgbClr val="262636"/>
+                </a:solidFill>
+                <a:latin typeface="+mj-lt"/>
+              </a:rPr>
+              <a:t>4. Смена скинов (светлый</a:t>
+            </a:r>
+            <a:r>
+              <a:rPr lang="en-US" sz="2400" dirty="0">
+                <a:solidFill>
+                  <a:srgbClr val="262636"/>
+                </a:solidFill>
+                <a:latin typeface="+mj-lt"/>
+              </a:rPr>
+              <a:t>/</a:t>
+            </a:r>
+            <a:r>
+              <a:rPr lang="ru-RU" sz="2400" dirty="0">
+                <a:solidFill>
+                  <a:srgbClr val="262636"/>
+                </a:solidFill>
+                <a:latin typeface="+mj-lt"/>
+              </a:rPr>
+              <a:t>тёмный) на лету</a:t>
+            </a:r>
+            <a:endParaRPr lang="en-US" sz="2400" dirty="0">
               <a:solidFill>
                 <a:srgbClr val="262636"/>
               </a:solidFill>
@@ -41713,21 +42674,36 @@
           </a:p>
           <a:p>
             <a:r>
-              <a:rPr lang="ru-RU" sz="2400" dirty="0">
+              <a:rPr lang="en-US" sz="2400" dirty="0">
                 <a:solidFill>
                   <a:srgbClr val="262636"/>
                 </a:solidFill>
                 <a:latin typeface="+mj-lt"/>
               </a:rPr>
-              <a:t>Уже победа, если изложенные мысли позитивно отразятся на каких-то решениях в рамках текущих задач.</a:t>
-            </a:r>
+              <a:t>5. </a:t>
+            </a:r>
+            <a:r>
+              <a:rPr lang="ru-RU" sz="2400" dirty="0">
+                <a:solidFill>
+                  <a:srgbClr val="262636"/>
+                </a:solidFill>
+                <a:latin typeface="+mj-lt"/>
+              </a:rPr>
+              <a:t>Сделан реестр динамически загружаемых объектов с тривиальной реализацией</a:t>
+            </a:r>
+            <a:endParaRPr lang="en-US" sz="2400" dirty="0">
+              <a:solidFill>
+                <a:srgbClr val="262636"/>
+              </a:solidFill>
+              <a:latin typeface="+mj-lt"/>
+            </a:endParaRPr>
           </a:p>
         </p:txBody>
       </p:sp>
     </p:spTree>
     <p:extLst>
       <p:ext uri="{BB962C8B-B14F-4D97-AF65-F5344CB8AC3E}">
-        <p14:creationId xmlns:p14="http://schemas.microsoft.com/office/powerpoint/2010/main" val="1265507323"/>
+        <p14:creationId xmlns:p14="http://schemas.microsoft.com/office/powerpoint/2010/main" val="907278065"/>
       </p:ext>
     </p:extLst>
   </p:cSld>
@@ -41790,7 +42766,7 @@
                   </a:schemeClr>
                 </a:solidFill>
               </a:rPr>
-              <a:t>Финиш</a:t>
+              <a:t>Результаты</a:t>
             </a:r>
           </a:p>
         </p:txBody>
@@ -41891,8 +42867,8 @@
         </p:nvSpPr>
         <p:spPr>
           <a:xfrm>
-            <a:off x="1190625" y="2350669"/>
-            <a:ext cx="7686675" cy="646331"/>
+            <a:off x="1190625" y="1469836"/>
+            <a:ext cx="7686675" cy="4154984"/>
           </a:xfrm>
           <a:prstGeom prst="rect">
             <a:avLst/>
@@ -41905,27 +42881,567 @@
           </a:bodyPr>
           <a:lstStyle/>
           <a:p>
-            <a:pPr algn="ctr"/>
-            <a:r>
-              <a:rPr lang="ru-RU" sz="3600" b="1" dirty="0">
-                <a:solidFill>
-                  <a:srgbClr val="262636"/>
-                </a:solidFill>
-              </a:rPr>
-              <a:t>Спасибо за внимание</a:t>
-            </a:r>
-            <a:endParaRPr lang="en-US" sz="3600" b="1" dirty="0">
+            <a:r>
+              <a:rPr lang="ru-RU" sz="2400" dirty="0">
+                <a:solidFill>
+                  <a:srgbClr val="262636"/>
+                </a:solidFill>
+                <a:latin typeface="+mj-lt"/>
+              </a:rPr>
+              <a:t>3. Источник данных – позиция мыши в окне, и подписчик, выводящий координаты на экран</a:t>
+            </a:r>
+          </a:p>
+          <a:p>
+            <a:r>
+              <a:rPr lang="ru-RU" sz="2400" dirty="0">
+                <a:solidFill>
+                  <a:srgbClr val="262636"/>
+                </a:solidFill>
+                <a:latin typeface="+mj-lt"/>
+              </a:rPr>
+              <a:t>4. Смена скинов (светлый</a:t>
+            </a:r>
+            <a:r>
+              <a:rPr lang="en-US" sz="2400" dirty="0">
+                <a:solidFill>
+                  <a:srgbClr val="262636"/>
+                </a:solidFill>
+                <a:latin typeface="+mj-lt"/>
+              </a:rPr>
+              <a:t>/</a:t>
+            </a:r>
+            <a:r>
+              <a:rPr lang="ru-RU" sz="2400" dirty="0">
+                <a:solidFill>
+                  <a:srgbClr val="262636"/>
+                </a:solidFill>
+                <a:latin typeface="+mj-lt"/>
+              </a:rPr>
+              <a:t>тёмный) на лету</a:t>
+            </a:r>
+            <a:endParaRPr lang="en-US" sz="2400" dirty="0">
               <a:solidFill>
                 <a:srgbClr val="262636"/>
               </a:solidFill>
+              <a:latin typeface="+mj-lt"/>
             </a:endParaRPr>
+          </a:p>
+          <a:p>
+            <a:r>
+              <a:rPr lang="en-US" sz="2400" dirty="0">
+                <a:solidFill>
+                  <a:srgbClr val="262636"/>
+                </a:solidFill>
+                <a:latin typeface="+mj-lt"/>
+              </a:rPr>
+              <a:t>5. </a:t>
+            </a:r>
+            <a:r>
+              <a:rPr lang="ru-RU" sz="2400" dirty="0">
+                <a:solidFill>
+                  <a:srgbClr val="262636"/>
+                </a:solidFill>
+                <a:latin typeface="+mj-lt"/>
+              </a:rPr>
+              <a:t>Сделан реестр динамически загружаемых объектов с тривиальной реализацией</a:t>
+            </a:r>
+            <a:endParaRPr lang="en-US" sz="2400" dirty="0">
+              <a:solidFill>
+                <a:srgbClr val="262636"/>
+              </a:solidFill>
+              <a:latin typeface="+mj-lt"/>
+            </a:endParaRPr>
+          </a:p>
+          <a:p>
+            <a:endParaRPr lang="en-US" sz="2400" dirty="0">
+              <a:solidFill>
+                <a:srgbClr val="262636"/>
+              </a:solidFill>
+              <a:latin typeface="+mj-lt"/>
+            </a:endParaRPr>
+          </a:p>
+          <a:p>
+            <a:r>
+              <a:rPr lang="ru-RU" sz="2400" dirty="0">
+                <a:solidFill>
+                  <a:srgbClr val="262636"/>
+                </a:solidFill>
+                <a:latin typeface="+mj-lt"/>
+              </a:rPr>
+              <a:t>Как видно, обмен между всеми слоями </a:t>
+            </a:r>
+            <a:r>
+              <a:rPr lang="en-US" sz="2400" dirty="0">
+                <a:solidFill>
+                  <a:srgbClr val="262636"/>
+                </a:solidFill>
+                <a:latin typeface="+mj-lt"/>
+              </a:rPr>
+              <a:t>(BE, BL, UI) </a:t>
+            </a:r>
+            <a:r>
+              <a:rPr lang="ru-RU" sz="2400" dirty="0">
+                <a:solidFill>
+                  <a:srgbClr val="262636"/>
+                </a:solidFill>
+                <a:latin typeface="+mj-lt"/>
+              </a:rPr>
+              <a:t>вполне работает, </a:t>
+            </a:r>
+            <a:r>
+              <a:rPr lang="en-US" sz="2400" dirty="0">
+                <a:solidFill>
+                  <a:srgbClr val="262636"/>
+                </a:solidFill>
+                <a:latin typeface="+mj-lt"/>
+              </a:rPr>
+              <a:t>GUI </a:t>
+            </a:r>
+            <a:r>
+              <a:rPr lang="ru-RU" sz="2400" dirty="0">
+                <a:solidFill>
+                  <a:srgbClr val="262636"/>
+                </a:solidFill>
+                <a:latin typeface="+mj-lt"/>
+              </a:rPr>
+              <a:t>подключён как плагин, гонки за данными в журналировании нет за счёт выделения отдельного потока. Да, это </a:t>
+            </a:r>
+            <a:r>
+              <a:rPr lang="en-US" sz="2400" dirty="0" err="1">
+                <a:solidFill>
+                  <a:srgbClr val="262636"/>
+                </a:solidFill>
+                <a:latin typeface="+mj-lt"/>
+              </a:rPr>
+              <a:t>PoC</a:t>
+            </a:r>
+            <a:r>
+              <a:rPr lang="en-US" sz="2400" dirty="0">
+                <a:solidFill>
+                  <a:srgbClr val="262636"/>
+                </a:solidFill>
+                <a:latin typeface="+mj-lt"/>
+              </a:rPr>
+              <a:t>, </a:t>
+            </a:r>
+            <a:r>
+              <a:rPr lang="ru-RU" sz="2400" dirty="0">
+                <a:solidFill>
+                  <a:srgbClr val="262636"/>
+                </a:solidFill>
+                <a:latin typeface="+mj-lt"/>
+              </a:rPr>
+              <a:t>но, да, он работает.</a:t>
+            </a:r>
           </a:p>
         </p:txBody>
       </p:sp>
     </p:spTree>
     <p:extLst>
       <p:ext uri="{BB962C8B-B14F-4D97-AF65-F5344CB8AC3E}">
-        <p14:creationId xmlns:p14="http://schemas.microsoft.com/office/powerpoint/2010/main" val="3053129906"/>
+        <p14:creationId xmlns:p14="http://schemas.microsoft.com/office/powerpoint/2010/main" val="38587208"/>
+      </p:ext>
+    </p:extLst>
+  </p:cSld>
+  <p:clrMapOvr>
+    <a:masterClrMapping/>
+  </p:clrMapOvr>
+</p:sld>
+</file>
+
+<file path=ppt/slides/slide98.xml><?xml version="1.0" encoding="utf-8"?>
+<p:sld xmlns:a="http://schemas.openxmlformats.org/drawingml/2006/main" xmlns:r="http://schemas.openxmlformats.org/officeDocument/2006/relationships" xmlns:p="http://schemas.openxmlformats.org/presentationml/2006/main">
+  <p:cSld>
+    <p:spTree>
+      <p:nvGrpSpPr>
+        <p:cNvPr id="1" name=""/>
+        <p:cNvGrpSpPr/>
+        <p:nvPr/>
+      </p:nvGrpSpPr>
+      <p:grpSpPr>
+        <a:xfrm>
+          <a:off x="0" y="0"/>
+          <a:ext cx="0" cy="0"/>
+          <a:chOff x="0" y="0"/>
+          <a:chExt cx="0" cy="0"/>
+        </a:xfrm>
+      </p:grpSpPr>
+      <p:sp>
+        <p:nvSpPr>
+          <p:cNvPr id="2" name="Заголовок 1"/>
+          <p:cNvSpPr>
+            <a:spLocks noGrp="1"/>
+          </p:cNvSpPr>
+          <p:nvPr>
+            <p:ph type="title"/>
+          </p:nvPr>
+        </p:nvSpPr>
+        <p:spPr>
+          <a:xfrm>
+            <a:off x="0" y="1"/>
+            <a:ext cx="9144000" cy="1483894"/>
+          </a:xfrm>
+          <a:noFill/>
+        </p:spPr>
+        <p:txBody>
+          <a:bodyPr>
+            <a:normAutofit/>
+          </a:bodyPr>
+          <a:lstStyle/>
+          <a:p>
+            <a:pPr marL="900000">
+              <a:spcBef>
+                <a:spcPts val="0"/>
+              </a:spcBef>
+            </a:pPr>
+            <a:r>
+              <a:rPr lang="ru-RU" sz="3600" b="1" dirty="0">
+                <a:solidFill>
+                  <a:schemeClr val="tx2">
+                    <a:lumMod val="75000"/>
+                  </a:schemeClr>
+                </a:solidFill>
+              </a:rPr>
+              <a:t>Результаты</a:t>
+            </a:r>
+          </a:p>
+        </p:txBody>
+      </p:sp>
+      <p:sp>
+        <p:nvSpPr>
+          <p:cNvPr id="3" name="TextBox 2">
+            <a:extLst>
+              <a:ext uri="{FF2B5EF4-FFF2-40B4-BE49-F238E27FC236}">
+                <a16:creationId xmlns:a16="http://schemas.microsoft.com/office/drawing/2014/main" id="{CA148668-9F41-47BE-9845-424E3F823027}"/>
+              </a:ext>
+            </a:extLst>
+          </p:cNvPr>
+          <p:cNvSpPr txBox="1"/>
+          <p:nvPr/>
+        </p:nvSpPr>
+        <p:spPr>
+          <a:xfrm>
+            <a:off x="7466336" y="6642555"/>
+            <a:ext cx="1410964" cy="215444"/>
+          </a:xfrm>
+          <a:prstGeom prst="rect">
+            <a:avLst/>
+          </a:prstGeom>
+          <a:noFill/>
+        </p:spPr>
+        <p:txBody>
+          <a:bodyPr wrap="none" rtlCol="0">
+            <a:spAutoFit/>
+          </a:bodyPr>
+          <a:lstStyle/>
+          <a:p>
+            <a:r>
+              <a:rPr lang="en-US" sz="800" dirty="0"/>
+              <a:t>© 2021 </a:t>
+            </a:r>
+            <a:r>
+              <a:rPr lang="ru-RU" sz="800" dirty="0"/>
+              <a:t>Сергей Котельников</a:t>
+            </a:r>
+          </a:p>
+        </p:txBody>
+      </p:sp>
+      <p:cxnSp>
+        <p:nvCxnSpPr>
+          <p:cNvPr id="57" name="Прямая соединительная линия 56">
+            <a:extLst>
+              <a:ext uri="{FF2B5EF4-FFF2-40B4-BE49-F238E27FC236}">
+                <a16:creationId xmlns:a16="http://schemas.microsoft.com/office/drawing/2014/main" id="{7CC92653-02A9-4037-8660-47E54663577F}"/>
+              </a:ext>
+            </a:extLst>
+          </p:cNvPr>
+          <p:cNvCxnSpPr>
+            <a:cxnSpLocks/>
+          </p:cNvCxnSpPr>
+          <p:nvPr/>
+        </p:nvCxnSpPr>
+        <p:spPr>
+          <a:xfrm>
+            <a:off x="4572000" y="866775"/>
+            <a:ext cx="4572000" cy="0"/>
+          </a:xfrm>
+          <a:prstGeom prst="line">
+            <a:avLst/>
+          </a:prstGeom>
+          <a:ln>
+            <a:solidFill>
+              <a:srgbClr val="9E9E9E"/>
+            </a:solidFill>
+          </a:ln>
+        </p:spPr>
+        <p:style>
+          <a:lnRef idx="1">
+            <a:schemeClr val="accent1"/>
+          </a:lnRef>
+          <a:fillRef idx="0">
+            <a:schemeClr val="accent1"/>
+          </a:fillRef>
+          <a:effectRef idx="0">
+            <a:schemeClr val="accent1"/>
+          </a:effectRef>
+          <a:fontRef idx="minor">
+            <a:schemeClr val="tx1"/>
+          </a:fontRef>
+        </p:style>
+      </p:cxnSp>
+      <p:sp>
+        <p:nvSpPr>
+          <p:cNvPr id="59" name="TextBox 58">
+            <a:extLst>
+              <a:ext uri="{FF2B5EF4-FFF2-40B4-BE49-F238E27FC236}">
+                <a16:creationId xmlns:a16="http://schemas.microsoft.com/office/drawing/2014/main" id="{4180BE1A-32FB-45E2-97E1-870B9167D9AA}"/>
+              </a:ext>
+            </a:extLst>
+          </p:cNvPr>
+          <p:cNvSpPr txBox="1"/>
+          <p:nvPr/>
+        </p:nvSpPr>
+        <p:spPr>
+          <a:xfrm>
+            <a:off x="1190625" y="1469836"/>
+            <a:ext cx="7686675" cy="3416320"/>
+          </a:xfrm>
+          <a:prstGeom prst="rect">
+            <a:avLst/>
+          </a:prstGeom>
+          <a:noFill/>
+        </p:spPr>
+        <p:txBody>
+          <a:bodyPr wrap="square" rtlCol="0">
+            <a:spAutoFit/>
+          </a:bodyPr>
+          <a:lstStyle/>
+          <a:p>
+            <a:r>
+              <a:rPr lang="ru-RU" sz="2400" dirty="0">
+                <a:solidFill>
+                  <a:srgbClr val="262636"/>
+                </a:solidFill>
+                <a:latin typeface="+mj-lt"/>
+              </a:rPr>
+              <a:t>Понятно, что это лишь концепт преодоления объективных проблем текущих реализаций, однако он закладывает правильное разделение сущностей, отсрочку принятия решений по выбору библиотек вследствие ослабления взаимосвязей между компонентами, ну и вообще это любопытная концепция создания гибких интерфейсов с асинхронным обменом.</a:t>
+            </a:r>
+          </a:p>
+          <a:p>
+            <a:endParaRPr lang="ru-RU" sz="2400" dirty="0">
+              <a:solidFill>
+                <a:srgbClr val="262636"/>
+              </a:solidFill>
+              <a:latin typeface="+mj-lt"/>
+            </a:endParaRPr>
+          </a:p>
+        </p:txBody>
+      </p:sp>
+    </p:spTree>
+    <p:extLst>
+      <p:ext uri="{BB962C8B-B14F-4D97-AF65-F5344CB8AC3E}">
+        <p14:creationId xmlns:p14="http://schemas.microsoft.com/office/powerpoint/2010/main" val="1180493462"/>
+      </p:ext>
+    </p:extLst>
+  </p:cSld>
+  <p:clrMapOvr>
+    <a:masterClrMapping/>
+  </p:clrMapOvr>
+</p:sld>
+</file>
+
+<file path=ppt/slides/slide99.xml><?xml version="1.0" encoding="utf-8"?>
+<p:sld xmlns:a="http://schemas.openxmlformats.org/drawingml/2006/main" xmlns:r="http://schemas.openxmlformats.org/officeDocument/2006/relationships" xmlns:p="http://schemas.openxmlformats.org/presentationml/2006/main">
+  <p:cSld>
+    <p:spTree>
+      <p:nvGrpSpPr>
+        <p:cNvPr id="1" name=""/>
+        <p:cNvGrpSpPr/>
+        <p:nvPr/>
+      </p:nvGrpSpPr>
+      <p:grpSpPr>
+        <a:xfrm>
+          <a:off x="0" y="0"/>
+          <a:ext cx="0" cy="0"/>
+          <a:chOff x="0" y="0"/>
+          <a:chExt cx="0" cy="0"/>
+        </a:xfrm>
+      </p:grpSpPr>
+      <p:sp>
+        <p:nvSpPr>
+          <p:cNvPr id="2" name="Заголовок 1"/>
+          <p:cNvSpPr>
+            <a:spLocks noGrp="1"/>
+          </p:cNvSpPr>
+          <p:nvPr>
+            <p:ph type="title"/>
+          </p:nvPr>
+        </p:nvSpPr>
+        <p:spPr>
+          <a:xfrm>
+            <a:off x="0" y="1"/>
+            <a:ext cx="9144000" cy="1483894"/>
+          </a:xfrm>
+          <a:noFill/>
+        </p:spPr>
+        <p:txBody>
+          <a:bodyPr>
+            <a:normAutofit/>
+          </a:bodyPr>
+          <a:lstStyle/>
+          <a:p>
+            <a:pPr marL="900000">
+              <a:spcBef>
+                <a:spcPts val="0"/>
+              </a:spcBef>
+            </a:pPr>
+            <a:r>
+              <a:rPr lang="ru-RU" sz="3600" b="1" dirty="0">
+                <a:solidFill>
+                  <a:schemeClr val="tx2">
+                    <a:lumMod val="75000"/>
+                  </a:schemeClr>
+                </a:solidFill>
+              </a:rPr>
+              <a:t>Результаты</a:t>
+            </a:r>
+          </a:p>
+        </p:txBody>
+      </p:sp>
+      <p:sp>
+        <p:nvSpPr>
+          <p:cNvPr id="3" name="TextBox 2">
+            <a:extLst>
+              <a:ext uri="{FF2B5EF4-FFF2-40B4-BE49-F238E27FC236}">
+                <a16:creationId xmlns:a16="http://schemas.microsoft.com/office/drawing/2014/main" id="{CA148668-9F41-47BE-9845-424E3F823027}"/>
+              </a:ext>
+            </a:extLst>
+          </p:cNvPr>
+          <p:cNvSpPr txBox="1"/>
+          <p:nvPr/>
+        </p:nvSpPr>
+        <p:spPr>
+          <a:xfrm>
+            <a:off x="7466336" y="6642555"/>
+            <a:ext cx="1410964" cy="215444"/>
+          </a:xfrm>
+          <a:prstGeom prst="rect">
+            <a:avLst/>
+          </a:prstGeom>
+          <a:noFill/>
+        </p:spPr>
+        <p:txBody>
+          <a:bodyPr wrap="none" rtlCol="0">
+            <a:spAutoFit/>
+          </a:bodyPr>
+          <a:lstStyle/>
+          <a:p>
+            <a:r>
+              <a:rPr lang="en-US" sz="800" dirty="0"/>
+              <a:t>© 2021 </a:t>
+            </a:r>
+            <a:r>
+              <a:rPr lang="ru-RU" sz="800" dirty="0"/>
+              <a:t>Сергей Котельников</a:t>
+            </a:r>
+          </a:p>
+        </p:txBody>
+      </p:sp>
+      <p:cxnSp>
+        <p:nvCxnSpPr>
+          <p:cNvPr id="57" name="Прямая соединительная линия 56">
+            <a:extLst>
+              <a:ext uri="{FF2B5EF4-FFF2-40B4-BE49-F238E27FC236}">
+                <a16:creationId xmlns:a16="http://schemas.microsoft.com/office/drawing/2014/main" id="{7CC92653-02A9-4037-8660-47E54663577F}"/>
+              </a:ext>
+            </a:extLst>
+          </p:cNvPr>
+          <p:cNvCxnSpPr>
+            <a:cxnSpLocks/>
+          </p:cNvCxnSpPr>
+          <p:nvPr/>
+        </p:nvCxnSpPr>
+        <p:spPr>
+          <a:xfrm>
+            <a:off x="4572000" y="866775"/>
+            <a:ext cx="4572000" cy="0"/>
+          </a:xfrm>
+          <a:prstGeom prst="line">
+            <a:avLst/>
+          </a:prstGeom>
+          <a:ln>
+            <a:solidFill>
+              <a:srgbClr val="9E9E9E"/>
+            </a:solidFill>
+          </a:ln>
+        </p:spPr>
+        <p:style>
+          <a:lnRef idx="1">
+            <a:schemeClr val="accent1"/>
+          </a:lnRef>
+          <a:fillRef idx="0">
+            <a:schemeClr val="accent1"/>
+          </a:fillRef>
+          <a:effectRef idx="0">
+            <a:schemeClr val="accent1"/>
+          </a:effectRef>
+          <a:fontRef idx="minor">
+            <a:schemeClr val="tx1"/>
+          </a:fontRef>
+        </p:style>
+      </p:cxnSp>
+      <p:sp>
+        <p:nvSpPr>
+          <p:cNvPr id="59" name="TextBox 58">
+            <a:extLst>
+              <a:ext uri="{FF2B5EF4-FFF2-40B4-BE49-F238E27FC236}">
+                <a16:creationId xmlns:a16="http://schemas.microsoft.com/office/drawing/2014/main" id="{4180BE1A-32FB-45E2-97E1-870B9167D9AA}"/>
+              </a:ext>
+            </a:extLst>
+          </p:cNvPr>
+          <p:cNvSpPr txBox="1"/>
+          <p:nvPr/>
+        </p:nvSpPr>
+        <p:spPr>
+          <a:xfrm>
+            <a:off x="1190625" y="1469836"/>
+            <a:ext cx="7686675" cy="1938992"/>
+          </a:xfrm>
+          <a:prstGeom prst="rect">
+            <a:avLst/>
+          </a:prstGeom>
+          <a:noFill/>
+        </p:spPr>
+        <p:txBody>
+          <a:bodyPr wrap="square" rtlCol="0">
+            <a:spAutoFit/>
+          </a:bodyPr>
+          <a:lstStyle/>
+          <a:p>
+            <a:r>
+              <a:rPr lang="ru-RU" sz="2400" dirty="0">
+                <a:solidFill>
+                  <a:srgbClr val="262636"/>
+                </a:solidFill>
+                <a:latin typeface="+mj-lt"/>
+              </a:rPr>
+              <a:t>Если изложенные изыскания несколько расширят понимание арсенала доступных средств, а также направлений развития – это уже победа.</a:t>
+            </a:r>
+          </a:p>
+          <a:p>
+            <a:endParaRPr lang="ru-RU" sz="2400" dirty="0">
+              <a:solidFill>
+                <a:srgbClr val="262636"/>
+              </a:solidFill>
+              <a:latin typeface="+mj-lt"/>
+            </a:endParaRPr>
+          </a:p>
+        </p:txBody>
+      </p:sp>
+    </p:spTree>
+    <p:extLst>
+      <p:ext uri="{BB962C8B-B14F-4D97-AF65-F5344CB8AC3E}">
+        <p14:creationId xmlns:p14="http://schemas.microsoft.com/office/powerpoint/2010/main" val="2182829575"/>
       </p:ext>
     </p:extLst>
   </p:cSld>

--- a/rx_presentation.pptx
+++ b/rx_presentation.pptx
@@ -829,7 +829,7 @@
             </a:ln>
             <a:extLst>
               <a:ext uri="{91240B29-F687-4f45-9708-019B960494DF}">
-                <a14:hiddenLine xmlns="" xmlns:a14="http://schemas.microsoft.com/office/drawing/2010/main" w="9525">
+                <a14:hiddenLine xmlns:a14="http://schemas.microsoft.com/office/drawing/2010/main" xmlns="" w="9525">
                   <a:solidFill>
                     <a:srgbClr val="000000"/>
                   </a:solidFill>
@@ -1910,7 +1910,7 @@
             </a:ln>
             <a:extLst>
               <a:ext uri="{91240B29-F687-4f45-9708-019B960494DF}">
-                <a14:hiddenLine xmlns="" xmlns:a14="http://schemas.microsoft.com/office/drawing/2010/main" w="9525">
+                <a14:hiddenLine xmlns:a14="http://schemas.microsoft.com/office/drawing/2010/main" xmlns="" w="9525">
                   <a:solidFill>
                     <a:srgbClr val="000000"/>
                   </a:solidFill>
@@ -2996,7 +2996,7 @@
             </a:ln>
             <a:extLst>
               <a:ext uri="{91240B29-F687-4f45-9708-019B960494DF}">
-                <a14:hiddenLine xmlns="" xmlns:a14="http://schemas.microsoft.com/office/drawing/2010/main" w="9525">
+                <a14:hiddenLine xmlns:a14="http://schemas.microsoft.com/office/drawing/2010/main" xmlns="" w="9525">
                   <a:solidFill>
                     <a:srgbClr val="000000"/>
                   </a:solidFill>
@@ -3957,7 +3957,7 @@
             </a:ln>
             <a:extLst>
               <a:ext uri="{91240B29-F687-4f45-9708-019B960494DF}">
-                <a14:hiddenLine xmlns="" xmlns:a14="http://schemas.microsoft.com/office/drawing/2010/main" w="9525">
+                <a14:hiddenLine xmlns:a14="http://schemas.microsoft.com/office/drawing/2010/main" xmlns="" w="9525">
                   <a:solidFill>
                     <a:srgbClr val="000000"/>
                   </a:solidFill>
@@ -5072,7 +5072,7 @@
             </a:ln>
             <a:extLst>
               <a:ext uri="{91240B29-F687-4f45-9708-019B960494DF}">
-                <a14:hiddenLine xmlns="" xmlns:a14="http://schemas.microsoft.com/office/drawing/2010/main" w="9525">
+                <a14:hiddenLine xmlns:a14="http://schemas.microsoft.com/office/drawing/2010/main" xmlns="" w="9525">
                   <a:solidFill>
                     <a:srgbClr val="000000"/>
                   </a:solidFill>
@@ -7821,7 +7821,7 @@
           </a:ln>
           <a:extLst>
             <a:ext uri="{91240B29-F687-4f45-9708-019B960494DF}">
-              <a14:hiddenLine xmlns="" xmlns:a14="http://schemas.microsoft.com/office/drawing/2010/main" w="9525">
+              <a14:hiddenLine xmlns:a14="http://schemas.microsoft.com/office/drawing/2010/main" xmlns="" w="9525">
                 <a:solidFill>
                   <a:srgbClr val="000000"/>
                 </a:solidFill>
@@ -8996,7 +8996,7 @@
             </a:ln>
             <a:extLst>
               <a:ext uri="{91240B29-F687-4f45-9708-019B960494DF}">
-                <a14:hiddenLine xmlns="" xmlns:a14="http://schemas.microsoft.com/office/drawing/2010/main" w="9525">
+                <a14:hiddenLine xmlns:a14="http://schemas.microsoft.com/office/drawing/2010/main" xmlns="" w="9525">
                   <a:solidFill>
                     <a:srgbClr val="000000"/>
                   </a:solidFill>
@@ -10964,7 +10964,7 @@
             </a:ln>
             <a:extLst>
               <a:ext uri="{91240B29-F687-4f45-9708-019B960494DF}">
-                <a14:hiddenLine xmlns="" xmlns:a14="http://schemas.microsoft.com/office/drawing/2010/main" w="9525">
+                <a14:hiddenLine xmlns:a14="http://schemas.microsoft.com/office/drawing/2010/main" xmlns="" w="9525">
                   <a:solidFill>
                     <a:srgbClr val="000000"/>
                   </a:solidFill>
@@ -12022,7 +12022,7 @@
             </a:ln>
             <a:extLst>
               <a:ext uri="{91240B29-F687-4f45-9708-019B960494DF}">
-                <a14:hiddenLine xmlns="" xmlns:a14="http://schemas.microsoft.com/office/drawing/2010/main" w="9525">
+                <a14:hiddenLine xmlns:a14="http://schemas.microsoft.com/office/drawing/2010/main" xmlns="" w="9525">
                   <a:solidFill>
                     <a:srgbClr val="000000"/>
                   </a:solidFill>
@@ -13072,7 +13072,7 @@
             </a:ln>
             <a:extLst>
               <a:ext uri="{91240B29-F687-4f45-9708-019B960494DF}">
-                <a14:hiddenLine xmlns="" xmlns:a14="http://schemas.microsoft.com/office/drawing/2010/main" w="9525">
+                <a14:hiddenLine xmlns:a14="http://schemas.microsoft.com/office/drawing/2010/main" xmlns="" w="9525">
                   <a:solidFill>
                     <a:srgbClr val="000000"/>
                   </a:solidFill>
@@ -30763,7 +30763,7 @@
                   <a:srgbClr val="262636"/>
                 </a:solidFill>
               </a:rPr>
-              <a:t>Ну, это как будто паттерн наблюдатель…</a:t>
+              <a:t>Ну, это как будто паттерн «наблюдатель»…</a:t>
             </a:r>
           </a:p>
           <a:p>
@@ -31012,7 +31012,7 @@
                   <a:srgbClr val="262636"/>
                 </a:solidFill>
               </a:rPr>
-              <a:t>Ну, это как будто паттерн наблюдатель…</a:t>
+              <a:t>Ну, это как будто паттерн «наблюдатель»…</a:t>
             </a:r>
           </a:p>
           <a:p>
@@ -31271,7 +31271,7 @@
                   <a:srgbClr val="262636"/>
                 </a:solidFill>
               </a:rPr>
-              <a:t>Ну, это как будто паттерн наблюдатель…</a:t>
+              <a:t>Ну, это как будто паттерн «наблюдатель»…</a:t>
             </a:r>
           </a:p>
           <a:p>
@@ -31613,7 +31613,7 @@
                   <a:srgbClr val="262636"/>
                 </a:solidFill>
               </a:rPr>
-              <a:t>Ну, это как будто паттерн наблюдатель…</a:t>
+              <a:t>Ну, это как будто паттерн «наблюдатель»…</a:t>
             </a:r>
           </a:p>
           <a:p>
@@ -32045,7 +32045,7 @@
                   <a:srgbClr val="262636"/>
                 </a:solidFill>
               </a:rPr>
-              <a:t>Ну, это как будто паттерн наблюдатель…</a:t>
+              <a:t>Ну, это как будто паттерн «наблюдатель»…</a:t>
             </a:r>
           </a:p>
           <a:p>
@@ -32518,7 +32518,7 @@
                   <a:srgbClr val="262636"/>
                 </a:solidFill>
               </a:rPr>
-              <a:t>Ну, это как будто паттерн наблюдатель…</a:t>
+              <a:t>Ну, это как будто паттерн «наблюдатель»…</a:t>
             </a:r>
           </a:p>
           <a:p>

--- a/rx_presentation.pptx
+++ b/rx_presentation.pptx
@@ -5,7 +5,7 @@
     <p:sldMasterId id="2147483672" r:id="rId1"/>
   </p:sldMasterIdLst>
   <p:handoutMasterIdLst>
-    <p:handoutMasterId r:id="rId102"/>
+    <p:handoutMasterId r:id="rId105"/>
   </p:handoutMasterIdLst>
   <p:sldIdLst>
     <p:sldId id="256" r:id="rId2"/>
@@ -81,33 +81,36 @@
     <p:sldId id="352" r:id="rId72"/>
     <p:sldId id="278" r:id="rId73"/>
     <p:sldId id="354" r:id="rId74"/>
-    <p:sldId id="353" r:id="rId75"/>
-    <p:sldId id="374" r:id="rId76"/>
-    <p:sldId id="368" r:id="rId77"/>
-    <p:sldId id="279" r:id="rId78"/>
-    <p:sldId id="357" r:id="rId79"/>
-    <p:sldId id="356" r:id="rId80"/>
-    <p:sldId id="355" r:id="rId81"/>
-    <p:sldId id="280" r:id="rId82"/>
-    <p:sldId id="360" r:id="rId83"/>
-    <p:sldId id="359" r:id="rId84"/>
-    <p:sldId id="358" r:id="rId85"/>
-    <p:sldId id="281" r:id="rId86"/>
-    <p:sldId id="376" r:id="rId87"/>
-    <p:sldId id="288" r:id="rId88"/>
-    <p:sldId id="283" r:id="rId89"/>
-    <p:sldId id="284" r:id="rId90"/>
-    <p:sldId id="364" r:id="rId91"/>
-    <p:sldId id="363" r:id="rId92"/>
-    <p:sldId id="362" r:id="rId93"/>
-    <p:sldId id="361" r:id="rId94"/>
-    <p:sldId id="285" r:id="rId95"/>
-    <p:sldId id="367" r:id="rId96"/>
-    <p:sldId id="366" r:id="rId97"/>
-    <p:sldId id="365" r:id="rId98"/>
-    <p:sldId id="369" r:id="rId99"/>
-    <p:sldId id="377" r:id="rId100"/>
-    <p:sldId id="378" r:id="rId101"/>
+    <p:sldId id="374" r:id="rId75"/>
+    <p:sldId id="368" r:id="rId76"/>
+    <p:sldId id="279" r:id="rId77"/>
+    <p:sldId id="357" r:id="rId78"/>
+    <p:sldId id="356" r:id="rId79"/>
+    <p:sldId id="355" r:id="rId80"/>
+    <p:sldId id="280" r:id="rId81"/>
+    <p:sldId id="360" r:id="rId82"/>
+    <p:sldId id="359" r:id="rId83"/>
+    <p:sldId id="358" r:id="rId84"/>
+    <p:sldId id="281" r:id="rId85"/>
+    <p:sldId id="376" r:id="rId86"/>
+    <p:sldId id="288" r:id="rId87"/>
+    <p:sldId id="283" r:id="rId88"/>
+    <p:sldId id="284" r:id="rId89"/>
+    <p:sldId id="364" r:id="rId90"/>
+    <p:sldId id="363" r:id="rId91"/>
+    <p:sldId id="362" r:id="rId92"/>
+    <p:sldId id="361" r:id="rId93"/>
+    <p:sldId id="285" r:id="rId94"/>
+    <p:sldId id="367" r:id="rId95"/>
+    <p:sldId id="366" r:id="rId96"/>
+    <p:sldId id="365" r:id="rId97"/>
+    <p:sldId id="379" r:id="rId98"/>
+    <p:sldId id="382" r:id="rId99"/>
+    <p:sldId id="381" r:id="rId100"/>
+    <p:sldId id="380" r:id="rId101"/>
+    <p:sldId id="377" r:id="rId102"/>
+    <p:sldId id="378" r:id="rId103"/>
+    <p:sldId id="383" r:id="rId104"/>
   </p:sldIdLst>
   <p:sldSz cx="9144000" cy="6858000" type="screen4x3"/>
   <p:notesSz cx="6858000" cy="9144000"/>
@@ -829,7 +832,7 @@
             </a:ln>
             <a:extLst>
               <a:ext uri="{91240B29-F687-4f45-9708-019B960494DF}">
-                <a14:hiddenLine xmlns:a14="http://schemas.microsoft.com/office/drawing/2010/main" xmlns="" w="9525">
+                <a14:hiddenLine xmlns="" xmlns:a14="http://schemas.microsoft.com/office/drawing/2010/main" w="9525">
                   <a:solidFill>
                     <a:srgbClr val="000000"/>
                   </a:solidFill>
@@ -1910,7 +1913,7 @@
             </a:ln>
             <a:extLst>
               <a:ext uri="{91240B29-F687-4f45-9708-019B960494DF}">
-                <a14:hiddenLine xmlns:a14="http://schemas.microsoft.com/office/drawing/2010/main" xmlns="" w="9525">
+                <a14:hiddenLine xmlns="" xmlns:a14="http://schemas.microsoft.com/office/drawing/2010/main" w="9525">
                   <a:solidFill>
                     <a:srgbClr val="000000"/>
                   </a:solidFill>
@@ -2996,7 +2999,7 @@
             </a:ln>
             <a:extLst>
               <a:ext uri="{91240B29-F687-4f45-9708-019B960494DF}">
-                <a14:hiddenLine xmlns:a14="http://schemas.microsoft.com/office/drawing/2010/main" xmlns="" w="9525">
+                <a14:hiddenLine xmlns="" xmlns:a14="http://schemas.microsoft.com/office/drawing/2010/main" w="9525">
                   <a:solidFill>
                     <a:srgbClr val="000000"/>
                   </a:solidFill>
@@ -3957,7 +3960,7 @@
             </a:ln>
             <a:extLst>
               <a:ext uri="{91240B29-F687-4f45-9708-019B960494DF}">
-                <a14:hiddenLine xmlns:a14="http://schemas.microsoft.com/office/drawing/2010/main" xmlns="" w="9525">
+                <a14:hiddenLine xmlns="" xmlns:a14="http://schemas.microsoft.com/office/drawing/2010/main" w="9525">
                   <a:solidFill>
                     <a:srgbClr val="000000"/>
                   </a:solidFill>
@@ -5072,7 +5075,7 @@
             </a:ln>
             <a:extLst>
               <a:ext uri="{91240B29-F687-4f45-9708-019B960494DF}">
-                <a14:hiddenLine xmlns:a14="http://schemas.microsoft.com/office/drawing/2010/main" xmlns="" w="9525">
+                <a14:hiddenLine xmlns="" xmlns:a14="http://schemas.microsoft.com/office/drawing/2010/main" w="9525">
                   <a:solidFill>
                     <a:srgbClr val="000000"/>
                   </a:solidFill>
@@ -7821,7 +7824,7 @@
           </a:ln>
           <a:extLst>
             <a:ext uri="{91240B29-F687-4f45-9708-019B960494DF}">
-              <a14:hiddenLine xmlns:a14="http://schemas.microsoft.com/office/drawing/2010/main" xmlns="" w="9525">
+              <a14:hiddenLine xmlns="" xmlns:a14="http://schemas.microsoft.com/office/drawing/2010/main" w="9525">
                 <a:solidFill>
                   <a:srgbClr val="000000"/>
                 </a:solidFill>
@@ -8996,7 +8999,7 @@
             </a:ln>
             <a:extLst>
               <a:ext uri="{91240B29-F687-4f45-9708-019B960494DF}">
-                <a14:hiddenLine xmlns:a14="http://schemas.microsoft.com/office/drawing/2010/main" xmlns="" w="9525">
+                <a14:hiddenLine xmlns="" xmlns:a14="http://schemas.microsoft.com/office/drawing/2010/main" w="9525">
                   <a:solidFill>
                     <a:srgbClr val="000000"/>
                   </a:solidFill>
@@ -10964,7 +10967,7 @@
             </a:ln>
             <a:extLst>
               <a:ext uri="{91240B29-F687-4f45-9708-019B960494DF}">
-                <a14:hiddenLine xmlns:a14="http://schemas.microsoft.com/office/drawing/2010/main" xmlns="" w="9525">
+                <a14:hiddenLine xmlns="" xmlns:a14="http://schemas.microsoft.com/office/drawing/2010/main" w="9525">
                   <a:solidFill>
                     <a:srgbClr val="000000"/>
                   </a:solidFill>
@@ -12022,7 +12025,7 @@
             </a:ln>
             <a:extLst>
               <a:ext uri="{91240B29-F687-4f45-9708-019B960494DF}">
-                <a14:hiddenLine xmlns:a14="http://schemas.microsoft.com/office/drawing/2010/main" xmlns="" w="9525">
+                <a14:hiddenLine xmlns="" xmlns:a14="http://schemas.microsoft.com/office/drawing/2010/main" w="9525">
                   <a:solidFill>
                     <a:srgbClr val="000000"/>
                   </a:solidFill>
@@ -13072,7 +13075,7 @@
             </a:ln>
             <a:extLst>
               <a:ext uri="{91240B29-F687-4f45-9708-019B960494DF}">
-                <a14:hiddenLine xmlns:a14="http://schemas.microsoft.com/office/drawing/2010/main" xmlns="" w="9525">
+                <a14:hiddenLine xmlns="" xmlns:a14="http://schemas.microsoft.com/office/drawing/2010/main" w="9525">
                   <a:solidFill>
                     <a:srgbClr val="000000"/>
                   </a:solidFill>
@@ -13954,6 +13957,51 @@
           </a:p>
         </p:txBody>
       </p:sp>
+      <p:cxnSp>
+        <p:nvCxnSpPr>
+          <p:cNvPr id="5" name="Прямая соединительная линия 4">
+            <a:extLst>
+              <a:ext uri="{FF2B5EF4-FFF2-40B4-BE49-F238E27FC236}">
+                <a16:creationId xmlns:a16="http://schemas.microsoft.com/office/drawing/2014/main" id="{5731E2D8-B3F7-4ADE-A947-08B0068F28B8}"/>
+              </a:ext>
+            </a:extLst>
+          </p:cNvPr>
+          <p:cNvCxnSpPr>
+            <a:cxnSpLocks/>
+          </p:cNvCxnSpPr>
+          <p:nvPr/>
+        </p:nvCxnSpPr>
+        <p:spPr>
+          <a:xfrm>
+            <a:off x="-8019" y="866775"/>
+            <a:ext cx="4572000" cy="0"/>
+          </a:xfrm>
+          <a:prstGeom prst="line">
+            <a:avLst/>
+          </a:prstGeom>
+          <a:ln w="12700">
+            <a:solidFill>
+              <a:srgbClr val="C0C0C0"/>
+            </a:solidFill>
+            <a:headEnd type="none"/>
+            <a:tailEnd type="none"/>
+          </a:ln>
+        </p:spPr>
+        <p:style>
+          <a:lnRef idx="1">
+            <a:schemeClr val="accent1"/>
+          </a:lnRef>
+          <a:fillRef idx="0">
+            <a:schemeClr val="accent1"/>
+          </a:fillRef>
+          <a:effectRef idx="0">
+            <a:schemeClr val="accent1"/>
+          </a:effectRef>
+          <a:fontRef idx="minor">
+            <a:schemeClr val="tx1"/>
+          </a:fontRef>
+        </p:style>
+      </p:cxnSp>
     </p:spTree>
     <p:extLst>
       <p:ext uri="{BB962C8B-B14F-4D97-AF65-F5344CB8AC3E}">
@@ -14230,7 +14278,7 @@
                   <a:srgbClr val="262636"/>
                 </a:solidFill>
               </a:rPr>
-              <a:t>	3. Находится вне </a:t>
+              <a:t>	3. Слабо пригоден для </a:t>
             </a:r>
             <a:r>
               <a:rPr lang="en-US" sz="2400" dirty="0">
@@ -14429,7 +14477,7 @@
         <p:spPr>
           <a:xfrm>
             <a:off x="1190625" y="1469836"/>
-            <a:ext cx="7686675" cy="2800767"/>
+            <a:ext cx="7686675" cy="4154984"/>
           </a:xfrm>
           <a:prstGeom prst="rect">
             <a:avLst/>
@@ -14449,7 +14497,40 @@
                 </a:solidFill>
                 <a:latin typeface="+mj-lt"/>
               </a:rPr>
-              <a:t>Если изложенные изыскания несколько расширят понимание арсенала доступных средств, а также направлений развития – это уже победа.</a:t>
+              <a:t>Понятно, что это лишь концепт преодоления объективных проблем текущих реализаций, однако он закладывает:</a:t>
+            </a:r>
+          </a:p>
+          <a:p>
+            <a:r>
+              <a:rPr lang="ru-RU" sz="2400" dirty="0">
+                <a:solidFill>
+                  <a:srgbClr val="262636"/>
+                </a:solidFill>
+                <a:latin typeface="+mj-lt"/>
+              </a:rPr>
+              <a:t>- правильное разделение сущностей</a:t>
+            </a:r>
+          </a:p>
+          <a:p>
+            <a:r>
+              <a:rPr lang="ru-RU" sz="2400" dirty="0">
+                <a:solidFill>
+                  <a:srgbClr val="262636"/>
+                </a:solidFill>
+                <a:latin typeface="+mj-lt"/>
+              </a:rPr>
+              <a:t>- отсрочку принятия решений по выбору библиотек (и снижение затрат на замену) вследствие ослабления взаимосвязей между компонентами</a:t>
+            </a:r>
+          </a:p>
+          <a:p>
+            <a:r>
+              <a:rPr lang="ru-RU" sz="2400" dirty="0">
+                <a:solidFill>
+                  <a:srgbClr val="262636"/>
+                </a:solidFill>
+                <a:latin typeface="+mj-lt"/>
+              </a:rPr>
+              <a:t>- вообще, это любопытная концепция создания гибких интерфейсов с асинхронным обменом</a:t>
             </a:r>
           </a:p>
           <a:p>
@@ -14460,6 +14541,199 @@
               <a:latin typeface="+mj-lt"/>
             </a:endParaRPr>
           </a:p>
+        </p:txBody>
+      </p:sp>
+    </p:spTree>
+    <p:extLst>
+      <p:ext uri="{BB962C8B-B14F-4D97-AF65-F5344CB8AC3E}">
+        <p14:creationId xmlns:p14="http://schemas.microsoft.com/office/powerpoint/2010/main" val="48387865"/>
+      </p:ext>
+    </p:extLst>
+  </p:cSld>
+  <p:clrMapOvr>
+    <a:masterClrMapping/>
+  </p:clrMapOvr>
+</p:sld>
+</file>
+
+<file path=ppt/slides/slide101.xml><?xml version="1.0" encoding="utf-8"?>
+<p:sld xmlns:a="http://schemas.openxmlformats.org/drawingml/2006/main" xmlns:r="http://schemas.openxmlformats.org/officeDocument/2006/relationships" xmlns:p="http://schemas.openxmlformats.org/presentationml/2006/main">
+  <p:cSld>
+    <p:spTree>
+      <p:nvGrpSpPr>
+        <p:cNvPr id="1" name=""/>
+        <p:cNvGrpSpPr/>
+        <p:nvPr/>
+      </p:nvGrpSpPr>
+      <p:grpSpPr>
+        <a:xfrm>
+          <a:off x="0" y="0"/>
+          <a:ext cx="0" cy="0"/>
+          <a:chOff x="0" y="0"/>
+          <a:chExt cx="0" cy="0"/>
+        </a:xfrm>
+      </p:grpSpPr>
+      <p:sp>
+        <p:nvSpPr>
+          <p:cNvPr id="2" name="Заголовок 1"/>
+          <p:cNvSpPr>
+            <a:spLocks noGrp="1"/>
+          </p:cNvSpPr>
+          <p:nvPr>
+            <p:ph type="title"/>
+          </p:nvPr>
+        </p:nvSpPr>
+        <p:spPr>
+          <a:xfrm>
+            <a:off x="0" y="1"/>
+            <a:ext cx="9144000" cy="1483894"/>
+          </a:xfrm>
+          <a:noFill/>
+        </p:spPr>
+        <p:txBody>
+          <a:bodyPr>
+            <a:normAutofit/>
+          </a:bodyPr>
+          <a:lstStyle/>
+          <a:p>
+            <a:pPr marL="900000">
+              <a:spcBef>
+                <a:spcPts val="0"/>
+              </a:spcBef>
+            </a:pPr>
+            <a:r>
+              <a:rPr lang="ru-RU" sz="3600" b="1" dirty="0">
+                <a:solidFill>
+                  <a:schemeClr val="tx2">
+                    <a:lumMod val="75000"/>
+                  </a:schemeClr>
+                </a:solidFill>
+              </a:rPr>
+              <a:t>Результаты</a:t>
+            </a:r>
+          </a:p>
+        </p:txBody>
+      </p:sp>
+      <p:sp>
+        <p:nvSpPr>
+          <p:cNvPr id="3" name="TextBox 2">
+            <a:extLst>
+              <a:ext uri="{FF2B5EF4-FFF2-40B4-BE49-F238E27FC236}">
+                <a16:creationId xmlns:a16="http://schemas.microsoft.com/office/drawing/2014/main" id="{CA148668-9F41-47BE-9845-424E3F823027}"/>
+              </a:ext>
+            </a:extLst>
+          </p:cNvPr>
+          <p:cNvSpPr txBox="1"/>
+          <p:nvPr/>
+        </p:nvSpPr>
+        <p:spPr>
+          <a:xfrm>
+            <a:off x="7466336" y="6642555"/>
+            <a:ext cx="1410964" cy="215444"/>
+          </a:xfrm>
+          <a:prstGeom prst="rect">
+            <a:avLst/>
+          </a:prstGeom>
+          <a:noFill/>
+        </p:spPr>
+        <p:txBody>
+          <a:bodyPr wrap="none" rtlCol="0">
+            <a:spAutoFit/>
+          </a:bodyPr>
+          <a:lstStyle/>
+          <a:p>
+            <a:r>
+              <a:rPr lang="en-US" sz="800" dirty="0"/>
+              <a:t>© 2021 </a:t>
+            </a:r>
+            <a:r>
+              <a:rPr lang="ru-RU" sz="800" dirty="0"/>
+              <a:t>Сергей Котельников</a:t>
+            </a:r>
+          </a:p>
+        </p:txBody>
+      </p:sp>
+      <p:cxnSp>
+        <p:nvCxnSpPr>
+          <p:cNvPr id="57" name="Прямая соединительная линия 56">
+            <a:extLst>
+              <a:ext uri="{FF2B5EF4-FFF2-40B4-BE49-F238E27FC236}">
+                <a16:creationId xmlns:a16="http://schemas.microsoft.com/office/drawing/2014/main" id="{7CC92653-02A9-4037-8660-47E54663577F}"/>
+              </a:ext>
+            </a:extLst>
+          </p:cNvPr>
+          <p:cNvCxnSpPr>
+            <a:cxnSpLocks/>
+          </p:cNvCxnSpPr>
+          <p:nvPr/>
+        </p:nvCxnSpPr>
+        <p:spPr>
+          <a:xfrm>
+            <a:off x="4572000" y="866775"/>
+            <a:ext cx="4572000" cy="0"/>
+          </a:xfrm>
+          <a:prstGeom prst="line">
+            <a:avLst/>
+          </a:prstGeom>
+          <a:ln>
+            <a:solidFill>
+              <a:srgbClr val="9E9E9E"/>
+            </a:solidFill>
+          </a:ln>
+        </p:spPr>
+        <p:style>
+          <a:lnRef idx="1">
+            <a:schemeClr val="accent1"/>
+          </a:lnRef>
+          <a:fillRef idx="0">
+            <a:schemeClr val="accent1"/>
+          </a:fillRef>
+          <a:effectRef idx="0">
+            <a:schemeClr val="accent1"/>
+          </a:effectRef>
+          <a:fontRef idx="minor">
+            <a:schemeClr val="tx1"/>
+          </a:fontRef>
+        </p:style>
+      </p:cxnSp>
+      <p:sp>
+        <p:nvSpPr>
+          <p:cNvPr id="59" name="TextBox 58">
+            <a:extLst>
+              <a:ext uri="{FF2B5EF4-FFF2-40B4-BE49-F238E27FC236}">
+                <a16:creationId xmlns:a16="http://schemas.microsoft.com/office/drawing/2014/main" id="{4180BE1A-32FB-45E2-97E1-870B9167D9AA}"/>
+              </a:ext>
+            </a:extLst>
+          </p:cNvPr>
+          <p:cNvSpPr txBox="1"/>
+          <p:nvPr/>
+        </p:nvSpPr>
+        <p:spPr>
+          <a:xfrm>
+            <a:off x="1190625" y="1469836"/>
+            <a:ext cx="7686675" cy="1938992"/>
+          </a:xfrm>
+          <a:prstGeom prst="rect">
+            <a:avLst/>
+          </a:prstGeom>
+          <a:noFill/>
+        </p:spPr>
+        <p:txBody>
+          <a:bodyPr wrap="square" rtlCol="0">
+            <a:spAutoFit/>
+          </a:bodyPr>
+          <a:lstStyle/>
+          <a:p>
+            <a:r>
+              <a:rPr lang="ru-RU" sz="2400" dirty="0">
+                <a:solidFill>
+                  <a:srgbClr val="262636"/>
+                </a:solidFill>
+                <a:latin typeface="+mj-lt"/>
+              </a:rPr>
+              <a:t>Поводя итог: если изложенные изыскания несколько расширят понимание арсенала доступных средств и направлений развития – это уже победа.</a:t>
+            </a:r>
+          </a:p>
           <a:p>
             <a:endParaRPr lang="ru-RU" sz="2400" dirty="0">
               <a:solidFill>
@@ -14468,6 +14742,214 @@
               <a:latin typeface="+mj-lt"/>
             </a:endParaRPr>
           </a:p>
+        </p:txBody>
+      </p:sp>
+    </p:spTree>
+    <p:extLst>
+      <p:ext uri="{BB962C8B-B14F-4D97-AF65-F5344CB8AC3E}">
+        <p14:creationId xmlns:p14="http://schemas.microsoft.com/office/powerpoint/2010/main" val="2182829575"/>
+      </p:ext>
+    </p:extLst>
+  </p:cSld>
+  <p:clrMapOvr>
+    <a:masterClrMapping/>
+  </p:clrMapOvr>
+</p:sld>
+</file>
+
+<file path=ppt/slides/slide102.xml><?xml version="1.0" encoding="utf-8"?>
+<p:sld xmlns:a="http://schemas.openxmlformats.org/drawingml/2006/main" xmlns:r="http://schemas.openxmlformats.org/officeDocument/2006/relationships" xmlns:p="http://schemas.openxmlformats.org/presentationml/2006/main">
+  <p:cSld>
+    <p:spTree>
+      <p:nvGrpSpPr>
+        <p:cNvPr id="1" name=""/>
+        <p:cNvGrpSpPr/>
+        <p:nvPr/>
+      </p:nvGrpSpPr>
+      <p:grpSpPr>
+        <a:xfrm>
+          <a:off x="0" y="0"/>
+          <a:ext cx="0" cy="0"/>
+          <a:chOff x="0" y="0"/>
+          <a:chExt cx="0" cy="0"/>
+        </a:xfrm>
+      </p:grpSpPr>
+      <p:sp>
+        <p:nvSpPr>
+          <p:cNvPr id="2" name="Заголовок 1"/>
+          <p:cNvSpPr>
+            <a:spLocks noGrp="1"/>
+          </p:cNvSpPr>
+          <p:nvPr>
+            <p:ph type="title"/>
+          </p:nvPr>
+        </p:nvSpPr>
+        <p:spPr>
+          <a:xfrm>
+            <a:off x="0" y="1"/>
+            <a:ext cx="9144000" cy="1483894"/>
+          </a:xfrm>
+          <a:noFill/>
+        </p:spPr>
+        <p:txBody>
+          <a:bodyPr>
+            <a:normAutofit/>
+          </a:bodyPr>
+          <a:lstStyle/>
+          <a:p>
+            <a:pPr marL="900000">
+              <a:spcBef>
+                <a:spcPts val="0"/>
+              </a:spcBef>
+            </a:pPr>
+            <a:r>
+              <a:rPr lang="ru-RU" sz="3600" b="1" dirty="0">
+                <a:solidFill>
+                  <a:schemeClr val="tx2">
+                    <a:lumMod val="75000"/>
+                  </a:schemeClr>
+                </a:solidFill>
+              </a:rPr>
+              <a:t>Результаты</a:t>
+            </a:r>
+          </a:p>
+        </p:txBody>
+      </p:sp>
+      <p:sp>
+        <p:nvSpPr>
+          <p:cNvPr id="3" name="TextBox 2">
+            <a:extLst>
+              <a:ext uri="{FF2B5EF4-FFF2-40B4-BE49-F238E27FC236}">
+                <a16:creationId xmlns:a16="http://schemas.microsoft.com/office/drawing/2014/main" id="{CA148668-9F41-47BE-9845-424E3F823027}"/>
+              </a:ext>
+            </a:extLst>
+          </p:cNvPr>
+          <p:cNvSpPr txBox="1"/>
+          <p:nvPr/>
+        </p:nvSpPr>
+        <p:spPr>
+          <a:xfrm>
+            <a:off x="7466336" y="6642555"/>
+            <a:ext cx="1410964" cy="215444"/>
+          </a:xfrm>
+          <a:prstGeom prst="rect">
+            <a:avLst/>
+          </a:prstGeom>
+          <a:noFill/>
+        </p:spPr>
+        <p:txBody>
+          <a:bodyPr wrap="none" rtlCol="0">
+            <a:spAutoFit/>
+          </a:bodyPr>
+          <a:lstStyle/>
+          <a:p>
+            <a:r>
+              <a:rPr lang="en-US" sz="800" dirty="0"/>
+              <a:t>© 2021 </a:t>
+            </a:r>
+            <a:r>
+              <a:rPr lang="ru-RU" sz="800" dirty="0"/>
+              <a:t>Сергей Котельников</a:t>
+            </a:r>
+          </a:p>
+        </p:txBody>
+      </p:sp>
+      <p:cxnSp>
+        <p:nvCxnSpPr>
+          <p:cNvPr id="57" name="Прямая соединительная линия 56">
+            <a:extLst>
+              <a:ext uri="{FF2B5EF4-FFF2-40B4-BE49-F238E27FC236}">
+                <a16:creationId xmlns:a16="http://schemas.microsoft.com/office/drawing/2014/main" id="{7CC92653-02A9-4037-8660-47E54663577F}"/>
+              </a:ext>
+            </a:extLst>
+          </p:cNvPr>
+          <p:cNvCxnSpPr>
+            <a:cxnSpLocks/>
+          </p:cNvCxnSpPr>
+          <p:nvPr/>
+        </p:nvCxnSpPr>
+        <p:spPr>
+          <a:xfrm>
+            <a:off x="4572000" y="866775"/>
+            <a:ext cx="4572000" cy="0"/>
+          </a:xfrm>
+          <a:prstGeom prst="line">
+            <a:avLst/>
+          </a:prstGeom>
+          <a:ln>
+            <a:solidFill>
+              <a:srgbClr val="9E9E9E"/>
+            </a:solidFill>
+          </a:ln>
+        </p:spPr>
+        <p:style>
+          <a:lnRef idx="1">
+            <a:schemeClr val="accent1"/>
+          </a:lnRef>
+          <a:fillRef idx="0">
+            <a:schemeClr val="accent1"/>
+          </a:fillRef>
+          <a:effectRef idx="0">
+            <a:schemeClr val="accent1"/>
+          </a:effectRef>
+          <a:fontRef idx="minor">
+            <a:schemeClr val="tx1"/>
+          </a:fontRef>
+        </p:style>
+      </p:cxnSp>
+      <p:sp>
+        <p:nvSpPr>
+          <p:cNvPr id="59" name="TextBox 58">
+            <a:extLst>
+              <a:ext uri="{FF2B5EF4-FFF2-40B4-BE49-F238E27FC236}">
+                <a16:creationId xmlns:a16="http://schemas.microsoft.com/office/drawing/2014/main" id="{4180BE1A-32FB-45E2-97E1-870B9167D9AA}"/>
+              </a:ext>
+            </a:extLst>
+          </p:cNvPr>
+          <p:cNvSpPr txBox="1"/>
+          <p:nvPr/>
+        </p:nvSpPr>
+        <p:spPr>
+          <a:xfrm>
+            <a:off x="1190625" y="1469836"/>
+            <a:ext cx="7686675" cy="2800767"/>
+          </a:xfrm>
+          <a:prstGeom prst="rect">
+            <a:avLst/>
+          </a:prstGeom>
+          <a:noFill/>
+        </p:spPr>
+        <p:txBody>
+          <a:bodyPr wrap="square" rtlCol="0">
+            <a:spAutoFit/>
+          </a:bodyPr>
+          <a:lstStyle/>
+          <a:p>
+            <a:r>
+              <a:rPr lang="ru-RU" sz="2400" dirty="0">
+                <a:solidFill>
+                  <a:srgbClr val="262636"/>
+                </a:solidFill>
+              </a:rPr>
+              <a:t>Поводя итог: если изложенные изыскания несколько расширят понимание арсенала доступных средств и направлений развития – это уже победа.</a:t>
+            </a:r>
+          </a:p>
+          <a:p>
+            <a:endParaRPr lang="ru-RU" sz="2400" dirty="0">
+              <a:solidFill>
+                <a:srgbClr val="262636"/>
+              </a:solidFill>
+              <a:latin typeface="+mj-lt"/>
+            </a:endParaRPr>
+          </a:p>
+          <a:p>
+            <a:endParaRPr lang="ru-RU" sz="2400" dirty="0">
+              <a:solidFill>
+                <a:srgbClr val="262636"/>
+              </a:solidFill>
+              <a:latin typeface="+mj-lt"/>
+            </a:endParaRPr>
+          </a:p>
           <a:p>
             <a:pPr algn="ctr"/>
             <a:r>
@@ -14488,6 +14970,221 @@
     <p:extLst>
       <p:ext uri="{BB962C8B-B14F-4D97-AF65-F5344CB8AC3E}">
         <p14:creationId xmlns:p14="http://schemas.microsoft.com/office/powerpoint/2010/main" val="951450460"/>
+      </p:ext>
+    </p:extLst>
+  </p:cSld>
+  <p:clrMapOvr>
+    <a:masterClrMapping/>
+  </p:clrMapOvr>
+</p:sld>
+</file>
+
+<file path=ppt/slides/slide103.xml><?xml version="1.0" encoding="utf-8"?>
+<p:sld xmlns:a="http://schemas.openxmlformats.org/drawingml/2006/main" xmlns:r="http://schemas.openxmlformats.org/officeDocument/2006/relationships" xmlns:p="http://schemas.openxmlformats.org/presentationml/2006/main">
+  <p:cSld>
+    <p:spTree>
+      <p:nvGrpSpPr>
+        <p:cNvPr id="1" name=""/>
+        <p:cNvGrpSpPr/>
+        <p:nvPr/>
+      </p:nvGrpSpPr>
+      <p:grpSpPr>
+        <a:xfrm>
+          <a:off x="0" y="0"/>
+          <a:ext cx="0" cy="0"/>
+          <a:chOff x="0" y="0"/>
+          <a:chExt cx="0" cy="0"/>
+        </a:xfrm>
+      </p:grpSpPr>
+      <p:sp>
+        <p:nvSpPr>
+          <p:cNvPr id="2" name="Заголовок 1"/>
+          <p:cNvSpPr>
+            <a:spLocks noGrp="1"/>
+          </p:cNvSpPr>
+          <p:nvPr>
+            <p:ph type="title"/>
+          </p:nvPr>
+        </p:nvSpPr>
+        <p:spPr>
+          <a:xfrm>
+            <a:off x="0" y="1"/>
+            <a:ext cx="9144000" cy="1483894"/>
+          </a:xfrm>
+          <a:noFill/>
+        </p:spPr>
+        <p:txBody>
+          <a:bodyPr>
+            <a:normAutofit/>
+          </a:bodyPr>
+          <a:lstStyle/>
+          <a:p>
+            <a:pPr marL="900000">
+              <a:spcBef>
+                <a:spcPts val="0"/>
+              </a:spcBef>
+            </a:pPr>
+            <a:r>
+              <a:rPr lang="ru-RU" sz="3600" b="1" dirty="0">
+                <a:solidFill>
+                  <a:schemeClr val="tx2">
+                    <a:lumMod val="75000"/>
+                  </a:schemeClr>
+                </a:solidFill>
+              </a:rPr>
+              <a:t>Результаты</a:t>
+            </a:r>
+          </a:p>
+        </p:txBody>
+      </p:sp>
+      <p:sp>
+        <p:nvSpPr>
+          <p:cNvPr id="3" name="TextBox 2">
+            <a:extLst>
+              <a:ext uri="{FF2B5EF4-FFF2-40B4-BE49-F238E27FC236}">
+                <a16:creationId xmlns:a16="http://schemas.microsoft.com/office/drawing/2014/main" id="{CA148668-9F41-47BE-9845-424E3F823027}"/>
+              </a:ext>
+            </a:extLst>
+          </p:cNvPr>
+          <p:cNvSpPr txBox="1"/>
+          <p:nvPr/>
+        </p:nvSpPr>
+        <p:spPr>
+          <a:xfrm>
+            <a:off x="7466336" y="6642555"/>
+            <a:ext cx="1410964" cy="215444"/>
+          </a:xfrm>
+          <a:prstGeom prst="rect">
+            <a:avLst/>
+          </a:prstGeom>
+          <a:noFill/>
+        </p:spPr>
+        <p:txBody>
+          <a:bodyPr wrap="none" rtlCol="0">
+            <a:spAutoFit/>
+          </a:bodyPr>
+          <a:lstStyle/>
+          <a:p>
+            <a:r>
+              <a:rPr lang="en-US" sz="800" dirty="0"/>
+              <a:t>© 2021 </a:t>
+            </a:r>
+            <a:r>
+              <a:rPr lang="ru-RU" sz="800" dirty="0"/>
+              <a:t>Сергей Котельников</a:t>
+            </a:r>
+          </a:p>
+        </p:txBody>
+      </p:sp>
+      <p:cxnSp>
+        <p:nvCxnSpPr>
+          <p:cNvPr id="57" name="Прямая соединительная линия 56">
+            <a:extLst>
+              <a:ext uri="{FF2B5EF4-FFF2-40B4-BE49-F238E27FC236}">
+                <a16:creationId xmlns:a16="http://schemas.microsoft.com/office/drawing/2014/main" id="{7CC92653-02A9-4037-8660-47E54663577F}"/>
+              </a:ext>
+            </a:extLst>
+          </p:cNvPr>
+          <p:cNvCxnSpPr>
+            <a:cxnSpLocks/>
+          </p:cNvCxnSpPr>
+          <p:nvPr/>
+        </p:nvCxnSpPr>
+        <p:spPr>
+          <a:xfrm>
+            <a:off x="4572000" y="866775"/>
+            <a:ext cx="4572000" cy="0"/>
+          </a:xfrm>
+          <a:prstGeom prst="line">
+            <a:avLst/>
+          </a:prstGeom>
+          <a:ln>
+            <a:solidFill>
+              <a:srgbClr val="9E9E9E"/>
+            </a:solidFill>
+          </a:ln>
+        </p:spPr>
+        <p:style>
+          <a:lnRef idx="1">
+            <a:schemeClr val="accent1"/>
+          </a:lnRef>
+          <a:fillRef idx="0">
+            <a:schemeClr val="accent1"/>
+          </a:fillRef>
+          <a:effectRef idx="0">
+            <a:schemeClr val="accent1"/>
+          </a:effectRef>
+          <a:fontRef idx="minor">
+            <a:schemeClr val="tx1"/>
+          </a:fontRef>
+        </p:style>
+      </p:cxnSp>
+      <p:sp>
+        <p:nvSpPr>
+          <p:cNvPr id="59" name="TextBox 58">
+            <a:extLst>
+              <a:ext uri="{FF2B5EF4-FFF2-40B4-BE49-F238E27FC236}">
+                <a16:creationId xmlns:a16="http://schemas.microsoft.com/office/drawing/2014/main" id="{4180BE1A-32FB-45E2-97E1-870B9167D9AA}"/>
+              </a:ext>
+            </a:extLst>
+          </p:cNvPr>
+          <p:cNvSpPr txBox="1"/>
+          <p:nvPr/>
+        </p:nvSpPr>
+        <p:spPr>
+          <a:xfrm>
+            <a:off x="1190625" y="1469836"/>
+            <a:ext cx="7686675" cy="1446550"/>
+          </a:xfrm>
+          <a:prstGeom prst="rect">
+            <a:avLst/>
+          </a:prstGeom>
+          <a:noFill/>
+        </p:spPr>
+        <p:txBody>
+          <a:bodyPr wrap="square" rtlCol="0">
+            <a:spAutoFit/>
+          </a:bodyPr>
+          <a:lstStyle/>
+          <a:p>
+            <a:endParaRPr lang="ru-RU" sz="2400" dirty="0">
+              <a:solidFill>
+                <a:srgbClr val="262636"/>
+              </a:solidFill>
+              <a:latin typeface="+mj-lt"/>
+            </a:endParaRPr>
+          </a:p>
+          <a:p>
+            <a:pPr algn="ctr"/>
+            <a:endParaRPr lang="ru-RU" sz="3200" b="1" dirty="0">
+              <a:solidFill>
+                <a:schemeClr val="tx2">
+                  <a:lumMod val="75000"/>
+                </a:schemeClr>
+              </a:solidFill>
+              <a:latin typeface="+mj-lt"/>
+            </a:endParaRPr>
+          </a:p>
+          <a:p>
+            <a:pPr algn="ctr"/>
+            <a:r>
+              <a:rPr lang="ru-RU" sz="3200" b="1" dirty="0">
+                <a:solidFill>
+                  <a:schemeClr val="tx2">
+                    <a:lumMod val="75000"/>
+                  </a:schemeClr>
+                </a:solidFill>
+                <a:latin typeface="+mj-lt"/>
+              </a:rPr>
+              <a:t>Вопросы, комментарии?</a:t>
+            </a:r>
+          </a:p>
+        </p:txBody>
+      </p:sp>
+    </p:spTree>
+    <p:extLst>
+      <p:ext uri="{BB962C8B-B14F-4D97-AF65-F5344CB8AC3E}">
+        <p14:creationId xmlns:p14="http://schemas.microsoft.com/office/powerpoint/2010/main" val="3051241651"/>
       </p:ext>
     </p:extLst>
   </p:cSld>
@@ -14668,7 +15365,7 @@
         <p:spPr>
           <a:xfrm>
             <a:off x="1190625" y="1488886"/>
-            <a:ext cx="7686675" cy="4524315"/>
+            <a:ext cx="7686675" cy="4893647"/>
           </a:xfrm>
           <a:prstGeom prst="rect">
             <a:avLst/>
@@ -14760,7 +15457,7 @@
                   <a:srgbClr val="262636"/>
                 </a:solidFill>
               </a:rPr>
-              <a:t>	3. Находится вне </a:t>
+              <a:t>	3. Слабо пригоден для </a:t>
             </a:r>
             <a:r>
               <a:rPr lang="en-US" sz="2400" dirty="0">
@@ -14786,7 +15483,7 @@
                   <a:srgbClr val="262636"/>
                 </a:solidFill>
               </a:rPr>
-              <a:t>			4. Расползся по всему проекту</a:t>
+              <a:t>		4. Расползся по всему проекту, со 			  		всеми вытекающими последствиями</a:t>
             </a:r>
           </a:p>
         </p:txBody>
@@ -21506,7 +22203,10 @@
             <a:r>
               <a:rPr lang="ru-RU" sz="2400" dirty="0">
                 <a:solidFill>
-                  <a:srgbClr val="262636"/>
+                  <a:schemeClr val="tx2">
+                    <a:lumMod val="60000"/>
+                    <a:lumOff val="40000"/>
+                  </a:schemeClr>
                 </a:solidFill>
               </a:rPr>
               <a:t>Из очевидного:</a:t>
@@ -21765,7 +22465,10 @@
             <a:r>
               <a:rPr lang="ru-RU" sz="2400" dirty="0">
                 <a:solidFill>
-                  <a:srgbClr val="262636"/>
+                  <a:schemeClr val="tx2">
+                    <a:lumMod val="60000"/>
+                    <a:lumOff val="40000"/>
+                  </a:schemeClr>
                 </a:solidFill>
               </a:rPr>
               <a:t>Из очевидного:</a:t>
@@ -21806,7 +22509,10 @@
             <a:r>
               <a:rPr lang="ru-RU" sz="2400" dirty="0">
                 <a:solidFill>
-                  <a:srgbClr val="262636"/>
+                  <a:schemeClr val="tx2">
+                    <a:lumMod val="60000"/>
+                    <a:lumOff val="40000"/>
+                  </a:schemeClr>
                 </a:solidFill>
               </a:rPr>
               <a:t>…из чуть менее очевидного:</a:t>
@@ -22051,7 +22757,10 @@
             <a:r>
               <a:rPr lang="ru-RU" sz="2400" dirty="0">
                 <a:solidFill>
-                  <a:srgbClr val="262636"/>
+                  <a:schemeClr val="tx2">
+                    <a:lumMod val="60000"/>
+                    <a:lumOff val="40000"/>
+                  </a:schemeClr>
                 </a:solidFill>
               </a:rPr>
               <a:t>Из очевидного:</a:t>
@@ -22092,7 +22801,10 @@
             <a:r>
               <a:rPr lang="ru-RU" sz="2400" dirty="0">
                 <a:solidFill>
-                  <a:srgbClr val="262636"/>
+                  <a:schemeClr val="tx2">
+                    <a:lumMod val="60000"/>
+                    <a:lumOff val="40000"/>
+                  </a:schemeClr>
                 </a:solidFill>
               </a:rPr>
               <a:t>…из чуть менее очевидного:</a:t>
@@ -22112,7 +22824,10 @@
             <a:r>
               <a:rPr lang="ru-RU" sz="2400" dirty="0">
                 <a:solidFill>
-                  <a:srgbClr val="262636"/>
+                  <a:schemeClr val="tx2">
+                    <a:lumMod val="60000"/>
+                    <a:lumOff val="40000"/>
+                  </a:schemeClr>
                 </a:solidFill>
               </a:rPr>
               <a:t>…из ещё менее очевидного:</a:t>
@@ -22365,7 +23080,10 @@
             <a:r>
               <a:rPr lang="ru-RU" sz="2400" dirty="0">
                 <a:solidFill>
-                  <a:srgbClr val="262636"/>
+                  <a:schemeClr val="tx2">
+                    <a:lumMod val="60000"/>
+                    <a:lumOff val="40000"/>
+                  </a:schemeClr>
                 </a:solidFill>
               </a:rPr>
               <a:t>Из очевидного:</a:t>
@@ -22406,7 +23124,10 @@
             <a:r>
               <a:rPr lang="ru-RU" sz="2400" dirty="0">
                 <a:solidFill>
-                  <a:srgbClr val="262636"/>
+                  <a:schemeClr val="tx2">
+                    <a:lumMod val="60000"/>
+                    <a:lumOff val="40000"/>
+                  </a:schemeClr>
                 </a:solidFill>
               </a:rPr>
               <a:t>…из чуть менее очевидного:</a:t>
@@ -22426,7 +23147,10 @@
             <a:r>
               <a:rPr lang="ru-RU" sz="2400" dirty="0">
                 <a:solidFill>
-                  <a:srgbClr val="262636"/>
+                  <a:schemeClr val="tx2">
+                    <a:lumMod val="60000"/>
+                    <a:lumOff val="40000"/>
+                  </a:schemeClr>
                 </a:solidFill>
               </a:rPr>
               <a:t>…из ещё менее очевидного:</a:t>
@@ -22679,7 +23403,10 @@
             <a:r>
               <a:rPr lang="ru-RU" sz="2400" dirty="0">
                 <a:solidFill>
-                  <a:srgbClr val="262636"/>
+                  <a:schemeClr val="tx2">
+                    <a:lumMod val="60000"/>
+                    <a:lumOff val="40000"/>
+                  </a:schemeClr>
                 </a:solidFill>
               </a:rPr>
               <a:t>Из очевидного:</a:t>
@@ -22720,7 +23447,10 @@
             <a:r>
               <a:rPr lang="ru-RU" sz="2400" dirty="0">
                 <a:solidFill>
-                  <a:srgbClr val="262636"/>
+                  <a:schemeClr val="tx2">
+                    <a:lumMod val="60000"/>
+                    <a:lumOff val="40000"/>
+                  </a:schemeClr>
                 </a:solidFill>
               </a:rPr>
               <a:t>…из чуть менее очевидного:</a:t>
@@ -22740,7 +23470,10 @@
             <a:r>
               <a:rPr lang="ru-RU" sz="2400" dirty="0">
                 <a:solidFill>
-                  <a:srgbClr val="262636"/>
+                  <a:schemeClr val="tx2">
+                    <a:lumMod val="60000"/>
+                    <a:lumOff val="40000"/>
+                  </a:schemeClr>
                 </a:solidFill>
               </a:rPr>
               <a:t>…из ещё менее очевидного:</a:t>
@@ -23244,7 +23977,7 @@
                   <a:srgbClr val="262636"/>
                 </a:solidFill>
               </a:rPr>
-              <a:t>Подписка – </a:t>
+              <a:t>Подписка – объект или функция</a:t>
             </a:r>
             <a:r>
               <a:rPr lang="en-US" sz="2400" dirty="0">
@@ -23252,15 +23985,15 @@
                   <a:srgbClr val="262636"/>
                 </a:solidFill>
               </a:rPr>
-              <a:t>callable, </a:t>
-            </a:r>
-            <a:r>
-              <a:rPr lang="ru-RU" sz="2400" dirty="0">
-                <a:solidFill>
-                  <a:srgbClr val="262636"/>
-                </a:solidFill>
-              </a:rPr>
-              <a:t>который что-то делает с поступающими данными: пишет в файл, реагирует на щелчок мыши, обновляет карту по сигналу завершения обновления…</a:t>
+              <a:t>, </a:t>
+            </a:r>
+            <a:r>
+              <a:rPr lang="ru-RU" sz="2400" dirty="0">
+                <a:solidFill>
+                  <a:srgbClr val="262636"/>
+                </a:solidFill>
+              </a:rPr>
+              <a:t>которые что-то делают с поступающими данными: пишут в файл, реагируют на щелчок мыши, обновляют карту по сигналу завершения обновления…</a:t>
             </a:r>
           </a:p>
           <a:p>
@@ -23795,7 +24528,7 @@
                   <a:srgbClr val="262636"/>
                 </a:solidFill>
               </a:rPr>
-              <a:t>Подписка – </a:t>
+              <a:t>Подписка – объект или функция</a:t>
             </a:r>
             <a:r>
               <a:rPr lang="en-US" sz="2400" dirty="0">
@@ -23803,15 +24536,15 @@
                   <a:srgbClr val="262636"/>
                 </a:solidFill>
               </a:rPr>
-              <a:t>callable, </a:t>
-            </a:r>
-            <a:r>
-              <a:rPr lang="ru-RU" sz="2400" dirty="0">
-                <a:solidFill>
-                  <a:srgbClr val="262636"/>
-                </a:solidFill>
-              </a:rPr>
-              <a:t>который что-то делает с поступающими данными: пишет в файл, реагирует на щелчок мыши, обновляет карту по сигналу завершения обновления…</a:t>
+              <a:t>, </a:t>
+            </a:r>
+            <a:r>
+              <a:rPr lang="ru-RU" sz="2400" dirty="0">
+                <a:solidFill>
+                  <a:srgbClr val="262636"/>
+                </a:solidFill>
+              </a:rPr>
+              <a:t>которые что-то делают с поступающими данными: пишут в файл, реагируют на щелчок мыши, обновляют карту по сигналу завершения обновления…</a:t>
             </a:r>
           </a:p>
           <a:p>
@@ -25587,7 +26320,39 @@
                   <a:srgbClr val="262636"/>
                 </a:solidFill>
               </a:rPr>
-              <a:t>(рабочее название)</a:t>
+              <a:t>(</a:t>
+            </a:r>
+            <a:r>
+              <a:rPr lang="en-US" sz="1000" dirty="0">
+                <a:solidFill>
+                  <a:srgbClr val="262636"/>
+                </a:solidFill>
+              </a:rPr>
+              <a:t>tiny-</a:t>
+            </a:r>
+            <a:r>
+              <a:rPr lang="en-US" sz="1000" dirty="0" err="1">
+                <a:solidFill>
+                  <a:srgbClr val="262636"/>
+                </a:solidFill>
+              </a:rPr>
+              <a:t>rx</a:t>
+            </a:r>
+            <a:r>
+              <a:rPr lang="en-US" sz="1000" dirty="0">
+                <a:solidFill>
+                  <a:srgbClr val="262636"/>
+                </a:solidFill>
+              </a:rPr>
+              <a:t>, </a:t>
+            </a:r>
+            <a:r>
+              <a:rPr lang="ru-RU" sz="1000" dirty="0">
+                <a:solidFill>
+                  <a:srgbClr val="262636"/>
+                </a:solidFill>
+              </a:rPr>
+              <a:t>рабочее название)</a:t>
             </a:r>
             <a:r>
               <a:rPr lang="ru-RU" sz="2400" dirty="0">
@@ -25843,7 +26608,39 @@
                   <a:srgbClr val="262636"/>
                 </a:solidFill>
               </a:rPr>
-              <a:t>(рабочее название)</a:t>
+              <a:t>(</a:t>
+            </a:r>
+            <a:r>
+              <a:rPr lang="en-US" sz="1000" dirty="0">
+                <a:solidFill>
+                  <a:srgbClr val="262636"/>
+                </a:solidFill>
+              </a:rPr>
+              <a:t>tiny-</a:t>
+            </a:r>
+            <a:r>
+              <a:rPr lang="en-US" sz="1000" dirty="0" err="1">
+                <a:solidFill>
+                  <a:srgbClr val="262636"/>
+                </a:solidFill>
+              </a:rPr>
+              <a:t>rx</a:t>
+            </a:r>
+            <a:r>
+              <a:rPr lang="en-US" sz="1000" dirty="0">
+                <a:solidFill>
+                  <a:srgbClr val="262636"/>
+                </a:solidFill>
+              </a:rPr>
+              <a:t>, </a:t>
+            </a:r>
+            <a:r>
+              <a:rPr lang="ru-RU" sz="1000" dirty="0">
+                <a:solidFill>
+                  <a:srgbClr val="262636"/>
+                </a:solidFill>
+              </a:rPr>
+              <a:t>рабочее название)</a:t>
             </a:r>
             <a:r>
               <a:rPr lang="ru-RU" sz="2400" dirty="0">
@@ -26126,7 +26923,39 @@
                   <a:srgbClr val="262636"/>
                 </a:solidFill>
               </a:rPr>
-              <a:t>(рабочее название)</a:t>
+              <a:t>(</a:t>
+            </a:r>
+            <a:r>
+              <a:rPr lang="en-US" sz="1000" dirty="0">
+                <a:solidFill>
+                  <a:srgbClr val="262636"/>
+                </a:solidFill>
+              </a:rPr>
+              <a:t>tiny-</a:t>
+            </a:r>
+            <a:r>
+              <a:rPr lang="en-US" sz="1000" dirty="0" err="1">
+                <a:solidFill>
+                  <a:srgbClr val="262636"/>
+                </a:solidFill>
+              </a:rPr>
+              <a:t>rx</a:t>
+            </a:r>
+            <a:r>
+              <a:rPr lang="en-US" sz="1000" dirty="0">
+                <a:solidFill>
+                  <a:srgbClr val="262636"/>
+                </a:solidFill>
+              </a:rPr>
+              <a:t>, </a:t>
+            </a:r>
+            <a:r>
+              <a:rPr lang="ru-RU" sz="1000" dirty="0">
+                <a:solidFill>
+                  <a:srgbClr val="262636"/>
+                </a:solidFill>
+              </a:rPr>
+              <a:t>рабочее название)</a:t>
             </a:r>
             <a:r>
               <a:rPr lang="ru-RU" sz="2400" dirty="0">
@@ -26753,7 +27582,39 @@
                   <a:srgbClr val="262636"/>
                 </a:solidFill>
               </a:rPr>
-              <a:t>(рабочее название)</a:t>
+              <a:t>(</a:t>
+            </a:r>
+            <a:r>
+              <a:rPr lang="en-US" sz="1000" dirty="0">
+                <a:solidFill>
+                  <a:srgbClr val="262636"/>
+                </a:solidFill>
+              </a:rPr>
+              <a:t>tiny-</a:t>
+            </a:r>
+            <a:r>
+              <a:rPr lang="en-US" sz="1000" dirty="0" err="1">
+                <a:solidFill>
+                  <a:srgbClr val="262636"/>
+                </a:solidFill>
+              </a:rPr>
+              <a:t>rx</a:t>
+            </a:r>
+            <a:r>
+              <a:rPr lang="en-US" sz="1000" dirty="0">
+                <a:solidFill>
+                  <a:srgbClr val="262636"/>
+                </a:solidFill>
+              </a:rPr>
+              <a:t>, </a:t>
+            </a:r>
+            <a:r>
+              <a:rPr lang="ru-RU" sz="1000" dirty="0">
+                <a:solidFill>
+                  <a:srgbClr val="262636"/>
+                </a:solidFill>
+              </a:rPr>
+              <a:t>рабочее название)</a:t>
             </a:r>
             <a:r>
               <a:rPr lang="ru-RU" sz="2400" dirty="0">
@@ -27070,7 +27931,39 @@
                   <a:srgbClr val="262636"/>
                 </a:solidFill>
               </a:rPr>
-              <a:t>(рабочее название)</a:t>
+              <a:t>(</a:t>
+            </a:r>
+            <a:r>
+              <a:rPr lang="en-US" sz="1000" dirty="0">
+                <a:solidFill>
+                  <a:srgbClr val="262636"/>
+                </a:solidFill>
+              </a:rPr>
+              <a:t>tiny-</a:t>
+            </a:r>
+            <a:r>
+              <a:rPr lang="en-US" sz="1000" dirty="0" err="1">
+                <a:solidFill>
+                  <a:srgbClr val="262636"/>
+                </a:solidFill>
+              </a:rPr>
+              <a:t>rx</a:t>
+            </a:r>
+            <a:r>
+              <a:rPr lang="en-US" sz="1000" dirty="0">
+                <a:solidFill>
+                  <a:srgbClr val="262636"/>
+                </a:solidFill>
+              </a:rPr>
+              <a:t>, </a:t>
+            </a:r>
+            <a:r>
+              <a:rPr lang="ru-RU" sz="1000" dirty="0">
+                <a:solidFill>
+                  <a:srgbClr val="262636"/>
+                </a:solidFill>
+              </a:rPr>
+              <a:t>рабочее название)</a:t>
             </a:r>
             <a:r>
               <a:rPr lang="ru-RU" sz="2400" dirty="0">
@@ -28731,7 +29624,7 @@
                 </a:solidFill>
                 <a:latin typeface="Consolas" panose="020B0609020204030204" pitchFamily="49" charset="0"/>
               </a:rPr>
-              <a:t>_;</a:t>
+              <a:t>;</a:t>
             </a:r>
             <a:endParaRPr lang="ru-RU" sz="1600" dirty="0">
               <a:solidFill>
@@ -29022,7 +29915,7 @@
                 </a:solidFill>
                 <a:latin typeface="Consolas" panose="020B0609020204030204" pitchFamily="49" charset="0"/>
               </a:rPr>
-              <a:t>_;</a:t>
+              <a:t>;</a:t>
             </a:r>
             <a:endParaRPr lang="ru-RU" sz="1600" dirty="0">
               <a:solidFill>
@@ -29060,7 +29953,7 @@
                 </a:solidFill>
                 <a:latin typeface="Consolas" panose="020B0609020204030204" pitchFamily="49" charset="0"/>
               </a:rPr>
-              <a:t>	subscription_ = </a:t>
+              <a:t>	subscription = </a:t>
             </a:r>
             <a:r>
               <a:rPr lang="en-US" sz="1600" dirty="0" err="1">
@@ -29072,7 +29965,7 @@
                 </a:solidFill>
                 <a:latin typeface="Consolas" panose="020B0609020204030204" pitchFamily="49" charset="0"/>
               </a:rPr>
-              <a:t>log_data_stream_.subscribe</a:t>
+              <a:t>log_data_stream.subscribe</a:t>
             </a:r>
             <a:r>
               <a:rPr lang="en-US" sz="1600" dirty="0">
@@ -29136,7 +30029,7 @@
                 </a:solidFill>
                 <a:latin typeface="Consolas" panose="020B0609020204030204" pitchFamily="49" charset="0"/>
               </a:rPr>
-              <a:t>	    	write(</a:t>
+              <a:t>	    </a:t>
             </a:r>
             <a:r>
               <a:rPr lang="en-US" sz="1600" dirty="0" err="1">
@@ -29148,7 +30041,7 @@
                 </a:solidFill>
                 <a:latin typeface="Consolas" panose="020B0609020204030204" pitchFamily="49" charset="0"/>
               </a:rPr>
-              <a:t>format_log_record</a:t>
+              <a:t>backend_storage.store</a:t>
             </a:r>
             <a:r>
               <a:rPr lang="en-US" sz="1600" dirty="0">
@@ -29184,7 +30077,7 @@
                 </a:solidFill>
                 <a:latin typeface="Consolas" panose="020B0609020204030204" pitchFamily="49" charset="0"/>
               </a:rPr>
-              <a:t>));</a:t>
+              <a:t>);</a:t>
             </a:r>
           </a:p>
           <a:p>
@@ -29480,7 +30373,7 @@
                 </a:solidFill>
                 <a:latin typeface="Consolas" panose="020B0609020204030204" pitchFamily="49" charset="0"/>
               </a:rPr>
-              <a:t>_;</a:t>
+              <a:t>;</a:t>
             </a:r>
             <a:endParaRPr lang="ru-RU" sz="1600" dirty="0">
               <a:solidFill>
@@ -29518,7 +30411,7 @@
                 </a:solidFill>
                 <a:latin typeface="Consolas" panose="020B0609020204030204" pitchFamily="49" charset="0"/>
               </a:rPr>
-              <a:t>	subscription_ = </a:t>
+              <a:t>	subscription = </a:t>
             </a:r>
             <a:r>
               <a:rPr lang="en-US" sz="1600" dirty="0" err="1">
@@ -29530,7 +30423,7 @@
                 </a:solidFill>
                 <a:latin typeface="Consolas" panose="020B0609020204030204" pitchFamily="49" charset="0"/>
               </a:rPr>
-              <a:t>log_data_stream_.subscribe</a:t>
+              <a:t>log_data_stream.subscribe</a:t>
             </a:r>
             <a:r>
               <a:rPr lang="en-US" sz="1600" dirty="0">
@@ -29594,7 +30487,7 @@
                 </a:solidFill>
                 <a:latin typeface="Consolas" panose="020B0609020204030204" pitchFamily="49" charset="0"/>
               </a:rPr>
-              <a:t>	    	write(</a:t>
+              <a:t>	    </a:t>
             </a:r>
             <a:r>
               <a:rPr lang="en-US" sz="1600" dirty="0" err="1">
@@ -29606,7 +30499,7 @@
                 </a:solidFill>
                 <a:latin typeface="Consolas" panose="020B0609020204030204" pitchFamily="49" charset="0"/>
               </a:rPr>
-              <a:t>format_log_record</a:t>
+              <a:t>backend_storage.store</a:t>
             </a:r>
             <a:r>
               <a:rPr lang="en-US" sz="1600" dirty="0">
@@ -29642,7 +30535,7 @@
                 </a:solidFill>
                 <a:latin typeface="Consolas" panose="020B0609020204030204" pitchFamily="49" charset="0"/>
               </a:rPr>
-              <a:t>));</a:t>
+              <a:t>);</a:t>
             </a:r>
           </a:p>
           <a:p>
@@ -29692,7 +30585,7 @@
                 </a:solidFill>
                 <a:latin typeface="Consolas" panose="020B0609020204030204" pitchFamily="49" charset="0"/>
               </a:rPr>
-              <a:t>log_data_stream_.next</a:t>
+              <a:t>log_data_stream.next</a:t>
             </a:r>
             <a:r>
               <a:rPr lang="en-US" sz="1600" dirty="0">
@@ -30001,7 +30894,7 @@
                 </a:solidFill>
                 <a:latin typeface="Consolas" panose="020B0609020204030204" pitchFamily="49" charset="0"/>
               </a:rPr>
-              <a:t>_;</a:t>
+              <a:t>;</a:t>
             </a:r>
             <a:endParaRPr lang="ru-RU" sz="1600" dirty="0">
               <a:solidFill>
@@ -30039,7 +30932,7 @@
                 </a:solidFill>
                 <a:latin typeface="Consolas" panose="020B0609020204030204" pitchFamily="49" charset="0"/>
               </a:rPr>
-              <a:t>	subscription_ = </a:t>
+              <a:t>	subscription = </a:t>
             </a:r>
             <a:r>
               <a:rPr lang="en-US" sz="1600" dirty="0" err="1">
@@ -30051,7 +30944,7 @@
                 </a:solidFill>
                 <a:latin typeface="Consolas" panose="020B0609020204030204" pitchFamily="49" charset="0"/>
               </a:rPr>
-              <a:t>log_data_stream_.subscribe</a:t>
+              <a:t>log_data_stream.subscribe</a:t>
             </a:r>
             <a:r>
               <a:rPr lang="en-US" sz="1600" dirty="0">
@@ -30115,7 +31008,7 @@
                 </a:solidFill>
                 <a:latin typeface="Consolas" panose="020B0609020204030204" pitchFamily="49" charset="0"/>
               </a:rPr>
-              <a:t>	    	write(</a:t>
+              <a:t>	    </a:t>
             </a:r>
             <a:r>
               <a:rPr lang="en-US" sz="1600" dirty="0" err="1">
@@ -30127,7 +31020,7 @@
                 </a:solidFill>
                 <a:latin typeface="Consolas" panose="020B0609020204030204" pitchFamily="49" charset="0"/>
               </a:rPr>
-              <a:t>format_log_record</a:t>
+              <a:t>backend_storage.store</a:t>
             </a:r>
             <a:r>
               <a:rPr lang="en-US" sz="1600" dirty="0">
@@ -30163,7 +31056,7 @@
                 </a:solidFill>
                 <a:latin typeface="Consolas" panose="020B0609020204030204" pitchFamily="49" charset="0"/>
               </a:rPr>
-              <a:t>));</a:t>
+              <a:t>);</a:t>
             </a:r>
           </a:p>
           <a:p>
@@ -30213,7 +31106,7 @@
                 </a:solidFill>
                 <a:latin typeface="Consolas" panose="020B0609020204030204" pitchFamily="49" charset="0"/>
               </a:rPr>
-              <a:t>log_data_stream_.next</a:t>
+              <a:t>log_data_stream.next</a:t>
             </a:r>
             <a:r>
               <a:rPr lang="en-US" sz="1600" dirty="0">
@@ -35589,10 +36482,46 @@
           </a:p>
         </p:txBody>
       </p:sp>
+      <p:pic>
+        <p:nvPicPr>
+          <p:cNvPr id="7" name="Рисунок 6" descr="Изображение выглядит как человек, внешний&#10;&#10;Автоматически созданное описание">
+            <a:extLst>
+              <a:ext uri="{FF2B5EF4-FFF2-40B4-BE49-F238E27FC236}">
+                <a16:creationId xmlns:a16="http://schemas.microsoft.com/office/drawing/2014/main" id="{9F0B9535-45DB-4AAB-A375-5374A39959E9}"/>
+              </a:ext>
+            </a:extLst>
+          </p:cNvPr>
+          <p:cNvPicPr>
+            <a:picLocks noChangeAspect="1"/>
+          </p:cNvPicPr>
+          <p:nvPr/>
+        </p:nvPicPr>
+        <p:blipFill>
+          <a:blip r:embed="rId2" cstate="print">
+            <a:extLst>
+              <a:ext uri="{28A0092B-C50C-407E-A947-70E740481C1C}">
+                <a14:useLocalDpi xmlns:a14="http://schemas.microsoft.com/office/drawing/2010/main" val="0"/>
+              </a:ext>
+            </a:extLst>
+          </a:blip>
+          <a:stretch>
+            <a:fillRect/>
+          </a:stretch>
+        </p:blipFill>
+        <p:spPr>
+          <a:xfrm>
+            <a:off x="5288491" y="3762375"/>
+            <a:ext cx="3674534" cy="2066925"/>
+          </a:xfrm>
+          <a:prstGeom prst="rect">
+            <a:avLst/>
+          </a:prstGeom>
+        </p:spPr>
+      </p:pic>
     </p:spTree>
     <p:extLst>
       <p:ext uri="{BB962C8B-B14F-4D97-AF65-F5344CB8AC3E}">
-        <p14:creationId xmlns:p14="http://schemas.microsoft.com/office/powerpoint/2010/main" val="2071433902"/>
+        <p14:creationId xmlns:p14="http://schemas.microsoft.com/office/powerpoint/2010/main" val="118796913"/>
       </p:ext>
     </p:extLst>
   </p:cSld>
@@ -35764,7 +36693,7 @@
         <p:spPr>
           <a:xfrm>
             <a:off x="1190625" y="1469836"/>
-            <a:ext cx="7686675" cy="3785652"/>
+            <a:ext cx="7686675" cy="4093428"/>
           </a:xfrm>
           <a:prstGeom prst="rect">
             <a:avLst/>
@@ -35852,7 +36781,33 @@
                   <a:srgbClr val="262636"/>
                 </a:solidFill>
               </a:rPr>
+              <a:t>		Здесь поможет</a:t>
+            </a:r>
+          </a:p>
+          <a:p>
+            <a:r>
+              <a:rPr lang="ru-RU" sz="1600" dirty="0">
+                <a:solidFill>
+                  <a:schemeClr val="tx2">
+                    <a:lumMod val="60000"/>
+                    <a:lumOff val="40000"/>
+                  </a:schemeClr>
+                </a:solidFill>
+                <a:latin typeface="Consolas" panose="020B0609020204030204" pitchFamily="49" charset="0"/>
+              </a:rPr>
               <a:t>		</a:t>
+            </a:r>
+            <a:r>
+              <a:rPr lang="en-US" sz="2000" dirty="0" err="1">
+                <a:solidFill>
+                  <a:schemeClr val="tx2">
+                    <a:lumMod val="60000"/>
+                    <a:lumOff val="40000"/>
+                  </a:schemeClr>
+                </a:solidFill>
+                <a:latin typeface="Consolas" panose="020B0609020204030204" pitchFamily="49" charset="0"/>
+              </a:rPr>
+              <a:t>RunLoopExecutor</a:t>
             </a:r>
             <a:endParaRPr lang="ru-RU" sz="2000" dirty="0">
               <a:solidFill>
@@ -35905,7 +36860,7 @@
     </p:spTree>
     <p:extLst>
       <p:ext uri="{BB962C8B-B14F-4D97-AF65-F5344CB8AC3E}">
-        <p14:creationId xmlns:p14="http://schemas.microsoft.com/office/powerpoint/2010/main" val="118796913"/>
+        <p14:creationId xmlns:p14="http://schemas.microsoft.com/office/powerpoint/2010/main" val="4066980034"/>
       </p:ext>
     </p:extLst>
   </p:cSld>
@@ -35968,7 +36923,7 @@
                   </a:schemeClr>
                 </a:solidFill>
               </a:rPr>
-              <a:t>tirx</a:t>
+              <a:t>NoesisGUI</a:t>
             </a:r>
             <a:endParaRPr lang="ru-RU" sz="3600" b="1" dirty="0">
               <a:solidFill>
@@ -36077,7 +37032,7 @@
         <p:spPr>
           <a:xfrm>
             <a:off x="1190625" y="1469836"/>
-            <a:ext cx="7686675" cy="4093428"/>
+            <a:ext cx="7686675" cy="1077218"/>
           </a:xfrm>
           <a:prstGeom prst="rect">
             <a:avLst/>
@@ -36096,19 +37051,7 @@
                   <a:srgbClr val="262636"/>
                 </a:solidFill>
               </a:rPr>
-              <a:t>Более того, можно назначить, например, </a:t>
-            </a:r>
-            <a:r>
-              <a:rPr lang="en-US" sz="2000" dirty="0">
-                <a:solidFill>
-                  <a:schemeClr val="tx2">
-                    <a:lumMod val="60000"/>
-                    <a:lumOff val="40000"/>
-                  </a:schemeClr>
-                </a:solidFill>
-                <a:latin typeface="Consolas" panose="020B0609020204030204" pitchFamily="49" charset="0"/>
-              </a:rPr>
-              <a:t>filter</a:t>
+              <a:t>Так а что там с </a:t>
             </a:r>
             <a:r>
               <a:rPr lang="en-US" sz="2400" dirty="0">
@@ -36116,84 +37059,43 @@
                   <a:srgbClr val="262636"/>
                 </a:solidFill>
               </a:rPr>
-              <a:t>, </a:t>
-            </a:r>
-            <a:r>
-              <a:rPr lang="ru-RU" sz="2400" dirty="0">
-                <a:solidFill>
-                  <a:srgbClr val="262636"/>
-                </a:solidFill>
-              </a:rPr>
-              <a:t>на выполнение в отдельном потоке, а саму подписку – в другом, или в пуле потоков.</a:t>
-            </a:r>
-          </a:p>
-          <a:p>
-            <a:endParaRPr lang="ru-RU" sz="2400" dirty="0">
-              <a:solidFill>
-                <a:srgbClr val="262636"/>
-              </a:solidFill>
-            </a:endParaRPr>
-          </a:p>
-          <a:p>
-            <a:r>
-              <a:rPr lang="ru-RU" sz="2400" dirty="0">
-                <a:solidFill>
-                  <a:srgbClr val="262636"/>
-                </a:solidFill>
-              </a:rPr>
-              <a:t>«А я хочу сам решать, в каком потоке и когда вызывать обработку. Может, я хочу в цикле рендеринга это сделать»</a:t>
-            </a:r>
-          </a:p>
-          <a:p>
-            <a:endParaRPr lang="ru-RU" sz="2400" dirty="0">
-              <a:solidFill>
-                <a:srgbClr val="262636"/>
-              </a:solidFill>
-            </a:endParaRPr>
-          </a:p>
-          <a:p>
-            <a:endParaRPr lang="ru-RU" sz="2400" dirty="0">
-              <a:solidFill>
-                <a:srgbClr val="262636"/>
-              </a:solidFill>
-            </a:endParaRPr>
-          </a:p>
-          <a:p>
-            <a:r>
-              <a:rPr lang="ru-RU" sz="2400" dirty="0">
-                <a:solidFill>
-                  <a:srgbClr val="262636"/>
-                </a:solidFill>
-              </a:rPr>
-              <a:t>		Здесь поможет</a:t>
-            </a:r>
-          </a:p>
-          <a:p>
-            <a:r>
-              <a:rPr lang="ru-RU" sz="1600" dirty="0">
-                <a:solidFill>
-                  <a:schemeClr val="tx2">
-                    <a:lumMod val="60000"/>
-                    <a:lumOff val="40000"/>
-                  </a:schemeClr>
-                </a:solidFill>
-                <a:latin typeface="Consolas" panose="020B0609020204030204" pitchFamily="49" charset="0"/>
-              </a:rPr>
-              <a:t>		</a:t>
-            </a:r>
-            <a:r>
-              <a:rPr lang="en-US" sz="2000" dirty="0" err="1">
-                <a:solidFill>
-                  <a:schemeClr val="tx2">
-                    <a:lumMod val="60000"/>
-                    <a:lumOff val="40000"/>
-                  </a:schemeClr>
-                </a:solidFill>
-                <a:latin typeface="Consolas" panose="020B0609020204030204" pitchFamily="49" charset="0"/>
-              </a:rPr>
-              <a:t>RunLoopExecutor</a:t>
-            </a:r>
-            <a:endParaRPr lang="ru-RU" sz="2000" dirty="0">
+              <a:t>UI? </a:t>
+            </a:r>
+            <a:r>
+              <a:rPr lang="ru-RU" sz="2400" dirty="0">
+                <a:solidFill>
+                  <a:srgbClr val="262636"/>
+                </a:solidFill>
+              </a:rPr>
+              <a:t>Неужто страшненький </a:t>
+            </a:r>
+            <a:r>
+              <a:rPr lang="en-US" sz="2400" dirty="0">
+                <a:solidFill>
+                  <a:srgbClr val="262636"/>
+                </a:solidFill>
+              </a:rPr>
+              <a:t>Dear </a:t>
+            </a:r>
+            <a:r>
+              <a:rPr lang="en-US" sz="2400" dirty="0" err="1">
+                <a:solidFill>
+                  <a:srgbClr val="262636"/>
+                </a:solidFill>
+              </a:rPr>
+              <a:t>ImGUI</a:t>
+            </a:r>
+            <a:r>
+              <a:rPr lang="en-US" sz="2400" dirty="0">
+                <a:solidFill>
+                  <a:srgbClr val="262636"/>
+                </a:solidFill>
+              </a:rPr>
+              <a:t>?</a:t>
+            </a:r>
+          </a:p>
+          <a:p>
+            <a:endParaRPr lang="ru-RU" sz="1600" dirty="0">
               <a:solidFill>
                 <a:schemeClr val="tx2">
                   <a:lumMod val="60000"/>
@@ -36205,46 +37107,10 @@
           </a:p>
         </p:txBody>
       </p:sp>
-      <p:pic>
-        <p:nvPicPr>
-          <p:cNvPr id="7" name="Рисунок 6" descr="Изображение выглядит как человек, внешний&#10;&#10;Автоматически созданное описание">
-            <a:extLst>
-              <a:ext uri="{FF2B5EF4-FFF2-40B4-BE49-F238E27FC236}">
-                <a16:creationId xmlns:a16="http://schemas.microsoft.com/office/drawing/2014/main" id="{9F0B9535-45DB-4AAB-A375-5374A39959E9}"/>
-              </a:ext>
-            </a:extLst>
-          </p:cNvPr>
-          <p:cNvPicPr>
-            <a:picLocks noChangeAspect="1"/>
-          </p:cNvPicPr>
-          <p:nvPr/>
-        </p:nvPicPr>
-        <p:blipFill>
-          <a:blip r:embed="rId2" cstate="print">
-            <a:extLst>
-              <a:ext uri="{28A0092B-C50C-407E-A947-70E740481C1C}">
-                <a14:useLocalDpi xmlns:a14="http://schemas.microsoft.com/office/drawing/2010/main" val="0"/>
-              </a:ext>
-            </a:extLst>
-          </a:blip>
-          <a:stretch>
-            <a:fillRect/>
-          </a:stretch>
-        </p:blipFill>
-        <p:spPr>
-          <a:xfrm>
-            <a:off x="5288491" y="3762375"/>
-            <a:ext cx="3674534" cy="2066925"/>
-          </a:xfrm>
-          <a:prstGeom prst="rect">
-            <a:avLst/>
-          </a:prstGeom>
-        </p:spPr>
-      </p:pic>
     </p:spTree>
     <p:extLst>
       <p:ext uri="{BB962C8B-B14F-4D97-AF65-F5344CB8AC3E}">
-        <p14:creationId xmlns:p14="http://schemas.microsoft.com/office/powerpoint/2010/main" val="4066980034"/>
+        <p14:creationId xmlns:p14="http://schemas.microsoft.com/office/powerpoint/2010/main" val="2186935420"/>
       </p:ext>
     </p:extLst>
   </p:cSld>
@@ -36416,7 +37282,7 @@
         <p:spPr>
           <a:xfrm>
             <a:off x="1190625" y="1469836"/>
-            <a:ext cx="7686675" cy="1077218"/>
+            <a:ext cx="7686675" cy="1815882"/>
           </a:xfrm>
           <a:prstGeom prst="rect">
             <a:avLst/>
@@ -36476,6 +37342,32 @@
                 </a:solidFill>
               </a:rPr>
               <a:t>?</a:t>
+            </a:r>
+          </a:p>
+          <a:p>
+            <a:r>
+              <a:rPr lang="ru-RU" sz="2400" dirty="0">
+                <a:solidFill>
+                  <a:srgbClr val="262636"/>
+                </a:solidFill>
+              </a:rPr>
+              <a:t>Есть! Пригодное для промышленного применения решение – </a:t>
+            </a:r>
+            <a:r>
+              <a:rPr lang="en-US" sz="2400" dirty="0" err="1">
+                <a:solidFill>
+                  <a:srgbClr val="262636"/>
+                </a:solidFill>
+              </a:rPr>
+              <a:t>NoesisGUI</a:t>
+            </a:r>
+            <a:r>
+              <a:rPr lang="en-US" sz="2400" dirty="0">
+                <a:solidFill>
+                  <a:srgbClr val="262636"/>
+                </a:solidFill>
+              </a:rPr>
+              <a:t>.</a:t>
             </a:r>
           </a:p>
           <a:p>
@@ -36494,7 +37386,7 @@
     </p:spTree>
     <p:extLst>
       <p:ext uri="{BB962C8B-B14F-4D97-AF65-F5344CB8AC3E}">
-        <p14:creationId xmlns:p14="http://schemas.microsoft.com/office/powerpoint/2010/main" val="2186935420"/>
+        <p14:creationId xmlns:p14="http://schemas.microsoft.com/office/powerpoint/2010/main" val="530326824"/>
       </p:ext>
     </p:extLst>
   </p:cSld>
@@ -36666,7 +37558,7 @@
         <p:spPr>
           <a:xfrm>
             <a:off x="1190625" y="1469836"/>
-            <a:ext cx="7686675" cy="1815882"/>
+            <a:ext cx="7686675" cy="3170099"/>
           </a:xfrm>
           <a:prstGeom prst="rect">
             <a:avLst/>
@@ -36753,6 +37645,64 @@
               </a:rPr>
               <a:t>.</a:t>
             </a:r>
+          </a:p>
+          <a:p>
+            <a:r>
+              <a:rPr lang="ru-RU" sz="2400" dirty="0">
+                <a:solidFill>
+                  <a:srgbClr val="262636"/>
+                </a:solidFill>
+              </a:rPr>
+              <a:t>1. В отличие от многих </a:t>
+            </a:r>
+            <a:r>
+              <a:rPr lang="en-US" sz="2400" dirty="0" err="1">
+                <a:solidFill>
+                  <a:srgbClr val="262636"/>
+                </a:solidFill>
+              </a:rPr>
+              <a:t>ImGUI</a:t>
+            </a:r>
+            <a:r>
+              <a:rPr lang="en-US" sz="2400" dirty="0">
+                <a:solidFill>
+                  <a:srgbClr val="262636"/>
+                </a:solidFill>
+              </a:rPr>
+              <a:t> </a:t>
+            </a:r>
+            <a:r>
+              <a:rPr lang="ru-RU" sz="2400" dirty="0">
+                <a:solidFill>
+                  <a:srgbClr val="262636"/>
+                </a:solidFill>
+              </a:rPr>
+              <a:t>фреймворков – позволяет без вопросов хранить данные между перерисовками. Почти как в </a:t>
+            </a:r>
+            <a:r>
+              <a:rPr lang="en-US" sz="2400" dirty="0">
+                <a:solidFill>
+                  <a:srgbClr val="262636"/>
+                </a:solidFill>
+              </a:rPr>
+              <a:t>Retained UI</a:t>
+            </a:r>
+            <a:endParaRPr lang="ru-RU" sz="2400" dirty="0">
+              <a:solidFill>
+                <a:srgbClr val="262636"/>
+              </a:solidFill>
+            </a:endParaRPr>
+          </a:p>
+          <a:p>
+            <a:endParaRPr lang="en-US" sz="1600" dirty="0">
+              <a:solidFill>
+                <a:schemeClr val="tx2">
+                  <a:lumMod val="60000"/>
+                  <a:lumOff val="40000"/>
+                </a:schemeClr>
+              </a:solidFill>
+              <a:latin typeface="Consolas" panose="020B0609020204030204" pitchFamily="49" charset="0"/>
+            </a:endParaRPr>
           </a:p>
           <a:p>
             <a:endParaRPr lang="ru-RU" sz="1600" dirty="0">
@@ -36770,7 +37720,7 @@
     </p:spTree>
     <p:extLst>
       <p:ext uri="{BB962C8B-B14F-4D97-AF65-F5344CB8AC3E}">
-        <p14:creationId xmlns:p14="http://schemas.microsoft.com/office/powerpoint/2010/main" val="530326824"/>
+        <p14:creationId xmlns:p14="http://schemas.microsoft.com/office/powerpoint/2010/main" val="1984563508"/>
       </p:ext>
     </p:extLst>
   </p:cSld>
@@ -36942,7 +37892,7 @@
         <p:spPr>
           <a:xfrm>
             <a:off x="1190625" y="1469836"/>
-            <a:ext cx="7686675" cy="3170099"/>
+            <a:ext cx="7686675" cy="4770537"/>
           </a:xfrm>
           <a:prstGeom prst="rect">
             <a:avLst/>
@@ -37071,24 +38021,75 @@
               </a:rPr>
               <a:t>Retained UI</a:t>
             </a:r>
-            <a:endParaRPr lang="ru-RU" sz="2400" dirty="0">
-              <a:solidFill>
-                <a:srgbClr val="262636"/>
-              </a:solidFill>
-            </a:endParaRPr>
-          </a:p>
-          <a:p>
-            <a:endParaRPr lang="en-US" sz="1600" dirty="0">
-              <a:solidFill>
-                <a:schemeClr val="tx2">
-                  <a:lumMod val="60000"/>
-                  <a:lumOff val="40000"/>
-                </a:schemeClr>
-              </a:solidFill>
-              <a:latin typeface="Consolas" panose="020B0609020204030204" pitchFamily="49" charset="0"/>
-            </a:endParaRPr>
-          </a:p>
-          <a:p>
+          </a:p>
+          <a:p>
+            <a:r>
+              <a:rPr lang="ru-RU" sz="2400" dirty="0">
+                <a:solidFill>
+                  <a:srgbClr val="262636"/>
+                </a:solidFill>
+              </a:rPr>
+              <a:t>2. Удобный и понятный механизм обработки событий. Обработаем выбор пункта списка:</a:t>
+            </a:r>
+          </a:p>
+          <a:p>
+            <a:r>
+              <a:rPr lang="ru-RU" sz="2400" dirty="0">
+                <a:solidFill>
+                  <a:srgbClr val="262636"/>
+                </a:solidFill>
+                <a:latin typeface="Consolas" panose="020B0609020204030204" pitchFamily="49" charset="0"/>
+              </a:rPr>
+              <a:t>	</a:t>
+            </a:r>
+            <a:r>
+              <a:rPr lang="en-US" sz="1600" dirty="0" err="1">
+                <a:solidFill>
+                  <a:schemeClr val="tx2">
+                    <a:lumMod val="60000"/>
+                    <a:lumOff val="40000"/>
+                  </a:schemeClr>
+                </a:solidFill>
+                <a:latin typeface="Consolas" panose="020B0609020204030204" pitchFamily="49" charset="0"/>
+              </a:rPr>
+              <a:t>skin_combo_box</a:t>
+            </a:r>
+            <a:r>
+              <a:rPr lang="en-US" sz="1600" dirty="0">
+                <a:solidFill>
+                  <a:schemeClr val="tx2">
+                    <a:lumMod val="60000"/>
+                    <a:lumOff val="40000"/>
+                  </a:schemeClr>
+                </a:solidFill>
+                <a:latin typeface="Consolas" panose="020B0609020204030204" pitchFamily="49" charset="0"/>
+              </a:rPr>
+              <a:t>_-&gt;</a:t>
+            </a:r>
+            <a:r>
+              <a:rPr lang="en-US" sz="1600" dirty="0" err="1">
+                <a:solidFill>
+                  <a:schemeClr val="tx2">
+                    <a:lumMod val="60000"/>
+                    <a:lumOff val="40000"/>
+                  </a:schemeClr>
+                </a:solidFill>
+                <a:latin typeface="Consolas" panose="020B0609020204030204" pitchFamily="49" charset="0"/>
+              </a:rPr>
+              <a:t>SelectionChanged</a:t>
+            </a:r>
+            <a:r>
+              <a:rPr lang="en-US" sz="1600" dirty="0">
+                <a:solidFill>
+                  <a:schemeClr val="tx2">
+                    <a:lumMod val="60000"/>
+                    <a:lumOff val="40000"/>
+                  </a:schemeClr>
+                </a:solidFill>
+                <a:latin typeface="Consolas" panose="020B0609020204030204" pitchFamily="49" charset="0"/>
+              </a:rPr>
+              <a:t>() += [this]</a:t>
+            </a:r>
             <a:endParaRPr lang="ru-RU" sz="1600" dirty="0">
               <a:solidFill>
                 <a:schemeClr val="tx2">
@@ -37099,12 +38100,173 @@
               <a:latin typeface="Consolas" panose="020B0609020204030204" pitchFamily="49" charset="0"/>
             </a:endParaRPr>
           </a:p>
+          <a:p>
+            <a:r>
+              <a:rPr lang="ru-RU" sz="1600" dirty="0">
+                <a:solidFill>
+                  <a:schemeClr val="tx2">
+                    <a:lumMod val="60000"/>
+                    <a:lumOff val="40000"/>
+                  </a:schemeClr>
+                </a:solidFill>
+                <a:latin typeface="Consolas" panose="020B0609020204030204" pitchFamily="49" charset="0"/>
+              </a:rPr>
+              <a:t>	</a:t>
+            </a:r>
+            <a:r>
+              <a:rPr lang="en-US" sz="1600" dirty="0">
+                <a:solidFill>
+                  <a:schemeClr val="tx2">
+                    <a:lumMod val="60000"/>
+                    <a:lumOff val="40000"/>
+                  </a:schemeClr>
+                </a:solidFill>
+                <a:latin typeface="Consolas" panose="020B0609020204030204" pitchFamily="49" charset="0"/>
+              </a:rPr>
+              <a:t>(</a:t>
+            </a:r>
+            <a:r>
+              <a:rPr lang="en-US" sz="1600" dirty="0" err="1">
+                <a:solidFill>
+                  <a:schemeClr val="tx2">
+                    <a:lumMod val="60000"/>
+                    <a:lumOff val="40000"/>
+                  </a:schemeClr>
+                </a:solidFill>
+                <a:latin typeface="Consolas" panose="020B0609020204030204" pitchFamily="49" charset="0"/>
+              </a:rPr>
+              <a:t>BaseComponent</a:t>
+            </a:r>
+            <a:r>
+              <a:rPr lang="en-US" sz="1600" dirty="0">
+                <a:solidFill>
+                  <a:schemeClr val="tx2">
+                    <a:lumMod val="60000"/>
+                    <a:lumOff val="40000"/>
+                  </a:schemeClr>
+                </a:solidFill>
+                <a:latin typeface="Consolas" panose="020B0609020204030204" pitchFamily="49" charset="0"/>
+              </a:rPr>
+              <a:t>* </a:t>
+            </a:r>
+            <a:r>
+              <a:rPr lang="ru-RU" sz="1600" dirty="0">
+                <a:solidFill>
+                  <a:schemeClr val="tx2">
+                    <a:lumMod val="60000"/>
+                    <a:lumOff val="40000"/>
+                  </a:schemeClr>
+                </a:solidFill>
+                <a:latin typeface="Consolas" panose="020B0609020204030204" pitchFamily="49" charset="0"/>
+              </a:rPr>
+              <a:t>	</a:t>
+            </a:r>
+            <a:r>
+              <a:rPr lang="en-US" sz="1600" dirty="0">
+                <a:solidFill>
+                  <a:schemeClr val="tx2">
+                    <a:lumMod val="60000"/>
+                    <a:lumOff val="40000"/>
+                  </a:schemeClr>
+                </a:solidFill>
+                <a:latin typeface="Consolas" panose="020B0609020204030204" pitchFamily="49" charset="0"/>
+              </a:rPr>
+              <a:t>sender, const </a:t>
+            </a:r>
+            <a:r>
+              <a:rPr lang="en-US" sz="1600" dirty="0" err="1">
+                <a:solidFill>
+                  <a:schemeClr val="tx2">
+                    <a:lumMod val="60000"/>
+                    <a:lumOff val="40000"/>
+                  </a:schemeClr>
+                </a:solidFill>
+                <a:latin typeface="Consolas" panose="020B0609020204030204" pitchFamily="49" charset="0"/>
+              </a:rPr>
+              <a:t>SelectionChangedEventArgs</a:t>
+            </a:r>
+            <a:r>
+              <a:rPr lang="en-US" sz="1600" dirty="0">
+                <a:solidFill>
+                  <a:schemeClr val="tx2">
+                    <a:lumMod val="60000"/>
+                    <a:lumOff val="40000"/>
+                  </a:schemeClr>
+                </a:solidFill>
+                <a:latin typeface="Consolas" panose="020B0609020204030204" pitchFamily="49" charset="0"/>
+              </a:rPr>
+              <a:t>&amp; e) {</a:t>
+            </a:r>
+          </a:p>
+          <a:p>
+            <a:r>
+              <a:rPr lang="en-US" sz="1600" dirty="0">
+                <a:solidFill>
+                  <a:schemeClr val="tx2">
+                    <a:lumMod val="60000"/>
+                    <a:lumOff val="40000"/>
+                  </a:schemeClr>
+                </a:solidFill>
+                <a:latin typeface="Consolas" panose="020B0609020204030204" pitchFamily="49" charset="0"/>
+              </a:rPr>
+              <a:t>            </a:t>
+            </a:r>
+            <a:r>
+              <a:rPr lang="en-US" sz="1600" dirty="0" err="1">
+                <a:solidFill>
+                  <a:schemeClr val="tx2">
+                    <a:lumMod val="60000"/>
+                    <a:lumOff val="40000"/>
+                  </a:schemeClr>
+                </a:solidFill>
+                <a:latin typeface="Consolas" panose="020B0609020204030204" pitchFamily="49" charset="0"/>
+              </a:rPr>
+              <a:t>OnSkinSelected</a:t>
+            </a:r>
+            <a:r>
+              <a:rPr lang="en-US" sz="1600" dirty="0">
+                <a:solidFill>
+                  <a:schemeClr val="tx2">
+                    <a:lumMod val="60000"/>
+                    <a:lumOff val="40000"/>
+                  </a:schemeClr>
+                </a:solidFill>
+                <a:latin typeface="Consolas" panose="020B0609020204030204" pitchFamily="49" charset="0"/>
+              </a:rPr>
+              <a:t>(sender, e);</a:t>
+            </a:r>
+          </a:p>
+          <a:p>
+            <a:r>
+              <a:rPr lang="en-US" sz="1600" dirty="0">
+                <a:solidFill>
+                  <a:schemeClr val="tx2">
+                    <a:lumMod val="60000"/>
+                    <a:lumOff val="40000"/>
+                  </a:schemeClr>
+                </a:solidFill>
+                <a:latin typeface="Consolas" panose="020B0609020204030204" pitchFamily="49" charset="0"/>
+              </a:rPr>
+              <a:t>    };</a:t>
+            </a:r>
+          </a:p>
+          <a:p>
+            <a:endParaRPr lang="ru-RU" sz="1600" dirty="0">
+              <a:solidFill>
+                <a:schemeClr val="tx2">
+                  <a:lumMod val="60000"/>
+                  <a:lumOff val="40000"/>
+                </a:schemeClr>
+              </a:solidFill>
+              <a:latin typeface="Consolas" panose="020B0609020204030204" pitchFamily="49" charset="0"/>
+            </a:endParaRPr>
+          </a:p>
         </p:txBody>
       </p:sp>
     </p:spTree>
     <p:extLst>
       <p:ext uri="{BB962C8B-B14F-4D97-AF65-F5344CB8AC3E}">
-        <p14:creationId xmlns:p14="http://schemas.microsoft.com/office/powerpoint/2010/main" val="1984563508"/>
+        <p14:creationId xmlns:p14="http://schemas.microsoft.com/office/powerpoint/2010/main" val="4035178417"/>
       </p:ext>
     </p:extLst>
   </p:cSld>
@@ -37547,7 +38709,7 @@
         <p:spPr>
           <a:xfrm>
             <a:off x="1190625" y="1469836"/>
-            <a:ext cx="7686675" cy="4770537"/>
+            <a:ext cx="7686675" cy="830997"/>
           </a:xfrm>
           <a:prstGeom prst="rect">
             <a:avLst/>
@@ -37561,189 +38723,20 @@
           <a:lstStyle/>
           <a:p>
             <a:r>
-              <a:rPr lang="ru-RU" sz="2400" dirty="0">
-                <a:solidFill>
-                  <a:srgbClr val="262636"/>
-                </a:solidFill>
-              </a:rPr>
-              <a:t>Так а что там с </a:t>
-            </a:r>
-            <a:r>
               <a:rPr lang="en-US" sz="2400" dirty="0">
                 <a:solidFill>
                   <a:srgbClr val="262636"/>
                 </a:solidFill>
               </a:rPr>
-              <a:t>UI? </a:t>
-            </a:r>
-            <a:r>
-              <a:rPr lang="ru-RU" sz="2400" dirty="0">
-                <a:solidFill>
-                  <a:srgbClr val="262636"/>
-                </a:solidFill>
-              </a:rPr>
-              <a:t>Неужто страшненький </a:t>
-            </a:r>
-            <a:r>
-              <a:rPr lang="en-US" sz="2400" dirty="0">
-                <a:solidFill>
-                  <a:srgbClr val="262636"/>
-                </a:solidFill>
-              </a:rPr>
-              <a:t>Dear </a:t>
-            </a:r>
-            <a:r>
-              <a:rPr lang="en-US" sz="2400" dirty="0" err="1">
-                <a:solidFill>
-                  <a:srgbClr val="262636"/>
-                </a:solidFill>
-              </a:rPr>
-              <a:t>ImGUI</a:t>
-            </a:r>
-            <a:r>
-              <a:rPr lang="en-US" sz="2400" dirty="0">
-                <a:solidFill>
-                  <a:srgbClr val="262636"/>
-                </a:solidFill>
-              </a:rPr>
-              <a:t>?</a:t>
-            </a:r>
-          </a:p>
-          <a:p>
-            <a:r>
-              <a:rPr lang="ru-RU" sz="2400" dirty="0">
-                <a:solidFill>
-                  <a:srgbClr val="262636"/>
-                </a:solidFill>
-              </a:rPr>
-              <a:t>Есть! Пригодное для промышленного применения решение – </a:t>
-            </a:r>
-            <a:r>
-              <a:rPr lang="en-US" sz="2400" dirty="0" err="1">
-                <a:solidFill>
-                  <a:srgbClr val="262636"/>
-                </a:solidFill>
-              </a:rPr>
-              <a:t>NoesisGUI</a:t>
-            </a:r>
-            <a:r>
-              <a:rPr lang="en-US" sz="2400" dirty="0">
-                <a:solidFill>
-                  <a:srgbClr val="262636"/>
-                </a:solidFill>
-              </a:rPr>
-              <a:t>.</a:t>
-            </a:r>
-          </a:p>
-          <a:p>
-            <a:r>
-              <a:rPr lang="ru-RU" sz="2400" dirty="0">
-                <a:solidFill>
-                  <a:srgbClr val="262636"/>
-                </a:solidFill>
-              </a:rPr>
-              <a:t>1. В отличие от многих </a:t>
-            </a:r>
-            <a:r>
-              <a:rPr lang="en-US" sz="2400" dirty="0" err="1">
-                <a:solidFill>
-                  <a:srgbClr val="262636"/>
-                </a:solidFill>
-              </a:rPr>
-              <a:t>ImGUI</a:t>
-            </a:r>
-            <a:r>
-              <a:rPr lang="en-US" sz="2400" dirty="0">
-                <a:solidFill>
-                  <a:srgbClr val="262636"/>
-                </a:solidFill>
-              </a:rPr>
-              <a:t> </a:t>
-            </a:r>
-            <a:r>
-              <a:rPr lang="ru-RU" sz="2400" dirty="0">
-                <a:solidFill>
-                  <a:srgbClr val="262636"/>
-                </a:solidFill>
-              </a:rPr>
-              <a:t>фреймворков – позволяет без вопросов хранить данные между перерисовками. Почти как в </a:t>
-            </a:r>
-            <a:r>
-              <a:rPr lang="en-US" sz="2400" dirty="0">
-                <a:solidFill>
-                  <a:srgbClr val="262636"/>
-                </a:solidFill>
-              </a:rPr>
-              <a:t>Retained UI</a:t>
-            </a:r>
-          </a:p>
-          <a:p>
-            <a:r>
-              <a:rPr lang="ru-RU" sz="2400" dirty="0">
-                <a:solidFill>
-                  <a:srgbClr val="262636"/>
-                </a:solidFill>
-              </a:rPr>
-              <a:t>2. Удобный и понятный механизм обработки событий. Обработаем выбор пункта списка:</a:t>
-            </a:r>
-          </a:p>
-          <a:p>
-            <a:r>
-              <a:rPr lang="ru-RU" sz="2400" dirty="0">
-                <a:solidFill>
-                  <a:srgbClr val="262636"/>
-                </a:solidFill>
-                <a:latin typeface="Consolas" panose="020B0609020204030204" pitchFamily="49" charset="0"/>
-              </a:rPr>
-              <a:t>	</a:t>
-            </a:r>
-            <a:r>
-              <a:rPr lang="en-US" sz="1600" dirty="0" err="1">
-                <a:solidFill>
-                  <a:schemeClr val="tx2">
-                    <a:lumMod val="60000"/>
-                    <a:lumOff val="40000"/>
-                  </a:schemeClr>
-                </a:solidFill>
-                <a:latin typeface="Consolas" panose="020B0609020204030204" pitchFamily="49" charset="0"/>
-              </a:rPr>
-              <a:t>skin_combo_box</a:t>
-            </a:r>
-            <a:r>
-              <a:rPr lang="en-US" sz="1600" dirty="0">
-                <a:solidFill>
-                  <a:schemeClr val="tx2">
-                    <a:lumMod val="60000"/>
-                    <a:lumOff val="40000"/>
-                  </a:schemeClr>
-                </a:solidFill>
-                <a:latin typeface="Consolas" panose="020B0609020204030204" pitchFamily="49" charset="0"/>
-              </a:rPr>
-              <a:t>_-&gt;</a:t>
-            </a:r>
-            <a:r>
-              <a:rPr lang="en-US" sz="1600" dirty="0" err="1">
-                <a:solidFill>
-                  <a:schemeClr val="tx2">
-                    <a:lumMod val="60000"/>
-                    <a:lumOff val="40000"/>
-                  </a:schemeClr>
-                </a:solidFill>
-                <a:latin typeface="Consolas" panose="020B0609020204030204" pitchFamily="49" charset="0"/>
-              </a:rPr>
-              <a:t>SelectionChanged</a:t>
-            </a:r>
-            <a:r>
-              <a:rPr lang="en-US" sz="1600" dirty="0">
-                <a:solidFill>
-                  <a:schemeClr val="tx2">
-                    <a:lumMod val="60000"/>
-                    <a:lumOff val="40000"/>
-                  </a:schemeClr>
-                </a:solidFill>
-                <a:latin typeface="Consolas" panose="020B0609020204030204" pitchFamily="49" charset="0"/>
-              </a:rPr>
-              <a:t>() += [this]</a:t>
+              <a:t>3. </a:t>
+            </a:r>
+            <a:r>
+              <a:rPr lang="ru-RU" sz="2400" dirty="0">
+                <a:solidFill>
+                  <a:srgbClr val="262636"/>
+                </a:solidFill>
+              </a:rPr>
+              <a:t>Эффективный векторный формат хранения данных</a:t>
             </a:r>
             <a:endParaRPr lang="ru-RU" sz="1600" dirty="0">
               <a:solidFill>
@@ -37752,168 +38745,6 @@
                   <a:lumOff val="40000"/>
                 </a:schemeClr>
               </a:solidFill>
-              <a:latin typeface="Consolas" panose="020B0609020204030204" pitchFamily="49" charset="0"/>
-            </a:endParaRPr>
-          </a:p>
-          <a:p>
-            <a:r>
-              <a:rPr lang="ru-RU" sz="1600" dirty="0">
-                <a:solidFill>
-                  <a:schemeClr val="tx2">
-                    <a:lumMod val="60000"/>
-                    <a:lumOff val="40000"/>
-                  </a:schemeClr>
-                </a:solidFill>
-                <a:latin typeface="Consolas" panose="020B0609020204030204" pitchFamily="49" charset="0"/>
-              </a:rPr>
-              <a:t>	</a:t>
-            </a:r>
-            <a:r>
-              <a:rPr lang="en-US" sz="1600" dirty="0">
-                <a:solidFill>
-                  <a:schemeClr val="tx2">
-                    <a:lumMod val="60000"/>
-                    <a:lumOff val="40000"/>
-                  </a:schemeClr>
-                </a:solidFill>
-                <a:latin typeface="Consolas" panose="020B0609020204030204" pitchFamily="49" charset="0"/>
-              </a:rPr>
-              <a:t>(</a:t>
-            </a:r>
-            <a:r>
-              <a:rPr lang="en-US" sz="1600" dirty="0" err="1">
-                <a:solidFill>
-                  <a:schemeClr val="tx2">
-                    <a:lumMod val="60000"/>
-                    <a:lumOff val="40000"/>
-                  </a:schemeClr>
-                </a:solidFill>
-                <a:latin typeface="Consolas" panose="020B0609020204030204" pitchFamily="49" charset="0"/>
-              </a:rPr>
-              <a:t>BaseComponent</a:t>
-            </a:r>
-            <a:r>
-              <a:rPr lang="en-US" sz="1600" dirty="0">
-                <a:solidFill>
-                  <a:schemeClr val="tx2">
-                    <a:lumMod val="60000"/>
-                    <a:lumOff val="40000"/>
-                  </a:schemeClr>
-                </a:solidFill>
-                <a:latin typeface="Consolas" panose="020B0609020204030204" pitchFamily="49" charset="0"/>
-              </a:rPr>
-              <a:t>* </a:t>
-            </a:r>
-            <a:r>
-              <a:rPr lang="ru-RU" sz="1600" dirty="0">
-                <a:solidFill>
-                  <a:schemeClr val="tx2">
-                    <a:lumMod val="60000"/>
-                    <a:lumOff val="40000"/>
-                  </a:schemeClr>
-                </a:solidFill>
-                <a:latin typeface="Consolas" panose="020B0609020204030204" pitchFamily="49" charset="0"/>
-              </a:rPr>
-              <a:t>	</a:t>
-            </a:r>
-            <a:r>
-              <a:rPr lang="en-US" sz="1600" dirty="0">
-                <a:solidFill>
-                  <a:schemeClr val="tx2">
-                    <a:lumMod val="60000"/>
-                    <a:lumOff val="40000"/>
-                  </a:schemeClr>
-                </a:solidFill>
-                <a:latin typeface="Consolas" panose="020B0609020204030204" pitchFamily="49" charset="0"/>
-              </a:rPr>
-              <a:t>sender, const </a:t>
-            </a:r>
-            <a:r>
-              <a:rPr lang="en-US" sz="1600" dirty="0" err="1">
-                <a:solidFill>
-                  <a:schemeClr val="tx2">
-                    <a:lumMod val="60000"/>
-                    <a:lumOff val="40000"/>
-                  </a:schemeClr>
-                </a:solidFill>
-                <a:latin typeface="Consolas" panose="020B0609020204030204" pitchFamily="49" charset="0"/>
-              </a:rPr>
-              <a:t>SelectionChangedEventArgs</a:t>
-            </a:r>
-            <a:r>
-              <a:rPr lang="en-US" sz="1600" dirty="0">
-                <a:solidFill>
-                  <a:schemeClr val="tx2">
-                    <a:lumMod val="60000"/>
-                    <a:lumOff val="40000"/>
-                  </a:schemeClr>
-                </a:solidFill>
-                <a:latin typeface="Consolas" panose="020B0609020204030204" pitchFamily="49" charset="0"/>
-              </a:rPr>
-              <a:t>&amp; e) {</a:t>
-            </a:r>
-          </a:p>
-          <a:p>
-            <a:r>
-              <a:rPr lang="en-US" sz="1600" dirty="0">
-                <a:solidFill>
-                  <a:schemeClr val="tx2">
-                    <a:lumMod val="60000"/>
-                    <a:lumOff val="40000"/>
-                  </a:schemeClr>
-                </a:solidFill>
-                <a:latin typeface="Consolas" panose="020B0609020204030204" pitchFamily="49" charset="0"/>
-              </a:rPr>
-              <a:t>            </a:t>
-            </a:r>
-            <a:r>
-              <a:rPr lang="en-US" sz="1600" dirty="0" err="1">
-                <a:solidFill>
-                  <a:schemeClr val="tx2">
-                    <a:lumMod val="60000"/>
-                    <a:lumOff val="40000"/>
-                  </a:schemeClr>
-                </a:solidFill>
-                <a:latin typeface="Consolas" panose="020B0609020204030204" pitchFamily="49" charset="0"/>
-              </a:rPr>
-              <a:t>OnSkinSelected</a:t>
-            </a:r>
-            <a:r>
-              <a:rPr lang="en-US" sz="1600" dirty="0">
-                <a:solidFill>
-                  <a:schemeClr val="tx2">
-                    <a:lumMod val="60000"/>
-                    <a:lumOff val="40000"/>
-                  </a:schemeClr>
-                </a:solidFill>
-                <a:latin typeface="Consolas" panose="020B0609020204030204" pitchFamily="49" charset="0"/>
-              </a:rPr>
-              <a:t>(sender, e);</a:t>
-            </a:r>
-          </a:p>
-          <a:p>
-            <a:r>
-              <a:rPr lang="en-US" sz="1600" dirty="0">
-                <a:solidFill>
-                  <a:schemeClr val="tx2">
-                    <a:lumMod val="60000"/>
-                    <a:lumOff val="40000"/>
-                  </a:schemeClr>
-                </a:solidFill>
-                <a:latin typeface="Consolas" panose="020B0609020204030204" pitchFamily="49" charset="0"/>
-              </a:rPr>
-              <a:t>    };</a:t>
-            </a:r>
-          </a:p>
-          <a:p>
-            <a:endParaRPr lang="ru-RU" sz="1600" dirty="0">
-              <a:solidFill>
-                <a:schemeClr val="tx2">
-                  <a:lumMod val="60000"/>
-                  <a:lumOff val="40000"/>
-                </a:schemeClr>
-              </a:solidFill>
-              <a:latin typeface="Consolas" panose="020B0609020204030204" pitchFamily="49" charset="0"/>
             </a:endParaRPr>
           </a:p>
         </p:txBody>
@@ -37921,7 +38752,7 @@
     </p:spTree>
     <p:extLst>
       <p:ext uri="{BB962C8B-B14F-4D97-AF65-F5344CB8AC3E}">
-        <p14:creationId xmlns:p14="http://schemas.microsoft.com/office/powerpoint/2010/main" val="4035178417"/>
+        <p14:creationId xmlns:p14="http://schemas.microsoft.com/office/powerpoint/2010/main" val="2858537356"/>
       </p:ext>
     </p:extLst>
   </p:cSld>
@@ -38093,7 +38924,7 @@
         <p:spPr>
           <a:xfrm>
             <a:off x="1190625" y="1469836"/>
-            <a:ext cx="7686675" cy="830997"/>
+            <a:ext cx="7686675" cy="1200329"/>
           </a:xfrm>
           <a:prstGeom prst="rect">
             <a:avLst/>
@@ -38122,21 +38953,31 @@
               </a:rPr>
               <a:t>Эффективный векторный формат хранения данных</a:t>
             </a:r>
-            <a:endParaRPr lang="ru-RU" sz="1600" dirty="0">
-              <a:solidFill>
-                <a:schemeClr val="tx2">
-                  <a:lumMod val="60000"/>
-                  <a:lumOff val="40000"/>
-                </a:schemeClr>
-              </a:solidFill>
-            </a:endParaRPr>
+          </a:p>
+          <a:p>
+            <a:r>
+              <a:rPr lang="ru-RU" sz="2400" dirty="0">
+                <a:solidFill>
+                  <a:srgbClr val="262636"/>
+                </a:solidFill>
+              </a:rPr>
+              <a:t>4. Поддержка паттерна </a:t>
+            </a:r>
+            <a:r>
+              <a:rPr lang="en-US" sz="2400" dirty="0">
+                <a:solidFill>
+                  <a:srgbClr val="262636"/>
+                </a:solidFill>
+              </a:rPr>
+              <a:t>MVVM</a:t>
+            </a:r>
           </a:p>
         </p:txBody>
       </p:sp>
     </p:spTree>
     <p:extLst>
       <p:ext uri="{BB962C8B-B14F-4D97-AF65-F5344CB8AC3E}">
-        <p14:creationId xmlns:p14="http://schemas.microsoft.com/office/powerpoint/2010/main" val="2858537356"/>
+        <p14:creationId xmlns:p14="http://schemas.microsoft.com/office/powerpoint/2010/main" val="1411873525"/>
       </p:ext>
     </p:extLst>
   </p:cSld>
@@ -38308,7 +39149,7 @@
         <p:spPr>
           <a:xfrm>
             <a:off x="1190625" y="1469836"/>
-            <a:ext cx="7686675" cy="1200329"/>
+            <a:ext cx="7686675" cy="3046988"/>
           </a:xfrm>
           <a:prstGeom prst="rect">
             <a:avLst/>
@@ -38356,12 +39197,72 @@
               <a:t>MVVM</a:t>
             </a:r>
           </a:p>
+          <a:p>
+            <a:r>
+              <a:rPr lang="en-US" sz="2400" dirty="0">
+                <a:solidFill>
+                  <a:srgbClr val="262636"/>
+                </a:solidFill>
+              </a:rPr>
+              <a:t>5. </a:t>
+            </a:r>
+            <a:r>
+              <a:rPr lang="ru-RU" sz="2400" dirty="0">
+                <a:solidFill>
+                  <a:schemeClr val="accent4">
+                    <a:lumMod val="75000"/>
+                  </a:schemeClr>
+                </a:solidFill>
+              </a:rPr>
+              <a:t>Найдено недостающее звено для эволюции дизайнеров в активных участников процесса разработки!</a:t>
+            </a:r>
+            <a:r>
+              <a:rPr lang="ru-RU" sz="2400" dirty="0">
+                <a:solidFill>
+                  <a:srgbClr val="262636"/>
+                </a:solidFill>
+              </a:rPr>
+              <a:t> Декларативный язык </a:t>
+            </a:r>
+            <a:r>
+              <a:rPr lang="en-US" sz="2400" dirty="0">
+                <a:solidFill>
+                  <a:srgbClr val="262636"/>
+                </a:solidFill>
+              </a:rPr>
+              <a:t>XAML </a:t>
+            </a:r>
+            <a:r>
+              <a:rPr lang="ru-RU" sz="2400" dirty="0">
+                <a:solidFill>
+                  <a:srgbClr val="262636"/>
+                </a:solidFill>
+              </a:rPr>
+              <a:t>для описания как </a:t>
+            </a:r>
+            <a:r>
+              <a:rPr lang="en-US" sz="2400" dirty="0">
+                <a:solidFill>
+                  <a:srgbClr val="262636"/>
+                </a:solidFill>
+              </a:rPr>
+              <a:t>UI </a:t>
+            </a:r>
+            <a:r>
+              <a:rPr lang="ru-RU" sz="2400" dirty="0">
+                <a:solidFill>
+                  <a:srgbClr val="262636"/>
+                </a:solidFill>
+              </a:rPr>
+              <a:t>целиком, так и отдельных компонентов.</a:t>
+            </a:r>
+          </a:p>
         </p:txBody>
       </p:sp>
     </p:spTree>
     <p:extLst>
       <p:ext uri="{BB962C8B-B14F-4D97-AF65-F5344CB8AC3E}">
-        <p14:creationId xmlns:p14="http://schemas.microsoft.com/office/powerpoint/2010/main" val="1411873525"/>
+        <p14:creationId xmlns:p14="http://schemas.microsoft.com/office/powerpoint/2010/main" val="47149007"/>
       </p:ext>
     </p:extLst>
   </p:cSld>
@@ -38533,7 +39434,7 @@
         <p:spPr>
           <a:xfrm>
             <a:off x="1190625" y="1469836"/>
-            <a:ext cx="7686675" cy="3046988"/>
+            <a:ext cx="7686675" cy="3785652"/>
           </a:xfrm>
           <a:prstGeom prst="rect">
             <a:avLst/>
@@ -38598,7 +39499,7 @@
                   </a:schemeClr>
                 </a:solidFill>
               </a:rPr>
-              <a:t>Найдено недостающее звено для эволюции дизайнеров в полноправных участников процесса разработки!</a:t>
+              <a:t>Найдено недостающее звено для эволюции дизайнеров в активных участников процесса разработки!</a:t>
             </a:r>
             <a:r>
               <a:rPr lang="ru-RU" sz="2400" dirty="0">
@@ -38640,13 +39541,58 @@
               </a:rPr>
               <a:t>целиком, так и отдельных компонентов.</a:t>
             </a:r>
+          </a:p>
+          <a:p>
+            <a:r>
+              <a:rPr lang="ru-RU" sz="2400" dirty="0">
+                <a:solidFill>
+                  <a:srgbClr val="262636"/>
+                </a:solidFill>
+              </a:rPr>
+              <a:t>Лучший в своём классе редактор интерфейсов </a:t>
+            </a:r>
+            <a:r>
+              <a:rPr lang="en-US" sz="2400" dirty="0">
+                <a:solidFill>
+                  <a:schemeClr val="tx2">
+                    <a:lumMod val="60000"/>
+                    <a:lumOff val="40000"/>
+                  </a:schemeClr>
+                </a:solidFill>
+              </a:rPr>
+              <a:t>Microsoft Blend</a:t>
+            </a:r>
+            <a:r>
+              <a:rPr lang="en-US" sz="2400" dirty="0">
+                <a:solidFill>
+                  <a:srgbClr val="262636"/>
+                </a:solidFill>
+              </a:rPr>
+              <a:t> </a:t>
+            </a:r>
+            <a:r>
+              <a:rPr lang="ru-RU" sz="2400" dirty="0">
+                <a:solidFill>
+                  <a:srgbClr val="262636"/>
+                </a:solidFill>
+              </a:rPr>
+              <a:t>никого не оставит равнодушным.</a:t>
+            </a:r>
+            <a:endParaRPr lang="ru-RU" sz="1600" dirty="0">
+              <a:solidFill>
+                <a:schemeClr val="tx2">
+                  <a:lumMod val="60000"/>
+                  <a:lumOff val="40000"/>
+                </a:schemeClr>
+              </a:solidFill>
+            </a:endParaRPr>
           </a:p>
         </p:txBody>
       </p:sp>
     </p:spTree>
     <p:extLst>
       <p:ext uri="{BB962C8B-B14F-4D97-AF65-F5344CB8AC3E}">
-        <p14:creationId xmlns:p14="http://schemas.microsoft.com/office/powerpoint/2010/main" val="47149007"/>
+        <p14:creationId xmlns:p14="http://schemas.microsoft.com/office/powerpoint/2010/main" val="519807009"/>
       </p:ext>
     </p:extLst>
   </p:cSld>
@@ -38818,7 +39764,7 @@
         <p:spPr>
           <a:xfrm>
             <a:off x="1190625" y="1469836"/>
-            <a:ext cx="7686675" cy="3785652"/>
+            <a:ext cx="7686675" cy="830997"/>
           </a:xfrm>
           <a:prstGeom prst="rect">
             <a:avLst/>
@@ -38832,124 +39778,12 @@
           <a:lstStyle/>
           <a:p>
             <a:r>
-              <a:rPr lang="en-US" sz="2400" dirty="0">
-                <a:solidFill>
-                  <a:srgbClr val="262636"/>
-                </a:solidFill>
-              </a:rPr>
-              <a:t>3. </a:t>
-            </a:r>
-            <a:r>
-              <a:rPr lang="ru-RU" sz="2400" dirty="0">
-                <a:solidFill>
-                  <a:srgbClr val="262636"/>
-                </a:solidFill>
-              </a:rPr>
-              <a:t>Эффективный векторный формат хранения данных</a:t>
-            </a:r>
-          </a:p>
-          <a:p>
-            <a:r>
-              <a:rPr lang="ru-RU" sz="2400" dirty="0">
-                <a:solidFill>
-                  <a:srgbClr val="262636"/>
-                </a:solidFill>
-              </a:rPr>
-              <a:t>4. Поддержка паттерна </a:t>
-            </a:r>
-            <a:r>
-              <a:rPr lang="en-US" sz="2400" dirty="0">
-                <a:solidFill>
-                  <a:srgbClr val="262636"/>
-                </a:solidFill>
-              </a:rPr>
-              <a:t>MVVM</a:t>
-            </a:r>
-          </a:p>
-          <a:p>
-            <a:r>
-              <a:rPr lang="en-US" sz="2400" dirty="0">
-                <a:solidFill>
-                  <a:srgbClr val="262636"/>
-                </a:solidFill>
-              </a:rPr>
-              <a:t>5. </a:t>
-            </a:r>
-            <a:r>
-              <a:rPr lang="ru-RU" sz="2400" dirty="0">
-                <a:solidFill>
-                  <a:schemeClr val="accent4">
-                    <a:lumMod val="75000"/>
-                  </a:schemeClr>
-                </a:solidFill>
-              </a:rPr>
-              <a:t>Найдено недостающее звено для эволюции дизайнеров в полноправных участников процесса разработки!</a:t>
-            </a:r>
-            <a:r>
-              <a:rPr lang="ru-RU" sz="2400" dirty="0">
-                <a:solidFill>
-                  <a:srgbClr val="262636"/>
-                </a:solidFill>
-              </a:rPr>
-              <a:t> Декларативный язык </a:t>
-            </a:r>
-            <a:r>
-              <a:rPr lang="en-US" sz="2400" dirty="0">
-                <a:solidFill>
-                  <a:srgbClr val="262636"/>
-                </a:solidFill>
-              </a:rPr>
-              <a:t>XAML </a:t>
-            </a:r>
-            <a:r>
-              <a:rPr lang="ru-RU" sz="2400" dirty="0">
-                <a:solidFill>
-                  <a:srgbClr val="262636"/>
-                </a:solidFill>
-              </a:rPr>
-              <a:t>для описания как </a:t>
-            </a:r>
-            <a:r>
-              <a:rPr lang="en-US" sz="2400" dirty="0">
-                <a:solidFill>
-                  <a:srgbClr val="262636"/>
-                </a:solidFill>
-              </a:rPr>
-              <a:t>UI </a:t>
-            </a:r>
-            <a:r>
-              <a:rPr lang="ru-RU" sz="2400" dirty="0">
-                <a:solidFill>
-                  <a:srgbClr val="262636"/>
-                </a:solidFill>
-              </a:rPr>
-              <a:t>целиком, так и отдельных компонентов.</a:t>
-            </a:r>
-          </a:p>
-          <a:p>
-            <a:r>
-              <a:rPr lang="ru-RU" sz="2400" dirty="0">
-                <a:solidFill>
-                  <a:srgbClr val="262636"/>
-                </a:solidFill>
-              </a:rPr>
-              <a:t>Лучший в своём классе редактор интерфейсов </a:t>
-            </a:r>
-            <a:r>
-              <a:rPr lang="en-US" sz="2400" dirty="0">
-                <a:solidFill>
-                  <a:srgbClr val="262636"/>
-                </a:solidFill>
-              </a:rPr>
-              <a:t>Microsoft Blend </a:t>
-            </a:r>
-            <a:r>
-              <a:rPr lang="ru-RU" sz="2400" dirty="0">
-                <a:solidFill>
-                  <a:srgbClr val="262636"/>
-                </a:solidFill>
-              </a:rPr>
-              <a:t>никого не оставит равнодушным.</a:t>
+              <a:rPr lang="ru-RU" sz="2400" dirty="0">
+                <a:solidFill>
+                  <a:srgbClr val="262636"/>
+                </a:solidFill>
+              </a:rPr>
+              <a:t>Визуальное редактирование + текстовый редактор</a:t>
             </a:r>
             <a:endParaRPr lang="ru-RU" sz="1600" dirty="0">
               <a:solidFill>
@@ -38962,10 +39796,46 @@
           </a:p>
         </p:txBody>
       </p:sp>
+      <p:pic>
+        <p:nvPicPr>
+          <p:cNvPr id="6" name="Рисунок 5" descr="Изображение выглядит как текст, компьютер, монитор, черный&#10;&#10;Автоматически созданное описание">
+            <a:extLst>
+              <a:ext uri="{FF2B5EF4-FFF2-40B4-BE49-F238E27FC236}">
+                <a16:creationId xmlns:a16="http://schemas.microsoft.com/office/drawing/2014/main" id="{F2F430FB-70EB-4F56-AF3C-197576FA2C2C}"/>
+              </a:ext>
+            </a:extLst>
+          </p:cNvPr>
+          <p:cNvPicPr>
+            <a:picLocks noChangeAspect="1"/>
+          </p:cNvPicPr>
+          <p:nvPr/>
+        </p:nvPicPr>
+        <p:blipFill>
+          <a:blip r:embed="rId2">
+            <a:extLst>
+              <a:ext uri="{28A0092B-C50C-407E-A947-70E740481C1C}">
+                <a14:useLocalDpi xmlns:a14="http://schemas.microsoft.com/office/drawing/2010/main" val="0"/>
+              </a:ext>
+            </a:extLst>
+          </a:blip>
+          <a:stretch>
+            <a:fillRect/>
+          </a:stretch>
+        </p:blipFill>
+        <p:spPr>
+          <a:xfrm>
+            <a:off x="3411006" y="1962072"/>
+            <a:ext cx="5732994" cy="3426092"/>
+          </a:xfrm>
+          <a:prstGeom prst="rect">
+            <a:avLst/>
+          </a:prstGeom>
+        </p:spPr>
+      </p:pic>
     </p:spTree>
     <p:extLst>
       <p:ext uri="{BB962C8B-B14F-4D97-AF65-F5344CB8AC3E}">
-        <p14:creationId xmlns:p14="http://schemas.microsoft.com/office/powerpoint/2010/main" val="519807009"/>
+        <p14:creationId xmlns:p14="http://schemas.microsoft.com/office/powerpoint/2010/main" val="3341643827"/>
       </p:ext>
     </p:extLst>
   </p:cSld>
@@ -39137,7 +40007,7 @@
         <p:spPr>
           <a:xfrm>
             <a:off x="1190625" y="1469836"/>
-            <a:ext cx="7686675" cy="830997"/>
+            <a:ext cx="7686675" cy="4893647"/>
           </a:xfrm>
           <a:prstGeom prst="rect">
             <a:avLst/>
@@ -39157,6 +40027,99 @@
                 </a:solidFill>
               </a:rPr>
               <a:t>Визуальное редактирование + текстовый редактор</a:t>
+            </a:r>
+            <a:endParaRPr lang="en-US" sz="2400" dirty="0">
+              <a:solidFill>
+                <a:srgbClr val="262636"/>
+              </a:solidFill>
+            </a:endParaRPr>
+          </a:p>
+          <a:p>
+            <a:endParaRPr lang="en-US" sz="2400" dirty="0">
+              <a:solidFill>
+                <a:srgbClr val="262636"/>
+              </a:solidFill>
+            </a:endParaRPr>
+          </a:p>
+          <a:p>
+            <a:endParaRPr lang="en-US" sz="2400" dirty="0">
+              <a:solidFill>
+                <a:srgbClr val="262636"/>
+              </a:solidFill>
+            </a:endParaRPr>
+          </a:p>
+          <a:p>
+            <a:endParaRPr lang="en-US" sz="2400" dirty="0">
+              <a:solidFill>
+                <a:srgbClr val="262636"/>
+              </a:solidFill>
+            </a:endParaRPr>
+          </a:p>
+          <a:p>
+            <a:endParaRPr lang="en-US" sz="2400" dirty="0">
+              <a:solidFill>
+                <a:srgbClr val="262636"/>
+              </a:solidFill>
+            </a:endParaRPr>
+          </a:p>
+          <a:p>
+            <a:endParaRPr lang="en-US" sz="2400" dirty="0">
+              <a:solidFill>
+                <a:srgbClr val="262636"/>
+              </a:solidFill>
+            </a:endParaRPr>
+          </a:p>
+          <a:p>
+            <a:endParaRPr lang="en-US" sz="2400" dirty="0">
+              <a:solidFill>
+                <a:srgbClr val="262636"/>
+              </a:solidFill>
+            </a:endParaRPr>
+          </a:p>
+          <a:p>
+            <a:endParaRPr lang="en-US" sz="2400" dirty="0">
+              <a:solidFill>
+                <a:srgbClr val="262636"/>
+              </a:solidFill>
+            </a:endParaRPr>
+          </a:p>
+          <a:p>
+            <a:endParaRPr lang="en-US" sz="2400" dirty="0">
+              <a:solidFill>
+                <a:srgbClr val="262636"/>
+              </a:solidFill>
+            </a:endParaRPr>
+          </a:p>
+          <a:p>
+            <a:endParaRPr lang="en-US" sz="2400" dirty="0">
+              <a:solidFill>
+                <a:srgbClr val="262636"/>
+              </a:solidFill>
+            </a:endParaRPr>
+          </a:p>
+          <a:p>
+            <a:endParaRPr lang="en-US" sz="2400" dirty="0">
+              <a:solidFill>
+                <a:srgbClr val="262636"/>
+              </a:solidFill>
+            </a:endParaRPr>
+          </a:p>
+          <a:p>
+            <a:r>
+              <a:rPr lang="en-US" sz="2400" dirty="0">
+                <a:solidFill>
+                  <a:srgbClr val="262636"/>
+                </a:solidFill>
+              </a:rPr>
+              <a:t>					</a:t>
+            </a:r>
+            <a:r>
+              <a:rPr lang="ru-RU" sz="2400" dirty="0">
+                <a:solidFill>
+                  <a:srgbClr val="262636"/>
+                </a:solidFill>
+              </a:rPr>
+              <a:t>Богатый набор компонентов</a:t>
             </a:r>
             <a:endParaRPr lang="ru-RU" sz="1600" dirty="0">
               <a:solidFill>
@@ -39205,10 +40168,40 @@
           </a:prstGeom>
         </p:spPr>
       </p:pic>
+      <p:pic>
+        <p:nvPicPr>
+          <p:cNvPr id="4" name="Рисунок 3">
+            <a:extLst>
+              <a:ext uri="{FF2B5EF4-FFF2-40B4-BE49-F238E27FC236}">
+                <a16:creationId xmlns:a16="http://schemas.microsoft.com/office/drawing/2014/main" id="{58FBE556-5F76-407E-A245-20970DBE3615}"/>
+              </a:ext>
+            </a:extLst>
+          </p:cNvPr>
+          <p:cNvPicPr>
+            <a:picLocks noChangeAspect="1"/>
+          </p:cNvPicPr>
+          <p:nvPr/>
+        </p:nvPicPr>
+        <p:blipFill>
+          <a:blip r:embed="rId3"/>
+          <a:stretch>
+            <a:fillRect/>
+          </a:stretch>
+        </p:blipFill>
+        <p:spPr>
+          <a:xfrm>
+            <a:off x="1003634" y="2416402"/>
+            <a:ext cx="2324100" cy="4333875"/>
+          </a:xfrm>
+          <a:prstGeom prst="rect">
+            <a:avLst/>
+          </a:prstGeom>
+        </p:spPr>
+      </p:pic>
     </p:spTree>
     <p:extLst>
       <p:ext uri="{BB962C8B-B14F-4D97-AF65-F5344CB8AC3E}">
-        <p14:creationId xmlns:p14="http://schemas.microsoft.com/office/powerpoint/2010/main" val="3341643827"/>
+        <p14:creationId xmlns:p14="http://schemas.microsoft.com/office/powerpoint/2010/main" val="2545427811"/>
       </p:ext>
     </p:extLst>
   </p:cSld>
@@ -39380,7 +40373,7 @@
         <p:spPr>
           <a:xfrm>
             <a:off x="1190625" y="1469836"/>
-            <a:ext cx="7686675" cy="4893647"/>
+            <a:ext cx="7686675" cy="1938992"/>
           </a:xfrm>
           <a:prstGeom prst="rect">
             <a:avLst/>
@@ -39399,182 +40392,70 @@
                   <a:srgbClr val="262636"/>
                 </a:solidFill>
               </a:rPr>
-              <a:t>Визуальное редактирование + текстовый редактор</a:t>
-            </a:r>
-            <a:endParaRPr lang="en-US" sz="2400" dirty="0">
+              <a:t>А ещё </a:t>
+            </a:r>
+            <a:r>
+              <a:rPr lang="en-US" sz="2400" dirty="0" err="1">
+                <a:solidFill>
+                  <a:srgbClr val="262636"/>
+                </a:solidFill>
+              </a:rPr>
+              <a:t>NoesisGUI</a:t>
+            </a:r>
+            <a:r>
+              <a:rPr lang="en-US" sz="2400" dirty="0">
+                <a:solidFill>
+                  <a:srgbClr val="262636"/>
+                </a:solidFill>
+              </a:rPr>
+              <a:t> – </a:t>
+            </a:r>
+            <a:r>
+              <a:rPr lang="ru-RU" sz="2400" dirty="0">
+                <a:solidFill>
+                  <a:srgbClr val="262636"/>
+                </a:solidFill>
+              </a:rPr>
+              <a:t>это проверенное боевое решение, и легко встраивается во всё, что только можно</a:t>
+            </a:r>
+            <a:r>
+              <a:rPr lang="en-US" sz="2400" dirty="0">
+                <a:solidFill>
+                  <a:srgbClr val="262636"/>
+                </a:solidFill>
+              </a:rPr>
+              <a:t>. OpenGL, DirectX, </a:t>
+            </a:r>
+            <a:r>
+              <a:rPr lang="ru-RU" sz="2400" dirty="0">
+                <a:solidFill>
+                  <a:srgbClr val="262636"/>
+                </a:solidFill>
+              </a:rPr>
+              <a:t>всевозможные игровые движки</a:t>
+            </a:r>
+            <a:r>
+              <a:rPr lang="en-US" sz="2400" dirty="0">
+                <a:solidFill>
+                  <a:srgbClr val="262636"/>
+                </a:solidFill>
+              </a:rPr>
+              <a:t>…</a:t>
+            </a:r>
+          </a:p>
+          <a:p>
+            <a:endParaRPr lang="ru-RU" sz="2400" dirty="0">
               <a:solidFill>
                 <a:srgbClr val="262636"/>
               </a:solidFill>
             </a:endParaRPr>
           </a:p>
-          <a:p>
-            <a:endParaRPr lang="en-US" sz="2400" dirty="0">
-              <a:solidFill>
-                <a:srgbClr val="262636"/>
-              </a:solidFill>
-            </a:endParaRPr>
-          </a:p>
-          <a:p>
-            <a:endParaRPr lang="en-US" sz="2400" dirty="0">
-              <a:solidFill>
-                <a:srgbClr val="262636"/>
-              </a:solidFill>
-            </a:endParaRPr>
-          </a:p>
-          <a:p>
-            <a:endParaRPr lang="en-US" sz="2400" dirty="0">
-              <a:solidFill>
-                <a:srgbClr val="262636"/>
-              </a:solidFill>
-            </a:endParaRPr>
-          </a:p>
-          <a:p>
-            <a:endParaRPr lang="en-US" sz="2400" dirty="0">
-              <a:solidFill>
-                <a:srgbClr val="262636"/>
-              </a:solidFill>
-            </a:endParaRPr>
-          </a:p>
-          <a:p>
-            <a:endParaRPr lang="en-US" sz="2400" dirty="0">
-              <a:solidFill>
-                <a:srgbClr val="262636"/>
-              </a:solidFill>
-            </a:endParaRPr>
-          </a:p>
-          <a:p>
-            <a:endParaRPr lang="en-US" sz="2400" dirty="0">
-              <a:solidFill>
-                <a:srgbClr val="262636"/>
-              </a:solidFill>
-            </a:endParaRPr>
-          </a:p>
-          <a:p>
-            <a:endParaRPr lang="en-US" sz="2400" dirty="0">
-              <a:solidFill>
-                <a:srgbClr val="262636"/>
-              </a:solidFill>
-            </a:endParaRPr>
-          </a:p>
-          <a:p>
-            <a:endParaRPr lang="en-US" sz="2400" dirty="0">
-              <a:solidFill>
-                <a:srgbClr val="262636"/>
-              </a:solidFill>
-            </a:endParaRPr>
-          </a:p>
-          <a:p>
-            <a:endParaRPr lang="en-US" sz="2400" dirty="0">
-              <a:solidFill>
-                <a:srgbClr val="262636"/>
-              </a:solidFill>
-            </a:endParaRPr>
-          </a:p>
-          <a:p>
-            <a:endParaRPr lang="en-US" sz="2400" dirty="0">
-              <a:solidFill>
-                <a:srgbClr val="262636"/>
-              </a:solidFill>
-            </a:endParaRPr>
-          </a:p>
-          <a:p>
-            <a:r>
-              <a:rPr lang="en-US" sz="2400" dirty="0">
-                <a:solidFill>
-                  <a:srgbClr val="262636"/>
-                </a:solidFill>
-              </a:rPr>
-              <a:t>					</a:t>
-            </a:r>
-            <a:r>
-              <a:rPr lang="ru-RU" sz="2400" dirty="0">
-                <a:solidFill>
-                  <a:srgbClr val="262636"/>
-                </a:solidFill>
-              </a:rPr>
-              <a:t>	Богатый набор компонентов</a:t>
-            </a:r>
-            <a:endParaRPr lang="ru-RU" sz="1600" dirty="0">
-              <a:solidFill>
-                <a:schemeClr val="tx2">
-                  <a:lumMod val="60000"/>
-                  <a:lumOff val="40000"/>
-                </a:schemeClr>
-              </a:solidFill>
-            </a:endParaRPr>
-          </a:p>
         </p:txBody>
       </p:sp>
-      <p:pic>
-        <p:nvPicPr>
-          <p:cNvPr id="6" name="Рисунок 5" descr="Изображение выглядит как текст, компьютер, монитор, черный&#10;&#10;Автоматически созданное описание">
-            <a:extLst>
-              <a:ext uri="{FF2B5EF4-FFF2-40B4-BE49-F238E27FC236}">
-                <a16:creationId xmlns:a16="http://schemas.microsoft.com/office/drawing/2014/main" id="{F2F430FB-70EB-4F56-AF3C-197576FA2C2C}"/>
-              </a:ext>
-            </a:extLst>
-          </p:cNvPr>
-          <p:cNvPicPr>
-            <a:picLocks noChangeAspect="1"/>
-          </p:cNvPicPr>
-          <p:nvPr/>
-        </p:nvPicPr>
-        <p:blipFill>
-          <a:blip r:embed="rId2">
-            <a:extLst>
-              <a:ext uri="{28A0092B-C50C-407E-A947-70E740481C1C}">
-                <a14:useLocalDpi xmlns:a14="http://schemas.microsoft.com/office/drawing/2010/main" val="0"/>
-              </a:ext>
-            </a:extLst>
-          </a:blip>
-          <a:stretch>
-            <a:fillRect/>
-          </a:stretch>
-        </p:blipFill>
-        <p:spPr>
-          <a:xfrm>
-            <a:off x="3411006" y="1962072"/>
-            <a:ext cx="5732994" cy="3426092"/>
-          </a:xfrm>
-          <a:prstGeom prst="rect">
-            <a:avLst/>
-          </a:prstGeom>
-        </p:spPr>
-      </p:pic>
-      <p:pic>
-        <p:nvPicPr>
-          <p:cNvPr id="4" name="Рисунок 3">
-            <a:extLst>
-              <a:ext uri="{FF2B5EF4-FFF2-40B4-BE49-F238E27FC236}">
-                <a16:creationId xmlns:a16="http://schemas.microsoft.com/office/drawing/2014/main" id="{58FBE556-5F76-407E-A245-20970DBE3615}"/>
-              </a:ext>
-            </a:extLst>
-          </p:cNvPr>
-          <p:cNvPicPr>
-            <a:picLocks noChangeAspect="1"/>
-          </p:cNvPicPr>
-          <p:nvPr/>
-        </p:nvPicPr>
-        <p:blipFill>
-          <a:blip r:embed="rId3"/>
-          <a:stretch>
-            <a:fillRect/>
-          </a:stretch>
-        </p:blipFill>
-        <p:spPr>
-          <a:xfrm>
-            <a:off x="1003634" y="2416402"/>
-            <a:ext cx="2324100" cy="4333875"/>
-          </a:xfrm>
-          <a:prstGeom prst="rect">
-            <a:avLst/>
-          </a:prstGeom>
-        </p:spPr>
-      </p:pic>
     </p:spTree>
     <p:extLst>
       <p:ext uri="{BB962C8B-B14F-4D97-AF65-F5344CB8AC3E}">
-        <p14:creationId xmlns:p14="http://schemas.microsoft.com/office/powerpoint/2010/main" val="2545427811"/>
+        <p14:creationId xmlns:p14="http://schemas.microsoft.com/office/powerpoint/2010/main" val="540583679"/>
       </p:ext>
     </p:extLst>
   </p:cSld>
@@ -39630,22 +40511,15 @@
               </a:spcBef>
             </a:pPr>
             <a:r>
-              <a:rPr lang="en-US" sz="3600" b="1" dirty="0" err="1">
+              <a:rPr lang="ru-RU" sz="3600" b="1" dirty="0">
                 <a:solidFill>
                   <a:schemeClr val="tx2">
                     <a:lumMod val="75000"/>
                   </a:schemeClr>
                 </a:solidFill>
               </a:rPr>
-              <a:t>NoesisGUI</a:t>
-            </a:r>
-            <a:endParaRPr lang="ru-RU" sz="3600" b="1" dirty="0">
-              <a:solidFill>
-                <a:schemeClr val="tx2">
-                  <a:lumMod val="75000"/>
-                </a:schemeClr>
-              </a:solidFill>
-            </a:endParaRPr>
+              <a:t>Результаты</a:t>
+            </a:r>
           </a:p>
         </p:txBody>
       </p:sp>
@@ -39746,7 +40620,7 @@
         <p:spPr>
           <a:xfrm>
             <a:off x="1190625" y="1469836"/>
-            <a:ext cx="7686675" cy="1569660"/>
+            <a:ext cx="7686675" cy="1200329"/>
           </a:xfrm>
           <a:prstGeom prst="rect">
             <a:avLst/>
@@ -39765,7 +40639,23 @@
                   <a:srgbClr val="262636"/>
                 </a:solidFill>
               </a:rPr>
-              <a:t>А ещё </a:t>
+              <a:t>Сочетая архитектурные</a:t>
+            </a:r>
+            <a:r>
+              <a:rPr lang="en-US" sz="2400" dirty="0">
+                <a:solidFill>
+                  <a:srgbClr val="262636"/>
+                </a:solidFill>
+              </a:rPr>
+              <a:t> </a:t>
+            </a:r>
+            <a:r>
+              <a:rPr lang="ru-RU" sz="2400" dirty="0">
+                <a:solidFill>
+                  <a:srgbClr val="262636"/>
+                </a:solidFill>
+              </a:rPr>
+              <a:t>приёмы, и используя библиотеки </a:t>
             </a:r>
             <a:r>
               <a:rPr lang="en-US" sz="2400" dirty="0" err="1">
@@ -39781,15 +40671,31 @@
                   <a:srgbClr val="262636"/>
                 </a:solidFill>
               </a:rPr>
-              <a:t> – </a:t>
-            </a:r>
-            <a:r>
-              <a:rPr lang="ru-RU" sz="2400" dirty="0">
-                <a:solidFill>
-                  <a:srgbClr val="262636"/>
-                </a:solidFill>
-              </a:rPr>
-              <a:t>это проверенное боевое решение, и легко встраивается во всё, что только можно</a:t>
+              <a:t> </a:t>
+            </a:r>
+            <a:r>
+              <a:rPr lang="ru-RU" sz="2400" dirty="0">
+                <a:solidFill>
+                  <a:srgbClr val="262636"/>
+                </a:solidFill>
+              </a:rPr>
+              <a:t>и </a:t>
+            </a:r>
+            <a:r>
+              <a:rPr lang="en-US" sz="2400" dirty="0" err="1">
+                <a:solidFill>
+                  <a:srgbClr val="262636"/>
+                </a:solidFill>
+              </a:rPr>
+              <a:t>tirx</a:t>
+            </a:r>
+            <a:r>
+              <a:rPr lang="ru-RU" sz="2400" dirty="0">
+                <a:solidFill>
+                  <a:srgbClr val="262636"/>
+                </a:solidFill>
+              </a:rPr>
+              <a:t>, удалось на скорую руку сделать </a:t>
             </a:r>
             <a:r>
               <a:rPr lang="en-US" sz="2400" dirty="0">
@@ -39797,31 +40703,45 @@
                   <a:srgbClr val="262636"/>
                 </a:solidFill>
               </a:rPr>
-              <a:t>. OpenGL, DirectX, </a:t>
-            </a:r>
-            <a:r>
-              <a:rPr lang="ru-RU" sz="2400" dirty="0">
-                <a:solidFill>
-                  <a:srgbClr val="262636"/>
-                </a:solidFill>
-              </a:rPr>
-              <a:t>всевозможные игровые движки…</a:t>
-            </a:r>
-            <a:endParaRPr lang="ru-RU" sz="1600" dirty="0">
-              <a:solidFill>
-                <a:schemeClr val="tx2">
-                  <a:lumMod val="60000"/>
-                  <a:lumOff val="40000"/>
-                </a:schemeClr>
-              </a:solidFill>
-            </a:endParaRPr>
+              <a:t>Proof-Of-Concept</a:t>
+            </a:r>
           </a:p>
         </p:txBody>
       </p:sp>
+      <p:pic>
+        <p:nvPicPr>
+          <p:cNvPr id="6" name="Рисунок 5">
+            <a:extLst>
+              <a:ext uri="{FF2B5EF4-FFF2-40B4-BE49-F238E27FC236}">
+                <a16:creationId xmlns:a16="http://schemas.microsoft.com/office/drawing/2014/main" id="{BD949412-CDEF-4E61-BEA2-9FF29373CCDC}"/>
+              </a:ext>
+            </a:extLst>
+          </p:cNvPr>
+          <p:cNvPicPr>
+            <a:picLocks noChangeAspect="1"/>
+          </p:cNvPicPr>
+          <p:nvPr/>
+        </p:nvPicPr>
+        <p:blipFill>
+          <a:blip r:embed="rId2"/>
+          <a:stretch>
+            <a:fillRect/>
+          </a:stretch>
+        </p:blipFill>
+        <p:spPr>
+          <a:xfrm>
+            <a:off x="4303101" y="2670164"/>
+            <a:ext cx="4707549" cy="3635385"/>
+          </a:xfrm>
+          <a:prstGeom prst="rect">
+            <a:avLst/>
+          </a:prstGeom>
+        </p:spPr>
+      </p:pic>
     </p:spTree>
     <p:extLst>
       <p:ext uri="{BB962C8B-B14F-4D97-AF65-F5344CB8AC3E}">
-        <p14:creationId xmlns:p14="http://schemas.microsoft.com/office/powerpoint/2010/main" val="540583679"/>
+        <p14:creationId xmlns:p14="http://schemas.microsoft.com/office/powerpoint/2010/main" val="2467529715"/>
       </p:ext>
     </p:extLst>
   </p:cSld>
@@ -39986,7 +40906,7 @@
         <p:spPr>
           <a:xfrm>
             <a:off x="1190625" y="1469836"/>
-            <a:ext cx="7686675" cy="1200329"/>
+            <a:ext cx="7686675" cy="1569660"/>
           </a:xfrm>
           <a:prstGeom prst="rect">
             <a:avLst/>
@@ -40005,7 +40925,7 @@
                   <a:srgbClr val="262636"/>
                 </a:solidFill>
               </a:rPr>
-              <a:t>Сочетая архитектурные</a:t>
+              <a:t>Приложение рисует снимок карты, простой </a:t>
             </a:r>
             <a:r>
               <a:rPr lang="en-US" sz="2400" dirty="0">
@@ -40013,6 +40933,30 @@
                   <a:srgbClr val="262636"/>
                 </a:solidFill>
               </a:rPr>
+              <a:t>UI,</a:t>
+            </a:r>
+            <a:r>
+              <a:rPr lang="ru-RU" sz="2400" dirty="0">
+                <a:solidFill>
+                  <a:srgbClr val="262636"/>
+                </a:solidFill>
+              </a:rPr>
+              <a:t> и демонстрирует некоторые возможности </a:t>
+            </a:r>
+            <a:r>
+              <a:rPr lang="en-US" sz="2400" dirty="0" err="1">
+                <a:solidFill>
+                  <a:srgbClr val="262636"/>
+                </a:solidFill>
+              </a:rPr>
+              <a:t>tirx</a:t>
+            </a:r>
+            <a:r>
+              <a:rPr lang="en-US" sz="2400" dirty="0">
+                <a:solidFill>
+                  <a:srgbClr val="262636"/>
+                </a:solidFill>
+              </a:rPr>
               <a:t> </a:t>
             </a:r>
             <a:r>
@@ -40021,7 +40965,7 @@
                   <a:srgbClr val="262636"/>
                 </a:solidFill>
               </a:rPr>
-              <a:t>приёмы, и используя библиотеки </a:t>
+              <a:t>и </a:t>
             </a:r>
             <a:r>
               <a:rPr lang="en-US" sz="2400" dirty="0" err="1">
@@ -40037,77 +40981,27 @@
                   <a:srgbClr val="262636"/>
                 </a:solidFill>
               </a:rPr>
-              <a:t> </a:t>
-            </a:r>
-            <a:r>
-              <a:rPr lang="ru-RU" sz="2400" dirty="0">
-                <a:solidFill>
-                  <a:srgbClr val="262636"/>
-                </a:solidFill>
-              </a:rPr>
-              <a:t>и </a:t>
-            </a:r>
-            <a:r>
-              <a:rPr lang="en-US" sz="2400" dirty="0" err="1">
-                <a:solidFill>
-                  <a:srgbClr val="262636"/>
-                </a:solidFill>
-              </a:rPr>
-              <a:t>tirx</a:t>
-            </a:r>
-            <a:r>
-              <a:rPr lang="ru-RU" sz="2400" dirty="0">
-                <a:solidFill>
-                  <a:srgbClr val="262636"/>
-                </a:solidFill>
-              </a:rPr>
-              <a:t>, удалось на скорую руку сделать </a:t>
-            </a:r>
-            <a:r>
-              <a:rPr lang="en-US" sz="2400" dirty="0">
-                <a:solidFill>
-                  <a:srgbClr val="262636"/>
-                </a:solidFill>
-              </a:rPr>
-              <a:t>Proof-Of-Concept</a:t>
-            </a:r>
+              <a:t>:</a:t>
+            </a:r>
+            <a:endParaRPr lang="ru-RU" sz="2400" dirty="0">
+              <a:solidFill>
+                <a:srgbClr val="262636"/>
+              </a:solidFill>
+            </a:endParaRPr>
+          </a:p>
+          <a:p>
+            <a:endParaRPr lang="en-US" sz="2400" dirty="0">
+              <a:solidFill>
+                <a:srgbClr val="262636"/>
+              </a:solidFill>
+            </a:endParaRPr>
           </a:p>
         </p:txBody>
       </p:sp>
-      <p:pic>
-        <p:nvPicPr>
-          <p:cNvPr id="6" name="Рисунок 5">
-            <a:extLst>
-              <a:ext uri="{FF2B5EF4-FFF2-40B4-BE49-F238E27FC236}">
-                <a16:creationId xmlns:a16="http://schemas.microsoft.com/office/drawing/2014/main" id="{BD949412-CDEF-4E61-BEA2-9FF29373CCDC}"/>
-              </a:ext>
-            </a:extLst>
-          </p:cNvPr>
-          <p:cNvPicPr>
-            <a:picLocks noChangeAspect="1"/>
-          </p:cNvPicPr>
-          <p:nvPr/>
-        </p:nvPicPr>
-        <p:blipFill>
-          <a:blip r:embed="rId2"/>
-          <a:stretch>
-            <a:fillRect/>
-          </a:stretch>
-        </p:blipFill>
-        <p:spPr>
-          <a:xfrm>
-            <a:off x="4303101" y="2670164"/>
-            <a:ext cx="4707549" cy="3635385"/>
-          </a:xfrm>
-          <a:prstGeom prst="rect">
-            <a:avLst/>
-          </a:prstGeom>
-        </p:spPr>
-      </p:pic>
     </p:spTree>
     <p:extLst>
       <p:ext uri="{BB962C8B-B14F-4D97-AF65-F5344CB8AC3E}">
-        <p14:creationId xmlns:p14="http://schemas.microsoft.com/office/powerpoint/2010/main" val="2467529715"/>
+        <p14:creationId xmlns:p14="http://schemas.microsoft.com/office/powerpoint/2010/main" val="3515380542"/>
       </p:ext>
     </p:extLst>
   </p:cSld>
@@ -40272,7 +41166,7 @@
         <p:spPr>
           <a:xfrm>
             <a:off x="1190625" y="1469836"/>
-            <a:ext cx="7686675" cy="1200329"/>
+            <a:ext cx="7686675" cy="2308324"/>
           </a:xfrm>
           <a:prstGeom prst="rect">
             <a:avLst/>
@@ -40291,7 +41185,23 @@
                   <a:srgbClr val="262636"/>
                 </a:solidFill>
               </a:rPr>
-              <a:t>Приложение рисует снимок карты и демонстрирует некоторые возможности </a:t>
+              <a:t>Приложение рисует снимок карты, простой </a:t>
+            </a:r>
+            <a:r>
+              <a:rPr lang="en-US" sz="2400" dirty="0">
+                <a:solidFill>
+                  <a:srgbClr val="262636"/>
+                </a:solidFill>
+              </a:rPr>
+              <a:t>UI,</a:t>
+            </a:r>
+            <a:r>
+              <a:rPr lang="ru-RU" sz="2400" dirty="0">
+                <a:solidFill>
+                  <a:srgbClr val="262636"/>
+                </a:solidFill>
+              </a:rPr>
+              <a:t> и демонстрирует некоторые возможности </a:t>
             </a:r>
             <a:r>
               <a:rPr lang="en-US" sz="2400" dirty="0" err="1">
@@ -40333,13 +41243,62 @@
               </a:rPr>
               <a:t>:</a:t>
             </a:r>
+          </a:p>
+          <a:p>
+            <a:r>
+              <a:rPr lang="en-US" sz="2400" dirty="0">
+                <a:solidFill>
+                  <a:srgbClr val="262636"/>
+                </a:solidFill>
+              </a:rPr>
+              <a:t>1</a:t>
+            </a:r>
+            <a:r>
+              <a:rPr lang="ru-RU" sz="2400" dirty="0">
+                <a:solidFill>
+                  <a:srgbClr val="262636"/>
+                </a:solidFill>
+              </a:rPr>
+              <a:t>. Источник (поток) </a:t>
+            </a:r>
+            <a:r>
+              <a:rPr lang="en-US" sz="2400" dirty="0">
+                <a:solidFill>
+                  <a:srgbClr val="262636"/>
+                </a:solidFill>
+              </a:rPr>
+              <a:t>NMEA-</a:t>
+            </a:r>
+            <a:r>
+              <a:rPr lang="ru-RU" sz="2400" dirty="0">
+                <a:solidFill>
+                  <a:srgbClr val="262636"/>
+                </a:solidFill>
+              </a:rPr>
+              <a:t>сообщений и два подписчика:</a:t>
+            </a:r>
+          </a:p>
+          <a:p>
+            <a:r>
+              <a:rPr lang="ru-RU" sz="2400" dirty="0">
+                <a:solidFill>
+                  <a:srgbClr val="262636"/>
+                </a:solidFill>
+              </a:rPr>
+              <a:t> </a:t>
+            </a:r>
+            <a:endParaRPr lang="en-US" sz="2400" dirty="0">
+              <a:solidFill>
+                <a:srgbClr val="262636"/>
+              </a:solidFill>
+            </a:endParaRPr>
           </a:p>
         </p:txBody>
       </p:sp>
     </p:spTree>
     <p:extLst>
       <p:ext uri="{BB962C8B-B14F-4D97-AF65-F5344CB8AC3E}">
-        <p14:creationId xmlns:p14="http://schemas.microsoft.com/office/powerpoint/2010/main" val="3515380542"/>
+        <p14:creationId xmlns:p14="http://schemas.microsoft.com/office/powerpoint/2010/main" val="3561555817"/>
       </p:ext>
     </p:extLst>
   </p:cSld>
@@ -40804,7 +41763,23 @@
                   <a:srgbClr val="262636"/>
                 </a:solidFill>
               </a:rPr>
-              <a:t>Приложение рисует снимок карты и демонстрирует некоторые возможности </a:t>
+              <a:t>Приложение рисует снимок карты, простой </a:t>
+            </a:r>
+            <a:r>
+              <a:rPr lang="en-US" sz="2400" dirty="0">
+                <a:solidFill>
+                  <a:srgbClr val="262636"/>
+                </a:solidFill>
+              </a:rPr>
+              <a:t>UI,</a:t>
+            </a:r>
+            <a:r>
+              <a:rPr lang="ru-RU" sz="2400" dirty="0">
+                <a:solidFill>
+                  <a:srgbClr val="262636"/>
+                </a:solidFill>
+              </a:rPr>
+              <a:t> и демонстрирует некоторые возможности </a:t>
             </a:r>
             <a:r>
               <a:rPr lang="en-US" sz="2400" dirty="0" err="1">
@@ -40862,7 +41837,7 @@
                   <a:srgbClr val="262636"/>
                 </a:solidFill>
               </a:rPr>
-              <a:t>. Источник </a:t>
+              <a:t>. Источник (поток) </a:t>
             </a:r>
             <a:r>
               <a:rPr lang="en-US" sz="2400" dirty="0">
@@ -40888,20 +41863,31 @@
                   <a:srgbClr val="262636"/>
                 </a:solidFill>
               </a:rPr>
-              <a:t> </a:t>
-            </a:r>
-            <a:endParaRPr lang="en-US" sz="2400" dirty="0">
-              <a:solidFill>
-                <a:srgbClr val="262636"/>
-              </a:solidFill>
-            </a:endParaRPr>
+              <a:t> – логгер </a:t>
+            </a:r>
+            <a:r>
+              <a:rPr lang="ru-RU" sz="2400" dirty="0" err="1">
+                <a:solidFill>
+                  <a:srgbClr val="262636"/>
+                </a:solidFill>
+              </a:rPr>
+              <a:t>журналирует</a:t>
+            </a:r>
+            <a:r>
+              <a:rPr lang="ru-RU" sz="2400" dirty="0">
+                <a:solidFill>
+                  <a:srgbClr val="262636"/>
+                </a:solidFill>
+              </a:rPr>
+              <a:t> их в файл</a:t>
+            </a:r>
           </a:p>
         </p:txBody>
       </p:sp>
     </p:spTree>
     <p:extLst>
       <p:ext uri="{BB962C8B-B14F-4D97-AF65-F5344CB8AC3E}">
-        <p14:creationId xmlns:p14="http://schemas.microsoft.com/office/powerpoint/2010/main" val="3561555817"/>
+        <p14:creationId xmlns:p14="http://schemas.microsoft.com/office/powerpoint/2010/main" val="2371298653"/>
       </p:ext>
     </p:extLst>
   </p:cSld>
@@ -41066,7 +42052,7 @@
         <p:spPr>
           <a:xfrm>
             <a:off x="1190625" y="1469836"/>
-            <a:ext cx="7686675" cy="2308324"/>
+            <a:ext cx="7686675" cy="3785652"/>
           </a:xfrm>
           <a:prstGeom prst="rect">
             <a:avLst/>
@@ -41085,7 +42071,23 @@
                   <a:srgbClr val="262636"/>
                 </a:solidFill>
               </a:rPr>
-              <a:t>Приложение рисует снимок карты и демонстрирует некоторые возможности </a:t>
+              <a:t>Приложение рисует снимок карты, простой </a:t>
+            </a:r>
+            <a:r>
+              <a:rPr lang="en-US" sz="2400" dirty="0">
+                <a:solidFill>
+                  <a:srgbClr val="262636"/>
+                </a:solidFill>
+              </a:rPr>
+              <a:t>UI,</a:t>
+            </a:r>
+            <a:r>
+              <a:rPr lang="ru-RU" sz="2400" dirty="0">
+                <a:solidFill>
+                  <a:srgbClr val="262636"/>
+                </a:solidFill>
+              </a:rPr>
+              <a:t> и демонстрирует некоторые возможности </a:t>
             </a:r>
             <a:r>
               <a:rPr lang="en-US" sz="2400" dirty="0" err="1">
@@ -41143,7 +42145,7 @@
                   <a:srgbClr val="262636"/>
                 </a:solidFill>
               </a:rPr>
-              <a:t>. Источник </a:t>
+              <a:t>. Источник (поток) </a:t>
             </a:r>
             <a:r>
               <a:rPr lang="en-US" sz="2400" dirty="0">
@@ -41186,6 +42188,112 @@
                 </a:solidFill>
               </a:rPr>
               <a:t> их в файл</a:t>
+            </a:r>
+          </a:p>
+          <a:p>
+            <a:r>
+              <a:rPr lang="ru-RU" sz="2400" dirty="0">
+                <a:solidFill>
+                  <a:srgbClr val="262636"/>
+                </a:solidFill>
+              </a:rPr>
+              <a:t> - </a:t>
+            </a:r>
+            <a:r>
+              <a:rPr lang="en-US" sz="2400" dirty="0" err="1">
+                <a:solidFill>
+                  <a:srgbClr val="262636"/>
+                </a:solidFill>
+              </a:rPr>
+              <a:t>NmeaProcessor</a:t>
+            </a:r>
+            <a:r>
+              <a:rPr lang="ru-RU" sz="2400" dirty="0">
+                <a:solidFill>
+                  <a:srgbClr val="262636"/>
+                </a:solidFill>
+              </a:rPr>
+              <a:t> обрабатывает, и формирует </a:t>
+            </a:r>
+            <a:r>
+              <a:rPr lang="en-US" sz="2400" dirty="0">
+                <a:solidFill>
+                  <a:srgbClr val="262636"/>
+                </a:solidFill>
+              </a:rPr>
+              <a:t>	</a:t>
+            </a:r>
+            <a:r>
+              <a:rPr lang="ru-RU" sz="2400" dirty="0">
+                <a:solidFill>
+                  <a:srgbClr val="262636"/>
+                </a:solidFill>
+              </a:rPr>
+              <a:t>два других потока – один с неизменными </a:t>
+            </a:r>
+            <a:r>
+              <a:rPr lang="en-US" sz="2400" dirty="0">
+                <a:solidFill>
+                  <a:srgbClr val="262636"/>
+                </a:solidFill>
+              </a:rPr>
+              <a:t>	</a:t>
+            </a:r>
+            <a:r>
+              <a:rPr lang="ru-RU" sz="2400" dirty="0">
+                <a:solidFill>
+                  <a:srgbClr val="262636"/>
+                </a:solidFill>
+              </a:rPr>
+              <a:t>сообщениями, другой – с координатами </a:t>
+            </a:r>
+            <a:r>
+              <a:rPr lang="en-US" sz="2400" dirty="0" err="1">
+                <a:solidFill>
+                  <a:srgbClr val="262636"/>
+                </a:solidFill>
+              </a:rPr>
+              <a:t>lat</a:t>
+            </a:r>
+            <a:r>
+              <a:rPr lang="en-US" sz="2400" dirty="0">
+                <a:solidFill>
+                  <a:srgbClr val="262636"/>
+                </a:solidFill>
+              </a:rPr>
+              <a:t>, 	</a:t>
+            </a:r>
+            <a:r>
+              <a:rPr lang="en-US" sz="2400" dirty="0" err="1">
+                <a:solidFill>
+                  <a:srgbClr val="262636"/>
+                </a:solidFill>
+              </a:rPr>
+              <a:t>lon</a:t>
+            </a:r>
+            <a:r>
+              <a:rPr lang="en-US" sz="2400" dirty="0">
+                <a:solidFill>
+                  <a:srgbClr val="262636"/>
+                </a:solidFill>
+              </a:rPr>
+              <a:t>. </a:t>
+            </a:r>
+            <a:r>
+              <a:rPr lang="ru-RU" sz="2400" dirty="0">
+                <a:solidFill>
+                  <a:srgbClr val="262636"/>
+                </a:solidFill>
+              </a:rPr>
+              <a:t>Эти данные выводятся на </a:t>
+            </a:r>
+            <a:r>
+              <a:rPr lang="en-US" sz="2400" dirty="0">
+                <a:solidFill>
+                  <a:srgbClr val="262636"/>
+                </a:solidFill>
+              </a:rPr>
+              <a:t>UI</a:t>
             </a:r>
           </a:p>
         </p:txBody>
@@ -41193,7 +42301,7 @@
     </p:spTree>
     <p:extLst>
       <p:ext uri="{BB962C8B-B14F-4D97-AF65-F5344CB8AC3E}">
-        <p14:creationId xmlns:p14="http://schemas.microsoft.com/office/powerpoint/2010/main" val="2371298653"/>
+        <p14:creationId xmlns:p14="http://schemas.microsoft.com/office/powerpoint/2010/main" val="3381425665"/>
       </p:ext>
     </p:extLst>
   </p:cSld>
@@ -41358,7 +42466,7 @@
         <p:spPr>
           <a:xfrm>
             <a:off x="1190625" y="1469836"/>
-            <a:ext cx="7686675" cy="3785652"/>
+            <a:ext cx="7686675" cy="4524315"/>
           </a:xfrm>
           <a:prstGeom prst="rect">
             <a:avLst/>
@@ -41377,7 +42485,23 @@
                   <a:srgbClr val="262636"/>
                 </a:solidFill>
               </a:rPr>
-              <a:t>Приложение рисует снимок карты и демонстрирует некоторые возможности </a:t>
+              <a:t>Приложение рисует снимок карты, простой </a:t>
+            </a:r>
+            <a:r>
+              <a:rPr lang="en-US" sz="2400" dirty="0">
+                <a:solidFill>
+                  <a:srgbClr val="262636"/>
+                </a:solidFill>
+              </a:rPr>
+              <a:t>UI,</a:t>
+            </a:r>
+            <a:r>
+              <a:rPr lang="ru-RU" sz="2400" dirty="0">
+                <a:solidFill>
+                  <a:srgbClr val="262636"/>
+                </a:solidFill>
+              </a:rPr>
+              <a:t> и демонстрирует некоторые возможности </a:t>
             </a:r>
             <a:r>
               <a:rPr lang="en-US" sz="2400" dirty="0" err="1">
@@ -41435,7 +42559,7 @@
                   <a:srgbClr val="262636"/>
                 </a:solidFill>
               </a:rPr>
-              <a:t>. Источник </a:t>
+              <a:t>. Источник (поток) </a:t>
             </a:r>
             <a:r>
               <a:rPr lang="en-US" sz="2400" dirty="0">
@@ -41585,13 +42709,52 @@
               </a:rPr>
               <a:t>UI</a:t>
             </a:r>
+          </a:p>
+          <a:p>
+            <a:r>
+              <a:rPr lang="en-US" sz="2400" dirty="0">
+                <a:solidFill>
+                  <a:srgbClr val="262636"/>
+                </a:solidFill>
+              </a:rPr>
+              <a:t>2. </a:t>
+            </a:r>
+            <a:r>
+              <a:rPr lang="ru-RU" sz="2400" dirty="0">
+                <a:solidFill>
+                  <a:srgbClr val="262636"/>
+                </a:solidFill>
+              </a:rPr>
+              <a:t>Источник записей в лог из </a:t>
+            </a:r>
+            <a:r>
+              <a:rPr lang="en-US" sz="2400" dirty="0">
+                <a:solidFill>
+                  <a:srgbClr val="262636"/>
+                </a:solidFill>
+              </a:rPr>
+              <a:t>UI</a:t>
+            </a:r>
+            <a:r>
+              <a:rPr lang="ru-RU" sz="2400" dirty="0">
+                <a:solidFill>
+                  <a:srgbClr val="262636"/>
+                </a:solidFill>
+              </a:rPr>
+              <a:t>, и подписчик в компоненте журналирования</a:t>
+            </a:r>
+            <a:endParaRPr lang="en-US" sz="2400" dirty="0">
+              <a:solidFill>
+                <a:srgbClr val="262636"/>
+              </a:solidFill>
+            </a:endParaRPr>
           </a:p>
         </p:txBody>
       </p:sp>
     </p:spTree>
     <p:extLst>
       <p:ext uri="{BB962C8B-B14F-4D97-AF65-F5344CB8AC3E}">
-        <p14:creationId xmlns:p14="http://schemas.microsoft.com/office/powerpoint/2010/main" val="3381425665"/>
+        <p14:creationId xmlns:p14="http://schemas.microsoft.com/office/powerpoint/2010/main" val="1354486694"/>
       </p:ext>
     </p:extLst>
   </p:cSld>
@@ -41756,7 +42919,7 @@
         <p:spPr>
           <a:xfrm>
             <a:off x="1190625" y="1469836"/>
-            <a:ext cx="7686675" cy="4524315"/>
+            <a:ext cx="7686675" cy="1569660"/>
           </a:xfrm>
           <a:prstGeom prst="rect">
             <a:avLst/>
@@ -41774,253 +42937,17 @@
                 <a:solidFill>
                   <a:srgbClr val="262636"/>
                 </a:solidFill>
-              </a:rPr>
-              <a:t>Приложение рисует снимок карты и демонстрирует некоторые возможности </a:t>
-            </a:r>
-            <a:r>
-              <a:rPr lang="en-US" sz="2400" dirty="0" err="1">
-                <a:solidFill>
-                  <a:srgbClr val="262636"/>
-                </a:solidFill>
-              </a:rPr>
-              <a:t>tirx</a:t>
-            </a:r>
-            <a:r>
-              <a:rPr lang="en-US" sz="2400" dirty="0">
-                <a:solidFill>
-                  <a:srgbClr val="262636"/>
-                </a:solidFill>
-              </a:rPr>
-              <a:t> </a:t>
-            </a:r>
-            <a:r>
-              <a:rPr lang="ru-RU" sz="2400" dirty="0">
-                <a:solidFill>
-                  <a:srgbClr val="262636"/>
-                </a:solidFill>
-              </a:rPr>
-              <a:t>и </a:t>
-            </a:r>
-            <a:r>
-              <a:rPr lang="en-US" sz="2400" dirty="0" err="1">
-                <a:solidFill>
-                  <a:srgbClr val="262636"/>
-                </a:solidFill>
-              </a:rPr>
-              <a:t>NoesisGUI</a:t>
-            </a:r>
-            <a:r>
-              <a:rPr lang="en-US" sz="2400" dirty="0">
-                <a:solidFill>
-                  <a:srgbClr val="262636"/>
-                </a:solidFill>
-              </a:rPr>
-              <a:t>:</a:t>
-            </a:r>
-          </a:p>
-          <a:p>
-            <a:r>
-              <a:rPr lang="en-US" sz="2400" dirty="0">
-                <a:solidFill>
-                  <a:srgbClr val="262636"/>
-                </a:solidFill>
-              </a:rPr>
-              <a:t>1</a:t>
-            </a:r>
-            <a:r>
-              <a:rPr lang="ru-RU" sz="2400" dirty="0">
-                <a:solidFill>
-                  <a:srgbClr val="262636"/>
-                </a:solidFill>
-              </a:rPr>
-              <a:t>. Источник </a:t>
-            </a:r>
-            <a:r>
-              <a:rPr lang="en-US" sz="2400" dirty="0">
-                <a:solidFill>
-                  <a:srgbClr val="262636"/>
-                </a:solidFill>
-              </a:rPr>
-              <a:t>NMEA-</a:t>
-            </a:r>
-            <a:r>
-              <a:rPr lang="ru-RU" sz="2400" dirty="0">
-                <a:solidFill>
-                  <a:srgbClr val="262636"/>
-                </a:solidFill>
-              </a:rPr>
-              <a:t>сообщений и два подписчика:</a:t>
-            </a:r>
-          </a:p>
-          <a:p>
-            <a:r>
-              <a:rPr lang="ru-RU" sz="2400" dirty="0">
-                <a:solidFill>
-                  <a:srgbClr val="262636"/>
-                </a:solidFill>
-              </a:rPr>
-              <a:t> – логгер </a:t>
-            </a:r>
-            <a:r>
-              <a:rPr lang="ru-RU" sz="2400" dirty="0" err="1">
-                <a:solidFill>
-                  <a:srgbClr val="262636"/>
-                </a:solidFill>
-              </a:rPr>
-              <a:t>журналирует</a:t>
-            </a:r>
-            <a:r>
-              <a:rPr lang="ru-RU" sz="2400" dirty="0">
-                <a:solidFill>
-                  <a:srgbClr val="262636"/>
-                </a:solidFill>
-              </a:rPr>
-              <a:t> их в файл</a:t>
-            </a:r>
-          </a:p>
-          <a:p>
-            <a:r>
-              <a:rPr lang="ru-RU" sz="2400" dirty="0">
-                <a:solidFill>
-                  <a:srgbClr val="262636"/>
-                </a:solidFill>
-              </a:rPr>
-              <a:t> - </a:t>
-            </a:r>
-            <a:r>
-              <a:rPr lang="en-US" sz="2400" dirty="0" err="1">
-                <a:solidFill>
-                  <a:srgbClr val="262636"/>
-                </a:solidFill>
-              </a:rPr>
-              <a:t>NmeaProcessor</a:t>
-            </a:r>
-            <a:r>
-              <a:rPr lang="ru-RU" sz="2400" dirty="0">
-                <a:solidFill>
-                  <a:srgbClr val="262636"/>
-                </a:solidFill>
-              </a:rPr>
-              <a:t> обрабатывает, и формирует </a:t>
-            </a:r>
-            <a:r>
-              <a:rPr lang="en-US" sz="2400" dirty="0">
-                <a:solidFill>
-                  <a:srgbClr val="262636"/>
-                </a:solidFill>
-              </a:rPr>
-              <a:t>	</a:t>
-            </a:r>
-            <a:r>
-              <a:rPr lang="ru-RU" sz="2400" dirty="0">
-                <a:solidFill>
-                  <a:srgbClr val="262636"/>
-                </a:solidFill>
-              </a:rPr>
-              <a:t>два других потока – один с неизменными </a:t>
-            </a:r>
-            <a:r>
-              <a:rPr lang="en-US" sz="2400" dirty="0">
-                <a:solidFill>
-                  <a:srgbClr val="262636"/>
-                </a:solidFill>
-              </a:rPr>
-              <a:t>	</a:t>
-            </a:r>
-            <a:r>
-              <a:rPr lang="ru-RU" sz="2400" dirty="0">
-                <a:solidFill>
-                  <a:srgbClr val="262636"/>
-                </a:solidFill>
-              </a:rPr>
-              <a:t>сообщениями, другой – с координатами </a:t>
-            </a:r>
-            <a:r>
-              <a:rPr lang="en-US" sz="2400" dirty="0" err="1">
-                <a:solidFill>
-                  <a:srgbClr val="262636"/>
-                </a:solidFill>
-              </a:rPr>
-              <a:t>lat</a:t>
-            </a:r>
-            <a:r>
-              <a:rPr lang="en-US" sz="2400" dirty="0">
-                <a:solidFill>
-                  <a:srgbClr val="262636"/>
-                </a:solidFill>
-              </a:rPr>
-              <a:t>, 	</a:t>
-            </a:r>
-            <a:r>
-              <a:rPr lang="en-US" sz="2400" dirty="0" err="1">
-                <a:solidFill>
-                  <a:srgbClr val="262636"/>
-                </a:solidFill>
-              </a:rPr>
-              <a:t>lon</a:t>
-            </a:r>
-            <a:r>
-              <a:rPr lang="en-US" sz="2400" dirty="0">
-                <a:solidFill>
-                  <a:srgbClr val="262636"/>
-                </a:solidFill>
-              </a:rPr>
-              <a:t>. </a:t>
-            </a:r>
-            <a:r>
-              <a:rPr lang="ru-RU" sz="2400" dirty="0">
-                <a:solidFill>
-                  <a:srgbClr val="262636"/>
-                </a:solidFill>
-              </a:rPr>
-              <a:t>Эти данные выводятся на </a:t>
-            </a:r>
-            <a:r>
-              <a:rPr lang="en-US" sz="2400" dirty="0">
-                <a:solidFill>
-                  <a:srgbClr val="262636"/>
-                </a:solidFill>
-              </a:rPr>
-              <a:t>UI</a:t>
-            </a:r>
-          </a:p>
-          <a:p>
-            <a:r>
-              <a:rPr lang="en-US" sz="2400" dirty="0">
-                <a:solidFill>
-                  <a:srgbClr val="262636"/>
-                </a:solidFill>
-              </a:rPr>
-              <a:t>2. </a:t>
-            </a:r>
-            <a:r>
-              <a:rPr lang="ru-RU" sz="2400" dirty="0">
-                <a:solidFill>
-                  <a:srgbClr val="262636"/>
-                </a:solidFill>
-              </a:rPr>
-              <a:t>Источник записей в лог из </a:t>
-            </a:r>
-            <a:r>
-              <a:rPr lang="en-US" sz="2400" dirty="0">
-                <a:solidFill>
-                  <a:srgbClr val="262636"/>
-                </a:solidFill>
-              </a:rPr>
-              <a:t>UI</a:t>
-            </a:r>
-            <a:r>
-              <a:rPr lang="ru-RU" sz="2400" dirty="0">
-                <a:solidFill>
-                  <a:srgbClr val="262636"/>
-                </a:solidFill>
-              </a:rPr>
-              <a:t>, и подписчик в компоненте журналирования</a:t>
-            </a:r>
-            <a:endParaRPr lang="en-US" sz="2400" dirty="0">
+                <a:latin typeface="+mj-lt"/>
+              </a:rPr>
+              <a:t>3. Источник данных - поток координат - позиция мыши в окне, и подписчик, выводящий координаты на экран</a:t>
+            </a:r>
+          </a:p>
+          <a:p>
+            <a:endParaRPr lang="ru-RU" sz="2400" dirty="0">
               <a:solidFill>
                 <a:srgbClr val="262636"/>
               </a:solidFill>
+              <a:latin typeface="+mj-lt"/>
             </a:endParaRPr>
           </a:p>
         </p:txBody>
@@ -42028,7 +42955,7 @@
     </p:spTree>
     <p:extLst>
       <p:ext uri="{BB962C8B-B14F-4D97-AF65-F5344CB8AC3E}">
-        <p14:creationId xmlns:p14="http://schemas.microsoft.com/office/powerpoint/2010/main" val="1354486694"/>
+        <p14:creationId xmlns:p14="http://schemas.microsoft.com/office/powerpoint/2010/main" val="4243001828"/>
       </p:ext>
     </p:extLst>
   </p:cSld>
@@ -42193,7 +43120,7 @@
         <p:spPr>
           <a:xfrm>
             <a:off x="1190625" y="1469836"/>
-            <a:ext cx="7686675" cy="830997"/>
+            <a:ext cx="7686675" cy="1569660"/>
           </a:xfrm>
           <a:prstGeom prst="rect">
             <a:avLst/>
@@ -42211,17 +43138,51 @@
                 <a:solidFill>
                   <a:srgbClr val="262636"/>
                 </a:solidFill>
+              </a:rPr>
+              <a:t>3. Источник данных - поток координат - позиция мыши в окне, и подписчик, выводящий координаты на экран</a:t>
+            </a:r>
+          </a:p>
+          <a:p>
+            <a:r>
+              <a:rPr lang="ru-RU" sz="2400" dirty="0">
+                <a:solidFill>
+                  <a:srgbClr val="262636"/>
+                </a:solidFill>
                 <a:latin typeface="+mj-lt"/>
               </a:rPr>
-              <a:t>3. Источник данных – позиция мыши в окне, и подписчик, выводящий координаты на экран</a:t>
-            </a:r>
+              <a:t>4. Смена скинов (светлый</a:t>
+            </a:r>
+            <a:r>
+              <a:rPr lang="en-US" sz="2400" dirty="0">
+                <a:solidFill>
+                  <a:srgbClr val="262636"/>
+                </a:solidFill>
+                <a:latin typeface="+mj-lt"/>
+              </a:rPr>
+              <a:t>/</a:t>
+            </a:r>
+            <a:r>
+              <a:rPr lang="ru-RU" sz="2400" dirty="0">
+                <a:solidFill>
+                  <a:srgbClr val="262636"/>
+                </a:solidFill>
+                <a:latin typeface="+mj-lt"/>
+              </a:rPr>
+              <a:t>тёмный) на лету</a:t>
+            </a:r>
+            <a:endParaRPr lang="en-US" sz="2400" dirty="0">
+              <a:solidFill>
+                <a:srgbClr val="262636"/>
+              </a:solidFill>
+              <a:latin typeface="+mj-lt"/>
+            </a:endParaRPr>
           </a:p>
         </p:txBody>
       </p:sp>
     </p:spTree>
     <p:extLst>
       <p:ext uri="{BB962C8B-B14F-4D97-AF65-F5344CB8AC3E}">
-        <p14:creationId xmlns:p14="http://schemas.microsoft.com/office/powerpoint/2010/main" val="4243001828"/>
+        <p14:creationId xmlns:p14="http://schemas.microsoft.com/office/powerpoint/2010/main" val="1370475917"/>
       </p:ext>
     </p:extLst>
   </p:cSld>
@@ -42386,7 +43347,7 @@
         <p:spPr>
           <a:xfrm>
             <a:off x="1190625" y="1469836"/>
-            <a:ext cx="7686675" cy="1200329"/>
+            <a:ext cx="7686675" cy="2677656"/>
           </a:xfrm>
           <a:prstGeom prst="rect">
             <a:avLst/>
@@ -42404,9 +43365,8 @@
                 <a:solidFill>
                   <a:srgbClr val="262636"/>
                 </a:solidFill>
-                <a:latin typeface="+mj-lt"/>
-              </a:rPr>
-              <a:t>3. Источник данных – позиция мыши в окне, и подписчик, выводящий координаты на экран</a:t>
+              </a:rPr>
+              <a:t>3. Источник данных - поток координат - позиция мыши в окне, и подписчик, выводящий координаты на экран</a:t>
             </a:r>
           </a:p>
           <a:p>
@@ -42444,12 +43404,38 @@
               <a:latin typeface="+mj-lt"/>
             </a:endParaRPr>
           </a:p>
+          <a:p>
+            <a:r>
+              <a:rPr lang="en-US" sz="2400" dirty="0">
+                <a:solidFill>
+                  <a:srgbClr val="262636"/>
+                </a:solidFill>
+                <a:latin typeface="+mj-lt"/>
+              </a:rPr>
+              <a:t>5. </a:t>
+            </a:r>
+            <a:r>
+              <a:rPr lang="ru-RU" sz="2400" dirty="0">
+                <a:solidFill>
+                  <a:srgbClr val="262636"/>
+                </a:solidFill>
+                <a:latin typeface="+mj-lt"/>
+              </a:rPr>
+              <a:t>Сделан реестр динамически загружаемых объектов с тривиальной реализацией (потому что это удобно)</a:t>
+            </a:r>
+            <a:endParaRPr lang="en-US" sz="2400" dirty="0">
+              <a:solidFill>
+                <a:srgbClr val="262636"/>
+              </a:solidFill>
+              <a:latin typeface="+mj-lt"/>
+            </a:endParaRPr>
+          </a:p>
         </p:txBody>
       </p:sp>
     </p:spTree>
     <p:extLst>
       <p:ext uri="{BB962C8B-B14F-4D97-AF65-F5344CB8AC3E}">
-        <p14:creationId xmlns:p14="http://schemas.microsoft.com/office/powerpoint/2010/main" val="1370475917"/>
+        <p14:creationId xmlns:p14="http://schemas.microsoft.com/office/powerpoint/2010/main" val="907278065"/>
       </p:ext>
     </p:extLst>
   </p:cSld>
@@ -42614,7 +43600,7 @@
         <p:spPr>
           <a:xfrm>
             <a:off x="1190625" y="1469836"/>
-            <a:ext cx="7686675" cy="1938992"/>
+            <a:ext cx="7686675" cy="4893647"/>
           </a:xfrm>
           <a:prstGeom prst="rect">
             <a:avLst/>
@@ -42632,9 +43618,8 @@
                 <a:solidFill>
                   <a:srgbClr val="262636"/>
                 </a:solidFill>
-                <a:latin typeface="+mj-lt"/>
-              </a:rPr>
-              <a:t>3. Источник данных – позиция мыши в окне, и подписчик, выводящий координаты на экран</a:t>
+              </a:rPr>
+              <a:t>3. Источник данных - поток координат - позиция мыши в окне, и подписчик, выводящий координаты на экран</a:t>
             </a:r>
           </a:p>
           <a:p>
@@ -42691,6 +43676,14 @@
               </a:rPr>
               <a:t>Сделан реестр динамически загружаемых объектов с тривиальной реализацией</a:t>
             </a:r>
+            <a:r>
+              <a:rPr lang="ru-RU" sz="2400" dirty="0">
+                <a:solidFill>
+                  <a:srgbClr val="262636"/>
+                </a:solidFill>
+              </a:rPr>
+              <a:t> (потому что это удобно)</a:t>
+            </a:r>
             <a:endParaRPr lang="en-US" sz="2400" dirty="0">
               <a:solidFill>
                 <a:srgbClr val="262636"/>
@@ -42698,12 +43691,67 @@
               <a:latin typeface="+mj-lt"/>
             </a:endParaRPr>
           </a:p>
+          <a:p>
+            <a:endParaRPr lang="en-US" sz="2400" dirty="0">
+              <a:solidFill>
+                <a:srgbClr val="262636"/>
+              </a:solidFill>
+              <a:latin typeface="+mj-lt"/>
+            </a:endParaRPr>
+          </a:p>
+          <a:p>
+            <a:r>
+              <a:rPr lang="ru-RU" sz="2400" dirty="0">
+                <a:solidFill>
+                  <a:srgbClr val="262636"/>
+                </a:solidFill>
+                <a:latin typeface="+mj-lt"/>
+              </a:rPr>
+              <a:t>Как видно из описания, с помощью потоков, реализован обмен между всеми слоями </a:t>
+            </a:r>
+            <a:r>
+              <a:rPr lang="en-US" sz="2400" dirty="0">
+                <a:solidFill>
+                  <a:srgbClr val="262636"/>
+                </a:solidFill>
+                <a:latin typeface="+mj-lt"/>
+              </a:rPr>
+              <a:t>(BE, BL, UI)</a:t>
+            </a:r>
+            <a:r>
+              <a:rPr lang="ru-RU" sz="2400" dirty="0">
+                <a:solidFill>
+                  <a:srgbClr val="262636"/>
+                </a:solidFill>
+                <a:latin typeface="+mj-lt"/>
+              </a:rPr>
+              <a:t>. </a:t>
+            </a:r>
+            <a:r>
+              <a:rPr lang="en-US" sz="2400" dirty="0">
+                <a:solidFill>
+                  <a:srgbClr val="262636"/>
+                </a:solidFill>
+                <a:latin typeface="+mj-lt"/>
+              </a:rPr>
+              <a:t>GUI </a:t>
+            </a:r>
+            <a:r>
+              <a:rPr lang="ru-RU" sz="2400" dirty="0">
+                <a:solidFill>
+                  <a:srgbClr val="262636"/>
+                </a:solidFill>
+                <a:latin typeface="+mj-lt"/>
+              </a:rPr>
+              <a:t>подключён как плагин, а в логгере нет блокировок за счёт выделения отдельного потока.</a:t>
+            </a:r>
+          </a:p>
         </p:txBody>
       </p:sp>
     </p:spTree>
     <p:extLst>
       <p:ext uri="{BB962C8B-B14F-4D97-AF65-F5344CB8AC3E}">
-        <p14:creationId xmlns:p14="http://schemas.microsoft.com/office/powerpoint/2010/main" val="907278065"/>
+        <p14:creationId xmlns:p14="http://schemas.microsoft.com/office/powerpoint/2010/main" val="38587208"/>
       </p:ext>
     </p:extLst>
   </p:cSld>
@@ -42868,7 +43916,7 @@
         <p:spPr>
           <a:xfrm>
             <a:off x="1190625" y="1469836"/>
-            <a:ext cx="7686675" cy="4154984"/>
+            <a:ext cx="7686675" cy="1569660"/>
           </a:xfrm>
           <a:prstGeom prst="rect">
             <a:avLst/>
@@ -42888,158 +43936,23 @@
                 </a:solidFill>
                 <a:latin typeface="+mj-lt"/>
               </a:rPr>
-              <a:t>3. Источник данных – позиция мыши в окне, и подписчик, выводящий координаты на экран</a:t>
-            </a:r>
-          </a:p>
-          <a:p>
-            <a:r>
-              <a:rPr lang="ru-RU" sz="2400" dirty="0">
-                <a:solidFill>
-                  <a:srgbClr val="262636"/>
-                </a:solidFill>
-                <a:latin typeface="+mj-lt"/>
-              </a:rPr>
-              <a:t>4. Смена скинов (светлый</a:t>
-            </a:r>
-            <a:r>
-              <a:rPr lang="en-US" sz="2400" dirty="0">
-                <a:solidFill>
-                  <a:srgbClr val="262636"/>
-                </a:solidFill>
-                <a:latin typeface="+mj-lt"/>
-              </a:rPr>
-              <a:t>/</a:t>
-            </a:r>
-            <a:r>
-              <a:rPr lang="ru-RU" sz="2400" dirty="0">
-                <a:solidFill>
-                  <a:srgbClr val="262636"/>
-                </a:solidFill>
-                <a:latin typeface="+mj-lt"/>
-              </a:rPr>
-              <a:t>тёмный) на лету</a:t>
-            </a:r>
-            <a:endParaRPr lang="en-US" sz="2400" dirty="0">
+              <a:t>Понятно, что это лишь концепт преодоления объективных проблем текущих реализаций, однако он закладывает:</a:t>
+            </a:r>
+          </a:p>
+          <a:p>
+            <a:endParaRPr lang="ru-RU" sz="2400" dirty="0">
               <a:solidFill>
                 <a:srgbClr val="262636"/>
               </a:solidFill>
               <a:latin typeface="+mj-lt"/>
             </a:endParaRPr>
           </a:p>
-          <a:p>
-            <a:r>
-              <a:rPr lang="en-US" sz="2400" dirty="0">
-                <a:solidFill>
-                  <a:srgbClr val="262636"/>
-                </a:solidFill>
-                <a:latin typeface="+mj-lt"/>
-              </a:rPr>
-              <a:t>5. </a:t>
-            </a:r>
-            <a:r>
-              <a:rPr lang="ru-RU" sz="2400" dirty="0">
-                <a:solidFill>
-                  <a:srgbClr val="262636"/>
-                </a:solidFill>
-                <a:latin typeface="+mj-lt"/>
-              </a:rPr>
-              <a:t>Сделан реестр динамически загружаемых объектов с тривиальной реализацией</a:t>
-            </a:r>
-            <a:endParaRPr lang="en-US" sz="2400" dirty="0">
-              <a:solidFill>
-                <a:srgbClr val="262636"/>
-              </a:solidFill>
-              <a:latin typeface="+mj-lt"/>
-            </a:endParaRPr>
-          </a:p>
-          <a:p>
-            <a:endParaRPr lang="en-US" sz="2400" dirty="0">
-              <a:solidFill>
-                <a:srgbClr val="262636"/>
-              </a:solidFill>
-              <a:latin typeface="+mj-lt"/>
-            </a:endParaRPr>
-          </a:p>
-          <a:p>
-            <a:r>
-              <a:rPr lang="ru-RU" sz="2400" dirty="0">
-                <a:solidFill>
-                  <a:srgbClr val="262636"/>
-                </a:solidFill>
-                <a:latin typeface="+mj-lt"/>
-              </a:rPr>
-              <a:t>Как видно, обмен между всеми слоями </a:t>
-            </a:r>
-            <a:r>
-              <a:rPr lang="en-US" sz="2400" dirty="0">
-                <a:solidFill>
-                  <a:srgbClr val="262636"/>
-                </a:solidFill>
-                <a:latin typeface="+mj-lt"/>
-              </a:rPr>
-              <a:t>(BE, BL, UI) </a:t>
-            </a:r>
-            <a:r>
-              <a:rPr lang="ru-RU" sz="2400" dirty="0">
-                <a:solidFill>
-                  <a:srgbClr val="262636"/>
-                </a:solidFill>
-                <a:latin typeface="+mj-lt"/>
-              </a:rPr>
-              <a:t>вполне работает, </a:t>
-            </a:r>
-            <a:r>
-              <a:rPr lang="en-US" sz="2400" dirty="0">
-                <a:solidFill>
-                  <a:srgbClr val="262636"/>
-                </a:solidFill>
-                <a:latin typeface="+mj-lt"/>
-              </a:rPr>
-              <a:t>GUI </a:t>
-            </a:r>
-            <a:r>
-              <a:rPr lang="ru-RU" sz="2400" dirty="0">
-                <a:solidFill>
-                  <a:srgbClr val="262636"/>
-                </a:solidFill>
-                <a:latin typeface="+mj-lt"/>
-              </a:rPr>
-              <a:t>подключён как плагин, гонки за данными в журналировании нет за счёт выделения отдельного потока. Да, это </a:t>
-            </a:r>
-            <a:r>
-              <a:rPr lang="en-US" sz="2400" dirty="0" err="1">
-                <a:solidFill>
-                  <a:srgbClr val="262636"/>
-                </a:solidFill>
-                <a:latin typeface="+mj-lt"/>
-              </a:rPr>
-              <a:t>PoC</a:t>
-            </a:r>
-            <a:r>
-              <a:rPr lang="en-US" sz="2400" dirty="0">
-                <a:solidFill>
-                  <a:srgbClr val="262636"/>
-                </a:solidFill>
-                <a:latin typeface="+mj-lt"/>
-              </a:rPr>
-              <a:t>, </a:t>
-            </a:r>
-            <a:r>
-              <a:rPr lang="ru-RU" sz="2400" dirty="0">
-                <a:solidFill>
-                  <a:srgbClr val="262636"/>
-                </a:solidFill>
-                <a:latin typeface="+mj-lt"/>
-              </a:rPr>
-              <a:t>но, да, он работает.</a:t>
-            </a:r>
-          </a:p>
         </p:txBody>
       </p:sp>
     </p:spTree>
     <p:extLst>
       <p:ext uri="{BB962C8B-B14F-4D97-AF65-F5344CB8AC3E}">
-        <p14:creationId xmlns:p14="http://schemas.microsoft.com/office/powerpoint/2010/main" val="38587208"/>
+        <p14:creationId xmlns:p14="http://schemas.microsoft.com/office/powerpoint/2010/main" val="1092159407"/>
       </p:ext>
     </p:extLst>
   </p:cSld>
@@ -43204,7 +44117,7 @@
         <p:spPr>
           <a:xfrm>
             <a:off x="1190625" y="1469836"/>
-            <a:ext cx="7686675" cy="3416320"/>
+            <a:ext cx="7686675" cy="1938992"/>
           </a:xfrm>
           <a:prstGeom prst="rect">
             <a:avLst/>
@@ -43224,7 +44137,18 @@
                 </a:solidFill>
                 <a:latin typeface="+mj-lt"/>
               </a:rPr>
-              <a:t>Понятно, что это лишь концепт преодоления объективных проблем текущих реализаций, однако он закладывает правильное разделение сущностей, отсрочку принятия решений по выбору библиотек вследствие ослабления взаимосвязей между компонентами, ну и вообще это любопытная концепция создания гибких интерфейсов с асинхронным обменом.</a:t>
+              <a:t>Понятно, что это лишь концепт преодоления объективных проблем текущих реализаций, однако он закладывает:</a:t>
+            </a:r>
+          </a:p>
+          <a:p>
+            <a:r>
+              <a:rPr lang="ru-RU" sz="2400" dirty="0">
+                <a:solidFill>
+                  <a:srgbClr val="262636"/>
+                </a:solidFill>
+                <a:latin typeface="+mj-lt"/>
+              </a:rPr>
+              <a:t>- правильное разделение сущностей</a:t>
             </a:r>
           </a:p>
           <a:p>
@@ -43240,7 +44164,7 @@
     </p:spTree>
     <p:extLst>
       <p:ext uri="{BB962C8B-B14F-4D97-AF65-F5344CB8AC3E}">
-        <p14:creationId xmlns:p14="http://schemas.microsoft.com/office/powerpoint/2010/main" val="1180493462"/>
+        <p14:creationId xmlns:p14="http://schemas.microsoft.com/office/powerpoint/2010/main" val="4045884384"/>
       </p:ext>
     </p:extLst>
   </p:cSld>
@@ -43405,7 +44329,7 @@
         <p:spPr>
           <a:xfrm>
             <a:off x="1190625" y="1469836"/>
-            <a:ext cx="7686675" cy="1938992"/>
+            <a:ext cx="7686675" cy="3416320"/>
           </a:xfrm>
           <a:prstGeom prst="rect">
             <a:avLst/>
@@ -43425,7 +44349,29 @@
                 </a:solidFill>
                 <a:latin typeface="+mj-lt"/>
               </a:rPr>
-              <a:t>Если изложенные изыскания несколько расширят понимание арсенала доступных средств, а также направлений развития – это уже победа.</a:t>
+              <a:t>Понятно, что это лишь концепт преодоления объективных проблем текущих реализаций, однако он закладывает:</a:t>
+            </a:r>
+          </a:p>
+          <a:p>
+            <a:r>
+              <a:rPr lang="ru-RU" sz="2400" dirty="0">
+                <a:solidFill>
+                  <a:srgbClr val="262636"/>
+                </a:solidFill>
+                <a:latin typeface="+mj-lt"/>
+              </a:rPr>
+              <a:t>- правильное разделение сущностей</a:t>
+            </a:r>
+          </a:p>
+          <a:p>
+            <a:r>
+              <a:rPr lang="ru-RU" sz="2400" dirty="0">
+                <a:solidFill>
+                  <a:srgbClr val="262636"/>
+                </a:solidFill>
+                <a:latin typeface="+mj-lt"/>
+              </a:rPr>
+              <a:t>- отсрочку принятия решений по выбору библиотек (и снижение затрат на замену) вследствие ослабления взаимосвязей между компонентами</a:t>
             </a:r>
           </a:p>
           <a:p>
@@ -43441,7 +44387,7 @@
     </p:spTree>
     <p:extLst>
       <p:ext uri="{BB962C8B-B14F-4D97-AF65-F5344CB8AC3E}">
-        <p14:creationId xmlns:p14="http://schemas.microsoft.com/office/powerpoint/2010/main" val="2182829575"/>
+        <p14:creationId xmlns:p14="http://schemas.microsoft.com/office/powerpoint/2010/main" val="3031329593"/>
       </p:ext>
     </p:extLst>
   </p:cSld>

--- a/rx_presentation.pptx
+++ b/rx_presentation.pptx
@@ -5,7 +5,7 @@
     <p:sldMasterId id="2147483672" r:id="rId1"/>
   </p:sldMasterIdLst>
   <p:handoutMasterIdLst>
-    <p:handoutMasterId r:id="rId105"/>
+    <p:handoutMasterId r:id="rId109"/>
   </p:handoutMasterIdLst>
   <p:sldIdLst>
     <p:sldId id="256" r:id="rId2"/>
@@ -73,44 +73,48 @@
     <p:sldId id="345" r:id="rId64"/>
     <p:sldId id="373" r:id="rId65"/>
     <p:sldId id="375" r:id="rId66"/>
-    <p:sldId id="347" r:id="rId67"/>
-    <p:sldId id="351" r:id="rId68"/>
-    <p:sldId id="350" r:id="rId69"/>
-    <p:sldId id="349" r:id="rId70"/>
-    <p:sldId id="348" r:id="rId71"/>
-    <p:sldId id="352" r:id="rId72"/>
-    <p:sldId id="278" r:id="rId73"/>
-    <p:sldId id="354" r:id="rId74"/>
-    <p:sldId id="374" r:id="rId75"/>
-    <p:sldId id="368" r:id="rId76"/>
-    <p:sldId id="279" r:id="rId77"/>
-    <p:sldId id="357" r:id="rId78"/>
-    <p:sldId id="356" r:id="rId79"/>
-    <p:sldId id="355" r:id="rId80"/>
-    <p:sldId id="280" r:id="rId81"/>
-    <p:sldId id="360" r:id="rId82"/>
-    <p:sldId id="359" r:id="rId83"/>
-    <p:sldId id="358" r:id="rId84"/>
-    <p:sldId id="281" r:id="rId85"/>
-    <p:sldId id="376" r:id="rId86"/>
-    <p:sldId id="288" r:id="rId87"/>
-    <p:sldId id="283" r:id="rId88"/>
-    <p:sldId id="284" r:id="rId89"/>
-    <p:sldId id="364" r:id="rId90"/>
-    <p:sldId id="363" r:id="rId91"/>
-    <p:sldId id="362" r:id="rId92"/>
-    <p:sldId id="361" r:id="rId93"/>
-    <p:sldId id="285" r:id="rId94"/>
-    <p:sldId id="367" r:id="rId95"/>
-    <p:sldId id="366" r:id="rId96"/>
-    <p:sldId id="365" r:id="rId97"/>
-    <p:sldId id="379" r:id="rId98"/>
-    <p:sldId id="382" r:id="rId99"/>
-    <p:sldId id="381" r:id="rId100"/>
-    <p:sldId id="380" r:id="rId101"/>
-    <p:sldId id="377" r:id="rId102"/>
-    <p:sldId id="378" r:id="rId103"/>
-    <p:sldId id="383" r:id="rId104"/>
+    <p:sldId id="385" r:id="rId67"/>
+    <p:sldId id="387" r:id="rId68"/>
+    <p:sldId id="386" r:id="rId69"/>
+    <p:sldId id="388" r:id="rId70"/>
+    <p:sldId id="384" r:id="rId71"/>
+    <p:sldId id="351" r:id="rId72"/>
+    <p:sldId id="350" r:id="rId73"/>
+    <p:sldId id="349" r:id="rId74"/>
+    <p:sldId id="348" r:id="rId75"/>
+    <p:sldId id="352" r:id="rId76"/>
+    <p:sldId id="278" r:id="rId77"/>
+    <p:sldId id="354" r:id="rId78"/>
+    <p:sldId id="374" r:id="rId79"/>
+    <p:sldId id="368" r:id="rId80"/>
+    <p:sldId id="279" r:id="rId81"/>
+    <p:sldId id="357" r:id="rId82"/>
+    <p:sldId id="356" r:id="rId83"/>
+    <p:sldId id="355" r:id="rId84"/>
+    <p:sldId id="280" r:id="rId85"/>
+    <p:sldId id="360" r:id="rId86"/>
+    <p:sldId id="359" r:id="rId87"/>
+    <p:sldId id="358" r:id="rId88"/>
+    <p:sldId id="281" r:id="rId89"/>
+    <p:sldId id="376" r:id="rId90"/>
+    <p:sldId id="288" r:id="rId91"/>
+    <p:sldId id="283" r:id="rId92"/>
+    <p:sldId id="284" r:id="rId93"/>
+    <p:sldId id="364" r:id="rId94"/>
+    <p:sldId id="363" r:id="rId95"/>
+    <p:sldId id="362" r:id="rId96"/>
+    <p:sldId id="361" r:id="rId97"/>
+    <p:sldId id="285" r:id="rId98"/>
+    <p:sldId id="367" r:id="rId99"/>
+    <p:sldId id="366" r:id="rId100"/>
+    <p:sldId id="365" r:id="rId101"/>
+    <p:sldId id="379" r:id="rId102"/>
+    <p:sldId id="382" r:id="rId103"/>
+    <p:sldId id="381" r:id="rId104"/>
+    <p:sldId id="380" r:id="rId105"/>
+    <p:sldId id="377" r:id="rId106"/>
+    <p:sldId id="378" r:id="rId107"/>
+    <p:sldId id="383" r:id="rId108"/>
   </p:sldIdLst>
   <p:sldSz cx="9144000" cy="6858000" type="screen4x3"/>
   <p:notesSz cx="6858000" cy="9144000"/>
@@ -313,7 +317,7 @@
           <a:p>
             <a:fld id="{BE2DD1C9-4BB6-422A-8F34-C157EA500BD9}" type="datetimeFigureOut">
               <a:rPr lang="en-US" smtClean="0"/>
-              <a:t>2/14/2021</a:t>
+              <a:t>2/15/2021</a:t>
             </a:fld>
             <a:endParaRPr lang="en-US"/>
           </a:p>
@@ -832,7 +836,7 @@
             </a:ln>
             <a:extLst>
               <a:ext uri="{91240B29-F687-4f45-9708-019B960494DF}">
-                <a14:hiddenLine xmlns="" xmlns:a14="http://schemas.microsoft.com/office/drawing/2010/main" w="9525">
+                <a14:hiddenLine xmlns:a14="http://schemas.microsoft.com/office/drawing/2010/main" xmlns="" w="9525">
                   <a:solidFill>
                     <a:srgbClr val="000000"/>
                   </a:solidFill>
@@ -1029,7 +1033,7 @@
           <a:p>
             <a:fld id="{1DBD9794-A4CC-42D0-9A65-24C6B9EF4076}" type="datetimeFigureOut">
               <a:rPr lang="en-US" smtClean="0"/>
-              <a:t>2/14/2021</a:t>
+              <a:t>2/15/2021</a:t>
             </a:fld>
             <a:endParaRPr lang="en-US"/>
           </a:p>
@@ -1913,7 +1917,7 @@
             </a:ln>
             <a:extLst>
               <a:ext uri="{91240B29-F687-4f45-9708-019B960494DF}">
-                <a14:hiddenLine xmlns="" xmlns:a14="http://schemas.microsoft.com/office/drawing/2010/main" w="9525">
+                <a14:hiddenLine xmlns:a14="http://schemas.microsoft.com/office/drawing/2010/main" xmlns="" w="9525">
                   <a:solidFill>
                     <a:srgbClr val="000000"/>
                   </a:solidFill>
@@ -2130,7 +2134,7 @@
           <a:p>
             <a:fld id="{1DBD9794-A4CC-42D0-9A65-24C6B9EF4076}" type="datetimeFigureOut">
               <a:rPr lang="en-US" smtClean="0"/>
-              <a:t>2/14/2021</a:t>
+              <a:t>2/15/2021</a:t>
             </a:fld>
             <a:endParaRPr lang="en-US"/>
           </a:p>
@@ -2999,7 +3003,7 @@
             </a:ln>
             <a:extLst>
               <a:ext uri="{91240B29-F687-4f45-9708-019B960494DF}">
-                <a14:hiddenLine xmlns="" xmlns:a14="http://schemas.microsoft.com/office/drawing/2010/main" w="9525">
+                <a14:hiddenLine xmlns:a14="http://schemas.microsoft.com/office/drawing/2010/main" xmlns="" w="9525">
                   <a:solidFill>
                     <a:srgbClr val="000000"/>
                   </a:solidFill>
@@ -3128,7 +3132,7 @@
           <a:p>
             <a:fld id="{1DBD9794-A4CC-42D0-9A65-24C6B9EF4076}" type="datetimeFigureOut">
               <a:rPr lang="en-US" smtClean="0"/>
-              <a:t>2/14/2021</a:t>
+              <a:t>2/15/2021</a:t>
             </a:fld>
             <a:endParaRPr lang="en-US"/>
           </a:p>
@@ -3960,7 +3964,7 @@
             </a:ln>
             <a:extLst>
               <a:ext uri="{91240B29-F687-4f45-9708-019B960494DF}">
-                <a14:hiddenLine xmlns="" xmlns:a14="http://schemas.microsoft.com/office/drawing/2010/main" w="9525">
+                <a14:hiddenLine xmlns:a14="http://schemas.microsoft.com/office/drawing/2010/main" xmlns="" w="9525">
                   <a:solidFill>
                     <a:srgbClr val="000000"/>
                   </a:solidFill>
@@ -4243,7 +4247,7 @@
           <a:p>
             <a:fld id="{1DBD9794-A4CC-42D0-9A65-24C6B9EF4076}" type="datetimeFigureOut">
               <a:rPr lang="en-US" smtClean="0"/>
-              <a:t>2/14/2021</a:t>
+              <a:t>2/15/2021</a:t>
             </a:fld>
             <a:endParaRPr lang="en-US"/>
           </a:p>
@@ -5075,7 +5079,7 @@
             </a:ln>
             <a:extLst>
               <a:ext uri="{91240B29-F687-4f45-9708-019B960494DF}">
-                <a14:hiddenLine xmlns="" xmlns:a14="http://schemas.microsoft.com/office/drawing/2010/main" w="9525">
+                <a14:hiddenLine xmlns:a14="http://schemas.microsoft.com/office/drawing/2010/main" xmlns="" w="9525">
                   <a:solidFill>
                     <a:srgbClr val="000000"/>
                   </a:solidFill>
@@ -5257,7 +5261,7 @@
           <a:p>
             <a:fld id="{1DBD9794-A4CC-42D0-9A65-24C6B9EF4076}" type="datetimeFigureOut">
               <a:rPr lang="en-US" smtClean="0"/>
-              <a:t>2/14/2021</a:t>
+              <a:t>2/15/2021</a:t>
             </a:fld>
             <a:endParaRPr lang="en-US"/>
           </a:p>
@@ -5929,7 +5933,7 @@
           <a:p>
             <a:fld id="{1DBD9794-A4CC-42D0-9A65-24C6B9EF4076}" type="datetimeFigureOut">
               <a:rPr lang="en-US" smtClean="0"/>
-              <a:t>2/14/2021</a:t>
+              <a:t>2/15/2021</a:t>
             </a:fld>
             <a:endParaRPr lang="en-US"/>
           </a:p>
@@ -6802,7 +6806,7 @@
           <a:p>
             <a:fld id="{1DBD9794-A4CC-42D0-9A65-24C6B9EF4076}" type="datetimeFigureOut">
               <a:rPr lang="en-US" smtClean="0"/>
-              <a:t>2/14/2021</a:t>
+              <a:t>2/15/2021</a:t>
             </a:fld>
             <a:endParaRPr lang="en-US"/>
           </a:p>
@@ -6989,7 +6993,7 @@
           <a:p>
             <a:fld id="{1DBD9794-A4CC-42D0-9A65-24C6B9EF4076}" type="datetimeFigureOut">
               <a:rPr lang="en-US" smtClean="0"/>
-              <a:t>2/14/2021</a:t>
+              <a:t>2/15/2021</a:t>
             </a:fld>
             <a:endParaRPr lang="en-US"/>
           </a:p>
@@ -7824,7 +7828,7 @@
           </a:ln>
           <a:extLst>
             <a:ext uri="{91240B29-F687-4f45-9708-019B960494DF}">
-              <a14:hiddenLine xmlns="" xmlns:a14="http://schemas.microsoft.com/office/drawing/2010/main" w="9525">
+              <a14:hiddenLine xmlns:a14="http://schemas.microsoft.com/office/drawing/2010/main" xmlns="" w="9525">
                 <a:solidFill>
                   <a:srgbClr val="000000"/>
                 </a:solidFill>
@@ -7938,7 +7942,7 @@
           <a:p>
             <a:fld id="{1DBD9794-A4CC-42D0-9A65-24C6B9EF4076}" type="datetimeFigureOut">
               <a:rPr lang="en-US" smtClean="0"/>
-              <a:t>2/14/2021</a:t>
+              <a:t>2/15/2021</a:t>
             </a:fld>
             <a:endParaRPr lang="en-US"/>
           </a:p>
@@ -8170,7 +8174,7 @@
           <a:p>
             <a:fld id="{1DBD9794-A4CC-42D0-9A65-24C6B9EF4076}" type="datetimeFigureOut">
               <a:rPr lang="en-US" smtClean="0"/>
-              <a:t>2/14/2021</a:t>
+              <a:t>2/15/2021</a:t>
             </a:fld>
             <a:endParaRPr lang="en-US"/>
           </a:p>
@@ -8999,7 +9003,7 @@
             </a:ln>
             <a:extLst>
               <a:ext uri="{91240B29-F687-4f45-9708-019B960494DF}">
-                <a14:hiddenLine xmlns="" xmlns:a14="http://schemas.microsoft.com/office/drawing/2010/main" w="9525">
+                <a14:hiddenLine xmlns:a14="http://schemas.microsoft.com/office/drawing/2010/main" xmlns="" w="9525">
                   <a:solidFill>
                     <a:srgbClr val="000000"/>
                   </a:solidFill>
@@ -9181,7 +9185,7 @@
           <a:p>
             <a:fld id="{1DBD9794-A4CC-42D0-9A65-24C6B9EF4076}" type="datetimeFigureOut">
               <a:rPr lang="en-US" smtClean="0"/>
-              <a:t>2/14/2021</a:t>
+              <a:t>2/15/2021</a:t>
             </a:fld>
             <a:endParaRPr lang="en-US"/>
           </a:p>
@@ -9465,7 +9469,7 @@
           <a:p>
             <a:fld id="{1DBD9794-A4CC-42D0-9A65-24C6B9EF4076}" type="datetimeFigureOut">
               <a:rPr lang="en-US" smtClean="0"/>
-              <a:t>2/14/2021</a:t>
+              <a:t>2/15/2021</a:t>
             </a:fld>
             <a:endParaRPr lang="en-US"/>
           </a:p>
@@ -9865,7 +9869,7 @@
           <a:p>
             <a:fld id="{1DBD9794-A4CC-42D0-9A65-24C6B9EF4076}" type="datetimeFigureOut">
               <a:rPr lang="en-US" smtClean="0"/>
-              <a:t>2/14/2021</a:t>
+              <a:t>2/15/2021</a:t>
             </a:fld>
             <a:endParaRPr lang="en-US"/>
           </a:p>
@@ -9995,7 +9999,7 @@
           <a:p>
             <a:fld id="{1DBD9794-A4CC-42D0-9A65-24C6B9EF4076}" type="datetimeFigureOut">
               <a:rPr lang="en-US" smtClean="0"/>
-              <a:t>2/14/2021</a:t>
+              <a:t>2/15/2021</a:t>
             </a:fld>
             <a:endParaRPr lang="en-US"/>
           </a:p>
@@ -10138,7 +10142,7 @@
           <a:p>
             <a:fld id="{1DBD9794-A4CC-42D0-9A65-24C6B9EF4076}" type="datetimeFigureOut">
               <a:rPr lang="en-US" smtClean="0"/>
-              <a:t>2/14/2021</a:t>
+              <a:t>2/15/2021</a:t>
             </a:fld>
             <a:endParaRPr lang="en-US"/>
           </a:p>
@@ -10967,7 +10971,7 @@
             </a:ln>
             <a:extLst>
               <a:ext uri="{91240B29-F687-4f45-9708-019B960494DF}">
-                <a14:hiddenLine xmlns="" xmlns:a14="http://schemas.microsoft.com/office/drawing/2010/main" w="9525">
+                <a14:hiddenLine xmlns:a14="http://schemas.microsoft.com/office/drawing/2010/main" xmlns="" w="9525">
                   <a:solidFill>
                     <a:srgbClr val="000000"/>
                   </a:solidFill>
@@ -11160,7 +11164,7 @@
           <a:p>
             <a:fld id="{1DBD9794-A4CC-42D0-9A65-24C6B9EF4076}" type="datetimeFigureOut">
               <a:rPr lang="en-US" smtClean="0"/>
-              <a:t>2/14/2021</a:t>
+              <a:t>2/15/2021</a:t>
             </a:fld>
             <a:endParaRPr lang="en-US"/>
           </a:p>
@@ -12025,7 +12029,7 @@
             </a:ln>
             <a:extLst>
               <a:ext uri="{91240B29-F687-4f45-9708-019B960494DF}">
-                <a14:hiddenLine xmlns="" xmlns:a14="http://schemas.microsoft.com/office/drawing/2010/main" w="9525">
+                <a14:hiddenLine xmlns:a14="http://schemas.microsoft.com/office/drawing/2010/main" xmlns="" w="9525">
                   <a:solidFill>
                     <a:srgbClr val="000000"/>
                   </a:solidFill>
@@ -12242,7 +12246,7 @@
           <a:p>
             <a:fld id="{1DBD9794-A4CC-42D0-9A65-24C6B9EF4076}" type="datetimeFigureOut">
               <a:rPr lang="en-US" smtClean="0"/>
-              <a:t>2/14/2021</a:t>
+              <a:t>2/15/2021</a:t>
             </a:fld>
             <a:endParaRPr lang="en-US"/>
           </a:p>
@@ -13075,7 +13079,7 @@
             </a:ln>
             <a:extLst>
               <a:ext uri="{91240B29-F687-4f45-9708-019B960494DF}">
-                <a14:hiddenLine xmlns="" xmlns:a14="http://schemas.microsoft.com/office/drawing/2010/main" w="9525">
+                <a14:hiddenLine xmlns:a14="http://schemas.microsoft.com/office/drawing/2010/main" xmlns="" w="9525">
                   <a:solidFill>
                     <a:srgbClr val="000000"/>
                   </a:solidFill>
@@ -13216,7 +13220,7 @@
           <a:p>
             <a:fld id="{1DBD9794-A4CC-42D0-9A65-24C6B9EF4076}" type="datetimeFigureOut">
               <a:rPr lang="en-US" smtClean="0"/>
-              <a:t>2/14/2021</a:t>
+              <a:t>2/15/2021</a:t>
             </a:fld>
             <a:endParaRPr lang="en-US"/>
           </a:p>
@@ -14477,7 +14481,7 @@
         <p:spPr>
           <a:xfrm>
             <a:off x="1190625" y="1469836"/>
-            <a:ext cx="7686675" cy="4154984"/>
+            <a:ext cx="7686675" cy="4893647"/>
           </a:xfrm>
           <a:prstGeom prst="rect">
             <a:avLst/>
@@ -14495,23 +14499,45 @@
                 <a:solidFill>
                   <a:srgbClr val="262636"/>
                 </a:solidFill>
+              </a:rPr>
+              <a:t>3. Источник данных - поток координат </a:t>
+            </a:r>
+            <a:r>
+              <a:rPr lang="en-US" sz="2400" dirty="0">
+                <a:solidFill>
+                  <a:srgbClr val="262636"/>
+                </a:solidFill>
+              </a:rPr>
+              <a:t>(x, y) </a:t>
+            </a:r>
+            <a:r>
+              <a:rPr lang="ru-RU" sz="2400" dirty="0">
+                <a:solidFill>
+                  <a:srgbClr val="262636"/>
+                </a:solidFill>
+              </a:rPr>
+              <a:t>- позиция мыши в окне, и подписчик, выводящий координаты на экран</a:t>
+            </a:r>
+          </a:p>
+          <a:p>
+            <a:r>
+              <a:rPr lang="ru-RU" sz="2400" dirty="0">
+                <a:solidFill>
+                  <a:srgbClr val="262636"/>
+                </a:solidFill>
                 <a:latin typeface="+mj-lt"/>
               </a:rPr>
-              <a:t>Понятно, что это лишь концепт преодоления объективных проблем текущих реализаций, однако он закладывает:</a:t>
-            </a:r>
-          </a:p>
-          <a:p>
-            <a:r>
-              <a:rPr lang="ru-RU" sz="2400" dirty="0">
+              <a:t>4. Смена скинов (светлый</a:t>
+            </a:r>
+            <a:r>
+              <a:rPr lang="en-US" sz="2400" dirty="0">
                 <a:solidFill>
                   <a:srgbClr val="262636"/>
                 </a:solidFill>
                 <a:latin typeface="+mj-lt"/>
               </a:rPr>
-              <a:t>- правильное разделение сущностей</a:t>
-            </a:r>
-          </a:p>
-          <a:p>
+              <a:t>/</a:t>
+            </a:r>
             <a:r>
               <a:rPr lang="ru-RU" sz="2400" dirty="0">
                 <a:solidFill>
@@ -14519,34 +14545,110 @@
                 </a:solidFill>
                 <a:latin typeface="+mj-lt"/>
               </a:rPr>
-              <a:t>- отсрочку принятия решений по выбору библиотек (и снижение затрат на замену) вследствие ослабления взаимосвязей между компонентами</a:t>
-            </a:r>
-          </a:p>
-          <a:p>
-            <a:r>
-              <a:rPr lang="ru-RU" sz="2400" dirty="0">
-                <a:solidFill>
-                  <a:srgbClr val="262636"/>
-                </a:solidFill>
-                <a:latin typeface="+mj-lt"/>
-              </a:rPr>
-              <a:t>- вообще, это любопытная концепция создания гибких интерфейсов с асинхронным обменом</a:t>
-            </a:r>
-          </a:p>
-          <a:p>
-            <a:endParaRPr lang="ru-RU" sz="2400" dirty="0">
+              <a:t>тёмный) на лету</a:t>
+            </a:r>
+            <a:endParaRPr lang="en-US" sz="2400" dirty="0">
               <a:solidFill>
                 <a:srgbClr val="262636"/>
               </a:solidFill>
               <a:latin typeface="+mj-lt"/>
             </a:endParaRPr>
           </a:p>
+          <a:p>
+            <a:r>
+              <a:rPr lang="en-US" sz="2400" dirty="0">
+                <a:solidFill>
+                  <a:srgbClr val="262636"/>
+                </a:solidFill>
+                <a:latin typeface="+mj-lt"/>
+              </a:rPr>
+              <a:t>5. </a:t>
+            </a:r>
+            <a:r>
+              <a:rPr lang="ru-RU" sz="2400" dirty="0">
+                <a:solidFill>
+                  <a:srgbClr val="262636"/>
+                </a:solidFill>
+                <a:latin typeface="+mj-lt"/>
+              </a:rPr>
+              <a:t>Сделан реестр динамически загружаемых объектов с тривиальной реализацией</a:t>
+            </a:r>
+            <a:r>
+              <a:rPr lang="ru-RU" sz="2400" dirty="0">
+                <a:solidFill>
+                  <a:srgbClr val="262636"/>
+                </a:solidFill>
+              </a:rPr>
+              <a:t> (потому что это удобно)</a:t>
+            </a:r>
+            <a:endParaRPr lang="en-US" sz="2400" dirty="0">
+              <a:solidFill>
+                <a:srgbClr val="262636"/>
+              </a:solidFill>
+              <a:latin typeface="+mj-lt"/>
+            </a:endParaRPr>
+          </a:p>
+          <a:p>
+            <a:endParaRPr lang="en-US" sz="2400" dirty="0">
+              <a:solidFill>
+                <a:srgbClr val="262636"/>
+              </a:solidFill>
+              <a:latin typeface="+mj-lt"/>
+            </a:endParaRPr>
+          </a:p>
+          <a:p>
+            <a:r>
+              <a:rPr lang="ru-RU" sz="2400" dirty="0">
+                <a:solidFill>
+                  <a:srgbClr val="262636"/>
+                </a:solidFill>
+                <a:latin typeface="+mj-lt"/>
+              </a:rPr>
+              <a:t>Как видно из описания, с помощью потоков, реализован обмен между всеми слоями </a:t>
+            </a:r>
+            <a:r>
+              <a:rPr lang="en-US" sz="2400" dirty="0">
+                <a:solidFill>
+                  <a:srgbClr val="262636"/>
+                </a:solidFill>
+                <a:latin typeface="+mj-lt"/>
+              </a:rPr>
+              <a:t>(BE, BL, UI)</a:t>
+            </a:r>
+            <a:r>
+              <a:rPr lang="ru-RU" sz="2400" dirty="0">
+                <a:solidFill>
+                  <a:srgbClr val="262636"/>
+                </a:solidFill>
+                <a:latin typeface="+mj-lt"/>
+              </a:rPr>
+              <a:t>. </a:t>
+            </a:r>
+            <a:r>
+              <a:rPr lang="en-US" sz="2400" dirty="0">
+                <a:solidFill>
+                  <a:srgbClr val="262636"/>
+                </a:solidFill>
+                <a:latin typeface="+mj-lt"/>
+              </a:rPr>
+              <a:t>GUI </a:t>
+            </a:r>
+            <a:r>
+              <a:rPr lang="ru-RU" sz="2400" dirty="0">
+                <a:solidFill>
+                  <a:srgbClr val="262636"/>
+                </a:solidFill>
+                <a:latin typeface="+mj-lt"/>
+              </a:rPr>
+              <a:t>подключён как плагин, а в логгере нет блокировок за счёт выделения отдельного потока.</a:t>
+            </a:r>
+          </a:p>
         </p:txBody>
       </p:sp>
     </p:spTree>
     <p:extLst>
       <p:ext uri="{BB962C8B-B14F-4D97-AF65-F5344CB8AC3E}">
-        <p14:creationId xmlns:p14="http://schemas.microsoft.com/office/powerpoint/2010/main" val="48387865"/>
+        <p14:creationId xmlns:p14="http://schemas.microsoft.com/office/powerpoint/2010/main" val="38587208"/>
       </p:ext>
     </p:extLst>
   </p:cSld>
@@ -14711,7 +14813,7 @@
         <p:spPr>
           <a:xfrm>
             <a:off x="1190625" y="1469836"/>
-            <a:ext cx="7686675" cy="1938992"/>
+            <a:ext cx="7686675" cy="1569660"/>
           </a:xfrm>
           <a:prstGeom prst="rect">
             <a:avLst/>
@@ -14731,7 +14833,7 @@
                 </a:solidFill>
                 <a:latin typeface="+mj-lt"/>
               </a:rPr>
-              <a:t>Поводя итог: если изложенные изыскания несколько расширят понимание арсенала доступных средств и направлений развития – это уже победа.</a:t>
+              <a:t>Понятно, что это лишь концепт преодоления объективных проблем текущих реализаций, однако он закладывает:</a:t>
             </a:r>
           </a:p>
           <a:p>
@@ -14747,7 +14849,7 @@
     </p:spTree>
     <p:extLst>
       <p:ext uri="{BB962C8B-B14F-4D97-AF65-F5344CB8AC3E}">
-        <p14:creationId xmlns:p14="http://schemas.microsoft.com/office/powerpoint/2010/main" val="2182829575"/>
+        <p14:creationId xmlns:p14="http://schemas.microsoft.com/office/powerpoint/2010/main" val="1092159407"/>
       </p:ext>
     </p:extLst>
   </p:cSld>
@@ -14912,7 +15014,7 @@
         <p:spPr>
           <a:xfrm>
             <a:off x="1190625" y="1469836"/>
-            <a:ext cx="7686675" cy="2800767"/>
+            <a:ext cx="7686675" cy="1938992"/>
           </a:xfrm>
           <a:prstGeom prst="rect">
             <a:avLst/>
@@ -14930,8 +15032,878 @@
                 <a:solidFill>
                   <a:srgbClr val="262636"/>
                 </a:solidFill>
-              </a:rPr>
-              <a:t>Поводя итог: если изложенные изыскания несколько расширят понимание арсенала доступных средств и направлений развития – это уже победа.</a:t>
+                <a:latin typeface="+mj-lt"/>
+              </a:rPr>
+              <a:t>Понятно, что это лишь концепт преодоления объективных проблем текущих реализаций, однако он закладывает:</a:t>
+            </a:r>
+          </a:p>
+          <a:p>
+            <a:r>
+              <a:rPr lang="ru-RU" sz="2400" dirty="0">
+                <a:solidFill>
+                  <a:srgbClr val="262636"/>
+                </a:solidFill>
+                <a:latin typeface="+mj-lt"/>
+              </a:rPr>
+              <a:t>- правильное разделение сущностей</a:t>
+            </a:r>
+          </a:p>
+          <a:p>
+            <a:endParaRPr lang="ru-RU" sz="2400" dirty="0">
+              <a:solidFill>
+                <a:srgbClr val="262636"/>
+              </a:solidFill>
+              <a:latin typeface="+mj-lt"/>
+            </a:endParaRPr>
+          </a:p>
+        </p:txBody>
+      </p:sp>
+    </p:spTree>
+    <p:extLst>
+      <p:ext uri="{BB962C8B-B14F-4D97-AF65-F5344CB8AC3E}">
+        <p14:creationId xmlns:p14="http://schemas.microsoft.com/office/powerpoint/2010/main" val="4045884384"/>
+      </p:ext>
+    </p:extLst>
+  </p:cSld>
+  <p:clrMapOvr>
+    <a:masterClrMapping/>
+  </p:clrMapOvr>
+</p:sld>
+</file>
+
+<file path=ppt/slides/slide103.xml><?xml version="1.0" encoding="utf-8"?>
+<p:sld xmlns:a="http://schemas.openxmlformats.org/drawingml/2006/main" xmlns:r="http://schemas.openxmlformats.org/officeDocument/2006/relationships" xmlns:p="http://schemas.openxmlformats.org/presentationml/2006/main">
+  <p:cSld>
+    <p:spTree>
+      <p:nvGrpSpPr>
+        <p:cNvPr id="1" name=""/>
+        <p:cNvGrpSpPr/>
+        <p:nvPr/>
+      </p:nvGrpSpPr>
+      <p:grpSpPr>
+        <a:xfrm>
+          <a:off x="0" y="0"/>
+          <a:ext cx="0" cy="0"/>
+          <a:chOff x="0" y="0"/>
+          <a:chExt cx="0" cy="0"/>
+        </a:xfrm>
+      </p:grpSpPr>
+      <p:sp>
+        <p:nvSpPr>
+          <p:cNvPr id="2" name="Заголовок 1"/>
+          <p:cNvSpPr>
+            <a:spLocks noGrp="1"/>
+          </p:cNvSpPr>
+          <p:nvPr>
+            <p:ph type="title"/>
+          </p:nvPr>
+        </p:nvSpPr>
+        <p:spPr>
+          <a:xfrm>
+            <a:off x="0" y="1"/>
+            <a:ext cx="9144000" cy="1483894"/>
+          </a:xfrm>
+          <a:noFill/>
+        </p:spPr>
+        <p:txBody>
+          <a:bodyPr>
+            <a:normAutofit/>
+          </a:bodyPr>
+          <a:lstStyle/>
+          <a:p>
+            <a:pPr marL="900000">
+              <a:spcBef>
+                <a:spcPts val="0"/>
+              </a:spcBef>
+            </a:pPr>
+            <a:r>
+              <a:rPr lang="ru-RU" sz="3600" b="1" dirty="0">
+                <a:solidFill>
+                  <a:schemeClr val="tx2">
+                    <a:lumMod val="75000"/>
+                  </a:schemeClr>
+                </a:solidFill>
+              </a:rPr>
+              <a:t>Результаты</a:t>
+            </a:r>
+          </a:p>
+        </p:txBody>
+      </p:sp>
+      <p:sp>
+        <p:nvSpPr>
+          <p:cNvPr id="3" name="TextBox 2">
+            <a:extLst>
+              <a:ext uri="{FF2B5EF4-FFF2-40B4-BE49-F238E27FC236}">
+                <a16:creationId xmlns:a16="http://schemas.microsoft.com/office/drawing/2014/main" id="{CA148668-9F41-47BE-9845-424E3F823027}"/>
+              </a:ext>
+            </a:extLst>
+          </p:cNvPr>
+          <p:cNvSpPr txBox="1"/>
+          <p:nvPr/>
+        </p:nvSpPr>
+        <p:spPr>
+          <a:xfrm>
+            <a:off x="7466336" y="6642555"/>
+            <a:ext cx="1410964" cy="215444"/>
+          </a:xfrm>
+          <a:prstGeom prst="rect">
+            <a:avLst/>
+          </a:prstGeom>
+          <a:noFill/>
+        </p:spPr>
+        <p:txBody>
+          <a:bodyPr wrap="none" rtlCol="0">
+            <a:spAutoFit/>
+          </a:bodyPr>
+          <a:lstStyle/>
+          <a:p>
+            <a:r>
+              <a:rPr lang="en-US" sz="800" dirty="0"/>
+              <a:t>© 2021 </a:t>
+            </a:r>
+            <a:r>
+              <a:rPr lang="ru-RU" sz="800" dirty="0"/>
+              <a:t>Сергей Котельников</a:t>
+            </a:r>
+          </a:p>
+        </p:txBody>
+      </p:sp>
+      <p:cxnSp>
+        <p:nvCxnSpPr>
+          <p:cNvPr id="57" name="Прямая соединительная линия 56">
+            <a:extLst>
+              <a:ext uri="{FF2B5EF4-FFF2-40B4-BE49-F238E27FC236}">
+                <a16:creationId xmlns:a16="http://schemas.microsoft.com/office/drawing/2014/main" id="{7CC92653-02A9-4037-8660-47E54663577F}"/>
+              </a:ext>
+            </a:extLst>
+          </p:cNvPr>
+          <p:cNvCxnSpPr>
+            <a:cxnSpLocks/>
+          </p:cNvCxnSpPr>
+          <p:nvPr/>
+        </p:nvCxnSpPr>
+        <p:spPr>
+          <a:xfrm>
+            <a:off x="4572000" y="866775"/>
+            <a:ext cx="4572000" cy="0"/>
+          </a:xfrm>
+          <a:prstGeom prst="line">
+            <a:avLst/>
+          </a:prstGeom>
+          <a:ln>
+            <a:solidFill>
+              <a:srgbClr val="9E9E9E"/>
+            </a:solidFill>
+          </a:ln>
+        </p:spPr>
+        <p:style>
+          <a:lnRef idx="1">
+            <a:schemeClr val="accent1"/>
+          </a:lnRef>
+          <a:fillRef idx="0">
+            <a:schemeClr val="accent1"/>
+          </a:fillRef>
+          <a:effectRef idx="0">
+            <a:schemeClr val="accent1"/>
+          </a:effectRef>
+          <a:fontRef idx="minor">
+            <a:schemeClr val="tx1"/>
+          </a:fontRef>
+        </p:style>
+      </p:cxnSp>
+      <p:sp>
+        <p:nvSpPr>
+          <p:cNvPr id="59" name="TextBox 58">
+            <a:extLst>
+              <a:ext uri="{FF2B5EF4-FFF2-40B4-BE49-F238E27FC236}">
+                <a16:creationId xmlns:a16="http://schemas.microsoft.com/office/drawing/2014/main" id="{4180BE1A-32FB-45E2-97E1-870B9167D9AA}"/>
+              </a:ext>
+            </a:extLst>
+          </p:cNvPr>
+          <p:cNvSpPr txBox="1"/>
+          <p:nvPr/>
+        </p:nvSpPr>
+        <p:spPr>
+          <a:xfrm>
+            <a:off x="1190625" y="1469836"/>
+            <a:ext cx="7686675" cy="3416320"/>
+          </a:xfrm>
+          <a:prstGeom prst="rect">
+            <a:avLst/>
+          </a:prstGeom>
+          <a:noFill/>
+        </p:spPr>
+        <p:txBody>
+          <a:bodyPr wrap="square" rtlCol="0">
+            <a:spAutoFit/>
+          </a:bodyPr>
+          <a:lstStyle/>
+          <a:p>
+            <a:r>
+              <a:rPr lang="ru-RU" sz="2400" dirty="0">
+                <a:solidFill>
+                  <a:srgbClr val="262636"/>
+                </a:solidFill>
+                <a:latin typeface="+mj-lt"/>
+              </a:rPr>
+              <a:t>Понятно, что это лишь концепт преодоления объективных проблем текущих реализаций, однако он закладывает:</a:t>
+            </a:r>
+          </a:p>
+          <a:p>
+            <a:r>
+              <a:rPr lang="ru-RU" sz="2400" dirty="0">
+                <a:solidFill>
+                  <a:srgbClr val="262636"/>
+                </a:solidFill>
+                <a:latin typeface="+mj-lt"/>
+              </a:rPr>
+              <a:t>- правильное разделение сущностей</a:t>
+            </a:r>
+          </a:p>
+          <a:p>
+            <a:r>
+              <a:rPr lang="ru-RU" sz="2400" dirty="0">
+                <a:solidFill>
+                  <a:srgbClr val="262636"/>
+                </a:solidFill>
+                <a:latin typeface="+mj-lt"/>
+              </a:rPr>
+              <a:t>- отсрочку принятия решений по выбору библиотек (и снижение затрат на замену) вследствие ослабления взаимосвязей между компонентами</a:t>
+            </a:r>
+          </a:p>
+          <a:p>
+            <a:endParaRPr lang="ru-RU" sz="2400" dirty="0">
+              <a:solidFill>
+                <a:srgbClr val="262636"/>
+              </a:solidFill>
+              <a:latin typeface="+mj-lt"/>
+            </a:endParaRPr>
+          </a:p>
+        </p:txBody>
+      </p:sp>
+    </p:spTree>
+    <p:extLst>
+      <p:ext uri="{BB962C8B-B14F-4D97-AF65-F5344CB8AC3E}">
+        <p14:creationId xmlns:p14="http://schemas.microsoft.com/office/powerpoint/2010/main" val="3031329593"/>
+      </p:ext>
+    </p:extLst>
+  </p:cSld>
+  <p:clrMapOvr>
+    <a:masterClrMapping/>
+  </p:clrMapOvr>
+</p:sld>
+</file>
+
+<file path=ppt/slides/slide104.xml><?xml version="1.0" encoding="utf-8"?>
+<p:sld xmlns:a="http://schemas.openxmlformats.org/drawingml/2006/main" xmlns:r="http://schemas.openxmlformats.org/officeDocument/2006/relationships" xmlns:p="http://schemas.openxmlformats.org/presentationml/2006/main">
+  <p:cSld>
+    <p:spTree>
+      <p:nvGrpSpPr>
+        <p:cNvPr id="1" name=""/>
+        <p:cNvGrpSpPr/>
+        <p:nvPr/>
+      </p:nvGrpSpPr>
+      <p:grpSpPr>
+        <a:xfrm>
+          <a:off x="0" y="0"/>
+          <a:ext cx="0" cy="0"/>
+          <a:chOff x="0" y="0"/>
+          <a:chExt cx="0" cy="0"/>
+        </a:xfrm>
+      </p:grpSpPr>
+      <p:sp>
+        <p:nvSpPr>
+          <p:cNvPr id="2" name="Заголовок 1"/>
+          <p:cNvSpPr>
+            <a:spLocks noGrp="1"/>
+          </p:cNvSpPr>
+          <p:nvPr>
+            <p:ph type="title"/>
+          </p:nvPr>
+        </p:nvSpPr>
+        <p:spPr>
+          <a:xfrm>
+            <a:off x="0" y="1"/>
+            <a:ext cx="9144000" cy="1483894"/>
+          </a:xfrm>
+          <a:noFill/>
+        </p:spPr>
+        <p:txBody>
+          <a:bodyPr>
+            <a:normAutofit/>
+          </a:bodyPr>
+          <a:lstStyle/>
+          <a:p>
+            <a:pPr marL="900000">
+              <a:spcBef>
+                <a:spcPts val="0"/>
+              </a:spcBef>
+            </a:pPr>
+            <a:r>
+              <a:rPr lang="ru-RU" sz="3600" b="1" dirty="0">
+                <a:solidFill>
+                  <a:schemeClr val="tx2">
+                    <a:lumMod val="75000"/>
+                  </a:schemeClr>
+                </a:solidFill>
+              </a:rPr>
+              <a:t>Результаты</a:t>
+            </a:r>
+          </a:p>
+        </p:txBody>
+      </p:sp>
+      <p:sp>
+        <p:nvSpPr>
+          <p:cNvPr id="3" name="TextBox 2">
+            <a:extLst>
+              <a:ext uri="{FF2B5EF4-FFF2-40B4-BE49-F238E27FC236}">
+                <a16:creationId xmlns:a16="http://schemas.microsoft.com/office/drawing/2014/main" id="{CA148668-9F41-47BE-9845-424E3F823027}"/>
+              </a:ext>
+            </a:extLst>
+          </p:cNvPr>
+          <p:cNvSpPr txBox="1"/>
+          <p:nvPr/>
+        </p:nvSpPr>
+        <p:spPr>
+          <a:xfrm>
+            <a:off x="7466336" y="6642555"/>
+            <a:ext cx="1410964" cy="215444"/>
+          </a:xfrm>
+          <a:prstGeom prst="rect">
+            <a:avLst/>
+          </a:prstGeom>
+          <a:noFill/>
+        </p:spPr>
+        <p:txBody>
+          <a:bodyPr wrap="none" rtlCol="0">
+            <a:spAutoFit/>
+          </a:bodyPr>
+          <a:lstStyle/>
+          <a:p>
+            <a:r>
+              <a:rPr lang="en-US" sz="800" dirty="0"/>
+              <a:t>© 2021 </a:t>
+            </a:r>
+            <a:r>
+              <a:rPr lang="ru-RU" sz="800" dirty="0"/>
+              <a:t>Сергей Котельников</a:t>
+            </a:r>
+          </a:p>
+        </p:txBody>
+      </p:sp>
+      <p:cxnSp>
+        <p:nvCxnSpPr>
+          <p:cNvPr id="57" name="Прямая соединительная линия 56">
+            <a:extLst>
+              <a:ext uri="{FF2B5EF4-FFF2-40B4-BE49-F238E27FC236}">
+                <a16:creationId xmlns:a16="http://schemas.microsoft.com/office/drawing/2014/main" id="{7CC92653-02A9-4037-8660-47E54663577F}"/>
+              </a:ext>
+            </a:extLst>
+          </p:cNvPr>
+          <p:cNvCxnSpPr>
+            <a:cxnSpLocks/>
+          </p:cNvCxnSpPr>
+          <p:nvPr/>
+        </p:nvCxnSpPr>
+        <p:spPr>
+          <a:xfrm>
+            <a:off x="4572000" y="866775"/>
+            <a:ext cx="4572000" cy="0"/>
+          </a:xfrm>
+          <a:prstGeom prst="line">
+            <a:avLst/>
+          </a:prstGeom>
+          <a:ln>
+            <a:solidFill>
+              <a:srgbClr val="9E9E9E"/>
+            </a:solidFill>
+          </a:ln>
+        </p:spPr>
+        <p:style>
+          <a:lnRef idx="1">
+            <a:schemeClr val="accent1"/>
+          </a:lnRef>
+          <a:fillRef idx="0">
+            <a:schemeClr val="accent1"/>
+          </a:fillRef>
+          <a:effectRef idx="0">
+            <a:schemeClr val="accent1"/>
+          </a:effectRef>
+          <a:fontRef idx="minor">
+            <a:schemeClr val="tx1"/>
+          </a:fontRef>
+        </p:style>
+      </p:cxnSp>
+      <p:sp>
+        <p:nvSpPr>
+          <p:cNvPr id="59" name="TextBox 58">
+            <a:extLst>
+              <a:ext uri="{FF2B5EF4-FFF2-40B4-BE49-F238E27FC236}">
+                <a16:creationId xmlns:a16="http://schemas.microsoft.com/office/drawing/2014/main" id="{4180BE1A-32FB-45E2-97E1-870B9167D9AA}"/>
+              </a:ext>
+            </a:extLst>
+          </p:cNvPr>
+          <p:cNvSpPr txBox="1"/>
+          <p:nvPr/>
+        </p:nvSpPr>
+        <p:spPr>
+          <a:xfrm>
+            <a:off x="1190625" y="1469836"/>
+            <a:ext cx="7686675" cy="4154984"/>
+          </a:xfrm>
+          <a:prstGeom prst="rect">
+            <a:avLst/>
+          </a:prstGeom>
+          <a:noFill/>
+        </p:spPr>
+        <p:txBody>
+          <a:bodyPr wrap="square" rtlCol="0">
+            <a:spAutoFit/>
+          </a:bodyPr>
+          <a:lstStyle/>
+          <a:p>
+            <a:r>
+              <a:rPr lang="ru-RU" sz="2400" dirty="0">
+                <a:solidFill>
+                  <a:srgbClr val="262636"/>
+                </a:solidFill>
+                <a:latin typeface="+mj-lt"/>
+              </a:rPr>
+              <a:t>Понятно, что это лишь концепт преодоления объективных проблем текущих реализаций, однако он закладывает:</a:t>
+            </a:r>
+          </a:p>
+          <a:p>
+            <a:r>
+              <a:rPr lang="ru-RU" sz="2400" dirty="0">
+                <a:solidFill>
+                  <a:srgbClr val="262636"/>
+                </a:solidFill>
+                <a:latin typeface="+mj-lt"/>
+              </a:rPr>
+              <a:t>- правильное разделение сущностей</a:t>
+            </a:r>
+          </a:p>
+          <a:p>
+            <a:r>
+              <a:rPr lang="ru-RU" sz="2400" dirty="0">
+                <a:solidFill>
+                  <a:srgbClr val="262636"/>
+                </a:solidFill>
+                <a:latin typeface="+mj-lt"/>
+              </a:rPr>
+              <a:t>- отсрочку принятия решений по выбору библиотек (и снижение затрат на замену) вследствие ослабления взаимосвязей между компонентами</a:t>
+            </a:r>
+          </a:p>
+          <a:p>
+            <a:r>
+              <a:rPr lang="ru-RU" sz="2400" dirty="0">
+                <a:solidFill>
+                  <a:srgbClr val="262636"/>
+                </a:solidFill>
+                <a:latin typeface="+mj-lt"/>
+              </a:rPr>
+              <a:t>- вообще, это любопытная концепция создания гибких интерфейсов с асинхронным обменом</a:t>
+            </a:r>
+          </a:p>
+          <a:p>
+            <a:endParaRPr lang="ru-RU" sz="2400" dirty="0">
+              <a:solidFill>
+                <a:srgbClr val="262636"/>
+              </a:solidFill>
+              <a:latin typeface="+mj-lt"/>
+            </a:endParaRPr>
+          </a:p>
+        </p:txBody>
+      </p:sp>
+    </p:spTree>
+    <p:extLst>
+      <p:ext uri="{BB962C8B-B14F-4D97-AF65-F5344CB8AC3E}">
+        <p14:creationId xmlns:p14="http://schemas.microsoft.com/office/powerpoint/2010/main" val="48387865"/>
+      </p:ext>
+    </p:extLst>
+  </p:cSld>
+  <p:clrMapOvr>
+    <a:masterClrMapping/>
+  </p:clrMapOvr>
+</p:sld>
+</file>
+
+<file path=ppt/slides/slide105.xml><?xml version="1.0" encoding="utf-8"?>
+<p:sld xmlns:a="http://schemas.openxmlformats.org/drawingml/2006/main" xmlns:r="http://schemas.openxmlformats.org/officeDocument/2006/relationships" xmlns:p="http://schemas.openxmlformats.org/presentationml/2006/main">
+  <p:cSld>
+    <p:spTree>
+      <p:nvGrpSpPr>
+        <p:cNvPr id="1" name=""/>
+        <p:cNvGrpSpPr/>
+        <p:nvPr/>
+      </p:nvGrpSpPr>
+      <p:grpSpPr>
+        <a:xfrm>
+          <a:off x="0" y="0"/>
+          <a:ext cx="0" cy="0"/>
+          <a:chOff x="0" y="0"/>
+          <a:chExt cx="0" cy="0"/>
+        </a:xfrm>
+      </p:grpSpPr>
+      <p:sp>
+        <p:nvSpPr>
+          <p:cNvPr id="2" name="Заголовок 1"/>
+          <p:cNvSpPr>
+            <a:spLocks noGrp="1"/>
+          </p:cNvSpPr>
+          <p:nvPr>
+            <p:ph type="title"/>
+          </p:nvPr>
+        </p:nvSpPr>
+        <p:spPr>
+          <a:xfrm>
+            <a:off x="0" y="1"/>
+            <a:ext cx="9144000" cy="1483894"/>
+          </a:xfrm>
+          <a:noFill/>
+        </p:spPr>
+        <p:txBody>
+          <a:bodyPr>
+            <a:normAutofit/>
+          </a:bodyPr>
+          <a:lstStyle/>
+          <a:p>
+            <a:pPr marL="900000">
+              <a:spcBef>
+                <a:spcPts val="0"/>
+              </a:spcBef>
+            </a:pPr>
+            <a:r>
+              <a:rPr lang="ru-RU" sz="3600" b="1" dirty="0">
+                <a:solidFill>
+                  <a:schemeClr val="tx2">
+                    <a:lumMod val="75000"/>
+                  </a:schemeClr>
+                </a:solidFill>
+              </a:rPr>
+              <a:t>Результаты</a:t>
+            </a:r>
+          </a:p>
+        </p:txBody>
+      </p:sp>
+      <p:sp>
+        <p:nvSpPr>
+          <p:cNvPr id="3" name="TextBox 2">
+            <a:extLst>
+              <a:ext uri="{FF2B5EF4-FFF2-40B4-BE49-F238E27FC236}">
+                <a16:creationId xmlns:a16="http://schemas.microsoft.com/office/drawing/2014/main" id="{CA148668-9F41-47BE-9845-424E3F823027}"/>
+              </a:ext>
+            </a:extLst>
+          </p:cNvPr>
+          <p:cNvSpPr txBox="1"/>
+          <p:nvPr/>
+        </p:nvSpPr>
+        <p:spPr>
+          <a:xfrm>
+            <a:off x="7466336" y="6642555"/>
+            <a:ext cx="1410964" cy="215444"/>
+          </a:xfrm>
+          <a:prstGeom prst="rect">
+            <a:avLst/>
+          </a:prstGeom>
+          <a:noFill/>
+        </p:spPr>
+        <p:txBody>
+          <a:bodyPr wrap="none" rtlCol="0">
+            <a:spAutoFit/>
+          </a:bodyPr>
+          <a:lstStyle/>
+          <a:p>
+            <a:r>
+              <a:rPr lang="en-US" sz="800" dirty="0"/>
+              <a:t>© 2021 </a:t>
+            </a:r>
+            <a:r>
+              <a:rPr lang="ru-RU" sz="800" dirty="0"/>
+              <a:t>Сергей Котельников</a:t>
+            </a:r>
+          </a:p>
+        </p:txBody>
+      </p:sp>
+      <p:cxnSp>
+        <p:nvCxnSpPr>
+          <p:cNvPr id="57" name="Прямая соединительная линия 56">
+            <a:extLst>
+              <a:ext uri="{FF2B5EF4-FFF2-40B4-BE49-F238E27FC236}">
+                <a16:creationId xmlns:a16="http://schemas.microsoft.com/office/drawing/2014/main" id="{7CC92653-02A9-4037-8660-47E54663577F}"/>
+              </a:ext>
+            </a:extLst>
+          </p:cNvPr>
+          <p:cNvCxnSpPr>
+            <a:cxnSpLocks/>
+          </p:cNvCxnSpPr>
+          <p:nvPr/>
+        </p:nvCxnSpPr>
+        <p:spPr>
+          <a:xfrm>
+            <a:off x="4572000" y="866775"/>
+            <a:ext cx="4572000" cy="0"/>
+          </a:xfrm>
+          <a:prstGeom prst="line">
+            <a:avLst/>
+          </a:prstGeom>
+          <a:ln>
+            <a:solidFill>
+              <a:srgbClr val="9E9E9E"/>
+            </a:solidFill>
+          </a:ln>
+        </p:spPr>
+        <p:style>
+          <a:lnRef idx="1">
+            <a:schemeClr val="accent1"/>
+          </a:lnRef>
+          <a:fillRef idx="0">
+            <a:schemeClr val="accent1"/>
+          </a:fillRef>
+          <a:effectRef idx="0">
+            <a:schemeClr val="accent1"/>
+          </a:effectRef>
+          <a:fontRef idx="minor">
+            <a:schemeClr val="tx1"/>
+          </a:fontRef>
+        </p:style>
+      </p:cxnSp>
+      <p:sp>
+        <p:nvSpPr>
+          <p:cNvPr id="59" name="TextBox 58">
+            <a:extLst>
+              <a:ext uri="{FF2B5EF4-FFF2-40B4-BE49-F238E27FC236}">
+                <a16:creationId xmlns:a16="http://schemas.microsoft.com/office/drawing/2014/main" id="{4180BE1A-32FB-45E2-97E1-870B9167D9AA}"/>
+              </a:ext>
+            </a:extLst>
+          </p:cNvPr>
+          <p:cNvSpPr txBox="1"/>
+          <p:nvPr/>
+        </p:nvSpPr>
+        <p:spPr>
+          <a:xfrm>
+            <a:off x="1190625" y="1469836"/>
+            <a:ext cx="7686675" cy="1938992"/>
+          </a:xfrm>
+          <a:prstGeom prst="rect">
+            <a:avLst/>
+          </a:prstGeom>
+          <a:noFill/>
+        </p:spPr>
+        <p:txBody>
+          <a:bodyPr wrap="square" rtlCol="0">
+            <a:spAutoFit/>
+          </a:bodyPr>
+          <a:lstStyle/>
+          <a:p>
+            <a:r>
+              <a:rPr lang="ru-RU" sz="2400" dirty="0">
+                <a:solidFill>
+                  <a:srgbClr val="262636"/>
+                </a:solidFill>
+                <a:latin typeface="+mj-lt"/>
+              </a:rPr>
+              <a:t>Поводя итог: если изложенные изыскания несколько расширят понимание арсенала доступных средств и направлений развития – цель уже достигнута :)</a:t>
+            </a:r>
+          </a:p>
+          <a:p>
+            <a:endParaRPr lang="ru-RU" sz="2400" dirty="0">
+              <a:solidFill>
+                <a:srgbClr val="262636"/>
+              </a:solidFill>
+              <a:latin typeface="+mj-lt"/>
+            </a:endParaRPr>
+          </a:p>
+        </p:txBody>
+      </p:sp>
+    </p:spTree>
+    <p:extLst>
+      <p:ext uri="{BB962C8B-B14F-4D97-AF65-F5344CB8AC3E}">
+        <p14:creationId xmlns:p14="http://schemas.microsoft.com/office/powerpoint/2010/main" val="2182829575"/>
+      </p:ext>
+    </p:extLst>
+  </p:cSld>
+  <p:clrMapOvr>
+    <a:masterClrMapping/>
+  </p:clrMapOvr>
+</p:sld>
+</file>
+
+<file path=ppt/slides/slide106.xml><?xml version="1.0" encoding="utf-8"?>
+<p:sld xmlns:a="http://schemas.openxmlformats.org/drawingml/2006/main" xmlns:r="http://schemas.openxmlformats.org/officeDocument/2006/relationships" xmlns:p="http://schemas.openxmlformats.org/presentationml/2006/main">
+  <p:cSld>
+    <p:spTree>
+      <p:nvGrpSpPr>
+        <p:cNvPr id="1" name=""/>
+        <p:cNvGrpSpPr/>
+        <p:nvPr/>
+      </p:nvGrpSpPr>
+      <p:grpSpPr>
+        <a:xfrm>
+          <a:off x="0" y="0"/>
+          <a:ext cx="0" cy="0"/>
+          <a:chOff x="0" y="0"/>
+          <a:chExt cx="0" cy="0"/>
+        </a:xfrm>
+      </p:grpSpPr>
+      <p:sp>
+        <p:nvSpPr>
+          <p:cNvPr id="2" name="Заголовок 1"/>
+          <p:cNvSpPr>
+            <a:spLocks noGrp="1"/>
+          </p:cNvSpPr>
+          <p:nvPr>
+            <p:ph type="title"/>
+          </p:nvPr>
+        </p:nvSpPr>
+        <p:spPr>
+          <a:xfrm>
+            <a:off x="0" y="1"/>
+            <a:ext cx="9144000" cy="1483894"/>
+          </a:xfrm>
+          <a:noFill/>
+        </p:spPr>
+        <p:txBody>
+          <a:bodyPr>
+            <a:normAutofit/>
+          </a:bodyPr>
+          <a:lstStyle/>
+          <a:p>
+            <a:pPr marL="900000">
+              <a:spcBef>
+                <a:spcPts val="0"/>
+              </a:spcBef>
+            </a:pPr>
+            <a:r>
+              <a:rPr lang="ru-RU" sz="3600" b="1" dirty="0">
+                <a:solidFill>
+                  <a:schemeClr val="tx2">
+                    <a:lumMod val="75000"/>
+                  </a:schemeClr>
+                </a:solidFill>
+              </a:rPr>
+              <a:t>Результаты</a:t>
+            </a:r>
+          </a:p>
+        </p:txBody>
+      </p:sp>
+      <p:sp>
+        <p:nvSpPr>
+          <p:cNvPr id="3" name="TextBox 2">
+            <a:extLst>
+              <a:ext uri="{FF2B5EF4-FFF2-40B4-BE49-F238E27FC236}">
+                <a16:creationId xmlns:a16="http://schemas.microsoft.com/office/drawing/2014/main" id="{CA148668-9F41-47BE-9845-424E3F823027}"/>
+              </a:ext>
+            </a:extLst>
+          </p:cNvPr>
+          <p:cNvSpPr txBox="1"/>
+          <p:nvPr/>
+        </p:nvSpPr>
+        <p:spPr>
+          <a:xfrm>
+            <a:off x="7466336" y="6642555"/>
+            <a:ext cx="1410964" cy="215444"/>
+          </a:xfrm>
+          <a:prstGeom prst="rect">
+            <a:avLst/>
+          </a:prstGeom>
+          <a:noFill/>
+        </p:spPr>
+        <p:txBody>
+          <a:bodyPr wrap="none" rtlCol="0">
+            <a:spAutoFit/>
+          </a:bodyPr>
+          <a:lstStyle/>
+          <a:p>
+            <a:r>
+              <a:rPr lang="en-US" sz="800" dirty="0"/>
+              <a:t>© 2021 </a:t>
+            </a:r>
+            <a:r>
+              <a:rPr lang="ru-RU" sz="800" dirty="0"/>
+              <a:t>Сергей Котельников</a:t>
+            </a:r>
+          </a:p>
+        </p:txBody>
+      </p:sp>
+      <p:cxnSp>
+        <p:nvCxnSpPr>
+          <p:cNvPr id="57" name="Прямая соединительная линия 56">
+            <a:extLst>
+              <a:ext uri="{FF2B5EF4-FFF2-40B4-BE49-F238E27FC236}">
+                <a16:creationId xmlns:a16="http://schemas.microsoft.com/office/drawing/2014/main" id="{7CC92653-02A9-4037-8660-47E54663577F}"/>
+              </a:ext>
+            </a:extLst>
+          </p:cNvPr>
+          <p:cNvCxnSpPr>
+            <a:cxnSpLocks/>
+          </p:cNvCxnSpPr>
+          <p:nvPr/>
+        </p:nvCxnSpPr>
+        <p:spPr>
+          <a:xfrm>
+            <a:off x="4572000" y="866775"/>
+            <a:ext cx="4572000" cy="0"/>
+          </a:xfrm>
+          <a:prstGeom prst="line">
+            <a:avLst/>
+          </a:prstGeom>
+          <a:ln>
+            <a:solidFill>
+              <a:srgbClr val="9E9E9E"/>
+            </a:solidFill>
+          </a:ln>
+        </p:spPr>
+        <p:style>
+          <a:lnRef idx="1">
+            <a:schemeClr val="accent1"/>
+          </a:lnRef>
+          <a:fillRef idx="0">
+            <a:schemeClr val="accent1"/>
+          </a:fillRef>
+          <a:effectRef idx="0">
+            <a:schemeClr val="accent1"/>
+          </a:effectRef>
+          <a:fontRef idx="minor">
+            <a:schemeClr val="tx1"/>
+          </a:fontRef>
+        </p:style>
+      </p:cxnSp>
+      <p:sp>
+        <p:nvSpPr>
+          <p:cNvPr id="59" name="TextBox 58">
+            <a:extLst>
+              <a:ext uri="{FF2B5EF4-FFF2-40B4-BE49-F238E27FC236}">
+                <a16:creationId xmlns:a16="http://schemas.microsoft.com/office/drawing/2014/main" id="{4180BE1A-32FB-45E2-97E1-870B9167D9AA}"/>
+              </a:ext>
+            </a:extLst>
+          </p:cNvPr>
+          <p:cNvSpPr txBox="1"/>
+          <p:nvPr/>
+        </p:nvSpPr>
+        <p:spPr>
+          <a:xfrm>
+            <a:off x="1190625" y="1469836"/>
+            <a:ext cx="7686675" cy="2800767"/>
+          </a:xfrm>
+          <a:prstGeom prst="rect">
+            <a:avLst/>
+          </a:prstGeom>
+          <a:noFill/>
+        </p:spPr>
+        <p:txBody>
+          <a:bodyPr wrap="square" rtlCol="0">
+            <a:spAutoFit/>
+          </a:bodyPr>
+          <a:lstStyle/>
+          <a:p>
+            <a:r>
+              <a:rPr lang="ru-RU" sz="2400" dirty="0">
+                <a:solidFill>
+                  <a:srgbClr val="262636"/>
+                </a:solidFill>
+              </a:rPr>
+              <a:t>Поводя итог: если изложенные изыскания несколько расширят понимание арсенала доступных средств и направлений развития – цель уже достигнута :)</a:t>
             </a:r>
           </a:p>
           <a:p>
@@ -14979,7 +15951,7 @@
 </p:sld>
 </file>
 
-<file path=ppt/slides/slide103.xml><?xml version="1.0" encoding="utf-8"?>
+<file path=ppt/slides/slide107.xml><?xml version="1.0" encoding="utf-8"?>
 <p:sld xmlns:a="http://schemas.openxmlformats.org/drawingml/2006/main" xmlns:r="http://schemas.openxmlformats.org/officeDocument/2006/relationships" xmlns:p="http://schemas.openxmlformats.org/presentationml/2006/main">
   <p:cSld>
     <p:spTree>
@@ -23941,7 +24913,7 @@
         <p:spPr>
           <a:xfrm>
             <a:off x="1190625" y="1488886"/>
-            <a:ext cx="7686675" cy="3046988"/>
+            <a:ext cx="7686675" cy="3416320"/>
           </a:xfrm>
           <a:prstGeom prst="rect">
             <a:avLst/>
@@ -23977,7 +24949,7 @@
                   <a:srgbClr val="262636"/>
                 </a:solidFill>
               </a:rPr>
-              <a:t>Подписка – объект или функция</a:t>
+              <a:t>Подписчик предоставляет объект или функцию</a:t>
             </a:r>
             <a:r>
               <a:rPr lang="en-US" sz="2400" dirty="0">
@@ -24492,7 +25464,7 @@
         <p:spPr>
           <a:xfrm>
             <a:off x="1190625" y="1488886"/>
-            <a:ext cx="7686675" cy="3785652"/>
+            <a:ext cx="7686675" cy="4154984"/>
           </a:xfrm>
           <a:prstGeom prst="rect">
             <a:avLst/>
@@ -24528,7 +25500,7 @@
                   <a:srgbClr val="262636"/>
                 </a:solidFill>
               </a:rPr>
-              <a:t>Подписка – объект или функция</a:t>
+              <a:t>Подписчик предоставляет объект или функцию</a:t>
             </a:r>
             <a:r>
               <a:rPr lang="en-US" sz="2400" dirty="0">
@@ -31146,7 +32118,7 @@
               <a:t>Кстати, можно и без лямбд - объектом класса, реализующим функции </a:t>
             </a:r>
             <a:r>
-              <a:rPr lang="en-US" sz="1600" dirty="0" err="1">
+              <a:rPr lang="en-US" dirty="0" err="1">
                 <a:solidFill>
                   <a:schemeClr val="tx2">
                     <a:lumMod val="60000"/>
@@ -31166,7 +32138,7 @@
               <a:t>, </a:t>
             </a:r>
             <a:r>
-              <a:rPr lang="en-US" sz="1600" dirty="0" err="1">
+              <a:rPr lang="en-US" dirty="0" err="1">
                 <a:solidFill>
                   <a:schemeClr val="tx2">
                     <a:lumMod val="60000"/>
@@ -31194,7 +32166,7 @@
               <a:t>и </a:t>
             </a:r>
             <a:r>
-              <a:rPr lang="en-US" sz="1600" dirty="0" err="1">
+              <a:rPr lang="en-US" dirty="0" err="1">
                 <a:solidFill>
                   <a:schemeClr val="tx2">
                     <a:lumMod val="60000"/>
@@ -32919,7 +33891,7 @@
         <p:spPr>
           <a:xfrm>
             <a:off x="1190625" y="1469836"/>
-            <a:ext cx="7686675" cy="4524315"/>
+            <a:ext cx="7686675" cy="4893647"/>
           </a:xfrm>
           <a:prstGeom prst="rect">
             <a:avLst/>
@@ -33153,31 +34125,20 @@
               <a:t>		</a:t>
             </a:r>
             <a:r>
-              <a:rPr lang="ru-RU" sz="2400" dirty="0" err="1">
-                <a:solidFill>
-                  <a:srgbClr val="262636"/>
-                </a:solidFill>
-              </a:rPr>
-              <a:t>Т.о</a:t>
-            </a:r>
-            <a:r>
-              <a:rPr lang="ru-RU" sz="2400" dirty="0">
-                <a:solidFill>
-                  <a:srgbClr val="262636"/>
-                </a:solidFill>
-              </a:rPr>
-              <a:t>. можно навешивать на поток данных</a:t>
-            </a:r>
-          </a:p>
-          <a:p>
-            <a:r>
-              <a:rPr lang="ru-RU" sz="2400" dirty="0">
-                <a:solidFill>
-                  <a:srgbClr val="262636"/>
-                </a:solidFill>
-              </a:rPr>
-              <a:t>		функции обработки и формировать 			      новые потоки.</a:t>
-            </a:r>
+              <a:rPr lang="ru-RU" sz="2400" dirty="0">
+                <a:solidFill>
+                  <a:srgbClr val="262636"/>
+                </a:solidFill>
+              </a:rPr>
+              <a:t>Таким образом, можно навешивать на 			поток данных функции обработки и 				формировать новые потоки.</a:t>
+            </a:r>
+          </a:p>
+          <a:p>
+            <a:endParaRPr lang="ru-RU" sz="2400" dirty="0">
+              <a:solidFill>
+                <a:srgbClr val="262636"/>
+              </a:solidFill>
+            </a:endParaRPr>
           </a:p>
         </p:txBody>
       </p:sp>
@@ -33626,30 +34587,12 @@
               <a:t>		</a:t>
             </a:r>
             <a:r>
-              <a:rPr lang="ru-RU" sz="2400" dirty="0" err="1">
-                <a:solidFill>
-                  <a:srgbClr val="262636"/>
-                </a:solidFill>
-              </a:rPr>
-              <a:t>Т.о</a:t>
-            </a:r>
-            <a:r>
-              <a:rPr lang="ru-RU" sz="2400" dirty="0">
-                <a:solidFill>
-                  <a:srgbClr val="262636"/>
-                </a:solidFill>
-              </a:rPr>
-              <a:t>. можно навешивать на поток данных</a:t>
-            </a:r>
-          </a:p>
-          <a:p>
-            <a:r>
-              <a:rPr lang="ru-RU" sz="2400" dirty="0">
-                <a:solidFill>
-                  <a:srgbClr val="262636"/>
-                </a:solidFill>
-              </a:rPr>
-              <a:t>		функции обработки и формировать 			      новые потоки.</a:t>
+              <a:rPr lang="ru-RU" sz="2400" dirty="0">
+                <a:solidFill>
+                  <a:srgbClr val="262636"/>
+                </a:solidFill>
+              </a:rPr>
+              <a:t>Таким образом, можно навешивать на 			поток данных функции обработки и 				формировать новые потоки.</a:t>
             </a:r>
           </a:p>
           <a:p>
@@ -33874,8 +34817,8 @@
         </p:nvSpPr>
         <p:spPr>
           <a:xfrm>
-            <a:off x="1190625" y="1469836"/>
-            <a:ext cx="7686675" cy="1200329"/>
+            <a:off x="1190625" y="1477857"/>
+            <a:ext cx="7686675" cy="830997"/>
           </a:xfrm>
           <a:prstGeom prst="rect">
             <a:avLst/>
@@ -33894,23 +34837,7 @@
                   <a:srgbClr val="262636"/>
                 </a:solidFill>
               </a:rPr>
-              <a:t>«У нас процессор 100500 ядер, а всё</a:t>
-            </a:r>
-            <a:r>
-              <a:rPr lang="en-US" sz="2400" dirty="0">
-                <a:solidFill>
-                  <a:srgbClr val="262636"/>
-                </a:solidFill>
-              </a:rPr>
-              <a:t> </a:t>
-            </a:r>
-            <a:r>
-              <a:rPr lang="ru-RU" sz="2400" dirty="0">
-                <a:solidFill>
-                  <a:srgbClr val="262636"/>
-                </a:solidFill>
-              </a:rPr>
-              <a:t>виснет от обильных нотификаций, что же делать?» </a:t>
+              <a:t>Как это выглядит на практике:</a:t>
             </a:r>
           </a:p>
           <a:p>
@@ -33925,7 +34852,7 @@
     </p:spTree>
     <p:extLst>
       <p:ext uri="{BB962C8B-B14F-4D97-AF65-F5344CB8AC3E}">
-        <p14:creationId xmlns:p14="http://schemas.microsoft.com/office/powerpoint/2010/main" val="1754975008"/>
+        <p14:creationId xmlns:p14="http://schemas.microsoft.com/office/powerpoint/2010/main" val="2108888576"/>
       </p:ext>
     </p:extLst>
   </p:cSld>
@@ -34096,7 +35023,7 @@
         </p:nvSpPr>
         <p:spPr>
           <a:xfrm>
-            <a:off x="1190625" y="1469836"/>
+            <a:off x="1190625" y="1477857"/>
             <a:ext cx="7686675" cy="1569660"/>
           </a:xfrm>
           <a:prstGeom prst="rect">
@@ -34116,7 +35043,17 @@
                   <a:srgbClr val="262636"/>
                 </a:solidFill>
               </a:rPr>
-              <a:t>«У нас процессор 100500 ядер, а всё</a:t>
+              <a:t>Как это выглядит на практике:</a:t>
+            </a:r>
+          </a:p>
+          <a:p>
+            <a:r>
+              <a:rPr lang="ru-RU" sz="2400" dirty="0">
+                <a:solidFill>
+                  <a:srgbClr val="262636"/>
+                </a:solidFill>
+              </a:rPr>
+              <a:t>- отфильтруем поток </a:t>
             </a:r>
             <a:r>
               <a:rPr lang="en-US" sz="2400" dirty="0">
@@ -34124,29 +35061,38 @@
                   <a:srgbClr val="262636"/>
                 </a:solidFill>
               </a:rPr>
-              <a:t> </a:t>
-            </a:r>
-            <a:r>
-              <a:rPr lang="ru-RU" sz="2400" dirty="0">
-                <a:solidFill>
-                  <a:srgbClr val="262636"/>
-                </a:solidFill>
-              </a:rPr>
-              <a:t>виснет от обильных нотификаций, что же делать?»</a:t>
-            </a:r>
-          </a:p>
-          <a:p>
-            <a:r>
-              <a:rPr lang="ru-RU" sz="2400" dirty="0">
-                <a:solidFill>
-                  <a:srgbClr val="262636"/>
-                </a:solidFill>
-              </a:rPr>
-              <a:t>Очевидно же, многопоточность.</a:t>
-            </a:r>
-          </a:p>
-          <a:p>
-            <a:endParaRPr lang="en-US" sz="2400" dirty="0">
+              <a:t>NMEA-</a:t>
+            </a:r>
+            <a:r>
+              <a:rPr lang="ru-RU" sz="2400" dirty="0">
+                <a:solidFill>
+                  <a:srgbClr val="262636"/>
+                </a:solidFill>
+              </a:rPr>
+              <a:t>сообщений по типу сообщения </a:t>
+            </a:r>
+            <a:r>
+              <a:rPr lang="en-US" sz="2400" dirty="0">
+                <a:solidFill>
+                  <a:schemeClr val="tx2">
+                    <a:lumMod val="60000"/>
+                    <a:lumOff val="40000"/>
+                  </a:schemeClr>
+                </a:solidFill>
+              </a:rPr>
+              <a:t>GGA</a:t>
+            </a:r>
+            <a:endParaRPr lang="ru-RU" sz="2400" dirty="0">
+              <a:solidFill>
+                <a:schemeClr val="tx2">
+                  <a:lumMod val="60000"/>
+                  <a:lumOff val="40000"/>
+                </a:schemeClr>
+              </a:solidFill>
+            </a:endParaRPr>
+          </a:p>
+          <a:p>
+            <a:endParaRPr lang="ru-RU" sz="2400" dirty="0">
               <a:solidFill>
                 <a:srgbClr val="262636"/>
               </a:solidFill>
@@ -34157,7 +35103,7 @@
     </p:spTree>
     <p:extLst>
       <p:ext uri="{BB962C8B-B14F-4D97-AF65-F5344CB8AC3E}">
-        <p14:creationId xmlns:p14="http://schemas.microsoft.com/office/powerpoint/2010/main" val="2651898402"/>
+        <p14:creationId xmlns:p14="http://schemas.microsoft.com/office/powerpoint/2010/main" val="3539702716"/>
       </p:ext>
     </p:extLst>
   </p:cSld>
@@ -34328,8 +35274,8 @@
         </p:nvSpPr>
         <p:spPr>
           <a:xfrm>
-            <a:off x="1190625" y="1469836"/>
-            <a:ext cx="7686675" cy="1938992"/>
+            <a:off x="1190625" y="1477857"/>
+            <a:ext cx="7686675" cy="2185214"/>
           </a:xfrm>
           <a:prstGeom prst="rect">
             <a:avLst/>
@@ -34348,7 +35294,17 @@
                   <a:srgbClr val="262636"/>
                 </a:solidFill>
               </a:rPr>
-              <a:t>«У нас процессор 100500 ядер, а всё</a:t>
+              <a:t>Как это выглядит на практике:</a:t>
+            </a:r>
+          </a:p>
+          <a:p>
+            <a:r>
+              <a:rPr lang="ru-RU" sz="2400" dirty="0">
+                <a:solidFill>
+                  <a:srgbClr val="262636"/>
+                </a:solidFill>
+              </a:rPr>
+              <a:t>- отфильтруем поток </a:t>
             </a:r>
             <a:r>
               <a:rPr lang="en-US" sz="2400" dirty="0">
@@ -34356,59 +35312,96 @@
                   <a:srgbClr val="262636"/>
                 </a:solidFill>
               </a:rPr>
+              <a:t>NMEA-</a:t>
+            </a:r>
+            <a:r>
+              <a:rPr lang="ru-RU" sz="2400" dirty="0">
+                <a:solidFill>
+                  <a:srgbClr val="262636"/>
+                </a:solidFill>
+              </a:rPr>
+              <a:t>сообщений по типу сообщения </a:t>
+            </a:r>
+            <a:r>
+              <a:rPr lang="en-US" sz="2400" dirty="0">
+                <a:solidFill>
+                  <a:schemeClr val="tx2">
+                    <a:lumMod val="60000"/>
+                    <a:lumOff val="40000"/>
+                  </a:schemeClr>
+                </a:solidFill>
+              </a:rPr>
+              <a:t>GGA</a:t>
+            </a:r>
+            <a:endParaRPr lang="ru-RU" sz="2400" dirty="0">
+              <a:solidFill>
+                <a:srgbClr val="262636"/>
+              </a:solidFill>
+            </a:endParaRPr>
+          </a:p>
+          <a:p>
+            <a:r>
+              <a:rPr lang="ru-RU" sz="2400" dirty="0">
+                <a:solidFill>
+                  <a:srgbClr val="262636"/>
+                </a:solidFill>
+              </a:rPr>
+              <a:t>- выделим координаты и передадим их как поток двух пар </a:t>
+            </a:r>
+            <a:r>
+              <a:rPr lang="en-US" sz="1600" dirty="0">
+                <a:solidFill>
+                  <a:schemeClr val="tx2">
+                    <a:lumMod val="60000"/>
+                    <a:lumOff val="40000"/>
+                  </a:schemeClr>
+                </a:solidFill>
+                <a:latin typeface="Consolas" panose="020B0609020204030204" pitchFamily="49" charset="0"/>
+              </a:rPr>
+              <a:t>std::pair&lt;double, std::string&gt;</a:t>
+            </a:r>
+            <a:r>
+              <a:rPr lang="ru-RU" sz="2400" dirty="0">
+                <a:solidFill>
+                  <a:srgbClr val="262636"/>
+                </a:solidFill>
+              </a:rPr>
               <a:t> </a:t>
             </a:r>
             <a:r>
-              <a:rPr lang="ru-RU" sz="2400" dirty="0">
-                <a:solidFill>
-                  <a:srgbClr val="262636"/>
-                </a:solidFill>
-              </a:rPr>
-              <a:t>виснет от обильных нотификаций, что же делать?»</a:t>
-            </a:r>
-          </a:p>
-          <a:p>
-            <a:r>
-              <a:rPr lang="ru-RU" sz="2400" dirty="0">
-                <a:solidFill>
-                  <a:srgbClr val="262636"/>
-                </a:solidFill>
-              </a:rPr>
-              <a:t>Очевидно же, многопоточность.</a:t>
-            </a:r>
-          </a:p>
-          <a:p>
-            <a:r>
-              <a:rPr lang="en-US" sz="2400" dirty="0" err="1">
-                <a:solidFill>
-                  <a:srgbClr val="262636"/>
-                </a:solidFill>
-              </a:rPr>
-              <a:t>tirx</a:t>
-            </a:r>
-            <a:r>
               <a:rPr lang="en-US" sz="2400" dirty="0">
                 <a:solidFill>
                   <a:srgbClr val="262636"/>
                 </a:solidFill>
               </a:rPr>
+              <a:t>(60.31, “N”)</a:t>
+            </a:r>
+            <a:r>
+              <a:rPr lang="ru-RU" sz="2400" dirty="0">
+                <a:solidFill>
+                  <a:srgbClr val="262636"/>
+                </a:solidFill>
+              </a:rPr>
               <a:t> </a:t>
             </a:r>
-            <a:r>
-              <a:rPr lang="ru-RU" sz="2400" dirty="0">
-                <a:solidFill>
-                  <a:srgbClr val="262636"/>
-                </a:solidFill>
-              </a:rPr>
-              <a:t>позволяет определить выполнение функций подписки в многопоточной манере:</a:t>
-            </a:r>
+          </a:p>
+          <a:p>
+            <a:endParaRPr lang="ru-RU" sz="1600" dirty="0">
+              <a:solidFill>
+                <a:schemeClr val="tx2">
+                  <a:lumMod val="60000"/>
+                  <a:lumOff val="40000"/>
+                </a:schemeClr>
+              </a:solidFill>
+              <a:latin typeface="Consolas" panose="020B0609020204030204" pitchFamily="49" charset="0"/>
+            </a:endParaRPr>
           </a:p>
         </p:txBody>
       </p:sp>
     </p:spTree>
     <p:extLst>
       <p:ext uri="{BB962C8B-B14F-4D97-AF65-F5344CB8AC3E}">
-        <p14:creationId xmlns:p14="http://schemas.microsoft.com/office/powerpoint/2010/main" val="3731806256"/>
+        <p14:creationId xmlns:p14="http://schemas.microsoft.com/office/powerpoint/2010/main" val="4071592807"/>
       </p:ext>
     </p:extLst>
   </p:cSld>
@@ -34579,8 +35572,8 @@
         </p:nvSpPr>
         <p:spPr>
           <a:xfrm>
-            <a:off x="1190625" y="1469836"/>
-            <a:ext cx="7686675" cy="3046988"/>
+            <a:off x="1190625" y="1477857"/>
+            <a:ext cx="7686675" cy="4647426"/>
           </a:xfrm>
           <a:prstGeom prst="rect">
             <a:avLst/>
@@ -34599,7 +35592,17 @@
                   <a:srgbClr val="262636"/>
                 </a:solidFill>
               </a:rPr>
-              <a:t>«У нас процессор 100500 ядер, а всё</a:t>
+              <a:t>Как это выглядит на практике:</a:t>
+            </a:r>
+          </a:p>
+          <a:p>
+            <a:r>
+              <a:rPr lang="ru-RU" sz="2400" dirty="0">
+                <a:solidFill>
+                  <a:srgbClr val="262636"/>
+                </a:solidFill>
+              </a:rPr>
+              <a:t>- отфильтруем поток </a:t>
             </a:r>
             <a:r>
               <a:rPr lang="en-US" sz="2400" dirty="0">
@@ -34607,83 +35610,81 @@
                   <a:srgbClr val="262636"/>
                 </a:solidFill>
               </a:rPr>
-              <a:t> </a:t>
-            </a:r>
-            <a:r>
-              <a:rPr lang="ru-RU" sz="2400" dirty="0">
-                <a:solidFill>
-                  <a:srgbClr val="262636"/>
-                </a:solidFill>
-              </a:rPr>
-              <a:t>виснет от обильных нотификаций, что же делать?»</a:t>
-            </a:r>
-          </a:p>
-          <a:p>
-            <a:r>
-              <a:rPr lang="ru-RU" sz="2400" dirty="0">
-                <a:solidFill>
-                  <a:srgbClr val="262636"/>
-                </a:solidFill>
-              </a:rPr>
-              <a:t>Очевидно же, многопоточность.</a:t>
-            </a:r>
-          </a:p>
-          <a:p>
-            <a:r>
-              <a:rPr lang="en-US" sz="2400" dirty="0" err="1">
-                <a:solidFill>
-                  <a:srgbClr val="262636"/>
-                </a:solidFill>
-              </a:rPr>
-              <a:t>tirx</a:t>
+              <a:t>NMEA-</a:t>
+            </a:r>
+            <a:r>
+              <a:rPr lang="ru-RU" sz="2400" dirty="0">
+                <a:solidFill>
+                  <a:srgbClr val="262636"/>
+                </a:solidFill>
+              </a:rPr>
+              <a:t>сообщений по типу сообщения </a:t>
             </a:r>
             <a:r>
               <a:rPr lang="en-US" sz="2400" dirty="0">
-                <a:solidFill>
-                  <a:srgbClr val="262636"/>
-                </a:solidFill>
-              </a:rPr>
-              <a:t> </a:t>
-            </a:r>
-            <a:r>
-              <a:rPr lang="ru-RU" sz="2400" dirty="0">
-                <a:solidFill>
-                  <a:srgbClr val="262636"/>
-                </a:solidFill>
-              </a:rPr>
-              <a:t>позволяет определить выполнение функций подписки в многопоточной манере:</a:t>
-            </a:r>
-          </a:p>
-          <a:p>
-            <a:r>
-              <a:rPr lang="ru-RU" sz="2400" dirty="0">
-                <a:solidFill>
-                  <a:srgbClr val="262636"/>
-                </a:solidFill>
-              </a:rPr>
-              <a:t>1. Отдельный поток. Например, можно собрать все источники логов в один поток и писать их в файл без блокировок</a:t>
-            </a:r>
-            <a:r>
-              <a:rPr lang="en-US" sz="2400" dirty="0">
-                <a:solidFill>
-                  <a:srgbClr val="262636"/>
-                </a:solidFill>
-              </a:rPr>
-              <a:t> - </a:t>
-            </a:r>
-            <a:r>
-              <a:rPr lang="en-US" sz="2000" dirty="0" err="1">
                 <a:solidFill>
                   <a:schemeClr val="tx2">
                     <a:lumMod val="60000"/>
                     <a:lumOff val="40000"/>
                   </a:schemeClr>
                 </a:solidFill>
+              </a:rPr>
+              <a:t>GGA</a:t>
+            </a:r>
+            <a:endParaRPr lang="ru-RU" sz="2400" dirty="0">
+              <a:solidFill>
+                <a:srgbClr val="262636"/>
+              </a:solidFill>
+            </a:endParaRPr>
+          </a:p>
+          <a:p>
+            <a:r>
+              <a:rPr lang="ru-RU" sz="2400" dirty="0">
+                <a:solidFill>
+                  <a:srgbClr val="262636"/>
+                </a:solidFill>
+              </a:rPr>
+              <a:t>- выделим координаты и передадим их как поток двух пар </a:t>
+            </a:r>
+            <a:r>
+              <a:rPr lang="en-US" sz="1600" dirty="0">
+                <a:solidFill>
+                  <a:schemeClr val="tx2">
+                    <a:lumMod val="60000"/>
+                    <a:lumOff val="40000"/>
+                  </a:schemeClr>
+                </a:solidFill>
                 <a:latin typeface="Consolas" panose="020B0609020204030204" pitchFamily="49" charset="0"/>
               </a:rPr>
-              <a:t>SingleThreadExecutor</a:t>
-            </a:r>
-            <a:endParaRPr lang="ru-RU" sz="2000" dirty="0">
+              <a:t>std::pair&lt;double, std::string&gt;</a:t>
+            </a:r>
+            <a:r>
+              <a:rPr lang="ru-RU" sz="2400" dirty="0">
+                <a:solidFill>
+                  <a:srgbClr val="262636"/>
+                </a:solidFill>
+              </a:rPr>
+              <a:t> </a:t>
+            </a:r>
+            <a:r>
+              <a:rPr lang="en-US" sz="2400" dirty="0">
+                <a:solidFill>
+                  <a:srgbClr val="262636"/>
+                </a:solidFill>
+              </a:rPr>
+              <a:t>(60.31, “N”)</a:t>
+            </a:r>
+            <a:r>
+              <a:rPr lang="ru-RU" sz="2400" dirty="0">
+                <a:solidFill>
+                  <a:srgbClr val="262636"/>
+                </a:solidFill>
+              </a:rPr>
+              <a:t> </a:t>
+            </a:r>
+          </a:p>
+          <a:p>
+            <a:endParaRPr lang="ru-RU" sz="1600" dirty="0">
               <a:solidFill>
                 <a:schemeClr val="tx2">
                   <a:lumMod val="60000"/>
@@ -34693,12 +35694,566 @@
               <a:latin typeface="Consolas" panose="020B0609020204030204" pitchFamily="49" charset="0"/>
             </a:endParaRPr>
           </a:p>
+          <a:p>
+            <a:r>
+              <a:rPr lang="en-US" sz="1600" dirty="0" err="1">
+                <a:solidFill>
+                  <a:schemeClr val="tx2">
+                    <a:lumMod val="60000"/>
+                    <a:lumOff val="40000"/>
+                  </a:schemeClr>
+                </a:solidFill>
+                <a:latin typeface="Consolas" panose="020B0609020204030204" pitchFamily="49" charset="0"/>
+              </a:rPr>
+              <a:t>gps_subscription</a:t>
+            </a:r>
+            <a:r>
+              <a:rPr lang="en-US" sz="1600" dirty="0">
+                <a:solidFill>
+                  <a:schemeClr val="tx2">
+                    <a:lumMod val="60000"/>
+                    <a:lumOff val="40000"/>
+                  </a:schemeClr>
+                </a:solidFill>
+                <a:latin typeface="Consolas" panose="020B0609020204030204" pitchFamily="49" charset="0"/>
+              </a:rPr>
+              <a:t> = </a:t>
+            </a:r>
+            <a:r>
+              <a:rPr lang="en-US" sz="1600" dirty="0" err="1">
+                <a:solidFill>
+                  <a:schemeClr val="tx2">
+                    <a:lumMod val="60000"/>
+                    <a:lumOff val="40000"/>
+                  </a:schemeClr>
+                </a:solidFill>
+                <a:latin typeface="Consolas" panose="020B0609020204030204" pitchFamily="49" charset="0"/>
+              </a:rPr>
+              <a:t>nmea_source</a:t>
+            </a:r>
+            <a:r>
+              <a:rPr lang="en-US" sz="1600" dirty="0">
+                <a:solidFill>
+                  <a:schemeClr val="tx2">
+                    <a:lumMod val="60000"/>
+                    <a:lumOff val="40000"/>
+                  </a:schemeClr>
+                </a:solidFill>
+                <a:latin typeface="Consolas" panose="020B0609020204030204" pitchFamily="49" charset="0"/>
+              </a:rPr>
+              <a:t>-&gt;</a:t>
+            </a:r>
+            <a:r>
+              <a:rPr lang="en-US" sz="1600" b="1" dirty="0">
+                <a:solidFill>
+                  <a:schemeClr val="tx2">
+                    <a:lumMod val="60000"/>
+                    <a:lumOff val="40000"/>
+                  </a:schemeClr>
+                </a:solidFill>
+                <a:latin typeface="Consolas" panose="020B0609020204030204" pitchFamily="49" charset="0"/>
+              </a:rPr>
+              <a:t>filter</a:t>
+            </a:r>
+            <a:r>
+              <a:rPr lang="en-US" sz="1600" dirty="0">
+                <a:solidFill>
+                  <a:schemeClr val="tx2">
+                    <a:lumMod val="60000"/>
+                    <a:lumOff val="40000"/>
+                  </a:schemeClr>
+                </a:solidFill>
+                <a:latin typeface="Consolas" panose="020B0609020204030204" pitchFamily="49" charset="0"/>
+              </a:rPr>
+              <a:t>([](std::string sentence) {</a:t>
+            </a:r>
+          </a:p>
+          <a:p>
+            <a:r>
+              <a:rPr lang="fr-FR" sz="1600" dirty="0">
+                <a:solidFill>
+                  <a:schemeClr val="tx2">
+                    <a:lumMod val="60000"/>
+                    <a:lumOff val="40000"/>
+                  </a:schemeClr>
+                </a:solidFill>
+                <a:latin typeface="Consolas" panose="020B0609020204030204" pitchFamily="49" charset="0"/>
+              </a:rPr>
+              <a:t>	const auto message_type = sentence.substr(3, 3);</a:t>
+            </a:r>
+          </a:p>
+          <a:p>
+            <a:r>
+              <a:rPr lang="en-US" sz="1600" dirty="0">
+                <a:solidFill>
+                  <a:schemeClr val="tx2">
+                    <a:lumMod val="60000"/>
+                    <a:lumOff val="40000"/>
+                  </a:schemeClr>
+                </a:solidFill>
+                <a:latin typeface="Consolas" panose="020B0609020204030204" pitchFamily="49" charset="0"/>
+              </a:rPr>
+              <a:t>    return </a:t>
+            </a:r>
+            <a:r>
+              <a:rPr lang="en-US" sz="1600" dirty="0" err="1">
+                <a:solidFill>
+                  <a:schemeClr val="tx2">
+                    <a:lumMod val="60000"/>
+                    <a:lumOff val="40000"/>
+                  </a:schemeClr>
+                </a:solidFill>
+                <a:latin typeface="Consolas" panose="020B0609020204030204" pitchFamily="49" charset="0"/>
+              </a:rPr>
+              <a:t>message_type</a:t>
+            </a:r>
+            <a:r>
+              <a:rPr lang="en-US" sz="1600" dirty="0">
+                <a:solidFill>
+                  <a:schemeClr val="tx2">
+                    <a:lumMod val="60000"/>
+                    <a:lumOff val="40000"/>
+                  </a:schemeClr>
+                </a:solidFill>
+                <a:latin typeface="Consolas" panose="020B0609020204030204" pitchFamily="49" charset="0"/>
+              </a:rPr>
+              <a:t> == "GGA";</a:t>
+            </a:r>
+          </a:p>
+          <a:p>
+            <a:r>
+              <a:rPr lang="en-US" sz="1600" dirty="0">
+                <a:solidFill>
+                  <a:schemeClr val="tx2">
+                    <a:lumMod val="60000"/>
+                    <a:lumOff val="40000"/>
+                  </a:schemeClr>
+                </a:solidFill>
+                <a:latin typeface="Consolas" panose="020B0609020204030204" pitchFamily="49" charset="0"/>
+              </a:rPr>
+              <a:t>}).</a:t>
+            </a:r>
+            <a:r>
+              <a:rPr lang="en-US" sz="1600" b="1" dirty="0">
+                <a:solidFill>
+                  <a:schemeClr val="tx2">
+                    <a:lumMod val="60000"/>
+                    <a:lumOff val="40000"/>
+                  </a:schemeClr>
+                </a:solidFill>
+                <a:latin typeface="Consolas" panose="020B0609020204030204" pitchFamily="49" charset="0"/>
+              </a:rPr>
+              <a:t>subscribe</a:t>
+            </a:r>
+            <a:r>
+              <a:rPr lang="en-US" sz="1600" dirty="0">
+                <a:solidFill>
+                  <a:schemeClr val="tx2">
+                    <a:lumMod val="60000"/>
+                    <a:lumOff val="40000"/>
+                  </a:schemeClr>
+                </a:solidFill>
+                <a:latin typeface="Consolas" panose="020B0609020204030204" pitchFamily="49" charset="0"/>
+              </a:rPr>
+              <a:t>([this](std::string sentence) {</a:t>
+            </a:r>
+          </a:p>
+          <a:p>
+            <a:r>
+              <a:rPr lang="fr-FR" sz="1600" dirty="0">
+                <a:solidFill>
+                  <a:schemeClr val="tx2">
+                    <a:lumMod val="60000"/>
+                    <a:lumOff val="40000"/>
+                  </a:schemeClr>
+                </a:solidFill>
+                <a:latin typeface="Consolas" panose="020B0609020204030204" pitchFamily="49" charset="0"/>
+              </a:rPr>
+              <a:t>    const auto parts = split(sentence);</a:t>
+            </a:r>
+          </a:p>
+          <a:p>
+            <a:r>
+              <a:rPr lang="en-US" sz="1600" dirty="0">
+                <a:solidFill>
+                  <a:schemeClr val="tx2">
+                    <a:lumMod val="60000"/>
+                    <a:lumOff val="40000"/>
+                  </a:schemeClr>
+                </a:solidFill>
+                <a:latin typeface="Consolas" panose="020B0609020204030204" pitchFamily="49" charset="0"/>
+              </a:rPr>
+              <a:t>    auto </a:t>
+            </a:r>
+            <a:r>
+              <a:rPr lang="en-US" sz="1600" dirty="0" err="1">
+                <a:solidFill>
+                  <a:schemeClr val="tx2">
+                    <a:lumMod val="60000"/>
+                    <a:lumOff val="40000"/>
+                  </a:schemeClr>
+                </a:solidFill>
+                <a:latin typeface="Consolas" panose="020B0609020204030204" pitchFamily="49" charset="0"/>
+              </a:rPr>
+              <a:t>lat</a:t>
+            </a:r>
+            <a:r>
+              <a:rPr lang="en-US" sz="1600" dirty="0">
+                <a:solidFill>
+                  <a:schemeClr val="tx2">
+                    <a:lumMod val="60000"/>
+                    <a:lumOff val="40000"/>
+                  </a:schemeClr>
+                </a:solidFill>
+                <a:latin typeface="Consolas" panose="020B0609020204030204" pitchFamily="49" charset="0"/>
+              </a:rPr>
+              <a:t> = std::</a:t>
+            </a:r>
+            <a:r>
+              <a:rPr lang="en-US" sz="1600" dirty="0" err="1">
+                <a:solidFill>
+                  <a:schemeClr val="tx2">
+                    <a:lumMod val="60000"/>
+                    <a:lumOff val="40000"/>
+                  </a:schemeClr>
+                </a:solidFill>
+                <a:latin typeface="Consolas" panose="020B0609020204030204" pitchFamily="49" charset="0"/>
+              </a:rPr>
+              <a:t>make_pair</a:t>
+            </a:r>
+            <a:r>
+              <a:rPr lang="en-US" sz="1600" dirty="0">
+                <a:solidFill>
+                  <a:schemeClr val="tx2">
+                    <a:lumMod val="60000"/>
+                    <a:lumOff val="40000"/>
+                  </a:schemeClr>
+                </a:solidFill>
+                <a:latin typeface="Consolas" panose="020B0609020204030204" pitchFamily="49" charset="0"/>
+              </a:rPr>
+              <a:t>(</a:t>
+            </a:r>
+            <a:r>
+              <a:rPr lang="en-US" sz="1600" dirty="0" err="1">
+                <a:solidFill>
+                  <a:schemeClr val="tx2">
+                    <a:lumMod val="60000"/>
+                    <a:lumOff val="40000"/>
+                  </a:schemeClr>
+                </a:solidFill>
+                <a:latin typeface="Consolas" panose="020B0609020204030204" pitchFamily="49" charset="0"/>
+              </a:rPr>
+              <a:t>atof</a:t>
+            </a:r>
+            <a:r>
+              <a:rPr lang="en-US" sz="1600" dirty="0">
+                <a:solidFill>
+                  <a:schemeClr val="tx2">
+                    <a:lumMod val="60000"/>
+                    <a:lumOff val="40000"/>
+                  </a:schemeClr>
+                </a:solidFill>
+                <a:latin typeface="Consolas" panose="020B0609020204030204" pitchFamily="49" charset="0"/>
+              </a:rPr>
+              <a:t>(parts[2].</a:t>
+            </a:r>
+            <a:r>
+              <a:rPr lang="en-US" sz="1600" dirty="0" err="1">
+                <a:solidFill>
+                  <a:schemeClr val="tx2">
+                    <a:lumMod val="60000"/>
+                    <a:lumOff val="40000"/>
+                  </a:schemeClr>
+                </a:solidFill>
+                <a:latin typeface="Consolas" panose="020B0609020204030204" pitchFamily="49" charset="0"/>
+              </a:rPr>
+              <a:t>c_str</a:t>
+            </a:r>
+            <a:r>
+              <a:rPr lang="en-US" sz="1600" dirty="0">
+                <a:solidFill>
+                  <a:schemeClr val="tx2">
+                    <a:lumMod val="60000"/>
+                    <a:lumOff val="40000"/>
+                  </a:schemeClr>
+                </a:solidFill>
+                <a:latin typeface="Consolas" panose="020B0609020204030204" pitchFamily="49" charset="0"/>
+              </a:rPr>
+              <a:t>()), parts[3]);</a:t>
+            </a:r>
+          </a:p>
+          <a:p>
+            <a:r>
+              <a:rPr lang="en-US" sz="1600" dirty="0">
+                <a:solidFill>
+                  <a:schemeClr val="tx2">
+                    <a:lumMod val="60000"/>
+                    <a:lumOff val="40000"/>
+                  </a:schemeClr>
+                </a:solidFill>
+                <a:latin typeface="Consolas" panose="020B0609020204030204" pitchFamily="49" charset="0"/>
+              </a:rPr>
+              <a:t>    auto </a:t>
+            </a:r>
+            <a:r>
+              <a:rPr lang="en-US" sz="1600" dirty="0" err="1">
+                <a:solidFill>
+                  <a:schemeClr val="tx2">
+                    <a:lumMod val="60000"/>
+                    <a:lumOff val="40000"/>
+                  </a:schemeClr>
+                </a:solidFill>
+                <a:latin typeface="Consolas" panose="020B0609020204030204" pitchFamily="49" charset="0"/>
+              </a:rPr>
+              <a:t>lon</a:t>
+            </a:r>
+            <a:r>
+              <a:rPr lang="en-US" sz="1600" dirty="0">
+                <a:solidFill>
+                  <a:schemeClr val="tx2">
+                    <a:lumMod val="60000"/>
+                    <a:lumOff val="40000"/>
+                  </a:schemeClr>
+                </a:solidFill>
+                <a:latin typeface="Consolas" panose="020B0609020204030204" pitchFamily="49" charset="0"/>
+              </a:rPr>
+              <a:t> = std::</a:t>
+            </a:r>
+            <a:r>
+              <a:rPr lang="en-US" sz="1600" dirty="0" err="1">
+                <a:solidFill>
+                  <a:schemeClr val="tx2">
+                    <a:lumMod val="60000"/>
+                    <a:lumOff val="40000"/>
+                  </a:schemeClr>
+                </a:solidFill>
+                <a:latin typeface="Consolas" panose="020B0609020204030204" pitchFamily="49" charset="0"/>
+              </a:rPr>
+              <a:t>make_pair</a:t>
+            </a:r>
+            <a:r>
+              <a:rPr lang="en-US" sz="1600" dirty="0">
+                <a:solidFill>
+                  <a:schemeClr val="tx2">
+                    <a:lumMod val="60000"/>
+                    <a:lumOff val="40000"/>
+                  </a:schemeClr>
+                </a:solidFill>
+                <a:latin typeface="Consolas" panose="020B0609020204030204" pitchFamily="49" charset="0"/>
+              </a:rPr>
+              <a:t>(</a:t>
+            </a:r>
+            <a:r>
+              <a:rPr lang="en-US" sz="1600" dirty="0" err="1">
+                <a:solidFill>
+                  <a:schemeClr val="tx2">
+                    <a:lumMod val="60000"/>
+                    <a:lumOff val="40000"/>
+                  </a:schemeClr>
+                </a:solidFill>
+                <a:latin typeface="Consolas" panose="020B0609020204030204" pitchFamily="49" charset="0"/>
+              </a:rPr>
+              <a:t>atof</a:t>
+            </a:r>
+            <a:r>
+              <a:rPr lang="en-US" sz="1600" dirty="0">
+                <a:solidFill>
+                  <a:schemeClr val="tx2">
+                    <a:lumMod val="60000"/>
+                    <a:lumOff val="40000"/>
+                  </a:schemeClr>
+                </a:solidFill>
+                <a:latin typeface="Consolas" panose="020B0609020204030204" pitchFamily="49" charset="0"/>
+              </a:rPr>
+              <a:t>(parts[4].</a:t>
+            </a:r>
+            <a:r>
+              <a:rPr lang="en-US" sz="1600" dirty="0" err="1">
+                <a:solidFill>
+                  <a:schemeClr val="tx2">
+                    <a:lumMod val="60000"/>
+                    <a:lumOff val="40000"/>
+                  </a:schemeClr>
+                </a:solidFill>
+                <a:latin typeface="Consolas" panose="020B0609020204030204" pitchFamily="49" charset="0"/>
+              </a:rPr>
+              <a:t>c_str</a:t>
+            </a:r>
+            <a:r>
+              <a:rPr lang="en-US" sz="1600" dirty="0">
+                <a:solidFill>
+                  <a:schemeClr val="tx2">
+                    <a:lumMod val="60000"/>
+                    <a:lumOff val="40000"/>
+                  </a:schemeClr>
+                </a:solidFill>
+                <a:latin typeface="Consolas" panose="020B0609020204030204" pitchFamily="49" charset="0"/>
+              </a:rPr>
+              <a:t>()), parts[5]);</a:t>
+            </a:r>
+          </a:p>
+          <a:p>
+            <a:r>
+              <a:rPr lang="en-US" sz="1600" dirty="0">
+                <a:solidFill>
+                  <a:schemeClr val="tx2">
+                    <a:lumMod val="60000"/>
+                    <a:lumOff val="40000"/>
+                  </a:schemeClr>
+                </a:solidFill>
+                <a:latin typeface="Consolas" panose="020B0609020204030204" pitchFamily="49" charset="0"/>
+              </a:rPr>
+              <a:t>	// </a:t>
+            </a:r>
+            <a:r>
+              <a:rPr lang="ru-RU" sz="1600" dirty="0">
+                <a:solidFill>
+                  <a:schemeClr val="tx2">
+                    <a:lumMod val="60000"/>
+                    <a:lumOff val="40000"/>
+                  </a:schemeClr>
+                </a:solidFill>
+                <a:latin typeface="Consolas" panose="020B0609020204030204" pitchFamily="49" charset="0"/>
+              </a:rPr>
+              <a:t>передаём координаты, формируя данные в другом потоке</a:t>
+            </a:r>
+            <a:endParaRPr lang="en-US" sz="1600" dirty="0">
+              <a:solidFill>
+                <a:schemeClr val="tx2">
+                  <a:lumMod val="60000"/>
+                  <a:lumOff val="40000"/>
+                </a:schemeClr>
+              </a:solidFill>
+              <a:latin typeface="Consolas" panose="020B0609020204030204" pitchFamily="49" charset="0"/>
+            </a:endParaRPr>
+          </a:p>
+          <a:p>
+            <a:r>
+              <a:rPr lang="en-US" sz="1600" dirty="0">
+                <a:solidFill>
+                  <a:schemeClr val="tx2">
+                    <a:lumMod val="60000"/>
+                    <a:lumOff val="40000"/>
+                  </a:schemeClr>
+                </a:solidFill>
+                <a:latin typeface="Consolas" panose="020B0609020204030204" pitchFamily="49" charset="0"/>
+              </a:rPr>
+              <a:t>    </a:t>
+            </a:r>
+            <a:r>
+              <a:rPr lang="en-US" sz="1600" dirty="0" err="1">
+                <a:solidFill>
+                  <a:schemeClr val="tx2">
+                    <a:lumMod val="60000"/>
+                    <a:lumOff val="40000"/>
+                  </a:schemeClr>
+                </a:solidFill>
+                <a:latin typeface="Consolas" panose="020B0609020204030204" pitchFamily="49" charset="0"/>
+              </a:rPr>
+              <a:t>gps_data_observable.next</a:t>
+            </a:r>
+            <a:r>
+              <a:rPr lang="en-US" sz="1600" dirty="0">
+                <a:solidFill>
+                  <a:schemeClr val="tx2">
+                    <a:lumMod val="60000"/>
+                    <a:lumOff val="40000"/>
+                  </a:schemeClr>
+                </a:solidFill>
+                <a:latin typeface="Consolas" panose="020B0609020204030204" pitchFamily="49" charset="0"/>
+              </a:rPr>
+              <a:t>(std::move(</a:t>
+            </a:r>
+            <a:r>
+              <a:rPr lang="en-US" sz="1600" dirty="0" err="1">
+                <a:solidFill>
+                  <a:schemeClr val="tx2">
+                    <a:lumMod val="60000"/>
+                    <a:lumOff val="40000"/>
+                  </a:schemeClr>
+                </a:solidFill>
+                <a:latin typeface="Consolas" panose="020B0609020204030204" pitchFamily="49" charset="0"/>
+              </a:rPr>
+              <a:t>lat</a:t>
+            </a:r>
+            <a:r>
+              <a:rPr lang="en-US" sz="1600" dirty="0">
+                <a:solidFill>
+                  <a:schemeClr val="tx2">
+                    <a:lumMod val="60000"/>
+                    <a:lumOff val="40000"/>
+                  </a:schemeClr>
+                </a:solidFill>
+                <a:latin typeface="Consolas" panose="020B0609020204030204" pitchFamily="49" charset="0"/>
+              </a:rPr>
+              <a:t>), std::move(</a:t>
+            </a:r>
+            <a:r>
+              <a:rPr lang="en-US" sz="1600" dirty="0" err="1">
+                <a:solidFill>
+                  <a:schemeClr val="tx2">
+                    <a:lumMod val="60000"/>
+                    <a:lumOff val="40000"/>
+                  </a:schemeClr>
+                </a:solidFill>
+                <a:latin typeface="Consolas" panose="020B0609020204030204" pitchFamily="49" charset="0"/>
+              </a:rPr>
+              <a:t>lon</a:t>
+            </a:r>
+            <a:r>
+              <a:rPr lang="en-US" sz="1600" dirty="0">
+                <a:solidFill>
+                  <a:schemeClr val="tx2">
+                    <a:lumMod val="60000"/>
+                    <a:lumOff val="40000"/>
+                  </a:schemeClr>
+                </a:solidFill>
+                <a:latin typeface="Consolas" panose="020B0609020204030204" pitchFamily="49" charset="0"/>
+              </a:rPr>
+              <a:t>));</a:t>
+            </a:r>
+          </a:p>
+          <a:p>
+            <a:r>
+              <a:rPr lang="ru-RU" sz="1600" dirty="0">
+                <a:solidFill>
+                  <a:schemeClr val="tx2">
+                    <a:lumMod val="60000"/>
+                    <a:lumOff val="40000"/>
+                  </a:schemeClr>
+                </a:solidFill>
+                <a:latin typeface="Consolas" panose="020B0609020204030204" pitchFamily="49" charset="0"/>
+              </a:rPr>
+              <a:t>})</a:t>
+            </a:r>
+            <a:r>
+              <a:rPr lang="en-US" sz="1600" dirty="0">
+                <a:solidFill>
+                  <a:schemeClr val="tx2">
+                    <a:lumMod val="60000"/>
+                    <a:lumOff val="40000"/>
+                  </a:schemeClr>
+                </a:solidFill>
+                <a:latin typeface="Consolas" panose="020B0609020204030204" pitchFamily="49" charset="0"/>
+              </a:rPr>
+              <a:t>;</a:t>
+            </a:r>
+            <a:endParaRPr lang="ru-RU" sz="1600" dirty="0">
+              <a:solidFill>
+                <a:schemeClr val="tx2">
+                  <a:lumMod val="60000"/>
+                  <a:lumOff val="40000"/>
+                </a:schemeClr>
+              </a:solidFill>
+              <a:latin typeface="Consolas" panose="020B0609020204030204" pitchFamily="49" charset="0"/>
+            </a:endParaRPr>
+          </a:p>
         </p:txBody>
       </p:sp>
     </p:spTree>
     <p:extLst>
       <p:ext uri="{BB962C8B-B14F-4D97-AF65-F5344CB8AC3E}">
-        <p14:creationId xmlns:p14="http://schemas.microsoft.com/office/powerpoint/2010/main" val="1108094944"/>
+        <p14:creationId xmlns:p14="http://schemas.microsoft.com/office/powerpoint/2010/main" val="3503719403"/>
       </p:ext>
     </p:extLst>
   </p:cSld>
@@ -35128,7 +36683,7 @@
         <p:spPr>
           <a:xfrm>
             <a:off x="1190625" y="1469836"/>
-            <a:ext cx="7686675" cy="4462760"/>
+            <a:ext cx="7686675" cy="1200329"/>
           </a:xfrm>
           <a:prstGeom prst="rect">
             <a:avLst/>
@@ -35163,142 +36718,10 @@
                   <a:srgbClr val="262636"/>
                 </a:solidFill>
               </a:rPr>
-              <a:t>виснет от обильных нотификаций, что же делать?»</a:t>
-            </a:r>
-          </a:p>
-          <a:p>
-            <a:r>
-              <a:rPr lang="ru-RU" sz="2400" dirty="0">
-                <a:solidFill>
-                  <a:srgbClr val="262636"/>
-                </a:solidFill>
-              </a:rPr>
-              <a:t>Очевидно же, многопоточность.</a:t>
-            </a:r>
-          </a:p>
-          <a:p>
-            <a:r>
-              <a:rPr lang="en-US" sz="2400" dirty="0" err="1">
-                <a:solidFill>
-                  <a:srgbClr val="262636"/>
-                </a:solidFill>
-              </a:rPr>
-              <a:t>tirx</a:t>
-            </a:r>
-            <a:r>
-              <a:rPr lang="en-US" sz="2400" dirty="0">
-                <a:solidFill>
-                  <a:srgbClr val="262636"/>
-                </a:solidFill>
-              </a:rPr>
-              <a:t> </a:t>
-            </a:r>
-            <a:r>
-              <a:rPr lang="ru-RU" sz="2400" dirty="0">
-                <a:solidFill>
-                  <a:srgbClr val="262636"/>
-                </a:solidFill>
-              </a:rPr>
-              <a:t>позволяет определить выполнение функций подписки в многопоточной манере:</a:t>
-            </a:r>
-          </a:p>
-          <a:p>
-            <a:r>
-              <a:rPr lang="ru-RU" sz="2400" dirty="0">
-                <a:solidFill>
-                  <a:srgbClr val="262636"/>
-                </a:solidFill>
-              </a:rPr>
-              <a:t>1. Отдельный поток. Например, можно собрать все источники логов в один поток и писать их в файл без блокировок</a:t>
-            </a:r>
-            <a:r>
-              <a:rPr lang="en-US" sz="2400" dirty="0">
-                <a:solidFill>
-                  <a:srgbClr val="262636"/>
-                </a:solidFill>
-              </a:rPr>
-              <a:t> - </a:t>
-            </a:r>
-            <a:r>
-              <a:rPr lang="en-US" sz="2000" dirty="0" err="1">
-                <a:solidFill>
-                  <a:schemeClr val="tx2">
-                    <a:lumMod val="60000"/>
-                    <a:lumOff val="40000"/>
-                  </a:schemeClr>
-                </a:solidFill>
-                <a:latin typeface="Consolas" panose="020B0609020204030204" pitchFamily="49" charset="0"/>
-              </a:rPr>
-              <a:t>SingleThreadExecutor</a:t>
-            </a:r>
-            <a:endParaRPr lang="ru-RU" sz="2000" dirty="0">
-              <a:solidFill>
-                <a:schemeClr val="tx2">
-                  <a:lumMod val="60000"/>
-                  <a:lumOff val="40000"/>
-                </a:schemeClr>
-              </a:solidFill>
-              <a:latin typeface="Consolas" panose="020B0609020204030204" pitchFamily="49" charset="0"/>
-            </a:endParaRPr>
-          </a:p>
-          <a:p>
-            <a:r>
-              <a:rPr lang="ru-RU" sz="2400" dirty="0">
-                <a:solidFill>
-                  <a:srgbClr val="262636"/>
-                </a:solidFill>
-              </a:rPr>
-              <a:t>2. Пул потоков заданной ёмкости</a:t>
-            </a:r>
-            <a:r>
-              <a:rPr lang="en-US" sz="2400" dirty="0">
-                <a:solidFill>
-                  <a:srgbClr val="262636"/>
-                </a:solidFill>
-              </a:rPr>
-              <a:t> - </a:t>
-            </a:r>
-            <a:r>
-              <a:rPr lang="en-US" sz="2000" dirty="0" err="1">
-                <a:solidFill>
-                  <a:schemeClr val="tx2">
-                    <a:lumMod val="60000"/>
-                    <a:lumOff val="40000"/>
-                  </a:schemeClr>
-                </a:solidFill>
-                <a:latin typeface="Consolas" panose="020B0609020204030204" pitchFamily="49" charset="0"/>
-              </a:rPr>
-              <a:t>ThreadPoolExecutor</a:t>
-            </a:r>
-            <a:endParaRPr lang="ru-RU" sz="2000" dirty="0">
-              <a:solidFill>
-                <a:schemeClr val="tx2">
-                  <a:lumMod val="60000"/>
-                  <a:lumOff val="40000"/>
-                </a:schemeClr>
-              </a:solidFill>
-              <a:latin typeface="Consolas" panose="020B0609020204030204" pitchFamily="49" charset="0"/>
-            </a:endParaRPr>
-          </a:p>
-          <a:p>
-            <a:r>
-              <a:rPr lang="en-US" sz="2400" dirty="0">
-                <a:solidFill>
-                  <a:srgbClr val="262636"/>
-                </a:solidFill>
-              </a:rPr>
-              <a:t>	</a:t>
-            </a:r>
-          </a:p>
-          <a:p>
-            <a:r>
-              <a:rPr lang="en-US" sz="2400" dirty="0">
-                <a:solidFill>
-                  <a:srgbClr val="262636"/>
-                </a:solidFill>
-              </a:rPr>
-              <a:t>		</a:t>
-            </a:r>
+              <a:t>виснет от обильных нотификаций, что же делать?» </a:t>
+            </a:r>
+          </a:p>
+          <a:p>
             <a:endParaRPr lang="ru-RU" sz="2400" dirty="0">
               <a:solidFill>
                 <a:srgbClr val="262636"/>
@@ -35310,7 +36733,7 @@
     </p:spTree>
     <p:extLst>
       <p:ext uri="{BB962C8B-B14F-4D97-AF65-F5344CB8AC3E}">
-        <p14:creationId xmlns:p14="http://schemas.microsoft.com/office/powerpoint/2010/main" val="492442210"/>
+        <p14:creationId xmlns:p14="http://schemas.microsoft.com/office/powerpoint/2010/main" val="2929151681"/>
       </p:ext>
     </p:extLst>
   </p:cSld>
@@ -35482,7 +36905,7 @@
         <p:spPr>
           <a:xfrm>
             <a:off x="1190625" y="1469836"/>
-            <a:ext cx="7686675" cy="4832092"/>
+            <a:ext cx="7686675" cy="1569660"/>
           </a:xfrm>
           <a:prstGeom prst="rect">
             <a:avLst/>
@@ -35531,159 +36954,18 @@
             </a:r>
           </a:p>
           <a:p>
-            <a:r>
-              <a:rPr lang="en-US" sz="2400" dirty="0" err="1">
-                <a:solidFill>
-                  <a:srgbClr val="262636"/>
-                </a:solidFill>
-              </a:rPr>
-              <a:t>tirx</a:t>
-            </a:r>
-            <a:r>
-              <a:rPr lang="en-US" sz="2400" dirty="0">
-                <a:solidFill>
-                  <a:srgbClr val="262636"/>
-                </a:solidFill>
-              </a:rPr>
-              <a:t> </a:t>
-            </a:r>
-            <a:r>
-              <a:rPr lang="ru-RU" sz="2400" dirty="0">
-                <a:solidFill>
-                  <a:srgbClr val="262636"/>
-                </a:solidFill>
-              </a:rPr>
-              <a:t>позволяет определить выполнение функций подписки в многопоточной манере:</a:t>
-            </a:r>
-          </a:p>
-          <a:p>
-            <a:r>
-              <a:rPr lang="ru-RU" sz="2400" dirty="0">
-                <a:solidFill>
-                  <a:srgbClr val="262636"/>
-                </a:solidFill>
-              </a:rPr>
-              <a:t>1. Отдельный поток. Например, можно собрать все источники логов в один поток и писать их в файл без блокировок</a:t>
-            </a:r>
-            <a:r>
-              <a:rPr lang="en-US" sz="2400" dirty="0">
-                <a:solidFill>
-                  <a:srgbClr val="262636"/>
-                </a:solidFill>
-              </a:rPr>
-              <a:t> - </a:t>
-            </a:r>
-            <a:r>
-              <a:rPr lang="en-US" sz="2000" dirty="0" err="1">
-                <a:solidFill>
-                  <a:schemeClr val="tx2">
-                    <a:lumMod val="60000"/>
-                    <a:lumOff val="40000"/>
-                  </a:schemeClr>
-                </a:solidFill>
-                <a:latin typeface="Consolas" panose="020B0609020204030204" pitchFamily="49" charset="0"/>
-              </a:rPr>
-              <a:t>SingleThreadExecutor</a:t>
-            </a:r>
-            <a:endParaRPr lang="ru-RU" sz="2000" dirty="0">
+            <a:endParaRPr lang="en-US" sz="2400" dirty="0">
               <a:solidFill>
-                <a:schemeClr val="tx2">
-                  <a:lumMod val="60000"/>
-                  <a:lumOff val="40000"/>
-                </a:schemeClr>
+                <a:srgbClr val="262636"/>
               </a:solidFill>
-              <a:latin typeface="Consolas" panose="020B0609020204030204" pitchFamily="49" charset="0"/>
             </a:endParaRPr>
-          </a:p>
-          <a:p>
-            <a:r>
-              <a:rPr lang="ru-RU" sz="2400" dirty="0">
-                <a:solidFill>
-                  <a:srgbClr val="262636"/>
-                </a:solidFill>
-              </a:rPr>
-              <a:t>2. Пул потоков заданной ёмкости</a:t>
-            </a:r>
-            <a:r>
-              <a:rPr lang="en-US" sz="2400" dirty="0">
-                <a:solidFill>
-                  <a:srgbClr val="262636"/>
-                </a:solidFill>
-              </a:rPr>
-              <a:t> - </a:t>
-            </a:r>
-            <a:r>
-              <a:rPr lang="en-US" sz="2000" dirty="0" err="1">
-                <a:solidFill>
-                  <a:schemeClr val="tx2">
-                    <a:lumMod val="60000"/>
-                    <a:lumOff val="40000"/>
-                  </a:schemeClr>
-                </a:solidFill>
-                <a:latin typeface="Consolas" panose="020B0609020204030204" pitchFamily="49" charset="0"/>
-              </a:rPr>
-              <a:t>ThreadPoolExecutor</a:t>
-            </a:r>
-            <a:endParaRPr lang="ru-RU" sz="2000" dirty="0">
-              <a:solidFill>
-                <a:schemeClr val="tx2">
-                  <a:lumMod val="60000"/>
-                  <a:lumOff val="40000"/>
-                </a:schemeClr>
-              </a:solidFill>
-              <a:latin typeface="Consolas" panose="020B0609020204030204" pitchFamily="49" charset="0"/>
-            </a:endParaRPr>
-          </a:p>
-          <a:p>
-            <a:r>
-              <a:rPr lang="en-US" sz="2400" dirty="0">
-                <a:solidFill>
-                  <a:srgbClr val="262636"/>
-                </a:solidFill>
-              </a:rPr>
-              <a:t>	</a:t>
-            </a:r>
-          </a:p>
-          <a:p>
-            <a:r>
-              <a:rPr lang="en-US" sz="2400" dirty="0">
-                <a:solidFill>
-                  <a:srgbClr val="262636"/>
-                </a:solidFill>
-              </a:rPr>
-              <a:t>		</a:t>
-            </a:r>
-            <a:r>
-              <a:rPr lang="ru-RU" sz="2400" dirty="0">
-                <a:solidFill>
-                  <a:srgbClr val="262636"/>
-                </a:solidFill>
-              </a:rPr>
-              <a:t>Конечно, можно выполнять функции </a:t>
-            </a:r>
-            <a:r>
-              <a:rPr lang="en-US" sz="2400" dirty="0">
-                <a:solidFill>
-                  <a:srgbClr val="262636"/>
-                </a:solidFill>
-              </a:rPr>
-              <a:t>			          </a:t>
-            </a:r>
-            <a:r>
-              <a:rPr lang="ru-RU" sz="2400" dirty="0">
-                <a:solidFill>
-                  <a:srgbClr val="262636"/>
-                </a:solidFill>
-              </a:rPr>
-              <a:t>подписчика в текущем потоке.</a:t>
-            </a:r>
           </a:p>
         </p:txBody>
       </p:sp>
     </p:spTree>
     <p:extLst>
       <p:ext uri="{BB962C8B-B14F-4D97-AF65-F5344CB8AC3E}">
-        <p14:creationId xmlns:p14="http://schemas.microsoft.com/office/powerpoint/2010/main" val="3792420108"/>
+        <p14:creationId xmlns:p14="http://schemas.microsoft.com/office/powerpoint/2010/main" val="2651898402"/>
       </p:ext>
     </p:extLst>
   </p:cSld>
@@ -35855,7 +37137,7 @@
         <p:spPr>
           <a:xfrm>
             <a:off x="1190625" y="1469836"/>
-            <a:ext cx="7686675" cy="2677656"/>
+            <a:ext cx="7686675" cy="1938992"/>
           </a:xfrm>
           <a:prstGeom prst="rect">
             <a:avLst/>
@@ -35874,19 +37156,7 @@
                   <a:srgbClr val="262636"/>
                 </a:solidFill>
               </a:rPr>
-              <a:t>Более того, можно назначить, например, </a:t>
-            </a:r>
-            <a:r>
-              <a:rPr lang="en-US" sz="2000" dirty="0">
-                <a:solidFill>
-                  <a:schemeClr val="tx2">
-                    <a:lumMod val="60000"/>
-                    <a:lumOff val="40000"/>
-                  </a:schemeClr>
-                </a:solidFill>
-                <a:latin typeface="Consolas" panose="020B0609020204030204" pitchFamily="49" charset="0"/>
-              </a:rPr>
-              <a:t>filter</a:t>
+              <a:t>«У нас процессор 100500 ядер, а всё</a:t>
             </a:r>
             <a:r>
               <a:rPr lang="en-US" sz="2400" dirty="0">
@@ -35894,63 +37164,59 @@
                   <a:srgbClr val="262636"/>
                 </a:solidFill>
               </a:rPr>
-              <a:t>, </a:t>
-            </a:r>
-            <a:r>
-              <a:rPr lang="ru-RU" sz="2400" dirty="0">
-                <a:solidFill>
-                  <a:srgbClr val="262636"/>
-                </a:solidFill>
-              </a:rPr>
-              <a:t>на выполнение в отдельном потоке, а саму подписку – в другом, или в пуле потоков.</a:t>
-            </a:r>
-          </a:p>
-          <a:p>
-            <a:endParaRPr lang="ru-RU" sz="2400" dirty="0">
-              <a:solidFill>
-                <a:srgbClr val="262636"/>
-              </a:solidFill>
-            </a:endParaRPr>
-          </a:p>
-          <a:p>
-            <a:endParaRPr lang="ru-RU" sz="2400" dirty="0">
-              <a:solidFill>
-                <a:srgbClr val="262636"/>
-              </a:solidFill>
-            </a:endParaRPr>
-          </a:p>
-          <a:p>
-            <a:endParaRPr lang="ru-RU" sz="2400" dirty="0">
-              <a:solidFill>
-                <a:srgbClr val="262636"/>
-              </a:solidFill>
-            </a:endParaRPr>
-          </a:p>
-          <a:p>
-            <a:r>
-              <a:rPr lang="ru-RU" sz="2400" dirty="0">
-                <a:solidFill>
-                  <a:srgbClr val="262636"/>
-                </a:solidFill>
-              </a:rPr>
-              <a:t>	</a:t>
-            </a:r>
-            <a:endParaRPr lang="ru-RU" sz="2000" dirty="0">
-              <a:solidFill>
-                <a:schemeClr val="tx2">
-                  <a:lumMod val="60000"/>
-                  <a:lumOff val="40000"/>
-                </a:schemeClr>
-              </a:solidFill>
-              <a:latin typeface="Consolas" panose="020B0609020204030204" pitchFamily="49" charset="0"/>
-            </a:endParaRPr>
+              <a:t> </a:t>
+            </a:r>
+            <a:r>
+              <a:rPr lang="ru-RU" sz="2400" dirty="0">
+                <a:solidFill>
+                  <a:srgbClr val="262636"/>
+                </a:solidFill>
+              </a:rPr>
+              <a:t>виснет от обильных нотификаций, что же делать?»</a:t>
+            </a:r>
+          </a:p>
+          <a:p>
+            <a:r>
+              <a:rPr lang="ru-RU" sz="2400" dirty="0">
+                <a:solidFill>
+                  <a:srgbClr val="262636"/>
+                </a:solidFill>
+              </a:rPr>
+              <a:t>Очевидно же, многопоточность.</a:t>
+            </a:r>
+          </a:p>
+          <a:p>
+            <a:r>
+              <a:rPr lang="en-US" sz="2400" dirty="0" err="1">
+                <a:solidFill>
+                  <a:srgbClr val="262636"/>
+                </a:solidFill>
+              </a:rPr>
+              <a:t>tirx</a:t>
+            </a:r>
+            <a:r>
+              <a:rPr lang="en-US" sz="2400" dirty="0">
+                <a:solidFill>
+                  <a:srgbClr val="262636"/>
+                </a:solidFill>
+              </a:rPr>
+              <a:t> </a:t>
+            </a:r>
+            <a:r>
+              <a:rPr lang="ru-RU" sz="2400" dirty="0">
+                <a:solidFill>
+                  <a:srgbClr val="262636"/>
+                </a:solidFill>
+              </a:rPr>
+              <a:t>позволяет определить выполнение функций подписки в многопоточной манере:</a:t>
+            </a:r>
           </a:p>
         </p:txBody>
       </p:sp>
     </p:spTree>
     <p:extLst>
       <p:ext uri="{BB962C8B-B14F-4D97-AF65-F5344CB8AC3E}">
-        <p14:creationId xmlns:p14="http://schemas.microsoft.com/office/powerpoint/2010/main" val="3178907010"/>
+        <p14:creationId xmlns:p14="http://schemas.microsoft.com/office/powerpoint/2010/main" val="3731806256"/>
       </p:ext>
     </p:extLst>
   </p:cSld>
@@ -36122,7 +37388,7 @@
         <p:spPr>
           <a:xfrm>
             <a:off x="1190625" y="1469836"/>
-            <a:ext cx="7686675" cy="3416320"/>
+            <a:ext cx="7686675" cy="3046988"/>
           </a:xfrm>
           <a:prstGeom prst="rect">
             <a:avLst/>
@@ -36141,10 +37407,80 @@
                   <a:srgbClr val="262636"/>
                 </a:solidFill>
               </a:rPr>
-              <a:t>Более того, можно назначить, например, </a:t>
-            </a:r>
-            <a:r>
-              <a:rPr lang="en-US" sz="2000" dirty="0">
+              <a:t>«У нас процессор 100500 ядер, а всё</a:t>
+            </a:r>
+            <a:r>
+              <a:rPr lang="en-US" sz="2400" dirty="0">
+                <a:solidFill>
+                  <a:srgbClr val="262636"/>
+                </a:solidFill>
+              </a:rPr>
+              <a:t> </a:t>
+            </a:r>
+            <a:r>
+              <a:rPr lang="ru-RU" sz="2400" dirty="0">
+                <a:solidFill>
+                  <a:srgbClr val="262636"/>
+                </a:solidFill>
+              </a:rPr>
+              <a:t>виснет от обильных нотификаций, что же делать?»</a:t>
+            </a:r>
+          </a:p>
+          <a:p>
+            <a:r>
+              <a:rPr lang="ru-RU" sz="2400" dirty="0">
+                <a:solidFill>
+                  <a:srgbClr val="262636"/>
+                </a:solidFill>
+              </a:rPr>
+              <a:t>Очевидно же, многопоточность.</a:t>
+            </a:r>
+          </a:p>
+          <a:p>
+            <a:r>
+              <a:rPr lang="en-US" sz="2400" dirty="0" err="1">
+                <a:solidFill>
+                  <a:srgbClr val="262636"/>
+                </a:solidFill>
+              </a:rPr>
+              <a:t>tirx</a:t>
+            </a:r>
+            <a:r>
+              <a:rPr lang="en-US" sz="2400" dirty="0">
+                <a:solidFill>
+                  <a:srgbClr val="262636"/>
+                </a:solidFill>
+              </a:rPr>
+              <a:t> </a:t>
+            </a:r>
+            <a:r>
+              <a:rPr lang="ru-RU" sz="2400" dirty="0">
+                <a:solidFill>
+                  <a:srgbClr val="262636"/>
+                </a:solidFill>
+              </a:rPr>
+              <a:t>позволяет определить выполнение функций подписки в многопоточной манере:</a:t>
+            </a:r>
+          </a:p>
+          <a:p>
+            <a:r>
+              <a:rPr lang="ru-RU" sz="2400" dirty="0">
+                <a:solidFill>
+                  <a:srgbClr val="262636"/>
+                </a:solidFill>
+              </a:rPr>
+              <a:t>1. Отдельный поток. Например, можно собрать все источники логов в один поток и писать их в файл без блокировок</a:t>
+            </a:r>
+            <a:r>
+              <a:rPr lang="en-US" sz="2400" dirty="0">
+                <a:solidFill>
+                  <a:srgbClr val="262636"/>
+                </a:solidFill>
+              </a:rPr>
+              <a:t> - </a:t>
+            </a:r>
+            <a:r>
+              <a:rPr lang="en-US" sz="2000" dirty="0" err="1">
                 <a:solidFill>
                   <a:schemeClr val="tx2">
                     <a:lumMod val="60000"/>
@@ -36153,54 +37489,16 @@
                 </a:solidFill>
                 <a:latin typeface="Consolas" panose="020B0609020204030204" pitchFamily="49" charset="0"/>
               </a:rPr>
-              <a:t>filter</a:t>
-            </a:r>
-            <a:r>
-              <a:rPr lang="en-US" sz="2400" dirty="0">
-                <a:solidFill>
-                  <a:srgbClr val="262636"/>
-                </a:solidFill>
-              </a:rPr>
-              <a:t>, </a:t>
-            </a:r>
-            <a:r>
-              <a:rPr lang="ru-RU" sz="2400" dirty="0">
-                <a:solidFill>
-                  <a:srgbClr val="262636"/>
-                </a:solidFill>
-              </a:rPr>
-              <a:t>на выполнение в отдельном потоке, а саму подписку – в другом, или в пуле потоков.</a:t>
-            </a:r>
-          </a:p>
-          <a:p>
-            <a:endParaRPr lang="ru-RU" sz="2400" dirty="0">
+              <a:t>SingleThreadExecutor</a:t>
+            </a:r>
+            <a:endParaRPr lang="ru-RU" sz="2000" dirty="0">
               <a:solidFill>
-                <a:srgbClr val="262636"/>
+                <a:schemeClr val="tx2">
+                  <a:lumMod val="60000"/>
+                  <a:lumOff val="40000"/>
+                </a:schemeClr>
               </a:solidFill>
-            </a:endParaRPr>
-          </a:p>
-          <a:p>
-            <a:r>
-              <a:rPr lang="ru-RU" sz="2400" dirty="0">
-                <a:solidFill>
-                  <a:srgbClr val="262636"/>
-                </a:solidFill>
-              </a:rPr>
-              <a:t>«А я хочу сам решать, в каком потоке и когда вызывать обработку. Может, я хочу в цикле рендеринга это сделать»</a:t>
-            </a:r>
-          </a:p>
-          <a:p>
-            <a:endParaRPr lang="ru-RU" sz="2400" dirty="0">
-              <a:solidFill>
-                <a:srgbClr val="262636"/>
-              </a:solidFill>
-            </a:endParaRPr>
-          </a:p>
-          <a:p>
-            <a:endParaRPr lang="ru-RU" sz="2400" dirty="0">
-              <a:solidFill>
-                <a:srgbClr val="262636"/>
-              </a:solidFill>
+              <a:latin typeface="Consolas" panose="020B0609020204030204" pitchFamily="49" charset="0"/>
             </a:endParaRPr>
           </a:p>
         </p:txBody>
@@ -36208,7 +37506,7 @@
     </p:spTree>
     <p:extLst>
       <p:ext uri="{BB962C8B-B14F-4D97-AF65-F5344CB8AC3E}">
-        <p14:creationId xmlns:p14="http://schemas.microsoft.com/office/powerpoint/2010/main" val="3063283380"/>
+        <p14:creationId xmlns:p14="http://schemas.microsoft.com/office/powerpoint/2010/main" val="1108094944"/>
       </p:ext>
     </p:extLst>
   </p:cSld>
@@ -36380,7 +37678,7 @@
         <p:spPr>
           <a:xfrm>
             <a:off x="1190625" y="1469836"/>
-            <a:ext cx="7686675" cy="3785652"/>
+            <a:ext cx="7686675" cy="4462760"/>
           </a:xfrm>
           <a:prstGeom prst="rect">
             <a:avLst/>
@@ -36399,10 +37697,80 @@
                   <a:srgbClr val="262636"/>
                 </a:solidFill>
               </a:rPr>
-              <a:t>Более того, можно назначить, например, </a:t>
-            </a:r>
-            <a:r>
-              <a:rPr lang="en-US" sz="2000" dirty="0">
+              <a:t>«У нас процессор 100500 ядер, а всё</a:t>
+            </a:r>
+            <a:r>
+              <a:rPr lang="en-US" sz="2400" dirty="0">
+                <a:solidFill>
+                  <a:srgbClr val="262636"/>
+                </a:solidFill>
+              </a:rPr>
+              <a:t> </a:t>
+            </a:r>
+            <a:r>
+              <a:rPr lang="ru-RU" sz="2400" dirty="0">
+                <a:solidFill>
+                  <a:srgbClr val="262636"/>
+                </a:solidFill>
+              </a:rPr>
+              <a:t>виснет от обильных нотификаций, что же делать?»</a:t>
+            </a:r>
+          </a:p>
+          <a:p>
+            <a:r>
+              <a:rPr lang="ru-RU" sz="2400" dirty="0">
+                <a:solidFill>
+                  <a:srgbClr val="262636"/>
+                </a:solidFill>
+              </a:rPr>
+              <a:t>Очевидно же, многопоточность.</a:t>
+            </a:r>
+          </a:p>
+          <a:p>
+            <a:r>
+              <a:rPr lang="en-US" sz="2400" dirty="0" err="1">
+                <a:solidFill>
+                  <a:srgbClr val="262636"/>
+                </a:solidFill>
+              </a:rPr>
+              <a:t>tirx</a:t>
+            </a:r>
+            <a:r>
+              <a:rPr lang="en-US" sz="2400" dirty="0">
+                <a:solidFill>
+                  <a:srgbClr val="262636"/>
+                </a:solidFill>
+              </a:rPr>
+              <a:t> </a:t>
+            </a:r>
+            <a:r>
+              <a:rPr lang="ru-RU" sz="2400" dirty="0">
+                <a:solidFill>
+                  <a:srgbClr val="262636"/>
+                </a:solidFill>
+              </a:rPr>
+              <a:t>позволяет определить выполнение функций подписки в многопоточной манере:</a:t>
+            </a:r>
+          </a:p>
+          <a:p>
+            <a:r>
+              <a:rPr lang="ru-RU" sz="2400" dirty="0">
+                <a:solidFill>
+                  <a:srgbClr val="262636"/>
+                </a:solidFill>
+              </a:rPr>
+              <a:t>1. Отдельный поток. Например, можно собрать все источники логов в один поток и писать их в файл без блокировок</a:t>
+            </a:r>
+            <a:r>
+              <a:rPr lang="en-US" sz="2400" dirty="0">
+                <a:solidFill>
+                  <a:srgbClr val="262636"/>
+                </a:solidFill>
+              </a:rPr>
+              <a:t> - </a:t>
+            </a:r>
+            <a:r>
+              <a:rPr lang="en-US" sz="2000" dirty="0" err="1">
                 <a:solidFill>
                   <a:schemeClr val="tx2">
                     <a:lumMod val="60000"/>
@@ -36411,64 +37779,7 @@
                 </a:solidFill>
                 <a:latin typeface="Consolas" panose="020B0609020204030204" pitchFamily="49" charset="0"/>
               </a:rPr>
-              <a:t>filter</a:t>
-            </a:r>
-            <a:r>
-              <a:rPr lang="en-US" sz="2400" dirty="0">
-                <a:solidFill>
-                  <a:srgbClr val="262636"/>
-                </a:solidFill>
-              </a:rPr>
-              <a:t>, </a:t>
-            </a:r>
-            <a:r>
-              <a:rPr lang="ru-RU" sz="2400" dirty="0">
-                <a:solidFill>
-                  <a:srgbClr val="262636"/>
-                </a:solidFill>
-              </a:rPr>
-              <a:t>на выполнение в отдельном потоке, а саму подписку – в другом, или в пуле потоков.</a:t>
-            </a:r>
-          </a:p>
-          <a:p>
-            <a:endParaRPr lang="ru-RU" sz="2400" dirty="0">
-              <a:solidFill>
-                <a:srgbClr val="262636"/>
-              </a:solidFill>
-            </a:endParaRPr>
-          </a:p>
-          <a:p>
-            <a:r>
-              <a:rPr lang="ru-RU" sz="2400" dirty="0">
-                <a:solidFill>
-                  <a:srgbClr val="262636"/>
-                </a:solidFill>
-              </a:rPr>
-              <a:t>«А я хочу сам решать, в каком потоке и когда вызывать обработку. Может, я хочу в цикле рендеринга это сделать»</a:t>
-            </a:r>
-          </a:p>
-          <a:p>
-            <a:endParaRPr lang="ru-RU" sz="2400" dirty="0">
-              <a:solidFill>
-                <a:srgbClr val="262636"/>
-              </a:solidFill>
-            </a:endParaRPr>
-          </a:p>
-          <a:p>
-            <a:endParaRPr lang="ru-RU" sz="2400" dirty="0">
-              <a:solidFill>
-                <a:srgbClr val="262636"/>
-              </a:solidFill>
-            </a:endParaRPr>
-          </a:p>
-          <a:p>
-            <a:r>
-              <a:rPr lang="ru-RU" sz="2400" dirty="0">
-                <a:solidFill>
-                  <a:srgbClr val="262636"/>
-                </a:solidFill>
-              </a:rPr>
-              <a:t>		</a:t>
+              <a:t>SingleThreadExecutor</a:t>
             </a:r>
             <a:endParaRPr lang="ru-RU" sz="2000" dirty="0">
               <a:solidFill>
@@ -36480,48 +37791,76 @@
               <a:latin typeface="Consolas" panose="020B0609020204030204" pitchFamily="49" charset="0"/>
             </a:endParaRPr>
           </a:p>
+          <a:p>
+            <a:r>
+              <a:rPr lang="ru-RU" sz="2400" dirty="0">
+                <a:solidFill>
+                  <a:srgbClr val="262636"/>
+                </a:solidFill>
+              </a:rPr>
+              <a:t>2. Пул потоков заданной ёмкости</a:t>
+            </a:r>
+            <a:r>
+              <a:rPr lang="en-US" sz="2400" dirty="0">
+                <a:solidFill>
+                  <a:srgbClr val="262636"/>
+                </a:solidFill>
+              </a:rPr>
+              <a:t> - </a:t>
+            </a:r>
+            <a:r>
+              <a:rPr lang="en-US" sz="2000" dirty="0" err="1">
+                <a:solidFill>
+                  <a:schemeClr val="tx2">
+                    <a:lumMod val="60000"/>
+                    <a:lumOff val="40000"/>
+                  </a:schemeClr>
+                </a:solidFill>
+                <a:latin typeface="Consolas" panose="020B0609020204030204" pitchFamily="49" charset="0"/>
+              </a:rPr>
+              <a:t>ThreadPoolExecutor</a:t>
+            </a:r>
+            <a:endParaRPr lang="ru-RU" sz="2000" dirty="0">
+              <a:solidFill>
+                <a:schemeClr val="tx2">
+                  <a:lumMod val="60000"/>
+                  <a:lumOff val="40000"/>
+                </a:schemeClr>
+              </a:solidFill>
+              <a:latin typeface="Consolas" panose="020B0609020204030204" pitchFamily="49" charset="0"/>
+            </a:endParaRPr>
+          </a:p>
+          <a:p>
+            <a:r>
+              <a:rPr lang="en-US" sz="2400" dirty="0">
+                <a:solidFill>
+                  <a:srgbClr val="262636"/>
+                </a:solidFill>
+              </a:rPr>
+              <a:t>	</a:t>
+            </a:r>
+          </a:p>
+          <a:p>
+            <a:r>
+              <a:rPr lang="en-US" sz="2400" dirty="0">
+                <a:solidFill>
+                  <a:srgbClr val="262636"/>
+                </a:solidFill>
+              </a:rPr>
+              <a:t>		</a:t>
+            </a:r>
+            <a:endParaRPr lang="ru-RU" sz="2400" dirty="0">
+              <a:solidFill>
+                <a:srgbClr val="262636"/>
+              </a:solidFill>
+            </a:endParaRPr>
+          </a:p>
         </p:txBody>
       </p:sp>
-      <p:pic>
-        <p:nvPicPr>
-          <p:cNvPr id="7" name="Рисунок 6" descr="Изображение выглядит как человек, внешний&#10;&#10;Автоматически созданное описание">
-            <a:extLst>
-              <a:ext uri="{FF2B5EF4-FFF2-40B4-BE49-F238E27FC236}">
-                <a16:creationId xmlns:a16="http://schemas.microsoft.com/office/drawing/2014/main" id="{9F0B9535-45DB-4AAB-A375-5374A39959E9}"/>
-              </a:ext>
-            </a:extLst>
-          </p:cNvPr>
-          <p:cNvPicPr>
-            <a:picLocks noChangeAspect="1"/>
-          </p:cNvPicPr>
-          <p:nvPr/>
-        </p:nvPicPr>
-        <p:blipFill>
-          <a:blip r:embed="rId2" cstate="print">
-            <a:extLst>
-              <a:ext uri="{28A0092B-C50C-407E-A947-70E740481C1C}">
-                <a14:useLocalDpi xmlns:a14="http://schemas.microsoft.com/office/drawing/2010/main" val="0"/>
-              </a:ext>
-            </a:extLst>
-          </a:blip>
-          <a:stretch>
-            <a:fillRect/>
-          </a:stretch>
-        </p:blipFill>
-        <p:spPr>
-          <a:xfrm>
-            <a:off x="5288491" y="3762375"/>
-            <a:ext cx="3674534" cy="2066925"/>
-          </a:xfrm>
-          <a:prstGeom prst="rect">
-            <a:avLst/>
-          </a:prstGeom>
-        </p:spPr>
-      </p:pic>
     </p:spTree>
     <p:extLst>
       <p:ext uri="{BB962C8B-B14F-4D97-AF65-F5344CB8AC3E}">
-        <p14:creationId xmlns:p14="http://schemas.microsoft.com/office/powerpoint/2010/main" val="118796913"/>
+        <p14:creationId xmlns:p14="http://schemas.microsoft.com/office/powerpoint/2010/main" val="492442210"/>
       </p:ext>
     </p:extLst>
   </p:cSld>
@@ -36693,7 +38032,7 @@
         <p:spPr>
           <a:xfrm>
             <a:off x="1190625" y="1469836"/>
-            <a:ext cx="7686675" cy="4093428"/>
+            <a:ext cx="7686675" cy="4832092"/>
           </a:xfrm>
           <a:prstGeom prst="rect">
             <a:avLst/>
@@ -36712,10 +38051,80 @@
                   <a:srgbClr val="262636"/>
                 </a:solidFill>
               </a:rPr>
-              <a:t>Более того, можно назначить, например, </a:t>
-            </a:r>
-            <a:r>
-              <a:rPr lang="en-US" sz="2000" dirty="0">
+              <a:t>«У нас процессор 100500 ядер, а всё</a:t>
+            </a:r>
+            <a:r>
+              <a:rPr lang="en-US" sz="2400" dirty="0">
+                <a:solidFill>
+                  <a:srgbClr val="262636"/>
+                </a:solidFill>
+              </a:rPr>
+              <a:t> </a:t>
+            </a:r>
+            <a:r>
+              <a:rPr lang="ru-RU" sz="2400" dirty="0">
+                <a:solidFill>
+                  <a:srgbClr val="262636"/>
+                </a:solidFill>
+              </a:rPr>
+              <a:t>виснет от обильных нотификаций, что же делать?»</a:t>
+            </a:r>
+          </a:p>
+          <a:p>
+            <a:r>
+              <a:rPr lang="ru-RU" sz="2400" dirty="0">
+                <a:solidFill>
+                  <a:srgbClr val="262636"/>
+                </a:solidFill>
+              </a:rPr>
+              <a:t>Очевидно же, многопоточность.</a:t>
+            </a:r>
+          </a:p>
+          <a:p>
+            <a:r>
+              <a:rPr lang="en-US" sz="2400" dirty="0" err="1">
+                <a:solidFill>
+                  <a:srgbClr val="262636"/>
+                </a:solidFill>
+              </a:rPr>
+              <a:t>tirx</a:t>
+            </a:r>
+            <a:r>
+              <a:rPr lang="en-US" sz="2400" dirty="0">
+                <a:solidFill>
+                  <a:srgbClr val="262636"/>
+                </a:solidFill>
+              </a:rPr>
+              <a:t> </a:t>
+            </a:r>
+            <a:r>
+              <a:rPr lang="ru-RU" sz="2400" dirty="0">
+                <a:solidFill>
+                  <a:srgbClr val="262636"/>
+                </a:solidFill>
+              </a:rPr>
+              <a:t>позволяет определить выполнение функций подписки в многопоточной манере:</a:t>
+            </a:r>
+          </a:p>
+          <a:p>
+            <a:r>
+              <a:rPr lang="ru-RU" sz="2400" dirty="0">
+                <a:solidFill>
+                  <a:srgbClr val="262636"/>
+                </a:solidFill>
+              </a:rPr>
+              <a:t>1. Отдельный поток. Например, можно собрать все источники логов в один поток и писать их в файл без блокировок</a:t>
+            </a:r>
+            <a:r>
+              <a:rPr lang="en-US" sz="2400" dirty="0">
+                <a:solidFill>
+                  <a:srgbClr val="262636"/>
+                </a:solidFill>
+              </a:rPr>
+              <a:t> - </a:t>
+            </a:r>
+            <a:r>
+              <a:rPr lang="en-US" sz="2000" dirty="0" err="1">
                 <a:solidFill>
                   <a:schemeClr val="tx2">
                     <a:lumMod val="60000"/>
@@ -36724,90 +38133,7 @@
                 </a:solidFill>
                 <a:latin typeface="Consolas" panose="020B0609020204030204" pitchFamily="49" charset="0"/>
               </a:rPr>
-              <a:t>filter</a:t>
-            </a:r>
-            <a:r>
-              <a:rPr lang="en-US" sz="2400" dirty="0">
-                <a:solidFill>
-                  <a:srgbClr val="262636"/>
-                </a:solidFill>
-              </a:rPr>
-              <a:t>, </a:t>
-            </a:r>
-            <a:r>
-              <a:rPr lang="ru-RU" sz="2400" dirty="0">
-                <a:solidFill>
-                  <a:srgbClr val="262636"/>
-                </a:solidFill>
-              </a:rPr>
-              <a:t>на выполнение в отдельном потоке, а саму подписку – в другом, или в пуле потоков.</a:t>
-            </a:r>
-          </a:p>
-          <a:p>
-            <a:endParaRPr lang="ru-RU" sz="2400" dirty="0">
-              <a:solidFill>
-                <a:srgbClr val="262636"/>
-              </a:solidFill>
-            </a:endParaRPr>
-          </a:p>
-          <a:p>
-            <a:r>
-              <a:rPr lang="ru-RU" sz="2400" dirty="0">
-                <a:solidFill>
-                  <a:srgbClr val="262636"/>
-                </a:solidFill>
-              </a:rPr>
-              <a:t>«А я хочу сам решать, в каком потоке и когда вызывать обработку. Может, я хочу в цикле рендеринга это сделать»</a:t>
-            </a:r>
-          </a:p>
-          <a:p>
-            <a:endParaRPr lang="ru-RU" sz="2400" dirty="0">
-              <a:solidFill>
-                <a:srgbClr val="262636"/>
-              </a:solidFill>
-            </a:endParaRPr>
-          </a:p>
-          <a:p>
-            <a:endParaRPr lang="ru-RU" sz="2400" dirty="0">
-              <a:solidFill>
-                <a:srgbClr val="262636"/>
-              </a:solidFill>
-            </a:endParaRPr>
-          </a:p>
-          <a:p>
-            <a:r>
-              <a:rPr lang="ru-RU" sz="2400" dirty="0">
-                <a:solidFill>
-                  <a:srgbClr val="262636"/>
-                </a:solidFill>
-              </a:rPr>
-              <a:t>		Здесь поможет</a:t>
-            </a:r>
-          </a:p>
-          <a:p>
-            <a:r>
-              <a:rPr lang="ru-RU" sz="1600" dirty="0">
-                <a:solidFill>
-                  <a:schemeClr val="tx2">
-                    <a:lumMod val="60000"/>
-                    <a:lumOff val="40000"/>
-                  </a:schemeClr>
-                </a:solidFill>
-                <a:latin typeface="Consolas" panose="020B0609020204030204" pitchFamily="49" charset="0"/>
-              </a:rPr>
-              <a:t>		</a:t>
-            </a:r>
-            <a:r>
-              <a:rPr lang="en-US" sz="2000" dirty="0" err="1">
-                <a:solidFill>
-                  <a:schemeClr val="tx2">
-                    <a:lumMod val="60000"/>
-                    <a:lumOff val="40000"/>
-                  </a:schemeClr>
-                </a:solidFill>
-                <a:latin typeface="Consolas" panose="020B0609020204030204" pitchFamily="49" charset="0"/>
-              </a:rPr>
-              <a:t>RunLoopExecutor</a:t>
+              <a:t>SingleThreadExecutor</a:t>
             </a:r>
             <a:endParaRPr lang="ru-RU" sz="2000" dirty="0">
               <a:solidFill>
@@ -36819,48 +38145,95 @@
               <a:latin typeface="Consolas" panose="020B0609020204030204" pitchFamily="49" charset="0"/>
             </a:endParaRPr>
           </a:p>
+          <a:p>
+            <a:r>
+              <a:rPr lang="ru-RU" sz="2400" dirty="0">
+                <a:solidFill>
+                  <a:srgbClr val="262636"/>
+                </a:solidFill>
+              </a:rPr>
+              <a:t>2. Пул потоков заданной ёмкости</a:t>
+            </a:r>
+            <a:r>
+              <a:rPr lang="en-US" sz="2400" dirty="0">
+                <a:solidFill>
+                  <a:srgbClr val="262636"/>
+                </a:solidFill>
+              </a:rPr>
+              <a:t> - </a:t>
+            </a:r>
+            <a:r>
+              <a:rPr lang="en-US" sz="2000" dirty="0" err="1">
+                <a:solidFill>
+                  <a:schemeClr val="tx2">
+                    <a:lumMod val="60000"/>
+                    <a:lumOff val="40000"/>
+                  </a:schemeClr>
+                </a:solidFill>
+                <a:latin typeface="Consolas" panose="020B0609020204030204" pitchFamily="49" charset="0"/>
+              </a:rPr>
+              <a:t>ThreadPoolExecutor</a:t>
+            </a:r>
+            <a:endParaRPr lang="ru-RU" sz="2000" dirty="0">
+              <a:solidFill>
+                <a:schemeClr val="tx2">
+                  <a:lumMod val="60000"/>
+                  <a:lumOff val="40000"/>
+                </a:schemeClr>
+              </a:solidFill>
+              <a:latin typeface="Consolas" panose="020B0609020204030204" pitchFamily="49" charset="0"/>
+            </a:endParaRPr>
+          </a:p>
+          <a:p>
+            <a:r>
+              <a:rPr lang="en-US" sz="2400" dirty="0">
+                <a:solidFill>
+                  <a:srgbClr val="262636"/>
+                </a:solidFill>
+              </a:rPr>
+              <a:t>	</a:t>
+            </a:r>
+          </a:p>
+          <a:p>
+            <a:r>
+              <a:rPr lang="en-US" sz="2400" dirty="0">
+                <a:solidFill>
+                  <a:srgbClr val="262636"/>
+                </a:solidFill>
+              </a:rPr>
+              <a:t>		</a:t>
+            </a:r>
+            <a:r>
+              <a:rPr lang="ru-RU" sz="2400" dirty="0">
+                <a:solidFill>
+                  <a:srgbClr val="262636"/>
+                </a:solidFill>
+              </a:rPr>
+              <a:t>Конечно, можно выполнять функции </a:t>
+            </a:r>
+            <a:r>
+              <a:rPr lang="en-US" sz="2400" dirty="0">
+                <a:solidFill>
+                  <a:srgbClr val="262636"/>
+                </a:solidFill>
+              </a:rPr>
+              <a:t>			          </a:t>
+            </a:r>
+            <a:r>
+              <a:rPr lang="ru-RU" sz="2400" dirty="0">
+                <a:solidFill>
+                  <a:srgbClr val="262636"/>
+                </a:solidFill>
+              </a:rPr>
+              <a:t>подписчика в текущем потоке.</a:t>
+            </a:r>
+          </a:p>
         </p:txBody>
       </p:sp>
-      <p:pic>
-        <p:nvPicPr>
-          <p:cNvPr id="7" name="Рисунок 6" descr="Изображение выглядит как человек, внешний&#10;&#10;Автоматически созданное описание">
-            <a:extLst>
-              <a:ext uri="{FF2B5EF4-FFF2-40B4-BE49-F238E27FC236}">
-                <a16:creationId xmlns:a16="http://schemas.microsoft.com/office/drawing/2014/main" id="{9F0B9535-45DB-4AAB-A375-5374A39959E9}"/>
-              </a:ext>
-            </a:extLst>
-          </p:cNvPr>
-          <p:cNvPicPr>
-            <a:picLocks noChangeAspect="1"/>
-          </p:cNvPicPr>
-          <p:nvPr/>
-        </p:nvPicPr>
-        <p:blipFill>
-          <a:blip r:embed="rId2" cstate="print">
-            <a:extLst>
-              <a:ext uri="{28A0092B-C50C-407E-A947-70E740481C1C}">
-                <a14:useLocalDpi xmlns:a14="http://schemas.microsoft.com/office/drawing/2010/main" val="0"/>
-              </a:ext>
-            </a:extLst>
-          </a:blip>
-          <a:stretch>
-            <a:fillRect/>
-          </a:stretch>
-        </p:blipFill>
-        <p:spPr>
-          <a:xfrm>
-            <a:off x="5288491" y="3762375"/>
-            <a:ext cx="3674534" cy="2066925"/>
-          </a:xfrm>
-          <a:prstGeom prst="rect">
-            <a:avLst/>
-          </a:prstGeom>
-        </p:spPr>
-      </p:pic>
     </p:spTree>
     <p:extLst>
       <p:ext uri="{BB962C8B-B14F-4D97-AF65-F5344CB8AC3E}">
-        <p14:creationId xmlns:p14="http://schemas.microsoft.com/office/powerpoint/2010/main" val="4066980034"/>
+        <p14:creationId xmlns:p14="http://schemas.microsoft.com/office/powerpoint/2010/main" val="3792420108"/>
       </p:ext>
     </p:extLst>
   </p:cSld>
@@ -36923,7 +38296,7 @@
                   </a:schemeClr>
                 </a:solidFill>
               </a:rPr>
-              <a:t>NoesisGUI</a:t>
+              <a:t>tirx</a:t>
             </a:r>
             <a:endParaRPr lang="ru-RU" sz="3600" b="1" dirty="0">
               <a:solidFill>
@@ -37032,7 +38405,7 @@
         <p:spPr>
           <a:xfrm>
             <a:off x="1190625" y="1469836"/>
-            <a:ext cx="7686675" cy="1077218"/>
+            <a:ext cx="7686675" cy="2677656"/>
           </a:xfrm>
           <a:prstGeom prst="rect">
             <a:avLst/>
@@ -37051,7 +38424,19 @@
                   <a:srgbClr val="262636"/>
                 </a:solidFill>
               </a:rPr>
-              <a:t>Так а что там с </a:t>
+              <a:t>Более того, можно назначить, например, </a:t>
+            </a:r>
+            <a:r>
+              <a:rPr lang="en-US" sz="2000" dirty="0">
+                <a:solidFill>
+                  <a:schemeClr val="tx2">
+                    <a:lumMod val="60000"/>
+                    <a:lumOff val="40000"/>
+                  </a:schemeClr>
+                </a:solidFill>
+                <a:latin typeface="Consolas" panose="020B0609020204030204" pitchFamily="49" charset="0"/>
+              </a:rPr>
+              <a:t>filter</a:t>
             </a:r>
             <a:r>
               <a:rPr lang="en-US" sz="2400" dirty="0">
@@ -37059,43 +38444,48 @@
                   <a:srgbClr val="262636"/>
                 </a:solidFill>
               </a:rPr>
-              <a:t>UI? </a:t>
-            </a:r>
-            <a:r>
-              <a:rPr lang="ru-RU" sz="2400" dirty="0">
-                <a:solidFill>
-                  <a:srgbClr val="262636"/>
-                </a:solidFill>
-              </a:rPr>
-              <a:t>Неужто страшненький </a:t>
-            </a:r>
-            <a:r>
-              <a:rPr lang="en-US" sz="2400" dirty="0">
-                <a:solidFill>
-                  <a:srgbClr val="262636"/>
-                </a:solidFill>
-              </a:rPr>
-              <a:t>Dear </a:t>
-            </a:r>
-            <a:r>
-              <a:rPr lang="en-US" sz="2400" dirty="0" err="1">
-                <a:solidFill>
-                  <a:srgbClr val="262636"/>
-                </a:solidFill>
-              </a:rPr>
-              <a:t>ImGUI</a:t>
-            </a:r>
-            <a:r>
-              <a:rPr lang="en-US" sz="2400" dirty="0">
-                <a:solidFill>
-                  <a:srgbClr val="262636"/>
-                </a:solidFill>
-              </a:rPr>
-              <a:t>?</a:t>
-            </a:r>
-          </a:p>
-          <a:p>
-            <a:endParaRPr lang="ru-RU" sz="1600" dirty="0">
+              <a:t>, </a:t>
+            </a:r>
+            <a:r>
+              <a:rPr lang="ru-RU" sz="2400" dirty="0">
+                <a:solidFill>
+                  <a:srgbClr val="262636"/>
+                </a:solidFill>
+              </a:rPr>
+              <a:t>на выполнение в отдельном потоке, а саму подписку – в другом, или в пуле потоков.</a:t>
+            </a:r>
+          </a:p>
+          <a:p>
+            <a:endParaRPr lang="ru-RU" sz="2400" dirty="0">
+              <a:solidFill>
+                <a:srgbClr val="262636"/>
+              </a:solidFill>
+            </a:endParaRPr>
+          </a:p>
+          <a:p>
+            <a:endParaRPr lang="ru-RU" sz="2400" dirty="0">
+              <a:solidFill>
+                <a:srgbClr val="262636"/>
+              </a:solidFill>
+            </a:endParaRPr>
+          </a:p>
+          <a:p>
+            <a:endParaRPr lang="ru-RU" sz="2400" dirty="0">
+              <a:solidFill>
+                <a:srgbClr val="262636"/>
+              </a:solidFill>
+            </a:endParaRPr>
+          </a:p>
+          <a:p>
+            <a:r>
+              <a:rPr lang="ru-RU" sz="2400" dirty="0">
+                <a:solidFill>
+                  <a:srgbClr val="262636"/>
+                </a:solidFill>
+              </a:rPr>
+              <a:t>	</a:t>
+            </a:r>
+            <a:endParaRPr lang="ru-RU" sz="2000" dirty="0">
               <a:solidFill>
                 <a:schemeClr val="tx2">
                   <a:lumMod val="60000"/>
@@ -37110,7 +38500,7 @@
     </p:spTree>
     <p:extLst>
       <p:ext uri="{BB962C8B-B14F-4D97-AF65-F5344CB8AC3E}">
-        <p14:creationId xmlns:p14="http://schemas.microsoft.com/office/powerpoint/2010/main" val="2186935420"/>
+        <p14:creationId xmlns:p14="http://schemas.microsoft.com/office/powerpoint/2010/main" val="3178907010"/>
       </p:ext>
     </p:extLst>
   </p:cSld>
@@ -37173,7 +38563,7 @@
                   </a:schemeClr>
                 </a:solidFill>
               </a:rPr>
-              <a:t>NoesisGUI</a:t>
+              <a:t>tirx</a:t>
             </a:r>
             <a:endParaRPr lang="ru-RU" sz="3600" b="1" dirty="0">
               <a:solidFill>
@@ -37282,7 +38672,7 @@
         <p:spPr>
           <a:xfrm>
             <a:off x="1190625" y="1469836"/>
-            <a:ext cx="7686675" cy="1815882"/>
+            <a:ext cx="7686675" cy="3416320"/>
           </a:xfrm>
           <a:prstGeom prst="rect">
             <a:avLst/>
@@ -37301,7 +38691,19 @@
                   <a:srgbClr val="262636"/>
                 </a:solidFill>
               </a:rPr>
-              <a:t>Так а что там с </a:t>
+              <a:t>Более того, можно назначить, например, </a:t>
+            </a:r>
+            <a:r>
+              <a:rPr lang="en-US" sz="2000" dirty="0">
+                <a:solidFill>
+                  <a:schemeClr val="tx2">
+                    <a:lumMod val="60000"/>
+                    <a:lumOff val="40000"/>
+                  </a:schemeClr>
+                </a:solidFill>
+                <a:latin typeface="Consolas" panose="020B0609020204030204" pitchFamily="49" charset="0"/>
+              </a:rPr>
+              <a:t>filter</a:t>
             </a:r>
             <a:r>
               <a:rPr lang="en-US" sz="2400" dirty="0">
@@ -37309,76 +38711,46 @@
                   <a:srgbClr val="262636"/>
                 </a:solidFill>
               </a:rPr>
-              <a:t>UI? </a:t>
-            </a:r>
-            <a:r>
-              <a:rPr lang="ru-RU" sz="2400" dirty="0">
-                <a:solidFill>
-                  <a:srgbClr val="262636"/>
-                </a:solidFill>
-              </a:rPr>
-              <a:t>Неужто страшненький </a:t>
-            </a:r>
-            <a:r>
-              <a:rPr lang="en-US" sz="2400" dirty="0">
-                <a:solidFill>
-                  <a:srgbClr val="262636"/>
-                </a:solidFill>
-              </a:rPr>
-              <a:t>Dear </a:t>
-            </a:r>
-            <a:r>
-              <a:rPr lang="en-US" sz="2400" dirty="0" err="1">
-                <a:solidFill>
-                  <a:srgbClr val="262636"/>
-                </a:solidFill>
-              </a:rPr>
-              <a:t>ImGUI</a:t>
-            </a:r>
-            <a:r>
-              <a:rPr lang="en-US" sz="2400" dirty="0">
-                <a:solidFill>
-                  <a:srgbClr val="262636"/>
-                </a:solidFill>
-              </a:rPr>
-              <a:t>?</a:t>
-            </a:r>
-          </a:p>
-          <a:p>
-            <a:r>
-              <a:rPr lang="ru-RU" sz="2400" dirty="0">
-                <a:solidFill>
-                  <a:srgbClr val="262636"/>
-                </a:solidFill>
-              </a:rPr>
-              <a:t>Есть! Пригодное для промышленного применения решение – </a:t>
-            </a:r>
-            <a:r>
-              <a:rPr lang="en-US" sz="2400" dirty="0" err="1">
-                <a:solidFill>
-                  <a:srgbClr val="262636"/>
-                </a:solidFill>
-              </a:rPr>
-              <a:t>NoesisGUI</a:t>
-            </a:r>
-            <a:r>
-              <a:rPr lang="en-US" sz="2400" dirty="0">
-                <a:solidFill>
-                  <a:srgbClr val="262636"/>
-                </a:solidFill>
-              </a:rPr>
-              <a:t>.</a:t>
-            </a:r>
-          </a:p>
-          <a:p>
-            <a:endParaRPr lang="ru-RU" sz="1600" dirty="0">
+              <a:t>, </a:t>
+            </a:r>
+            <a:r>
+              <a:rPr lang="ru-RU" sz="2400" dirty="0">
+                <a:solidFill>
+                  <a:srgbClr val="262636"/>
+                </a:solidFill>
+              </a:rPr>
+              <a:t>на выполнение в отдельном потоке, а саму подписку – в другом, или в пуле потоков.</a:t>
+            </a:r>
+          </a:p>
+          <a:p>
+            <a:endParaRPr lang="ru-RU" sz="2400" dirty="0">
               <a:solidFill>
-                <a:schemeClr val="tx2">
-                  <a:lumMod val="60000"/>
-                  <a:lumOff val="40000"/>
-                </a:schemeClr>
+                <a:srgbClr val="262636"/>
               </a:solidFill>
-              <a:latin typeface="Consolas" panose="020B0609020204030204" pitchFamily="49" charset="0"/>
+            </a:endParaRPr>
+          </a:p>
+          <a:p>
+            <a:r>
+              <a:rPr lang="ru-RU" sz="2400" dirty="0">
+                <a:solidFill>
+                  <a:srgbClr val="262636"/>
+                </a:solidFill>
+              </a:rPr>
+              <a:t>«А я хочу сам решать, в каком потоке и когда вызывать обработку. Может, я хочу в цикле рендеринга это сделать»</a:t>
+            </a:r>
+          </a:p>
+          <a:p>
+            <a:endParaRPr lang="ru-RU" sz="2400" dirty="0">
+              <a:solidFill>
+                <a:srgbClr val="262636"/>
+              </a:solidFill>
+            </a:endParaRPr>
+          </a:p>
+          <a:p>
+            <a:endParaRPr lang="ru-RU" sz="2400" dirty="0">
+              <a:solidFill>
+                <a:srgbClr val="262636"/>
+              </a:solidFill>
             </a:endParaRPr>
           </a:p>
         </p:txBody>
@@ -37386,7 +38758,7 @@
     </p:spTree>
     <p:extLst>
       <p:ext uri="{BB962C8B-B14F-4D97-AF65-F5344CB8AC3E}">
-        <p14:creationId xmlns:p14="http://schemas.microsoft.com/office/powerpoint/2010/main" val="530326824"/>
+        <p14:creationId xmlns:p14="http://schemas.microsoft.com/office/powerpoint/2010/main" val="3063283380"/>
       </p:ext>
     </p:extLst>
   </p:cSld>
@@ -37449,7 +38821,7 @@
                   </a:schemeClr>
                 </a:solidFill>
               </a:rPr>
-              <a:t>NoesisGUI</a:t>
+              <a:t>tirx</a:t>
             </a:r>
             <a:endParaRPr lang="ru-RU" sz="3600" b="1" dirty="0">
               <a:solidFill>
@@ -37558,7 +38930,7 @@
         <p:spPr>
           <a:xfrm>
             <a:off x="1190625" y="1469836"/>
-            <a:ext cx="7686675" cy="3170099"/>
+            <a:ext cx="7686675" cy="3785652"/>
           </a:xfrm>
           <a:prstGeom prst="rect">
             <a:avLst/>
@@ -37577,7 +38949,19 @@
                   <a:srgbClr val="262636"/>
                 </a:solidFill>
               </a:rPr>
-              <a:t>Так а что там с </a:t>
+              <a:t>Более того, можно назначить, например, </a:t>
+            </a:r>
+            <a:r>
+              <a:rPr lang="en-US" sz="2000" dirty="0">
+                <a:solidFill>
+                  <a:schemeClr val="tx2">
+                    <a:lumMod val="60000"/>
+                    <a:lumOff val="40000"/>
+                  </a:schemeClr>
+                </a:solidFill>
+                <a:latin typeface="Consolas" panose="020B0609020204030204" pitchFamily="49" charset="0"/>
+              </a:rPr>
+              <a:t>filter</a:t>
             </a:r>
             <a:r>
               <a:rPr lang="en-US" sz="2400" dirty="0">
@@ -37585,108 +38969,18 @@
                   <a:srgbClr val="262636"/>
                 </a:solidFill>
               </a:rPr>
-              <a:t>UI? </a:t>
-            </a:r>
-            <a:r>
-              <a:rPr lang="ru-RU" sz="2400" dirty="0">
-                <a:solidFill>
-                  <a:srgbClr val="262636"/>
-                </a:solidFill>
-              </a:rPr>
-              <a:t>Неужто страшненький </a:t>
-            </a:r>
-            <a:r>
-              <a:rPr lang="en-US" sz="2400" dirty="0">
-                <a:solidFill>
-                  <a:srgbClr val="262636"/>
-                </a:solidFill>
-              </a:rPr>
-              <a:t>Dear </a:t>
-            </a:r>
-            <a:r>
-              <a:rPr lang="en-US" sz="2400" dirty="0" err="1">
-                <a:solidFill>
-                  <a:srgbClr val="262636"/>
-                </a:solidFill>
-              </a:rPr>
-              <a:t>ImGUI</a:t>
-            </a:r>
-            <a:r>
-              <a:rPr lang="en-US" sz="2400" dirty="0">
-                <a:solidFill>
-                  <a:srgbClr val="262636"/>
-                </a:solidFill>
-              </a:rPr>
-              <a:t>?</a:t>
-            </a:r>
-          </a:p>
-          <a:p>
-            <a:r>
-              <a:rPr lang="ru-RU" sz="2400" dirty="0">
-                <a:solidFill>
-                  <a:srgbClr val="262636"/>
-                </a:solidFill>
-              </a:rPr>
-              <a:t>Есть! Пригодное для промышленного применения решение – </a:t>
-            </a:r>
-            <a:r>
-              <a:rPr lang="en-US" sz="2400" dirty="0" err="1">
-                <a:solidFill>
-                  <a:srgbClr val="262636"/>
-                </a:solidFill>
-              </a:rPr>
-              <a:t>NoesisGUI</a:t>
-            </a:r>
-            <a:r>
-              <a:rPr lang="en-US" sz="2400" dirty="0">
-                <a:solidFill>
-                  <a:srgbClr val="262636"/>
-                </a:solidFill>
-              </a:rPr>
-              <a:t>.</a:t>
-            </a:r>
-          </a:p>
-          <a:p>
-            <a:r>
-              <a:rPr lang="ru-RU" sz="2400" dirty="0">
-                <a:solidFill>
-                  <a:srgbClr val="262636"/>
-                </a:solidFill>
-              </a:rPr>
-              <a:t>1. В отличие от многих </a:t>
-            </a:r>
-            <a:r>
-              <a:rPr lang="en-US" sz="2400" dirty="0" err="1">
-                <a:solidFill>
-                  <a:srgbClr val="262636"/>
-                </a:solidFill>
-              </a:rPr>
-              <a:t>ImGUI</a:t>
-            </a:r>
-            <a:r>
-              <a:rPr lang="en-US" sz="2400" dirty="0">
-                <a:solidFill>
-                  <a:srgbClr val="262636"/>
-                </a:solidFill>
-              </a:rPr>
-              <a:t> </a:t>
-            </a:r>
-            <a:r>
-              <a:rPr lang="ru-RU" sz="2400" dirty="0">
-                <a:solidFill>
-                  <a:srgbClr val="262636"/>
-                </a:solidFill>
-              </a:rPr>
-              <a:t>фреймворков – позволяет без вопросов хранить данные между перерисовками. Почти как в </a:t>
-            </a:r>
-            <a:r>
-              <a:rPr lang="en-US" sz="2400" dirty="0">
-                <a:solidFill>
-                  <a:srgbClr val="262636"/>
-                </a:solidFill>
-              </a:rPr>
-              <a:t>Retained UI</a:t>
-            </a:r>
+              <a:t>, </a:t>
+            </a:r>
+            <a:r>
+              <a:rPr lang="ru-RU" sz="2400" dirty="0">
+                <a:solidFill>
+                  <a:srgbClr val="262636"/>
+                </a:solidFill>
+              </a:rPr>
+              <a:t>на выполнение в отдельном потоке, а саму подписку – в другом, или в пуле потоков.</a:t>
+            </a:r>
+          </a:p>
+          <a:p>
             <a:endParaRPr lang="ru-RU" sz="2400" dirty="0">
               <a:solidFill>
                 <a:srgbClr val="262636"/>
@@ -37694,7 +38988,39 @@
             </a:endParaRPr>
           </a:p>
           <a:p>
-            <a:endParaRPr lang="en-US" sz="1600" dirty="0">
+            <a:r>
+              <a:rPr lang="ru-RU" sz="2400" dirty="0">
+                <a:solidFill>
+                  <a:srgbClr val="262636"/>
+                </a:solidFill>
+              </a:rPr>
+              <a:t>«А я хочу сам решать, в каком потоке и когда вызывать обработку. Может, я хочу в цикле рендеринга это сделать»</a:t>
+            </a:r>
+          </a:p>
+          <a:p>
+            <a:endParaRPr lang="ru-RU" sz="2400" dirty="0">
+              <a:solidFill>
+                <a:srgbClr val="262636"/>
+              </a:solidFill>
+            </a:endParaRPr>
+          </a:p>
+          <a:p>
+            <a:endParaRPr lang="ru-RU" sz="2400" dirty="0">
+              <a:solidFill>
+                <a:srgbClr val="262636"/>
+              </a:solidFill>
+            </a:endParaRPr>
+          </a:p>
+          <a:p>
+            <a:r>
+              <a:rPr lang="ru-RU" sz="2400" dirty="0">
+                <a:solidFill>
+                  <a:srgbClr val="262636"/>
+                </a:solidFill>
+              </a:rPr>
+              <a:t>		</a:t>
+            </a:r>
+            <a:endParaRPr lang="ru-RU" sz="2000" dirty="0">
               <a:solidFill>
                 <a:schemeClr val="tx2">
                   <a:lumMod val="60000"/>
@@ -37704,23 +39030,48 @@
               <a:latin typeface="Consolas" panose="020B0609020204030204" pitchFamily="49" charset="0"/>
             </a:endParaRPr>
           </a:p>
-          <a:p>
-            <a:endParaRPr lang="ru-RU" sz="1600" dirty="0">
-              <a:solidFill>
-                <a:schemeClr val="tx2">
-                  <a:lumMod val="60000"/>
-                  <a:lumOff val="40000"/>
-                </a:schemeClr>
-              </a:solidFill>
-              <a:latin typeface="Consolas" panose="020B0609020204030204" pitchFamily="49" charset="0"/>
-            </a:endParaRPr>
-          </a:p>
         </p:txBody>
       </p:sp>
+      <p:pic>
+        <p:nvPicPr>
+          <p:cNvPr id="7" name="Рисунок 6" descr="Изображение выглядит как человек, внешний&#10;&#10;Автоматически созданное описание">
+            <a:extLst>
+              <a:ext uri="{FF2B5EF4-FFF2-40B4-BE49-F238E27FC236}">
+                <a16:creationId xmlns:a16="http://schemas.microsoft.com/office/drawing/2014/main" id="{9F0B9535-45DB-4AAB-A375-5374A39959E9}"/>
+              </a:ext>
+            </a:extLst>
+          </p:cNvPr>
+          <p:cNvPicPr>
+            <a:picLocks noChangeAspect="1"/>
+          </p:cNvPicPr>
+          <p:nvPr/>
+        </p:nvPicPr>
+        <p:blipFill>
+          <a:blip r:embed="rId2" cstate="print">
+            <a:extLst>
+              <a:ext uri="{28A0092B-C50C-407E-A947-70E740481C1C}">
+                <a14:useLocalDpi xmlns:a14="http://schemas.microsoft.com/office/drawing/2010/main" val="0"/>
+              </a:ext>
+            </a:extLst>
+          </a:blip>
+          <a:stretch>
+            <a:fillRect/>
+          </a:stretch>
+        </p:blipFill>
+        <p:spPr>
+          <a:xfrm>
+            <a:off x="5288491" y="3762375"/>
+            <a:ext cx="3674534" cy="2066925"/>
+          </a:xfrm>
+          <a:prstGeom prst="rect">
+            <a:avLst/>
+          </a:prstGeom>
+        </p:spPr>
+      </p:pic>
     </p:spTree>
     <p:extLst>
       <p:ext uri="{BB962C8B-B14F-4D97-AF65-F5344CB8AC3E}">
-        <p14:creationId xmlns:p14="http://schemas.microsoft.com/office/powerpoint/2010/main" val="1984563508"/>
+        <p14:creationId xmlns:p14="http://schemas.microsoft.com/office/powerpoint/2010/main" val="118796913"/>
       </p:ext>
     </p:extLst>
   </p:cSld>
@@ -37783,7 +39134,7 @@
                   </a:schemeClr>
                 </a:solidFill>
               </a:rPr>
-              <a:t>NoesisGUI</a:t>
+              <a:t>tirx</a:t>
             </a:r>
             <a:endParaRPr lang="ru-RU" sz="3600" b="1" dirty="0">
               <a:solidFill>
@@ -37892,7 +39243,7 @@
         <p:spPr>
           <a:xfrm>
             <a:off x="1190625" y="1469836"/>
-            <a:ext cx="7686675" cy="4770537"/>
+            <a:ext cx="7686675" cy="4093428"/>
           </a:xfrm>
           <a:prstGeom prst="rect">
             <a:avLst/>
@@ -37911,139 +39262,10 @@
                   <a:srgbClr val="262636"/>
                 </a:solidFill>
               </a:rPr>
-              <a:t>Так а что там с </a:t>
-            </a:r>
-            <a:r>
-              <a:rPr lang="en-US" sz="2400" dirty="0">
-                <a:solidFill>
-                  <a:srgbClr val="262636"/>
-                </a:solidFill>
-              </a:rPr>
-              <a:t>UI? </a:t>
-            </a:r>
-            <a:r>
-              <a:rPr lang="ru-RU" sz="2400" dirty="0">
-                <a:solidFill>
-                  <a:srgbClr val="262636"/>
-                </a:solidFill>
-              </a:rPr>
-              <a:t>Неужто страшненький </a:t>
-            </a:r>
-            <a:r>
-              <a:rPr lang="en-US" sz="2400" dirty="0">
-                <a:solidFill>
-                  <a:srgbClr val="262636"/>
-                </a:solidFill>
-              </a:rPr>
-              <a:t>Dear </a:t>
-            </a:r>
-            <a:r>
-              <a:rPr lang="en-US" sz="2400" dirty="0" err="1">
-                <a:solidFill>
-                  <a:srgbClr val="262636"/>
-                </a:solidFill>
-              </a:rPr>
-              <a:t>ImGUI</a:t>
-            </a:r>
-            <a:r>
-              <a:rPr lang="en-US" sz="2400" dirty="0">
-                <a:solidFill>
-                  <a:srgbClr val="262636"/>
-                </a:solidFill>
-              </a:rPr>
-              <a:t>?</a:t>
-            </a:r>
-          </a:p>
-          <a:p>
-            <a:r>
-              <a:rPr lang="ru-RU" sz="2400" dirty="0">
-                <a:solidFill>
-                  <a:srgbClr val="262636"/>
-                </a:solidFill>
-              </a:rPr>
-              <a:t>Есть! Пригодное для промышленного применения решение – </a:t>
-            </a:r>
-            <a:r>
-              <a:rPr lang="en-US" sz="2400" dirty="0" err="1">
-                <a:solidFill>
-                  <a:srgbClr val="262636"/>
-                </a:solidFill>
-              </a:rPr>
-              <a:t>NoesisGUI</a:t>
-            </a:r>
-            <a:r>
-              <a:rPr lang="en-US" sz="2400" dirty="0">
-                <a:solidFill>
-                  <a:srgbClr val="262636"/>
-                </a:solidFill>
-              </a:rPr>
-              <a:t>.</a:t>
-            </a:r>
-          </a:p>
-          <a:p>
-            <a:r>
-              <a:rPr lang="ru-RU" sz="2400" dirty="0">
-                <a:solidFill>
-                  <a:srgbClr val="262636"/>
-                </a:solidFill>
-              </a:rPr>
-              <a:t>1. В отличие от многих </a:t>
-            </a:r>
-            <a:r>
-              <a:rPr lang="en-US" sz="2400" dirty="0" err="1">
-                <a:solidFill>
-                  <a:srgbClr val="262636"/>
-                </a:solidFill>
-              </a:rPr>
-              <a:t>ImGUI</a:t>
-            </a:r>
-            <a:r>
-              <a:rPr lang="en-US" sz="2400" dirty="0">
-                <a:solidFill>
-                  <a:srgbClr val="262636"/>
-                </a:solidFill>
-              </a:rPr>
-              <a:t> </a:t>
-            </a:r>
-            <a:r>
-              <a:rPr lang="ru-RU" sz="2400" dirty="0">
-                <a:solidFill>
-                  <a:srgbClr val="262636"/>
-                </a:solidFill>
-              </a:rPr>
-              <a:t>фреймворков – позволяет без вопросов хранить данные между перерисовками. Почти как в </a:t>
-            </a:r>
-            <a:r>
-              <a:rPr lang="en-US" sz="2400" dirty="0">
-                <a:solidFill>
-                  <a:srgbClr val="262636"/>
-                </a:solidFill>
-              </a:rPr>
-              <a:t>Retained UI</a:t>
-            </a:r>
-          </a:p>
-          <a:p>
-            <a:r>
-              <a:rPr lang="ru-RU" sz="2400" dirty="0">
-                <a:solidFill>
-                  <a:srgbClr val="262636"/>
-                </a:solidFill>
-              </a:rPr>
-              <a:t>2. Удобный и понятный механизм обработки событий. Обработаем выбор пункта списка:</a:t>
-            </a:r>
-          </a:p>
-          <a:p>
-            <a:r>
-              <a:rPr lang="ru-RU" sz="2400" dirty="0">
-                <a:solidFill>
-                  <a:srgbClr val="262636"/>
-                </a:solidFill>
-                <a:latin typeface="Consolas" panose="020B0609020204030204" pitchFamily="49" charset="0"/>
-              </a:rPr>
-              <a:t>	</a:t>
-            </a:r>
-            <a:r>
-              <a:rPr lang="en-US" sz="1600" dirty="0" err="1">
+              <a:t>Более того, можно назначить, например, </a:t>
+            </a:r>
+            <a:r>
+              <a:rPr lang="en-US" sz="2000" dirty="0">
                 <a:solidFill>
                   <a:schemeClr val="tx2">
                     <a:lumMod val="60000"/>
@@ -38052,10 +39274,69 @@
                 </a:solidFill>
                 <a:latin typeface="Consolas" panose="020B0609020204030204" pitchFamily="49" charset="0"/>
               </a:rPr>
-              <a:t>skin_combo_box</a:t>
-            </a:r>
-            <a:r>
-              <a:rPr lang="en-US" sz="1600" dirty="0">
+              <a:t>filter</a:t>
+            </a:r>
+            <a:r>
+              <a:rPr lang="en-US" sz="2400" dirty="0">
+                <a:solidFill>
+                  <a:srgbClr val="262636"/>
+                </a:solidFill>
+              </a:rPr>
+              <a:t>, </a:t>
+            </a:r>
+            <a:r>
+              <a:rPr lang="ru-RU" sz="2400" dirty="0">
+                <a:solidFill>
+                  <a:srgbClr val="262636"/>
+                </a:solidFill>
+              </a:rPr>
+              <a:t>на выполнение в отдельном потоке, а саму подписку – в другом, или в пуле потоков.</a:t>
+            </a:r>
+          </a:p>
+          <a:p>
+            <a:endParaRPr lang="ru-RU" sz="2400" dirty="0">
+              <a:solidFill>
+                <a:srgbClr val="262636"/>
+              </a:solidFill>
+            </a:endParaRPr>
+          </a:p>
+          <a:p>
+            <a:r>
+              <a:rPr lang="ru-RU" sz="2400" dirty="0">
+                <a:solidFill>
+                  <a:srgbClr val="262636"/>
+                </a:solidFill>
+              </a:rPr>
+              <a:t>«А я хочу сам решать, в каком потоке и когда вызывать обработку. Может, я хочу в цикле рендеринга это сделать»</a:t>
+            </a:r>
+          </a:p>
+          <a:p>
+            <a:endParaRPr lang="ru-RU" sz="2400" dirty="0">
+              <a:solidFill>
+                <a:srgbClr val="262636"/>
+              </a:solidFill>
+            </a:endParaRPr>
+          </a:p>
+          <a:p>
+            <a:endParaRPr lang="ru-RU" sz="2400" dirty="0">
+              <a:solidFill>
+                <a:srgbClr val="262636"/>
+              </a:solidFill>
+            </a:endParaRPr>
+          </a:p>
+          <a:p>
+            <a:r>
+              <a:rPr lang="ru-RU" sz="2400" dirty="0">
+                <a:solidFill>
+                  <a:srgbClr val="262636"/>
+                </a:solidFill>
+              </a:rPr>
+              <a:t>		Здесь поможет</a:t>
+            </a:r>
+          </a:p>
+          <a:p>
+            <a:r>
+              <a:rPr lang="ru-RU" sz="1600" dirty="0">
                 <a:solidFill>
                   <a:schemeClr val="tx2">
                     <a:lumMod val="60000"/>
@@ -38064,10 +39345,10 @@
                 </a:solidFill>
                 <a:latin typeface="Consolas" panose="020B0609020204030204" pitchFamily="49" charset="0"/>
               </a:rPr>
-              <a:t>_-&gt;</a:t>
-            </a:r>
-            <a:r>
-              <a:rPr lang="en-US" sz="1600" dirty="0" err="1">
+              <a:t>		</a:t>
+            </a:r>
+            <a:r>
+              <a:rPr lang="en-US" sz="2000" dirty="0" err="1">
                 <a:solidFill>
                   <a:schemeClr val="tx2">
                     <a:lumMod val="60000"/>
@@ -38076,21 +39357,9 @@
                 </a:solidFill>
                 <a:latin typeface="Consolas" panose="020B0609020204030204" pitchFamily="49" charset="0"/>
               </a:rPr>
-              <a:t>SelectionChanged</a:t>
-            </a:r>
-            <a:r>
-              <a:rPr lang="en-US" sz="1600" dirty="0">
-                <a:solidFill>
-                  <a:schemeClr val="tx2">
-                    <a:lumMod val="60000"/>
-                    <a:lumOff val="40000"/>
-                  </a:schemeClr>
-                </a:solidFill>
-                <a:latin typeface="Consolas" panose="020B0609020204030204" pitchFamily="49" charset="0"/>
-              </a:rPr>
-              <a:t>() += [this]</a:t>
-            </a:r>
-            <a:endParaRPr lang="ru-RU" sz="1600" dirty="0">
+              <a:t>RunLoopExecutor</a:t>
+            </a:r>
+            <a:endParaRPr lang="ru-RU" sz="2000" dirty="0">
               <a:solidFill>
                 <a:schemeClr val="tx2">
                   <a:lumMod val="60000"/>
@@ -38100,173 +39369,48 @@
               <a:latin typeface="Consolas" panose="020B0609020204030204" pitchFamily="49" charset="0"/>
             </a:endParaRPr>
           </a:p>
-          <a:p>
-            <a:r>
-              <a:rPr lang="ru-RU" sz="1600" dirty="0">
-                <a:solidFill>
-                  <a:schemeClr val="tx2">
-                    <a:lumMod val="60000"/>
-                    <a:lumOff val="40000"/>
-                  </a:schemeClr>
-                </a:solidFill>
-                <a:latin typeface="Consolas" panose="020B0609020204030204" pitchFamily="49" charset="0"/>
-              </a:rPr>
-              <a:t>	</a:t>
-            </a:r>
-            <a:r>
-              <a:rPr lang="en-US" sz="1600" dirty="0">
-                <a:solidFill>
-                  <a:schemeClr val="tx2">
-                    <a:lumMod val="60000"/>
-                    <a:lumOff val="40000"/>
-                  </a:schemeClr>
-                </a:solidFill>
-                <a:latin typeface="Consolas" panose="020B0609020204030204" pitchFamily="49" charset="0"/>
-              </a:rPr>
-              <a:t>(</a:t>
-            </a:r>
-            <a:r>
-              <a:rPr lang="en-US" sz="1600" dirty="0" err="1">
-                <a:solidFill>
-                  <a:schemeClr val="tx2">
-                    <a:lumMod val="60000"/>
-                    <a:lumOff val="40000"/>
-                  </a:schemeClr>
-                </a:solidFill>
-                <a:latin typeface="Consolas" panose="020B0609020204030204" pitchFamily="49" charset="0"/>
-              </a:rPr>
-              <a:t>BaseComponent</a:t>
-            </a:r>
-            <a:r>
-              <a:rPr lang="en-US" sz="1600" dirty="0">
-                <a:solidFill>
-                  <a:schemeClr val="tx2">
-                    <a:lumMod val="60000"/>
-                    <a:lumOff val="40000"/>
-                  </a:schemeClr>
-                </a:solidFill>
-                <a:latin typeface="Consolas" panose="020B0609020204030204" pitchFamily="49" charset="0"/>
-              </a:rPr>
-              <a:t>* </a:t>
-            </a:r>
-            <a:r>
-              <a:rPr lang="ru-RU" sz="1600" dirty="0">
-                <a:solidFill>
-                  <a:schemeClr val="tx2">
-                    <a:lumMod val="60000"/>
-                    <a:lumOff val="40000"/>
-                  </a:schemeClr>
-                </a:solidFill>
-                <a:latin typeface="Consolas" panose="020B0609020204030204" pitchFamily="49" charset="0"/>
-              </a:rPr>
-              <a:t>	</a:t>
-            </a:r>
-            <a:r>
-              <a:rPr lang="en-US" sz="1600" dirty="0">
-                <a:solidFill>
-                  <a:schemeClr val="tx2">
-                    <a:lumMod val="60000"/>
-                    <a:lumOff val="40000"/>
-                  </a:schemeClr>
-                </a:solidFill>
-                <a:latin typeface="Consolas" panose="020B0609020204030204" pitchFamily="49" charset="0"/>
-              </a:rPr>
-              <a:t>sender, const </a:t>
-            </a:r>
-            <a:r>
-              <a:rPr lang="en-US" sz="1600" dirty="0" err="1">
-                <a:solidFill>
-                  <a:schemeClr val="tx2">
-                    <a:lumMod val="60000"/>
-                    <a:lumOff val="40000"/>
-                  </a:schemeClr>
-                </a:solidFill>
-                <a:latin typeface="Consolas" panose="020B0609020204030204" pitchFamily="49" charset="0"/>
-              </a:rPr>
-              <a:t>SelectionChangedEventArgs</a:t>
-            </a:r>
-            <a:r>
-              <a:rPr lang="en-US" sz="1600" dirty="0">
-                <a:solidFill>
-                  <a:schemeClr val="tx2">
-                    <a:lumMod val="60000"/>
-                    <a:lumOff val="40000"/>
-                  </a:schemeClr>
-                </a:solidFill>
-                <a:latin typeface="Consolas" panose="020B0609020204030204" pitchFamily="49" charset="0"/>
-              </a:rPr>
-              <a:t>&amp; e) {</a:t>
-            </a:r>
-          </a:p>
-          <a:p>
-            <a:r>
-              <a:rPr lang="en-US" sz="1600" dirty="0">
-                <a:solidFill>
-                  <a:schemeClr val="tx2">
-                    <a:lumMod val="60000"/>
-                    <a:lumOff val="40000"/>
-                  </a:schemeClr>
-                </a:solidFill>
-                <a:latin typeface="Consolas" panose="020B0609020204030204" pitchFamily="49" charset="0"/>
-              </a:rPr>
-              <a:t>            </a:t>
-            </a:r>
-            <a:r>
-              <a:rPr lang="en-US" sz="1600" dirty="0" err="1">
-                <a:solidFill>
-                  <a:schemeClr val="tx2">
-                    <a:lumMod val="60000"/>
-                    <a:lumOff val="40000"/>
-                  </a:schemeClr>
-                </a:solidFill>
-                <a:latin typeface="Consolas" panose="020B0609020204030204" pitchFamily="49" charset="0"/>
-              </a:rPr>
-              <a:t>OnSkinSelected</a:t>
-            </a:r>
-            <a:r>
-              <a:rPr lang="en-US" sz="1600" dirty="0">
-                <a:solidFill>
-                  <a:schemeClr val="tx2">
-                    <a:lumMod val="60000"/>
-                    <a:lumOff val="40000"/>
-                  </a:schemeClr>
-                </a:solidFill>
-                <a:latin typeface="Consolas" panose="020B0609020204030204" pitchFamily="49" charset="0"/>
-              </a:rPr>
-              <a:t>(sender, e);</a:t>
-            </a:r>
-          </a:p>
-          <a:p>
-            <a:r>
-              <a:rPr lang="en-US" sz="1600" dirty="0">
-                <a:solidFill>
-                  <a:schemeClr val="tx2">
-                    <a:lumMod val="60000"/>
-                    <a:lumOff val="40000"/>
-                  </a:schemeClr>
-                </a:solidFill>
-                <a:latin typeface="Consolas" panose="020B0609020204030204" pitchFamily="49" charset="0"/>
-              </a:rPr>
-              <a:t>    };</a:t>
-            </a:r>
-          </a:p>
-          <a:p>
-            <a:endParaRPr lang="ru-RU" sz="1600" dirty="0">
-              <a:solidFill>
-                <a:schemeClr val="tx2">
-                  <a:lumMod val="60000"/>
-                  <a:lumOff val="40000"/>
-                </a:schemeClr>
-              </a:solidFill>
-              <a:latin typeface="Consolas" panose="020B0609020204030204" pitchFamily="49" charset="0"/>
-            </a:endParaRPr>
-          </a:p>
         </p:txBody>
       </p:sp>
+      <p:pic>
+        <p:nvPicPr>
+          <p:cNvPr id="7" name="Рисунок 6" descr="Изображение выглядит как человек, внешний&#10;&#10;Автоматически созданное описание">
+            <a:extLst>
+              <a:ext uri="{FF2B5EF4-FFF2-40B4-BE49-F238E27FC236}">
+                <a16:creationId xmlns:a16="http://schemas.microsoft.com/office/drawing/2014/main" id="{9F0B9535-45DB-4AAB-A375-5374A39959E9}"/>
+              </a:ext>
+            </a:extLst>
+          </p:cNvPr>
+          <p:cNvPicPr>
+            <a:picLocks noChangeAspect="1"/>
+          </p:cNvPicPr>
+          <p:nvPr/>
+        </p:nvPicPr>
+        <p:blipFill>
+          <a:blip r:embed="rId2" cstate="print">
+            <a:extLst>
+              <a:ext uri="{28A0092B-C50C-407E-A947-70E740481C1C}">
+                <a14:useLocalDpi xmlns:a14="http://schemas.microsoft.com/office/drawing/2010/main" val="0"/>
+              </a:ext>
+            </a:extLst>
+          </a:blip>
+          <a:stretch>
+            <a:fillRect/>
+          </a:stretch>
+        </p:blipFill>
+        <p:spPr>
+          <a:xfrm>
+            <a:off x="5288491" y="3762375"/>
+            <a:ext cx="3674534" cy="2066925"/>
+          </a:xfrm>
+          <a:prstGeom prst="rect">
+            <a:avLst/>
+          </a:prstGeom>
+        </p:spPr>
+      </p:pic>
     </p:spTree>
     <p:extLst>
       <p:ext uri="{BB962C8B-B14F-4D97-AF65-F5344CB8AC3E}">
-        <p14:creationId xmlns:p14="http://schemas.microsoft.com/office/powerpoint/2010/main" val="4035178417"/>
+        <p14:creationId xmlns:p14="http://schemas.microsoft.com/office/powerpoint/2010/main" val="4066980034"/>
       </p:ext>
     </p:extLst>
   </p:cSld>
@@ -38709,7 +39853,7 @@
         <p:spPr>
           <a:xfrm>
             <a:off x="1190625" y="1469836"/>
-            <a:ext cx="7686675" cy="830997"/>
+            <a:ext cx="7686675" cy="1077218"/>
           </a:xfrm>
           <a:prstGeom prst="rect">
             <a:avLst/>
@@ -38723,21 +39867,55 @@
           <a:lstStyle/>
           <a:p>
             <a:r>
+              <a:rPr lang="ru-RU" sz="2400" dirty="0">
+                <a:solidFill>
+                  <a:srgbClr val="262636"/>
+                </a:solidFill>
+              </a:rPr>
+              <a:t>Так а что там с </a:t>
+            </a:r>
+            <a:r>
               <a:rPr lang="en-US" sz="2400" dirty="0">
                 <a:solidFill>
                   <a:srgbClr val="262636"/>
                 </a:solidFill>
               </a:rPr>
-              <a:t>3. </a:t>
-            </a:r>
-            <a:r>
-              <a:rPr lang="ru-RU" sz="2400" dirty="0">
-                <a:solidFill>
-                  <a:srgbClr val="262636"/>
-                </a:solidFill>
-              </a:rPr>
-              <a:t>Эффективный векторный формат хранения данных</a:t>
-            </a:r>
+              <a:t>UI? </a:t>
+            </a:r>
+            <a:r>
+              <a:rPr lang="ru-RU" sz="2400" dirty="0">
+                <a:solidFill>
+                  <a:srgbClr val="262636"/>
+                </a:solidFill>
+              </a:rPr>
+              <a:t>Неужто страшненький </a:t>
+            </a:r>
+            <a:r>
+              <a:rPr lang="en-US" sz="2400" dirty="0">
+                <a:solidFill>
+                  <a:srgbClr val="262636"/>
+                </a:solidFill>
+              </a:rPr>
+              <a:t>Dear </a:t>
+            </a:r>
+            <a:r>
+              <a:rPr lang="en-US" sz="2400" dirty="0" err="1">
+                <a:solidFill>
+                  <a:srgbClr val="262636"/>
+                </a:solidFill>
+              </a:rPr>
+              <a:t>ImGUI</a:t>
+            </a:r>
+            <a:r>
+              <a:rPr lang="en-US" sz="2400" dirty="0">
+                <a:solidFill>
+                  <a:srgbClr val="262636"/>
+                </a:solidFill>
+              </a:rPr>
+              <a:t>?</a:t>
+            </a:r>
+          </a:p>
+          <a:p>
             <a:endParaRPr lang="ru-RU" sz="1600" dirty="0">
               <a:solidFill>
                 <a:schemeClr val="tx2">
@@ -38745,6 +39923,7 @@
                   <a:lumOff val="40000"/>
                 </a:schemeClr>
               </a:solidFill>
+              <a:latin typeface="Consolas" panose="020B0609020204030204" pitchFamily="49" charset="0"/>
             </a:endParaRPr>
           </a:p>
         </p:txBody>
@@ -38752,7 +39931,7 @@
     </p:spTree>
     <p:extLst>
       <p:ext uri="{BB962C8B-B14F-4D97-AF65-F5344CB8AC3E}">
-        <p14:creationId xmlns:p14="http://schemas.microsoft.com/office/powerpoint/2010/main" val="2858537356"/>
+        <p14:creationId xmlns:p14="http://schemas.microsoft.com/office/powerpoint/2010/main" val="2186935420"/>
       </p:ext>
     </p:extLst>
   </p:cSld>
@@ -38924,7 +40103,7 @@
         <p:spPr>
           <a:xfrm>
             <a:off x="1190625" y="1469836"/>
-            <a:ext cx="7686675" cy="1200329"/>
+            <a:ext cx="7686675" cy="1815882"/>
           </a:xfrm>
           <a:prstGeom prst="rect">
             <a:avLst/>
@@ -38938,30 +40117,28 @@
           <a:lstStyle/>
           <a:p>
             <a:r>
+              <a:rPr lang="ru-RU" sz="2400" dirty="0">
+                <a:solidFill>
+                  <a:srgbClr val="262636"/>
+                </a:solidFill>
+              </a:rPr>
+              <a:t>Так а что там с </a:t>
+            </a:r>
+            <a:r>
               <a:rPr lang="en-US" sz="2400" dirty="0">
                 <a:solidFill>
                   <a:srgbClr val="262636"/>
                 </a:solidFill>
               </a:rPr>
-              <a:t>3. </a:t>
-            </a:r>
-            <a:r>
-              <a:rPr lang="ru-RU" sz="2400" dirty="0">
-                <a:solidFill>
-                  <a:srgbClr val="262636"/>
-                </a:solidFill>
-              </a:rPr>
-              <a:t>Эффективный векторный формат хранения данных</a:t>
-            </a:r>
-          </a:p>
-          <a:p>
-            <a:r>
-              <a:rPr lang="ru-RU" sz="2400" dirty="0">
-                <a:solidFill>
-                  <a:srgbClr val="262636"/>
-                </a:solidFill>
-              </a:rPr>
-              <a:t>4. Поддержка паттерна </a:t>
+              <a:t>UI? </a:t>
+            </a:r>
+            <a:r>
+              <a:rPr lang="ru-RU" sz="2400" dirty="0">
+                <a:solidFill>
+                  <a:srgbClr val="262636"/>
+                </a:solidFill>
+              </a:rPr>
+              <a:t>Неужто страшненький </a:t>
             </a:r>
             <a:r>
               <a:rPr lang="en-US" sz="2400" dirty="0">
@@ -38969,15 +40146,68 @@
                   <a:srgbClr val="262636"/>
                 </a:solidFill>
               </a:rPr>
-              <a:t>MVVM</a:t>
-            </a:r>
+              <a:t>Dear </a:t>
+            </a:r>
+            <a:r>
+              <a:rPr lang="en-US" sz="2400" dirty="0" err="1">
+                <a:solidFill>
+                  <a:srgbClr val="262636"/>
+                </a:solidFill>
+              </a:rPr>
+              <a:t>ImGUI</a:t>
+            </a:r>
+            <a:r>
+              <a:rPr lang="en-US" sz="2400" dirty="0">
+                <a:solidFill>
+                  <a:srgbClr val="262636"/>
+                </a:solidFill>
+              </a:rPr>
+              <a:t>?</a:t>
+            </a:r>
+          </a:p>
+          <a:p>
+            <a:r>
+              <a:rPr lang="ru-RU" sz="2400" dirty="0">
+                <a:solidFill>
+                  <a:srgbClr val="262636"/>
+                </a:solidFill>
+              </a:rPr>
+              <a:t>Есть! Пригодное для промышленного применения решение – </a:t>
+            </a:r>
+            <a:r>
+              <a:rPr lang="en-US" sz="2400" dirty="0" err="1">
+                <a:solidFill>
+                  <a:srgbClr val="262636"/>
+                </a:solidFill>
+              </a:rPr>
+              <a:t>NoesisGUI</a:t>
+            </a:r>
+            <a:r>
+              <a:rPr lang="en-US" sz="2400" dirty="0">
+                <a:solidFill>
+                  <a:srgbClr val="262636"/>
+                </a:solidFill>
+              </a:rPr>
+              <a:t>.</a:t>
+            </a:r>
+          </a:p>
+          <a:p>
+            <a:endParaRPr lang="ru-RU" sz="1600" dirty="0">
+              <a:solidFill>
+                <a:schemeClr val="tx2">
+                  <a:lumMod val="60000"/>
+                  <a:lumOff val="40000"/>
+                </a:schemeClr>
+              </a:solidFill>
+              <a:latin typeface="Consolas" panose="020B0609020204030204" pitchFamily="49" charset="0"/>
+            </a:endParaRPr>
           </a:p>
         </p:txBody>
       </p:sp>
     </p:spTree>
     <p:extLst>
       <p:ext uri="{BB962C8B-B14F-4D97-AF65-F5344CB8AC3E}">
-        <p14:creationId xmlns:p14="http://schemas.microsoft.com/office/powerpoint/2010/main" val="1411873525"/>
+        <p14:creationId xmlns:p14="http://schemas.microsoft.com/office/powerpoint/2010/main" val="530326824"/>
       </p:ext>
     </p:extLst>
   </p:cSld>
@@ -39149,7 +40379,7 @@
         <p:spPr>
           <a:xfrm>
             <a:off x="1190625" y="1469836"/>
-            <a:ext cx="7686675" cy="3046988"/>
+            <a:ext cx="7686675" cy="3170099"/>
           </a:xfrm>
           <a:prstGeom prst="rect">
             <a:avLst/>
@@ -39163,30 +40393,28 @@
           <a:lstStyle/>
           <a:p>
             <a:r>
+              <a:rPr lang="ru-RU" sz="2400" dirty="0">
+                <a:solidFill>
+                  <a:srgbClr val="262636"/>
+                </a:solidFill>
+              </a:rPr>
+              <a:t>Так а что там с </a:t>
+            </a:r>
+            <a:r>
               <a:rPr lang="en-US" sz="2400" dirty="0">
                 <a:solidFill>
                   <a:srgbClr val="262636"/>
                 </a:solidFill>
               </a:rPr>
-              <a:t>3. </a:t>
-            </a:r>
-            <a:r>
-              <a:rPr lang="ru-RU" sz="2400" dirty="0">
-                <a:solidFill>
-                  <a:srgbClr val="262636"/>
-                </a:solidFill>
-              </a:rPr>
-              <a:t>Эффективный векторный формат хранения данных</a:t>
-            </a:r>
-          </a:p>
-          <a:p>
-            <a:r>
-              <a:rPr lang="ru-RU" sz="2400" dirty="0">
-                <a:solidFill>
-                  <a:srgbClr val="262636"/>
-                </a:solidFill>
-              </a:rPr>
-              <a:t>4. Поддержка паттерна </a:t>
+              <a:t>UI? </a:t>
+            </a:r>
+            <a:r>
+              <a:rPr lang="ru-RU" sz="2400" dirty="0">
+                <a:solidFill>
+                  <a:srgbClr val="262636"/>
+                </a:solidFill>
+              </a:rPr>
+              <a:t>Неужто страшненький </a:t>
             </a:r>
             <a:r>
               <a:rPr lang="en-US" sz="2400" dirty="0">
@@ -39194,35 +40422,41 @@
                   <a:srgbClr val="262636"/>
                 </a:solidFill>
               </a:rPr>
-              <a:t>MVVM</a:t>
-            </a:r>
-          </a:p>
-          <a:p>
+              <a:t>Dear </a:t>
+            </a:r>
+            <a:r>
+              <a:rPr lang="en-US" sz="2400" dirty="0" err="1">
+                <a:solidFill>
+                  <a:srgbClr val="262636"/>
+                </a:solidFill>
+              </a:rPr>
+              <a:t>ImGUI</a:t>
+            </a:r>
             <a:r>
               <a:rPr lang="en-US" sz="2400" dirty="0">
                 <a:solidFill>
                   <a:srgbClr val="262636"/>
                 </a:solidFill>
               </a:rPr>
-              <a:t>5. </a:t>
-            </a:r>
-            <a:r>
-              <a:rPr lang="ru-RU" sz="2400" dirty="0">
-                <a:solidFill>
-                  <a:schemeClr val="accent4">
-                    <a:lumMod val="75000"/>
-                  </a:schemeClr>
-                </a:solidFill>
-              </a:rPr>
-              <a:t>Найдено недостающее звено для эволюции дизайнеров в активных участников процесса разработки!</a:t>
-            </a:r>
-            <a:r>
-              <a:rPr lang="ru-RU" sz="2400" dirty="0">
-                <a:solidFill>
-                  <a:srgbClr val="262636"/>
-                </a:solidFill>
-              </a:rPr>
-              <a:t> Декларативный язык </a:t>
+              <a:t>?</a:t>
+            </a:r>
+          </a:p>
+          <a:p>
+            <a:r>
+              <a:rPr lang="ru-RU" sz="2400" dirty="0">
+                <a:solidFill>
+                  <a:srgbClr val="262636"/>
+                </a:solidFill>
+              </a:rPr>
+              <a:t>Есть! Пригодное для промышленного применения решение – </a:t>
+            </a:r>
+            <a:r>
+              <a:rPr lang="en-US" sz="2400" dirty="0" err="1">
+                <a:solidFill>
+                  <a:srgbClr val="262636"/>
+                </a:solidFill>
+              </a:rPr>
+              <a:t>NoesisGUI</a:t>
             </a:r>
             <a:r>
               <a:rPr lang="en-US" sz="2400" dirty="0">
@@ -39230,15 +40464,25 @@
                   <a:srgbClr val="262636"/>
                 </a:solidFill>
               </a:rPr>
-              <a:t>XAML </a:t>
-            </a:r>
-            <a:r>
-              <a:rPr lang="ru-RU" sz="2400" dirty="0">
-                <a:solidFill>
-                  <a:srgbClr val="262636"/>
-                </a:solidFill>
-              </a:rPr>
-              <a:t>для описания как </a:t>
+              <a:t>.</a:t>
+            </a:r>
+          </a:p>
+          <a:p>
+            <a:r>
+              <a:rPr lang="ru-RU" sz="2400" dirty="0">
+                <a:solidFill>
+                  <a:srgbClr val="262636"/>
+                </a:solidFill>
+              </a:rPr>
+              <a:t>1. В отличие от многих </a:t>
+            </a:r>
+            <a:r>
+              <a:rPr lang="en-US" sz="2400" dirty="0" err="1">
+                <a:solidFill>
+                  <a:srgbClr val="262636"/>
+                </a:solidFill>
+              </a:rPr>
+              <a:t>ImGUI</a:t>
             </a:r>
             <a:r>
               <a:rPr lang="en-US" sz="2400" dirty="0">
@@ -39246,23 +40490,58 @@
                   <a:srgbClr val="262636"/>
                 </a:solidFill>
               </a:rPr>
-              <a:t>UI </a:t>
-            </a:r>
-            <a:r>
-              <a:rPr lang="ru-RU" sz="2400" dirty="0">
-                <a:solidFill>
-                  <a:srgbClr val="262636"/>
-                </a:solidFill>
-              </a:rPr>
-              <a:t>целиком, так и отдельных компонентов.</a:t>
-            </a:r>
+              <a:t> </a:t>
+            </a:r>
+            <a:r>
+              <a:rPr lang="ru-RU" sz="2400" dirty="0">
+                <a:solidFill>
+                  <a:srgbClr val="262636"/>
+                </a:solidFill>
+              </a:rPr>
+              <a:t>фреймворков – позволяет без вопросов хранить данные между перерисовками. Почти как в </a:t>
+            </a:r>
+            <a:r>
+              <a:rPr lang="en-US" sz="2400" dirty="0">
+                <a:solidFill>
+                  <a:srgbClr val="262636"/>
+                </a:solidFill>
+              </a:rPr>
+              <a:t>Retained UI</a:t>
+            </a:r>
+            <a:endParaRPr lang="ru-RU" sz="2400" dirty="0">
+              <a:solidFill>
+                <a:srgbClr val="262636"/>
+              </a:solidFill>
+            </a:endParaRPr>
+          </a:p>
+          <a:p>
+            <a:endParaRPr lang="en-US" sz="1600" dirty="0">
+              <a:solidFill>
+                <a:schemeClr val="tx2">
+                  <a:lumMod val="60000"/>
+                  <a:lumOff val="40000"/>
+                </a:schemeClr>
+              </a:solidFill>
+              <a:latin typeface="Consolas" panose="020B0609020204030204" pitchFamily="49" charset="0"/>
+            </a:endParaRPr>
+          </a:p>
+          <a:p>
+            <a:endParaRPr lang="ru-RU" sz="1600" dirty="0">
+              <a:solidFill>
+                <a:schemeClr val="tx2">
+                  <a:lumMod val="60000"/>
+                  <a:lumOff val="40000"/>
+                </a:schemeClr>
+              </a:solidFill>
+              <a:latin typeface="Consolas" panose="020B0609020204030204" pitchFamily="49" charset="0"/>
+            </a:endParaRPr>
           </a:p>
         </p:txBody>
       </p:sp>
     </p:spTree>
     <p:extLst>
       <p:ext uri="{BB962C8B-B14F-4D97-AF65-F5344CB8AC3E}">
-        <p14:creationId xmlns:p14="http://schemas.microsoft.com/office/powerpoint/2010/main" val="47149007"/>
+        <p14:creationId xmlns:p14="http://schemas.microsoft.com/office/powerpoint/2010/main" val="1984563508"/>
       </p:ext>
     </p:extLst>
   </p:cSld>
@@ -39434,7 +40713,7 @@
         <p:spPr>
           <a:xfrm>
             <a:off x="1190625" y="1469836"/>
-            <a:ext cx="7686675" cy="3785652"/>
+            <a:ext cx="7686675" cy="4770537"/>
           </a:xfrm>
           <a:prstGeom prst="rect">
             <a:avLst/>
@@ -39448,30 +40727,28 @@
           <a:lstStyle/>
           <a:p>
             <a:r>
+              <a:rPr lang="ru-RU" sz="2400" dirty="0">
+                <a:solidFill>
+                  <a:srgbClr val="262636"/>
+                </a:solidFill>
+              </a:rPr>
+              <a:t>Так а что там с </a:t>
+            </a:r>
+            <a:r>
               <a:rPr lang="en-US" sz="2400" dirty="0">
                 <a:solidFill>
                   <a:srgbClr val="262636"/>
                 </a:solidFill>
               </a:rPr>
-              <a:t>3. </a:t>
-            </a:r>
-            <a:r>
-              <a:rPr lang="ru-RU" sz="2400" dirty="0">
-                <a:solidFill>
-                  <a:srgbClr val="262636"/>
-                </a:solidFill>
-              </a:rPr>
-              <a:t>Эффективный векторный формат хранения данных</a:t>
-            </a:r>
-          </a:p>
-          <a:p>
-            <a:r>
-              <a:rPr lang="ru-RU" sz="2400" dirty="0">
-                <a:solidFill>
-                  <a:srgbClr val="262636"/>
-                </a:solidFill>
-              </a:rPr>
-              <a:t>4. Поддержка паттерна </a:t>
+              <a:t>UI? </a:t>
+            </a:r>
+            <a:r>
+              <a:rPr lang="ru-RU" sz="2400" dirty="0">
+                <a:solidFill>
+                  <a:srgbClr val="262636"/>
+                </a:solidFill>
+              </a:rPr>
+              <a:t>Неужто страшненький </a:t>
             </a:r>
             <a:r>
               <a:rPr lang="en-US" sz="2400" dirty="0">
@@ -39479,35 +40756,41 @@
                   <a:srgbClr val="262636"/>
                 </a:solidFill>
               </a:rPr>
-              <a:t>MVVM</a:t>
-            </a:r>
-          </a:p>
-          <a:p>
+              <a:t>Dear </a:t>
+            </a:r>
+            <a:r>
+              <a:rPr lang="en-US" sz="2400" dirty="0" err="1">
+                <a:solidFill>
+                  <a:srgbClr val="262636"/>
+                </a:solidFill>
+              </a:rPr>
+              <a:t>ImGUI</a:t>
+            </a:r>
             <a:r>
               <a:rPr lang="en-US" sz="2400" dirty="0">
                 <a:solidFill>
                   <a:srgbClr val="262636"/>
                 </a:solidFill>
               </a:rPr>
-              <a:t>5. </a:t>
-            </a:r>
-            <a:r>
-              <a:rPr lang="ru-RU" sz="2400" dirty="0">
-                <a:solidFill>
-                  <a:schemeClr val="accent4">
-                    <a:lumMod val="75000"/>
-                  </a:schemeClr>
-                </a:solidFill>
-              </a:rPr>
-              <a:t>Найдено недостающее звено для эволюции дизайнеров в активных участников процесса разработки!</a:t>
-            </a:r>
-            <a:r>
-              <a:rPr lang="ru-RU" sz="2400" dirty="0">
-                <a:solidFill>
-                  <a:srgbClr val="262636"/>
-                </a:solidFill>
-              </a:rPr>
-              <a:t> Декларативный язык </a:t>
+              <a:t>?</a:t>
+            </a:r>
+          </a:p>
+          <a:p>
+            <a:r>
+              <a:rPr lang="ru-RU" sz="2400" dirty="0">
+                <a:solidFill>
+                  <a:srgbClr val="262636"/>
+                </a:solidFill>
+              </a:rPr>
+              <a:t>Есть! Пригодное для промышленного применения решение – </a:t>
+            </a:r>
+            <a:r>
+              <a:rPr lang="en-US" sz="2400" dirty="0" err="1">
+                <a:solidFill>
+                  <a:srgbClr val="262636"/>
+                </a:solidFill>
+              </a:rPr>
+              <a:t>NoesisGUI</a:t>
             </a:r>
             <a:r>
               <a:rPr lang="en-US" sz="2400" dirty="0">
@@ -39515,15 +40798,25 @@
                   <a:srgbClr val="262636"/>
                 </a:solidFill>
               </a:rPr>
-              <a:t>XAML </a:t>
-            </a:r>
-            <a:r>
-              <a:rPr lang="ru-RU" sz="2400" dirty="0">
-                <a:solidFill>
-                  <a:srgbClr val="262636"/>
-                </a:solidFill>
-              </a:rPr>
-              <a:t>для описания как </a:t>
+              <a:t>.</a:t>
+            </a:r>
+          </a:p>
+          <a:p>
+            <a:r>
+              <a:rPr lang="ru-RU" sz="2400" dirty="0">
+                <a:solidFill>
+                  <a:srgbClr val="262636"/>
+                </a:solidFill>
+              </a:rPr>
+              <a:t>1. В отличие от многих </a:t>
+            </a:r>
+            <a:r>
+              <a:rPr lang="en-US" sz="2400" dirty="0" err="1">
+                <a:solidFill>
+                  <a:srgbClr val="262636"/>
+                </a:solidFill>
+              </a:rPr>
+              <a:t>ImGUI</a:t>
             </a:r>
             <a:r>
               <a:rPr lang="en-US" sz="2400" dirty="0">
@@ -39531,52 +40824,92 @@
                   <a:srgbClr val="262636"/>
                 </a:solidFill>
               </a:rPr>
-              <a:t>UI </a:t>
-            </a:r>
-            <a:r>
-              <a:rPr lang="ru-RU" sz="2400" dirty="0">
-                <a:solidFill>
-                  <a:srgbClr val="262636"/>
-                </a:solidFill>
-              </a:rPr>
-              <a:t>целиком, так и отдельных компонентов.</a:t>
-            </a:r>
-          </a:p>
-          <a:p>
-            <a:r>
-              <a:rPr lang="ru-RU" sz="2400" dirty="0">
-                <a:solidFill>
-                  <a:srgbClr val="262636"/>
-                </a:solidFill>
-              </a:rPr>
-              <a:t>Лучший в своём классе редактор интерфейсов </a:t>
+              <a:t> </a:t>
+            </a:r>
+            <a:r>
+              <a:rPr lang="ru-RU" sz="2400" dirty="0">
+                <a:solidFill>
+                  <a:srgbClr val="262636"/>
+                </a:solidFill>
+              </a:rPr>
+              <a:t>фреймворков – позволяет без вопросов хранить данные между перерисовками. Почти как в </a:t>
             </a:r>
             <a:r>
               <a:rPr lang="en-US" sz="2400" dirty="0">
+                <a:solidFill>
+                  <a:srgbClr val="262636"/>
+                </a:solidFill>
+              </a:rPr>
+              <a:t>Retained UI</a:t>
+            </a:r>
+          </a:p>
+          <a:p>
+            <a:r>
+              <a:rPr lang="ru-RU" sz="2400" dirty="0">
+                <a:solidFill>
+                  <a:srgbClr val="262636"/>
+                </a:solidFill>
+              </a:rPr>
+              <a:t>2. Удобный и понятный механизм обработки событий. Обработаем выбор пункта списка:</a:t>
+            </a:r>
+          </a:p>
+          <a:p>
+            <a:r>
+              <a:rPr lang="ru-RU" sz="2400" dirty="0">
+                <a:solidFill>
+                  <a:srgbClr val="262636"/>
+                </a:solidFill>
+                <a:latin typeface="Consolas" panose="020B0609020204030204" pitchFamily="49" charset="0"/>
+              </a:rPr>
+              <a:t>	</a:t>
+            </a:r>
+            <a:r>
+              <a:rPr lang="en-US" sz="1600" dirty="0" err="1">
                 <a:solidFill>
                   <a:schemeClr val="tx2">
                     <a:lumMod val="60000"/>
                     <a:lumOff val="40000"/>
                   </a:schemeClr>
                 </a:solidFill>
-              </a:rPr>
-              <a:t>Microsoft Blend</a:t>
-            </a:r>
-            <a:r>
-              <a:rPr lang="en-US" sz="2400" dirty="0">
-                <a:solidFill>
-                  <a:srgbClr val="262636"/>
-                </a:solidFill>
-              </a:rPr>
-              <a:t> </a:t>
-            </a:r>
-            <a:r>
-              <a:rPr lang="ru-RU" sz="2400" dirty="0">
-                <a:solidFill>
-                  <a:srgbClr val="262636"/>
-                </a:solidFill>
-              </a:rPr>
-              <a:t>никого не оставит равнодушным.</a:t>
+                <a:latin typeface="Consolas" panose="020B0609020204030204" pitchFamily="49" charset="0"/>
+              </a:rPr>
+              <a:t>skin_combo_box</a:t>
+            </a:r>
+            <a:r>
+              <a:rPr lang="en-US" sz="1600" dirty="0">
+                <a:solidFill>
+                  <a:schemeClr val="tx2">
+                    <a:lumMod val="60000"/>
+                    <a:lumOff val="40000"/>
+                  </a:schemeClr>
+                </a:solidFill>
+                <a:latin typeface="Consolas" panose="020B0609020204030204" pitchFamily="49" charset="0"/>
+              </a:rPr>
+              <a:t>_-&gt;</a:t>
+            </a:r>
+            <a:r>
+              <a:rPr lang="en-US" sz="1600" dirty="0" err="1">
+                <a:solidFill>
+                  <a:schemeClr val="tx2">
+                    <a:lumMod val="60000"/>
+                    <a:lumOff val="40000"/>
+                  </a:schemeClr>
+                </a:solidFill>
+                <a:latin typeface="Consolas" panose="020B0609020204030204" pitchFamily="49" charset="0"/>
+              </a:rPr>
+              <a:t>SelectionChanged</a:t>
+            </a:r>
+            <a:r>
+              <a:rPr lang="en-US" sz="1600" dirty="0">
+                <a:solidFill>
+                  <a:schemeClr val="tx2">
+                    <a:lumMod val="60000"/>
+                    <a:lumOff val="40000"/>
+                  </a:schemeClr>
+                </a:solidFill>
+                <a:latin typeface="Consolas" panose="020B0609020204030204" pitchFamily="49" charset="0"/>
+              </a:rPr>
+              <a:t>() += [this]</a:t>
             </a:r>
             <a:endParaRPr lang="ru-RU" sz="1600" dirty="0">
               <a:solidFill>
@@ -39585,6 +40918,168 @@
                   <a:lumOff val="40000"/>
                 </a:schemeClr>
               </a:solidFill>
+              <a:latin typeface="Consolas" panose="020B0609020204030204" pitchFamily="49" charset="0"/>
+            </a:endParaRPr>
+          </a:p>
+          <a:p>
+            <a:r>
+              <a:rPr lang="ru-RU" sz="1600" dirty="0">
+                <a:solidFill>
+                  <a:schemeClr val="tx2">
+                    <a:lumMod val="60000"/>
+                    <a:lumOff val="40000"/>
+                  </a:schemeClr>
+                </a:solidFill>
+                <a:latin typeface="Consolas" panose="020B0609020204030204" pitchFamily="49" charset="0"/>
+              </a:rPr>
+              <a:t>	</a:t>
+            </a:r>
+            <a:r>
+              <a:rPr lang="en-US" sz="1600" dirty="0">
+                <a:solidFill>
+                  <a:schemeClr val="tx2">
+                    <a:lumMod val="60000"/>
+                    <a:lumOff val="40000"/>
+                  </a:schemeClr>
+                </a:solidFill>
+                <a:latin typeface="Consolas" panose="020B0609020204030204" pitchFamily="49" charset="0"/>
+              </a:rPr>
+              <a:t>(</a:t>
+            </a:r>
+            <a:r>
+              <a:rPr lang="en-US" sz="1600" dirty="0" err="1">
+                <a:solidFill>
+                  <a:schemeClr val="tx2">
+                    <a:lumMod val="60000"/>
+                    <a:lumOff val="40000"/>
+                  </a:schemeClr>
+                </a:solidFill>
+                <a:latin typeface="Consolas" panose="020B0609020204030204" pitchFamily="49" charset="0"/>
+              </a:rPr>
+              <a:t>BaseComponent</a:t>
+            </a:r>
+            <a:r>
+              <a:rPr lang="en-US" sz="1600" dirty="0">
+                <a:solidFill>
+                  <a:schemeClr val="tx2">
+                    <a:lumMod val="60000"/>
+                    <a:lumOff val="40000"/>
+                  </a:schemeClr>
+                </a:solidFill>
+                <a:latin typeface="Consolas" panose="020B0609020204030204" pitchFamily="49" charset="0"/>
+              </a:rPr>
+              <a:t>* </a:t>
+            </a:r>
+            <a:r>
+              <a:rPr lang="ru-RU" sz="1600" dirty="0">
+                <a:solidFill>
+                  <a:schemeClr val="tx2">
+                    <a:lumMod val="60000"/>
+                    <a:lumOff val="40000"/>
+                  </a:schemeClr>
+                </a:solidFill>
+                <a:latin typeface="Consolas" panose="020B0609020204030204" pitchFamily="49" charset="0"/>
+              </a:rPr>
+              <a:t>	</a:t>
+            </a:r>
+            <a:r>
+              <a:rPr lang="en-US" sz="1600" dirty="0">
+                <a:solidFill>
+                  <a:schemeClr val="tx2">
+                    <a:lumMod val="60000"/>
+                    <a:lumOff val="40000"/>
+                  </a:schemeClr>
+                </a:solidFill>
+                <a:latin typeface="Consolas" panose="020B0609020204030204" pitchFamily="49" charset="0"/>
+              </a:rPr>
+              <a:t>sender, const </a:t>
+            </a:r>
+            <a:r>
+              <a:rPr lang="en-US" sz="1600" dirty="0" err="1">
+                <a:solidFill>
+                  <a:schemeClr val="tx2">
+                    <a:lumMod val="60000"/>
+                    <a:lumOff val="40000"/>
+                  </a:schemeClr>
+                </a:solidFill>
+                <a:latin typeface="Consolas" panose="020B0609020204030204" pitchFamily="49" charset="0"/>
+              </a:rPr>
+              <a:t>SelectionChangedEventArgs</a:t>
+            </a:r>
+            <a:r>
+              <a:rPr lang="en-US" sz="1600" dirty="0">
+                <a:solidFill>
+                  <a:schemeClr val="tx2">
+                    <a:lumMod val="60000"/>
+                    <a:lumOff val="40000"/>
+                  </a:schemeClr>
+                </a:solidFill>
+                <a:latin typeface="Consolas" panose="020B0609020204030204" pitchFamily="49" charset="0"/>
+              </a:rPr>
+              <a:t>&amp; e) {</a:t>
+            </a:r>
+          </a:p>
+          <a:p>
+            <a:r>
+              <a:rPr lang="en-US" sz="1600" dirty="0">
+                <a:solidFill>
+                  <a:schemeClr val="tx2">
+                    <a:lumMod val="60000"/>
+                    <a:lumOff val="40000"/>
+                  </a:schemeClr>
+                </a:solidFill>
+                <a:latin typeface="Consolas" panose="020B0609020204030204" pitchFamily="49" charset="0"/>
+              </a:rPr>
+              <a:t>            </a:t>
+            </a:r>
+            <a:r>
+              <a:rPr lang="en-US" sz="1600" dirty="0" err="1">
+                <a:solidFill>
+                  <a:schemeClr val="tx2">
+                    <a:lumMod val="60000"/>
+                    <a:lumOff val="40000"/>
+                  </a:schemeClr>
+                </a:solidFill>
+                <a:latin typeface="Consolas" panose="020B0609020204030204" pitchFamily="49" charset="0"/>
+              </a:rPr>
+              <a:t>OnSkinSelected</a:t>
+            </a:r>
+            <a:r>
+              <a:rPr lang="en-US" sz="1600" dirty="0">
+                <a:solidFill>
+                  <a:schemeClr val="tx2">
+                    <a:lumMod val="60000"/>
+                    <a:lumOff val="40000"/>
+                  </a:schemeClr>
+                </a:solidFill>
+                <a:latin typeface="Consolas" panose="020B0609020204030204" pitchFamily="49" charset="0"/>
+              </a:rPr>
+              <a:t>(sender, e);</a:t>
+            </a:r>
+          </a:p>
+          <a:p>
+            <a:r>
+              <a:rPr lang="en-US" sz="1600" dirty="0">
+                <a:solidFill>
+                  <a:schemeClr val="tx2">
+                    <a:lumMod val="60000"/>
+                    <a:lumOff val="40000"/>
+                  </a:schemeClr>
+                </a:solidFill>
+                <a:latin typeface="Consolas" panose="020B0609020204030204" pitchFamily="49" charset="0"/>
+              </a:rPr>
+              <a:t>    };</a:t>
+            </a:r>
+          </a:p>
+          <a:p>
+            <a:endParaRPr lang="ru-RU" sz="1600" dirty="0">
+              <a:solidFill>
+                <a:schemeClr val="tx2">
+                  <a:lumMod val="60000"/>
+                  <a:lumOff val="40000"/>
+                </a:schemeClr>
+              </a:solidFill>
+              <a:latin typeface="Consolas" panose="020B0609020204030204" pitchFamily="49" charset="0"/>
             </a:endParaRPr>
           </a:p>
         </p:txBody>
@@ -39592,7 +41087,7 @@
     </p:spTree>
     <p:extLst>
       <p:ext uri="{BB962C8B-B14F-4D97-AF65-F5344CB8AC3E}">
-        <p14:creationId xmlns:p14="http://schemas.microsoft.com/office/powerpoint/2010/main" val="519807009"/>
+        <p14:creationId xmlns:p14="http://schemas.microsoft.com/office/powerpoint/2010/main" val="4035178417"/>
       </p:ext>
     </p:extLst>
   </p:cSld>
@@ -39778,12 +41273,20 @@
           <a:lstStyle/>
           <a:p>
             <a:r>
-              <a:rPr lang="ru-RU" sz="2400" dirty="0">
-                <a:solidFill>
-                  <a:srgbClr val="262636"/>
-                </a:solidFill>
-              </a:rPr>
-              <a:t>Визуальное редактирование + текстовый редактор</a:t>
+              <a:rPr lang="en-US" sz="2400" dirty="0">
+                <a:solidFill>
+                  <a:srgbClr val="262636"/>
+                </a:solidFill>
+              </a:rPr>
+              <a:t>3. </a:t>
+            </a:r>
+            <a:r>
+              <a:rPr lang="ru-RU" sz="2400" dirty="0">
+                <a:solidFill>
+                  <a:srgbClr val="262636"/>
+                </a:solidFill>
+              </a:rPr>
+              <a:t>Эффективный векторный формат хранения данных</a:t>
             </a:r>
             <a:endParaRPr lang="ru-RU" sz="1600" dirty="0">
               <a:solidFill>
@@ -39796,46 +41299,10 @@
           </a:p>
         </p:txBody>
       </p:sp>
-      <p:pic>
-        <p:nvPicPr>
-          <p:cNvPr id="6" name="Рисунок 5" descr="Изображение выглядит как текст, компьютер, монитор, черный&#10;&#10;Автоматически созданное описание">
-            <a:extLst>
-              <a:ext uri="{FF2B5EF4-FFF2-40B4-BE49-F238E27FC236}">
-                <a16:creationId xmlns:a16="http://schemas.microsoft.com/office/drawing/2014/main" id="{F2F430FB-70EB-4F56-AF3C-197576FA2C2C}"/>
-              </a:ext>
-            </a:extLst>
-          </p:cNvPr>
-          <p:cNvPicPr>
-            <a:picLocks noChangeAspect="1"/>
-          </p:cNvPicPr>
-          <p:nvPr/>
-        </p:nvPicPr>
-        <p:blipFill>
-          <a:blip r:embed="rId2">
-            <a:extLst>
-              <a:ext uri="{28A0092B-C50C-407E-A947-70E740481C1C}">
-                <a14:useLocalDpi xmlns:a14="http://schemas.microsoft.com/office/drawing/2010/main" val="0"/>
-              </a:ext>
-            </a:extLst>
-          </a:blip>
-          <a:stretch>
-            <a:fillRect/>
-          </a:stretch>
-        </p:blipFill>
-        <p:spPr>
-          <a:xfrm>
-            <a:off x="3411006" y="1962072"/>
-            <a:ext cx="5732994" cy="3426092"/>
-          </a:xfrm>
-          <a:prstGeom prst="rect">
-            <a:avLst/>
-          </a:prstGeom>
-        </p:spPr>
-      </p:pic>
     </p:spTree>
     <p:extLst>
       <p:ext uri="{BB962C8B-B14F-4D97-AF65-F5344CB8AC3E}">
-        <p14:creationId xmlns:p14="http://schemas.microsoft.com/office/powerpoint/2010/main" val="3341643827"/>
+        <p14:creationId xmlns:p14="http://schemas.microsoft.com/office/powerpoint/2010/main" val="2858537356"/>
       </p:ext>
     </p:extLst>
   </p:cSld>
@@ -40007,7 +41474,7 @@
         <p:spPr>
           <a:xfrm>
             <a:off x="1190625" y="1469836"/>
-            <a:ext cx="7686675" cy="4893647"/>
+            <a:ext cx="7686675" cy="1200329"/>
           </a:xfrm>
           <a:prstGeom prst="rect">
             <a:avLst/>
@@ -40021,187 +41488,46 @@
           <a:lstStyle/>
           <a:p>
             <a:r>
-              <a:rPr lang="ru-RU" sz="2400" dirty="0">
-                <a:solidFill>
-                  <a:srgbClr val="262636"/>
-                </a:solidFill>
-              </a:rPr>
-              <a:t>Визуальное редактирование + текстовый редактор</a:t>
-            </a:r>
-            <a:endParaRPr lang="en-US" sz="2400" dirty="0">
-              <a:solidFill>
-                <a:srgbClr val="262636"/>
-              </a:solidFill>
-            </a:endParaRPr>
-          </a:p>
-          <a:p>
-            <a:endParaRPr lang="en-US" sz="2400" dirty="0">
-              <a:solidFill>
-                <a:srgbClr val="262636"/>
-              </a:solidFill>
-            </a:endParaRPr>
-          </a:p>
-          <a:p>
-            <a:endParaRPr lang="en-US" sz="2400" dirty="0">
-              <a:solidFill>
-                <a:srgbClr val="262636"/>
-              </a:solidFill>
-            </a:endParaRPr>
-          </a:p>
-          <a:p>
-            <a:endParaRPr lang="en-US" sz="2400" dirty="0">
-              <a:solidFill>
-                <a:srgbClr val="262636"/>
-              </a:solidFill>
-            </a:endParaRPr>
-          </a:p>
-          <a:p>
-            <a:endParaRPr lang="en-US" sz="2400" dirty="0">
-              <a:solidFill>
-                <a:srgbClr val="262636"/>
-              </a:solidFill>
-            </a:endParaRPr>
-          </a:p>
-          <a:p>
-            <a:endParaRPr lang="en-US" sz="2400" dirty="0">
-              <a:solidFill>
-                <a:srgbClr val="262636"/>
-              </a:solidFill>
-            </a:endParaRPr>
-          </a:p>
-          <a:p>
-            <a:endParaRPr lang="en-US" sz="2400" dirty="0">
-              <a:solidFill>
-                <a:srgbClr val="262636"/>
-              </a:solidFill>
-            </a:endParaRPr>
-          </a:p>
-          <a:p>
-            <a:endParaRPr lang="en-US" sz="2400" dirty="0">
-              <a:solidFill>
-                <a:srgbClr val="262636"/>
-              </a:solidFill>
-            </a:endParaRPr>
-          </a:p>
-          <a:p>
-            <a:endParaRPr lang="en-US" sz="2400" dirty="0">
-              <a:solidFill>
-                <a:srgbClr val="262636"/>
-              </a:solidFill>
-            </a:endParaRPr>
-          </a:p>
-          <a:p>
-            <a:endParaRPr lang="en-US" sz="2400" dirty="0">
-              <a:solidFill>
-                <a:srgbClr val="262636"/>
-              </a:solidFill>
-            </a:endParaRPr>
-          </a:p>
-          <a:p>
-            <a:endParaRPr lang="en-US" sz="2400" dirty="0">
-              <a:solidFill>
-                <a:srgbClr val="262636"/>
-              </a:solidFill>
-            </a:endParaRPr>
-          </a:p>
-          <a:p>
-            <a:r>
               <a:rPr lang="en-US" sz="2400" dirty="0">
                 <a:solidFill>
                   <a:srgbClr val="262636"/>
                 </a:solidFill>
               </a:rPr>
-              <a:t>					</a:t>
-            </a:r>
-            <a:r>
-              <a:rPr lang="ru-RU" sz="2400" dirty="0">
-                <a:solidFill>
-                  <a:srgbClr val="262636"/>
-                </a:solidFill>
-              </a:rPr>
-              <a:t>Богатый набор компонентов</a:t>
-            </a:r>
-            <a:endParaRPr lang="ru-RU" sz="1600" dirty="0">
-              <a:solidFill>
-                <a:schemeClr val="tx2">
-                  <a:lumMod val="60000"/>
-                  <a:lumOff val="40000"/>
-                </a:schemeClr>
-              </a:solidFill>
-            </a:endParaRPr>
+              <a:t>3. </a:t>
+            </a:r>
+            <a:r>
+              <a:rPr lang="ru-RU" sz="2400" dirty="0">
+                <a:solidFill>
+                  <a:srgbClr val="262636"/>
+                </a:solidFill>
+              </a:rPr>
+              <a:t>Эффективный векторный формат хранения данных</a:t>
+            </a:r>
+          </a:p>
+          <a:p>
+            <a:r>
+              <a:rPr lang="ru-RU" sz="2400" dirty="0">
+                <a:solidFill>
+                  <a:srgbClr val="262636"/>
+                </a:solidFill>
+              </a:rPr>
+              <a:t>4. Поддержка паттерна </a:t>
+            </a:r>
+            <a:r>
+              <a:rPr lang="en-US" sz="2400" dirty="0">
+                <a:solidFill>
+                  <a:srgbClr val="262636"/>
+                </a:solidFill>
+              </a:rPr>
+              <a:t>MVVM</a:t>
+            </a:r>
           </a:p>
         </p:txBody>
       </p:sp>
-      <p:pic>
-        <p:nvPicPr>
-          <p:cNvPr id="6" name="Рисунок 5" descr="Изображение выглядит как текст, компьютер, монитор, черный&#10;&#10;Автоматически созданное описание">
-            <a:extLst>
-              <a:ext uri="{FF2B5EF4-FFF2-40B4-BE49-F238E27FC236}">
-                <a16:creationId xmlns:a16="http://schemas.microsoft.com/office/drawing/2014/main" id="{F2F430FB-70EB-4F56-AF3C-197576FA2C2C}"/>
-              </a:ext>
-            </a:extLst>
-          </p:cNvPr>
-          <p:cNvPicPr>
-            <a:picLocks noChangeAspect="1"/>
-          </p:cNvPicPr>
-          <p:nvPr/>
-        </p:nvPicPr>
-        <p:blipFill>
-          <a:blip r:embed="rId2">
-            <a:extLst>
-              <a:ext uri="{28A0092B-C50C-407E-A947-70E740481C1C}">
-                <a14:useLocalDpi xmlns:a14="http://schemas.microsoft.com/office/drawing/2010/main" val="0"/>
-              </a:ext>
-            </a:extLst>
-          </a:blip>
-          <a:stretch>
-            <a:fillRect/>
-          </a:stretch>
-        </p:blipFill>
-        <p:spPr>
-          <a:xfrm>
-            <a:off x="3411006" y="1962072"/>
-            <a:ext cx="5732994" cy="3426092"/>
-          </a:xfrm>
-          <a:prstGeom prst="rect">
-            <a:avLst/>
-          </a:prstGeom>
-        </p:spPr>
-      </p:pic>
-      <p:pic>
-        <p:nvPicPr>
-          <p:cNvPr id="4" name="Рисунок 3">
-            <a:extLst>
-              <a:ext uri="{FF2B5EF4-FFF2-40B4-BE49-F238E27FC236}">
-                <a16:creationId xmlns:a16="http://schemas.microsoft.com/office/drawing/2014/main" id="{58FBE556-5F76-407E-A245-20970DBE3615}"/>
-              </a:ext>
-            </a:extLst>
-          </p:cNvPr>
-          <p:cNvPicPr>
-            <a:picLocks noChangeAspect="1"/>
-          </p:cNvPicPr>
-          <p:nvPr/>
-        </p:nvPicPr>
-        <p:blipFill>
-          <a:blip r:embed="rId3"/>
-          <a:stretch>
-            <a:fillRect/>
-          </a:stretch>
-        </p:blipFill>
-        <p:spPr>
-          <a:xfrm>
-            <a:off x="1003634" y="2416402"/>
-            <a:ext cx="2324100" cy="4333875"/>
-          </a:xfrm>
-          <a:prstGeom prst="rect">
-            <a:avLst/>
-          </a:prstGeom>
-        </p:spPr>
-      </p:pic>
     </p:spTree>
     <p:extLst>
       <p:ext uri="{BB962C8B-B14F-4D97-AF65-F5344CB8AC3E}">
-        <p14:creationId xmlns:p14="http://schemas.microsoft.com/office/powerpoint/2010/main" val="2545427811"/>
+        <p14:creationId xmlns:p14="http://schemas.microsoft.com/office/powerpoint/2010/main" val="1411873525"/>
       </p:ext>
     </p:extLst>
   </p:cSld>
@@ -40373,7 +41699,7 @@
         <p:spPr>
           <a:xfrm>
             <a:off x="1190625" y="1469836"/>
-            <a:ext cx="7686675" cy="1938992"/>
+            <a:ext cx="7686675" cy="3046988"/>
           </a:xfrm>
           <a:prstGeom prst="rect">
             <a:avLst/>
@@ -40387,36 +41713,30 @@
           <a:lstStyle/>
           <a:p>
             <a:r>
-              <a:rPr lang="ru-RU" sz="2400" dirty="0">
-                <a:solidFill>
-                  <a:srgbClr val="262636"/>
-                </a:solidFill>
-              </a:rPr>
-              <a:t>А ещё </a:t>
-            </a:r>
-            <a:r>
-              <a:rPr lang="en-US" sz="2400" dirty="0" err="1">
-                <a:solidFill>
-                  <a:srgbClr val="262636"/>
-                </a:solidFill>
-              </a:rPr>
-              <a:t>NoesisGUI</a:t>
-            </a:r>
-            <a:r>
               <a:rPr lang="en-US" sz="2400" dirty="0">
                 <a:solidFill>
                   <a:srgbClr val="262636"/>
                 </a:solidFill>
               </a:rPr>
-              <a:t> – </a:t>
-            </a:r>
-            <a:r>
-              <a:rPr lang="ru-RU" sz="2400" dirty="0">
-                <a:solidFill>
-                  <a:srgbClr val="262636"/>
-                </a:solidFill>
-              </a:rPr>
-              <a:t>это проверенное боевое решение, и легко встраивается во всё, что только можно</a:t>
+              <a:t>3. </a:t>
+            </a:r>
+            <a:r>
+              <a:rPr lang="ru-RU" sz="2400" dirty="0">
+                <a:solidFill>
+                  <a:srgbClr val="262636"/>
+                </a:solidFill>
+              </a:rPr>
+              <a:t>Эффективный векторный формат хранения данных</a:t>
+            </a:r>
+          </a:p>
+          <a:p>
+            <a:r>
+              <a:rPr lang="ru-RU" sz="2400" dirty="0">
+                <a:solidFill>
+                  <a:srgbClr val="262636"/>
+                </a:solidFill>
+              </a:rPr>
+              <a:t>4. Поддержка паттерна </a:t>
             </a:r>
             <a:r>
               <a:rPr lang="en-US" sz="2400" dirty="0">
@@ -40424,38 +41744,75 @@
                   <a:srgbClr val="262636"/>
                 </a:solidFill>
               </a:rPr>
-              <a:t>. OpenGL, DirectX, </a:t>
-            </a:r>
-            <a:r>
-              <a:rPr lang="ru-RU" sz="2400" dirty="0">
-                <a:solidFill>
-                  <a:srgbClr val="262636"/>
-                </a:solidFill>
-              </a:rPr>
-              <a:t>всевозможные игровые движки</a:t>
-            </a:r>
+              <a:t>MVVM</a:t>
+            </a:r>
+          </a:p>
+          <a:p>
             <a:r>
               <a:rPr lang="en-US" sz="2400" dirty="0">
                 <a:solidFill>
                   <a:srgbClr val="262636"/>
                 </a:solidFill>
               </a:rPr>
-              <a:t>…</a:t>
-            </a:r>
-          </a:p>
-          <a:p>
-            <a:endParaRPr lang="ru-RU" sz="2400" dirty="0">
-              <a:solidFill>
-                <a:srgbClr val="262636"/>
-              </a:solidFill>
-            </a:endParaRPr>
+              <a:t>5. </a:t>
+            </a:r>
+            <a:r>
+              <a:rPr lang="ru-RU" sz="2400" dirty="0">
+                <a:solidFill>
+                  <a:schemeClr val="accent4">
+                    <a:lumMod val="75000"/>
+                  </a:schemeClr>
+                </a:solidFill>
+              </a:rPr>
+              <a:t>Найдено недостающее звено для эволюции дизайнеров в активных участников процесса разработки!</a:t>
+            </a:r>
+            <a:r>
+              <a:rPr lang="ru-RU" sz="2400" dirty="0">
+                <a:solidFill>
+                  <a:srgbClr val="262636"/>
+                </a:solidFill>
+              </a:rPr>
+              <a:t> Декларативный язык </a:t>
+            </a:r>
+            <a:r>
+              <a:rPr lang="en-US" sz="2400" dirty="0">
+                <a:solidFill>
+                  <a:srgbClr val="262636"/>
+                </a:solidFill>
+              </a:rPr>
+              <a:t>XAML </a:t>
+            </a:r>
+            <a:r>
+              <a:rPr lang="ru-RU" sz="2400" dirty="0">
+                <a:solidFill>
+                  <a:srgbClr val="262636"/>
+                </a:solidFill>
+              </a:rPr>
+              <a:t>для описания как </a:t>
+            </a:r>
+            <a:r>
+              <a:rPr lang="en-US" sz="2400" dirty="0">
+                <a:solidFill>
+                  <a:srgbClr val="262636"/>
+                </a:solidFill>
+              </a:rPr>
+              <a:t>UI </a:t>
+            </a:r>
+            <a:r>
+              <a:rPr lang="ru-RU" sz="2400" dirty="0">
+                <a:solidFill>
+                  <a:srgbClr val="262636"/>
+                </a:solidFill>
+              </a:rPr>
+              <a:t>целиком, так и отдельных компонентов.</a:t>
+            </a:r>
           </a:p>
         </p:txBody>
       </p:sp>
     </p:spTree>
     <p:extLst>
       <p:ext uri="{BB962C8B-B14F-4D97-AF65-F5344CB8AC3E}">
-        <p14:creationId xmlns:p14="http://schemas.microsoft.com/office/powerpoint/2010/main" val="540583679"/>
+        <p14:creationId xmlns:p14="http://schemas.microsoft.com/office/powerpoint/2010/main" val="47149007"/>
       </p:ext>
     </p:extLst>
   </p:cSld>
@@ -40511,15 +41868,22 @@
               </a:spcBef>
             </a:pPr>
             <a:r>
-              <a:rPr lang="ru-RU" sz="3600" b="1" dirty="0">
+              <a:rPr lang="en-US" sz="3600" b="1" dirty="0" err="1">
                 <a:solidFill>
                   <a:schemeClr val="tx2">
                     <a:lumMod val="75000"/>
                   </a:schemeClr>
                 </a:solidFill>
               </a:rPr>
-              <a:t>Результаты</a:t>
-            </a:r>
+              <a:t>NoesisGUI</a:t>
+            </a:r>
+            <a:endParaRPr lang="ru-RU" sz="3600" b="1" dirty="0">
+              <a:solidFill>
+                <a:schemeClr val="tx2">
+                  <a:lumMod val="75000"/>
+                </a:schemeClr>
+              </a:solidFill>
+            </a:endParaRPr>
           </a:p>
         </p:txBody>
       </p:sp>
@@ -40620,7 +41984,7 @@
         <p:spPr>
           <a:xfrm>
             <a:off x="1190625" y="1469836"/>
-            <a:ext cx="7686675" cy="1200329"/>
+            <a:ext cx="7686675" cy="3785652"/>
           </a:xfrm>
           <a:prstGeom prst="rect">
             <a:avLst/>
@@ -40634,19 +41998,126 @@
           <a:lstStyle/>
           <a:p>
             <a:r>
-              <a:rPr lang="ru-RU" sz="2400" dirty="0">
-                <a:solidFill>
-                  <a:srgbClr val="262636"/>
-                </a:solidFill>
-              </a:rPr>
-              <a:t>Сочетая архитектурные</a:t>
-            </a:r>
-            <a:r>
               <a:rPr lang="en-US" sz="2400" dirty="0">
                 <a:solidFill>
                   <a:srgbClr val="262636"/>
                 </a:solidFill>
               </a:rPr>
+              <a:t>3. </a:t>
+            </a:r>
+            <a:r>
+              <a:rPr lang="ru-RU" sz="2400" dirty="0">
+                <a:solidFill>
+                  <a:srgbClr val="262636"/>
+                </a:solidFill>
+              </a:rPr>
+              <a:t>Эффективный векторный формат хранения данных</a:t>
+            </a:r>
+          </a:p>
+          <a:p>
+            <a:r>
+              <a:rPr lang="ru-RU" sz="2400" dirty="0">
+                <a:solidFill>
+                  <a:srgbClr val="262636"/>
+                </a:solidFill>
+              </a:rPr>
+              <a:t>4. Поддержка паттерна </a:t>
+            </a:r>
+            <a:r>
+              <a:rPr lang="en-US" sz="2400" dirty="0">
+                <a:solidFill>
+                  <a:srgbClr val="262636"/>
+                </a:solidFill>
+              </a:rPr>
+              <a:t>MVVM</a:t>
+            </a:r>
+          </a:p>
+          <a:p>
+            <a:r>
+              <a:rPr lang="en-US" sz="2400" dirty="0">
+                <a:solidFill>
+                  <a:srgbClr val="262636"/>
+                </a:solidFill>
+              </a:rPr>
+              <a:t>5. </a:t>
+            </a:r>
+            <a:r>
+              <a:rPr lang="ru-RU" sz="2400" dirty="0">
+                <a:solidFill>
+                  <a:schemeClr val="accent4">
+                    <a:lumMod val="75000"/>
+                  </a:schemeClr>
+                </a:solidFill>
+              </a:rPr>
+              <a:t>Найдено недостающее звено для эволюции дизайнеров в активных участников процесса разработки!</a:t>
+            </a:r>
+            <a:r>
+              <a:rPr lang="ru-RU" sz="2400" dirty="0">
+                <a:solidFill>
+                  <a:srgbClr val="262636"/>
+                </a:solidFill>
+              </a:rPr>
+              <a:t> Декларативный язык </a:t>
+            </a:r>
+            <a:r>
+              <a:rPr lang="en-US" sz="2400" dirty="0">
+                <a:solidFill>
+                  <a:srgbClr val="262636"/>
+                </a:solidFill>
+              </a:rPr>
+              <a:t>XAML </a:t>
+            </a:r>
+            <a:r>
+              <a:rPr lang="ru-RU" sz="2400" dirty="0">
+                <a:solidFill>
+                  <a:srgbClr val="262636"/>
+                </a:solidFill>
+              </a:rPr>
+              <a:t>для описания как </a:t>
+            </a:r>
+            <a:r>
+              <a:rPr lang="en-US" sz="2400" dirty="0">
+                <a:solidFill>
+                  <a:srgbClr val="262636"/>
+                </a:solidFill>
+              </a:rPr>
+              <a:t>UI </a:t>
+            </a:r>
+            <a:r>
+              <a:rPr lang="ru-RU" sz="2400" dirty="0">
+                <a:solidFill>
+                  <a:srgbClr val="262636"/>
+                </a:solidFill>
+              </a:rPr>
+              <a:t>целиком, так и отдельных компонентов.</a:t>
+            </a:r>
+          </a:p>
+          <a:p>
+            <a:r>
+              <a:rPr lang="ru-RU" sz="2400" dirty="0">
+                <a:solidFill>
+                  <a:srgbClr val="262636"/>
+                </a:solidFill>
+              </a:rPr>
+              <a:t>Лучший в своём классе редактор интерфейсов </a:t>
+            </a:r>
+            <a:r>
+              <a:rPr lang="en-US" sz="2400" dirty="0">
+                <a:solidFill>
+                  <a:schemeClr val="tx2">
+                    <a:lumMod val="60000"/>
+                    <a:lumOff val="40000"/>
+                  </a:schemeClr>
+                </a:solidFill>
+              </a:rPr>
+              <a:t>Microsoft Blend</a:t>
+            </a:r>
+            <a:r>
+              <a:rPr lang="en-US" sz="2400" dirty="0">
+                <a:solidFill>
+                  <a:srgbClr val="262636"/>
+                </a:solidFill>
+              </a:rPr>
               <a:t> </a:t>
             </a:r>
             <a:r>
@@ -40655,93 +42126,23 @@
                   <a:srgbClr val="262636"/>
                 </a:solidFill>
               </a:rPr>
-              <a:t>приёмы, и используя библиотеки </a:t>
-            </a:r>
-            <a:r>
-              <a:rPr lang="en-US" sz="2400" dirty="0" err="1">
-                <a:solidFill>
-                  <a:srgbClr val="262636"/>
-                </a:solidFill>
-              </a:rPr>
-              <a:t>NoesisGUI</a:t>
-            </a:r>
-            <a:r>
-              <a:rPr lang="en-US" sz="2400" dirty="0">
-                <a:solidFill>
-                  <a:srgbClr val="262636"/>
-                </a:solidFill>
-              </a:rPr>
-              <a:t> </a:t>
-            </a:r>
-            <a:r>
-              <a:rPr lang="ru-RU" sz="2400" dirty="0">
-                <a:solidFill>
-                  <a:srgbClr val="262636"/>
-                </a:solidFill>
-              </a:rPr>
-              <a:t>и </a:t>
-            </a:r>
-            <a:r>
-              <a:rPr lang="en-US" sz="2400" dirty="0" err="1">
-                <a:solidFill>
-                  <a:srgbClr val="262636"/>
-                </a:solidFill>
-              </a:rPr>
-              <a:t>tirx</a:t>
-            </a:r>
-            <a:r>
-              <a:rPr lang="ru-RU" sz="2400" dirty="0">
-                <a:solidFill>
-                  <a:srgbClr val="262636"/>
-                </a:solidFill>
-              </a:rPr>
-              <a:t>, удалось на скорую руку сделать </a:t>
-            </a:r>
-            <a:r>
-              <a:rPr lang="en-US" sz="2400" dirty="0">
-                <a:solidFill>
-                  <a:srgbClr val="262636"/>
-                </a:solidFill>
-              </a:rPr>
-              <a:t>Proof-Of-Concept</a:t>
-            </a:r>
+              <a:t>никого не оставит равнодушным.</a:t>
+            </a:r>
+            <a:endParaRPr lang="ru-RU" sz="1600" dirty="0">
+              <a:solidFill>
+                <a:schemeClr val="tx2">
+                  <a:lumMod val="60000"/>
+                  <a:lumOff val="40000"/>
+                </a:schemeClr>
+              </a:solidFill>
+            </a:endParaRPr>
           </a:p>
         </p:txBody>
       </p:sp>
-      <p:pic>
-        <p:nvPicPr>
-          <p:cNvPr id="6" name="Рисунок 5">
-            <a:extLst>
-              <a:ext uri="{FF2B5EF4-FFF2-40B4-BE49-F238E27FC236}">
-                <a16:creationId xmlns:a16="http://schemas.microsoft.com/office/drawing/2014/main" id="{BD949412-CDEF-4E61-BEA2-9FF29373CCDC}"/>
-              </a:ext>
-            </a:extLst>
-          </p:cNvPr>
-          <p:cNvPicPr>
-            <a:picLocks noChangeAspect="1"/>
-          </p:cNvPicPr>
-          <p:nvPr/>
-        </p:nvPicPr>
-        <p:blipFill>
-          <a:blip r:embed="rId2"/>
-          <a:stretch>
-            <a:fillRect/>
-          </a:stretch>
-        </p:blipFill>
-        <p:spPr>
-          <a:xfrm>
-            <a:off x="4303101" y="2670164"/>
-            <a:ext cx="4707549" cy="3635385"/>
-          </a:xfrm>
-          <a:prstGeom prst="rect">
-            <a:avLst/>
-          </a:prstGeom>
-        </p:spPr>
-      </p:pic>
     </p:spTree>
     <p:extLst>
       <p:ext uri="{BB962C8B-B14F-4D97-AF65-F5344CB8AC3E}">
-        <p14:creationId xmlns:p14="http://schemas.microsoft.com/office/powerpoint/2010/main" val="2467529715"/>
+        <p14:creationId xmlns:p14="http://schemas.microsoft.com/office/powerpoint/2010/main" val="519807009"/>
       </p:ext>
     </p:extLst>
   </p:cSld>
@@ -40797,15 +42198,22 @@
               </a:spcBef>
             </a:pPr>
             <a:r>
-              <a:rPr lang="ru-RU" sz="3600" b="1" dirty="0">
+              <a:rPr lang="en-US" sz="3600" b="1" dirty="0" err="1">
                 <a:solidFill>
                   <a:schemeClr val="tx2">
                     <a:lumMod val="75000"/>
                   </a:schemeClr>
                 </a:solidFill>
               </a:rPr>
-              <a:t>Результаты</a:t>
-            </a:r>
+              <a:t>NoesisGUI</a:t>
+            </a:r>
+            <a:endParaRPr lang="ru-RU" sz="3600" b="1" dirty="0">
+              <a:solidFill>
+                <a:schemeClr val="tx2">
+                  <a:lumMod val="75000"/>
+                </a:schemeClr>
+              </a:solidFill>
+            </a:endParaRPr>
           </a:p>
         </p:txBody>
       </p:sp>
@@ -40906,7 +42314,7 @@
         <p:spPr>
           <a:xfrm>
             <a:off x="1190625" y="1469836"/>
-            <a:ext cx="7686675" cy="1569660"/>
+            <a:ext cx="7686675" cy="830997"/>
           </a:xfrm>
           <a:prstGeom prst="rect">
             <a:avLst/>
@@ -40925,83 +42333,59 @@
                   <a:srgbClr val="262636"/>
                 </a:solidFill>
               </a:rPr>
-              <a:t>Приложение рисует снимок карты, простой </a:t>
-            </a:r>
-            <a:r>
-              <a:rPr lang="en-US" sz="2400" dirty="0">
-                <a:solidFill>
-                  <a:srgbClr val="262636"/>
-                </a:solidFill>
-              </a:rPr>
-              <a:t>UI,</a:t>
-            </a:r>
-            <a:r>
-              <a:rPr lang="ru-RU" sz="2400" dirty="0">
-                <a:solidFill>
-                  <a:srgbClr val="262636"/>
-                </a:solidFill>
-              </a:rPr>
-              <a:t> и демонстрирует некоторые возможности </a:t>
-            </a:r>
-            <a:r>
-              <a:rPr lang="en-US" sz="2400" dirty="0" err="1">
-                <a:solidFill>
-                  <a:srgbClr val="262636"/>
-                </a:solidFill>
-              </a:rPr>
-              <a:t>tirx</a:t>
-            </a:r>
-            <a:r>
-              <a:rPr lang="en-US" sz="2400" dirty="0">
-                <a:solidFill>
-                  <a:srgbClr val="262636"/>
-                </a:solidFill>
-              </a:rPr>
-              <a:t> </a:t>
-            </a:r>
-            <a:r>
-              <a:rPr lang="ru-RU" sz="2400" dirty="0">
-                <a:solidFill>
-                  <a:srgbClr val="262636"/>
-                </a:solidFill>
-              </a:rPr>
-              <a:t>и </a:t>
-            </a:r>
-            <a:r>
-              <a:rPr lang="en-US" sz="2400" dirty="0" err="1">
-                <a:solidFill>
-                  <a:srgbClr val="262636"/>
-                </a:solidFill>
-              </a:rPr>
-              <a:t>NoesisGUI</a:t>
-            </a:r>
-            <a:r>
-              <a:rPr lang="en-US" sz="2400" dirty="0">
-                <a:solidFill>
-                  <a:srgbClr val="262636"/>
-                </a:solidFill>
-              </a:rPr>
-              <a:t>:</a:t>
-            </a:r>
-            <a:endParaRPr lang="ru-RU" sz="2400" dirty="0">
+              <a:t>Визуальное редактирование + текстовый редактор</a:t>
+            </a:r>
+            <a:endParaRPr lang="ru-RU" sz="1600" dirty="0">
               <a:solidFill>
-                <a:srgbClr val="262636"/>
+                <a:schemeClr val="tx2">
+                  <a:lumMod val="60000"/>
+                  <a:lumOff val="40000"/>
+                </a:schemeClr>
               </a:solidFill>
             </a:endParaRPr>
           </a:p>
-          <a:p>
-            <a:endParaRPr lang="en-US" sz="2400" dirty="0">
-              <a:solidFill>
-                <a:srgbClr val="262636"/>
-              </a:solidFill>
-            </a:endParaRPr>
-          </a:p>
         </p:txBody>
       </p:sp>
+      <p:pic>
+        <p:nvPicPr>
+          <p:cNvPr id="6" name="Рисунок 5" descr="Изображение выглядит как текст, компьютер, монитор, черный&#10;&#10;Автоматически созданное описание">
+            <a:extLst>
+              <a:ext uri="{FF2B5EF4-FFF2-40B4-BE49-F238E27FC236}">
+                <a16:creationId xmlns:a16="http://schemas.microsoft.com/office/drawing/2014/main" id="{F2F430FB-70EB-4F56-AF3C-197576FA2C2C}"/>
+              </a:ext>
+            </a:extLst>
+          </p:cNvPr>
+          <p:cNvPicPr>
+            <a:picLocks noChangeAspect="1"/>
+          </p:cNvPicPr>
+          <p:nvPr/>
+        </p:nvPicPr>
+        <p:blipFill>
+          <a:blip r:embed="rId2">
+            <a:extLst>
+              <a:ext uri="{28A0092B-C50C-407E-A947-70E740481C1C}">
+                <a14:useLocalDpi xmlns:a14="http://schemas.microsoft.com/office/drawing/2010/main" val="0"/>
+              </a:ext>
+            </a:extLst>
+          </a:blip>
+          <a:stretch>
+            <a:fillRect/>
+          </a:stretch>
+        </p:blipFill>
+        <p:spPr>
+          <a:xfrm>
+            <a:off x="3411006" y="1962072"/>
+            <a:ext cx="5732994" cy="3426092"/>
+          </a:xfrm>
+          <a:prstGeom prst="rect">
+            <a:avLst/>
+          </a:prstGeom>
+        </p:spPr>
+      </p:pic>
     </p:spTree>
     <p:extLst>
       <p:ext uri="{BB962C8B-B14F-4D97-AF65-F5344CB8AC3E}">
-        <p14:creationId xmlns:p14="http://schemas.microsoft.com/office/powerpoint/2010/main" val="3515380542"/>
+        <p14:creationId xmlns:p14="http://schemas.microsoft.com/office/powerpoint/2010/main" val="3341643827"/>
       </p:ext>
     </p:extLst>
   </p:cSld>
@@ -41057,15 +42441,22 @@
               </a:spcBef>
             </a:pPr>
             <a:r>
-              <a:rPr lang="ru-RU" sz="3600" b="1" dirty="0">
+              <a:rPr lang="en-US" sz="3600" b="1" dirty="0" err="1">
                 <a:solidFill>
                   <a:schemeClr val="tx2">
                     <a:lumMod val="75000"/>
                   </a:schemeClr>
                 </a:solidFill>
               </a:rPr>
-              <a:t>Результаты</a:t>
-            </a:r>
+              <a:t>NoesisGUI</a:t>
+            </a:r>
+            <a:endParaRPr lang="ru-RU" sz="3600" b="1" dirty="0">
+              <a:solidFill>
+                <a:schemeClr val="tx2">
+                  <a:lumMod val="75000"/>
+                </a:schemeClr>
+              </a:solidFill>
+            </a:endParaRPr>
           </a:p>
         </p:txBody>
       </p:sp>
@@ -41166,7 +42557,7 @@
         <p:spPr>
           <a:xfrm>
             <a:off x="1190625" y="1469836"/>
-            <a:ext cx="7686675" cy="2308324"/>
+            <a:ext cx="7686675" cy="4893647"/>
           </a:xfrm>
           <a:prstGeom prst="rect">
             <a:avLst/>
@@ -41185,107 +42576,7 @@
                   <a:srgbClr val="262636"/>
                 </a:solidFill>
               </a:rPr>
-              <a:t>Приложение рисует снимок карты, простой </a:t>
-            </a:r>
-            <a:r>
-              <a:rPr lang="en-US" sz="2400" dirty="0">
-                <a:solidFill>
-                  <a:srgbClr val="262636"/>
-                </a:solidFill>
-              </a:rPr>
-              <a:t>UI,</a:t>
-            </a:r>
-            <a:r>
-              <a:rPr lang="ru-RU" sz="2400" dirty="0">
-                <a:solidFill>
-                  <a:srgbClr val="262636"/>
-                </a:solidFill>
-              </a:rPr>
-              <a:t> и демонстрирует некоторые возможности </a:t>
-            </a:r>
-            <a:r>
-              <a:rPr lang="en-US" sz="2400" dirty="0" err="1">
-                <a:solidFill>
-                  <a:srgbClr val="262636"/>
-                </a:solidFill>
-              </a:rPr>
-              <a:t>tirx</a:t>
-            </a:r>
-            <a:r>
-              <a:rPr lang="en-US" sz="2400" dirty="0">
-                <a:solidFill>
-                  <a:srgbClr val="262636"/>
-                </a:solidFill>
-              </a:rPr>
-              <a:t> </a:t>
-            </a:r>
-            <a:r>
-              <a:rPr lang="ru-RU" sz="2400" dirty="0">
-                <a:solidFill>
-                  <a:srgbClr val="262636"/>
-                </a:solidFill>
-              </a:rPr>
-              <a:t>и </a:t>
-            </a:r>
-            <a:r>
-              <a:rPr lang="en-US" sz="2400" dirty="0" err="1">
-                <a:solidFill>
-                  <a:srgbClr val="262636"/>
-                </a:solidFill>
-              </a:rPr>
-              <a:t>NoesisGUI</a:t>
-            </a:r>
-            <a:r>
-              <a:rPr lang="en-US" sz="2400" dirty="0">
-                <a:solidFill>
-                  <a:srgbClr val="262636"/>
-                </a:solidFill>
-              </a:rPr>
-              <a:t>:</a:t>
-            </a:r>
-          </a:p>
-          <a:p>
-            <a:r>
-              <a:rPr lang="en-US" sz="2400" dirty="0">
-                <a:solidFill>
-                  <a:srgbClr val="262636"/>
-                </a:solidFill>
-              </a:rPr>
-              <a:t>1</a:t>
-            </a:r>
-            <a:r>
-              <a:rPr lang="ru-RU" sz="2400" dirty="0">
-                <a:solidFill>
-                  <a:srgbClr val="262636"/>
-                </a:solidFill>
-              </a:rPr>
-              <a:t>. Источник (поток) </a:t>
-            </a:r>
-            <a:r>
-              <a:rPr lang="en-US" sz="2400" dirty="0">
-                <a:solidFill>
-                  <a:srgbClr val="262636"/>
-                </a:solidFill>
-              </a:rPr>
-              <a:t>NMEA-</a:t>
-            </a:r>
-            <a:r>
-              <a:rPr lang="ru-RU" sz="2400" dirty="0">
-                <a:solidFill>
-                  <a:srgbClr val="262636"/>
-                </a:solidFill>
-              </a:rPr>
-              <a:t>сообщений и два подписчика:</a:t>
-            </a:r>
-          </a:p>
-          <a:p>
-            <a:r>
-              <a:rPr lang="ru-RU" sz="2400" dirty="0">
-                <a:solidFill>
-                  <a:srgbClr val="262636"/>
-                </a:solidFill>
-              </a:rPr>
-              <a:t> </a:t>
+              <a:t>Визуальное редактирование + текстовый редактор</a:t>
             </a:r>
             <a:endParaRPr lang="en-US" sz="2400" dirty="0">
               <a:solidFill>
@@ -41293,12 +42584,174 @@
               </a:solidFill>
             </a:endParaRPr>
           </a:p>
+          <a:p>
+            <a:endParaRPr lang="en-US" sz="2400" dirty="0">
+              <a:solidFill>
+                <a:srgbClr val="262636"/>
+              </a:solidFill>
+            </a:endParaRPr>
+          </a:p>
+          <a:p>
+            <a:endParaRPr lang="en-US" sz="2400" dirty="0">
+              <a:solidFill>
+                <a:srgbClr val="262636"/>
+              </a:solidFill>
+            </a:endParaRPr>
+          </a:p>
+          <a:p>
+            <a:endParaRPr lang="en-US" sz="2400" dirty="0">
+              <a:solidFill>
+                <a:srgbClr val="262636"/>
+              </a:solidFill>
+            </a:endParaRPr>
+          </a:p>
+          <a:p>
+            <a:endParaRPr lang="en-US" sz="2400" dirty="0">
+              <a:solidFill>
+                <a:srgbClr val="262636"/>
+              </a:solidFill>
+            </a:endParaRPr>
+          </a:p>
+          <a:p>
+            <a:endParaRPr lang="en-US" sz="2400" dirty="0">
+              <a:solidFill>
+                <a:srgbClr val="262636"/>
+              </a:solidFill>
+            </a:endParaRPr>
+          </a:p>
+          <a:p>
+            <a:endParaRPr lang="en-US" sz="2400" dirty="0">
+              <a:solidFill>
+                <a:srgbClr val="262636"/>
+              </a:solidFill>
+            </a:endParaRPr>
+          </a:p>
+          <a:p>
+            <a:endParaRPr lang="en-US" sz="2400" dirty="0">
+              <a:solidFill>
+                <a:srgbClr val="262636"/>
+              </a:solidFill>
+            </a:endParaRPr>
+          </a:p>
+          <a:p>
+            <a:endParaRPr lang="en-US" sz="2400" dirty="0">
+              <a:solidFill>
+                <a:srgbClr val="262636"/>
+              </a:solidFill>
+            </a:endParaRPr>
+          </a:p>
+          <a:p>
+            <a:endParaRPr lang="en-US" sz="2400" dirty="0">
+              <a:solidFill>
+                <a:srgbClr val="262636"/>
+              </a:solidFill>
+            </a:endParaRPr>
+          </a:p>
+          <a:p>
+            <a:endParaRPr lang="en-US" sz="2400" dirty="0">
+              <a:solidFill>
+                <a:srgbClr val="262636"/>
+              </a:solidFill>
+            </a:endParaRPr>
+          </a:p>
+          <a:p>
+            <a:r>
+              <a:rPr lang="en-US" sz="2400" dirty="0">
+                <a:solidFill>
+                  <a:srgbClr val="262636"/>
+                </a:solidFill>
+              </a:rPr>
+              <a:t>					</a:t>
+            </a:r>
+            <a:r>
+              <a:rPr lang="ru-RU" sz="2400" dirty="0">
+                <a:solidFill>
+                  <a:srgbClr val="262636"/>
+                </a:solidFill>
+              </a:rPr>
+              <a:t>Богатый набор компонентов</a:t>
+            </a:r>
+            <a:endParaRPr lang="ru-RU" sz="1600" dirty="0">
+              <a:solidFill>
+                <a:schemeClr val="tx2">
+                  <a:lumMod val="60000"/>
+                  <a:lumOff val="40000"/>
+                </a:schemeClr>
+              </a:solidFill>
+            </a:endParaRPr>
+          </a:p>
         </p:txBody>
       </p:sp>
+      <p:pic>
+        <p:nvPicPr>
+          <p:cNvPr id="6" name="Рисунок 5" descr="Изображение выглядит как текст, компьютер, монитор, черный&#10;&#10;Автоматически созданное описание">
+            <a:extLst>
+              <a:ext uri="{FF2B5EF4-FFF2-40B4-BE49-F238E27FC236}">
+                <a16:creationId xmlns:a16="http://schemas.microsoft.com/office/drawing/2014/main" id="{F2F430FB-70EB-4F56-AF3C-197576FA2C2C}"/>
+              </a:ext>
+            </a:extLst>
+          </p:cNvPr>
+          <p:cNvPicPr>
+            <a:picLocks noChangeAspect="1"/>
+          </p:cNvPicPr>
+          <p:nvPr/>
+        </p:nvPicPr>
+        <p:blipFill>
+          <a:blip r:embed="rId2">
+            <a:extLst>
+              <a:ext uri="{28A0092B-C50C-407E-A947-70E740481C1C}">
+                <a14:useLocalDpi xmlns:a14="http://schemas.microsoft.com/office/drawing/2010/main" val="0"/>
+              </a:ext>
+            </a:extLst>
+          </a:blip>
+          <a:stretch>
+            <a:fillRect/>
+          </a:stretch>
+        </p:blipFill>
+        <p:spPr>
+          <a:xfrm>
+            <a:off x="3411006" y="1962072"/>
+            <a:ext cx="5732994" cy="3426092"/>
+          </a:xfrm>
+          <a:prstGeom prst="rect">
+            <a:avLst/>
+          </a:prstGeom>
+        </p:spPr>
+      </p:pic>
+      <p:pic>
+        <p:nvPicPr>
+          <p:cNvPr id="4" name="Рисунок 3">
+            <a:extLst>
+              <a:ext uri="{FF2B5EF4-FFF2-40B4-BE49-F238E27FC236}">
+                <a16:creationId xmlns:a16="http://schemas.microsoft.com/office/drawing/2014/main" id="{58FBE556-5F76-407E-A245-20970DBE3615}"/>
+              </a:ext>
+            </a:extLst>
+          </p:cNvPr>
+          <p:cNvPicPr>
+            <a:picLocks noChangeAspect="1"/>
+          </p:cNvPicPr>
+          <p:nvPr/>
+        </p:nvPicPr>
+        <p:blipFill>
+          <a:blip r:embed="rId3"/>
+          <a:stretch>
+            <a:fillRect/>
+          </a:stretch>
+        </p:blipFill>
+        <p:spPr>
+          <a:xfrm>
+            <a:off x="1003634" y="2416402"/>
+            <a:ext cx="2324100" cy="4333875"/>
+          </a:xfrm>
+          <a:prstGeom prst="rect">
+            <a:avLst/>
+          </a:prstGeom>
+        </p:spPr>
+      </p:pic>
     </p:spTree>
     <p:extLst>
       <p:ext uri="{BB962C8B-B14F-4D97-AF65-F5344CB8AC3E}">
-        <p14:creationId xmlns:p14="http://schemas.microsoft.com/office/powerpoint/2010/main" val="3561555817"/>
+        <p14:creationId xmlns:p14="http://schemas.microsoft.com/office/powerpoint/2010/main" val="2545427811"/>
       </p:ext>
     </p:extLst>
   </p:cSld>
@@ -41635,15 +43088,22 @@
               </a:spcBef>
             </a:pPr>
             <a:r>
-              <a:rPr lang="ru-RU" sz="3600" b="1" dirty="0">
+              <a:rPr lang="en-US" sz="3600" b="1" dirty="0" err="1">
                 <a:solidFill>
                   <a:schemeClr val="tx2">
                     <a:lumMod val="75000"/>
                   </a:schemeClr>
                 </a:solidFill>
               </a:rPr>
-              <a:t>Результаты</a:t>
-            </a:r>
+              <a:t>NoesisGUI</a:t>
+            </a:r>
+            <a:endParaRPr lang="ru-RU" sz="3600" b="1" dirty="0">
+              <a:solidFill>
+                <a:schemeClr val="tx2">
+                  <a:lumMod val="75000"/>
+                </a:schemeClr>
+              </a:solidFill>
+            </a:endParaRPr>
           </a:p>
         </p:txBody>
       </p:sp>
@@ -41744,7 +43204,7 @@
         <p:spPr>
           <a:xfrm>
             <a:off x="1190625" y="1469836"/>
-            <a:ext cx="7686675" cy="2308324"/>
+            <a:ext cx="7686675" cy="1938992"/>
           </a:xfrm>
           <a:prstGeom prst="rect">
             <a:avLst/>
@@ -41763,7 +43223,15 @@
                   <a:srgbClr val="262636"/>
                 </a:solidFill>
               </a:rPr>
-              <a:t>Приложение рисует снимок карты, простой </a:t>
+              <a:t>А ещё </a:t>
+            </a:r>
+            <a:r>
+              <a:rPr lang="en-US" sz="2400" dirty="0" err="1">
+                <a:solidFill>
+                  <a:srgbClr val="262636"/>
+                </a:solidFill>
+              </a:rPr>
+              <a:t>NoesisGUI</a:t>
             </a:r>
             <a:r>
               <a:rPr lang="en-US" sz="2400" dirty="0">
@@ -41771,23 +43239,15 @@
                   <a:srgbClr val="262636"/>
                 </a:solidFill>
               </a:rPr>
-              <a:t>UI,</a:t>
-            </a:r>
-            <a:r>
-              <a:rPr lang="ru-RU" sz="2400" dirty="0">
-                <a:solidFill>
-                  <a:srgbClr val="262636"/>
-                </a:solidFill>
-              </a:rPr>
-              <a:t> и демонстрирует некоторые возможности </a:t>
-            </a:r>
-            <a:r>
-              <a:rPr lang="en-US" sz="2400" dirty="0" err="1">
-                <a:solidFill>
-                  <a:srgbClr val="262636"/>
-                </a:solidFill>
-              </a:rPr>
-              <a:t>tirx</a:t>
+              <a:t> – </a:t>
+            </a:r>
+            <a:r>
+              <a:rPr lang="ru-RU" sz="2400" dirty="0">
+                <a:solidFill>
+                  <a:srgbClr val="262636"/>
+                </a:solidFill>
+              </a:rPr>
+              <a:t>это проверенное боевое решение, и легко встраивается во всё, что только можно</a:t>
             </a:r>
             <a:r>
               <a:rPr lang="en-US" sz="2400" dirty="0">
@@ -41795,23 +43255,15 @@
                   <a:srgbClr val="262636"/>
                 </a:solidFill>
               </a:rPr>
-              <a:t> </a:t>
-            </a:r>
-            <a:r>
-              <a:rPr lang="ru-RU" sz="2400" dirty="0">
-                <a:solidFill>
-                  <a:srgbClr val="262636"/>
-                </a:solidFill>
-              </a:rPr>
-              <a:t>и </a:t>
-            </a:r>
-            <a:r>
-              <a:rPr lang="en-US" sz="2400" dirty="0" err="1">
-                <a:solidFill>
-                  <a:srgbClr val="262636"/>
-                </a:solidFill>
-              </a:rPr>
-              <a:t>NoesisGUI</a:t>
+              <a:t>. OpenGL, DirectX, </a:t>
+            </a:r>
+            <a:r>
+              <a:rPr lang="ru-RU" sz="2400" dirty="0">
+                <a:solidFill>
+                  <a:srgbClr val="262636"/>
+                </a:solidFill>
+              </a:rPr>
+              <a:t>всевозможные игровые движки</a:t>
             </a:r>
             <a:r>
               <a:rPr lang="en-US" sz="2400" dirty="0">
@@ -41819,75 +43271,22 @@
                   <a:srgbClr val="262636"/>
                 </a:solidFill>
               </a:rPr>
-              <a:t>:</a:t>
-            </a:r>
-          </a:p>
-          <a:p>
-            <a:r>
-              <a:rPr lang="en-US" sz="2400" dirty="0">
-                <a:solidFill>
-                  <a:srgbClr val="262636"/>
-                </a:solidFill>
-              </a:rPr>
-              <a:t>1</a:t>
-            </a:r>
-            <a:r>
-              <a:rPr lang="ru-RU" sz="2400" dirty="0">
-                <a:solidFill>
-                  <a:srgbClr val="262636"/>
-                </a:solidFill>
-              </a:rPr>
-              <a:t>. Источник (поток) </a:t>
-            </a:r>
-            <a:r>
-              <a:rPr lang="en-US" sz="2400" dirty="0">
-                <a:solidFill>
-                  <a:srgbClr val="262636"/>
-                </a:solidFill>
-              </a:rPr>
-              <a:t>NMEA-</a:t>
-            </a:r>
-            <a:r>
-              <a:rPr lang="ru-RU" sz="2400" dirty="0">
-                <a:solidFill>
-                  <a:srgbClr val="262636"/>
-                </a:solidFill>
-              </a:rPr>
-              <a:t>сообщений и два подписчика:</a:t>
-            </a:r>
-          </a:p>
-          <a:p>
-            <a:r>
-              <a:rPr lang="ru-RU" sz="2400" dirty="0">
-                <a:solidFill>
-                  <a:srgbClr val="262636"/>
-                </a:solidFill>
-              </a:rPr>
-              <a:t> – логгер </a:t>
-            </a:r>
-            <a:r>
-              <a:rPr lang="ru-RU" sz="2400" dirty="0" err="1">
-                <a:solidFill>
-                  <a:srgbClr val="262636"/>
-                </a:solidFill>
-              </a:rPr>
-              <a:t>журналирует</a:t>
-            </a:r>
-            <a:r>
-              <a:rPr lang="ru-RU" sz="2400" dirty="0">
-                <a:solidFill>
-                  <a:srgbClr val="262636"/>
-                </a:solidFill>
-              </a:rPr>
-              <a:t> их в файл</a:t>
-            </a:r>
+              <a:t>…</a:t>
+            </a:r>
+          </a:p>
+          <a:p>
+            <a:endParaRPr lang="ru-RU" sz="2400" dirty="0">
+              <a:solidFill>
+                <a:srgbClr val="262636"/>
+              </a:solidFill>
+            </a:endParaRPr>
           </a:p>
         </p:txBody>
       </p:sp>
     </p:spTree>
     <p:extLst>
       <p:ext uri="{BB962C8B-B14F-4D97-AF65-F5344CB8AC3E}">
-        <p14:creationId xmlns:p14="http://schemas.microsoft.com/office/powerpoint/2010/main" val="2371298653"/>
+        <p14:creationId xmlns:p14="http://schemas.microsoft.com/office/powerpoint/2010/main" val="540583679"/>
       </p:ext>
     </p:extLst>
   </p:cSld>
@@ -42052,7 +43451,7 @@
         <p:spPr>
           <a:xfrm>
             <a:off x="1190625" y="1469836"/>
-            <a:ext cx="7686675" cy="3785652"/>
+            <a:ext cx="7686675" cy="1200329"/>
           </a:xfrm>
           <a:prstGeom prst="rect">
             <a:avLst/>
@@ -42071,7 +43470,7 @@
                   <a:srgbClr val="262636"/>
                 </a:solidFill>
               </a:rPr>
-              <a:t>Приложение рисует снимок карты, простой </a:t>
+              <a:t>Сочетая архитектурные</a:t>
             </a:r>
             <a:r>
               <a:rPr lang="en-US" sz="2400" dirty="0">
@@ -42079,15 +43478,15 @@
                   <a:srgbClr val="262636"/>
                 </a:solidFill>
               </a:rPr>
-              <a:t>UI,</a:t>
-            </a:r>
-            <a:r>
-              <a:rPr lang="ru-RU" sz="2400" dirty="0">
-                <a:solidFill>
-                  <a:srgbClr val="262636"/>
-                </a:solidFill>
-              </a:rPr>
-              <a:t> и демонстрирует некоторые возможности </a:t>
+              <a:t> </a:t>
+            </a:r>
+            <a:r>
+              <a:rPr lang="ru-RU" sz="2400" dirty="0">
+                <a:solidFill>
+                  <a:srgbClr val="262636"/>
+                </a:solidFill>
+              </a:rPr>
+              <a:t>приёмы, и используя библиотеки </a:t>
             </a:r>
             <a:r>
               <a:rPr lang="en-US" sz="2400" dirty="0" err="1">
@@ -42095,213 +43494,85 @@
                   <a:srgbClr val="262636"/>
                 </a:solidFill>
               </a:rPr>
+              <a:t>NoesisGUI</a:t>
+            </a:r>
+            <a:r>
+              <a:rPr lang="en-US" sz="2400" dirty="0">
+                <a:solidFill>
+                  <a:srgbClr val="262636"/>
+                </a:solidFill>
+              </a:rPr>
+              <a:t> </a:t>
+            </a:r>
+            <a:r>
+              <a:rPr lang="ru-RU" sz="2400" dirty="0">
+                <a:solidFill>
+                  <a:srgbClr val="262636"/>
+                </a:solidFill>
+              </a:rPr>
+              <a:t>и </a:t>
+            </a:r>
+            <a:r>
+              <a:rPr lang="en-US" sz="2400" dirty="0" err="1">
+                <a:solidFill>
+                  <a:srgbClr val="262636"/>
+                </a:solidFill>
+              </a:rPr>
               <a:t>tirx</a:t>
             </a:r>
             <a:r>
+              <a:rPr lang="ru-RU" sz="2400" dirty="0">
+                <a:solidFill>
+                  <a:srgbClr val="262636"/>
+                </a:solidFill>
+              </a:rPr>
+              <a:t>, удалось на скорую руку сделать </a:t>
+            </a:r>
+            <a:r>
               <a:rPr lang="en-US" sz="2400" dirty="0">
                 <a:solidFill>
                   <a:srgbClr val="262636"/>
                 </a:solidFill>
               </a:rPr>
-              <a:t> </a:t>
-            </a:r>
-            <a:r>
-              <a:rPr lang="ru-RU" sz="2400" dirty="0">
-                <a:solidFill>
-                  <a:srgbClr val="262636"/>
-                </a:solidFill>
-              </a:rPr>
-              <a:t>и </a:t>
-            </a:r>
-            <a:r>
-              <a:rPr lang="en-US" sz="2400" dirty="0" err="1">
-                <a:solidFill>
-                  <a:srgbClr val="262636"/>
-                </a:solidFill>
-              </a:rPr>
-              <a:t>NoesisGUI</a:t>
-            </a:r>
-            <a:r>
-              <a:rPr lang="en-US" sz="2400" dirty="0">
-                <a:solidFill>
-                  <a:srgbClr val="262636"/>
-                </a:solidFill>
-              </a:rPr>
-              <a:t>:</a:t>
-            </a:r>
-          </a:p>
-          <a:p>
-            <a:r>
-              <a:rPr lang="en-US" sz="2400" dirty="0">
-                <a:solidFill>
-                  <a:srgbClr val="262636"/>
-                </a:solidFill>
-              </a:rPr>
-              <a:t>1</a:t>
-            </a:r>
-            <a:r>
-              <a:rPr lang="ru-RU" sz="2400" dirty="0">
-                <a:solidFill>
-                  <a:srgbClr val="262636"/>
-                </a:solidFill>
-              </a:rPr>
-              <a:t>. Источник (поток) </a:t>
-            </a:r>
-            <a:r>
-              <a:rPr lang="en-US" sz="2400" dirty="0">
-                <a:solidFill>
-                  <a:srgbClr val="262636"/>
-                </a:solidFill>
-              </a:rPr>
-              <a:t>NMEA-</a:t>
-            </a:r>
-            <a:r>
-              <a:rPr lang="ru-RU" sz="2400" dirty="0">
-                <a:solidFill>
-                  <a:srgbClr val="262636"/>
-                </a:solidFill>
-              </a:rPr>
-              <a:t>сообщений и два подписчика:</a:t>
-            </a:r>
-          </a:p>
-          <a:p>
-            <a:r>
-              <a:rPr lang="ru-RU" sz="2400" dirty="0">
-                <a:solidFill>
-                  <a:srgbClr val="262636"/>
-                </a:solidFill>
-              </a:rPr>
-              <a:t> – логгер </a:t>
-            </a:r>
-            <a:r>
-              <a:rPr lang="ru-RU" sz="2400" dirty="0" err="1">
-                <a:solidFill>
-                  <a:srgbClr val="262636"/>
-                </a:solidFill>
-              </a:rPr>
-              <a:t>журналирует</a:t>
-            </a:r>
-            <a:r>
-              <a:rPr lang="ru-RU" sz="2400" dirty="0">
-                <a:solidFill>
-                  <a:srgbClr val="262636"/>
-                </a:solidFill>
-              </a:rPr>
-              <a:t> их в файл</a:t>
-            </a:r>
-          </a:p>
-          <a:p>
-            <a:r>
-              <a:rPr lang="ru-RU" sz="2400" dirty="0">
-                <a:solidFill>
-                  <a:srgbClr val="262636"/>
-                </a:solidFill>
-              </a:rPr>
-              <a:t> - </a:t>
-            </a:r>
-            <a:r>
-              <a:rPr lang="en-US" sz="2400" dirty="0" err="1">
-                <a:solidFill>
-                  <a:srgbClr val="262636"/>
-                </a:solidFill>
-              </a:rPr>
-              <a:t>NmeaProcessor</a:t>
-            </a:r>
-            <a:r>
-              <a:rPr lang="ru-RU" sz="2400" dirty="0">
-                <a:solidFill>
-                  <a:srgbClr val="262636"/>
-                </a:solidFill>
-              </a:rPr>
-              <a:t> обрабатывает, и формирует </a:t>
-            </a:r>
-            <a:r>
-              <a:rPr lang="en-US" sz="2400" dirty="0">
-                <a:solidFill>
-                  <a:srgbClr val="262636"/>
-                </a:solidFill>
-              </a:rPr>
-              <a:t>	</a:t>
-            </a:r>
-            <a:r>
-              <a:rPr lang="ru-RU" sz="2400" dirty="0">
-                <a:solidFill>
-                  <a:srgbClr val="262636"/>
-                </a:solidFill>
-              </a:rPr>
-              <a:t>два других потока – один с неизменными </a:t>
-            </a:r>
-            <a:r>
-              <a:rPr lang="en-US" sz="2400" dirty="0">
-                <a:solidFill>
-                  <a:srgbClr val="262636"/>
-                </a:solidFill>
-              </a:rPr>
-              <a:t>	</a:t>
-            </a:r>
-            <a:r>
-              <a:rPr lang="ru-RU" sz="2400" dirty="0">
-                <a:solidFill>
-                  <a:srgbClr val="262636"/>
-                </a:solidFill>
-              </a:rPr>
-              <a:t>сообщениями, другой – с координатами </a:t>
-            </a:r>
-            <a:r>
-              <a:rPr lang="en-US" sz="2400" dirty="0" err="1">
-                <a:solidFill>
-                  <a:srgbClr val="262636"/>
-                </a:solidFill>
-              </a:rPr>
-              <a:t>lat</a:t>
-            </a:r>
-            <a:r>
-              <a:rPr lang="en-US" sz="2400" dirty="0">
-                <a:solidFill>
-                  <a:srgbClr val="262636"/>
-                </a:solidFill>
-              </a:rPr>
-              <a:t>, 	</a:t>
-            </a:r>
-            <a:r>
-              <a:rPr lang="en-US" sz="2400" dirty="0" err="1">
-                <a:solidFill>
-                  <a:srgbClr val="262636"/>
-                </a:solidFill>
-              </a:rPr>
-              <a:t>lon</a:t>
-            </a:r>
-            <a:r>
-              <a:rPr lang="en-US" sz="2400" dirty="0">
-                <a:solidFill>
-                  <a:srgbClr val="262636"/>
-                </a:solidFill>
-              </a:rPr>
-              <a:t>. </a:t>
-            </a:r>
-            <a:r>
-              <a:rPr lang="ru-RU" sz="2400" dirty="0">
-                <a:solidFill>
-                  <a:srgbClr val="262636"/>
-                </a:solidFill>
-              </a:rPr>
-              <a:t>Эти данные выводятся на </a:t>
-            </a:r>
-            <a:r>
-              <a:rPr lang="en-US" sz="2400" dirty="0">
-                <a:solidFill>
-                  <a:srgbClr val="262636"/>
-                </a:solidFill>
-              </a:rPr>
-              <a:t>UI</a:t>
+              <a:t>Proof-Of-Concept</a:t>
             </a:r>
           </a:p>
         </p:txBody>
       </p:sp>
+      <p:pic>
+        <p:nvPicPr>
+          <p:cNvPr id="6" name="Рисунок 5">
+            <a:extLst>
+              <a:ext uri="{FF2B5EF4-FFF2-40B4-BE49-F238E27FC236}">
+                <a16:creationId xmlns:a16="http://schemas.microsoft.com/office/drawing/2014/main" id="{BD949412-CDEF-4E61-BEA2-9FF29373CCDC}"/>
+              </a:ext>
+            </a:extLst>
+          </p:cNvPr>
+          <p:cNvPicPr>
+            <a:picLocks noChangeAspect="1"/>
+          </p:cNvPicPr>
+          <p:nvPr/>
+        </p:nvPicPr>
+        <p:blipFill>
+          <a:blip r:embed="rId2"/>
+          <a:stretch>
+            <a:fillRect/>
+          </a:stretch>
+        </p:blipFill>
+        <p:spPr>
+          <a:xfrm>
+            <a:off x="3464269" y="2670165"/>
+            <a:ext cx="4707549" cy="3635385"/>
+          </a:xfrm>
+          <a:prstGeom prst="rect">
+            <a:avLst/>
+          </a:prstGeom>
+        </p:spPr>
+      </p:pic>
     </p:spTree>
     <p:extLst>
       <p:ext uri="{BB962C8B-B14F-4D97-AF65-F5344CB8AC3E}">
-        <p14:creationId xmlns:p14="http://schemas.microsoft.com/office/powerpoint/2010/main" val="3381425665"/>
+        <p14:creationId xmlns:p14="http://schemas.microsoft.com/office/powerpoint/2010/main" val="2467529715"/>
       </p:ext>
     </p:extLst>
   </p:cSld>
@@ -42466,7 +43737,7 @@
         <p:spPr>
           <a:xfrm>
             <a:off x="1190625" y="1469836"/>
-            <a:ext cx="7686675" cy="4524315"/>
+            <a:ext cx="7686675" cy="1569660"/>
           </a:xfrm>
           <a:prstGeom prst="rect">
             <a:avLst/>
@@ -42543,206 +43814,13 @@
               </a:rPr>
               <a:t>:</a:t>
             </a:r>
-          </a:p>
-          <a:p>
-            <a:r>
-              <a:rPr lang="en-US" sz="2400" dirty="0">
-                <a:solidFill>
-                  <a:srgbClr val="262636"/>
-                </a:solidFill>
-              </a:rPr>
-              <a:t>1</a:t>
-            </a:r>
-            <a:r>
-              <a:rPr lang="ru-RU" sz="2400" dirty="0">
-                <a:solidFill>
-                  <a:srgbClr val="262636"/>
-                </a:solidFill>
-              </a:rPr>
-              <a:t>. Источник (поток) </a:t>
-            </a:r>
-            <a:r>
-              <a:rPr lang="en-US" sz="2400" dirty="0">
-                <a:solidFill>
-                  <a:srgbClr val="262636"/>
-                </a:solidFill>
-              </a:rPr>
-              <a:t>NMEA-</a:t>
-            </a:r>
-            <a:r>
-              <a:rPr lang="ru-RU" sz="2400" dirty="0">
-                <a:solidFill>
-                  <a:srgbClr val="262636"/>
-                </a:solidFill>
-              </a:rPr>
-              <a:t>сообщений и два подписчика:</a:t>
-            </a:r>
-          </a:p>
-          <a:p>
-            <a:r>
-              <a:rPr lang="ru-RU" sz="2400" dirty="0">
-                <a:solidFill>
-                  <a:srgbClr val="262636"/>
-                </a:solidFill>
-              </a:rPr>
-              <a:t> – логгер </a:t>
-            </a:r>
-            <a:r>
-              <a:rPr lang="ru-RU" sz="2400" dirty="0" err="1">
-                <a:solidFill>
-                  <a:srgbClr val="262636"/>
-                </a:solidFill>
-              </a:rPr>
-              <a:t>журналирует</a:t>
-            </a:r>
-            <a:r>
-              <a:rPr lang="ru-RU" sz="2400" dirty="0">
-                <a:solidFill>
-                  <a:srgbClr val="262636"/>
-                </a:solidFill>
-              </a:rPr>
-              <a:t> их в файл</a:t>
-            </a:r>
-          </a:p>
-          <a:p>
-            <a:r>
-              <a:rPr lang="ru-RU" sz="2400" dirty="0">
-                <a:solidFill>
-                  <a:srgbClr val="262636"/>
-                </a:solidFill>
-              </a:rPr>
-              <a:t> - </a:t>
-            </a:r>
-            <a:r>
-              <a:rPr lang="en-US" sz="2400" dirty="0" err="1">
-                <a:solidFill>
-                  <a:srgbClr val="262636"/>
-                </a:solidFill>
-              </a:rPr>
-              <a:t>NmeaProcessor</a:t>
-            </a:r>
-            <a:r>
-              <a:rPr lang="ru-RU" sz="2400" dirty="0">
-                <a:solidFill>
-                  <a:srgbClr val="262636"/>
-                </a:solidFill>
-              </a:rPr>
-              <a:t> обрабатывает, и формирует </a:t>
-            </a:r>
-            <a:r>
-              <a:rPr lang="en-US" sz="2400" dirty="0">
-                <a:solidFill>
-                  <a:srgbClr val="262636"/>
-                </a:solidFill>
-              </a:rPr>
-              <a:t>	</a:t>
-            </a:r>
-            <a:r>
-              <a:rPr lang="ru-RU" sz="2400" dirty="0">
-                <a:solidFill>
-                  <a:srgbClr val="262636"/>
-                </a:solidFill>
-              </a:rPr>
-              <a:t>два других потока – один с неизменными </a:t>
-            </a:r>
-            <a:r>
-              <a:rPr lang="en-US" sz="2400" dirty="0">
-                <a:solidFill>
-                  <a:srgbClr val="262636"/>
-                </a:solidFill>
-              </a:rPr>
-              <a:t>	</a:t>
-            </a:r>
-            <a:r>
-              <a:rPr lang="ru-RU" sz="2400" dirty="0">
-                <a:solidFill>
-                  <a:srgbClr val="262636"/>
-                </a:solidFill>
-              </a:rPr>
-              <a:t>сообщениями, другой – с координатами </a:t>
-            </a:r>
-            <a:r>
-              <a:rPr lang="en-US" sz="2400" dirty="0" err="1">
-                <a:solidFill>
-                  <a:srgbClr val="262636"/>
-                </a:solidFill>
-              </a:rPr>
-              <a:t>lat</a:t>
-            </a:r>
-            <a:r>
-              <a:rPr lang="en-US" sz="2400" dirty="0">
-                <a:solidFill>
-                  <a:srgbClr val="262636"/>
-                </a:solidFill>
-              </a:rPr>
-              <a:t>, 	</a:t>
-            </a:r>
-            <a:r>
-              <a:rPr lang="en-US" sz="2400" dirty="0" err="1">
-                <a:solidFill>
-                  <a:srgbClr val="262636"/>
-                </a:solidFill>
-              </a:rPr>
-              <a:t>lon</a:t>
-            </a:r>
-            <a:r>
-              <a:rPr lang="en-US" sz="2400" dirty="0">
-                <a:solidFill>
-                  <a:srgbClr val="262636"/>
-                </a:solidFill>
-              </a:rPr>
-              <a:t>. </a:t>
-            </a:r>
-            <a:r>
-              <a:rPr lang="ru-RU" sz="2400" dirty="0">
-                <a:solidFill>
-                  <a:srgbClr val="262636"/>
-                </a:solidFill>
-              </a:rPr>
-              <a:t>Эти данные выводятся на </a:t>
-            </a:r>
-            <a:r>
-              <a:rPr lang="en-US" sz="2400" dirty="0">
-                <a:solidFill>
-                  <a:srgbClr val="262636"/>
-                </a:solidFill>
-              </a:rPr>
-              <a:t>UI</a:t>
-            </a:r>
-          </a:p>
-          <a:p>
-            <a:r>
-              <a:rPr lang="en-US" sz="2400" dirty="0">
-                <a:solidFill>
-                  <a:srgbClr val="262636"/>
-                </a:solidFill>
-              </a:rPr>
-              <a:t>2. </a:t>
-            </a:r>
-            <a:r>
-              <a:rPr lang="ru-RU" sz="2400" dirty="0">
-                <a:solidFill>
-                  <a:srgbClr val="262636"/>
-                </a:solidFill>
-              </a:rPr>
-              <a:t>Источник записей в лог из </a:t>
-            </a:r>
-            <a:r>
-              <a:rPr lang="en-US" sz="2400" dirty="0">
-                <a:solidFill>
-                  <a:srgbClr val="262636"/>
-                </a:solidFill>
-              </a:rPr>
-              <a:t>UI</a:t>
-            </a:r>
-            <a:r>
-              <a:rPr lang="ru-RU" sz="2400" dirty="0">
-                <a:solidFill>
-                  <a:srgbClr val="262636"/>
-                </a:solidFill>
-              </a:rPr>
-              <a:t>, и подписчик в компоненте журналирования</a:t>
-            </a:r>
+            <a:endParaRPr lang="ru-RU" sz="2400" dirty="0">
+              <a:solidFill>
+                <a:srgbClr val="262636"/>
+              </a:solidFill>
+            </a:endParaRPr>
+          </a:p>
+          <a:p>
             <a:endParaRPr lang="en-US" sz="2400" dirty="0">
               <a:solidFill>
                 <a:srgbClr val="262636"/>
@@ -42754,7 +43832,7 @@
     </p:spTree>
     <p:extLst>
       <p:ext uri="{BB962C8B-B14F-4D97-AF65-F5344CB8AC3E}">
-        <p14:creationId xmlns:p14="http://schemas.microsoft.com/office/powerpoint/2010/main" val="1354486694"/>
+        <p14:creationId xmlns:p14="http://schemas.microsoft.com/office/powerpoint/2010/main" val="3515380542"/>
       </p:ext>
     </p:extLst>
   </p:cSld>
@@ -42919,7 +43997,7 @@
         <p:spPr>
           <a:xfrm>
             <a:off x="1190625" y="1469836"/>
-            <a:ext cx="7686675" cy="1569660"/>
+            <a:ext cx="7686675" cy="2308324"/>
           </a:xfrm>
           <a:prstGeom prst="rect">
             <a:avLst/>
@@ -42937,17 +44015,113 @@
                 <a:solidFill>
                   <a:srgbClr val="262636"/>
                 </a:solidFill>
-                <a:latin typeface="+mj-lt"/>
-              </a:rPr>
-              <a:t>3. Источник данных - поток координат - позиция мыши в окне, и подписчик, выводящий координаты на экран</a:t>
-            </a:r>
-          </a:p>
-          <a:p>
-            <a:endParaRPr lang="ru-RU" sz="2400" dirty="0">
+              </a:rPr>
+              <a:t>Приложение рисует снимок карты, простой </a:t>
+            </a:r>
+            <a:r>
+              <a:rPr lang="en-US" sz="2400" dirty="0">
+                <a:solidFill>
+                  <a:srgbClr val="262636"/>
+                </a:solidFill>
+              </a:rPr>
+              <a:t>UI,</a:t>
+            </a:r>
+            <a:r>
+              <a:rPr lang="ru-RU" sz="2400" dirty="0">
+                <a:solidFill>
+                  <a:srgbClr val="262636"/>
+                </a:solidFill>
+              </a:rPr>
+              <a:t> и демонстрирует некоторые возможности </a:t>
+            </a:r>
+            <a:r>
+              <a:rPr lang="en-US" sz="2400" dirty="0" err="1">
+                <a:solidFill>
+                  <a:srgbClr val="262636"/>
+                </a:solidFill>
+              </a:rPr>
+              <a:t>tirx</a:t>
+            </a:r>
+            <a:r>
+              <a:rPr lang="en-US" sz="2400" dirty="0">
+                <a:solidFill>
+                  <a:srgbClr val="262636"/>
+                </a:solidFill>
+              </a:rPr>
+              <a:t> </a:t>
+            </a:r>
+            <a:r>
+              <a:rPr lang="ru-RU" sz="2400" dirty="0">
+                <a:solidFill>
+                  <a:srgbClr val="262636"/>
+                </a:solidFill>
+              </a:rPr>
+              <a:t>и </a:t>
+            </a:r>
+            <a:r>
+              <a:rPr lang="en-US" sz="2400" dirty="0" err="1">
+                <a:solidFill>
+                  <a:srgbClr val="262636"/>
+                </a:solidFill>
+              </a:rPr>
+              <a:t>NoesisGUI</a:t>
+            </a:r>
+            <a:r>
+              <a:rPr lang="en-US" sz="2400" dirty="0">
+                <a:solidFill>
+                  <a:srgbClr val="262636"/>
+                </a:solidFill>
+              </a:rPr>
+              <a:t>:</a:t>
+            </a:r>
+          </a:p>
+          <a:p>
+            <a:r>
+              <a:rPr lang="en-US" sz="2400" dirty="0">
+                <a:solidFill>
+                  <a:srgbClr val="262636"/>
+                </a:solidFill>
+              </a:rPr>
+              <a:t>1</a:t>
+            </a:r>
+            <a:r>
+              <a:rPr lang="ru-RU" sz="2400" dirty="0">
+                <a:solidFill>
+                  <a:srgbClr val="262636"/>
+                </a:solidFill>
+              </a:rPr>
+              <a:t>. Источник (поток) </a:t>
+            </a:r>
+            <a:r>
+              <a:rPr lang="en-US" sz="2400" dirty="0">
+                <a:solidFill>
+                  <a:srgbClr val="262636"/>
+                </a:solidFill>
+              </a:rPr>
+              <a:t>NMEA-</a:t>
+            </a:r>
+            <a:r>
+              <a:rPr lang="ru-RU" sz="2400" dirty="0">
+                <a:solidFill>
+                  <a:srgbClr val="262636"/>
+                </a:solidFill>
+              </a:rPr>
+              <a:t>сообщений и два подписчика:</a:t>
+            </a:r>
+          </a:p>
+          <a:p>
+            <a:r>
+              <a:rPr lang="ru-RU" sz="2400" dirty="0">
+                <a:solidFill>
+                  <a:srgbClr val="262636"/>
+                </a:solidFill>
+              </a:rPr>
+              <a:t> </a:t>
+            </a:r>
+            <a:endParaRPr lang="en-US" sz="2400" dirty="0">
               <a:solidFill>
                 <a:srgbClr val="262636"/>
               </a:solidFill>
-              <a:latin typeface="+mj-lt"/>
             </a:endParaRPr>
           </a:p>
         </p:txBody>
@@ -42955,7 +44129,7 @@
     </p:spTree>
     <p:extLst>
       <p:ext uri="{BB962C8B-B14F-4D97-AF65-F5344CB8AC3E}">
-        <p14:creationId xmlns:p14="http://schemas.microsoft.com/office/powerpoint/2010/main" val="4243001828"/>
+        <p14:creationId xmlns:p14="http://schemas.microsoft.com/office/powerpoint/2010/main" val="3561555817"/>
       </p:ext>
     </p:extLst>
   </p:cSld>
@@ -43120,7 +44294,7 @@
         <p:spPr>
           <a:xfrm>
             <a:off x="1190625" y="1469836"/>
-            <a:ext cx="7686675" cy="1569660"/>
+            <a:ext cx="7686675" cy="2308324"/>
           </a:xfrm>
           <a:prstGeom prst="rect">
             <a:avLst/>
@@ -43139,50 +44313,131 @@
                   <a:srgbClr val="262636"/>
                 </a:solidFill>
               </a:rPr>
-              <a:t>3. Источник данных - поток координат - позиция мыши в окне, и подписчик, выводящий координаты на экран</a:t>
-            </a:r>
-          </a:p>
-          <a:p>
-            <a:r>
-              <a:rPr lang="ru-RU" sz="2400" dirty="0">
-                <a:solidFill>
-                  <a:srgbClr val="262636"/>
-                </a:solidFill>
-                <a:latin typeface="+mj-lt"/>
-              </a:rPr>
-              <a:t>4. Смена скинов (светлый</a:t>
+              <a:t>Приложение рисует снимок карты, простой </a:t>
             </a:r>
             <a:r>
               <a:rPr lang="en-US" sz="2400" dirty="0">
                 <a:solidFill>
                   <a:srgbClr val="262636"/>
                 </a:solidFill>
-                <a:latin typeface="+mj-lt"/>
-              </a:rPr>
-              <a:t>/</a:t>
-            </a:r>
-            <a:r>
-              <a:rPr lang="ru-RU" sz="2400" dirty="0">
-                <a:solidFill>
-                  <a:srgbClr val="262636"/>
-                </a:solidFill>
-                <a:latin typeface="+mj-lt"/>
-              </a:rPr>
-              <a:t>тёмный) на лету</a:t>
-            </a:r>
-            <a:endParaRPr lang="en-US" sz="2400" dirty="0">
-              <a:solidFill>
-                <a:srgbClr val="262636"/>
-              </a:solidFill>
-              <a:latin typeface="+mj-lt"/>
-            </a:endParaRPr>
+              </a:rPr>
+              <a:t>UI,</a:t>
+            </a:r>
+            <a:r>
+              <a:rPr lang="ru-RU" sz="2400" dirty="0">
+                <a:solidFill>
+                  <a:srgbClr val="262636"/>
+                </a:solidFill>
+              </a:rPr>
+              <a:t> и демонстрирует некоторые возможности </a:t>
+            </a:r>
+            <a:r>
+              <a:rPr lang="en-US" sz="2400" dirty="0" err="1">
+                <a:solidFill>
+                  <a:srgbClr val="262636"/>
+                </a:solidFill>
+              </a:rPr>
+              <a:t>tirx</a:t>
+            </a:r>
+            <a:r>
+              <a:rPr lang="en-US" sz="2400" dirty="0">
+                <a:solidFill>
+                  <a:srgbClr val="262636"/>
+                </a:solidFill>
+              </a:rPr>
+              <a:t> </a:t>
+            </a:r>
+            <a:r>
+              <a:rPr lang="ru-RU" sz="2400" dirty="0">
+                <a:solidFill>
+                  <a:srgbClr val="262636"/>
+                </a:solidFill>
+              </a:rPr>
+              <a:t>и </a:t>
+            </a:r>
+            <a:r>
+              <a:rPr lang="en-US" sz="2400" dirty="0" err="1">
+                <a:solidFill>
+                  <a:srgbClr val="262636"/>
+                </a:solidFill>
+              </a:rPr>
+              <a:t>NoesisGUI</a:t>
+            </a:r>
+            <a:r>
+              <a:rPr lang="en-US" sz="2400" dirty="0">
+                <a:solidFill>
+                  <a:srgbClr val="262636"/>
+                </a:solidFill>
+              </a:rPr>
+              <a:t>:</a:t>
+            </a:r>
+          </a:p>
+          <a:p>
+            <a:r>
+              <a:rPr lang="en-US" sz="2400" dirty="0">
+                <a:solidFill>
+                  <a:srgbClr val="262636"/>
+                </a:solidFill>
+              </a:rPr>
+              <a:t>1</a:t>
+            </a:r>
+            <a:r>
+              <a:rPr lang="ru-RU" sz="2400" dirty="0">
+                <a:solidFill>
+                  <a:srgbClr val="262636"/>
+                </a:solidFill>
+              </a:rPr>
+              <a:t>. Источник (поток) </a:t>
+            </a:r>
+            <a:r>
+              <a:rPr lang="en-US" sz="2400" dirty="0">
+                <a:solidFill>
+                  <a:srgbClr val="262636"/>
+                </a:solidFill>
+              </a:rPr>
+              <a:t>NMEA-</a:t>
+            </a:r>
+            <a:r>
+              <a:rPr lang="ru-RU" sz="2400" dirty="0">
+                <a:solidFill>
+                  <a:srgbClr val="262636"/>
+                </a:solidFill>
+              </a:rPr>
+              <a:t>сообщений и два подписчика:</a:t>
+            </a:r>
+          </a:p>
+          <a:p>
+            <a:r>
+              <a:rPr lang="ru-RU" sz="2400" dirty="0">
+                <a:solidFill>
+                  <a:srgbClr val="262636"/>
+                </a:solidFill>
+              </a:rPr>
+              <a:t> – логгер </a:t>
+            </a:r>
+            <a:r>
+              <a:rPr lang="ru-RU" sz="2400" dirty="0" err="1">
+                <a:solidFill>
+                  <a:srgbClr val="262636"/>
+                </a:solidFill>
+              </a:rPr>
+              <a:t>журналирует</a:t>
+            </a:r>
+            <a:r>
+              <a:rPr lang="ru-RU" sz="2400" dirty="0">
+                <a:solidFill>
+                  <a:srgbClr val="262636"/>
+                </a:solidFill>
+              </a:rPr>
+              <a:t> их в файл</a:t>
+            </a:r>
           </a:p>
         </p:txBody>
       </p:sp>
     </p:spTree>
     <p:extLst>
       <p:ext uri="{BB962C8B-B14F-4D97-AF65-F5344CB8AC3E}">
-        <p14:creationId xmlns:p14="http://schemas.microsoft.com/office/powerpoint/2010/main" val="1370475917"/>
+        <p14:creationId xmlns:p14="http://schemas.microsoft.com/office/powerpoint/2010/main" val="2371298653"/>
       </p:ext>
     </p:extLst>
   </p:cSld>
@@ -43347,7 +44602,7 @@
         <p:spPr>
           <a:xfrm>
             <a:off x="1190625" y="1469836"/>
-            <a:ext cx="7686675" cy="2677656"/>
+            <a:ext cx="7686675" cy="3785652"/>
           </a:xfrm>
           <a:prstGeom prst="rect">
             <a:avLst/>
@@ -43366,76 +44621,237 @@
                   <a:srgbClr val="262636"/>
                 </a:solidFill>
               </a:rPr>
-              <a:t>3. Источник данных - поток координат - позиция мыши в окне, и подписчик, выводящий координаты на экран</a:t>
-            </a:r>
-          </a:p>
-          <a:p>
-            <a:r>
-              <a:rPr lang="ru-RU" sz="2400" dirty="0">
-                <a:solidFill>
-                  <a:srgbClr val="262636"/>
-                </a:solidFill>
-                <a:latin typeface="+mj-lt"/>
-              </a:rPr>
-              <a:t>4. Смена скинов (светлый</a:t>
+              <a:t>Приложение рисует снимок карты, простой </a:t>
             </a:r>
             <a:r>
               <a:rPr lang="en-US" sz="2400" dirty="0">
                 <a:solidFill>
                   <a:srgbClr val="262636"/>
                 </a:solidFill>
-                <a:latin typeface="+mj-lt"/>
-              </a:rPr>
-              <a:t>/</a:t>
-            </a:r>
-            <a:r>
-              <a:rPr lang="ru-RU" sz="2400" dirty="0">
-                <a:solidFill>
-                  <a:srgbClr val="262636"/>
-                </a:solidFill>
-                <a:latin typeface="+mj-lt"/>
-              </a:rPr>
-              <a:t>тёмный) на лету</a:t>
-            </a:r>
-            <a:endParaRPr lang="en-US" sz="2400" dirty="0">
-              <a:solidFill>
-                <a:srgbClr val="262636"/>
-              </a:solidFill>
-              <a:latin typeface="+mj-lt"/>
-            </a:endParaRPr>
-          </a:p>
-          <a:p>
+              </a:rPr>
+              <a:t>UI,</a:t>
+            </a:r>
+            <a:r>
+              <a:rPr lang="ru-RU" sz="2400" dirty="0">
+                <a:solidFill>
+                  <a:srgbClr val="262636"/>
+                </a:solidFill>
+              </a:rPr>
+              <a:t> и демонстрирует некоторые возможности </a:t>
+            </a:r>
+            <a:r>
+              <a:rPr lang="en-US" sz="2400" dirty="0" err="1">
+                <a:solidFill>
+                  <a:srgbClr val="262636"/>
+                </a:solidFill>
+              </a:rPr>
+              <a:t>tirx</a:t>
+            </a:r>
             <a:r>
               <a:rPr lang="en-US" sz="2400" dirty="0">
                 <a:solidFill>
                   <a:srgbClr val="262636"/>
                 </a:solidFill>
-                <a:latin typeface="+mj-lt"/>
-              </a:rPr>
-              <a:t>5. </a:t>
-            </a:r>
-            <a:r>
-              <a:rPr lang="ru-RU" sz="2400" dirty="0">
-                <a:solidFill>
-                  <a:srgbClr val="262636"/>
-                </a:solidFill>
-                <a:latin typeface="+mj-lt"/>
-              </a:rPr>
-              <a:t>Сделан реестр динамически загружаемых объектов с тривиальной реализацией (потому что это удобно)</a:t>
-            </a:r>
-            <a:endParaRPr lang="en-US" sz="2400" dirty="0">
-              <a:solidFill>
-                <a:srgbClr val="262636"/>
-              </a:solidFill>
-              <a:latin typeface="+mj-lt"/>
-            </a:endParaRPr>
+              </a:rPr>
+              <a:t> </a:t>
+            </a:r>
+            <a:r>
+              <a:rPr lang="ru-RU" sz="2400" dirty="0">
+                <a:solidFill>
+                  <a:srgbClr val="262636"/>
+                </a:solidFill>
+              </a:rPr>
+              <a:t>и </a:t>
+            </a:r>
+            <a:r>
+              <a:rPr lang="en-US" sz="2400" dirty="0" err="1">
+                <a:solidFill>
+                  <a:srgbClr val="262636"/>
+                </a:solidFill>
+              </a:rPr>
+              <a:t>NoesisGUI</a:t>
+            </a:r>
+            <a:r>
+              <a:rPr lang="en-US" sz="2400" dirty="0">
+                <a:solidFill>
+                  <a:srgbClr val="262636"/>
+                </a:solidFill>
+              </a:rPr>
+              <a:t>:</a:t>
+            </a:r>
+          </a:p>
+          <a:p>
+            <a:r>
+              <a:rPr lang="en-US" sz="2400" dirty="0">
+                <a:solidFill>
+                  <a:srgbClr val="262636"/>
+                </a:solidFill>
+              </a:rPr>
+              <a:t>1</a:t>
+            </a:r>
+            <a:r>
+              <a:rPr lang="ru-RU" sz="2400" dirty="0">
+                <a:solidFill>
+                  <a:srgbClr val="262636"/>
+                </a:solidFill>
+              </a:rPr>
+              <a:t>. Источник (поток) </a:t>
+            </a:r>
+            <a:r>
+              <a:rPr lang="en-US" sz="2400" dirty="0">
+                <a:solidFill>
+                  <a:srgbClr val="262636"/>
+                </a:solidFill>
+              </a:rPr>
+              <a:t>NMEA-</a:t>
+            </a:r>
+            <a:r>
+              <a:rPr lang="ru-RU" sz="2400" dirty="0">
+                <a:solidFill>
+                  <a:srgbClr val="262636"/>
+                </a:solidFill>
+              </a:rPr>
+              <a:t>сообщений и два подписчика:</a:t>
+            </a:r>
+          </a:p>
+          <a:p>
+            <a:r>
+              <a:rPr lang="ru-RU" sz="2400" dirty="0">
+                <a:solidFill>
+                  <a:srgbClr val="262636"/>
+                </a:solidFill>
+              </a:rPr>
+              <a:t> – логгер </a:t>
+            </a:r>
+            <a:r>
+              <a:rPr lang="ru-RU" sz="2400" dirty="0" err="1">
+                <a:solidFill>
+                  <a:srgbClr val="262636"/>
+                </a:solidFill>
+              </a:rPr>
+              <a:t>журналирует</a:t>
+            </a:r>
+            <a:r>
+              <a:rPr lang="ru-RU" sz="2400" dirty="0">
+                <a:solidFill>
+                  <a:srgbClr val="262636"/>
+                </a:solidFill>
+              </a:rPr>
+              <a:t> их в файл</a:t>
+            </a:r>
+          </a:p>
+          <a:p>
+            <a:r>
+              <a:rPr lang="ru-RU" sz="2400" dirty="0">
+                <a:solidFill>
+                  <a:srgbClr val="262636"/>
+                </a:solidFill>
+              </a:rPr>
+              <a:t> - </a:t>
+            </a:r>
+            <a:r>
+              <a:rPr lang="en-US" sz="2400" dirty="0" err="1">
+                <a:solidFill>
+                  <a:srgbClr val="262636"/>
+                </a:solidFill>
+              </a:rPr>
+              <a:t>NmeaProcessor</a:t>
+            </a:r>
+            <a:r>
+              <a:rPr lang="ru-RU" sz="2400" dirty="0">
+                <a:solidFill>
+                  <a:srgbClr val="262636"/>
+                </a:solidFill>
+              </a:rPr>
+              <a:t> обрабатывает, и формирует </a:t>
+            </a:r>
+            <a:r>
+              <a:rPr lang="en-US" sz="2400" dirty="0">
+                <a:solidFill>
+                  <a:srgbClr val="262636"/>
+                </a:solidFill>
+              </a:rPr>
+              <a:t>	</a:t>
+            </a:r>
+            <a:r>
+              <a:rPr lang="ru-RU" sz="2400" dirty="0">
+                <a:solidFill>
+                  <a:srgbClr val="262636"/>
+                </a:solidFill>
+              </a:rPr>
+              <a:t>два других потока – один с неизменными </a:t>
+            </a:r>
+            <a:r>
+              <a:rPr lang="en-US" sz="2400" dirty="0">
+                <a:solidFill>
+                  <a:srgbClr val="262636"/>
+                </a:solidFill>
+              </a:rPr>
+              <a:t>	</a:t>
+            </a:r>
+            <a:r>
+              <a:rPr lang="ru-RU" sz="2400" dirty="0">
+                <a:solidFill>
+                  <a:srgbClr val="262636"/>
+                </a:solidFill>
+              </a:rPr>
+              <a:t>сообщениями, другой – с координатами </a:t>
+            </a:r>
+            <a:r>
+              <a:rPr lang="en-US" sz="2400" dirty="0" err="1">
+                <a:solidFill>
+                  <a:srgbClr val="262636"/>
+                </a:solidFill>
+              </a:rPr>
+              <a:t>lat</a:t>
+            </a:r>
+            <a:r>
+              <a:rPr lang="en-US" sz="2400" dirty="0">
+                <a:solidFill>
+                  <a:srgbClr val="262636"/>
+                </a:solidFill>
+              </a:rPr>
+              <a:t>, 	</a:t>
+            </a:r>
+            <a:r>
+              <a:rPr lang="en-US" sz="2400" dirty="0" err="1">
+                <a:solidFill>
+                  <a:srgbClr val="262636"/>
+                </a:solidFill>
+              </a:rPr>
+              <a:t>lon</a:t>
+            </a:r>
+            <a:r>
+              <a:rPr lang="en-US" sz="2400" dirty="0">
+                <a:solidFill>
+                  <a:srgbClr val="262636"/>
+                </a:solidFill>
+              </a:rPr>
+              <a:t>. </a:t>
+            </a:r>
+            <a:r>
+              <a:rPr lang="ru-RU" sz="2400" dirty="0">
+                <a:solidFill>
+                  <a:srgbClr val="262636"/>
+                </a:solidFill>
+              </a:rPr>
+              <a:t>Эти данные выводятся на </a:t>
+            </a:r>
+            <a:r>
+              <a:rPr lang="en-US" sz="2400" dirty="0">
+                <a:solidFill>
+                  <a:srgbClr val="262636"/>
+                </a:solidFill>
+              </a:rPr>
+              <a:t>UI</a:t>
+            </a:r>
           </a:p>
         </p:txBody>
       </p:sp>
     </p:spTree>
     <p:extLst>
       <p:ext uri="{BB962C8B-B14F-4D97-AF65-F5344CB8AC3E}">
-        <p14:creationId xmlns:p14="http://schemas.microsoft.com/office/powerpoint/2010/main" val="907278065"/>
+        <p14:creationId xmlns:p14="http://schemas.microsoft.com/office/powerpoint/2010/main" val="3381425665"/>
       </p:ext>
     </p:extLst>
   </p:cSld>
@@ -43600,7 +45016,7 @@
         <p:spPr>
           <a:xfrm>
             <a:off x="1190625" y="1469836"/>
-            <a:ext cx="7686675" cy="4893647"/>
+            <a:ext cx="7686675" cy="4524315"/>
           </a:xfrm>
           <a:prstGeom prst="rect">
             <a:avLst/>
@@ -43619,139 +45035,276 @@
                   <a:srgbClr val="262636"/>
                 </a:solidFill>
               </a:rPr>
-              <a:t>3. Источник данных - поток координат - позиция мыши в окне, и подписчик, выводящий координаты на экран</a:t>
-            </a:r>
-          </a:p>
-          <a:p>
-            <a:r>
-              <a:rPr lang="ru-RU" sz="2400" dirty="0">
-                <a:solidFill>
-                  <a:srgbClr val="262636"/>
-                </a:solidFill>
-                <a:latin typeface="+mj-lt"/>
-              </a:rPr>
-              <a:t>4. Смена скинов (светлый</a:t>
+              <a:t>Приложение рисует снимок карты, простой </a:t>
             </a:r>
             <a:r>
               <a:rPr lang="en-US" sz="2400" dirty="0">
                 <a:solidFill>
                   <a:srgbClr val="262636"/>
                 </a:solidFill>
-                <a:latin typeface="+mj-lt"/>
-              </a:rPr>
-              <a:t>/</a:t>
-            </a:r>
-            <a:r>
-              <a:rPr lang="ru-RU" sz="2400" dirty="0">
-                <a:solidFill>
-                  <a:srgbClr val="262636"/>
-                </a:solidFill>
-                <a:latin typeface="+mj-lt"/>
-              </a:rPr>
-              <a:t>тёмный) на лету</a:t>
+              </a:rPr>
+              <a:t>UI,</a:t>
+            </a:r>
+            <a:r>
+              <a:rPr lang="ru-RU" sz="2400" dirty="0">
+                <a:solidFill>
+                  <a:srgbClr val="262636"/>
+                </a:solidFill>
+              </a:rPr>
+              <a:t> и демонстрирует некоторые возможности </a:t>
+            </a:r>
+            <a:r>
+              <a:rPr lang="en-US" sz="2400" dirty="0" err="1">
+                <a:solidFill>
+                  <a:srgbClr val="262636"/>
+                </a:solidFill>
+              </a:rPr>
+              <a:t>tirx</a:t>
+            </a:r>
+            <a:r>
+              <a:rPr lang="en-US" sz="2400" dirty="0">
+                <a:solidFill>
+                  <a:srgbClr val="262636"/>
+                </a:solidFill>
+              </a:rPr>
+              <a:t> </a:t>
+            </a:r>
+            <a:r>
+              <a:rPr lang="ru-RU" sz="2400" dirty="0">
+                <a:solidFill>
+                  <a:srgbClr val="262636"/>
+                </a:solidFill>
+              </a:rPr>
+              <a:t>и </a:t>
+            </a:r>
+            <a:r>
+              <a:rPr lang="en-US" sz="2400" dirty="0" err="1">
+                <a:solidFill>
+                  <a:srgbClr val="262636"/>
+                </a:solidFill>
+              </a:rPr>
+              <a:t>NoesisGUI</a:t>
+            </a:r>
+            <a:r>
+              <a:rPr lang="en-US" sz="2400" dirty="0">
+                <a:solidFill>
+                  <a:srgbClr val="262636"/>
+                </a:solidFill>
+              </a:rPr>
+              <a:t>:</a:t>
+            </a:r>
+          </a:p>
+          <a:p>
+            <a:r>
+              <a:rPr lang="en-US" sz="2400" dirty="0">
+                <a:solidFill>
+                  <a:srgbClr val="262636"/>
+                </a:solidFill>
+              </a:rPr>
+              <a:t>1</a:t>
+            </a:r>
+            <a:r>
+              <a:rPr lang="ru-RU" sz="2400" dirty="0">
+                <a:solidFill>
+                  <a:srgbClr val="262636"/>
+                </a:solidFill>
+              </a:rPr>
+              <a:t>. Источник (поток) </a:t>
+            </a:r>
+            <a:r>
+              <a:rPr lang="en-US" sz="2400" dirty="0">
+                <a:solidFill>
+                  <a:srgbClr val="262636"/>
+                </a:solidFill>
+              </a:rPr>
+              <a:t>NMEA-</a:t>
+            </a:r>
+            <a:r>
+              <a:rPr lang="ru-RU" sz="2400" dirty="0">
+                <a:solidFill>
+                  <a:srgbClr val="262636"/>
+                </a:solidFill>
+              </a:rPr>
+              <a:t>сообщений и два подписчика:</a:t>
+            </a:r>
+          </a:p>
+          <a:p>
+            <a:r>
+              <a:rPr lang="ru-RU" sz="2400" dirty="0">
+                <a:solidFill>
+                  <a:srgbClr val="262636"/>
+                </a:solidFill>
+              </a:rPr>
+              <a:t> – логгер </a:t>
+            </a:r>
+            <a:r>
+              <a:rPr lang="ru-RU" sz="2400" dirty="0" err="1">
+                <a:solidFill>
+                  <a:srgbClr val="262636"/>
+                </a:solidFill>
+              </a:rPr>
+              <a:t>журналирует</a:t>
+            </a:r>
+            <a:r>
+              <a:rPr lang="ru-RU" sz="2400" dirty="0">
+                <a:solidFill>
+                  <a:srgbClr val="262636"/>
+                </a:solidFill>
+              </a:rPr>
+              <a:t> их в файл</a:t>
+            </a:r>
+          </a:p>
+          <a:p>
+            <a:r>
+              <a:rPr lang="ru-RU" sz="2400" dirty="0">
+                <a:solidFill>
+                  <a:srgbClr val="262636"/>
+                </a:solidFill>
+              </a:rPr>
+              <a:t> - </a:t>
+            </a:r>
+            <a:r>
+              <a:rPr lang="en-US" sz="2400" dirty="0" err="1">
+                <a:solidFill>
+                  <a:srgbClr val="262636"/>
+                </a:solidFill>
+              </a:rPr>
+              <a:t>NmeaProcessor</a:t>
+            </a:r>
+            <a:r>
+              <a:rPr lang="ru-RU" sz="2400" dirty="0">
+                <a:solidFill>
+                  <a:srgbClr val="262636"/>
+                </a:solidFill>
+              </a:rPr>
+              <a:t> обрабатывает, и формирует </a:t>
+            </a:r>
+            <a:r>
+              <a:rPr lang="en-US" sz="2400" dirty="0">
+                <a:solidFill>
+                  <a:srgbClr val="262636"/>
+                </a:solidFill>
+              </a:rPr>
+              <a:t>	</a:t>
+            </a:r>
+            <a:r>
+              <a:rPr lang="ru-RU" sz="2400" dirty="0">
+                <a:solidFill>
+                  <a:srgbClr val="262636"/>
+                </a:solidFill>
+              </a:rPr>
+              <a:t>два других потока – один с неизменными </a:t>
+            </a:r>
+            <a:r>
+              <a:rPr lang="en-US" sz="2400" dirty="0">
+                <a:solidFill>
+                  <a:srgbClr val="262636"/>
+                </a:solidFill>
+              </a:rPr>
+              <a:t>	</a:t>
+            </a:r>
+            <a:r>
+              <a:rPr lang="ru-RU" sz="2400" dirty="0">
+                <a:solidFill>
+                  <a:srgbClr val="262636"/>
+                </a:solidFill>
+              </a:rPr>
+              <a:t>сообщениями, другой – с координатами </a:t>
+            </a:r>
+            <a:r>
+              <a:rPr lang="en-US" sz="2400" dirty="0" err="1">
+                <a:solidFill>
+                  <a:srgbClr val="262636"/>
+                </a:solidFill>
+              </a:rPr>
+              <a:t>lat</a:t>
+            </a:r>
+            <a:r>
+              <a:rPr lang="en-US" sz="2400" dirty="0">
+                <a:solidFill>
+                  <a:srgbClr val="262636"/>
+                </a:solidFill>
+              </a:rPr>
+              <a:t>, 	</a:t>
+            </a:r>
+            <a:r>
+              <a:rPr lang="en-US" sz="2400" dirty="0" err="1">
+                <a:solidFill>
+                  <a:srgbClr val="262636"/>
+                </a:solidFill>
+              </a:rPr>
+              <a:t>lon</a:t>
+            </a:r>
+            <a:r>
+              <a:rPr lang="en-US" sz="2400" dirty="0">
+                <a:solidFill>
+                  <a:srgbClr val="262636"/>
+                </a:solidFill>
+              </a:rPr>
+              <a:t>. </a:t>
+            </a:r>
+            <a:r>
+              <a:rPr lang="ru-RU" sz="2400" dirty="0">
+                <a:solidFill>
+                  <a:srgbClr val="262636"/>
+                </a:solidFill>
+              </a:rPr>
+              <a:t>Эти данные выводятся на </a:t>
+            </a:r>
+            <a:r>
+              <a:rPr lang="en-US" sz="2400" dirty="0">
+                <a:solidFill>
+                  <a:srgbClr val="262636"/>
+                </a:solidFill>
+              </a:rPr>
+              <a:t>UI</a:t>
+            </a:r>
+          </a:p>
+          <a:p>
+            <a:r>
+              <a:rPr lang="en-US" sz="2400" dirty="0">
+                <a:solidFill>
+                  <a:srgbClr val="262636"/>
+                </a:solidFill>
+              </a:rPr>
+              <a:t>2. </a:t>
+            </a:r>
+            <a:r>
+              <a:rPr lang="ru-RU" sz="2400" dirty="0">
+                <a:solidFill>
+                  <a:srgbClr val="262636"/>
+                </a:solidFill>
+              </a:rPr>
+              <a:t>Источник записей в лог из </a:t>
+            </a:r>
+            <a:r>
+              <a:rPr lang="en-US" sz="2400" dirty="0">
+                <a:solidFill>
+                  <a:srgbClr val="262636"/>
+                </a:solidFill>
+              </a:rPr>
+              <a:t>UI</a:t>
+            </a:r>
+            <a:r>
+              <a:rPr lang="ru-RU" sz="2400" dirty="0">
+                <a:solidFill>
+                  <a:srgbClr val="262636"/>
+                </a:solidFill>
+              </a:rPr>
+              <a:t>, и подписчик в компоненте журналирования</a:t>
             </a:r>
             <a:endParaRPr lang="en-US" sz="2400" dirty="0">
               <a:solidFill>
                 <a:srgbClr val="262636"/>
               </a:solidFill>
-              <a:latin typeface="+mj-lt"/>
             </a:endParaRPr>
-          </a:p>
-          <a:p>
-            <a:r>
-              <a:rPr lang="en-US" sz="2400" dirty="0">
-                <a:solidFill>
-                  <a:srgbClr val="262636"/>
-                </a:solidFill>
-                <a:latin typeface="+mj-lt"/>
-              </a:rPr>
-              <a:t>5. </a:t>
-            </a:r>
-            <a:r>
-              <a:rPr lang="ru-RU" sz="2400" dirty="0">
-                <a:solidFill>
-                  <a:srgbClr val="262636"/>
-                </a:solidFill>
-                <a:latin typeface="+mj-lt"/>
-              </a:rPr>
-              <a:t>Сделан реестр динамически загружаемых объектов с тривиальной реализацией</a:t>
-            </a:r>
-            <a:r>
-              <a:rPr lang="ru-RU" sz="2400" dirty="0">
-                <a:solidFill>
-                  <a:srgbClr val="262636"/>
-                </a:solidFill>
-              </a:rPr>
-              <a:t> (потому что это удобно)</a:t>
-            </a:r>
-            <a:endParaRPr lang="en-US" sz="2400" dirty="0">
-              <a:solidFill>
-                <a:srgbClr val="262636"/>
-              </a:solidFill>
-              <a:latin typeface="+mj-lt"/>
-            </a:endParaRPr>
-          </a:p>
-          <a:p>
-            <a:endParaRPr lang="en-US" sz="2400" dirty="0">
-              <a:solidFill>
-                <a:srgbClr val="262636"/>
-              </a:solidFill>
-              <a:latin typeface="+mj-lt"/>
-            </a:endParaRPr>
-          </a:p>
-          <a:p>
-            <a:r>
-              <a:rPr lang="ru-RU" sz="2400" dirty="0">
-                <a:solidFill>
-                  <a:srgbClr val="262636"/>
-                </a:solidFill>
-                <a:latin typeface="+mj-lt"/>
-              </a:rPr>
-              <a:t>Как видно из описания, с помощью потоков, реализован обмен между всеми слоями </a:t>
-            </a:r>
-            <a:r>
-              <a:rPr lang="en-US" sz="2400" dirty="0">
-                <a:solidFill>
-                  <a:srgbClr val="262636"/>
-                </a:solidFill>
-                <a:latin typeface="+mj-lt"/>
-              </a:rPr>
-              <a:t>(BE, BL, UI)</a:t>
-            </a:r>
-            <a:r>
-              <a:rPr lang="ru-RU" sz="2400" dirty="0">
-                <a:solidFill>
-                  <a:srgbClr val="262636"/>
-                </a:solidFill>
-                <a:latin typeface="+mj-lt"/>
-              </a:rPr>
-              <a:t>. </a:t>
-            </a:r>
-            <a:r>
-              <a:rPr lang="en-US" sz="2400" dirty="0">
-                <a:solidFill>
-                  <a:srgbClr val="262636"/>
-                </a:solidFill>
-                <a:latin typeface="+mj-lt"/>
-              </a:rPr>
-              <a:t>GUI </a:t>
-            </a:r>
-            <a:r>
-              <a:rPr lang="ru-RU" sz="2400" dirty="0">
-                <a:solidFill>
-                  <a:srgbClr val="262636"/>
-                </a:solidFill>
-                <a:latin typeface="+mj-lt"/>
-              </a:rPr>
-              <a:t>подключён как плагин, а в логгере нет блокировок за счёт выделения отдельного потока.</a:t>
-            </a:r>
           </a:p>
         </p:txBody>
       </p:sp>
     </p:spTree>
     <p:extLst>
       <p:ext uri="{BB962C8B-B14F-4D97-AF65-F5344CB8AC3E}">
-        <p14:creationId xmlns:p14="http://schemas.microsoft.com/office/powerpoint/2010/main" val="38587208"/>
+        <p14:creationId xmlns:p14="http://schemas.microsoft.com/office/powerpoint/2010/main" val="1354486694"/>
       </p:ext>
     </p:extLst>
   </p:cSld>
@@ -43936,7 +45489,25 @@
                 </a:solidFill>
                 <a:latin typeface="+mj-lt"/>
               </a:rPr>
-              <a:t>Понятно, что это лишь концепт преодоления объективных проблем текущих реализаций, однако он закладывает:</a:t>
+              <a:t>3. Источник данных - поток координат</a:t>
+            </a:r>
+            <a:r>
+              <a:rPr lang="en-US" sz="2400" dirty="0">
+                <a:solidFill>
+                  <a:srgbClr val="262636"/>
+                </a:solidFill>
+                <a:latin typeface="+mj-lt"/>
+              </a:rPr>
+              <a:t> (x, y)</a:t>
+            </a:r>
+            <a:r>
+              <a:rPr lang="ru-RU" sz="2400" dirty="0">
+                <a:solidFill>
+                  <a:srgbClr val="262636"/>
+                </a:solidFill>
+                <a:latin typeface="+mj-lt"/>
+              </a:rPr>
+              <a:t> - позиция мыши в окне, и подписчик, выводящий координаты на экран</a:t>
             </a:r>
           </a:p>
           <a:p>
@@ -43952,7 +45523,7 @@
     </p:spTree>
     <p:extLst>
       <p:ext uri="{BB962C8B-B14F-4D97-AF65-F5344CB8AC3E}">
-        <p14:creationId xmlns:p14="http://schemas.microsoft.com/office/powerpoint/2010/main" val="1092159407"/>
+        <p14:creationId xmlns:p14="http://schemas.microsoft.com/office/powerpoint/2010/main" val="4243001828"/>
       </p:ext>
     </p:extLst>
   </p:cSld>
@@ -44117,7 +45688,7 @@
         <p:spPr>
           <a:xfrm>
             <a:off x="1190625" y="1469836"/>
-            <a:ext cx="7686675" cy="1938992"/>
+            <a:ext cx="7686675" cy="1569660"/>
           </a:xfrm>
           <a:prstGeom prst="rect">
             <a:avLst/>
@@ -44135,24 +45706,55 @@
                 <a:solidFill>
                   <a:srgbClr val="262636"/>
                 </a:solidFill>
+              </a:rPr>
+              <a:t>3. Источник данных - поток координат </a:t>
+            </a:r>
+            <a:r>
+              <a:rPr lang="en-US" sz="2400" dirty="0">
+                <a:solidFill>
+                  <a:srgbClr val="262636"/>
+                </a:solidFill>
+              </a:rPr>
+              <a:t>(x, y) </a:t>
+            </a:r>
+            <a:r>
+              <a:rPr lang="ru-RU" sz="2400" dirty="0">
+                <a:solidFill>
+                  <a:srgbClr val="262636"/>
+                </a:solidFill>
+              </a:rPr>
+              <a:t>- позиция мыши в окне, и подписчик, выводящий координаты на экран</a:t>
+            </a:r>
+          </a:p>
+          <a:p>
+            <a:r>
+              <a:rPr lang="ru-RU" sz="2400" dirty="0">
+                <a:solidFill>
+                  <a:srgbClr val="262636"/>
+                </a:solidFill>
                 <a:latin typeface="+mj-lt"/>
               </a:rPr>
-              <a:t>Понятно, что это лишь концепт преодоления объективных проблем текущих реализаций, однако он закладывает:</a:t>
-            </a:r>
-          </a:p>
-          <a:p>
-            <a:r>
-              <a:rPr lang="ru-RU" sz="2400" dirty="0">
+              <a:t>4. Смена скинов (светлый</a:t>
+            </a:r>
+            <a:r>
+              <a:rPr lang="en-US" sz="2400" dirty="0">
                 <a:solidFill>
                   <a:srgbClr val="262636"/>
                 </a:solidFill>
                 <a:latin typeface="+mj-lt"/>
               </a:rPr>
-              <a:t>- правильное разделение сущностей</a:t>
-            </a:r>
-          </a:p>
-          <a:p>
-            <a:endParaRPr lang="ru-RU" sz="2400" dirty="0">
+              <a:t>/</a:t>
+            </a:r>
+            <a:r>
+              <a:rPr lang="ru-RU" sz="2400" dirty="0">
+                <a:solidFill>
+                  <a:srgbClr val="262636"/>
+                </a:solidFill>
+                <a:latin typeface="+mj-lt"/>
+              </a:rPr>
+              <a:t>тёмный) на лету</a:t>
+            </a:r>
+            <a:endParaRPr lang="en-US" sz="2400" dirty="0">
               <a:solidFill>
                 <a:srgbClr val="262636"/>
               </a:solidFill>
@@ -44164,7 +45766,7 @@
     </p:spTree>
     <p:extLst>
       <p:ext uri="{BB962C8B-B14F-4D97-AF65-F5344CB8AC3E}">
-        <p14:creationId xmlns:p14="http://schemas.microsoft.com/office/powerpoint/2010/main" val="4045884384"/>
+        <p14:creationId xmlns:p14="http://schemas.microsoft.com/office/powerpoint/2010/main" val="1370475917"/>
       </p:ext>
     </p:extLst>
   </p:cSld>
@@ -44329,7 +45931,7 @@
         <p:spPr>
           <a:xfrm>
             <a:off x="1190625" y="1469836"/>
-            <a:ext cx="7686675" cy="3416320"/>
+            <a:ext cx="7686675" cy="2677656"/>
           </a:xfrm>
           <a:prstGeom prst="rect">
             <a:avLst/>
@@ -44347,23 +45949,45 @@
                 <a:solidFill>
                   <a:srgbClr val="262636"/>
                 </a:solidFill>
+              </a:rPr>
+              <a:t>3. Источник данных - поток координат </a:t>
+            </a:r>
+            <a:r>
+              <a:rPr lang="en-US" sz="2400" dirty="0">
+                <a:solidFill>
+                  <a:srgbClr val="262636"/>
+                </a:solidFill>
+              </a:rPr>
+              <a:t>(x, y) </a:t>
+            </a:r>
+            <a:r>
+              <a:rPr lang="ru-RU" sz="2400" dirty="0">
+                <a:solidFill>
+                  <a:srgbClr val="262636"/>
+                </a:solidFill>
+              </a:rPr>
+              <a:t>- позиция мыши в окне, и подписчик, выводящий координаты на экран</a:t>
+            </a:r>
+          </a:p>
+          <a:p>
+            <a:r>
+              <a:rPr lang="ru-RU" sz="2400" dirty="0">
+                <a:solidFill>
+                  <a:srgbClr val="262636"/>
+                </a:solidFill>
                 <a:latin typeface="+mj-lt"/>
               </a:rPr>
-              <a:t>Понятно, что это лишь концепт преодоления объективных проблем текущих реализаций, однако он закладывает:</a:t>
-            </a:r>
-          </a:p>
-          <a:p>
-            <a:r>
-              <a:rPr lang="ru-RU" sz="2400" dirty="0">
+              <a:t>4. Смена скинов (светлый</a:t>
+            </a:r>
+            <a:r>
+              <a:rPr lang="en-US" sz="2400" dirty="0">
                 <a:solidFill>
                   <a:srgbClr val="262636"/>
                 </a:solidFill>
                 <a:latin typeface="+mj-lt"/>
               </a:rPr>
-              <a:t>- правильное разделение сущностей</a:t>
-            </a:r>
-          </a:p>
-          <a:p>
+              <a:t>/</a:t>
+            </a:r>
             <a:r>
               <a:rPr lang="ru-RU" sz="2400" dirty="0">
                 <a:solidFill>
@@ -44371,23 +45995,47 @@
                 </a:solidFill>
                 <a:latin typeface="+mj-lt"/>
               </a:rPr>
-              <a:t>- отсрочку принятия решений по выбору библиотек (и снижение затрат на замену) вследствие ослабления взаимосвязей между компонентами</a:t>
-            </a:r>
-          </a:p>
-          <a:p>
-            <a:endParaRPr lang="ru-RU" sz="2400" dirty="0">
+              <a:t>тёмный) на лету</a:t>
+            </a:r>
+            <a:endParaRPr lang="en-US" sz="2400" dirty="0">
               <a:solidFill>
                 <a:srgbClr val="262636"/>
               </a:solidFill>
               <a:latin typeface="+mj-lt"/>
             </a:endParaRPr>
           </a:p>
+          <a:p>
+            <a:r>
+              <a:rPr lang="en-US" sz="2400" dirty="0">
+                <a:solidFill>
+                  <a:srgbClr val="262636"/>
+                </a:solidFill>
+                <a:latin typeface="+mj-lt"/>
+              </a:rPr>
+              <a:t>5. </a:t>
+            </a:r>
+            <a:r>
+              <a:rPr lang="ru-RU" sz="2400" dirty="0">
+                <a:solidFill>
+                  <a:srgbClr val="262636"/>
+                </a:solidFill>
+                <a:latin typeface="+mj-lt"/>
+              </a:rPr>
+              <a:t>Сделан реестр динамически загружаемых объектов с тривиальной реализацией (потому что это удобно)</a:t>
+            </a:r>
+            <a:endParaRPr lang="en-US" sz="2400" dirty="0">
+              <a:solidFill>
+                <a:srgbClr val="262636"/>
+              </a:solidFill>
+              <a:latin typeface="+mj-lt"/>
+            </a:endParaRPr>
+          </a:p>
         </p:txBody>
       </p:sp>
     </p:spTree>
     <p:extLst>
       <p:ext uri="{BB962C8B-B14F-4D97-AF65-F5344CB8AC3E}">
-        <p14:creationId xmlns:p14="http://schemas.microsoft.com/office/powerpoint/2010/main" val="3031329593"/>
+        <p14:creationId xmlns:p14="http://schemas.microsoft.com/office/powerpoint/2010/main" val="907278065"/>
       </p:ext>
     </p:extLst>
   </p:cSld>

--- a/rx_presentation.pptx
+++ b/rx_presentation.pptx
@@ -317,7 +317,7 @@
           <a:p>
             <a:fld id="{BE2DD1C9-4BB6-422A-8F34-C157EA500BD9}" type="datetimeFigureOut">
               <a:rPr lang="en-US" smtClean="0"/>
-              <a:t>2/15/2021</a:t>
+              <a:t>2/16/2021</a:t>
             </a:fld>
             <a:endParaRPr lang="en-US"/>
           </a:p>
@@ -836,7 +836,7 @@
             </a:ln>
             <a:extLst>
               <a:ext uri="{91240B29-F687-4f45-9708-019B960494DF}">
-                <a14:hiddenLine xmlns:a14="http://schemas.microsoft.com/office/drawing/2010/main" xmlns="" w="9525">
+                <a14:hiddenLine xmlns="" xmlns:a14="http://schemas.microsoft.com/office/drawing/2010/main" w="9525">
                   <a:solidFill>
                     <a:srgbClr val="000000"/>
                   </a:solidFill>
@@ -1033,7 +1033,7 @@
           <a:p>
             <a:fld id="{1DBD9794-A4CC-42D0-9A65-24C6B9EF4076}" type="datetimeFigureOut">
               <a:rPr lang="en-US" smtClean="0"/>
-              <a:t>2/15/2021</a:t>
+              <a:t>2/16/2021</a:t>
             </a:fld>
             <a:endParaRPr lang="en-US"/>
           </a:p>
@@ -1917,7 +1917,7 @@
             </a:ln>
             <a:extLst>
               <a:ext uri="{91240B29-F687-4f45-9708-019B960494DF}">
-                <a14:hiddenLine xmlns:a14="http://schemas.microsoft.com/office/drawing/2010/main" xmlns="" w="9525">
+                <a14:hiddenLine xmlns="" xmlns:a14="http://schemas.microsoft.com/office/drawing/2010/main" w="9525">
                   <a:solidFill>
                     <a:srgbClr val="000000"/>
                   </a:solidFill>
@@ -2134,7 +2134,7 @@
           <a:p>
             <a:fld id="{1DBD9794-A4CC-42D0-9A65-24C6B9EF4076}" type="datetimeFigureOut">
               <a:rPr lang="en-US" smtClean="0"/>
-              <a:t>2/15/2021</a:t>
+              <a:t>2/16/2021</a:t>
             </a:fld>
             <a:endParaRPr lang="en-US"/>
           </a:p>
@@ -3003,7 +3003,7 @@
             </a:ln>
             <a:extLst>
               <a:ext uri="{91240B29-F687-4f45-9708-019B960494DF}">
-                <a14:hiddenLine xmlns:a14="http://schemas.microsoft.com/office/drawing/2010/main" xmlns="" w="9525">
+                <a14:hiddenLine xmlns="" xmlns:a14="http://schemas.microsoft.com/office/drawing/2010/main" w="9525">
                   <a:solidFill>
                     <a:srgbClr val="000000"/>
                   </a:solidFill>
@@ -3132,7 +3132,7 @@
           <a:p>
             <a:fld id="{1DBD9794-A4CC-42D0-9A65-24C6B9EF4076}" type="datetimeFigureOut">
               <a:rPr lang="en-US" smtClean="0"/>
-              <a:t>2/15/2021</a:t>
+              <a:t>2/16/2021</a:t>
             </a:fld>
             <a:endParaRPr lang="en-US"/>
           </a:p>
@@ -3964,7 +3964,7 @@
             </a:ln>
             <a:extLst>
               <a:ext uri="{91240B29-F687-4f45-9708-019B960494DF}">
-                <a14:hiddenLine xmlns:a14="http://schemas.microsoft.com/office/drawing/2010/main" xmlns="" w="9525">
+                <a14:hiddenLine xmlns="" xmlns:a14="http://schemas.microsoft.com/office/drawing/2010/main" w="9525">
                   <a:solidFill>
                     <a:srgbClr val="000000"/>
                   </a:solidFill>
@@ -4247,7 +4247,7 @@
           <a:p>
             <a:fld id="{1DBD9794-A4CC-42D0-9A65-24C6B9EF4076}" type="datetimeFigureOut">
               <a:rPr lang="en-US" smtClean="0"/>
-              <a:t>2/15/2021</a:t>
+              <a:t>2/16/2021</a:t>
             </a:fld>
             <a:endParaRPr lang="en-US"/>
           </a:p>
@@ -5079,7 +5079,7 @@
             </a:ln>
             <a:extLst>
               <a:ext uri="{91240B29-F687-4f45-9708-019B960494DF}">
-                <a14:hiddenLine xmlns:a14="http://schemas.microsoft.com/office/drawing/2010/main" xmlns="" w="9525">
+                <a14:hiddenLine xmlns="" xmlns:a14="http://schemas.microsoft.com/office/drawing/2010/main" w="9525">
                   <a:solidFill>
                     <a:srgbClr val="000000"/>
                   </a:solidFill>
@@ -5261,7 +5261,7 @@
           <a:p>
             <a:fld id="{1DBD9794-A4CC-42D0-9A65-24C6B9EF4076}" type="datetimeFigureOut">
               <a:rPr lang="en-US" smtClean="0"/>
-              <a:t>2/15/2021</a:t>
+              <a:t>2/16/2021</a:t>
             </a:fld>
             <a:endParaRPr lang="en-US"/>
           </a:p>
@@ -5933,7 +5933,7 @@
           <a:p>
             <a:fld id="{1DBD9794-A4CC-42D0-9A65-24C6B9EF4076}" type="datetimeFigureOut">
               <a:rPr lang="en-US" smtClean="0"/>
-              <a:t>2/15/2021</a:t>
+              <a:t>2/16/2021</a:t>
             </a:fld>
             <a:endParaRPr lang="en-US"/>
           </a:p>
@@ -6806,7 +6806,7 @@
           <a:p>
             <a:fld id="{1DBD9794-A4CC-42D0-9A65-24C6B9EF4076}" type="datetimeFigureOut">
               <a:rPr lang="en-US" smtClean="0"/>
-              <a:t>2/15/2021</a:t>
+              <a:t>2/16/2021</a:t>
             </a:fld>
             <a:endParaRPr lang="en-US"/>
           </a:p>
@@ -6993,7 +6993,7 @@
           <a:p>
             <a:fld id="{1DBD9794-A4CC-42D0-9A65-24C6B9EF4076}" type="datetimeFigureOut">
               <a:rPr lang="en-US" smtClean="0"/>
-              <a:t>2/15/2021</a:t>
+              <a:t>2/16/2021</a:t>
             </a:fld>
             <a:endParaRPr lang="en-US"/>
           </a:p>
@@ -7828,7 +7828,7 @@
           </a:ln>
           <a:extLst>
             <a:ext uri="{91240B29-F687-4f45-9708-019B960494DF}">
-              <a14:hiddenLine xmlns:a14="http://schemas.microsoft.com/office/drawing/2010/main" xmlns="" w="9525">
+              <a14:hiddenLine xmlns="" xmlns:a14="http://schemas.microsoft.com/office/drawing/2010/main" w="9525">
                 <a:solidFill>
                   <a:srgbClr val="000000"/>
                 </a:solidFill>
@@ -7942,7 +7942,7 @@
           <a:p>
             <a:fld id="{1DBD9794-A4CC-42D0-9A65-24C6B9EF4076}" type="datetimeFigureOut">
               <a:rPr lang="en-US" smtClean="0"/>
-              <a:t>2/15/2021</a:t>
+              <a:t>2/16/2021</a:t>
             </a:fld>
             <a:endParaRPr lang="en-US"/>
           </a:p>
@@ -8174,7 +8174,7 @@
           <a:p>
             <a:fld id="{1DBD9794-A4CC-42D0-9A65-24C6B9EF4076}" type="datetimeFigureOut">
               <a:rPr lang="en-US" smtClean="0"/>
-              <a:t>2/15/2021</a:t>
+              <a:t>2/16/2021</a:t>
             </a:fld>
             <a:endParaRPr lang="en-US"/>
           </a:p>
@@ -9003,7 +9003,7 @@
             </a:ln>
             <a:extLst>
               <a:ext uri="{91240B29-F687-4f45-9708-019B960494DF}">
-                <a14:hiddenLine xmlns:a14="http://schemas.microsoft.com/office/drawing/2010/main" xmlns="" w="9525">
+                <a14:hiddenLine xmlns="" xmlns:a14="http://schemas.microsoft.com/office/drawing/2010/main" w="9525">
                   <a:solidFill>
                     <a:srgbClr val="000000"/>
                   </a:solidFill>
@@ -9185,7 +9185,7 @@
           <a:p>
             <a:fld id="{1DBD9794-A4CC-42D0-9A65-24C6B9EF4076}" type="datetimeFigureOut">
               <a:rPr lang="en-US" smtClean="0"/>
-              <a:t>2/15/2021</a:t>
+              <a:t>2/16/2021</a:t>
             </a:fld>
             <a:endParaRPr lang="en-US"/>
           </a:p>
@@ -9469,7 +9469,7 @@
           <a:p>
             <a:fld id="{1DBD9794-A4CC-42D0-9A65-24C6B9EF4076}" type="datetimeFigureOut">
               <a:rPr lang="en-US" smtClean="0"/>
-              <a:t>2/15/2021</a:t>
+              <a:t>2/16/2021</a:t>
             </a:fld>
             <a:endParaRPr lang="en-US"/>
           </a:p>
@@ -9869,7 +9869,7 @@
           <a:p>
             <a:fld id="{1DBD9794-A4CC-42D0-9A65-24C6B9EF4076}" type="datetimeFigureOut">
               <a:rPr lang="en-US" smtClean="0"/>
-              <a:t>2/15/2021</a:t>
+              <a:t>2/16/2021</a:t>
             </a:fld>
             <a:endParaRPr lang="en-US"/>
           </a:p>
@@ -9999,7 +9999,7 @@
           <a:p>
             <a:fld id="{1DBD9794-A4CC-42D0-9A65-24C6B9EF4076}" type="datetimeFigureOut">
               <a:rPr lang="en-US" smtClean="0"/>
-              <a:t>2/15/2021</a:t>
+              <a:t>2/16/2021</a:t>
             </a:fld>
             <a:endParaRPr lang="en-US"/>
           </a:p>
@@ -10142,7 +10142,7 @@
           <a:p>
             <a:fld id="{1DBD9794-A4CC-42D0-9A65-24C6B9EF4076}" type="datetimeFigureOut">
               <a:rPr lang="en-US" smtClean="0"/>
-              <a:t>2/15/2021</a:t>
+              <a:t>2/16/2021</a:t>
             </a:fld>
             <a:endParaRPr lang="en-US"/>
           </a:p>
@@ -10971,7 +10971,7 @@
             </a:ln>
             <a:extLst>
               <a:ext uri="{91240B29-F687-4f45-9708-019B960494DF}">
-                <a14:hiddenLine xmlns:a14="http://schemas.microsoft.com/office/drawing/2010/main" xmlns="" w="9525">
+                <a14:hiddenLine xmlns="" xmlns:a14="http://schemas.microsoft.com/office/drawing/2010/main" w="9525">
                   <a:solidFill>
                     <a:srgbClr val="000000"/>
                   </a:solidFill>
@@ -11164,7 +11164,7 @@
           <a:p>
             <a:fld id="{1DBD9794-A4CC-42D0-9A65-24C6B9EF4076}" type="datetimeFigureOut">
               <a:rPr lang="en-US" smtClean="0"/>
-              <a:t>2/15/2021</a:t>
+              <a:t>2/16/2021</a:t>
             </a:fld>
             <a:endParaRPr lang="en-US"/>
           </a:p>
@@ -12029,7 +12029,7 @@
             </a:ln>
             <a:extLst>
               <a:ext uri="{91240B29-F687-4f45-9708-019B960494DF}">
-                <a14:hiddenLine xmlns:a14="http://schemas.microsoft.com/office/drawing/2010/main" xmlns="" w="9525">
+                <a14:hiddenLine xmlns="" xmlns:a14="http://schemas.microsoft.com/office/drawing/2010/main" w="9525">
                   <a:solidFill>
                     <a:srgbClr val="000000"/>
                   </a:solidFill>
@@ -12246,7 +12246,7 @@
           <a:p>
             <a:fld id="{1DBD9794-A4CC-42D0-9A65-24C6B9EF4076}" type="datetimeFigureOut">
               <a:rPr lang="en-US" smtClean="0"/>
-              <a:t>2/15/2021</a:t>
+              <a:t>2/16/2021</a:t>
             </a:fld>
             <a:endParaRPr lang="en-US"/>
           </a:p>
@@ -13079,7 +13079,7 @@
             </a:ln>
             <a:extLst>
               <a:ext uri="{91240B29-F687-4f45-9708-019B960494DF}">
-                <a14:hiddenLine xmlns:a14="http://schemas.microsoft.com/office/drawing/2010/main" xmlns="" w="9525">
+                <a14:hiddenLine xmlns="" xmlns:a14="http://schemas.microsoft.com/office/drawing/2010/main" w="9525">
                   <a:solidFill>
                     <a:srgbClr val="000000"/>
                   </a:solidFill>
@@ -13220,7 +13220,7 @@
           <a:p>
             <a:fld id="{1DBD9794-A4CC-42D0-9A65-24C6B9EF4076}" type="datetimeFigureOut">
               <a:rPr lang="en-US" smtClean="0"/>
-              <a:t>2/15/2021</a:t>
+              <a:t>2/16/2021</a:t>
             </a:fld>
             <a:endParaRPr lang="en-US"/>
           </a:p>
@@ -34479,7 +34479,7 @@
                   <a:srgbClr val="262636"/>
                 </a:solidFill>
               </a:rPr>
-              <a:t>входящим потоком:</a:t>
+              <a:t>Потоком на стороне источника:</a:t>
             </a:r>
           </a:p>
           <a:p>
